--- a/lectures/lec0/Lec0-CourseMechanisms.pptx
+++ b/lectures/lec0/Lec0-CourseMechanisms.pptx
@@ -5,25 +5,30 @@
     <p:sldMasterId id="2147483648" r:id="rId1"/>
   </p:sldMasterIdLst>
   <p:notesMasterIdLst>
-    <p:notesMasterId r:id="rId15"/>
+    <p:notesMasterId r:id="rId20"/>
   </p:notesMasterIdLst>
   <p:handoutMasterIdLst>
-    <p:handoutMasterId r:id="rId16"/>
+    <p:handoutMasterId r:id="rId21"/>
   </p:handoutMasterIdLst>
   <p:sldIdLst>
     <p:sldId id="258" r:id="rId2"/>
     <p:sldId id="257" r:id="rId3"/>
     <p:sldId id="308" r:id="rId4"/>
-    <p:sldId id="316" r:id="rId5"/>
-    <p:sldId id="319" r:id="rId6"/>
-    <p:sldId id="317" r:id="rId7"/>
-    <p:sldId id="320" r:id="rId8"/>
-    <p:sldId id="313" r:id="rId9"/>
-    <p:sldId id="264" r:id="rId10"/>
-    <p:sldId id="315" r:id="rId11"/>
-    <p:sldId id="307" r:id="rId12"/>
-    <p:sldId id="304" r:id="rId13"/>
-    <p:sldId id="270" r:id="rId14"/>
+    <p:sldId id="322" r:id="rId5"/>
+    <p:sldId id="324" r:id="rId6"/>
+    <p:sldId id="316" r:id="rId7"/>
+    <p:sldId id="313" r:id="rId8"/>
+    <p:sldId id="319" r:id="rId9"/>
+    <p:sldId id="326" r:id="rId10"/>
+    <p:sldId id="317" r:id="rId11"/>
+    <p:sldId id="320" r:id="rId12"/>
+    <p:sldId id="321" r:id="rId13"/>
+    <p:sldId id="325" r:id="rId14"/>
+    <p:sldId id="264" r:id="rId15"/>
+    <p:sldId id="315" r:id="rId16"/>
+    <p:sldId id="307" r:id="rId17"/>
+    <p:sldId id="304" r:id="rId18"/>
+    <p:sldId id="270" r:id="rId19"/>
   </p:sldIdLst>
   <p:sldSz cx="9144000" cy="6858000" type="screen4x3"/>
   <p:notesSz cx="7010400" cy="9296400"/>
@@ -308,7 +313,7 @@
             <a:fld id="{F33530C9-BF13-40EE-A1EC-EBBB0134EBBA}" type="datetime1">
               <a:rPr lang="en-US"/>
               <a:pPr/>
-              <a:t>8/21/2015</a:t>
+              <a:t>8/22/2015</a:t>
             </a:fld>
             <a:endParaRPr lang="en-US"/>
           </a:p>
@@ -526,7 +531,7 @@
             <a:fld id="{7DD20F8F-B3A0-465C-A2C5-4272F8BE0711}" type="datetime1">
               <a:rPr lang="en-US"/>
               <a:pPr/>
-              <a:t>8/21/2015</a:t>
+              <a:t>8/22/2015</a:t>
             </a:fld>
             <a:endParaRPr lang="en-US"/>
           </a:p>
@@ -925,7 +930,7 @@
             <a:fld id="{7DD20F8F-B3A0-465C-A2C5-4272F8BE0711}" type="datetime1">
               <a:rPr lang="en-US" smtClean="0"/>
               <a:pPr/>
-              <a:t>8/21/2015</a:t>
+              <a:t>8/22/2015</a:t>
             </a:fld>
             <a:endParaRPr lang="en-US"/>
           </a:p>
@@ -1036,7 +1041,7 @@
             <a:fld id="{7DD20F8F-B3A0-465C-A2C5-4272F8BE0711}" type="datetime1">
               <a:rPr lang="en-US" smtClean="0"/>
               <a:pPr/>
-              <a:t>8/21/2015</a:t>
+              <a:t>8/22/2015</a:t>
             </a:fld>
             <a:endParaRPr lang="en-US"/>
           </a:p>
@@ -1149,7 +1154,7 @@
             <a:fld id="{7DD20F8F-B3A0-465C-A2C5-4272F8BE0711}" type="datetime1">
               <a:rPr lang="en-US" smtClean="0"/>
               <a:pPr/>
-              <a:t>8/21/2015</a:t>
+              <a:t>8/22/2015</a:t>
             </a:fld>
             <a:endParaRPr lang="en-US"/>
           </a:p>
@@ -1173,7 +1178,7 @@
             <a:fld id="{CFF31767-D1A3-4648-B372-2E096E58CC1D}" type="slidenum">
               <a:rPr lang="en-US" smtClean="0"/>
               <a:pPr/>
-              <a:t>4</a:t>
+              <a:t>6</a:t>
             </a:fld>
             <a:endParaRPr lang="en-US"/>
           </a:p>
@@ -2949,118 +2954,14 @@
         </p:nvSpPr>
         <p:spPr/>
         <p:txBody>
-          <a:bodyPr/>
+          <a:bodyPr>
+            <a:noAutofit/>
+          </a:bodyPr>
           <a:lstStyle/>
           <a:p>
             <a:r>
               <a:rPr lang="en-US" dirty="0" smtClean="0"/>
-              <a:t>Grading – Bonus Points</a:t>
-            </a:r>
-            <a:endParaRPr lang="en-US" dirty="0"/>
-          </a:p>
-        </p:txBody>
-      </p:sp>
-      <p:sp>
-        <p:nvSpPr>
-          <p:cNvPr id="3" name="Text Placeholder 2"/>
-          <p:cNvSpPr>
-            <a:spLocks noGrp="1"/>
-          </p:cNvSpPr>
-          <p:nvPr>
-            <p:ph type="body" sz="quarter" idx="10"/>
-          </p:nvPr>
-        </p:nvSpPr>
-        <p:spPr/>
-        <p:txBody>
-          <a:bodyPr/>
-          <a:lstStyle/>
-          <a:p>
-            <a:r>
-              <a:rPr lang="en-US" dirty="0" smtClean="0"/>
-              <a:t>Errors for Bonus</a:t>
-            </a:r>
-          </a:p>
-          <a:p>
-            <a:pPr lvl="1"/>
-            <a:r>
-              <a:rPr lang="en-US" dirty="0" smtClean="0"/>
-              <a:t>Help us find errors (typos, grammar mistakes, technical mistakes, </a:t>
-            </a:r>
-            <a:r>
-              <a:rPr lang="en-US" dirty="0" err="1" smtClean="0"/>
-              <a:t>etc</a:t>
-            </a:r>
-            <a:r>
-              <a:rPr lang="en-US" dirty="0" smtClean="0"/>
-              <a:t>) in the course materials (lecture notes, lab manuals, guidelines, </a:t>
-            </a:r>
-            <a:r>
-              <a:rPr lang="en-US" dirty="0" err="1" smtClean="0"/>
-              <a:t>etc</a:t>
-            </a:r>
-            <a:r>
-              <a:rPr lang="en-US" dirty="0" smtClean="0"/>
-              <a:t>)</a:t>
-            </a:r>
-          </a:p>
-          <a:p>
-            <a:pPr lvl="1"/>
-            <a:r>
-              <a:rPr lang="en-US" dirty="0" smtClean="0"/>
-              <a:t>The first to find and report an error on Piazza gets 0.1 point for each error</a:t>
-            </a:r>
-            <a:endParaRPr lang="en-US" dirty="0"/>
-          </a:p>
-        </p:txBody>
-      </p:sp>
-    </p:spTree>
-    <p:extLst>
-      <p:ext uri="{BB962C8B-B14F-4D97-AF65-F5344CB8AC3E}">
-        <p14:creationId xmlns:p14="http://schemas.microsoft.com/office/powerpoint/2010/main" val="3708933933"/>
-      </p:ext>
-    </p:extLst>
-  </p:cSld>
-  <p:clrMapOvr>
-    <a:masterClrMapping/>
-  </p:clrMapOvr>
-</p:sld>
-</file>
-
-<file path=ppt/slides/slide11.xml><?xml version="1.0" encoding="utf-8"?>
-<p:sld xmlns:a="http://schemas.openxmlformats.org/drawingml/2006/main" xmlns:r="http://schemas.openxmlformats.org/officeDocument/2006/relationships" xmlns:p="http://schemas.openxmlformats.org/presentationml/2006/main">
-  <p:cSld>
-    <p:spTree>
-      <p:nvGrpSpPr>
-        <p:cNvPr id="1" name=""/>
-        <p:cNvGrpSpPr/>
-        <p:nvPr/>
-      </p:nvGrpSpPr>
-      <p:grpSpPr>
-        <a:xfrm>
-          <a:off x="0" y="0"/>
-          <a:ext cx="0" cy="0"/>
-          <a:chOff x="0" y="0"/>
-          <a:chExt cx="0" cy="0"/>
-        </a:xfrm>
-      </p:grpSpPr>
-      <p:sp>
-        <p:nvSpPr>
-          <p:cNvPr id="2" name="Title 1"/>
-          <p:cNvSpPr>
-            <a:spLocks noGrp="1"/>
-          </p:cNvSpPr>
-          <p:nvPr>
-            <p:ph type="title"/>
-          </p:nvPr>
-        </p:nvSpPr>
-        <p:spPr/>
-        <p:txBody>
-          <a:bodyPr/>
-          <a:lstStyle/>
-          <a:p>
-            <a:r>
-              <a:rPr lang="en-US" dirty="0" smtClean="0"/>
-              <a:t>Grading – Bonus Points</a:t>
+              <a:t>Quarter 1 Lab Schedule</a:t>
             </a:r>
             <a:endParaRPr lang="en-US" dirty="0"/>
           </a:p>
@@ -3078,8 +2979,8 @@
         </p:nvSpPr>
         <p:spPr>
           <a:xfrm>
-            <a:off x="304800" y="933262"/>
-            <a:ext cx="4907279" cy="4335463"/>
+            <a:off x="304800" y="5567058"/>
+            <a:ext cx="8493125" cy="1019091"/>
           </a:xfrm>
         </p:spPr>
         <p:txBody>
@@ -3088,2152 +2989,7 @@
           <a:p>
             <a:r>
               <a:rPr lang="en-US" dirty="0" smtClean="0"/>
-              <a:t>Getting your HAM radio license </a:t>
-            </a:r>
-          </a:p>
-          <a:p>
-            <a:pPr lvl="1"/>
-            <a:r>
-              <a:rPr lang="en-US" dirty="0" smtClean="0"/>
-              <a:t>Technician class (</a:t>
-            </a:r>
-            <a:r>
-              <a:rPr lang="en-US" dirty="0" smtClean="0">
-                <a:solidFill>
-                  <a:srgbClr val="00B050"/>
-                </a:solidFill>
-              </a:rPr>
-              <a:t>2 pts</a:t>
-            </a:r>
-            <a:r>
-              <a:rPr lang="en-US" dirty="0" smtClean="0"/>
-              <a:t>)</a:t>
-            </a:r>
-          </a:p>
-          <a:p>
-            <a:pPr lvl="2"/>
-            <a:r>
-              <a:rPr lang="en-US" dirty="0" smtClean="0"/>
-              <a:t>Transmission above 30 MHz</a:t>
-            </a:r>
-          </a:p>
-          <a:p>
-            <a:pPr lvl="1"/>
-            <a:r>
-              <a:rPr lang="en-US" dirty="0" smtClean="0"/>
-              <a:t>General class (</a:t>
-            </a:r>
-            <a:r>
-              <a:rPr lang="en-US" dirty="0" smtClean="0">
-                <a:solidFill>
-                  <a:srgbClr val="00B050"/>
-                </a:solidFill>
-              </a:rPr>
-              <a:t>2 pts</a:t>
-            </a:r>
-            <a:r>
-              <a:rPr lang="en-US" dirty="0" smtClean="0"/>
-              <a:t>)</a:t>
-            </a:r>
-          </a:p>
-          <a:p>
-            <a:pPr lvl="2"/>
-            <a:r>
-              <a:rPr lang="en-US" dirty="0" smtClean="0"/>
-              <a:t>Access to the HF band</a:t>
-            </a:r>
-          </a:p>
-          <a:p>
-            <a:pPr lvl="1"/>
-            <a:r>
-              <a:rPr lang="en-US" dirty="0" smtClean="0"/>
-              <a:t>Extra (</a:t>
-            </a:r>
-            <a:r>
-              <a:rPr lang="en-US" dirty="0" smtClean="0">
-                <a:solidFill>
-                  <a:srgbClr val="00B050"/>
-                </a:solidFill>
-              </a:rPr>
-              <a:t>3 pts</a:t>
-            </a:r>
-            <a:r>
-              <a:rPr lang="en-US" dirty="0" smtClean="0"/>
-              <a:t>)</a:t>
-            </a:r>
-          </a:p>
-          <a:p>
-            <a:pPr lvl="2"/>
-            <a:r>
-              <a:rPr lang="en-US" dirty="0" smtClean="0"/>
-              <a:t>Transmission on all bands</a:t>
-            </a:r>
-          </a:p>
-          <a:p>
-            <a:r>
-              <a:rPr lang="en-US" dirty="0" smtClean="0"/>
-              <a:t>Log on to </a:t>
-            </a:r>
-            <a:r>
-              <a:rPr lang="en-US" dirty="0" smtClean="0">
-                <a:hlinkClick r:id="rId2"/>
-              </a:rPr>
-              <a:t>www.arrl.org</a:t>
-            </a:r>
-            <a:r>
-              <a:rPr lang="en-US" dirty="0" smtClean="0"/>
-              <a:t> for information on licensing and exams</a:t>
-            </a:r>
-          </a:p>
-          <a:p>
-            <a:r>
-              <a:rPr lang="en-US" dirty="0" smtClean="0"/>
-              <a:t>The following links provides additional materials for preparing for the exams</a:t>
-            </a:r>
-          </a:p>
-          <a:p>
-            <a:pPr lvl="1"/>
-            <a:r>
-              <a:rPr lang="en-US">
-                <a:hlinkClick r:id="rId3"/>
-              </a:rPr>
-              <a:t>http://www.hamradioschool.com</a:t>
-            </a:r>
-            <a:r>
-              <a:rPr lang="en-US" smtClean="0">
-                <a:hlinkClick r:id="rId3"/>
-              </a:rPr>
-              <a:t>/</a:t>
-            </a:r>
-            <a:r>
-              <a:rPr lang="en-US" smtClean="0"/>
-              <a:t> </a:t>
-            </a:r>
-          </a:p>
-          <a:p>
-            <a:pPr lvl="1"/>
-            <a:endParaRPr lang="en-US" dirty="0" smtClean="0"/>
-          </a:p>
-          <a:p>
-            <a:r>
-              <a:rPr lang="en-US" dirty="0" smtClean="0"/>
-              <a:t>We may arrange training sessions or even exams</a:t>
-            </a:r>
-            <a:endParaRPr lang="en-US" dirty="0"/>
-          </a:p>
-        </p:txBody>
-      </p:sp>
-      <p:pic>
-        <p:nvPicPr>
-          <p:cNvPr id="5" name="Picture 4" descr="http://www.arrl.org/images/view/News/ARRL%20logo%20type_3.jpg"/>
-          <p:cNvPicPr>
-            <a:picLocks noChangeAspect="1" noChangeArrowheads="1"/>
-          </p:cNvPicPr>
-          <p:nvPr/>
-        </p:nvPicPr>
-        <p:blipFill>
-          <a:blip r:embed="rId4" cstate="print">
-            <a:extLst>
-              <a:ext uri="{28A0092B-C50C-407E-A947-70E740481C1C}">
-                <a14:useLocalDpi xmlns:a14="http://schemas.microsoft.com/office/drawing/2010/main" val="0"/>
-              </a:ext>
-            </a:extLst>
-          </a:blip>
-          <a:srcRect/>
-          <a:stretch>
-            <a:fillRect/>
-          </a:stretch>
-        </p:blipFill>
-        <p:spPr bwMode="auto">
-          <a:xfrm>
-            <a:off x="5396345" y="933262"/>
-            <a:ext cx="3229495" cy="2061035"/>
-          </a:xfrm>
-          <a:prstGeom prst="rect">
-            <a:avLst/>
-          </a:prstGeom>
-          <a:noFill/>
-          <a:extLst>
-            <a:ext uri="{909E8E84-426E-40DD-AFC4-6F175D3DCCD1}">
-              <a14:hiddenFill xmlns:a14="http://schemas.microsoft.com/office/drawing/2010/main">
-                <a:solidFill>
-                  <a:srgbClr val="FFFFFF"/>
-                </a:solidFill>
-              </a14:hiddenFill>
-            </a:ext>
-          </a:extLst>
-        </p:spPr>
-      </p:pic>
-      <p:pic>
-        <p:nvPicPr>
-          <p:cNvPr id="6" name="Picture 6" descr="http://files.qrz.com/x/iz2sux/Homer_HamRadio.png"/>
-          <p:cNvPicPr>
-            <a:picLocks noChangeAspect="1" noChangeArrowheads="1"/>
-          </p:cNvPicPr>
-          <p:nvPr/>
-        </p:nvPicPr>
-        <p:blipFill>
-          <a:blip r:embed="rId5">
-            <a:extLst>
-              <a:ext uri="{28A0092B-C50C-407E-A947-70E740481C1C}">
-                <a14:useLocalDpi xmlns:a14="http://schemas.microsoft.com/office/drawing/2010/main" val="0"/>
-              </a:ext>
-            </a:extLst>
-          </a:blip>
-          <a:srcRect/>
-          <a:stretch>
-            <a:fillRect/>
-          </a:stretch>
-        </p:blipFill>
-        <p:spPr bwMode="auto">
-          <a:xfrm>
-            <a:off x="5586151" y="3142040"/>
-            <a:ext cx="2849881" cy="2126685"/>
-          </a:xfrm>
-          <a:prstGeom prst="rect">
-            <a:avLst/>
-          </a:prstGeom>
-          <a:noFill/>
-          <a:extLst>
-            <a:ext uri="{909E8E84-426E-40DD-AFC4-6F175D3DCCD1}">
-              <a14:hiddenFill xmlns:a14="http://schemas.microsoft.com/office/drawing/2010/main">
-                <a:solidFill>
-                  <a:srgbClr val="FFFFFF"/>
-                </a:solidFill>
-              </a14:hiddenFill>
-            </a:ext>
-          </a:extLst>
-        </p:spPr>
-      </p:pic>
-    </p:spTree>
-    <p:extLst>
-      <p:ext uri="{BB962C8B-B14F-4D97-AF65-F5344CB8AC3E}">
-        <p14:creationId xmlns:p14="http://schemas.microsoft.com/office/powerpoint/2010/main" val="3622427541"/>
-      </p:ext>
-    </p:extLst>
-  </p:cSld>
-  <p:clrMapOvr>
-    <a:masterClrMapping/>
-  </p:clrMapOvr>
-  <p:timing>
-    <p:tnLst>
-      <p:par>
-        <p:cTn id="1" dur="indefinite" restart="never" nodeType="tmRoot"/>
-      </p:par>
-    </p:tnLst>
-  </p:timing>
-</p:sld>
-</file>
-
-<file path=ppt/slides/slide12.xml><?xml version="1.0" encoding="utf-8"?>
-<p:sld xmlns:a="http://schemas.openxmlformats.org/drawingml/2006/main" xmlns:r="http://schemas.openxmlformats.org/officeDocument/2006/relationships" xmlns:p="http://schemas.openxmlformats.org/presentationml/2006/main">
-  <p:cSld>
-    <p:spTree>
-      <p:nvGrpSpPr>
-        <p:cNvPr id="1" name=""/>
-        <p:cNvGrpSpPr/>
-        <p:nvPr/>
-      </p:nvGrpSpPr>
-      <p:grpSpPr>
-        <a:xfrm>
-          <a:off x="0" y="0"/>
-          <a:ext cx="0" cy="0"/>
-          <a:chOff x="0" y="0"/>
-          <a:chExt cx="0" cy="0"/>
-        </a:xfrm>
-      </p:grpSpPr>
-      <p:sp>
-        <p:nvSpPr>
-          <p:cNvPr id="2" name="Title 1"/>
-          <p:cNvSpPr>
-            <a:spLocks noGrp="1"/>
-          </p:cNvSpPr>
-          <p:nvPr>
-            <p:ph type="title"/>
-          </p:nvPr>
-        </p:nvSpPr>
-        <p:spPr/>
-        <p:txBody>
-          <a:bodyPr/>
-          <a:lstStyle/>
-          <a:p>
-            <a:r>
-              <a:rPr lang="en-US" dirty="0"/>
-              <a:t>Grading – Bonus Points</a:t>
-            </a:r>
-          </a:p>
-        </p:txBody>
-      </p:sp>
-      <p:pic>
-        <p:nvPicPr>
-          <p:cNvPr id="4" name="Picture 3"/>
-          <p:cNvPicPr>
-            <a:picLocks noChangeAspect="1"/>
-          </p:cNvPicPr>
-          <p:nvPr/>
-        </p:nvPicPr>
-        <p:blipFill>
-          <a:blip r:embed="rId2"/>
-          <a:stretch>
-            <a:fillRect/>
-          </a:stretch>
-        </p:blipFill>
-        <p:spPr>
-          <a:xfrm>
-            <a:off x="877917" y="3850892"/>
-            <a:ext cx="3090125" cy="1725371"/>
-          </a:xfrm>
-          <a:prstGeom prst="rect">
-            <a:avLst/>
-          </a:prstGeom>
-        </p:spPr>
-      </p:pic>
-      <p:sp>
-        <p:nvSpPr>
-          <p:cNvPr id="5" name="Text Placeholder 2"/>
-          <p:cNvSpPr>
-            <a:spLocks noGrp="1"/>
-          </p:cNvSpPr>
-          <p:nvPr>
-            <p:ph type="body" sz="quarter" idx="10"/>
-          </p:nvPr>
-        </p:nvSpPr>
-        <p:spPr>
-          <a:xfrm>
-            <a:off x="304800" y="933263"/>
-            <a:ext cx="8107680" cy="1230818"/>
-          </a:xfrm>
-        </p:spPr>
-        <p:txBody>
-          <a:bodyPr/>
-          <a:lstStyle/>
-          <a:p>
-            <a:r>
-              <a:rPr lang="en-US" dirty="0" smtClean="0"/>
-              <a:t>Participating in the Picnic Day (</a:t>
-            </a:r>
-            <a:r>
-              <a:rPr lang="en-US" dirty="0" smtClean="0">
-                <a:solidFill>
-                  <a:srgbClr val="00B050"/>
-                </a:solidFill>
-              </a:rPr>
-              <a:t>10 pts</a:t>
-            </a:r>
-            <a:r>
-              <a:rPr lang="en-US" dirty="0" smtClean="0"/>
-              <a:t>) and/or the Maker Faire (</a:t>
-            </a:r>
-            <a:r>
-              <a:rPr lang="en-US" dirty="0" smtClean="0">
-                <a:solidFill>
-                  <a:srgbClr val="00B050"/>
-                </a:solidFill>
-              </a:rPr>
-              <a:t>10 pts</a:t>
-            </a:r>
-            <a:r>
-              <a:rPr lang="en-US" dirty="0" smtClean="0"/>
-              <a:t>)</a:t>
-            </a:r>
-          </a:p>
-          <a:p>
-            <a:pPr lvl="1"/>
-            <a:r>
-              <a:rPr lang="en-US" dirty="0"/>
-              <a:t>Showcase your project </a:t>
-            </a:r>
-          </a:p>
-          <a:p>
-            <a:pPr lvl="1"/>
-            <a:r>
-              <a:rPr lang="en-US" dirty="0" smtClean="0"/>
-              <a:t>Some </a:t>
-            </a:r>
-            <a:r>
-              <a:rPr lang="en-US" dirty="0"/>
-              <a:t>visual/audio effects are </a:t>
-            </a:r>
-            <a:r>
-              <a:rPr lang="en-US" dirty="0" smtClean="0"/>
-              <a:t>needed to attract the audience</a:t>
-            </a:r>
-          </a:p>
-          <a:p>
-            <a:pPr lvl="1"/>
-            <a:r>
-              <a:rPr lang="en-US" dirty="0" smtClean="0"/>
-              <a:t>Consent from the instructor</a:t>
-            </a:r>
-          </a:p>
-          <a:p>
-            <a:r>
-              <a:rPr lang="en-US" dirty="0" smtClean="0"/>
-              <a:t>If you are interested in pursuing this, you should start talking with the instructor early</a:t>
-            </a:r>
-          </a:p>
-        </p:txBody>
-      </p:sp>
-      <p:pic>
-        <p:nvPicPr>
-          <p:cNvPr id="6" name="Picture 5"/>
-          <p:cNvPicPr>
-            <a:picLocks noChangeAspect="1"/>
-          </p:cNvPicPr>
-          <p:nvPr/>
-        </p:nvPicPr>
-        <p:blipFill rotWithShape="1">
-          <a:blip r:embed="rId3"/>
-          <a:srcRect b="13592"/>
-          <a:stretch/>
-        </p:blipFill>
-        <p:spPr>
-          <a:xfrm>
-            <a:off x="4856996" y="3661203"/>
-            <a:ext cx="3065702" cy="2099159"/>
-          </a:xfrm>
-          <a:prstGeom prst="rect">
-            <a:avLst/>
-          </a:prstGeom>
-        </p:spPr>
-      </p:pic>
-    </p:spTree>
-    <p:extLst>
-      <p:ext uri="{BB962C8B-B14F-4D97-AF65-F5344CB8AC3E}">
-        <p14:creationId xmlns:p14="http://schemas.microsoft.com/office/powerpoint/2010/main" val="3197747689"/>
-      </p:ext>
-    </p:extLst>
-  </p:cSld>
-  <p:clrMapOvr>
-    <a:masterClrMapping/>
-  </p:clrMapOvr>
-  <mc:AlternateContent xmlns:mc="http://schemas.openxmlformats.org/markup-compatibility/2006" xmlns:p14="http://schemas.microsoft.com/office/powerpoint/2010/main">
-    <mc:Choice Requires="p14">
-      <p:transition spd="slow" p14:dur="2000"/>
-    </mc:Choice>
-    <mc:Fallback xmlns="">
-      <p:transition spd="slow"/>
-    </mc:Fallback>
-  </mc:AlternateContent>
-  <p:timing>
-    <p:tnLst>
-      <p:par>
-        <p:cTn id="1" dur="indefinite" restart="never" nodeType="tmRoot"/>
-      </p:par>
-    </p:tnLst>
-  </p:timing>
-</p:sld>
-</file>
-
-<file path=ppt/slides/slide13.xml><?xml version="1.0" encoding="utf-8"?>
-<p:sld xmlns:a="http://schemas.openxmlformats.org/drawingml/2006/main" xmlns:r="http://schemas.openxmlformats.org/officeDocument/2006/relationships" xmlns:p="http://schemas.openxmlformats.org/presentationml/2006/main">
-  <p:cSld>
-    <p:spTree>
-      <p:nvGrpSpPr>
-        <p:cNvPr id="1" name=""/>
-        <p:cNvGrpSpPr/>
-        <p:nvPr/>
-      </p:nvGrpSpPr>
-      <p:grpSpPr>
-        <a:xfrm>
-          <a:off x="0" y="0"/>
-          <a:ext cx="0" cy="0"/>
-          <a:chOff x="0" y="0"/>
-          <a:chExt cx="0" cy="0"/>
-        </a:xfrm>
-      </p:grpSpPr>
-      <p:sp>
-        <p:nvSpPr>
-          <p:cNvPr id="2" name="Title 1"/>
-          <p:cNvSpPr>
-            <a:spLocks noGrp="1"/>
-          </p:cNvSpPr>
-          <p:nvPr>
-            <p:ph type="title"/>
-          </p:nvPr>
-        </p:nvSpPr>
-        <p:spPr/>
-        <p:txBody>
-          <a:bodyPr>
-            <a:normAutofit/>
-          </a:bodyPr>
-          <a:lstStyle/>
-          <a:p>
-            <a:r>
-              <a:rPr lang="en-US" dirty="0" smtClean="0"/>
-              <a:t>Seeking Help</a:t>
-            </a:r>
-            <a:endParaRPr lang="en-US" dirty="0"/>
-          </a:p>
-        </p:txBody>
-      </p:sp>
-      <p:sp>
-        <p:nvSpPr>
-          <p:cNvPr id="3" name="Content Placeholder 2"/>
-          <p:cNvSpPr>
-            <a:spLocks noGrp="1"/>
-          </p:cNvSpPr>
-          <p:nvPr>
-            <p:ph type="body" sz="quarter" idx="10"/>
-          </p:nvPr>
-        </p:nvSpPr>
-        <p:spPr/>
-        <p:txBody>
-          <a:bodyPr/>
-          <a:lstStyle/>
-          <a:p>
-            <a:pPr>
-              <a:lnSpc>
-                <a:spcPct val="114000"/>
-              </a:lnSpc>
-            </a:pPr>
-            <a:r>
-              <a:rPr lang="en-US" sz="1800" dirty="0" smtClean="0"/>
-              <a:t>The EEC 134 Piazza forum:</a:t>
-            </a:r>
-          </a:p>
-          <a:p>
-            <a:pPr lvl="1">
-              <a:lnSpc>
-                <a:spcPct val="114000"/>
-              </a:lnSpc>
-            </a:pPr>
-            <a:r>
-              <a:rPr lang="en-US" sz="1600" dirty="0" smtClean="0">
-                <a:hlinkClick r:id="rId2"/>
-              </a:rPr>
-              <a:t>https</a:t>
-            </a:r>
-            <a:r>
-              <a:rPr lang="en-US" sz="1600" dirty="0">
-                <a:hlinkClick r:id="rId2"/>
-              </a:rPr>
-              <a:t>://</a:t>
-            </a:r>
-            <a:r>
-              <a:rPr lang="en-US" sz="1600" dirty="0" smtClean="0">
-                <a:hlinkClick r:id="rId2"/>
-              </a:rPr>
-              <a:t>piazza.com/ucdavis/fall2014/eec134a/home</a:t>
-            </a:r>
-            <a:r>
-              <a:rPr lang="en-US" sz="1600" dirty="0" smtClean="0"/>
-              <a:t> </a:t>
-            </a:r>
-          </a:p>
-          <a:p>
-            <a:pPr>
-              <a:lnSpc>
-                <a:spcPct val="114000"/>
-              </a:lnSpc>
-            </a:pPr>
-            <a:r>
-              <a:rPr lang="en-US" sz="1800" dirty="0" smtClean="0"/>
-              <a:t>Reference materials provided by the class </a:t>
-            </a:r>
-          </a:p>
-          <a:p>
-            <a:pPr>
-              <a:lnSpc>
-                <a:spcPct val="114000"/>
-              </a:lnSpc>
-            </a:pPr>
-            <a:r>
-              <a:rPr lang="en-US" sz="1800" dirty="0" smtClean="0"/>
-              <a:t>The almighty Internet !</a:t>
-            </a:r>
-          </a:p>
-          <a:p>
-            <a:pPr lvl="1">
-              <a:lnSpc>
-                <a:spcPct val="114000"/>
-              </a:lnSpc>
-            </a:pPr>
-            <a:r>
-              <a:rPr lang="en-US" sz="1600" dirty="0" smtClean="0"/>
-              <a:t>Google!</a:t>
-            </a:r>
-          </a:p>
-          <a:p>
-            <a:pPr lvl="1">
-              <a:lnSpc>
-                <a:spcPct val="114000"/>
-              </a:lnSpc>
-            </a:pPr>
-            <a:r>
-              <a:rPr lang="en-US" sz="1600" dirty="0" smtClean="0"/>
-              <a:t>Wikipedia</a:t>
-            </a:r>
-          </a:p>
-          <a:p>
-            <a:pPr lvl="1">
-              <a:lnSpc>
-                <a:spcPct val="114000"/>
-              </a:lnSpc>
-            </a:pPr>
-            <a:r>
-              <a:rPr lang="en-US" sz="1600" dirty="0" smtClean="0"/>
-              <a:t>Forums</a:t>
-            </a:r>
-          </a:p>
-          <a:p>
-            <a:pPr lvl="2">
-              <a:lnSpc>
-                <a:spcPct val="114000"/>
-              </a:lnSpc>
-            </a:pPr>
-            <a:r>
-              <a:rPr lang="en-US" sz="1400" dirty="0">
-                <a:hlinkClick r:id="rId3"/>
-              </a:rPr>
-              <a:t>http://www.edaboard.com</a:t>
-            </a:r>
-            <a:r>
-              <a:rPr lang="en-US" sz="1400" dirty="0" smtClean="0">
-                <a:hlinkClick r:id="rId3"/>
-              </a:rPr>
-              <a:t>/</a:t>
-            </a:r>
-            <a:r>
-              <a:rPr lang="en-US" sz="1400" dirty="0" smtClean="0"/>
-              <a:t> </a:t>
-            </a:r>
-          </a:p>
-          <a:p>
-            <a:pPr lvl="2">
-              <a:lnSpc>
-                <a:spcPct val="114000"/>
-              </a:lnSpc>
-            </a:pPr>
-            <a:r>
-              <a:rPr lang="en-US" sz="1400" dirty="0">
-                <a:hlinkClick r:id="rId4"/>
-              </a:rPr>
-              <a:t>http://www.eevblog.com/forum</a:t>
-            </a:r>
-            <a:r>
-              <a:rPr lang="en-US" sz="1400" dirty="0" smtClean="0">
-                <a:hlinkClick r:id="rId4"/>
-              </a:rPr>
-              <a:t>/</a:t>
-            </a:r>
-            <a:endParaRPr lang="en-US" sz="1400" dirty="0" smtClean="0"/>
-          </a:p>
-          <a:p>
-            <a:pPr lvl="2">
-              <a:lnSpc>
-                <a:spcPct val="114000"/>
-              </a:lnSpc>
-            </a:pPr>
-            <a:r>
-              <a:rPr lang="en-US" sz="1400" dirty="0">
-                <a:hlinkClick r:id="rId5"/>
-              </a:rPr>
-              <a:t>http://electronics.stackexchange.com</a:t>
-            </a:r>
-            <a:r>
-              <a:rPr lang="en-US" sz="1400" dirty="0" smtClean="0">
-                <a:hlinkClick r:id="rId5"/>
-              </a:rPr>
-              <a:t>/</a:t>
-            </a:r>
-            <a:r>
-              <a:rPr lang="en-US" sz="1400" dirty="0" smtClean="0"/>
-              <a:t> </a:t>
-            </a:r>
-          </a:p>
-          <a:p>
-            <a:pPr lvl="2">
-              <a:lnSpc>
-                <a:spcPct val="114000"/>
-              </a:lnSpc>
-            </a:pPr>
-            <a:r>
-              <a:rPr lang="en-US" sz="1400" dirty="0">
-                <a:hlinkClick r:id="rId6"/>
-              </a:rPr>
-              <a:t>https://forum.sparkfun.com</a:t>
-            </a:r>
-            <a:r>
-              <a:rPr lang="en-US" sz="1400" dirty="0" smtClean="0">
-                <a:hlinkClick r:id="rId6"/>
-              </a:rPr>
-              <a:t>/</a:t>
-            </a:r>
-            <a:r>
-              <a:rPr lang="en-US" sz="1400" dirty="0" smtClean="0"/>
-              <a:t> </a:t>
-            </a:r>
-          </a:p>
-          <a:p>
-            <a:pPr lvl="2">
-              <a:lnSpc>
-                <a:spcPct val="114000"/>
-              </a:lnSpc>
-            </a:pPr>
-            <a:r>
-              <a:rPr lang="en-US" sz="1400" dirty="0">
-                <a:hlinkClick r:id="rId7"/>
-              </a:rPr>
-              <a:t>https://forums.adafruit.com</a:t>
-            </a:r>
-            <a:r>
-              <a:rPr lang="en-US" sz="1400" dirty="0" smtClean="0">
-                <a:hlinkClick r:id="rId7"/>
-              </a:rPr>
-              <a:t>/</a:t>
-            </a:r>
-            <a:r>
-              <a:rPr lang="en-US" sz="1400" dirty="0" smtClean="0"/>
-              <a:t> </a:t>
-            </a:r>
-          </a:p>
-          <a:p>
-            <a:pPr>
-              <a:lnSpc>
-                <a:spcPct val="114000"/>
-              </a:lnSpc>
-            </a:pPr>
-            <a:r>
-              <a:rPr lang="en-US" sz="2000" dirty="0" smtClean="0"/>
-              <a:t>The UCD library</a:t>
-            </a:r>
-          </a:p>
-        </p:txBody>
-      </p:sp>
-      <p:pic>
-        <p:nvPicPr>
-          <p:cNvPr id="179206" name="Picture 6" descr="http://www.webelowwear.com/wwblog/wp-content/sparkfun-logo.bmp"/>
-          <p:cNvPicPr>
-            <a:picLocks noChangeAspect="1" noChangeArrowheads="1"/>
-          </p:cNvPicPr>
-          <p:nvPr/>
-        </p:nvPicPr>
-        <p:blipFill>
-          <a:blip r:embed="rId8" cstate="print"/>
-          <a:srcRect l="10613" t="15924" r="10901" b="21433"/>
-          <a:stretch>
-            <a:fillRect/>
-          </a:stretch>
-        </p:blipFill>
-        <p:spPr bwMode="auto">
-          <a:xfrm>
-            <a:off x="5978779" y="4160060"/>
-            <a:ext cx="1733904" cy="850594"/>
-          </a:xfrm>
-          <a:prstGeom prst="rect">
-            <a:avLst/>
-          </a:prstGeom>
-          <a:noFill/>
-        </p:spPr>
-      </p:pic>
-      <p:pic>
-        <p:nvPicPr>
-          <p:cNvPr id="2050" name="Picture 2" descr="Adafruit Logo"/>
-          <p:cNvPicPr>
-            <a:picLocks noChangeAspect="1" noChangeArrowheads="1"/>
-          </p:cNvPicPr>
-          <p:nvPr/>
-        </p:nvPicPr>
-        <p:blipFill>
-          <a:blip r:embed="rId9">
-            <a:duotone>
-              <a:prstClr val="black"/>
-              <a:schemeClr val="bg2">
-                <a:tint val="45000"/>
-                <a:satMod val="400000"/>
-              </a:schemeClr>
-            </a:duotone>
-            <a:extLst>
-              <a:ext uri="{28A0092B-C50C-407E-A947-70E740481C1C}">
-                <a14:useLocalDpi xmlns:a14="http://schemas.microsoft.com/office/drawing/2010/main" val="0"/>
-              </a:ext>
-            </a:extLst>
-          </a:blip>
-          <a:srcRect/>
-          <a:stretch>
-            <a:fillRect/>
-          </a:stretch>
-        </p:blipFill>
-        <p:spPr bwMode="auto">
-          <a:xfrm>
-            <a:off x="5948158" y="5079482"/>
-            <a:ext cx="1795145" cy="626214"/>
-          </a:xfrm>
-          <a:prstGeom prst="rect">
-            <a:avLst/>
-          </a:prstGeom>
-          <a:noFill/>
-          <a:ln>
-            <a:noFill/>
-          </a:ln>
-          <a:extLst>
-            <a:ext uri="{909E8E84-426E-40DD-AFC4-6F175D3DCCD1}">
-              <a14:hiddenFill xmlns:a14="http://schemas.microsoft.com/office/drawing/2010/main">
-                <a:solidFill>
-                  <a:srgbClr val="FFFFFF"/>
-                </a:solidFill>
-              </a14:hiddenFill>
-            </a:ext>
-          </a:extLst>
-        </p:spPr>
-      </p:pic>
-      <p:pic>
-        <p:nvPicPr>
-          <p:cNvPr id="2052" name="Picture 4" descr="http://www.eevblog.com/images/logo/EEVblogLogo.png"/>
-          <p:cNvPicPr>
-            <a:picLocks noChangeAspect="1" noChangeArrowheads="1"/>
-          </p:cNvPicPr>
-          <p:nvPr/>
-        </p:nvPicPr>
-        <p:blipFill>
-          <a:blip r:embed="rId10">
-            <a:extLst>
-              <a:ext uri="{28A0092B-C50C-407E-A947-70E740481C1C}">
-                <a14:useLocalDpi xmlns:a14="http://schemas.microsoft.com/office/drawing/2010/main" val="0"/>
-              </a:ext>
-            </a:extLst>
-          </a:blip>
-          <a:srcRect/>
-          <a:stretch>
-            <a:fillRect/>
-          </a:stretch>
-        </p:blipFill>
-        <p:spPr bwMode="auto">
-          <a:xfrm>
-            <a:off x="5932919" y="2792347"/>
-            <a:ext cx="1825625" cy="572443"/>
-          </a:xfrm>
-          <a:prstGeom prst="rect">
-            <a:avLst/>
-          </a:prstGeom>
-          <a:noFill/>
-          <a:extLst>
-            <a:ext uri="{909E8E84-426E-40DD-AFC4-6F175D3DCCD1}">
-              <a14:hiddenFill xmlns:a14="http://schemas.microsoft.com/office/drawing/2010/main">
-                <a:solidFill>
-                  <a:srgbClr val="FFFFFF"/>
-                </a:solidFill>
-              </a14:hiddenFill>
-            </a:ext>
-          </a:extLst>
-        </p:spPr>
-      </p:pic>
-      <p:pic>
-        <p:nvPicPr>
-          <p:cNvPr id="2054" name="Picture 6" descr="http://www.edaboard.com/images/misc/vbulletin4_logo_black.png"/>
-          <p:cNvPicPr>
-            <a:picLocks noChangeAspect="1" noChangeArrowheads="1"/>
-          </p:cNvPicPr>
-          <p:nvPr/>
-        </p:nvPicPr>
-        <p:blipFill>
-          <a:blip r:embed="rId11">
-            <a:extLst>
-              <a:ext uri="{28A0092B-C50C-407E-A947-70E740481C1C}">
-                <a14:useLocalDpi xmlns:a14="http://schemas.microsoft.com/office/drawing/2010/main" val="0"/>
-              </a:ext>
-            </a:extLst>
-          </a:blip>
-          <a:srcRect/>
-          <a:stretch>
-            <a:fillRect/>
-          </a:stretch>
-        </p:blipFill>
-        <p:spPr bwMode="auto">
-          <a:xfrm>
-            <a:off x="5640820" y="2182934"/>
-            <a:ext cx="2409825" cy="590551"/>
-          </a:xfrm>
-          <a:prstGeom prst="rect">
-            <a:avLst/>
-          </a:prstGeom>
-          <a:noFill/>
-          <a:extLst>
-            <a:ext uri="{909E8E84-426E-40DD-AFC4-6F175D3DCCD1}">
-              <a14:hiddenFill xmlns:a14="http://schemas.microsoft.com/office/drawing/2010/main">
-                <a:solidFill>
-                  <a:srgbClr val="FFFFFF"/>
-                </a:solidFill>
-              </a14:hiddenFill>
-            </a:ext>
-          </a:extLst>
-        </p:spPr>
-      </p:pic>
-      <p:pic>
-        <p:nvPicPr>
-          <p:cNvPr id="2056" name="Picture 8" descr="https://s3.amazonaws.com/circuitlab-images/misc/20130306-stackexchange-circuitlab-logos.png"/>
-          <p:cNvPicPr>
-            <a:picLocks noChangeAspect="1" noChangeArrowheads="1"/>
-          </p:cNvPicPr>
-          <p:nvPr/>
-        </p:nvPicPr>
-        <p:blipFill>
-          <a:blip r:embed="rId12">
-            <a:extLst>
-              <a:ext uri="{28A0092B-C50C-407E-A947-70E740481C1C}">
-                <a14:useLocalDpi xmlns:a14="http://schemas.microsoft.com/office/drawing/2010/main" val="0"/>
-              </a:ext>
-            </a:extLst>
-          </a:blip>
-          <a:srcRect/>
-          <a:stretch>
-            <a:fillRect/>
-          </a:stretch>
-        </p:blipFill>
-        <p:spPr bwMode="auto">
-          <a:xfrm>
-            <a:off x="5390311" y="3493135"/>
-            <a:ext cx="2910840" cy="674345"/>
-          </a:xfrm>
-          <a:prstGeom prst="rect">
-            <a:avLst/>
-          </a:prstGeom>
-          <a:noFill/>
-          <a:extLst>
-            <a:ext uri="{909E8E84-426E-40DD-AFC4-6F175D3DCCD1}">
-              <a14:hiddenFill xmlns:a14="http://schemas.microsoft.com/office/drawing/2010/main">
-                <a:solidFill>
-                  <a:srgbClr val="FFFFFF"/>
-                </a:solidFill>
-              </a14:hiddenFill>
-            </a:ext>
-          </a:extLst>
-        </p:spPr>
-      </p:pic>
-    </p:spTree>
-  </p:cSld>
-  <p:clrMapOvr>
-    <a:masterClrMapping/>
-  </p:clrMapOvr>
-  <p:timing>
-    <p:tnLst>
-      <p:par>
-        <p:cTn id="1" dur="indefinite" restart="never" nodeType="tmRoot">
-          <p:childTnLst>
-            <p:seq concurrent="1" nextAc="seek">
-              <p:cTn id="2" dur="indefinite" nodeType="mainSeq">
-                <p:childTnLst>
-                  <p:par>
-                    <p:cTn id="3" fill="hold">
-                      <p:stCondLst>
-                        <p:cond delay="indefinite"/>
-                      </p:stCondLst>
-                      <p:childTnLst>
-                        <p:par>
-                          <p:cTn id="4" fill="hold">
-                            <p:stCondLst>
-                              <p:cond delay="0"/>
-                            </p:stCondLst>
-                            <p:childTnLst>
-                              <p:par>
-                                <p:cTn id="5" presetID="1" presetClass="entr" presetSubtype="0" fill="hold" nodeType="clickEffect">
-                                  <p:stCondLst>
-                                    <p:cond delay="0"/>
-                                  </p:stCondLst>
-                                  <p:childTnLst>
-                                    <p:set>
-                                      <p:cBhvr>
-                                        <p:cTn id="6" dur="1" fill="hold">
-                                          <p:stCondLst>
-                                            <p:cond delay="0"/>
-                                          </p:stCondLst>
-                                        </p:cTn>
-                                        <p:tgtEl>
-                                          <p:spTgt spid="3">
-                                            <p:txEl>
-                                              <p:pRg st="2" end="2"/>
-                                            </p:txEl>
-                                          </p:spTgt>
-                                        </p:tgtEl>
-                                        <p:attrNameLst>
-                                          <p:attrName>style.visibility</p:attrName>
-                                        </p:attrNameLst>
-                                      </p:cBhvr>
-                                      <p:to>
-                                        <p:strVal val="visible"/>
-                                      </p:to>
-                                    </p:set>
-                                  </p:childTnLst>
-                                </p:cTn>
-                              </p:par>
-                            </p:childTnLst>
-                          </p:cTn>
-                        </p:par>
-                      </p:childTnLst>
-                    </p:cTn>
-                  </p:par>
-                  <p:par>
-                    <p:cTn id="7" fill="hold">
-                      <p:stCondLst>
-                        <p:cond delay="indefinite"/>
-                      </p:stCondLst>
-                      <p:childTnLst>
-                        <p:par>
-                          <p:cTn id="8" fill="hold">
-                            <p:stCondLst>
-                              <p:cond delay="0"/>
-                            </p:stCondLst>
-                            <p:childTnLst>
-                              <p:par>
-                                <p:cTn id="9" presetID="1" presetClass="entr" presetSubtype="0" fill="hold" nodeType="clickEffect">
-                                  <p:stCondLst>
-                                    <p:cond delay="0"/>
-                                  </p:stCondLst>
-                                  <p:childTnLst>
-                                    <p:set>
-                                      <p:cBhvr>
-                                        <p:cTn id="10" dur="1" fill="hold">
-                                          <p:stCondLst>
-                                            <p:cond delay="0"/>
-                                          </p:stCondLst>
-                                        </p:cTn>
-                                        <p:tgtEl>
-                                          <p:spTgt spid="3">
-                                            <p:txEl>
-                                              <p:pRg st="3" end="3"/>
-                                            </p:txEl>
-                                          </p:spTgt>
-                                        </p:tgtEl>
-                                        <p:attrNameLst>
-                                          <p:attrName>style.visibility</p:attrName>
-                                        </p:attrNameLst>
-                                      </p:cBhvr>
-                                      <p:to>
-                                        <p:strVal val="visible"/>
-                                      </p:to>
-                                    </p:set>
-                                  </p:childTnLst>
-                                </p:cTn>
-                              </p:par>
-                            </p:childTnLst>
-                          </p:cTn>
-                        </p:par>
-                      </p:childTnLst>
-                    </p:cTn>
-                  </p:par>
-                  <p:par>
-                    <p:cTn id="11" fill="hold">
-                      <p:stCondLst>
-                        <p:cond delay="indefinite"/>
-                      </p:stCondLst>
-                      <p:childTnLst>
-                        <p:par>
-                          <p:cTn id="12" fill="hold">
-                            <p:stCondLst>
-                              <p:cond delay="0"/>
-                            </p:stCondLst>
-                            <p:childTnLst>
-                              <p:par>
-                                <p:cTn id="13" presetID="1" presetClass="entr" presetSubtype="0" fill="hold" nodeType="clickEffect">
-                                  <p:stCondLst>
-                                    <p:cond delay="0"/>
-                                  </p:stCondLst>
-                                  <p:childTnLst>
-                                    <p:set>
-                                      <p:cBhvr>
-                                        <p:cTn id="14" dur="1" fill="hold">
-                                          <p:stCondLst>
-                                            <p:cond delay="0"/>
-                                          </p:stCondLst>
-                                        </p:cTn>
-                                        <p:tgtEl>
-                                          <p:spTgt spid="3">
-                                            <p:txEl>
-                                              <p:pRg st="4" end="4"/>
-                                            </p:txEl>
-                                          </p:spTgt>
-                                        </p:tgtEl>
-                                        <p:attrNameLst>
-                                          <p:attrName>style.visibility</p:attrName>
-                                        </p:attrNameLst>
-                                      </p:cBhvr>
-                                      <p:to>
-                                        <p:strVal val="visible"/>
-                                      </p:to>
-                                    </p:set>
-                                  </p:childTnLst>
-                                </p:cTn>
-                              </p:par>
-                            </p:childTnLst>
-                          </p:cTn>
-                        </p:par>
-                      </p:childTnLst>
-                    </p:cTn>
-                  </p:par>
-                  <p:par>
-                    <p:cTn id="15" fill="hold">
-                      <p:stCondLst>
-                        <p:cond delay="indefinite"/>
-                      </p:stCondLst>
-                      <p:childTnLst>
-                        <p:par>
-                          <p:cTn id="16" fill="hold">
-                            <p:stCondLst>
-                              <p:cond delay="0"/>
-                            </p:stCondLst>
-                            <p:childTnLst>
-                              <p:par>
-                                <p:cTn id="17" presetID="1" presetClass="entr" presetSubtype="0" fill="hold" nodeType="clickEffect">
-                                  <p:stCondLst>
-                                    <p:cond delay="0"/>
-                                  </p:stCondLst>
-                                  <p:childTnLst>
-                                    <p:set>
-                                      <p:cBhvr>
-                                        <p:cTn id="18" dur="1" fill="hold">
-                                          <p:stCondLst>
-                                            <p:cond delay="0"/>
-                                          </p:stCondLst>
-                                        </p:cTn>
-                                        <p:tgtEl>
-                                          <p:spTgt spid="3">
-                                            <p:txEl>
-                                              <p:pRg st="5" end="5"/>
-                                            </p:txEl>
-                                          </p:spTgt>
-                                        </p:tgtEl>
-                                        <p:attrNameLst>
-                                          <p:attrName>style.visibility</p:attrName>
-                                        </p:attrNameLst>
-                                      </p:cBhvr>
-                                      <p:to>
-                                        <p:strVal val="visible"/>
-                                      </p:to>
-                                    </p:set>
-                                  </p:childTnLst>
-                                </p:cTn>
-                              </p:par>
-                            </p:childTnLst>
-                          </p:cTn>
-                        </p:par>
-                      </p:childTnLst>
-                    </p:cTn>
-                  </p:par>
-                  <p:par>
-                    <p:cTn id="19" fill="hold">
-                      <p:stCondLst>
-                        <p:cond delay="indefinite"/>
-                      </p:stCondLst>
-                      <p:childTnLst>
-                        <p:par>
-                          <p:cTn id="20" fill="hold">
-                            <p:stCondLst>
-                              <p:cond delay="0"/>
-                            </p:stCondLst>
-                            <p:childTnLst>
-                              <p:par>
-                                <p:cTn id="21" presetID="1" presetClass="entr" presetSubtype="0" fill="hold" nodeType="clickEffect">
-                                  <p:stCondLst>
-                                    <p:cond delay="0"/>
-                                  </p:stCondLst>
-                                  <p:childTnLst>
-                                    <p:set>
-                                      <p:cBhvr>
-                                        <p:cTn id="22" dur="1" fill="hold">
-                                          <p:stCondLst>
-                                            <p:cond delay="0"/>
-                                          </p:stCondLst>
-                                        </p:cTn>
-                                        <p:tgtEl>
-                                          <p:spTgt spid="3">
-                                            <p:txEl>
-                                              <p:pRg st="6" end="6"/>
-                                            </p:txEl>
-                                          </p:spTgt>
-                                        </p:tgtEl>
-                                        <p:attrNameLst>
-                                          <p:attrName>style.visibility</p:attrName>
-                                        </p:attrNameLst>
-                                      </p:cBhvr>
-                                      <p:to>
-                                        <p:strVal val="visible"/>
-                                      </p:to>
-                                    </p:set>
-                                  </p:childTnLst>
-                                </p:cTn>
-                              </p:par>
-                            </p:childTnLst>
-                          </p:cTn>
-                        </p:par>
-                      </p:childTnLst>
-                    </p:cTn>
-                  </p:par>
-                  <p:par>
-                    <p:cTn id="23" fill="hold">
-                      <p:stCondLst>
-                        <p:cond delay="indefinite"/>
-                      </p:stCondLst>
-                      <p:childTnLst>
-                        <p:par>
-                          <p:cTn id="24" fill="hold">
-                            <p:stCondLst>
-                              <p:cond delay="0"/>
-                            </p:stCondLst>
-                            <p:childTnLst>
-                              <p:par>
-                                <p:cTn id="25" presetID="1" presetClass="entr" presetSubtype="0" fill="hold" nodeType="clickEffect">
-                                  <p:stCondLst>
-                                    <p:cond delay="0"/>
-                                  </p:stCondLst>
-                                  <p:childTnLst>
-                                    <p:set>
-                                      <p:cBhvr>
-                                        <p:cTn id="26" dur="1" fill="hold">
-                                          <p:stCondLst>
-                                            <p:cond delay="0"/>
-                                          </p:stCondLst>
-                                        </p:cTn>
-                                        <p:tgtEl>
-                                          <p:spTgt spid="3">
-                                            <p:txEl>
-                                              <p:pRg st="7" end="7"/>
-                                            </p:txEl>
-                                          </p:spTgt>
-                                        </p:tgtEl>
-                                        <p:attrNameLst>
-                                          <p:attrName>style.visibility</p:attrName>
-                                        </p:attrNameLst>
-                                      </p:cBhvr>
-                                      <p:to>
-                                        <p:strVal val="visible"/>
-                                      </p:to>
-                                    </p:set>
-                                  </p:childTnLst>
-                                </p:cTn>
-                              </p:par>
-                              <p:par>
-                                <p:cTn id="27" presetID="1" presetClass="entr" presetSubtype="0" fill="hold" nodeType="withEffect">
-                                  <p:stCondLst>
-                                    <p:cond delay="0"/>
-                                  </p:stCondLst>
-                                  <p:childTnLst>
-                                    <p:set>
-                                      <p:cBhvr>
-                                        <p:cTn id="28" dur="1" fill="hold">
-                                          <p:stCondLst>
-                                            <p:cond delay="0"/>
-                                          </p:stCondLst>
-                                        </p:cTn>
-                                        <p:tgtEl>
-                                          <p:spTgt spid="2054"/>
-                                        </p:tgtEl>
-                                        <p:attrNameLst>
-                                          <p:attrName>style.visibility</p:attrName>
-                                        </p:attrNameLst>
-                                      </p:cBhvr>
-                                      <p:to>
-                                        <p:strVal val="visible"/>
-                                      </p:to>
-                                    </p:set>
-                                  </p:childTnLst>
-                                </p:cTn>
-                              </p:par>
-                            </p:childTnLst>
-                          </p:cTn>
-                        </p:par>
-                      </p:childTnLst>
-                    </p:cTn>
-                  </p:par>
-                  <p:par>
-                    <p:cTn id="29" fill="hold">
-                      <p:stCondLst>
-                        <p:cond delay="indefinite"/>
-                      </p:stCondLst>
-                      <p:childTnLst>
-                        <p:par>
-                          <p:cTn id="30" fill="hold">
-                            <p:stCondLst>
-                              <p:cond delay="0"/>
-                            </p:stCondLst>
-                            <p:childTnLst>
-                              <p:par>
-                                <p:cTn id="31" presetID="1" presetClass="entr" presetSubtype="0" fill="hold" nodeType="clickEffect">
-                                  <p:stCondLst>
-                                    <p:cond delay="0"/>
-                                  </p:stCondLst>
-                                  <p:childTnLst>
-                                    <p:set>
-                                      <p:cBhvr>
-                                        <p:cTn id="32" dur="1" fill="hold">
-                                          <p:stCondLst>
-                                            <p:cond delay="0"/>
-                                          </p:stCondLst>
-                                        </p:cTn>
-                                        <p:tgtEl>
-                                          <p:spTgt spid="3">
-                                            <p:txEl>
-                                              <p:pRg st="8" end="8"/>
-                                            </p:txEl>
-                                          </p:spTgt>
-                                        </p:tgtEl>
-                                        <p:attrNameLst>
-                                          <p:attrName>style.visibility</p:attrName>
-                                        </p:attrNameLst>
-                                      </p:cBhvr>
-                                      <p:to>
-                                        <p:strVal val="visible"/>
-                                      </p:to>
-                                    </p:set>
-                                  </p:childTnLst>
-                                </p:cTn>
-                              </p:par>
-                              <p:par>
-                                <p:cTn id="33" presetID="1" presetClass="entr" presetSubtype="0" fill="hold" nodeType="withEffect">
-                                  <p:stCondLst>
-                                    <p:cond delay="0"/>
-                                  </p:stCondLst>
-                                  <p:childTnLst>
-                                    <p:set>
-                                      <p:cBhvr>
-                                        <p:cTn id="34" dur="1" fill="hold">
-                                          <p:stCondLst>
-                                            <p:cond delay="0"/>
-                                          </p:stCondLst>
-                                        </p:cTn>
-                                        <p:tgtEl>
-                                          <p:spTgt spid="2052"/>
-                                        </p:tgtEl>
-                                        <p:attrNameLst>
-                                          <p:attrName>style.visibility</p:attrName>
-                                        </p:attrNameLst>
-                                      </p:cBhvr>
-                                      <p:to>
-                                        <p:strVal val="visible"/>
-                                      </p:to>
-                                    </p:set>
-                                  </p:childTnLst>
-                                </p:cTn>
-                              </p:par>
-                            </p:childTnLst>
-                          </p:cTn>
-                        </p:par>
-                      </p:childTnLst>
-                    </p:cTn>
-                  </p:par>
-                  <p:par>
-                    <p:cTn id="35" fill="hold">
-                      <p:stCondLst>
-                        <p:cond delay="indefinite"/>
-                      </p:stCondLst>
-                      <p:childTnLst>
-                        <p:par>
-                          <p:cTn id="36" fill="hold">
-                            <p:stCondLst>
-                              <p:cond delay="0"/>
-                            </p:stCondLst>
-                            <p:childTnLst>
-                              <p:par>
-                                <p:cTn id="37" presetID="1" presetClass="entr" presetSubtype="0" fill="hold" nodeType="clickEffect">
-                                  <p:stCondLst>
-                                    <p:cond delay="0"/>
-                                  </p:stCondLst>
-                                  <p:childTnLst>
-                                    <p:set>
-                                      <p:cBhvr>
-                                        <p:cTn id="38" dur="1" fill="hold">
-                                          <p:stCondLst>
-                                            <p:cond delay="0"/>
-                                          </p:stCondLst>
-                                        </p:cTn>
-                                        <p:tgtEl>
-                                          <p:spTgt spid="3">
-                                            <p:txEl>
-                                              <p:pRg st="9" end="9"/>
-                                            </p:txEl>
-                                          </p:spTgt>
-                                        </p:tgtEl>
-                                        <p:attrNameLst>
-                                          <p:attrName>style.visibility</p:attrName>
-                                        </p:attrNameLst>
-                                      </p:cBhvr>
-                                      <p:to>
-                                        <p:strVal val="visible"/>
-                                      </p:to>
-                                    </p:set>
-                                  </p:childTnLst>
-                                </p:cTn>
-                              </p:par>
-                              <p:par>
-                                <p:cTn id="39" presetID="1" presetClass="entr" presetSubtype="0" fill="hold" nodeType="withEffect">
-                                  <p:stCondLst>
-                                    <p:cond delay="0"/>
-                                  </p:stCondLst>
-                                  <p:childTnLst>
-                                    <p:set>
-                                      <p:cBhvr>
-                                        <p:cTn id="40" dur="1" fill="hold">
-                                          <p:stCondLst>
-                                            <p:cond delay="0"/>
-                                          </p:stCondLst>
-                                        </p:cTn>
-                                        <p:tgtEl>
-                                          <p:spTgt spid="2056"/>
-                                        </p:tgtEl>
-                                        <p:attrNameLst>
-                                          <p:attrName>style.visibility</p:attrName>
-                                        </p:attrNameLst>
-                                      </p:cBhvr>
-                                      <p:to>
-                                        <p:strVal val="visible"/>
-                                      </p:to>
-                                    </p:set>
-                                  </p:childTnLst>
-                                </p:cTn>
-                              </p:par>
-                            </p:childTnLst>
-                          </p:cTn>
-                        </p:par>
-                      </p:childTnLst>
-                    </p:cTn>
-                  </p:par>
-                  <p:par>
-                    <p:cTn id="41" fill="hold">
-                      <p:stCondLst>
-                        <p:cond delay="indefinite"/>
-                      </p:stCondLst>
-                      <p:childTnLst>
-                        <p:par>
-                          <p:cTn id="42" fill="hold">
-                            <p:stCondLst>
-                              <p:cond delay="0"/>
-                            </p:stCondLst>
-                            <p:childTnLst>
-                              <p:par>
-                                <p:cTn id="43" presetID="1" presetClass="entr" presetSubtype="0" fill="hold" nodeType="clickEffect">
-                                  <p:stCondLst>
-                                    <p:cond delay="0"/>
-                                  </p:stCondLst>
-                                  <p:childTnLst>
-                                    <p:set>
-                                      <p:cBhvr>
-                                        <p:cTn id="44" dur="1" fill="hold">
-                                          <p:stCondLst>
-                                            <p:cond delay="0"/>
-                                          </p:stCondLst>
-                                        </p:cTn>
-                                        <p:tgtEl>
-                                          <p:spTgt spid="3">
-                                            <p:txEl>
-                                              <p:pRg st="10" end="10"/>
-                                            </p:txEl>
-                                          </p:spTgt>
-                                        </p:tgtEl>
-                                        <p:attrNameLst>
-                                          <p:attrName>style.visibility</p:attrName>
-                                        </p:attrNameLst>
-                                      </p:cBhvr>
-                                      <p:to>
-                                        <p:strVal val="visible"/>
-                                      </p:to>
-                                    </p:set>
-                                  </p:childTnLst>
-                                </p:cTn>
-                              </p:par>
-                              <p:par>
-                                <p:cTn id="45" presetID="1" presetClass="entr" presetSubtype="0" fill="hold" nodeType="withEffect">
-                                  <p:stCondLst>
-                                    <p:cond delay="0"/>
-                                  </p:stCondLst>
-                                  <p:childTnLst>
-                                    <p:set>
-                                      <p:cBhvr>
-                                        <p:cTn id="46" dur="1" fill="hold">
-                                          <p:stCondLst>
-                                            <p:cond delay="0"/>
-                                          </p:stCondLst>
-                                        </p:cTn>
-                                        <p:tgtEl>
-                                          <p:spTgt spid="179206"/>
-                                        </p:tgtEl>
-                                        <p:attrNameLst>
-                                          <p:attrName>style.visibility</p:attrName>
-                                        </p:attrNameLst>
-                                      </p:cBhvr>
-                                      <p:to>
-                                        <p:strVal val="visible"/>
-                                      </p:to>
-                                    </p:set>
-                                  </p:childTnLst>
-                                </p:cTn>
-                              </p:par>
-                            </p:childTnLst>
-                          </p:cTn>
-                        </p:par>
-                      </p:childTnLst>
-                    </p:cTn>
-                  </p:par>
-                  <p:par>
-                    <p:cTn id="47" fill="hold">
-                      <p:stCondLst>
-                        <p:cond delay="indefinite"/>
-                      </p:stCondLst>
-                      <p:childTnLst>
-                        <p:par>
-                          <p:cTn id="48" fill="hold">
-                            <p:stCondLst>
-                              <p:cond delay="0"/>
-                            </p:stCondLst>
-                            <p:childTnLst>
-                              <p:par>
-                                <p:cTn id="49" presetID="1" presetClass="entr" presetSubtype="0" fill="hold" nodeType="clickEffect">
-                                  <p:stCondLst>
-                                    <p:cond delay="0"/>
-                                  </p:stCondLst>
-                                  <p:childTnLst>
-                                    <p:set>
-                                      <p:cBhvr>
-                                        <p:cTn id="50" dur="1" fill="hold">
-                                          <p:stCondLst>
-                                            <p:cond delay="0"/>
-                                          </p:stCondLst>
-                                        </p:cTn>
-                                        <p:tgtEl>
-                                          <p:spTgt spid="3">
-                                            <p:txEl>
-                                              <p:pRg st="11" end="11"/>
-                                            </p:txEl>
-                                          </p:spTgt>
-                                        </p:tgtEl>
-                                        <p:attrNameLst>
-                                          <p:attrName>style.visibility</p:attrName>
-                                        </p:attrNameLst>
-                                      </p:cBhvr>
-                                      <p:to>
-                                        <p:strVal val="visible"/>
-                                      </p:to>
-                                    </p:set>
-                                  </p:childTnLst>
-                                </p:cTn>
-                              </p:par>
-                              <p:par>
-                                <p:cTn id="51" presetID="1" presetClass="entr" presetSubtype="0" fill="hold" nodeType="withEffect">
-                                  <p:stCondLst>
-                                    <p:cond delay="0"/>
-                                  </p:stCondLst>
-                                  <p:childTnLst>
-                                    <p:set>
-                                      <p:cBhvr>
-                                        <p:cTn id="52" dur="1" fill="hold">
-                                          <p:stCondLst>
-                                            <p:cond delay="0"/>
-                                          </p:stCondLst>
-                                        </p:cTn>
-                                        <p:tgtEl>
-                                          <p:spTgt spid="2050"/>
-                                        </p:tgtEl>
-                                        <p:attrNameLst>
-                                          <p:attrName>style.visibility</p:attrName>
-                                        </p:attrNameLst>
-                                      </p:cBhvr>
-                                      <p:to>
-                                        <p:strVal val="visible"/>
-                                      </p:to>
-                                    </p:set>
-                                  </p:childTnLst>
-                                </p:cTn>
-                              </p:par>
-                            </p:childTnLst>
-                          </p:cTn>
-                        </p:par>
-                      </p:childTnLst>
-                    </p:cTn>
-                  </p:par>
-                  <p:par>
-                    <p:cTn id="53" fill="hold">
-                      <p:stCondLst>
-                        <p:cond delay="indefinite"/>
-                      </p:stCondLst>
-                      <p:childTnLst>
-                        <p:par>
-                          <p:cTn id="54" fill="hold">
-                            <p:stCondLst>
-                              <p:cond delay="0"/>
-                            </p:stCondLst>
-                            <p:childTnLst>
-                              <p:par>
-                                <p:cTn id="55" presetID="1" presetClass="entr" presetSubtype="0" fill="hold" nodeType="clickEffect">
-                                  <p:stCondLst>
-                                    <p:cond delay="0"/>
-                                  </p:stCondLst>
-                                  <p:childTnLst>
-                                    <p:set>
-                                      <p:cBhvr>
-                                        <p:cTn id="56" dur="1" fill="hold">
-                                          <p:stCondLst>
-                                            <p:cond delay="0"/>
-                                          </p:stCondLst>
-                                        </p:cTn>
-                                        <p:tgtEl>
-                                          <p:spTgt spid="3">
-                                            <p:txEl>
-                                              <p:pRg st="12" end="12"/>
-                                            </p:txEl>
-                                          </p:spTgt>
-                                        </p:tgtEl>
-                                        <p:attrNameLst>
-                                          <p:attrName>style.visibility</p:attrName>
-                                        </p:attrNameLst>
-                                      </p:cBhvr>
-                                      <p:to>
-                                        <p:strVal val="visible"/>
-                                      </p:to>
-                                    </p:set>
-                                  </p:childTnLst>
-                                </p:cTn>
-                              </p:par>
-                            </p:childTnLst>
-                          </p:cTn>
-                        </p:par>
-                      </p:childTnLst>
-                    </p:cTn>
-                  </p:par>
-                </p:childTnLst>
-              </p:cTn>
-              <p:prevCondLst>
-                <p:cond evt="onPrev" delay="0">
-                  <p:tgtEl>
-                    <p:sldTgt/>
-                  </p:tgtEl>
-                </p:cond>
-              </p:prevCondLst>
-              <p:nextCondLst>
-                <p:cond evt="onNext" delay="0">
-                  <p:tgtEl>
-                    <p:sldTgt/>
-                  </p:tgtEl>
-                </p:cond>
-              </p:nextCondLst>
-            </p:seq>
-          </p:childTnLst>
-        </p:cTn>
-      </p:par>
-    </p:tnLst>
-  </p:timing>
-</p:sld>
-</file>
-
-<file path=ppt/slides/slide2.xml><?xml version="1.0" encoding="utf-8"?>
-<p:sld xmlns:a="http://schemas.openxmlformats.org/drawingml/2006/main" xmlns:r="http://schemas.openxmlformats.org/officeDocument/2006/relationships" xmlns:p="http://schemas.openxmlformats.org/presentationml/2006/main">
-  <p:cSld>
-    <p:spTree>
-      <p:nvGrpSpPr>
-        <p:cNvPr id="1" name=""/>
-        <p:cNvGrpSpPr/>
-        <p:nvPr/>
-      </p:nvGrpSpPr>
-      <p:grpSpPr>
-        <a:xfrm>
-          <a:off x="0" y="0"/>
-          <a:ext cx="0" cy="0"/>
-          <a:chOff x="0" y="0"/>
-          <a:chExt cx="0" cy="0"/>
-        </a:xfrm>
-      </p:grpSpPr>
-      <p:sp>
-        <p:nvSpPr>
-          <p:cNvPr id="2" name="Title 1"/>
-          <p:cNvSpPr>
-            <a:spLocks noGrp="1"/>
-          </p:cNvSpPr>
-          <p:nvPr>
-            <p:ph type="title"/>
-          </p:nvPr>
-        </p:nvSpPr>
-        <p:spPr/>
-        <p:txBody>
-          <a:bodyPr>
-            <a:normAutofit/>
-          </a:bodyPr>
-          <a:lstStyle/>
-          <a:p>
-            <a:r>
-              <a:rPr lang="en-US" dirty="0" smtClean="0"/>
-              <a:t>Course Objectives</a:t>
-            </a:r>
-            <a:endParaRPr lang="en-US" dirty="0"/>
-          </a:p>
-        </p:txBody>
-      </p:sp>
-      <p:sp>
-        <p:nvSpPr>
-          <p:cNvPr id="3" name="Content Placeholder 2"/>
-          <p:cNvSpPr>
-            <a:spLocks noGrp="1"/>
-          </p:cNvSpPr>
-          <p:nvPr>
-            <p:ph type="body" sz="quarter" idx="10"/>
-          </p:nvPr>
-        </p:nvSpPr>
-        <p:spPr/>
-        <p:txBody>
-          <a:bodyPr/>
-          <a:lstStyle/>
-          <a:p>
-            <a:r>
-              <a:rPr lang="en-US" sz="2400" dirty="0"/>
-              <a:t>To provide a senior design option for students interested in RF/microwave engineering</a:t>
-            </a:r>
-          </a:p>
-          <a:p>
-            <a:r>
-              <a:rPr lang="en-US" sz="2400" dirty="0" smtClean="0"/>
-              <a:t>To provide a system </a:t>
-            </a:r>
-            <a:r>
-              <a:rPr lang="en-US" sz="2400" dirty="0"/>
-              <a:t>design perspective</a:t>
-            </a:r>
-          </a:p>
-          <a:p>
-            <a:r>
-              <a:rPr lang="en-US" sz="2400" dirty="0" smtClean="0"/>
-              <a:t>To get your hands dirty</a:t>
-            </a:r>
-            <a:endParaRPr lang="en-US" sz="2400" dirty="0"/>
-          </a:p>
-          <a:p>
-            <a:r>
-              <a:rPr lang="en-US" sz="2400" dirty="0" smtClean="0"/>
-              <a:t>To promote teamwork</a:t>
-            </a:r>
-            <a:endParaRPr lang="en-US" sz="2400" dirty="0"/>
-          </a:p>
-          <a:p>
-            <a:r>
-              <a:rPr lang="en-US" sz="2400" dirty="0" smtClean="0"/>
-              <a:t>To promote self-learning</a:t>
-            </a:r>
-          </a:p>
-          <a:p>
-            <a:r>
-              <a:rPr lang="en-US" sz="2400" dirty="0" smtClean="0"/>
-              <a:t>To improve communication (oral &amp; written) skills </a:t>
-            </a:r>
-            <a:endParaRPr lang="en-US" sz="2400" dirty="0"/>
-          </a:p>
-          <a:p>
-            <a:r>
-              <a:rPr lang="en-US" sz="2400" dirty="0" smtClean="0"/>
-              <a:t>To push </a:t>
-            </a:r>
-            <a:r>
-              <a:rPr lang="en-US" sz="2400" dirty="0"/>
-              <a:t>your </a:t>
-            </a:r>
-            <a:r>
-              <a:rPr lang="en-US" sz="2400" dirty="0" smtClean="0"/>
-              <a:t>limit</a:t>
-            </a:r>
-            <a:r>
-              <a:rPr lang="en-US" sz="2400" dirty="0"/>
-              <a:t>!</a:t>
-            </a:r>
-            <a:endParaRPr lang="en-US" sz="2400" dirty="0" smtClean="0"/>
-          </a:p>
-        </p:txBody>
-      </p:sp>
-    </p:spTree>
-  </p:cSld>
-  <p:clrMapOvr>
-    <a:masterClrMapping/>
-  </p:clrMapOvr>
-  <p:timing>
-    <p:tnLst>
-      <p:par>
-        <p:cTn id="1" dur="indefinite" restart="never" nodeType="tmRoot">
-          <p:childTnLst>
-            <p:seq concurrent="1" nextAc="seek">
-              <p:cTn id="2" dur="indefinite" nodeType="mainSeq">
-                <p:childTnLst>
-                  <p:par>
-                    <p:cTn id="3" fill="hold">
-                      <p:stCondLst>
-                        <p:cond delay="indefinite"/>
-                      </p:stCondLst>
-                      <p:childTnLst>
-                        <p:par>
-                          <p:cTn id="4" fill="hold">
-                            <p:stCondLst>
-                              <p:cond delay="0"/>
-                            </p:stCondLst>
-                            <p:childTnLst>
-                              <p:par>
-                                <p:cTn id="5" presetID="1" presetClass="entr" presetSubtype="0" fill="hold" nodeType="clickEffect">
-                                  <p:stCondLst>
-                                    <p:cond delay="0"/>
-                                  </p:stCondLst>
-                                  <p:childTnLst>
-                                    <p:set>
-                                      <p:cBhvr>
-                                        <p:cTn id="6" dur="1" fill="hold">
-                                          <p:stCondLst>
-                                            <p:cond delay="0"/>
-                                          </p:stCondLst>
-                                        </p:cTn>
-                                        <p:tgtEl>
-                                          <p:spTgt spid="3">
-                                            <p:txEl>
-                                              <p:pRg st="1" end="1"/>
-                                            </p:txEl>
-                                          </p:spTgt>
-                                        </p:tgtEl>
-                                        <p:attrNameLst>
-                                          <p:attrName>style.visibility</p:attrName>
-                                        </p:attrNameLst>
-                                      </p:cBhvr>
-                                      <p:to>
-                                        <p:strVal val="visible"/>
-                                      </p:to>
-                                    </p:set>
-                                  </p:childTnLst>
-                                </p:cTn>
-                              </p:par>
-                            </p:childTnLst>
-                          </p:cTn>
-                        </p:par>
-                      </p:childTnLst>
-                    </p:cTn>
-                  </p:par>
-                  <p:par>
-                    <p:cTn id="7" fill="hold">
-                      <p:stCondLst>
-                        <p:cond delay="indefinite"/>
-                      </p:stCondLst>
-                      <p:childTnLst>
-                        <p:par>
-                          <p:cTn id="8" fill="hold">
-                            <p:stCondLst>
-                              <p:cond delay="0"/>
-                            </p:stCondLst>
-                            <p:childTnLst>
-                              <p:par>
-                                <p:cTn id="9" presetID="1" presetClass="entr" presetSubtype="0" fill="hold" nodeType="clickEffect">
-                                  <p:stCondLst>
-                                    <p:cond delay="0"/>
-                                  </p:stCondLst>
-                                  <p:childTnLst>
-                                    <p:set>
-                                      <p:cBhvr>
-                                        <p:cTn id="10" dur="1" fill="hold">
-                                          <p:stCondLst>
-                                            <p:cond delay="0"/>
-                                          </p:stCondLst>
-                                        </p:cTn>
-                                        <p:tgtEl>
-                                          <p:spTgt spid="3">
-                                            <p:txEl>
-                                              <p:pRg st="2" end="2"/>
-                                            </p:txEl>
-                                          </p:spTgt>
-                                        </p:tgtEl>
-                                        <p:attrNameLst>
-                                          <p:attrName>style.visibility</p:attrName>
-                                        </p:attrNameLst>
-                                      </p:cBhvr>
-                                      <p:to>
-                                        <p:strVal val="visible"/>
-                                      </p:to>
-                                    </p:set>
-                                  </p:childTnLst>
-                                </p:cTn>
-                              </p:par>
-                            </p:childTnLst>
-                          </p:cTn>
-                        </p:par>
-                      </p:childTnLst>
-                    </p:cTn>
-                  </p:par>
-                  <p:par>
-                    <p:cTn id="11" fill="hold">
-                      <p:stCondLst>
-                        <p:cond delay="indefinite"/>
-                      </p:stCondLst>
-                      <p:childTnLst>
-                        <p:par>
-                          <p:cTn id="12" fill="hold">
-                            <p:stCondLst>
-                              <p:cond delay="0"/>
-                            </p:stCondLst>
-                            <p:childTnLst>
-                              <p:par>
-                                <p:cTn id="13" presetID="1" presetClass="entr" presetSubtype="0" fill="hold" nodeType="clickEffect">
-                                  <p:stCondLst>
-                                    <p:cond delay="0"/>
-                                  </p:stCondLst>
-                                  <p:childTnLst>
-                                    <p:set>
-                                      <p:cBhvr>
-                                        <p:cTn id="14" dur="1" fill="hold">
-                                          <p:stCondLst>
-                                            <p:cond delay="0"/>
-                                          </p:stCondLst>
-                                        </p:cTn>
-                                        <p:tgtEl>
-                                          <p:spTgt spid="3">
-                                            <p:txEl>
-                                              <p:pRg st="3" end="3"/>
-                                            </p:txEl>
-                                          </p:spTgt>
-                                        </p:tgtEl>
-                                        <p:attrNameLst>
-                                          <p:attrName>style.visibility</p:attrName>
-                                        </p:attrNameLst>
-                                      </p:cBhvr>
-                                      <p:to>
-                                        <p:strVal val="visible"/>
-                                      </p:to>
-                                    </p:set>
-                                  </p:childTnLst>
-                                </p:cTn>
-                              </p:par>
-                            </p:childTnLst>
-                          </p:cTn>
-                        </p:par>
-                      </p:childTnLst>
-                    </p:cTn>
-                  </p:par>
-                  <p:par>
-                    <p:cTn id="15" fill="hold">
-                      <p:stCondLst>
-                        <p:cond delay="indefinite"/>
-                      </p:stCondLst>
-                      <p:childTnLst>
-                        <p:par>
-                          <p:cTn id="16" fill="hold">
-                            <p:stCondLst>
-                              <p:cond delay="0"/>
-                            </p:stCondLst>
-                            <p:childTnLst>
-                              <p:par>
-                                <p:cTn id="17" presetID="1" presetClass="entr" presetSubtype="0" fill="hold" nodeType="clickEffect">
-                                  <p:stCondLst>
-                                    <p:cond delay="0"/>
-                                  </p:stCondLst>
-                                  <p:childTnLst>
-                                    <p:set>
-                                      <p:cBhvr>
-                                        <p:cTn id="18" dur="1" fill="hold">
-                                          <p:stCondLst>
-                                            <p:cond delay="0"/>
-                                          </p:stCondLst>
-                                        </p:cTn>
-                                        <p:tgtEl>
-                                          <p:spTgt spid="3">
-                                            <p:txEl>
-                                              <p:pRg st="4" end="4"/>
-                                            </p:txEl>
-                                          </p:spTgt>
-                                        </p:tgtEl>
-                                        <p:attrNameLst>
-                                          <p:attrName>style.visibility</p:attrName>
-                                        </p:attrNameLst>
-                                      </p:cBhvr>
-                                      <p:to>
-                                        <p:strVal val="visible"/>
-                                      </p:to>
-                                    </p:set>
-                                  </p:childTnLst>
-                                </p:cTn>
-                              </p:par>
-                            </p:childTnLst>
-                          </p:cTn>
-                        </p:par>
-                      </p:childTnLst>
-                    </p:cTn>
-                  </p:par>
-                  <p:par>
-                    <p:cTn id="19" fill="hold">
-                      <p:stCondLst>
-                        <p:cond delay="indefinite"/>
-                      </p:stCondLst>
-                      <p:childTnLst>
-                        <p:par>
-                          <p:cTn id="20" fill="hold">
-                            <p:stCondLst>
-                              <p:cond delay="0"/>
-                            </p:stCondLst>
-                            <p:childTnLst>
-                              <p:par>
-                                <p:cTn id="21" presetID="1" presetClass="entr" presetSubtype="0" fill="hold" nodeType="clickEffect">
-                                  <p:stCondLst>
-                                    <p:cond delay="0"/>
-                                  </p:stCondLst>
-                                  <p:childTnLst>
-                                    <p:set>
-                                      <p:cBhvr>
-                                        <p:cTn id="22" dur="1" fill="hold">
-                                          <p:stCondLst>
-                                            <p:cond delay="0"/>
-                                          </p:stCondLst>
-                                        </p:cTn>
-                                        <p:tgtEl>
-                                          <p:spTgt spid="3">
-                                            <p:txEl>
-                                              <p:pRg st="5" end="5"/>
-                                            </p:txEl>
-                                          </p:spTgt>
-                                        </p:tgtEl>
-                                        <p:attrNameLst>
-                                          <p:attrName>style.visibility</p:attrName>
-                                        </p:attrNameLst>
-                                      </p:cBhvr>
-                                      <p:to>
-                                        <p:strVal val="visible"/>
-                                      </p:to>
-                                    </p:set>
-                                  </p:childTnLst>
-                                </p:cTn>
-                              </p:par>
-                            </p:childTnLst>
-                          </p:cTn>
-                        </p:par>
-                      </p:childTnLst>
-                    </p:cTn>
-                  </p:par>
-                  <p:par>
-                    <p:cTn id="23" fill="hold">
-                      <p:stCondLst>
-                        <p:cond delay="indefinite"/>
-                      </p:stCondLst>
-                      <p:childTnLst>
-                        <p:par>
-                          <p:cTn id="24" fill="hold">
-                            <p:stCondLst>
-                              <p:cond delay="0"/>
-                            </p:stCondLst>
-                            <p:childTnLst>
-                              <p:par>
-                                <p:cTn id="25" presetID="1" presetClass="entr" presetSubtype="0" fill="hold" nodeType="clickEffect">
-                                  <p:stCondLst>
-                                    <p:cond delay="0"/>
-                                  </p:stCondLst>
-                                  <p:childTnLst>
-                                    <p:set>
-                                      <p:cBhvr>
-                                        <p:cTn id="26" dur="1" fill="hold">
-                                          <p:stCondLst>
-                                            <p:cond delay="0"/>
-                                          </p:stCondLst>
-                                        </p:cTn>
-                                        <p:tgtEl>
-                                          <p:spTgt spid="3">
-                                            <p:txEl>
-                                              <p:pRg st="6" end="6"/>
-                                            </p:txEl>
-                                          </p:spTgt>
-                                        </p:tgtEl>
-                                        <p:attrNameLst>
-                                          <p:attrName>style.visibility</p:attrName>
-                                        </p:attrNameLst>
-                                      </p:cBhvr>
-                                      <p:to>
-                                        <p:strVal val="visible"/>
-                                      </p:to>
-                                    </p:set>
-                                  </p:childTnLst>
-                                </p:cTn>
-                              </p:par>
-                            </p:childTnLst>
-                          </p:cTn>
-                        </p:par>
-                      </p:childTnLst>
-                    </p:cTn>
-                  </p:par>
-                </p:childTnLst>
-              </p:cTn>
-              <p:prevCondLst>
-                <p:cond evt="onPrev" delay="0">
-                  <p:tgtEl>
-                    <p:sldTgt/>
-                  </p:tgtEl>
-                </p:cond>
-              </p:prevCondLst>
-              <p:nextCondLst>
-                <p:cond evt="onNext" delay="0">
-                  <p:tgtEl>
-                    <p:sldTgt/>
-                  </p:tgtEl>
-                </p:cond>
-              </p:nextCondLst>
-            </p:seq>
-          </p:childTnLst>
-        </p:cTn>
-      </p:par>
-    </p:tnLst>
-  </p:timing>
-</p:sld>
-</file>
-
-<file path=ppt/slides/slide3.xml><?xml version="1.0" encoding="utf-8"?>
-<p:sld xmlns:a="http://schemas.openxmlformats.org/drawingml/2006/main" xmlns:r="http://schemas.openxmlformats.org/officeDocument/2006/relationships" xmlns:p="http://schemas.openxmlformats.org/presentationml/2006/main">
-  <p:cSld>
-    <p:spTree>
-      <p:nvGrpSpPr>
-        <p:cNvPr id="1" name=""/>
-        <p:cNvGrpSpPr/>
-        <p:nvPr/>
-      </p:nvGrpSpPr>
-      <p:grpSpPr>
-        <a:xfrm>
-          <a:off x="0" y="0"/>
-          <a:ext cx="0" cy="0"/>
-          <a:chOff x="0" y="0"/>
-          <a:chExt cx="0" cy="0"/>
-        </a:xfrm>
-      </p:grpSpPr>
-      <p:sp>
-        <p:nvSpPr>
-          <p:cNvPr id="2" name="Title 1"/>
-          <p:cNvSpPr>
-            <a:spLocks noGrp="1"/>
-          </p:cNvSpPr>
-          <p:nvPr>
-            <p:ph type="title"/>
-          </p:nvPr>
-        </p:nvSpPr>
-        <p:spPr/>
-        <p:txBody>
-          <a:bodyPr/>
-          <a:lstStyle/>
-          <a:p>
-            <a:r>
-              <a:rPr lang="en-US" dirty="0" smtClean="0"/>
-              <a:t>Basic Information</a:t>
-            </a:r>
-            <a:endParaRPr lang="en-US" dirty="0"/>
-          </a:p>
-        </p:txBody>
-      </p:sp>
-      <p:sp>
-        <p:nvSpPr>
-          <p:cNvPr id="3" name="Text Placeholder 2"/>
-          <p:cNvSpPr>
-            <a:spLocks noGrp="1"/>
-          </p:cNvSpPr>
-          <p:nvPr>
-            <p:ph type="body" sz="quarter" idx="10"/>
-          </p:nvPr>
-        </p:nvSpPr>
-        <p:spPr/>
-        <p:txBody>
-          <a:bodyPr/>
-          <a:lstStyle/>
-          <a:p>
-            <a:r>
-              <a:rPr lang="en-US" dirty="0" smtClean="0"/>
-              <a:t>Lecture</a:t>
-            </a:r>
-          </a:p>
-          <a:p>
-            <a:pPr lvl="1"/>
-            <a:r>
-              <a:rPr lang="en-US" b="1" dirty="0" smtClean="0"/>
-              <a:t>10 – 11 AM, Tuesday</a:t>
-            </a:r>
-            <a:r>
-              <a:rPr lang="en-US" dirty="0" smtClean="0"/>
-              <a:t> in </a:t>
+              <a:t>A more detailed schedule is available at the following link; make sure you read it carefully: </a:t>
             </a:r>
             <a:r>
               <a:rPr lang="en-US" dirty="0" smtClean="0">
@@ -5243,969 +2999,11 @@
               </a:rPr>
               <a:t>TBD</a:t>
             </a:r>
-          </a:p>
-          <a:p>
-            <a:r>
-              <a:rPr lang="en-US" dirty="0" smtClean="0"/>
-              <a:t>Lab</a:t>
-            </a:r>
-          </a:p>
-          <a:p>
-            <a:pPr lvl="1"/>
-            <a:r>
-              <a:rPr lang="en-US" dirty="0" smtClean="0"/>
-              <a:t>Session 1: </a:t>
-            </a:r>
-            <a:r>
-              <a:rPr lang="en-US" b="1" dirty="0" smtClean="0"/>
-              <a:t>2 – 5 PM, Friday</a:t>
-            </a:r>
-          </a:p>
-          <a:p>
-            <a:pPr lvl="1"/>
-            <a:r>
-              <a:rPr lang="en-US" dirty="0" smtClean="0"/>
-              <a:t>Session 2: </a:t>
-            </a:r>
-            <a:r>
-              <a:rPr lang="en-US" b="1" dirty="0" smtClean="0"/>
-              <a:t>6 – 9 PM, Monday</a:t>
-            </a:r>
-            <a:endParaRPr lang="en-US" dirty="0" smtClean="0"/>
-          </a:p>
-          <a:p>
-            <a:r>
-              <a:rPr lang="en-US" dirty="0" smtClean="0"/>
-              <a:t>Instructor</a:t>
-            </a:r>
-          </a:p>
-          <a:p>
-            <a:pPr lvl="1"/>
-            <a:r>
-              <a:rPr lang="en-US" dirty="0" smtClean="0"/>
-              <a:t>Dr. Xiaoguang “Leo” Liu</a:t>
-            </a:r>
-          </a:p>
-          <a:p>
-            <a:pPr lvl="2"/>
-            <a:r>
-              <a:rPr lang="en-US" dirty="0" smtClean="0"/>
-              <a:t>Email: </a:t>
-            </a:r>
-            <a:r>
-              <a:rPr lang="en-US" dirty="0" smtClean="0">
-                <a:hlinkClick r:id="rId2"/>
-              </a:rPr>
-              <a:t>lxgliu@ucdavis.edu</a:t>
-            </a:r>
-            <a:r>
-              <a:rPr lang="en-US" dirty="0" smtClean="0"/>
-              <a:t> </a:t>
-            </a:r>
-          </a:p>
-          <a:p>
-            <a:pPr lvl="2"/>
-            <a:r>
-              <a:rPr lang="en-US" dirty="0" smtClean="0"/>
-              <a:t>Office hour: </a:t>
-            </a:r>
-            <a:r>
-              <a:rPr lang="en-US" b="1" dirty="0" smtClean="0"/>
-              <a:t>10 AM – 12 PM Monday</a:t>
-            </a:r>
-            <a:r>
-              <a:rPr lang="en-US" dirty="0" smtClean="0"/>
-              <a:t> or </a:t>
-            </a:r>
-            <a:r>
-              <a:rPr lang="en-US" b="1" dirty="0" smtClean="0"/>
-              <a:t>by appointment</a:t>
-            </a:r>
-          </a:p>
-          <a:p>
-            <a:r>
-              <a:rPr lang="en-US" dirty="0" smtClean="0"/>
-              <a:t>Teaching Assistants</a:t>
-            </a:r>
-          </a:p>
-          <a:p>
-            <a:pPr lvl="1"/>
-            <a:r>
-              <a:rPr lang="en-US" dirty="0" err="1" smtClean="0"/>
-              <a:t>Hao</a:t>
-            </a:r>
-            <a:r>
-              <a:rPr lang="en-US" dirty="0" smtClean="0"/>
-              <a:t> Wang</a:t>
-            </a:r>
-          </a:p>
-          <a:p>
-            <a:pPr lvl="2"/>
-            <a:r>
-              <a:rPr lang="en-US" dirty="0" smtClean="0"/>
-              <a:t>Email: </a:t>
-            </a:r>
-            <a:r>
-              <a:rPr lang="en-US" dirty="0" smtClean="0">
-                <a:hlinkClick r:id="rId3"/>
-              </a:rPr>
-              <a:t>haowang@ucdavis.edu</a:t>
-            </a:r>
-            <a:r>
-              <a:rPr lang="en-US" dirty="0" smtClean="0"/>
-              <a:t> </a:t>
-            </a:r>
-          </a:p>
-          <a:p>
-            <a:pPr lvl="2"/>
-            <a:r>
-              <a:rPr lang="en-US" dirty="0" smtClean="0"/>
-              <a:t>Office hours</a:t>
-            </a:r>
-            <a:r>
-              <a:rPr lang="en-US" dirty="0" smtClean="0">
-                <a:solidFill>
-                  <a:srgbClr val="FF0000"/>
-                </a:solidFill>
-              </a:rPr>
-              <a:t>: TBD</a:t>
-            </a:r>
-          </a:p>
-          <a:p>
-            <a:pPr lvl="1"/>
-            <a:endParaRPr lang="en-US" dirty="0"/>
-          </a:p>
-        </p:txBody>
-      </p:sp>
-    </p:spTree>
-    <p:extLst>
-      <p:ext uri="{BB962C8B-B14F-4D97-AF65-F5344CB8AC3E}">
-        <p14:creationId xmlns:p14="http://schemas.microsoft.com/office/powerpoint/2010/main" val="1933729487"/>
-      </p:ext>
-    </p:extLst>
-  </p:cSld>
-  <p:clrMapOvr>
-    <a:masterClrMapping/>
-  </p:clrMapOvr>
-  <p:timing>
-    <p:tnLst>
-      <p:par>
-        <p:cTn id="1" dur="indefinite" restart="never" nodeType="tmRoot"/>
-      </p:par>
-    </p:tnLst>
-  </p:timing>
-</p:sld>
-</file>
-
-<file path=ppt/slides/slide4.xml><?xml version="1.0" encoding="utf-8"?>
-<p:sld xmlns:a="http://schemas.openxmlformats.org/drawingml/2006/main" xmlns:r="http://schemas.openxmlformats.org/officeDocument/2006/relationships" xmlns:p="http://schemas.openxmlformats.org/presentationml/2006/main">
-  <p:cSld>
-    <p:spTree>
-      <p:nvGrpSpPr>
-        <p:cNvPr id="1" name=""/>
-        <p:cNvGrpSpPr/>
-        <p:nvPr/>
-      </p:nvGrpSpPr>
-      <p:grpSpPr>
-        <a:xfrm>
-          <a:off x="0" y="0"/>
-          <a:ext cx="0" cy="0"/>
-          <a:chOff x="0" y="0"/>
-          <a:chExt cx="0" cy="0"/>
-        </a:xfrm>
-      </p:grpSpPr>
-      <p:sp>
-        <p:nvSpPr>
-          <p:cNvPr id="2" name="Title 1"/>
-          <p:cNvSpPr>
-            <a:spLocks noGrp="1"/>
-          </p:cNvSpPr>
-          <p:nvPr>
-            <p:ph type="title"/>
-          </p:nvPr>
-        </p:nvSpPr>
-        <p:spPr/>
-        <p:txBody>
-          <a:bodyPr>
-            <a:normAutofit/>
-          </a:bodyPr>
-          <a:lstStyle/>
-          <a:p>
-            <a:r>
-              <a:rPr lang="en-US" dirty="0" smtClean="0"/>
-              <a:t>Course Organization</a:t>
-            </a:r>
-            <a:endParaRPr lang="en-US" dirty="0"/>
-          </a:p>
-        </p:txBody>
-      </p:sp>
-      <p:sp>
-        <p:nvSpPr>
-          <p:cNvPr id="3" name="Content Placeholder 2"/>
-          <p:cNvSpPr>
-            <a:spLocks noGrp="1"/>
-          </p:cNvSpPr>
-          <p:nvPr>
-            <p:ph type="body" sz="quarter" idx="10"/>
-          </p:nvPr>
-        </p:nvSpPr>
-        <p:spPr>
-          <a:xfrm>
-            <a:off x="304800" y="933262"/>
-            <a:ext cx="8839200" cy="5483304"/>
-          </a:xfrm>
-        </p:spPr>
-        <p:txBody>
-          <a:bodyPr/>
-          <a:lstStyle/>
-          <a:p>
-            <a:pPr>
-              <a:lnSpc>
-                <a:spcPct val="114000"/>
-              </a:lnSpc>
-            </a:pPr>
-            <a:r>
-              <a:rPr lang="en-US" dirty="0" smtClean="0"/>
-              <a:t> Quarter 1:</a:t>
-            </a:r>
-          </a:p>
-          <a:p>
-            <a:pPr lvl="1">
-              <a:lnSpc>
-                <a:spcPct val="114000"/>
-              </a:lnSpc>
-            </a:pPr>
-            <a:r>
-              <a:rPr lang="en-US" dirty="0"/>
-              <a:t>L</a:t>
-            </a:r>
-            <a:r>
-              <a:rPr lang="en-US" dirty="0" smtClean="0"/>
-              <a:t>ectures on RF/microwave system engineering</a:t>
-            </a:r>
-          </a:p>
-          <a:p>
-            <a:pPr lvl="1">
-              <a:lnSpc>
-                <a:spcPct val="114000"/>
-              </a:lnSpc>
-            </a:pPr>
-            <a:r>
-              <a:rPr lang="en-US" dirty="0"/>
-              <a:t>G</a:t>
-            </a:r>
-            <a:r>
-              <a:rPr lang="en-US" dirty="0" smtClean="0"/>
-              <a:t>uided labs to assemble, test and analyze a simple radar system</a:t>
-            </a:r>
-          </a:p>
-          <a:p>
-            <a:pPr lvl="2">
-              <a:lnSpc>
-                <a:spcPct val="114000"/>
-              </a:lnSpc>
-            </a:pPr>
-            <a:r>
-              <a:rPr lang="en-US" dirty="0" smtClean="0"/>
-              <a:t>We’ll follow a bottom-up approach, i.e. learning about the individual components before eventually assembling the system.</a:t>
-            </a:r>
-          </a:p>
-          <a:p>
-            <a:pPr lvl="1">
-              <a:lnSpc>
-                <a:spcPct val="114000"/>
-              </a:lnSpc>
-            </a:pPr>
-            <a:r>
-              <a:rPr lang="en-US" dirty="0" smtClean="0"/>
-              <a:t>Deliverables: </a:t>
-            </a:r>
-          </a:p>
-          <a:p>
-            <a:pPr lvl="2">
-              <a:lnSpc>
-                <a:spcPct val="114000"/>
-              </a:lnSpc>
-            </a:pPr>
-            <a:r>
-              <a:rPr lang="en-US" u="sng" dirty="0"/>
-              <a:t>L</a:t>
-            </a:r>
-            <a:r>
-              <a:rPr lang="en-US" u="sng" dirty="0" smtClean="0"/>
-              <a:t>ab reports</a:t>
-            </a:r>
-          </a:p>
-          <a:p>
-            <a:pPr lvl="2">
-              <a:lnSpc>
-                <a:spcPct val="114000"/>
-              </a:lnSpc>
-            </a:pPr>
-            <a:r>
-              <a:rPr lang="en-US" u="sng" dirty="0" smtClean="0"/>
-              <a:t>PCB design files and test reports</a:t>
-            </a:r>
-          </a:p>
-          <a:p>
-            <a:pPr>
-              <a:lnSpc>
-                <a:spcPct val="114000"/>
-              </a:lnSpc>
-            </a:pPr>
-            <a:r>
-              <a:rPr lang="en-US" dirty="0" smtClean="0"/>
-              <a:t> Quarter 2:</a:t>
-            </a:r>
-          </a:p>
-          <a:p>
-            <a:pPr lvl="1">
-              <a:lnSpc>
-                <a:spcPct val="114000"/>
-              </a:lnSpc>
-            </a:pPr>
-            <a:r>
-              <a:rPr lang="en-US" dirty="0" smtClean="0"/>
-              <a:t>Radar </a:t>
-            </a:r>
-            <a:r>
-              <a:rPr lang="en-US" u="sng" dirty="0" smtClean="0"/>
-              <a:t>performance competition</a:t>
-            </a:r>
-          </a:p>
-          <a:p>
-            <a:pPr lvl="2">
-              <a:lnSpc>
-                <a:spcPct val="114000"/>
-              </a:lnSpc>
-            </a:pPr>
-            <a:r>
-              <a:rPr lang="en-US" dirty="0" smtClean="0"/>
-              <a:t>Compete in range and accuracy of distance speed measurements</a:t>
-            </a:r>
-          </a:p>
-          <a:p>
-            <a:pPr lvl="2">
-              <a:lnSpc>
-                <a:spcPct val="114000"/>
-              </a:lnSpc>
-            </a:pPr>
-            <a:r>
-              <a:rPr lang="en-US" dirty="0" smtClean="0"/>
-              <a:t>Certain size/weight/power and construction constraints apply</a:t>
-            </a:r>
-          </a:p>
-          <a:p>
-            <a:pPr lvl="1">
-              <a:lnSpc>
-                <a:spcPct val="114000"/>
-              </a:lnSpc>
-            </a:pPr>
-            <a:r>
-              <a:rPr lang="en-US" dirty="0" smtClean="0"/>
-              <a:t>Deliverables:</a:t>
-            </a:r>
-          </a:p>
-          <a:p>
-            <a:pPr lvl="2"/>
-            <a:r>
-              <a:rPr lang="en-US" dirty="0"/>
-              <a:t>Weekly progress report and presentation</a:t>
-            </a:r>
-          </a:p>
-          <a:p>
-            <a:pPr lvl="2"/>
-            <a:r>
-              <a:rPr lang="en-US" u="sng" dirty="0"/>
-              <a:t>Final report</a:t>
-            </a:r>
-            <a:r>
-              <a:rPr lang="en-US" dirty="0"/>
-              <a:t> </a:t>
-            </a:r>
-            <a:r>
-              <a:rPr lang="en-US" dirty="0" smtClean="0"/>
-              <a:t>(1 per group</a:t>
-            </a:r>
-            <a:r>
-              <a:rPr lang="en-US" dirty="0"/>
-              <a:t>)</a:t>
-            </a:r>
-          </a:p>
-          <a:p>
-            <a:pPr lvl="2"/>
-            <a:r>
-              <a:rPr lang="en-US" u="sng" dirty="0" smtClean="0"/>
-              <a:t>Application </a:t>
-            </a:r>
-            <a:r>
-              <a:rPr lang="en-US" u="sng" dirty="0"/>
-              <a:t>Note </a:t>
-            </a:r>
-            <a:r>
-              <a:rPr lang="en-US" dirty="0"/>
-              <a:t>/ Tutorial </a:t>
-            </a:r>
-            <a:r>
-              <a:rPr lang="en-US" dirty="0" smtClean="0"/>
-              <a:t>(1 per </a:t>
-            </a:r>
-            <a:r>
-              <a:rPr lang="en-US" dirty="0"/>
-              <a:t>individual</a:t>
-            </a:r>
-            <a:r>
-              <a:rPr lang="en-US" dirty="0" smtClean="0"/>
-              <a:t>)</a:t>
-            </a:r>
-            <a:endParaRPr lang="en-US" dirty="0"/>
-          </a:p>
-        </p:txBody>
-      </p:sp>
-    </p:spTree>
-    <p:extLst>
-      <p:ext uri="{BB962C8B-B14F-4D97-AF65-F5344CB8AC3E}">
-        <p14:creationId xmlns:p14="http://schemas.microsoft.com/office/powerpoint/2010/main" val="4180936273"/>
-      </p:ext>
-    </p:extLst>
-  </p:cSld>
-  <p:clrMapOvr>
-    <a:masterClrMapping/>
-  </p:clrMapOvr>
-  <p:timing>
-    <p:tnLst>
-      <p:par>
-        <p:cTn id="1" dur="indefinite" restart="never" nodeType="tmRoot"/>
-      </p:par>
-    </p:tnLst>
-  </p:timing>
-</p:sld>
-</file>
-
-<file path=ppt/slides/slide5.xml><?xml version="1.0" encoding="utf-8"?>
-<p:sld xmlns:a="http://schemas.openxmlformats.org/drawingml/2006/main" xmlns:r="http://schemas.openxmlformats.org/officeDocument/2006/relationships" xmlns:p="http://schemas.openxmlformats.org/presentationml/2006/main">
-  <p:cSld>
-    <p:spTree>
-      <p:nvGrpSpPr>
-        <p:cNvPr id="1" name=""/>
-        <p:cNvGrpSpPr/>
-        <p:nvPr/>
-      </p:nvGrpSpPr>
-      <p:grpSpPr>
-        <a:xfrm>
-          <a:off x="0" y="0"/>
-          <a:ext cx="0" cy="0"/>
-          <a:chOff x="0" y="0"/>
-          <a:chExt cx="0" cy="0"/>
-        </a:xfrm>
-      </p:grpSpPr>
-      <p:sp>
-        <p:nvSpPr>
-          <p:cNvPr id="2" name="Title 1"/>
-          <p:cNvSpPr>
-            <a:spLocks noGrp="1"/>
-          </p:cNvSpPr>
-          <p:nvPr>
-            <p:ph type="title"/>
-          </p:nvPr>
-        </p:nvSpPr>
-        <p:spPr>
-          <a:xfrm>
-            <a:off x="304799" y="0"/>
-            <a:ext cx="8493126" cy="914400"/>
-          </a:xfrm>
-        </p:spPr>
-        <p:txBody>
-          <a:bodyPr>
-            <a:normAutofit/>
-          </a:bodyPr>
-          <a:lstStyle/>
-          <a:p>
-            <a:r>
-              <a:rPr lang="en-US" dirty="0" smtClean="0"/>
-              <a:t>Quarter 1 – Assembly of an FMCW System</a:t>
-            </a:r>
-            <a:endParaRPr lang="en-US" dirty="0"/>
-          </a:p>
-        </p:txBody>
-      </p:sp>
-      <p:pic>
-        <p:nvPicPr>
-          <p:cNvPr id="1030" name="Picture 6" descr="https://docs.google.com/drawings/d/smSqlKgvN4Sl4aosvDWV98g/image?w=492&amp;h=300&amp;rev=19&amp;ac=1"/>
-          <p:cNvPicPr>
-            <a:picLocks noChangeAspect="1" noChangeArrowheads="1"/>
-          </p:cNvPicPr>
-          <p:nvPr/>
-        </p:nvPicPr>
-        <p:blipFill>
-          <a:blip r:embed="rId2">
-            <a:extLst>
-              <a:ext uri="{28A0092B-C50C-407E-A947-70E740481C1C}">
-                <a14:useLocalDpi xmlns:a14="http://schemas.microsoft.com/office/drawing/2010/main" val="0"/>
-              </a:ext>
-            </a:extLst>
-          </a:blip>
-          <a:srcRect/>
-          <a:stretch>
-            <a:fillRect/>
-          </a:stretch>
-        </p:blipFill>
-        <p:spPr bwMode="auto">
-          <a:xfrm>
-            <a:off x="497355" y="952268"/>
-            <a:ext cx="4588476" cy="2803549"/>
-          </a:xfrm>
-          <a:prstGeom prst="rect">
-            <a:avLst/>
-          </a:prstGeom>
-          <a:noFill/>
-          <a:extLst>
-            <a:ext uri="{909E8E84-426E-40DD-AFC4-6F175D3DCCD1}">
-              <a14:hiddenFill xmlns:a14="http://schemas.microsoft.com/office/drawing/2010/main">
-                <a:solidFill>
-                  <a:srgbClr val="FFFFFF"/>
-                </a:solidFill>
-              </a14:hiddenFill>
-            </a:ext>
-          </a:extLst>
-        </p:spPr>
-      </p:pic>
-      <p:grpSp>
-        <p:nvGrpSpPr>
-          <p:cNvPr id="8" name="Group 7"/>
-          <p:cNvGrpSpPr>
-            <a:grpSpLocks noChangeAspect="1"/>
-          </p:cNvGrpSpPr>
-          <p:nvPr/>
-        </p:nvGrpSpPr>
-        <p:grpSpPr>
-          <a:xfrm>
-            <a:off x="5393100" y="1365898"/>
-            <a:ext cx="3240647" cy="2106581"/>
-            <a:chOff x="2802312" y="2735819"/>
-            <a:chExt cx="2885230" cy="1875547"/>
-          </a:xfrm>
-        </p:grpSpPr>
-        <p:pic>
-          <p:nvPicPr>
-            <p:cNvPr id="9" name="Picture 4" descr="D:\Dropbox\Teaching\2012.Senior.Design\Progress\2013.03.01\ODgIEJtuYb-L3_nsfBHbVAoSrT0o0HFvStT0Dx_gpUQ.jpg"/>
-            <p:cNvPicPr>
-              <a:picLocks noChangeAspect="1" noChangeArrowheads="1"/>
-            </p:cNvPicPr>
-            <p:nvPr/>
-          </p:nvPicPr>
-          <p:blipFill>
-            <a:blip r:embed="rId3" cstate="print"/>
-            <a:srcRect/>
-            <a:stretch>
-              <a:fillRect/>
-            </a:stretch>
-          </p:blipFill>
-          <p:spPr bwMode="auto">
-            <a:xfrm>
-              <a:off x="2850937" y="2735819"/>
-              <a:ext cx="2511065" cy="1875547"/>
-            </a:xfrm>
-            <a:prstGeom prst="rect">
-              <a:avLst/>
-            </a:prstGeom>
-            <a:noFill/>
-          </p:spPr>
-        </p:pic>
-        <p:sp>
-          <p:nvSpPr>
-            <p:cNvPr id="10" name="TextBox 9"/>
-            <p:cNvSpPr txBox="1"/>
-            <p:nvPr/>
-          </p:nvSpPr>
-          <p:spPr>
-            <a:xfrm>
-              <a:off x="2802312" y="2812184"/>
-              <a:ext cx="1936658" cy="445679"/>
-            </a:xfrm>
-            <a:prstGeom prst="rect">
-              <a:avLst/>
-            </a:prstGeom>
-            <a:noFill/>
-          </p:spPr>
-          <p:txBody>
-            <a:bodyPr wrap="square" rtlCol="0">
-              <a:spAutoFit/>
-            </a:bodyPr>
-            <a:lstStyle/>
-            <a:p>
-              <a:r>
-                <a:rPr lang="en-US" sz="1000" b="1" dirty="0" smtClean="0">
-                  <a:solidFill>
-                    <a:srgbClr val="FFFF00"/>
-                  </a:solidFill>
-                  <a:latin typeface="+mj-lt"/>
-                </a:rPr>
-                <a:t>Baseband</a:t>
-              </a:r>
-            </a:p>
-          </p:txBody>
-        </p:sp>
-        <p:sp>
-          <p:nvSpPr>
-            <p:cNvPr id="11" name="TextBox 10"/>
-            <p:cNvSpPr txBox="1"/>
-            <p:nvPr/>
-          </p:nvSpPr>
-          <p:spPr>
-            <a:xfrm>
-              <a:off x="3204573" y="3671300"/>
-              <a:ext cx="686038" cy="445678"/>
-            </a:xfrm>
-            <a:prstGeom prst="rect">
-              <a:avLst/>
-            </a:prstGeom>
-            <a:noFill/>
-          </p:spPr>
-          <p:txBody>
-            <a:bodyPr wrap="square" rtlCol="0">
-              <a:spAutoFit/>
-            </a:bodyPr>
-            <a:lstStyle/>
-            <a:p>
-              <a:r>
-                <a:rPr lang="en-US" sz="1000" b="1" dirty="0" smtClean="0">
-                  <a:solidFill>
-                    <a:srgbClr val="FFFF00"/>
-                  </a:solidFill>
-                  <a:latin typeface="+mj-lt"/>
-                </a:rPr>
-                <a:t>RF</a:t>
-              </a:r>
-            </a:p>
-          </p:txBody>
-        </p:sp>
-        <p:sp>
-          <p:nvSpPr>
-            <p:cNvPr id="12" name="TextBox 11"/>
-            <p:cNvSpPr txBox="1"/>
-            <p:nvPr/>
-          </p:nvSpPr>
-          <p:spPr>
-            <a:xfrm>
-              <a:off x="3579748" y="4021327"/>
-              <a:ext cx="2107794" cy="534343"/>
-            </a:xfrm>
-            <a:prstGeom prst="rect">
-              <a:avLst/>
-            </a:prstGeom>
-            <a:noFill/>
-          </p:spPr>
-          <p:txBody>
-            <a:bodyPr wrap="square" rtlCol="0">
-              <a:spAutoFit/>
-            </a:bodyPr>
-            <a:lstStyle/>
-            <a:p>
-              <a:r>
-                <a:rPr lang="en-US" sz="1000" b="1" dirty="0" smtClean="0">
-                  <a:solidFill>
-                    <a:srgbClr val="FFFF00"/>
-                  </a:solidFill>
-                  <a:latin typeface="+mj-lt"/>
-                </a:rPr>
-                <a:t>Antennas made from coffee cans</a:t>
-              </a:r>
-            </a:p>
-          </p:txBody>
-        </p:sp>
-      </p:grpSp>
-      <p:grpSp>
-        <p:nvGrpSpPr>
-          <p:cNvPr id="13" name="Group 12"/>
-          <p:cNvGrpSpPr>
-            <a:grpSpLocks noChangeAspect="1"/>
-          </p:cNvGrpSpPr>
-          <p:nvPr/>
-        </p:nvGrpSpPr>
-        <p:grpSpPr>
-          <a:xfrm>
-            <a:off x="409193" y="4227726"/>
-            <a:ext cx="2701800" cy="1960314"/>
-            <a:chOff x="5478782" y="2896195"/>
-            <a:chExt cx="2584972" cy="1875548"/>
-          </a:xfrm>
-        </p:grpSpPr>
-        <p:pic>
-          <p:nvPicPr>
-            <p:cNvPr id="14" name="Picture 6" descr="D:\Dropbox\Teaching\2012.Senior.Design\Progress\2013.03.01\QAW7vTGIn_dAOoKEyH8L5Zck91AWRvLwlldy4QwLy5M.jpg"/>
-            <p:cNvPicPr>
-              <a:picLocks noChangeAspect="1" noChangeArrowheads="1"/>
-            </p:cNvPicPr>
-            <p:nvPr/>
-          </p:nvPicPr>
-          <p:blipFill>
-            <a:blip r:embed="rId4" cstate="print"/>
-            <a:srcRect/>
-            <a:stretch>
-              <a:fillRect/>
-            </a:stretch>
-          </p:blipFill>
-          <p:spPr bwMode="auto">
-            <a:xfrm>
-              <a:off x="5562242" y="2896195"/>
-              <a:ext cx="2501512" cy="1875548"/>
-            </a:xfrm>
-            <a:prstGeom prst="rect">
-              <a:avLst/>
-            </a:prstGeom>
-            <a:noFill/>
-          </p:spPr>
-        </p:pic>
-        <p:sp>
-          <p:nvSpPr>
-            <p:cNvPr id="15" name="TextBox 14"/>
-            <p:cNvSpPr txBox="1"/>
-            <p:nvPr/>
-          </p:nvSpPr>
-          <p:spPr>
-            <a:xfrm>
-              <a:off x="5478782" y="2902570"/>
-              <a:ext cx="1525107" cy="606252"/>
-            </a:xfrm>
-            <a:prstGeom prst="rect">
-              <a:avLst/>
-            </a:prstGeom>
-            <a:noFill/>
-          </p:spPr>
-          <p:txBody>
-            <a:bodyPr wrap="square" rtlCol="0">
-              <a:spAutoFit/>
-            </a:bodyPr>
-            <a:lstStyle/>
-            <a:p>
-              <a:r>
-                <a:rPr lang="en-US" sz="1200" b="1" dirty="0" smtClean="0">
-                  <a:solidFill>
-                    <a:srgbClr val="FFFF00"/>
-                  </a:solidFill>
-                  <a:latin typeface="+mj-lt"/>
-                </a:rPr>
-                <a:t>Doppler Testing</a:t>
-              </a:r>
-            </a:p>
-          </p:txBody>
-        </p:sp>
-      </p:grpSp>
-      <p:grpSp>
-        <p:nvGrpSpPr>
-          <p:cNvPr id="16" name="Group 15"/>
-          <p:cNvGrpSpPr/>
-          <p:nvPr/>
-        </p:nvGrpSpPr>
-        <p:grpSpPr>
-          <a:xfrm>
-            <a:off x="3156050" y="4050965"/>
-            <a:ext cx="2790624" cy="2541966"/>
-            <a:chOff x="3095978" y="4226080"/>
-            <a:chExt cx="2790624" cy="2541966"/>
-          </a:xfrm>
-        </p:grpSpPr>
-        <p:pic>
-          <p:nvPicPr>
-            <p:cNvPr id="17" name="Picture 3" descr="M:\radar\radar ti\shell and I .jpg"/>
-            <p:cNvPicPr>
-              <a:picLocks noChangeAspect="1" noChangeArrowheads="1"/>
-            </p:cNvPicPr>
-            <p:nvPr/>
-          </p:nvPicPr>
-          <p:blipFill>
-            <a:blip r:embed="rId5" cstate="print"/>
-            <a:srcRect l="6185" r="6956"/>
-            <a:stretch>
-              <a:fillRect/>
-            </a:stretch>
-          </p:blipFill>
-          <p:spPr bwMode="auto">
-            <a:xfrm>
-              <a:off x="3095978" y="4226080"/>
-              <a:ext cx="2790624" cy="2408180"/>
-            </a:xfrm>
-            <a:prstGeom prst="rect">
-              <a:avLst/>
-            </a:prstGeom>
-            <a:noFill/>
-          </p:spPr>
-        </p:pic>
-        <p:sp>
-          <p:nvSpPr>
-            <p:cNvPr id="18" name="TextBox 17"/>
-            <p:cNvSpPr txBox="1"/>
-            <p:nvPr/>
-          </p:nvSpPr>
-          <p:spPr>
-            <a:xfrm>
-              <a:off x="3653740" y="6460269"/>
-              <a:ext cx="1578958" cy="307777"/>
-            </a:xfrm>
-            <a:prstGeom prst="rect">
-              <a:avLst/>
-            </a:prstGeom>
-            <a:noFill/>
-          </p:spPr>
-          <p:txBody>
-            <a:bodyPr wrap="none" rtlCol="0">
-              <a:spAutoFit/>
-            </a:bodyPr>
-            <a:lstStyle/>
-            <a:p>
-              <a:r>
-                <a:rPr lang="en-US" sz="1400" dirty="0" smtClean="0">
-                  <a:solidFill>
-                    <a:schemeClr val="bg1"/>
-                  </a:solidFill>
-                  <a:latin typeface="+mj-lt"/>
-                </a:rPr>
-                <a:t>Range vs. Time</a:t>
-              </a:r>
-            </a:p>
-          </p:txBody>
-        </p:sp>
-      </p:grpSp>
-      <p:grpSp>
-        <p:nvGrpSpPr>
-          <p:cNvPr id="19" name="Group 18"/>
-          <p:cNvGrpSpPr/>
-          <p:nvPr/>
-        </p:nvGrpSpPr>
-        <p:grpSpPr>
-          <a:xfrm>
-            <a:off x="5979600" y="4193377"/>
-            <a:ext cx="2757220" cy="2399554"/>
-            <a:chOff x="5934227" y="4359430"/>
-            <a:chExt cx="2757220" cy="2399554"/>
-          </a:xfrm>
-        </p:grpSpPr>
-        <p:pic>
-          <p:nvPicPr>
-            <p:cNvPr id="20" name="Picture 2" descr="M:\radar\doppler_files\5cars.jpg"/>
-            <p:cNvPicPr>
-              <a:picLocks noChangeAspect="1" noChangeArrowheads="1"/>
-            </p:cNvPicPr>
-            <p:nvPr/>
-          </p:nvPicPr>
-          <p:blipFill>
-            <a:blip r:embed="rId6" cstate="print"/>
-            <a:srcRect l="6975" t="6086" r="7815" b="3166"/>
-            <a:stretch>
-              <a:fillRect/>
-            </a:stretch>
-          </p:blipFill>
-          <p:spPr bwMode="auto">
-            <a:xfrm>
-              <a:off x="5934227" y="4359430"/>
-              <a:ext cx="2757220" cy="2197075"/>
-            </a:xfrm>
-            <a:prstGeom prst="rect">
-              <a:avLst/>
-            </a:prstGeom>
-            <a:noFill/>
-          </p:spPr>
-        </p:pic>
-        <p:sp>
-          <p:nvSpPr>
-            <p:cNvPr id="21" name="TextBox 20"/>
-            <p:cNvSpPr txBox="1"/>
-            <p:nvPr/>
-          </p:nvSpPr>
-          <p:spPr>
-            <a:xfrm>
-              <a:off x="6532868" y="6451207"/>
-              <a:ext cx="1579278" cy="307777"/>
-            </a:xfrm>
-            <a:prstGeom prst="rect">
-              <a:avLst/>
-            </a:prstGeom>
-            <a:noFill/>
-          </p:spPr>
-          <p:txBody>
-            <a:bodyPr wrap="none" rtlCol="0">
-              <a:spAutoFit/>
-            </a:bodyPr>
-            <a:lstStyle/>
-            <a:p>
-              <a:r>
-                <a:rPr lang="en-US" sz="1400" dirty="0" smtClean="0">
-                  <a:solidFill>
-                    <a:schemeClr val="bg1"/>
-                  </a:solidFill>
-                  <a:latin typeface="+mj-lt"/>
-                </a:rPr>
-                <a:t>Speed vs. Time</a:t>
-              </a:r>
-            </a:p>
-          </p:txBody>
-        </p:sp>
-      </p:grpSp>
-    </p:spTree>
-    <p:extLst>
-      <p:ext uri="{BB962C8B-B14F-4D97-AF65-F5344CB8AC3E}">
-        <p14:creationId xmlns:p14="http://schemas.microsoft.com/office/powerpoint/2010/main" val="2236420181"/>
-      </p:ext>
-    </p:extLst>
-  </p:cSld>
-  <p:clrMapOvr>
-    <a:masterClrMapping/>
-  </p:clrMapOvr>
-  <p:timing>
-    <p:tnLst>
-      <p:par>
-        <p:cTn id="1" dur="indefinite" restart="never" nodeType="tmRoot"/>
-      </p:par>
-    </p:tnLst>
-  </p:timing>
-</p:sld>
-</file>
-
-<file path=ppt/slides/slide6.xml><?xml version="1.0" encoding="utf-8"?>
-<p:sld xmlns:a="http://schemas.openxmlformats.org/drawingml/2006/main" xmlns:r="http://schemas.openxmlformats.org/officeDocument/2006/relationships" xmlns:p="http://schemas.openxmlformats.org/presentationml/2006/main">
-  <p:cSld>
-    <p:spTree>
-      <p:nvGrpSpPr>
-        <p:cNvPr id="1" name=""/>
-        <p:cNvGrpSpPr/>
-        <p:nvPr/>
-      </p:nvGrpSpPr>
-      <p:grpSpPr>
-        <a:xfrm>
-          <a:off x="0" y="0"/>
-          <a:ext cx="0" cy="0"/>
-          <a:chOff x="0" y="0"/>
-          <a:chExt cx="0" cy="0"/>
-        </a:xfrm>
-      </p:grpSpPr>
-      <p:sp>
-        <p:nvSpPr>
-          <p:cNvPr id="2" name="Title 1"/>
-          <p:cNvSpPr>
-            <a:spLocks noGrp="1"/>
-          </p:cNvSpPr>
-          <p:nvPr>
-            <p:ph type="title"/>
-          </p:nvPr>
-        </p:nvSpPr>
-        <p:spPr>
-          <a:xfrm>
-            <a:off x="304799" y="0"/>
-            <a:ext cx="7439891" cy="914400"/>
-          </a:xfrm>
-        </p:spPr>
-        <p:txBody>
-          <a:bodyPr>
-            <a:noAutofit/>
-          </a:bodyPr>
-          <a:lstStyle/>
-          <a:p>
-            <a:r>
-              <a:rPr lang="en-US" dirty="0" smtClean="0"/>
-              <a:t>Quarter 1 Lab Schedule</a:t>
-            </a:r>
-            <a:endParaRPr lang="en-US" dirty="0"/>
+            <a:endParaRPr lang="en-US" dirty="0">
+              <a:solidFill>
+                <a:srgbClr val="FF0000"/>
+              </a:solidFill>
+            </a:endParaRPr>
           </a:p>
         </p:txBody>
       </p:sp>
@@ -6218,13 +3016,13 @@
           <p:nvPr>
             <p:extLst>
               <p:ext uri="{D42A27DB-BD31-4B8C-83A1-F6EECF244321}">
-                <p14:modId xmlns:p14="http://schemas.microsoft.com/office/powerpoint/2010/main" val="3602069508"/>
+                <p14:modId xmlns:p14="http://schemas.microsoft.com/office/powerpoint/2010/main" val="3166972895"/>
               </p:ext>
             </p:extLst>
           </p:nvPr>
         </p:nvGraphicFramePr>
         <p:xfrm>
-          <a:off x="540912" y="950591"/>
+          <a:off x="540912" y="901163"/>
           <a:ext cx="8036417" cy="4645152"/>
         </p:xfrm>
         <a:graphic>
@@ -8577,7 +5375,7 @@
 </p:sld>
 </file>
 
-<file path=ppt/slides/slide7.xml><?xml version="1.0" encoding="utf-8"?>
+<file path=ppt/slides/slide11.xml><?xml version="1.0" encoding="utf-8"?>
 <p:sld xmlns:a="http://schemas.openxmlformats.org/drawingml/2006/main" xmlns:r="http://schemas.openxmlformats.org/officeDocument/2006/relationships" xmlns:p="http://schemas.openxmlformats.org/presentationml/2006/main">
   <p:cSld>
     <p:spTree>
@@ -8632,33 +5430,62 @@
           <a:bodyPr/>
           <a:lstStyle/>
           <a:p>
+            <a:pPr marL="0" indent="0">
+              <a:buNone/>
+            </a:pPr>
             <a:r>
               <a:rPr lang="en-US" b="1" dirty="0">
                 <a:solidFill>
                   <a:srgbClr val="FF0000"/>
                 </a:solidFill>
               </a:rPr>
-              <a:t>Be warned!</a:t>
+              <a:t> </a:t>
+            </a:r>
+            <a:r>
+              <a:rPr lang="en-US" b="1" dirty="0" smtClean="0">
+                <a:solidFill>
+                  <a:srgbClr val="FF0000"/>
+                </a:solidFill>
+              </a:rPr>
+              <a:t>    </a:t>
+            </a:r>
+            <a:r>
+              <a:rPr lang="en-US" sz="3200" b="1" dirty="0" smtClean="0">
+                <a:solidFill>
+                  <a:srgbClr val="FF0000"/>
+                </a:solidFill>
+              </a:rPr>
+              <a:t>Be </a:t>
+            </a:r>
+            <a:r>
+              <a:rPr lang="en-US" sz="3200" b="1" dirty="0">
+                <a:solidFill>
+                  <a:srgbClr val="FF0000"/>
+                </a:solidFill>
+              </a:rPr>
+              <a:t>warned!</a:t>
+            </a:r>
+            <a:r>
+              <a:rPr lang="en-US" sz="3200" dirty="0"/>
+              <a:t> </a:t>
+            </a:r>
+            <a:endParaRPr lang="en-US" sz="3200" dirty="0" smtClean="0"/>
+          </a:p>
+          <a:p>
+            <a:r>
+              <a:rPr lang="en-US" dirty="0" smtClean="0"/>
+              <a:t>Labs </a:t>
             </a:r>
             <a:r>
               <a:rPr lang="en-US" dirty="0"/>
-              <a:t> </a:t>
-            </a:r>
-          </a:p>
-          <a:p>
-            <a:pPr lvl="1"/>
-            <a:r>
-              <a:rPr lang="en-US" dirty="0"/>
-              <a:t>Labs are heavy and time consuming. </a:t>
+              <a:t>are heavy and time consuming. </a:t>
             </a:r>
             <a:endParaRPr lang="en-US" dirty="0" smtClean="0"/>
           </a:p>
           <a:p>
-            <a:pPr lvl="1"/>
             <a:endParaRPr lang="en-US" dirty="0"/>
           </a:p>
           <a:p>
-            <a:pPr lvl="1"/>
             <a:r>
               <a:rPr lang="en-US" dirty="0" smtClean="0"/>
               <a:t>Do </a:t>
@@ -8673,22 +5500,18 @@
             </a:r>
           </a:p>
           <a:p>
-            <a:pPr lvl="1"/>
             <a:endParaRPr lang="en-US" dirty="0"/>
           </a:p>
           <a:p>
-            <a:pPr lvl="1"/>
             <a:r>
               <a:rPr lang="en-US" dirty="0" smtClean="0"/>
               <a:t>Team work is important! Everyone needs to work hard!</a:t>
             </a:r>
           </a:p>
           <a:p>
-            <a:pPr lvl="1"/>
             <a:endParaRPr lang="en-US" dirty="0"/>
           </a:p>
           <a:p>
-            <a:pPr lvl="1"/>
             <a:r>
               <a:rPr lang="en-US" dirty="0"/>
               <a:t>You may still end up needing both Friday and Monday sessions</a:t>
@@ -8699,11 +5522,9 @@
             </a:r>
           </a:p>
           <a:p>
-            <a:pPr lvl="1"/>
             <a:endParaRPr lang="en-US" dirty="0"/>
           </a:p>
           <a:p>
-            <a:pPr lvl="1"/>
             <a:r>
               <a:rPr lang="en-US" dirty="0"/>
               <a:t>Lab reports are due on </a:t>
@@ -8750,7 +5571,7 @@
 </p:sld>
 </file>
 
-<file path=ppt/slides/slide8.xml><?xml version="1.0" encoding="utf-8"?>
+<file path=ppt/slides/slide12.xml><?xml version="1.0" encoding="utf-8"?>
 <p:sld xmlns:a="http://schemas.openxmlformats.org/drawingml/2006/main" xmlns:r="http://schemas.openxmlformats.org/officeDocument/2006/relationships" xmlns:p="http://schemas.openxmlformats.org/presentationml/2006/main">
   <p:cSld>
     <p:spTree>
@@ -8784,7 +5605,7 @@
           <a:p>
             <a:r>
               <a:rPr lang="en-US" dirty="0" smtClean="0"/>
-              <a:t>Teaming</a:t>
+              <a:t>Printed Circuit Board (PCB)</a:t>
             </a:r>
             <a:endParaRPr lang="en-US" dirty="0"/>
           </a:p>
@@ -8807,56 +5628,1072 @@
           <a:p>
             <a:r>
               <a:rPr lang="en-US" dirty="0" smtClean="0"/>
-              <a:t>Teaming starts before the quarter through Piazza</a:t>
+              <a:t>Learning PCB design is a critical focus of this class</a:t>
+            </a:r>
+          </a:p>
+          <a:p>
+            <a:r>
+              <a:rPr lang="en-US" dirty="0" smtClean="0"/>
+              <a:t>We will have three “free” PCB design runs in Quarter 1. </a:t>
             </a:r>
           </a:p>
           <a:p>
             <a:pPr lvl="1"/>
             <a:r>
               <a:rPr lang="en-US" dirty="0" smtClean="0"/>
-              <a:t>We’ll allocate sometime for teaming up in the first lecture</a:t>
-            </a:r>
-          </a:p>
-          <a:p>
-            <a:r>
-              <a:rPr lang="en-US" dirty="0"/>
-              <a:t>Each team should consist of 3-4 team members </a:t>
+              <a:t>1</a:t>
+            </a:r>
+            <a:r>
+              <a:rPr lang="en-US" baseline="30000" dirty="0" smtClean="0"/>
+              <a:t>st</a:t>
+            </a:r>
+            <a:r>
+              <a:rPr lang="en-US" dirty="0" smtClean="0"/>
+              <a:t> run: Oct. 23</a:t>
+            </a:r>
+            <a:r>
+              <a:rPr lang="en-US" baseline="30000" dirty="0" smtClean="0"/>
+              <a:t>rd</a:t>
+            </a:r>
+            <a:r>
+              <a:rPr lang="en-US" dirty="0" smtClean="0"/>
+              <a:t> </a:t>
+            </a:r>
+          </a:p>
+          <a:p>
+            <a:pPr lvl="1"/>
+            <a:r>
+              <a:rPr lang="en-US" dirty="0" smtClean="0"/>
+              <a:t>2</a:t>
+            </a:r>
+            <a:r>
+              <a:rPr lang="en-US" baseline="30000" dirty="0" smtClean="0"/>
+              <a:t>nd</a:t>
+            </a:r>
+            <a:r>
+              <a:rPr lang="en-US" dirty="0" smtClean="0"/>
+              <a:t> run: Oct. 30</a:t>
+            </a:r>
+            <a:r>
+              <a:rPr lang="en-US" baseline="30000" dirty="0" smtClean="0"/>
+              <a:t>th</a:t>
+            </a:r>
+            <a:r>
+              <a:rPr lang="en-US" dirty="0" smtClean="0"/>
+              <a:t> </a:t>
+            </a:r>
+          </a:p>
+          <a:p>
+            <a:pPr lvl="1"/>
+            <a:r>
+              <a:rPr lang="en-US" dirty="0" smtClean="0"/>
+              <a:t>3</a:t>
+            </a:r>
+            <a:r>
+              <a:rPr lang="en-US" baseline="30000" dirty="0" smtClean="0"/>
+              <a:t>rd</a:t>
+            </a:r>
+            <a:r>
+              <a:rPr lang="en-US" dirty="0" smtClean="0"/>
+              <a:t> run: Nov. 6</a:t>
+            </a:r>
+            <a:r>
+              <a:rPr lang="en-US" baseline="30000" dirty="0" smtClean="0"/>
+              <a:t>th</a:t>
             </a:r>
             <a:endParaRPr lang="en-US" dirty="0" smtClean="0"/>
           </a:p>
           <a:p>
+            <a:endParaRPr lang="en-US" dirty="0" smtClean="0">
+              <a:solidFill>
+                <a:srgbClr val="FF0000"/>
+              </a:solidFill>
+            </a:endParaRPr>
+          </a:p>
+          <a:p>
+            <a:r>
+              <a:rPr lang="en-US" dirty="0" smtClean="0">
+                <a:solidFill>
+                  <a:srgbClr val="FF0000"/>
+                </a:solidFill>
+              </a:rPr>
+              <a:t>Hard </a:t>
+            </a:r>
+            <a:r>
+              <a:rPr lang="en-US" dirty="0">
+                <a:solidFill>
+                  <a:srgbClr val="FF0000"/>
+                </a:solidFill>
+              </a:rPr>
+              <a:t>deadlines; don’t even </a:t>
+            </a:r>
+            <a:r>
+              <a:rPr lang="en-US" dirty="0" smtClean="0">
+                <a:solidFill>
+                  <a:srgbClr val="FF0000"/>
+                </a:solidFill>
+              </a:rPr>
+              <a:t>ask!</a:t>
+            </a:r>
+          </a:p>
+          <a:p>
+            <a:r>
+              <a:rPr lang="en-US" dirty="0" smtClean="0"/>
+              <a:t>The cost of the above three runs is covered by the course fees</a:t>
+            </a:r>
+          </a:p>
+          <a:p>
             <a:pPr lvl="1"/>
             <a:r>
               <a:rPr lang="en-US" dirty="0" smtClean="0"/>
-              <a:t>We recommend that you include team members of different background to complement each other</a:t>
-            </a:r>
-          </a:p>
-          <a:p>
-            <a:r>
-              <a:rPr lang="en-US" dirty="0" smtClean="0"/>
-              <a:t>By the end of the first lecture, you will need to submit to the TA </a:t>
-            </a:r>
-          </a:p>
-          <a:p>
-            <a:pPr lvl="1"/>
-            <a:r>
-              <a:rPr lang="en-US" dirty="0" smtClean="0"/>
-              <a:t>Team name; will default to “Team #” if none submitted</a:t>
-            </a:r>
-          </a:p>
-          <a:p>
-            <a:pPr lvl="1"/>
-            <a:r>
-              <a:rPr lang="en-US" dirty="0" smtClean="0"/>
-              <a:t>Name of the purchaser</a:t>
-            </a:r>
+              <a:t>If you miss the deadline, you can still have the PCB made at your own cost</a:t>
+            </a:r>
+          </a:p>
+          <a:p>
+            <a:r>
+              <a:rPr lang="en-US" dirty="0" smtClean="0"/>
+              <a:t>Similar runs will be arranged for Quarter 2</a:t>
+            </a:r>
+          </a:p>
+        </p:txBody>
+      </p:sp>
+      <p:sp>
+        <p:nvSpPr>
+          <p:cNvPr id="4" name="Rounded Rectangular Callout 3"/>
+          <p:cNvSpPr/>
+          <p:nvPr/>
+        </p:nvSpPr>
+        <p:spPr bwMode="auto">
+          <a:xfrm>
+            <a:off x="4094162" y="1791732"/>
+            <a:ext cx="4357860" cy="1013254"/>
+          </a:xfrm>
+          <a:prstGeom prst="wedgeRoundRectCallout">
+            <a:avLst>
+              <a:gd name="adj1" fmla="val -73890"/>
+              <a:gd name="adj2" fmla="val -48049"/>
+              <a:gd name="adj3" fmla="val 16667"/>
+            </a:avLst>
+          </a:prstGeom>
+          <a:solidFill>
+            <a:schemeClr val="accent1"/>
+          </a:solidFill>
+          <a:ln w="9525" cap="flat" cmpd="sng" algn="ctr">
+            <a:solidFill>
+              <a:schemeClr val="bg2"/>
+            </a:solidFill>
+            <a:prstDash val="solid"/>
+            <a:round/>
+            <a:headEnd type="none" w="med" len="med"/>
+            <a:tailEnd type="none" w="med" len="med"/>
+          </a:ln>
+          <a:effectLst/>
+        </p:spPr>
+        <p:txBody>
+          <a:bodyPr vert="horz" wrap="square" lIns="91440" tIns="45720" rIns="91440" bIns="45720" numCol="1" rtlCol="0" anchor="t" anchorCtr="0" compatLnSpc="1">
+            <a:prstTxWarp prst="textNoShape">
+              <a:avLst/>
+            </a:prstTxWarp>
+          </a:bodyPr>
+          <a:lstStyle/>
+          <a:p>
+            <a:pPr marL="0" marR="0" indent="0" algn="l" defTabSz="914400" rtl="0" eaLnBrk="0" fontAlgn="base" latinLnBrk="0" hangingPunct="0">
+              <a:lnSpc>
+                <a:spcPct val="100000"/>
+              </a:lnSpc>
+              <a:spcBef>
+                <a:spcPct val="0"/>
+              </a:spcBef>
+              <a:spcAft>
+                <a:spcPct val="0"/>
+              </a:spcAft>
+              <a:buClrTx/>
+              <a:buSzTx/>
+              <a:buFontTx/>
+              <a:buNone/>
+              <a:tabLst/>
+            </a:pPr>
+            <a:r>
+              <a:rPr lang="en-US" sz="1800" dirty="0" smtClean="0">
+                <a:solidFill>
+                  <a:srgbClr val="FF0000"/>
+                </a:solidFill>
+                <a:latin typeface="Kalinga" panose="020B0502040204020203" pitchFamily="34" charset="0"/>
+                <a:cs typeface="Kalinga" panose="020B0502040204020203" pitchFamily="34" charset="0"/>
+              </a:rPr>
+              <a:t>Notice that the first PCB is due only about a month from the start of the class so start early! </a:t>
+            </a:r>
+            <a:endParaRPr kumimoji="0" lang="en-US" sz="1800" b="0" i="0" u="none" strike="noStrike" cap="none" normalizeH="0" baseline="0" dirty="0" smtClean="0">
+              <a:ln>
+                <a:noFill/>
+              </a:ln>
+              <a:solidFill>
+                <a:srgbClr val="FF0000"/>
+              </a:solidFill>
+              <a:effectLst/>
+              <a:latin typeface="Kalinga" panose="020B0502040204020203" pitchFamily="34" charset="0"/>
+              <a:cs typeface="Kalinga" panose="020B0502040204020203" pitchFamily="34" charset="0"/>
+            </a:endParaRPr>
           </a:p>
         </p:txBody>
       </p:sp>
     </p:spTree>
     <p:extLst>
       <p:ext uri="{BB962C8B-B14F-4D97-AF65-F5344CB8AC3E}">
-        <p14:creationId xmlns:p14="http://schemas.microsoft.com/office/powerpoint/2010/main" val="2539265026"/>
+        <p14:creationId xmlns:p14="http://schemas.microsoft.com/office/powerpoint/2010/main" val="2492602521"/>
+      </p:ext>
+    </p:extLst>
+  </p:cSld>
+  <p:clrMapOvr>
+    <a:masterClrMapping/>
+  </p:clrMapOvr>
+  <p:timing>
+    <p:tnLst>
+      <p:par>
+        <p:cTn id="1" dur="indefinite" restart="never" nodeType="tmRoot">
+          <p:childTnLst>
+            <p:seq concurrent="1" nextAc="seek">
+              <p:cTn id="2" dur="indefinite" nodeType="mainSeq">
+                <p:childTnLst>
+                  <p:par>
+                    <p:cTn id="3" fill="hold">
+                      <p:stCondLst>
+                        <p:cond delay="indefinite"/>
+                      </p:stCondLst>
+                      <p:childTnLst>
+                        <p:par>
+                          <p:cTn id="4" fill="hold">
+                            <p:stCondLst>
+                              <p:cond delay="0"/>
+                            </p:stCondLst>
+                            <p:childTnLst>
+                              <p:par>
+                                <p:cTn id="5" presetID="1" presetClass="entr" presetSubtype="0" fill="hold" grpId="0" nodeType="clickEffect">
+                                  <p:stCondLst>
+                                    <p:cond delay="0"/>
+                                  </p:stCondLst>
+                                  <p:childTnLst>
+                                    <p:set>
+                                      <p:cBhvr>
+                                        <p:cTn id="6" dur="1" fill="hold">
+                                          <p:stCondLst>
+                                            <p:cond delay="0"/>
+                                          </p:stCondLst>
+                                        </p:cTn>
+                                        <p:tgtEl>
+                                          <p:spTgt spid="4"/>
+                                        </p:tgtEl>
+                                        <p:attrNameLst>
+                                          <p:attrName>style.visibility</p:attrName>
+                                        </p:attrNameLst>
+                                      </p:cBhvr>
+                                      <p:to>
+                                        <p:strVal val="visible"/>
+                                      </p:to>
+                                    </p:set>
+                                  </p:childTnLst>
+                                </p:cTn>
+                              </p:par>
+                            </p:childTnLst>
+                          </p:cTn>
+                        </p:par>
+                      </p:childTnLst>
+                    </p:cTn>
+                  </p:par>
+                </p:childTnLst>
+              </p:cTn>
+              <p:prevCondLst>
+                <p:cond evt="onPrev" delay="0">
+                  <p:tgtEl>
+                    <p:sldTgt/>
+                  </p:tgtEl>
+                </p:cond>
+              </p:prevCondLst>
+              <p:nextCondLst>
+                <p:cond evt="onNext" delay="0">
+                  <p:tgtEl>
+                    <p:sldTgt/>
+                  </p:tgtEl>
+                </p:cond>
+              </p:nextCondLst>
+            </p:seq>
+          </p:childTnLst>
+        </p:cTn>
+      </p:par>
+    </p:tnLst>
+    <p:bldLst>
+      <p:bldP spid="4" grpId="0" animBg="1"/>
+    </p:bldLst>
+  </p:timing>
+</p:sld>
+</file>
+
+<file path=ppt/slides/slide13.xml><?xml version="1.0" encoding="utf-8"?>
+<p:sld xmlns:a="http://schemas.openxmlformats.org/drawingml/2006/main" xmlns:r="http://schemas.openxmlformats.org/officeDocument/2006/relationships" xmlns:p="http://schemas.openxmlformats.org/presentationml/2006/main">
+  <p:cSld>
+    <p:spTree>
+      <p:nvGrpSpPr>
+        <p:cNvPr id="1" name=""/>
+        <p:cNvGrpSpPr/>
+        <p:nvPr/>
+      </p:nvGrpSpPr>
+      <p:grpSpPr>
+        <a:xfrm>
+          <a:off x="0" y="0"/>
+          <a:ext cx="0" cy="0"/>
+          <a:chOff x="0" y="0"/>
+          <a:chExt cx="0" cy="0"/>
+        </a:xfrm>
+      </p:grpSpPr>
+      <p:sp>
+        <p:nvSpPr>
+          <p:cNvPr id="2" name="Title 1"/>
+          <p:cNvSpPr>
+            <a:spLocks noGrp="1"/>
+          </p:cNvSpPr>
+          <p:nvPr>
+            <p:ph type="title"/>
+          </p:nvPr>
+        </p:nvSpPr>
+        <p:spPr/>
+        <p:txBody>
+          <a:bodyPr/>
+          <a:lstStyle/>
+          <a:p>
+            <a:r>
+              <a:rPr lang="en-US" dirty="0" smtClean="0"/>
+              <a:t>Quarter 2 – Performance Competition</a:t>
+            </a:r>
+            <a:endParaRPr lang="en-US" dirty="0"/>
+          </a:p>
+        </p:txBody>
+      </p:sp>
+      <mc:AlternateContent xmlns:mc="http://schemas.openxmlformats.org/markup-compatibility/2006">
+        <mc:Choice xmlns:a14="http://schemas.microsoft.com/office/drawing/2010/main" Requires="a14">
+          <p:sp>
+            <p:nvSpPr>
+              <p:cNvPr id="3" name="Text Placeholder 2"/>
+              <p:cNvSpPr>
+                <a:spLocks noGrp="1"/>
+              </p:cNvSpPr>
+              <p:nvPr>
+                <p:ph type="body" sz="quarter" idx="10"/>
+              </p:nvPr>
+            </p:nvSpPr>
+            <p:spPr/>
+            <p:txBody>
+              <a:bodyPr/>
+              <a:lstStyle/>
+              <a:p>
+                <a:r>
+                  <a:rPr lang="en-US" dirty="0" smtClean="0"/>
+                  <a:t>Test 1: measure the distance of </a:t>
+                </a:r>
+                <a:r>
+                  <a:rPr lang="en-US" i="1" dirty="0" smtClean="0"/>
+                  <a:t>N</a:t>
+                </a:r>
+                <a:r>
+                  <a:rPr lang="en-US" dirty="0" smtClean="0"/>
+                  <a:t> targets with unknown positions</a:t>
+                </a:r>
+              </a:p>
+              <a:p>
+                <a:pPr lvl="1"/>
+                <a14:m>
+                  <m:oMath xmlns:m="http://schemas.openxmlformats.org/officeDocument/2006/math">
+                    <m:r>
+                      <a:rPr lang="en-US" b="0" i="1" smtClean="0">
+                        <a:solidFill>
+                          <a:srgbClr val="FF0000"/>
+                        </a:solidFill>
+                        <a:latin typeface="Cambria Math" panose="02040503050406030204" pitchFamily="18" charset="0"/>
+                      </a:rPr>
+                      <m:t>𝑠𝑐𝑜𝑟</m:t>
+                    </m:r>
+                    <m:sSub>
+                      <m:sSubPr>
+                        <m:ctrlPr>
+                          <a:rPr lang="en-US" b="0" i="1" smtClean="0">
+                            <a:solidFill>
+                              <a:srgbClr val="FF0000"/>
+                            </a:solidFill>
+                            <a:latin typeface="Cambria Math" panose="02040503050406030204" pitchFamily="18" charset="0"/>
+                          </a:rPr>
+                        </m:ctrlPr>
+                      </m:sSubPr>
+                      <m:e>
+                        <m:r>
+                          <a:rPr lang="en-US" b="0" i="1" smtClean="0">
+                            <a:solidFill>
+                              <a:srgbClr val="FF0000"/>
+                            </a:solidFill>
+                            <a:latin typeface="Cambria Math" panose="02040503050406030204" pitchFamily="18" charset="0"/>
+                          </a:rPr>
+                          <m:t>𝑒</m:t>
+                        </m:r>
+                      </m:e>
+                      <m:sub>
+                        <m:r>
+                          <a:rPr lang="en-US" b="0" i="1" smtClean="0">
+                            <a:solidFill>
+                              <a:srgbClr val="FF0000"/>
+                            </a:solidFill>
+                            <a:latin typeface="Cambria Math" panose="02040503050406030204" pitchFamily="18" charset="0"/>
+                          </a:rPr>
+                          <m:t>1</m:t>
+                        </m:r>
+                      </m:sub>
+                    </m:sSub>
+                    <m:r>
+                      <a:rPr lang="en-US" b="0" i="1" smtClean="0">
+                        <a:solidFill>
+                          <a:srgbClr val="FF0000"/>
+                        </a:solidFill>
+                        <a:latin typeface="Cambria Math" panose="02040503050406030204" pitchFamily="18" charset="0"/>
+                      </a:rPr>
+                      <m:t>=</m:t>
+                    </m:r>
+                    <m:sSup>
+                      <m:sSupPr>
+                        <m:ctrlPr>
+                          <a:rPr lang="en-US" i="1">
+                            <a:solidFill>
+                              <a:srgbClr val="FF0000"/>
+                            </a:solidFill>
+                            <a:latin typeface="Cambria Math" panose="02040503050406030204" pitchFamily="18" charset="0"/>
+                          </a:rPr>
+                        </m:ctrlPr>
+                      </m:sSupPr>
+                      <m:e>
+                        <m:r>
+                          <a:rPr lang="en-US" b="0" i="1" smtClean="0">
+                            <a:solidFill>
+                              <a:srgbClr val="FF0000"/>
+                            </a:solidFill>
+                            <a:latin typeface="Cambria Math" panose="02040503050406030204" pitchFamily="18" charset="0"/>
+                          </a:rPr>
+                          <m:t>𝑊</m:t>
+                        </m:r>
+                      </m:e>
+                      <m:sup>
+                        <m:r>
+                          <a:rPr lang="en-US" i="1">
+                            <a:solidFill>
+                              <a:srgbClr val="FF0000"/>
+                            </a:solidFill>
+                            <a:latin typeface="Cambria Math" panose="02040503050406030204" pitchFamily="18" charset="0"/>
+                          </a:rPr>
+                          <m:t>𝛼</m:t>
+                        </m:r>
+                      </m:sup>
+                    </m:sSup>
+                    <m:sSup>
+                      <m:sSupPr>
+                        <m:ctrlPr>
+                          <a:rPr lang="en-US" i="1">
+                            <a:solidFill>
+                              <a:srgbClr val="FF0000"/>
+                            </a:solidFill>
+                            <a:latin typeface="Cambria Math" panose="02040503050406030204" pitchFamily="18" charset="0"/>
+                          </a:rPr>
+                        </m:ctrlPr>
+                      </m:sSupPr>
+                      <m:e>
+                        <m:r>
+                          <a:rPr lang="en-US" i="1">
+                            <a:solidFill>
+                              <a:srgbClr val="FF0000"/>
+                            </a:solidFill>
+                            <a:latin typeface="Cambria Math" panose="02040503050406030204" pitchFamily="18" charset="0"/>
+                          </a:rPr>
+                          <m:t>𝑃</m:t>
+                        </m:r>
+                      </m:e>
+                      <m:sup>
+                        <m:r>
+                          <a:rPr lang="en-US" i="1">
+                            <a:solidFill>
+                              <a:srgbClr val="FF0000"/>
+                            </a:solidFill>
+                            <a:latin typeface="Cambria Math" panose="02040503050406030204" pitchFamily="18" charset="0"/>
+                          </a:rPr>
+                          <m:t>𝛽</m:t>
+                        </m:r>
+                      </m:sup>
+                    </m:sSup>
+                    <m:nary>
+                      <m:naryPr>
+                        <m:chr m:val="∏"/>
+                        <m:ctrlPr>
+                          <a:rPr lang="en-US" i="1">
+                            <a:solidFill>
+                              <a:srgbClr val="FF0000"/>
+                            </a:solidFill>
+                            <a:latin typeface="Cambria Math" panose="02040503050406030204" pitchFamily="18" charset="0"/>
+                          </a:rPr>
+                        </m:ctrlPr>
+                      </m:naryPr>
+                      <m:sub>
+                        <m:r>
+                          <m:rPr>
+                            <m:brk m:alnAt="23"/>
+                          </m:rPr>
+                          <a:rPr lang="en-US" i="1">
+                            <a:solidFill>
+                              <a:srgbClr val="FF0000"/>
+                            </a:solidFill>
+                            <a:latin typeface="Cambria Math" panose="02040503050406030204" pitchFamily="18" charset="0"/>
+                          </a:rPr>
+                          <m:t>𝑖</m:t>
+                        </m:r>
+                        <m:r>
+                          <a:rPr lang="en-US" i="1">
+                            <a:solidFill>
+                              <a:srgbClr val="FF0000"/>
+                            </a:solidFill>
+                            <a:latin typeface="Cambria Math" panose="02040503050406030204" pitchFamily="18" charset="0"/>
+                          </a:rPr>
+                          <m:t>=1</m:t>
+                        </m:r>
+                      </m:sub>
+                      <m:sup>
+                        <m:r>
+                          <a:rPr lang="en-US" i="1">
+                            <a:solidFill>
+                              <a:srgbClr val="FF0000"/>
+                            </a:solidFill>
+                            <a:latin typeface="Cambria Math" panose="02040503050406030204" pitchFamily="18" charset="0"/>
+                          </a:rPr>
+                          <m:t>𝑁</m:t>
+                        </m:r>
+                      </m:sup>
+                      <m:e>
+                        <m:d>
+                          <m:dPr>
+                            <m:ctrlPr>
+                              <a:rPr lang="en-US" i="1">
+                                <a:solidFill>
+                                  <a:srgbClr val="FF0000"/>
+                                </a:solidFill>
+                                <a:latin typeface="Cambria Math" panose="02040503050406030204" pitchFamily="18" charset="0"/>
+                              </a:rPr>
+                            </m:ctrlPr>
+                          </m:dPr>
+                          <m:e>
+                            <m:f>
+                              <m:fPr>
+                                <m:ctrlPr>
+                                  <a:rPr lang="en-US" i="1">
+                                    <a:solidFill>
+                                      <a:srgbClr val="FF0000"/>
+                                    </a:solidFill>
+                                    <a:latin typeface="Cambria Math" panose="02040503050406030204" pitchFamily="18" charset="0"/>
+                                  </a:rPr>
+                                </m:ctrlPr>
+                              </m:fPr>
+                              <m:num>
+                                <m:sSub>
+                                  <m:sSubPr>
+                                    <m:ctrlPr>
+                                      <a:rPr lang="en-US" i="1">
+                                        <a:solidFill>
+                                          <a:srgbClr val="FF0000"/>
+                                        </a:solidFill>
+                                        <a:latin typeface="Cambria Math" panose="02040503050406030204" pitchFamily="18" charset="0"/>
+                                      </a:rPr>
+                                    </m:ctrlPr>
+                                  </m:sSubPr>
+                                  <m:e>
+                                    <m:acc>
+                                      <m:accPr>
+                                        <m:chr m:val="̂"/>
+                                        <m:ctrlPr>
+                                          <a:rPr lang="en-US" i="1">
+                                            <a:solidFill>
+                                              <a:srgbClr val="FF0000"/>
+                                            </a:solidFill>
+                                            <a:latin typeface="Cambria Math" panose="02040503050406030204" pitchFamily="18" charset="0"/>
+                                          </a:rPr>
+                                        </m:ctrlPr>
+                                      </m:accPr>
+                                      <m:e>
+                                        <m:r>
+                                          <a:rPr lang="en-US" i="1">
+                                            <a:solidFill>
+                                              <a:srgbClr val="FF0000"/>
+                                            </a:solidFill>
+                                            <a:latin typeface="Cambria Math" panose="02040503050406030204" pitchFamily="18" charset="0"/>
+                                          </a:rPr>
+                                          <m:t>𝐿</m:t>
+                                        </m:r>
+                                      </m:e>
+                                    </m:acc>
+                                  </m:e>
+                                  <m:sub>
+                                    <m:r>
+                                      <a:rPr lang="en-US" i="1">
+                                        <a:solidFill>
+                                          <a:srgbClr val="FF0000"/>
+                                        </a:solidFill>
+                                        <a:latin typeface="Cambria Math" panose="02040503050406030204" pitchFamily="18" charset="0"/>
+                                      </a:rPr>
+                                      <m:t>𝑖</m:t>
+                                    </m:r>
+                                  </m:sub>
+                                </m:sSub>
+                                <m:r>
+                                  <a:rPr lang="en-US" i="1">
+                                    <a:solidFill>
+                                      <a:srgbClr val="FF0000"/>
+                                    </a:solidFill>
+                                    <a:latin typeface="Cambria Math" panose="02040503050406030204" pitchFamily="18" charset="0"/>
+                                  </a:rPr>
+                                  <m:t>−</m:t>
+                                </m:r>
+                                <m:sSub>
+                                  <m:sSubPr>
+                                    <m:ctrlPr>
+                                      <a:rPr lang="en-US" i="1">
+                                        <a:solidFill>
+                                          <a:srgbClr val="FF0000"/>
+                                        </a:solidFill>
+                                        <a:latin typeface="Cambria Math" panose="02040503050406030204" pitchFamily="18" charset="0"/>
+                                      </a:rPr>
+                                    </m:ctrlPr>
+                                  </m:sSubPr>
+                                  <m:e>
+                                    <m:r>
+                                      <a:rPr lang="en-US" i="1">
+                                        <a:solidFill>
+                                          <a:srgbClr val="FF0000"/>
+                                        </a:solidFill>
+                                        <a:latin typeface="Cambria Math" panose="02040503050406030204" pitchFamily="18" charset="0"/>
+                                      </a:rPr>
+                                      <m:t>𝐿</m:t>
+                                    </m:r>
+                                  </m:e>
+                                  <m:sub>
+                                    <m:r>
+                                      <a:rPr lang="en-US" i="1">
+                                        <a:solidFill>
+                                          <a:srgbClr val="FF0000"/>
+                                        </a:solidFill>
+                                        <a:latin typeface="Cambria Math" panose="02040503050406030204" pitchFamily="18" charset="0"/>
+                                      </a:rPr>
+                                      <m:t>𝑖</m:t>
+                                    </m:r>
+                                  </m:sub>
+                                </m:sSub>
+                              </m:num>
+                              <m:den>
+                                <m:sSub>
+                                  <m:sSubPr>
+                                    <m:ctrlPr>
+                                      <a:rPr lang="en-US" i="1">
+                                        <a:solidFill>
+                                          <a:srgbClr val="FF0000"/>
+                                        </a:solidFill>
+                                        <a:latin typeface="Cambria Math" panose="02040503050406030204" pitchFamily="18" charset="0"/>
+                                      </a:rPr>
+                                    </m:ctrlPr>
+                                  </m:sSubPr>
+                                  <m:e>
+                                    <m:r>
+                                      <a:rPr lang="en-US" i="1">
+                                        <a:solidFill>
+                                          <a:srgbClr val="FF0000"/>
+                                        </a:solidFill>
+                                        <a:latin typeface="Cambria Math" panose="02040503050406030204" pitchFamily="18" charset="0"/>
+                                      </a:rPr>
+                                      <m:t>𝐿</m:t>
+                                    </m:r>
+                                  </m:e>
+                                  <m:sub>
+                                    <m:r>
+                                      <a:rPr lang="en-US" i="1">
+                                        <a:solidFill>
+                                          <a:srgbClr val="FF0000"/>
+                                        </a:solidFill>
+                                        <a:latin typeface="Cambria Math" panose="02040503050406030204" pitchFamily="18" charset="0"/>
+                                      </a:rPr>
+                                      <m:t>𝑖</m:t>
+                                    </m:r>
+                                  </m:sub>
+                                </m:sSub>
+                              </m:den>
+                            </m:f>
+                          </m:e>
+                        </m:d>
+                      </m:e>
+                    </m:nary>
+                  </m:oMath>
+                </a14:m>
+                <a:endParaRPr lang="en-US" dirty="0" smtClean="0">
+                  <a:solidFill>
+                    <a:srgbClr val="FF0000"/>
+                  </a:solidFill>
+                </a:endParaRPr>
+              </a:p>
+              <a:p>
+                <a:pPr lvl="2"/>
+                <a14:m>
+                  <m:oMath xmlns:m="http://schemas.openxmlformats.org/officeDocument/2006/math">
+                    <m:sSub>
+                      <m:sSubPr>
+                        <m:ctrlPr>
+                          <a:rPr lang="en-US" i="1" smtClean="0">
+                            <a:solidFill>
+                              <a:srgbClr val="FF0000"/>
+                            </a:solidFill>
+                            <a:latin typeface="Cambria Math" panose="02040503050406030204" pitchFamily="18" charset="0"/>
+                          </a:rPr>
+                        </m:ctrlPr>
+                      </m:sSubPr>
+                      <m:e>
+                        <m:acc>
+                          <m:accPr>
+                            <m:chr m:val="̂"/>
+                            <m:ctrlPr>
+                              <a:rPr lang="en-US" i="1" smtClean="0">
+                                <a:solidFill>
+                                  <a:srgbClr val="FF0000"/>
+                                </a:solidFill>
+                                <a:latin typeface="Cambria Math" panose="02040503050406030204" pitchFamily="18" charset="0"/>
+                              </a:rPr>
+                            </m:ctrlPr>
+                          </m:accPr>
+                          <m:e>
+                            <m:r>
+                              <a:rPr lang="en-US" b="0" i="1" smtClean="0">
+                                <a:solidFill>
+                                  <a:srgbClr val="FF0000"/>
+                                </a:solidFill>
+                                <a:latin typeface="Cambria Math" panose="02040503050406030204" pitchFamily="18" charset="0"/>
+                              </a:rPr>
+                              <m:t>𝐿</m:t>
+                            </m:r>
+                          </m:e>
+                        </m:acc>
+                      </m:e>
+                      <m:sub>
+                        <m:r>
+                          <a:rPr lang="en-US" b="0" i="1" smtClean="0">
+                            <a:solidFill>
+                              <a:srgbClr val="FF0000"/>
+                            </a:solidFill>
+                            <a:latin typeface="Cambria Math" panose="02040503050406030204" pitchFamily="18" charset="0"/>
+                          </a:rPr>
+                          <m:t>𝑖</m:t>
+                        </m:r>
+                      </m:sub>
+                    </m:sSub>
+                  </m:oMath>
+                </a14:m>
+                <a:r>
+                  <a:rPr lang="en-US" dirty="0" smtClean="0">
+                    <a:solidFill>
+                      <a:srgbClr val="FF0000"/>
+                    </a:solidFill>
+                  </a:rPr>
+                  <a:t> is the measured distance to the </a:t>
+                </a:r>
+                <a:r>
+                  <a:rPr lang="en-US" i="1" dirty="0" err="1" smtClean="0">
+                    <a:solidFill>
+                      <a:srgbClr val="FF0000"/>
+                    </a:solidFill>
+                    <a:latin typeface="Times" panose="02020603050405020304" pitchFamily="18" charset="0"/>
+                    <a:cs typeface="Times" panose="02020603050405020304" pitchFamily="18" charset="0"/>
+                  </a:rPr>
+                  <a:t>i</a:t>
+                </a:r>
+                <a:r>
+                  <a:rPr lang="en-US" dirty="0" err="1" smtClean="0">
+                    <a:solidFill>
+                      <a:srgbClr val="FF0000"/>
+                    </a:solidFill>
+                  </a:rPr>
+                  <a:t>th</a:t>
+                </a:r>
+                <a:r>
+                  <a:rPr lang="en-US" dirty="0" smtClean="0">
+                    <a:solidFill>
+                      <a:srgbClr val="FF0000"/>
+                    </a:solidFill>
+                  </a:rPr>
+                  <a:t> target</a:t>
+                </a:r>
+              </a:p>
+              <a:p>
+                <a:pPr lvl="2"/>
+                <a14:m>
+                  <m:oMath xmlns:m="http://schemas.openxmlformats.org/officeDocument/2006/math">
+                    <m:sSub>
+                      <m:sSubPr>
+                        <m:ctrlPr>
+                          <a:rPr lang="en-US" i="1">
+                            <a:solidFill>
+                              <a:srgbClr val="FF0000"/>
+                            </a:solidFill>
+                            <a:latin typeface="Cambria Math" panose="02040503050406030204" pitchFamily="18" charset="0"/>
+                          </a:rPr>
+                        </m:ctrlPr>
+                      </m:sSubPr>
+                      <m:e>
+                        <m:r>
+                          <a:rPr lang="en-US" b="0" i="1" smtClean="0">
+                            <a:solidFill>
+                              <a:srgbClr val="FF0000"/>
+                            </a:solidFill>
+                            <a:latin typeface="Cambria Math" panose="02040503050406030204" pitchFamily="18" charset="0"/>
+                          </a:rPr>
+                          <m:t>𝐿</m:t>
+                        </m:r>
+                      </m:e>
+                      <m:sub>
+                        <m:r>
+                          <a:rPr lang="en-US" i="1">
+                            <a:solidFill>
+                              <a:srgbClr val="FF0000"/>
+                            </a:solidFill>
+                            <a:latin typeface="Cambria Math" panose="02040503050406030204" pitchFamily="18" charset="0"/>
+                          </a:rPr>
+                          <m:t>𝑖</m:t>
+                        </m:r>
+                      </m:sub>
+                    </m:sSub>
+                  </m:oMath>
+                </a14:m>
+                <a:r>
+                  <a:rPr lang="en-US" dirty="0">
+                    <a:solidFill>
+                      <a:srgbClr val="FF0000"/>
+                    </a:solidFill>
+                  </a:rPr>
+                  <a:t> is </a:t>
+                </a:r>
+                <a:r>
+                  <a:rPr lang="en-US" dirty="0" smtClean="0">
+                    <a:solidFill>
+                      <a:srgbClr val="FF0000"/>
+                    </a:solidFill>
+                  </a:rPr>
+                  <a:t>the actual </a:t>
+                </a:r>
+                <a:r>
+                  <a:rPr lang="en-US" dirty="0">
+                    <a:solidFill>
+                      <a:srgbClr val="FF0000"/>
+                    </a:solidFill>
+                  </a:rPr>
+                  <a:t>distance to the </a:t>
+                </a:r>
+                <a:r>
+                  <a:rPr lang="en-US" i="1" dirty="0" err="1">
+                    <a:solidFill>
+                      <a:srgbClr val="FF0000"/>
+                    </a:solidFill>
+                    <a:latin typeface="Times" panose="02020603050405020304" pitchFamily="18" charset="0"/>
+                    <a:cs typeface="Times" panose="02020603050405020304" pitchFamily="18" charset="0"/>
+                  </a:rPr>
+                  <a:t>i</a:t>
+                </a:r>
+                <a:r>
+                  <a:rPr lang="en-US" dirty="0" err="1">
+                    <a:solidFill>
+                      <a:srgbClr val="FF0000"/>
+                    </a:solidFill>
+                  </a:rPr>
+                  <a:t>th</a:t>
+                </a:r>
+                <a:r>
+                  <a:rPr lang="en-US" dirty="0">
+                    <a:solidFill>
+                      <a:srgbClr val="FF0000"/>
+                    </a:solidFill>
+                  </a:rPr>
+                  <a:t> </a:t>
+                </a:r>
+                <a:r>
+                  <a:rPr lang="en-US" dirty="0" smtClean="0">
+                    <a:solidFill>
+                      <a:srgbClr val="FF0000"/>
+                    </a:solidFill>
+                  </a:rPr>
+                  <a:t>target</a:t>
+                </a:r>
+              </a:p>
+              <a:p>
+                <a:pPr lvl="2"/>
+                <a14:m>
+                  <m:oMath xmlns:m="http://schemas.openxmlformats.org/officeDocument/2006/math">
+                    <m:r>
+                      <a:rPr lang="en-US" b="0" i="1" smtClean="0">
+                        <a:solidFill>
+                          <a:srgbClr val="FF0000"/>
+                        </a:solidFill>
+                        <a:latin typeface="Cambria Math" panose="02040503050406030204" pitchFamily="18" charset="0"/>
+                      </a:rPr>
+                      <m:t>𝑊</m:t>
+                    </m:r>
+                  </m:oMath>
+                </a14:m>
+                <a:r>
+                  <a:rPr lang="en-US" dirty="0" smtClean="0">
+                    <a:solidFill>
+                      <a:srgbClr val="FF0000"/>
+                    </a:solidFill>
+                  </a:rPr>
+                  <a:t> is </a:t>
+                </a:r>
+                <a:r>
+                  <a:rPr lang="en-US" dirty="0">
+                    <a:solidFill>
+                      <a:srgbClr val="FF0000"/>
+                    </a:solidFill>
+                  </a:rPr>
+                  <a:t>the </a:t>
+                </a:r>
+                <a:r>
+                  <a:rPr lang="en-US" dirty="0" smtClean="0">
+                    <a:solidFill>
+                      <a:srgbClr val="FF0000"/>
+                    </a:solidFill>
+                  </a:rPr>
+                  <a:t>weight of the radar system, including radar, processing unit; </a:t>
+                </a:r>
+                <a14:m>
+                  <m:oMath xmlns:m="http://schemas.openxmlformats.org/officeDocument/2006/math">
+                    <m:r>
+                      <a:rPr lang="en-US" b="0" i="1" smtClean="0">
+                        <a:solidFill>
+                          <a:srgbClr val="FF0000"/>
+                        </a:solidFill>
+                        <a:latin typeface="Cambria Math" panose="02040503050406030204" pitchFamily="18" charset="0"/>
+                      </a:rPr>
+                      <m:t>𝛼</m:t>
+                    </m:r>
+                  </m:oMath>
+                </a14:m>
+                <a:r>
+                  <a:rPr lang="en-US" dirty="0" smtClean="0">
+                    <a:solidFill>
+                      <a:srgbClr val="FF0000"/>
+                    </a:solidFill>
+                  </a:rPr>
+                  <a:t> is to be determined</a:t>
+                </a:r>
+              </a:p>
+              <a:p>
+                <a:pPr lvl="2"/>
+                <a14:m>
+                  <m:oMath xmlns:m="http://schemas.openxmlformats.org/officeDocument/2006/math">
+                    <m:sSup>
+                      <m:sSupPr>
+                        <m:ctrlPr>
+                          <a:rPr lang="en-US" i="1">
+                            <a:solidFill>
+                              <a:srgbClr val="FF0000"/>
+                            </a:solidFill>
+                            <a:latin typeface="Cambria Math" panose="02040503050406030204" pitchFamily="18" charset="0"/>
+                          </a:rPr>
+                        </m:ctrlPr>
+                      </m:sSupPr>
+                      <m:e>
+                        <m:r>
+                          <a:rPr lang="en-US" i="1">
+                            <a:solidFill>
+                              <a:srgbClr val="FF0000"/>
+                            </a:solidFill>
+                            <a:latin typeface="Cambria Math" panose="02040503050406030204" pitchFamily="18" charset="0"/>
+                          </a:rPr>
+                          <m:t>𝑃</m:t>
+                        </m:r>
+                      </m:e>
+                      <m:sup/>
+                    </m:sSup>
+                  </m:oMath>
+                </a14:m>
+                <a:r>
+                  <a:rPr lang="en-US" dirty="0" smtClean="0">
+                    <a:solidFill>
+                      <a:srgbClr val="FF0000"/>
+                    </a:solidFill>
+                  </a:rPr>
+                  <a:t>is the power consumption of the radar; the power is going to be provided by a lab power supply; </a:t>
+                </a:r>
+                <a14:m>
+                  <m:oMath xmlns:m="http://schemas.openxmlformats.org/officeDocument/2006/math">
+                    <m:r>
+                      <a:rPr lang="en-US" b="0" i="1" smtClean="0">
+                        <a:solidFill>
+                          <a:srgbClr val="FF0000"/>
+                        </a:solidFill>
+                        <a:latin typeface="Cambria Math" panose="02040503050406030204" pitchFamily="18" charset="0"/>
+                      </a:rPr>
+                      <m:t>𝛽</m:t>
+                    </m:r>
+                  </m:oMath>
+                </a14:m>
+                <a:r>
+                  <a:rPr lang="en-US" dirty="0" smtClean="0">
+                    <a:solidFill>
+                      <a:srgbClr val="FF0000"/>
+                    </a:solidFill>
+                  </a:rPr>
+                  <a:t> is to be determined</a:t>
+                </a:r>
+              </a:p>
+              <a:p>
+                <a:pPr lvl="1"/>
+                <a:endParaRPr lang="en-US" dirty="0">
+                  <a:solidFill>
+                    <a:srgbClr val="FF0000"/>
+                  </a:solidFill>
+                </a:endParaRPr>
+              </a:p>
+            </p:txBody>
+          </p:sp>
+        </mc:Choice>
+        <mc:Fallback>
+          <p:sp>
+            <p:nvSpPr>
+              <p:cNvPr id="3" name="Text Placeholder 2"/>
+              <p:cNvSpPr>
+                <a:spLocks noGrp="1" noRot="1" noChangeAspect="1" noMove="1" noResize="1" noEditPoints="1" noAdjustHandles="1" noChangeArrowheads="1" noChangeShapeType="1" noTextEdit="1"/>
+              </p:cNvSpPr>
+              <p:nvPr>
+                <p:ph type="body" sz="quarter" idx="10"/>
+              </p:nvPr>
+            </p:nvSpPr>
+            <p:spPr>
+              <a:blipFill rotWithShape="0">
+                <a:blip r:embed="rId2"/>
+                <a:stretch>
+                  <a:fillRect l="-1723" t="-1266" r="-359"/>
+                </a:stretch>
+              </a:blipFill>
+            </p:spPr>
+            <p:txBody>
+              <a:bodyPr/>
+              <a:lstStyle/>
+              <a:p>
+                <a:r>
+                  <a:rPr lang="en-US">
+                    <a:noFill/>
+                  </a:rPr>
+                  <a:t> </a:t>
+                </a:r>
+              </a:p>
+            </p:txBody>
+          </p:sp>
+        </mc:Fallback>
+      </mc:AlternateContent>
+    </p:spTree>
+    <p:extLst>
+      <p:ext uri="{BB962C8B-B14F-4D97-AF65-F5344CB8AC3E}">
+        <p14:creationId xmlns:p14="http://schemas.microsoft.com/office/powerpoint/2010/main" val="4008042522"/>
       </p:ext>
     </p:extLst>
   </p:cSld>
@@ -8873,7 +6710,7 @@
 </p:sld>
 </file>
 
-<file path=ppt/slides/slide9.xml><?xml version="1.0" encoding="utf-8"?>
+<file path=ppt/slides/slide14.xml><?xml version="1.0" encoding="utf-8"?>
 <p:sld xmlns:a="http://schemas.openxmlformats.org/drawingml/2006/main" xmlns:r="http://schemas.openxmlformats.org/officeDocument/2006/relationships" xmlns:p="http://schemas.openxmlformats.org/presentationml/2006/main">
   <p:cSld>
     <p:spTree>
@@ -8937,7 +6774,15 @@
             </a:pPr>
             <a:r>
               <a:rPr lang="en-US" dirty="0" smtClean="0"/>
-              <a:t> Quarter 1 (30 pts) </a:t>
+              <a:t> Quarter 1 </a:t>
+            </a:r>
+            <a:r>
+              <a:rPr lang="en-US" dirty="0" smtClean="0"/>
+              <a:t>(36 pts</a:t>
+            </a:r>
+            <a:r>
+              <a:rPr lang="en-US" dirty="0" smtClean="0"/>
+              <a:t>) </a:t>
             </a:r>
           </a:p>
           <a:p>
@@ -8948,7 +6793,33 @@
             </a:pPr>
             <a:r>
               <a:rPr lang="en-US" dirty="0" smtClean="0"/>
-              <a:t>Lab reports (30 pts)</a:t>
+              <a:t>Lab </a:t>
+            </a:r>
+            <a:r>
+              <a:rPr lang="en-US" dirty="0" smtClean="0"/>
+              <a:t>reports (6x 4pts)</a:t>
+            </a:r>
+          </a:p>
+          <a:p>
+            <a:pPr lvl="1"/>
+            <a:r>
+              <a:rPr lang="en-US" dirty="0" smtClean="0"/>
+              <a:t>PCB design </a:t>
+            </a:r>
+            <a:r>
+              <a:rPr lang="en-US" b="0" dirty="0" smtClean="0"/>
+              <a:t>reports </a:t>
+            </a:r>
+            <a:r>
+              <a:rPr lang="en-US" dirty="0" smtClean="0"/>
+              <a:t>(3x 2pts)</a:t>
+            </a:r>
+          </a:p>
+          <a:p>
+            <a:pPr lvl="1"/>
+            <a:r>
+              <a:rPr lang="en-US" b="0" dirty="0" smtClean="0"/>
+              <a:t>PCB test reports (3x 2pts)</a:t>
             </a:r>
             <a:endParaRPr lang="en-US" b="0" dirty="0" smtClean="0"/>
           </a:p>
@@ -8960,7 +6831,15 @@
             </a:pPr>
             <a:r>
               <a:rPr lang="en-US" dirty="0" smtClean="0"/>
-              <a:t> Quarter 2 (45 pts)</a:t>
+              <a:t> Quarter 2 (</a:t>
+            </a:r>
+            <a:r>
+              <a:rPr lang="en-US" dirty="0" smtClean="0"/>
+              <a:t>40 </a:t>
+            </a:r>
+            <a:r>
+              <a:rPr lang="en-US" dirty="0" smtClean="0"/>
+              <a:t>pts)</a:t>
             </a:r>
           </a:p>
           <a:p>
@@ -9015,9 +6894,23 @@
             </a:r>
           </a:p>
           <a:p>
-            <a:r>
-              <a:rPr lang="en-US" dirty="0" smtClean="0"/>
-              <a:t>Participation (10 pts)</a:t>
+            <a:pPr marL="0" indent="0">
+              <a:buNone/>
+            </a:pPr>
+            <a:endParaRPr lang="en-US" dirty="0" smtClean="0"/>
+          </a:p>
+          <a:p>
+            <a:r>
+              <a:rPr lang="en-US" dirty="0" smtClean="0"/>
+              <a:t>Participation </a:t>
+            </a:r>
+            <a:r>
+              <a:rPr lang="en-US" dirty="0" smtClean="0"/>
+              <a:t>(9 </a:t>
+            </a:r>
+            <a:r>
+              <a:rPr lang="en-US" dirty="0" smtClean="0"/>
+              <a:t>pts)</a:t>
             </a:r>
           </a:p>
           <a:p>
@@ -9047,8 +6940,13 @@
             <a:pPr lvl="1"/>
             <a:r>
               <a:rPr lang="en-US" dirty="0" smtClean="0"/>
-              <a:t>Graded by the instructor</a:t>
-            </a:r>
+              <a:t>Graded by the </a:t>
+            </a:r>
+            <a:r>
+              <a:rPr lang="en-US" dirty="0" smtClean="0"/>
+              <a:t>instructor and TA</a:t>
+            </a:r>
+            <a:endParaRPr lang="en-US" dirty="0" smtClean="0"/>
           </a:p>
           <a:p>
             <a:pPr lvl="1"/>
@@ -9062,6 +6960,132 @@
               <a:rPr lang="en-US" dirty="0" smtClean="0"/>
               <a:t>Bonus points</a:t>
             </a:r>
+          </a:p>
+        </p:txBody>
+      </p:sp>
+      <p:sp>
+        <p:nvSpPr>
+          <p:cNvPr id="4" name="Rounded Rectangular Callout 3"/>
+          <p:cNvSpPr/>
+          <p:nvPr/>
+        </p:nvSpPr>
+        <p:spPr bwMode="auto">
+          <a:xfrm>
+            <a:off x="4242443" y="3682317"/>
+            <a:ext cx="4555482" cy="951468"/>
+          </a:xfrm>
+          <a:prstGeom prst="wedgeRoundRectCallout">
+            <a:avLst>
+              <a:gd name="adj1" fmla="val -73890"/>
+              <a:gd name="adj2" fmla="val -34575"/>
+              <a:gd name="adj3" fmla="val 16667"/>
+            </a:avLst>
+          </a:prstGeom>
+          <a:solidFill>
+            <a:schemeClr val="accent1"/>
+          </a:solidFill>
+          <a:ln w="9525" cap="flat" cmpd="sng" algn="ctr">
+            <a:solidFill>
+              <a:schemeClr val="bg2"/>
+            </a:solidFill>
+            <a:prstDash val="solid"/>
+            <a:round/>
+            <a:headEnd type="none" w="med" len="med"/>
+            <a:tailEnd type="none" w="med" len="med"/>
+          </a:ln>
+          <a:effectLst/>
+        </p:spPr>
+        <p:txBody>
+          <a:bodyPr vert="horz" wrap="square" lIns="91440" tIns="45720" rIns="91440" bIns="45720" numCol="1" rtlCol="0" anchor="t" anchorCtr="0" compatLnSpc="1">
+            <a:prstTxWarp prst="textNoShape">
+              <a:avLst/>
+            </a:prstTxWarp>
+          </a:bodyPr>
+          <a:lstStyle/>
+          <a:p>
+            <a:pPr marL="285750" marR="0" indent="-285750" defTabSz="914400" rtl="0" eaLnBrk="0" fontAlgn="base" latinLnBrk="0" hangingPunct="0">
+              <a:lnSpc>
+                <a:spcPct val="100000"/>
+              </a:lnSpc>
+              <a:spcBef>
+                <a:spcPct val="0"/>
+              </a:spcBef>
+              <a:spcAft>
+                <a:spcPct val="0"/>
+              </a:spcAft>
+              <a:buClrTx/>
+              <a:buSzTx/>
+              <a:buFont typeface="Arial" panose="020B0604020202020204" pitchFamily="34" charset="0"/>
+              <a:buChar char="•"/>
+              <a:tabLst/>
+            </a:pPr>
+            <a:r>
+              <a:rPr lang="en-US" sz="1800" dirty="0" smtClean="0">
+                <a:solidFill>
+                  <a:srgbClr val="FF0000"/>
+                </a:solidFill>
+                <a:latin typeface="Kalinga" panose="020B0502040204020203" pitchFamily="34" charset="0"/>
+                <a:cs typeface="Kalinga" panose="020B0502040204020203" pitchFamily="34" charset="0"/>
+              </a:rPr>
+              <a:t>A substantial portion of your grade!</a:t>
+            </a:r>
+          </a:p>
+          <a:p>
+            <a:pPr marL="285750" marR="0" indent="-285750" defTabSz="914400" rtl="0" eaLnBrk="0" fontAlgn="base" latinLnBrk="0" hangingPunct="0">
+              <a:lnSpc>
+                <a:spcPct val="100000"/>
+              </a:lnSpc>
+              <a:spcBef>
+                <a:spcPct val="0"/>
+              </a:spcBef>
+              <a:spcAft>
+                <a:spcPct val="0"/>
+              </a:spcAft>
+              <a:buClrTx/>
+              <a:buSzTx/>
+              <a:buFont typeface="Arial" panose="020B0604020202020204" pitchFamily="34" charset="0"/>
+              <a:buChar char="•"/>
+              <a:tabLst/>
+            </a:pPr>
+            <a:r>
+              <a:rPr lang="en-US" sz="1800" dirty="0" smtClean="0">
+                <a:solidFill>
+                  <a:srgbClr val="FF0000"/>
+                </a:solidFill>
+                <a:latin typeface="Kalinga" panose="020B0502040204020203" pitchFamily="34" charset="0"/>
+                <a:cs typeface="Kalinga" panose="020B0502040204020203" pitchFamily="34" charset="0"/>
+              </a:rPr>
+              <a:t>Work hard and contribute to your team!</a:t>
+            </a:r>
+          </a:p>
+          <a:p>
+            <a:pPr marL="285750" marR="0" indent="-285750" defTabSz="914400" rtl="0" eaLnBrk="0" fontAlgn="base" latinLnBrk="0" hangingPunct="0">
+              <a:lnSpc>
+                <a:spcPct val="100000"/>
+              </a:lnSpc>
+              <a:spcBef>
+                <a:spcPct val="0"/>
+              </a:spcBef>
+              <a:spcAft>
+                <a:spcPct val="0"/>
+              </a:spcAft>
+              <a:buClrTx/>
+              <a:buSzTx/>
+              <a:buFont typeface="Arial" panose="020B0604020202020204" pitchFamily="34" charset="0"/>
+              <a:buChar char="•"/>
+              <a:tabLst/>
+            </a:pPr>
+            <a:endParaRPr kumimoji="0" lang="en-US" sz="1800" b="0" i="0" u="none" strike="noStrike" cap="none" normalizeH="0" baseline="0" dirty="0" smtClean="0">
+              <a:ln>
+                <a:noFill/>
+              </a:ln>
+              <a:solidFill>
+                <a:srgbClr val="FF0000"/>
+              </a:solidFill>
+              <a:effectLst/>
+              <a:latin typeface="Kalinga" panose="020B0502040204020203" pitchFamily="34" charset="0"/>
+              <a:cs typeface="Kalinga" panose="020B0502040204020203" pitchFamily="34" charset="0"/>
+            </a:endParaRPr>
           </a:p>
         </p:txBody>
       </p:sp>
@@ -9464,6 +7488,1809 @@
                                   </p:childTnLst>
                                 </p:cTn>
                               </p:par>
+                              <p:par>
+                                <p:cTn id="35" presetID="1" presetClass="entr" presetSubtype="0" fill="hold" grpId="0" nodeType="withEffect">
+                                  <p:stCondLst>
+                                    <p:cond delay="0"/>
+                                  </p:stCondLst>
+                                  <p:childTnLst>
+                                    <p:set>
+                                      <p:cBhvr>
+                                        <p:cTn id="36" dur="1" fill="hold">
+                                          <p:stCondLst>
+                                            <p:cond delay="0"/>
+                                          </p:stCondLst>
+                                        </p:cTn>
+                                        <p:tgtEl>
+                                          <p:spTgt spid="4"/>
+                                        </p:tgtEl>
+                                        <p:attrNameLst>
+                                          <p:attrName>style.visibility</p:attrName>
+                                        </p:attrNameLst>
+                                      </p:cBhvr>
+                                      <p:to>
+                                        <p:strVal val="visible"/>
+                                      </p:to>
+                                    </p:set>
+                                  </p:childTnLst>
+                                </p:cTn>
+                              </p:par>
+                            </p:childTnLst>
+                          </p:cTn>
+                        </p:par>
+                      </p:childTnLst>
+                    </p:cTn>
+                  </p:par>
+                  <p:par>
+                    <p:cTn id="37" fill="hold">
+                      <p:stCondLst>
+                        <p:cond delay="indefinite"/>
+                      </p:stCondLst>
+                      <p:childTnLst>
+                        <p:par>
+                          <p:cTn id="38" fill="hold">
+                            <p:stCondLst>
+                              <p:cond delay="0"/>
+                            </p:stCondLst>
+                            <p:childTnLst>
+                              <p:par>
+                                <p:cTn id="39" presetID="1" presetClass="entr" presetSubtype="0" fill="hold" nodeType="clickEffect">
+                                  <p:stCondLst>
+                                    <p:cond delay="0"/>
+                                  </p:stCondLst>
+                                  <p:childTnLst>
+                                    <p:set>
+                                      <p:cBhvr>
+                                        <p:cTn id="40" dur="1" fill="hold">
+                                          <p:stCondLst>
+                                            <p:cond delay="0"/>
+                                          </p:stCondLst>
+                                        </p:cTn>
+                                        <p:tgtEl>
+                                          <p:spTgt spid="3">
+                                            <p:txEl>
+                                              <p:pRg st="10" end="10"/>
+                                            </p:txEl>
+                                          </p:spTgt>
+                                        </p:tgtEl>
+                                        <p:attrNameLst>
+                                          <p:attrName>style.visibility</p:attrName>
+                                        </p:attrNameLst>
+                                      </p:cBhvr>
+                                      <p:to>
+                                        <p:strVal val="visible"/>
+                                      </p:to>
+                                    </p:set>
+                                  </p:childTnLst>
+                                </p:cTn>
+                              </p:par>
+                            </p:childTnLst>
+                          </p:cTn>
+                        </p:par>
+                      </p:childTnLst>
+                    </p:cTn>
+                  </p:par>
+                  <p:par>
+                    <p:cTn id="41" fill="hold">
+                      <p:stCondLst>
+                        <p:cond delay="indefinite"/>
+                      </p:stCondLst>
+                      <p:childTnLst>
+                        <p:par>
+                          <p:cTn id="42" fill="hold">
+                            <p:stCondLst>
+                              <p:cond delay="0"/>
+                            </p:stCondLst>
+                            <p:childTnLst>
+                              <p:par>
+                                <p:cTn id="43" presetID="1" presetClass="entr" presetSubtype="0" fill="hold" nodeType="clickEffect">
+                                  <p:stCondLst>
+                                    <p:cond delay="0"/>
+                                  </p:stCondLst>
+                                  <p:childTnLst>
+                                    <p:set>
+                                      <p:cBhvr>
+                                        <p:cTn id="44" dur="1" fill="hold">
+                                          <p:stCondLst>
+                                            <p:cond delay="0"/>
+                                          </p:stCondLst>
+                                        </p:cTn>
+                                        <p:tgtEl>
+                                          <p:spTgt spid="3">
+                                            <p:txEl>
+                                              <p:pRg st="11" end="11"/>
+                                            </p:txEl>
+                                          </p:spTgt>
+                                        </p:tgtEl>
+                                        <p:attrNameLst>
+                                          <p:attrName>style.visibility</p:attrName>
+                                        </p:attrNameLst>
+                                      </p:cBhvr>
+                                      <p:to>
+                                        <p:strVal val="visible"/>
+                                      </p:to>
+                                    </p:set>
+                                  </p:childTnLst>
+                                </p:cTn>
+                              </p:par>
+                            </p:childTnLst>
+                          </p:cTn>
+                        </p:par>
+                      </p:childTnLst>
+                    </p:cTn>
+                  </p:par>
+                  <p:par>
+                    <p:cTn id="45" fill="hold">
+                      <p:stCondLst>
+                        <p:cond delay="indefinite"/>
+                      </p:stCondLst>
+                      <p:childTnLst>
+                        <p:par>
+                          <p:cTn id="46" fill="hold">
+                            <p:stCondLst>
+                              <p:cond delay="0"/>
+                            </p:stCondLst>
+                            <p:childTnLst>
+                              <p:par>
+                                <p:cTn id="47" presetID="1" presetClass="entr" presetSubtype="0" fill="hold" nodeType="clickEffect">
+                                  <p:stCondLst>
+                                    <p:cond delay="0"/>
+                                  </p:stCondLst>
+                                  <p:childTnLst>
+                                    <p:set>
+                                      <p:cBhvr>
+                                        <p:cTn id="48" dur="1" fill="hold">
+                                          <p:stCondLst>
+                                            <p:cond delay="0"/>
+                                          </p:stCondLst>
+                                        </p:cTn>
+                                        <p:tgtEl>
+                                          <p:spTgt spid="3">
+                                            <p:txEl>
+                                              <p:pRg st="12" end="12"/>
+                                            </p:txEl>
+                                          </p:spTgt>
+                                        </p:tgtEl>
+                                        <p:attrNameLst>
+                                          <p:attrName>style.visibility</p:attrName>
+                                        </p:attrNameLst>
+                                      </p:cBhvr>
+                                      <p:to>
+                                        <p:strVal val="visible"/>
+                                      </p:to>
+                                    </p:set>
+                                  </p:childTnLst>
+                                </p:cTn>
+                              </p:par>
+                            </p:childTnLst>
+                          </p:cTn>
+                        </p:par>
+                      </p:childTnLst>
+                    </p:cTn>
+                  </p:par>
+                  <p:par>
+                    <p:cTn id="49" fill="hold">
+                      <p:stCondLst>
+                        <p:cond delay="indefinite"/>
+                      </p:stCondLst>
+                      <p:childTnLst>
+                        <p:par>
+                          <p:cTn id="50" fill="hold">
+                            <p:stCondLst>
+                              <p:cond delay="0"/>
+                            </p:stCondLst>
+                            <p:childTnLst>
+                              <p:par>
+                                <p:cTn id="51" presetID="1" presetClass="entr" presetSubtype="0" fill="hold" nodeType="clickEffect">
+                                  <p:stCondLst>
+                                    <p:cond delay="0"/>
+                                  </p:stCondLst>
+                                  <p:childTnLst>
+                                    <p:set>
+                                      <p:cBhvr>
+                                        <p:cTn id="52" dur="1" fill="hold">
+                                          <p:stCondLst>
+                                            <p:cond delay="0"/>
+                                          </p:stCondLst>
+                                        </p:cTn>
+                                        <p:tgtEl>
+                                          <p:spTgt spid="3">
+                                            <p:txEl>
+                                              <p:pRg st="13" end="13"/>
+                                            </p:txEl>
+                                          </p:spTgt>
+                                        </p:tgtEl>
+                                        <p:attrNameLst>
+                                          <p:attrName>style.visibility</p:attrName>
+                                        </p:attrNameLst>
+                                      </p:cBhvr>
+                                      <p:to>
+                                        <p:strVal val="visible"/>
+                                      </p:to>
+                                    </p:set>
+                                  </p:childTnLst>
+                                </p:cTn>
+                              </p:par>
+                            </p:childTnLst>
+                          </p:cTn>
+                        </p:par>
+                      </p:childTnLst>
+                    </p:cTn>
+                  </p:par>
+                  <p:par>
+                    <p:cTn id="53" fill="hold">
+                      <p:stCondLst>
+                        <p:cond delay="indefinite"/>
+                      </p:stCondLst>
+                      <p:childTnLst>
+                        <p:par>
+                          <p:cTn id="54" fill="hold">
+                            <p:stCondLst>
+                              <p:cond delay="0"/>
+                            </p:stCondLst>
+                            <p:childTnLst>
+                              <p:par>
+                                <p:cTn id="55" presetID="1" presetClass="entr" presetSubtype="0" fill="hold" nodeType="clickEffect">
+                                  <p:stCondLst>
+                                    <p:cond delay="0"/>
+                                  </p:stCondLst>
+                                  <p:childTnLst>
+                                    <p:set>
+                                      <p:cBhvr>
+                                        <p:cTn id="56" dur="1" fill="hold">
+                                          <p:stCondLst>
+                                            <p:cond delay="0"/>
+                                          </p:stCondLst>
+                                        </p:cTn>
+                                        <p:tgtEl>
+                                          <p:spTgt spid="3">
+                                            <p:txEl>
+                                              <p:pRg st="14" end="14"/>
+                                            </p:txEl>
+                                          </p:spTgt>
+                                        </p:tgtEl>
+                                        <p:attrNameLst>
+                                          <p:attrName>style.visibility</p:attrName>
+                                        </p:attrNameLst>
+                                      </p:cBhvr>
+                                      <p:to>
+                                        <p:strVal val="visible"/>
+                                      </p:to>
+                                    </p:set>
+                                  </p:childTnLst>
+                                </p:cTn>
+                              </p:par>
+                            </p:childTnLst>
+                          </p:cTn>
+                        </p:par>
+                      </p:childTnLst>
+                    </p:cTn>
+                  </p:par>
+                </p:childTnLst>
+              </p:cTn>
+              <p:prevCondLst>
+                <p:cond evt="onPrev" delay="0">
+                  <p:tgtEl>
+                    <p:sldTgt/>
+                  </p:tgtEl>
+                </p:cond>
+              </p:prevCondLst>
+              <p:nextCondLst>
+                <p:cond evt="onNext" delay="0">
+                  <p:tgtEl>
+                    <p:sldTgt/>
+                  </p:tgtEl>
+                </p:cond>
+              </p:nextCondLst>
+            </p:seq>
+          </p:childTnLst>
+        </p:cTn>
+      </p:par>
+    </p:tnLst>
+    <p:bldLst>
+      <p:bldP spid="4" grpId="0" animBg="1"/>
+    </p:bldLst>
+  </p:timing>
+</p:sld>
+</file>
+
+<file path=ppt/slides/slide15.xml><?xml version="1.0" encoding="utf-8"?>
+<p:sld xmlns:a="http://schemas.openxmlformats.org/drawingml/2006/main" xmlns:r="http://schemas.openxmlformats.org/officeDocument/2006/relationships" xmlns:p="http://schemas.openxmlformats.org/presentationml/2006/main">
+  <p:cSld>
+    <p:spTree>
+      <p:nvGrpSpPr>
+        <p:cNvPr id="1" name=""/>
+        <p:cNvGrpSpPr/>
+        <p:nvPr/>
+      </p:nvGrpSpPr>
+      <p:grpSpPr>
+        <a:xfrm>
+          <a:off x="0" y="0"/>
+          <a:ext cx="0" cy="0"/>
+          <a:chOff x="0" y="0"/>
+          <a:chExt cx="0" cy="0"/>
+        </a:xfrm>
+      </p:grpSpPr>
+      <p:sp>
+        <p:nvSpPr>
+          <p:cNvPr id="2" name="Title 1"/>
+          <p:cNvSpPr>
+            <a:spLocks noGrp="1"/>
+          </p:cNvSpPr>
+          <p:nvPr>
+            <p:ph type="title"/>
+          </p:nvPr>
+        </p:nvSpPr>
+        <p:spPr/>
+        <p:txBody>
+          <a:bodyPr/>
+          <a:lstStyle/>
+          <a:p>
+            <a:r>
+              <a:rPr lang="en-US" dirty="0" smtClean="0"/>
+              <a:t>Grading – Bonus Points</a:t>
+            </a:r>
+            <a:endParaRPr lang="en-US" dirty="0"/>
+          </a:p>
+        </p:txBody>
+      </p:sp>
+      <p:sp>
+        <p:nvSpPr>
+          <p:cNvPr id="3" name="Text Placeholder 2"/>
+          <p:cNvSpPr>
+            <a:spLocks noGrp="1"/>
+          </p:cNvSpPr>
+          <p:nvPr>
+            <p:ph type="body" sz="quarter" idx="10"/>
+          </p:nvPr>
+        </p:nvSpPr>
+        <p:spPr/>
+        <p:txBody>
+          <a:bodyPr/>
+          <a:lstStyle/>
+          <a:p>
+            <a:r>
+              <a:rPr lang="en-US" dirty="0" smtClean="0"/>
+              <a:t>Errors for </a:t>
+            </a:r>
+            <a:r>
+              <a:rPr lang="en-US" dirty="0" smtClean="0"/>
+              <a:t>Bonus!</a:t>
+            </a:r>
+            <a:endParaRPr lang="en-US" dirty="0" smtClean="0"/>
+          </a:p>
+          <a:p>
+            <a:pPr lvl="1"/>
+            <a:r>
+              <a:rPr lang="en-US" dirty="0" smtClean="0"/>
+              <a:t>Help us find errors (typos, grammar mistakes, technical mistakes, </a:t>
+            </a:r>
+            <a:r>
+              <a:rPr lang="en-US" dirty="0" err="1" smtClean="0"/>
+              <a:t>etc</a:t>
+            </a:r>
+            <a:r>
+              <a:rPr lang="en-US" dirty="0" smtClean="0"/>
+              <a:t>) in the course materials (lecture notes, lab manuals, guidelines, </a:t>
+            </a:r>
+            <a:r>
+              <a:rPr lang="en-US" dirty="0" err="1" smtClean="0"/>
+              <a:t>etc</a:t>
+            </a:r>
+            <a:r>
+              <a:rPr lang="en-US" dirty="0" smtClean="0"/>
+              <a:t>)</a:t>
+            </a:r>
+          </a:p>
+          <a:p>
+            <a:pPr lvl="1"/>
+            <a:r>
+              <a:rPr lang="en-US" dirty="0" smtClean="0"/>
+              <a:t>The first to find and report an error on Piazza gets 0.1 point for each error</a:t>
+            </a:r>
+            <a:endParaRPr lang="en-US" dirty="0"/>
+          </a:p>
+        </p:txBody>
+      </p:sp>
+    </p:spTree>
+    <p:extLst>
+      <p:ext uri="{BB962C8B-B14F-4D97-AF65-F5344CB8AC3E}">
+        <p14:creationId xmlns:p14="http://schemas.microsoft.com/office/powerpoint/2010/main" val="3708933933"/>
+      </p:ext>
+    </p:extLst>
+  </p:cSld>
+  <p:clrMapOvr>
+    <a:masterClrMapping/>
+  </p:clrMapOvr>
+  <p:timing>
+    <p:tnLst>
+      <p:par>
+        <p:cTn id="1" dur="indefinite" restart="never" nodeType="tmRoot"/>
+      </p:par>
+    </p:tnLst>
+  </p:timing>
+</p:sld>
+</file>
+
+<file path=ppt/slides/slide16.xml><?xml version="1.0" encoding="utf-8"?>
+<p:sld xmlns:a="http://schemas.openxmlformats.org/drawingml/2006/main" xmlns:r="http://schemas.openxmlformats.org/officeDocument/2006/relationships" xmlns:p="http://schemas.openxmlformats.org/presentationml/2006/main">
+  <p:cSld>
+    <p:spTree>
+      <p:nvGrpSpPr>
+        <p:cNvPr id="1" name=""/>
+        <p:cNvGrpSpPr/>
+        <p:nvPr/>
+      </p:nvGrpSpPr>
+      <p:grpSpPr>
+        <a:xfrm>
+          <a:off x="0" y="0"/>
+          <a:ext cx="0" cy="0"/>
+          <a:chOff x="0" y="0"/>
+          <a:chExt cx="0" cy="0"/>
+        </a:xfrm>
+      </p:grpSpPr>
+      <p:sp>
+        <p:nvSpPr>
+          <p:cNvPr id="2" name="Title 1"/>
+          <p:cNvSpPr>
+            <a:spLocks noGrp="1"/>
+          </p:cNvSpPr>
+          <p:nvPr>
+            <p:ph type="title"/>
+          </p:nvPr>
+        </p:nvSpPr>
+        <p:spPr/>
+        <p:txBody>
+          <a:bodyPr/>
+          <a:lstStyle/>
+          <a:p>
+            <a:r>
+              <a:rPr lang="en-US" dirty="0" smtClean="0"/>
+              <a:t>Grading – Bonus Points</a:t>
+            </a:r>
+            <a:endParaRPr lang="en-US" dirty="0"/>
+          </a:p>
+        </p:txBody>
+      </p:sp>
+      <p:sp>
+        <p:nvSpPr>
+          <p:cNvPr id="3" name="Text Placeholder 2"/>
+          <p:cNvSpPr>
+            <a:spLocks noGrp="1"/>
+          </p:cNvSpPr>
+          <p:nvPr>
+            <p:ph type="body" sz="quarter" idx="10"/>
+          </p:nvPr>
+        </p:nvSpPr>
+        <p:spPr>
+          <a:xfrm>
+            <a:off x="304800" y="933262"/>
+            <a:ext cx="4907279" cy="4335463"/>
+          </a:xfrm>
+        </p:spPr>
+        <p:txBody>
+          <a:bodyPr/>
+          <a:lstStyle/>
+          <a:p>
+            <a:r>
+              <a:rPr lang="en-US" dirty="0" smtClean="0"/>
+              <a:t>Getting your HAM radio license </a:t>
+            </a:r>
+          </a:p>
+          <a:p>
+            <a:pPr lvl="1"/>
+            <a:r>
+              <a:rPr lang="en-US" dirty="0" smtClean="0"/>
+              <a:t>Technician class (</a:t>
+            </a:r>
+            <a:r>
+              <a:rPr lang="en-US" dirty="0" smtClean="0">
+                <a:solidFill>
+                  <a:srgbClr val="00B050"/>
+                </a:solidFill>
+              </a:rPr>
+              <a:t>2 pts</a:t>
+            </a:r>
+            <a:r>
+              <a:rPr lang="en-US" dirty="0" smtClean="0"/>
+              <a:t>)</a:t>
+            </a:r>
+          </a:p>
+          <a:p>
+            <a:pPr lvl="2"/>
+            <a:r>
+              <a:rPr lang="en-US" dirty="0" smtClean="0"/>
+              <a:t>Transmission above 30 MHz</a:t>
+            </a:r>
+          </a:p>
+          <a:p>
+            <a:pPr lvl="1"/>
+            <a:r>
+              <a:rPr lang="en-US" dirty="0" smtClean="0"/>
+              <a:t>General class (</a:t>
+            </a:r>
+            <a:r>
+              <a:rPr lang="en-US" dirty="0" smtClean="0">
+                <a:solidFill>
+                  <a:srgbClr val="00B050"/>
+                </a:solidFill>
+              </a:rPr>
+              <a:t>2 pts</a:t>
+            </a:r>
+            <a:r>
+              <a:rPr lang="en-US" dirty="0" smtClean="0"/>
+              <a:t>)</a:t>
+            </a:r>
+          </a:p>
+          <a:p>
+            <a:pPr lvl="2"/>
+            <a:r>
+              <a:rPr lang="en-US" dirty="0" smtClean="0"/>
+              <a:t>Access to the HF band</a:t>
+            </a:r>
+          </a:p>
+          <a:p>
+            <a:pPr lvl="1"/>
+            <a:r>
+              <a:rPr lang="en-US" dirty="0" smtClean="0"/>
+              <a:t>Extra (</a:t>
+            </a:r>
+            <a:r>
+              <a:rPr lang="en-US" dirty="0" smtClean="0">
+                <a:solidFill>
+                  <a:srgbClr val="00B050"/>
+                </a:solidFill>
+              </a:rPr>
+              <a:t>3 pts</a:t>
+            </a:r>
+            <a:r>
+              <a:rPr lang="en-US" dirty="0" smtClean="0"/>
+              <a:t>)</a:t>
+            </a:r>
+          </a:p>
+          <a:p>
+            <a:pPr lvl="2"/>
+            <a:r>
+              <a:rPr lang="en-US" dirty="0" smtClean="0"/>
+              <a:t>Transmission on all bands</a:t>
+            </a:r>
+          </a:p>
+          <a:p>
+            <a:r>
+              <a:rPr lang="en-US" dirty="0" smtClean="0"/>
+              <a:t>Log on to </a:t>
+            </a:r>
+            <a:r>
+              <a:rPr lang="en-US" dirty="0" smtClean="0">
+                <a:hlinkClick r:id="rId2"/>
+              </a:rPr>
+              <a:t>www.arrl.org</a:t>
+            </a:r>
+            <a:r>
+              <a:rPr lang="en-US" dirty="0" smtClean="0"/>
+              <a:t> for information on licensing and exams</a:t>
+            </a:r>
+          </a:p>
+          <a:p>
+            <a:r>
+              <a:rPr lang="en-US" dirty="0" smtClean="0"/>
+              <a:t>The following links provides additional materials for preparing for the exams</a:t>
+            </a:r>
+          </a:p>
+          <a:p>
+            <a:pPr lvl="1"/>
+            <a:r>
+              <a:rPr lang="en-US">
+                <a:hlinkClick r:id="rId3"/>
+              </a:rPr>
+              <a:t>http://www.hamradioschool.com</a:t>
+            </a:r>
+            <a:r>
+              <a:rPr lang="en-US" smtClean="0">
+                <a:hlinkClick r:id="rId3"/>
+              </a:rPr>
+              <a:t>/</a:t>
+            </a:r>
+            <a:r>
+              <a:rPr lang="en-US" smtClean="0"/>
+              <a:t> </a:t>
+            </a:r>
+          </a:p>
+          <a:p>
+            <a:pPr lvl="1"/>
+            <a:endParaRPr lang="en-US" dirty="0" smtClean="0"/>
+          </a:p>
+          <a:p>
+            <a:r>
+              <a:rPr lang="en-US" dirty="0" smtClean="0"/>
+              <a:t>We may arrange training sessions or even exams</a:t>
+            </a:r>
+            <a:endParaRPr lang="en-US" dirty="0"/>
+          </a:p>
+        </p:txBody>
+      </p:sp>
+      <p:pic>
+        <p:nvPicPr>
+          <p:cNvPr id="5" name="Picture 4" descr="http://www.arrl.org/images/view/News/ARRL%20logo%20type_3.jpg"/>
+          <p:cNvPicPr>
+            <a:picLocks noChangeAspect="1" noChangeArrowheads="1"/>
+          </p:cNvPicPr>
+          <p:nvPr/>
+        </p:nvPicPr>
+        <p:blipFill>
+          <a:blip r:embed="rId4" cstate="print">
+            <a:extLst>
+              <a:ext uri="{28A0092B-C50C-407E-A947-70E740481C1C}">
+                <a14:useLocalDpi xmlns:a14="http://schemas.microsoft.com/office/drawing/2010/main" val="0"/>
+              </a:ext>
+            </a:extLst>
+          </a:blip>
+          <a:srcRect/>
+          <a:stretch>
+            <a:fillRect/>
+          </a:stretch>
+        </p:blipFill>
+        <p:spPr bwMode="auto">
+          <a:xfrm>
+            <a:off x="5396345" y="933262"/>
+            <a:ext cx="3229495" cy="2061035"/>
+          </a:xfrm>
+          <a:prstGeom prst="rect">
+            <a:avLst/>
+          </a:prstGeom>
+          <a:noFill/>
+          <a:extLst>
+            <a:ext uri="{909E8E84-426E-40DD-AFC4-6F175D3DCCD1}">
+              <a14:hiddenFill xmlns:a14="http://schemas.microsoft.com/office/drawing/2010/main">
+                <a:solidFill>
+                  <a:srgbClr val="FFFFFF"/>
+                </a:solidFill>
+              </a14:hiddenFill>
+            </a:ext>
+          </a:extLst>
+        </p:spPr>
+      </p:pic>
+      <p:pic>
+        <p:nvPicPr>
+          <p:cNvPr id="6" name="Picture 6" descr="http://files.qrz.com/x/iz2sux/Homer_HamRadio.png"/>
+          <p:cNvPicPr>
+            <a:picLocks noChangeAspect="1" noChangeArrowheads="1"/>
+          </p:cNvPicPr>
+          <p:nvPr/>
+        </p:nvPicPr>
+        <p:blipFill>
+          <a:blip r:embed="rId5">
+            <a:extLst>
+              <a:ext uri="{28A0092B-C50C-407E-A947-70E740481C1C}">
+                <a14:useLocalDpi xmlns:a14="http://schemas.microsoft.com/office/drawing/2010/main" val="0"/>
+              </a:ext>
+            </a:extLst>
+          </a:blip>
+          <a:srcRect/>
+          <a:stretch>
+            <a:fillRect/>
+          </a:stretch>
+        </p:blipFill>
+        <p:spPr bwMode="auto">
+          <a:xfrm>
+            <a:off x="5586151" y="3142040"/>
+            <a:ext cx="2849881" cy="2126685"/>
+          </a:xfrm>
+          <a:prstGeom prst="rect">
+            <a:avLst/>
+          </a:prstGeom>
+          <a:noFill/>
+          <a:extLst>
+            <a:ext uri="{909E8E84-426E-40DD-AFC4-6F175D3DCCD1}">
+              <a14:hiddenFill xmlns:a14="http://schemas.microsoft.com/office/drawing/2010/main">
+                <a:solidFill>
+                  <a:srgbClr val="FFFFFF"/>
+                </a:solidFill>
+              </a14:hiddenFill>
+            </a:ext>
+          </a:extLst>
+        </p:spPr>
+      </p:pic>
+    </p:spTree>
+    <p:extLst>
+      <p:ext uri="{BB962C8B-B14F-4D97-AF65-F5344CB8AC3E}">
+        <p14:creationId xmlns:p14="http://schemas.microsoft.com/office/powerpoint/2010/main" val="3622427541"/>
+      </p:ext>
+    </p:extLst>
+  </p:cSld>
+  <p:clrMapOvr>
+    <a:masterClrMapping/>
+  </p:clrMapOvr>
+  <p:timing>
+    <p:tnLst>
+      <p:par>
+        <p:cTn id="1" dur="indefinite" restart="never" nodeType="tmRoot"/>
+      </p:par>
+    </p:tnLst>
+  </p:timing>
+</p:sld>
+</file>
+
+<file path=ppt/slides/slide17.xml><?xml version="1.0" encoding="utf-8"?>
+<p:sld xmlns:a="http://schemas.openxmlformats.org/drawingml/2006/main" xmlns:r="http://schemas.openxmlformats.org/officeDocument/2006/relationships" xmlns:p="http://schemas.openxmlformats.org/presentationml/2006/main">
+  <p:cSld>
+    <p:spTree>
+      <p:nvGrpSpPr>
+        <p:cNvPr id="1" name=""/>
+        <p:cNvGrpSpPr/>
+        <p:nvPr/>
+      </p:nvGrpSpPr>
+      <p:grpSpPr>
+        <a:xfrm>
+          <a:off x="0" y="0"/>
+          <a:ext cx="0" cy="0"/>
+          <a:chOff x="0" y="0"/>
+          <a:chExt cx="0" cy="0"/>
+        </a:xfrm>
+      </p:grpSpPr>
+      <p:sp>
+        <p:nvSpPr>
+          <p:cNvPr id="2" name="Title 1"/>
+          <p:cNvSpPr>
+            <a:spLocks noGrp="1"/>
+          </p:cNvSpPr>
+          <p:nvPr>
+            <p:ph type="title"/>
+          </p:nvPr>
+        </p:nvSpPr>
+        <p:spPr/>
+        <p:txBody>
+          <a:bodyPr/>
+          <a:lstStyle/>
+          <a:p>
+            <a:r>
+              <a:rPr lang="en-US" dirty="0"/>
+              <a:t>Grading – Bonus Points</a:t>
+            </a:r>
+          </a:p>
+        </p:txBody>
+      </p:sp>
+      <p:pic>
+        <p:nvPicPr>
+          <p:cNvPr id="4" name="Picture 3"/>
+          <p:cNvPicPr>
+            <a:picLocks noChangeAspect="1"/>
+          </p:cNvPicPr>
+          <p:nvPr/>
+        </p:nvPicPr>
+        <p:blipFill>
+          <a:blip r:embed="rId2"/>
+          <a:stretch>
+            <a:fillRect/>
+          </a:stretch>
+        </p:blipFill>
+        <p:spPr>
+          <a:xfrm>
+            <a:off x="877917" y="3850892"/>
+            <a:ext cx="3090125" cy="1725371"/>
+          </a:xfrm>
+          <a:prstGeom prst="rect">
+            <a:avLst/>
+          </a:prstGeom>
+        </p:spPr>
+      </p:pic>
+      <p:sp>
+        <p:nvSpPr>
+          <p:cNvPr id="5" name="Text Placeholder 2"/>
+          <p:cNvSpPr>
+            <a:spLocks noGrp="1"/>
+          </p:cNvSpPr>
+          <p:nvPr>
+            <p:ph type="body" sz="quarter" idx="10"/>
+          </p:nvPr>
+        </p:nvSpPr>
+        <p:spPr>
+          <a:xfrm>
+            <a:off x="304800" y="933263"/>
+            <a:ext cx="8107680" cy="1230818"/>
+          </a:xfrm>
+        </p:spPr>
+        <p:txBody>
+          <a:bodyPr/>
+          <a:lstStyle/>
+          <a:p>
+            <a:r>
+              <a:rPr lang="en-US" dirty="0" smtClean="0"/>
+              <a:t>Participating in the Picnic Day (</a:t>
+            </a:r>
+            <a:r>
+              <a:rPr lang="en-US" dirty="0" smtClean="0">
+                <a:solidFill>
+                  <a:srgbClr val="00B050"/>
+                </a:solidFill>
+              </a:rPr>
+              <a:t>10 pts</a:t>
+            </a:r>
+            <a:r>
+              <a:rPr lang="en-US" dirty="0" smtClean="0"/>
+              <a:t>) and/or the Maker Faire (</a:t>
+            </a:r>
+            <a:r>
+              <a:rPr lang="en-US" dirty="0" smtClean="0">
+                <a:solidFill>
+                  <a:srgbClr val="00B050"/>
+                </a:solidFill>
+              </a:rPr>
+              <a:t>10 pts</a:t>
+            </a:r>
+            <a:r>
+              <a:rPr lang="en-US" dirty="0" smtClean="0"/>
+              <a:t>)</a:t>
+            </a:r>
+          </a:p>
+          <a:p>
+            <a:pPr lvl="1"/>
+            <a:r>
+              <a:rPr lang="en-US" dirty="0"/>
+              <a:t>Showcase your project </a:t>
+            </a:r>
+          </a:p>
+          <a:p>
+            <a:pPr lvl="1"/>
+            <a:r>
+              <a:rPr lang="en-US" dirty="0" smtClean="0"/>
+              <a:t>Some </a:t>
+            </a:r>
+            <a:r>
+              <a:rPr lang="en-US" dirty="0"/>
+              <a:t>visual/audio effects are </a:t>
+            </a:r>
+            <a:r>
+              <a:rPr lang="en-US" dirty="0" smtClean="0"/>
+              <a:t>needed to attract the audience</a:t>
+            </a:r>
+          </a:p>
+          <a:p>
+            <a:pPr lvl="1"/>
+            <a:r>
+              <a:rPr lang="en-US" dirty="0" smtClean="0"/>
+              <a:t>Consent from the instructor</a:t>
+            </a:r>
+          </a:p>
+          <a:p>
+            <a:r>
+              <a:rPr lang="en-US" b="1" dirty="0" smtClean="0"/>
+              <a:t>If you are interested in pursuing this, you should start talking with the instructor early</a:t>
+            </a:r>
+          </a:p>
+        </p:txBody>
+      </p:sp>
+      <p:pic>
+        <p:nvPicPr>
+          <p:cNvPr id="6" name="Picture 5"/>
+          <p:cNvPicPr>
+            <a:picLocks noChangeAspect="1"/>
+          </p:cNvPicPr>
+          <p:nvPr/>
+        </p:nvPicPr>
+        <p:blipFill rotWithShape="1">
+          <a:blip r:embed="rId3"/>
+          <a:srcRect b="13592"/>
+          <a:stretch/>
+        </p:blipFill>
+        <p:spPr>
+          <a:xfrm>
+            <a:off x="4856996" y="3661203"/>
+            <a:ext cx="3065702" cy="2099159"/>
+          </a:xfrm>
+          <a:prstGeom prst="rect">
+            <a:avLst/>
+          </a:prstGeom>
+        </p:spPr>
+      </p:pic>
+    </p:spTree>
+    <p:extLst>
+      <p:ext uri="{BB962C8B-B14F-4D97-AF65-F5344CB8AC3E}">
+        <p14:creationId xmlns:p14="http://schemas.microsoft.com/office/powerpoint/2010/main" val="3197747689"/>
+      </p:ext>
+    </p:extLst>
+  </p:cSld>
+  <p:clrMapOvr>
+    <a:masterClrMapping/>
+  </p:clrMapOvr>
+  <mc:AlternateContent xmlns:mc="http://schemas.openxmlformats.org/markup-compatibility/2006" xmlns:p14="http://schemas.microsoft.com/office/powerpoint/2010/main">
+    <mc:Choice Requires="p14">
+      <p:transition spd="slow" p14:dur="2000"/>
+    </mc:Choice>
+    <mc:Fallback xmlns="">
+      <p:transition spd="slow"/>
+    </mc:Fallback>
+  </mc:AlternateContent>
+  <p:timing>
+    <p:tnLst>
+      <p:par>
+        <p:cTn id="1" dur="indefinite" restart="never" nodeType="tmRoot"/>
+      </p:par>
+    </p:tnLst>
+  </p:timing>
+</p:sld>
+</file>
+
+<file path=ppt/slides/slide18.xml><?xml version="1.0" encoding="utf-8"?>
+<p:sld xmlns:a="http://schemas.openxmlformats.org/drawingml/2006/main" xmlns:r="http://schemas.openxmlformats.org/officeDocument/2006/relationships" xmlns:p="http://schemas.openxmlformats.org/presentationml/2006/main">
+  <p:cSld>
+    <p:spTree>
+      <p:nvGrpSpPr>
+        <p:cNvPr id="1" name=""/>
+        <p:cNvGrpSpPr/>
+        <p:nvPr/>
+      </p:nvGrpSpPr>
+      <p:grpSpPr>
+        <a:xfrm>
+          <a:off x="0" y="0"/>
+          <a:ext cx="0" cy="0"/>
+          <a:chOff x="0" y="0"/>
+          <a:chExt cx="0" cy="0"/>
+        </a:xfrm>
+      </p:grpSpPr>
+      <p:sp>
+        <p:nvSpPr>
+          <p:cNvPr id="2" name="Title 1"/>
+          <p:cNvSpPr>
+            <a:spLocks noGrp="1"/>
+          </p:cNvSpPr>
+          <p:nvPr>
+            <p:ph type="title"/>
+          </p:nvPr>
+        </p:nvSpPr>
+        <p:spPr/>
+        <p:txBody>
+          <a:bodyPr>
+            <a:normAutofit/>
+          </a:bodyPr>
+          <a:lstStyle/>
+          <a:p>
+            <a:r>
+              <a:rPr lang="en-US" dirty="0" smtClean="0"/>
+              <a:t>Seeking Help</a:t>
+            </a:r>
+            <a:endParaRPr lang="en-US" dirty="0"/>
+          </a:p>
+        </p:txBody>
+      </p:sp>
+      <p:sp>
+        <p:nvSpPr>
+          <p:cNvPr id="3" name="Content Placeholder 2"/>
+          <p:cNvSpPr>
+            <a:spLocks noGrp="1"/>
+          </p:cNvSpPr>
+          <p:nvPr>
+            <p:ph type="body" sz="quarter" idx="10"/>
+          </p:nvPr>
+        </p:nvSpPr>
+        <p:spPr/>
+        <p:txBody>
+          <a:bodyPr/>
+          <a:lstStyle/>
+          <a:p>
+            <a:pPr>
+              <a:lnSpc>
+                <a:spcPct val="114000"/>
+              </a:lnSpc>
+            </a:pPr>
+            <a:r>
+              <a:rPr lang="en-US" sz="1800" dirty="0" smtClean="0"/>
+              <a:t>The EEC 134 Piazza forum:</a:t>
+            </a:r>
+          </a:p>
+          <a:p>
+            <a:pPr lvl="1">
+              <a:lnSpc>
+                <a:spcPct val="114000"/>
+              </a:lnSpc>
+            </a:pPr>
+            <a:r>
+              <a:rPr lang="en-US" sz="1600" dirty="0" smtClean="0">
+                <a:hlinkClick r:id="rId2"/>
+              </a:rPr>
+              <a:t>https</a:t>
+            </a:r>
+            <a:r>
+              <a:rPr lang="en-US" sz="1600" dirty="0">
+                <a:hlinkClick r:id="rId2"/>
+              </a:rPr>
+              <a:t>://</a:t>
+            </a:r>
+            <a:r>
+              <a:rPr lang="en-US" sz="1600" dirty="0" smtClean="0">
+                <a:hlinkClick r:id="rId2"/>
+              </a:rPr>
+              <a:t>piazza.com/ucdavis/fall2014/eec134a/home</a:t>
+            </a:r>
+            <a:r>
+              <a:rPr lang="en-US" sz="1600" dirty="0" smtClean="0"/>
+              <a:t> </a:t>
+            </a:r>
+          </a:p>
+          <a:p>
+            <a:pPr>
+              <a:lnSpc>
+                <a:spcPct val="114000"/>
+              </a:lnSpc>
+            </a:pPr>
+            <a:r>
+              <a:rPr lang="en-US" sz="1800" dirty="0" smtClean="0"/>
+              <a:t>Reference materials provided by the class </a:t>
+            </a:r>
+          </a:p>
+          <a:p>
+            <a:pPr>
+              <a:lnSpc>
+                <a:spcPct val="114000"/>
+              </a:lnSpc>
+            </a:pPr>
+            <a:r>
+              <a:rPr lang="en-US" sz="1800" dirty="0" smtClean="0"/>
+              <a:t>The almighty Internet !</a:t>
+            </a:r>
+          </a:p>
+          <a:p>
+            <a:pPr lvl="1">
+              <a:lnSpc>
+                <a:spcPct val="114000"/>
+              </a:lnSpc>
+            </a:pPr>
+            <a:r>
+              <a:rPr lang="en-US" sz="1600" dirty="0" smtClean="0"/>
+              <a:t>Google!</a:t>
+            </a:r>
+          </a:p>
+          <a:p>
+            <a:pPr lvl="1">
+              <a:lnSpc>
+                <a:spcPct val="114000"/>
+              </a:lnSpc>
+            </a:pPr>
+            <a:r>
+              <a:rPr lang="en-US" sz="1600" dirty="0" smtClean="0"/>
+              <a:t>Wikipedia</a:t>
+            </a:r>
+          </a:p>
+          <a:p>
+            <a:pPr lvl="1">
+              <a:lnSpc>
+                <a:spcPct val="114000"/>
+              </a:lnSpc>
+            </a:pPr>
+            <a:r>
+              <a:rPr lang="en-US" sz="1600" dirty="0" smtClean="0"/>
+              <a:t>Forums</a:t>
+            </a:r>
+          </a:p>
+          <a:p>
+            <a:pPr lvl="2">
+              <a:lnSpc>
+                <a:spcPct val="114000"/>
+              </a:lnSpc>
+            </a:pPr>
+            <a:r>
+              <a:rPr lang="en-US" sz="1400" dirty="0">
+                <a:hlinkClick r:id="rId3"/>
+              </a:rPr>
+              <a:t>http://www.edaboard.com</a:t>
+            </a:r>
+            <a:r>
+              <a:rPr lang="en-US" sz="1400" dirty="0" smtClean="0">
+                <a:hlinkClick r:id="rId3"/>
+              </a:rPr>
+              <a:t>/</a:t>
+            </a:r>
+            <a:r>
+              <a:rPr lang="en-US" sz="1400" dirty="0" smtClean="0"/>
+              <a:t> </a:t>
+            </a:r>
+          </a:p>
+          <a:p>
+            <a:pPr lvl="2">
+              <a:lnSpc>
+                <a:spcPct val="114000"/>
+              </a:lnSpc>
+            </a:pPr>
+            <a:r>
+              <a:rPr lang="en-US" sz="1400" dirty="0">
+                <a:hlinkClick r:id="rId4"/>
+              </a:rPr>
+              <a:t>http://www.eevblog.com/forum</a:t>
+            </a:r>
+            <a:r>
+              <a:rPr lang="en-US" sz="1400" dirty="0" smtClean="0">
+                <a:hlinkClick r:id="rId4"/>
+              </a:rPr>
+              <a:t>/</a:t>
+            </a:r>
+            <a:endParaRPr lang="en-US" sz="1400" dirty="0" smtClean="0"/>
+          </a:p>
+          <a:p>
+            <a:pPr lvl="2">
+              <a:lnSpc>
+                <a:spcPct val="114000"/>
+              </a:lnSpc>
+            </a:pPr>
+            <a:r>
+              <a:rPr lang="en-US" sz="1400" dirty="0">
+                <a:hlinkClick r:id="rId5"/>
+              </a:rPr>
+              <a:t>http://electronics.stackexchange.com</a:t>
+            </a:r>
+            <a:r>
+              <a:rPr lang="en-US" sz="1400" dirty="0" smtClean="0">
+                <a:hlinkClick r:id="rId5"/>
+              </a:rPr>
+              <a:t>/</a:t>
+            </a:r>
+            <a:r>
+              <a:rPr lang="en-US" sz="1400" dirty="0" smtClean="0"/>
+              <a:t> </a:t>
+            </a:r>
+          </a:p>
+          <a:p>
+            <a:pPr lvl="2">
+              <a:lnSpc>
+                <a:spcPct val="114000"/>
+              </a:lnSpc>
+            </a:pPr>
+            <a:r>
+              <a:rPr lang="en-US" sz="1400" dirty="0">
+                <a:hlinkClick r:id="rId6"/>
+              </a:rPr>
+              <a:t>https://forum.sparkfun.com</a:t>
+            </a:r>
+            <a:r>
+              <a:rPr lang="en-US" sz="1400" dirty="0" smtClean="0">
+                <a:hlinkClick r:id="rId6"/>
+              </a:rPr>
+              <a:t>/</a:t>
+            </a:r>
+            <a:r>
+              <a:rPr lang="en-US" sz="1400" dirty="0" smtClean="0"/>
+              <a:t> </a:t>
+            </a:r>
+          </a:p>
+          <a:p>
+            <a:pPr lvl="2">
+              <a:lnSpc>
+                <a:spcPct val="114000"/>
+              </a:lnSpc>
+            </a:pPr>
+            <a:r>
+              <a:rPr lang="en-US" sz="1400" dirty="0">
+                <a:hlinkClick r:id="rId7"/>
+              </a:rPr>
+              <a:t>https://forums.adafruit.com</a:t>
+            </a:r>
+            <a:r>
+              <a:rPr lang="en-US" sz="1400" dirty="0" smtClean="0">
+                <a:hlinkClick r:id="rId7"/>
+              </a:rPr>
+              <a:t>/</a:t>
+            </a:r>
+            <a:r>
+              <a:rPr lang="en-US" sz="1400" dirty="0" smtClean="0"/>
+              <a:t> </a:t>
+            </a:r>
+          </a:p>
+          <a:p>
+            <a:pPr>
+              <a:lnSpc>
+                <a:spcPct val="114000"/>
+              </a:lnSpc>
+            </a:pPr>
+            <a:r>
+              <a:rPr lang="en-US" sz="2000" dirty="0" smtClean="0"/>
+              <a:t>The UCD library</a:t>
+            </a:r>
+          </a:p>
+        </p:txBody>
+      </p:sp>
+      <p:pic>
+        <p:nvPicPr>
+          <p:cNvPr id="179206" name="Picture 6" descr="http://www.webelowwear.com/wwblog/wp-content/sparkfun-logo.bmp"/>
+          <p:cNvPicPr>
+            <a:picLocks noChangeAspect="1" noChangeArrowheads="1"/>
+          </p:cNvPicPr>
+          <p:nvPr/>
+        </p:nvPicPr>
+        <p:blipFill>
+          <a:blip r:embed="rId8" cstate="print"/>
+          <a:srcRect l="10613" t="15924" r="10901" b="21433"/>
+          <a:stretch>
+            <a:fillRect/>
+          </a:stretch>
+        </p:blipFill>
+        <p:spPr bwMode="auto">
+          <a:xfrm>
+            <a:off x="5978779" y="4160060"/>
+            <a:ext cx="1733904" cy="850594"/>
+          </a:xfrm>
+          <a:prstGeom prst="rect">
+            <a:avLst/>
+          </a:prstGeom>
+          <a:noFill/>
+        </p:spPr>
+      </p:pic>
+      <p:pic>
+        <p:nvPicPr>
+          <p:cNvPr id="2050" name="Picture 2" descr="Adafruit Logo"/>
+          <p:cNvPicPr>
+            <a:picLocks noChangeAspect="1" noChangeArrowheads="1"/>
+          </p:cNvPicPr>
+          <p:nvPr/>
+        </p:nvPicPr>
+        <p:blipFill>
+          <a:blip r:embed="rId9">
+            <a:duotone>
+              <a:prstClr val="black"/>
+              <a:schemeClr val="bg2">
+                <a:tint val="45000"/>
+                <a:satMod val="400000"/>
+              </a:schemeClr>
+            </a:duotone>
+            <a:extLst>
+              <a:ext uri="{28A0092B-C50C-407E-A947-70E740481C1C}">
+                <a14:useLocalDpi xmlns:a14="http://schemas.microsoft.com/office/drawing/2010/main" val="0"/>
+              </a:ext>
+            </a:extLst>
+          </a:blip>
+          <a:srcRect/>
+          <a:stretch>
+            <a:fillRect/>
+          </a:stretch>
+        </p:blipFill>
+        <p:spPr bwMode="auto">
+          <a:xfrm>
+            <a:off x="5948158" y="5079482"/>
+            <a:ext cx="1795145" cy="626214"/>
+          </a:xfrm>
+          <a:prstGeom prst="rect">
+            <a:avLst/>
+          </a:prstGeom>
+          <a:noFill/>
+          <a:ln>
+            <a:noFill/>
+          </a:ln>
+          <a:extLst>
+            <a:ext uri="{909E8E84-426E-40DD-AFC4-6F175D3DCCD1}">
+              <a14:hiddenFill xmlns:a14="http://schemas.microsoft.com/office/drawing/2010/main">
+                <a:solidFill>
+                  <a:srgbClr val="FFFFFF"/>
+                </a:solidFill>
+              </a14:hiddenFill>
+            </a:ext>
+          </a:extLst>
+        </p:spPr>
+      </p:pic>
+      <p:pic>
+        <p:nvPicPr>
+          <p:cNvPr id="2052" name="Picture 4" descr="http://www.eevblog.com/images/logo/EEVblogLogo.png"/>
+          <p:cNvPicPr>
+            <a:picLocks noChangeAspect="1" noChangeArrowheads="1"/>
+          </p:cNvPicPr>
+          <p:nvPr/>
+        </p:nvPicPr>
+        <p:blipFill>
+          <a:blip r:embed="rId10">
+            <a:extLst>
+              <a:ext uri="{28A0092B-C50C-407E-A947-70E740481C1C}">
+                <a14:useLocalDpi xmlns:a14="http://schemas.microsoft.com/office/drawing/2010/main" val="0"/>
+              </a:ext>
+            </a:extLst>
+          </a:blip>
+          <a:srcRect/>
+          <a:stretch>
+            <a:fillRect/>
+          </a:stretch>
+        </p:blipFill>
+        <p:spPr bwMode="auto">
+          <a:xfrm>
+            <a:off x="5932919" y="2792347"/>
+            <a:ext cx="1825625" cy="572443"/>
+          </a:xfrm>
+          <a:prstGeom prst="rect">
+            <a:avLst/>
+          </a:prstGeom>
+          <a:noFill/>
+          <a:extLst>
+            <a:ext uri="{909E8E84-426E-40DD-AFC4-6F175D3DCCD1}">
+              <a14:hiddenFill xmlns:a14="http://schemas.microsoft.com/office/drawing/2010/main">
+                <a:solidFill>
+                  <a:srgbClr val="FFFFFF"/>
+                </a:solidFill>
+              </a14:hiddenFill>
+            </a:ext>
+          </a:extLst>
+        </p:spPr>
+      </p:pic>
+      <p:pic>
+        <p:nvPicPr>
+          <p:cNvPr id="2054" name="Picture 6" descr="http://www.edaboard.com/images/misc/vbulletin4_logo_black.png"/>
+          <p:cNvPicPr>
+            <a:picLocks noChangeAspect="1" noChangeArrowheads="1"/>
+          </p:cNvPicPr>
+          <p:nvPr/>
+        </p:nvPicPr>
+        <p:blipFill>
+          <a:blip r:embed="rId11">
+            <a:extLst>
+              <a:ext uri="{28A0092B-C50C-407E-A947-70E740481C1C}">
+                <a14:useLocalDpi xmlns:a14="http://schemas.microsoft.com/office/drawing/2010/main" val="0"/>
+              </a:ext>
+            </a:extLst>
+          </a:blip>
+          <a:srcRect/>
+          <a:stretch>
+            <a:fillRect/>
+          </a:stretch>
+        </p:blipFill>
+        <p:spPr bwMode="auto">
+          <a:xfrm>
+            <a:off x="5640820" y="2182934"/>
+            <a:ext cx="2409825" cy="590551"/>
+          </a:xfrm>
+          <a:prstGeom prst="rect">
+            <a:avLst/>
+          </a:prstGeom>
+          <a:noFill/>
+          <a:extLst>
+            <a:ext uri="{909E8E84-426E-40DD-AFC4-6F175D3DCCD1}">
+              <a14:hiddenFill xmlns:a14="http://schemas.microsoft.com/office/drawing/2010/main">
+                <a:solidFill>
+                  <a:srgbClr val="FFFFFF"/>
+                </a:solidFill>
+              </a14:hiddenFill>
+            </a:ext>
+          </a:extLst>
+        </p:spPr>
+      </p:pic>
+      <p:pic>
+        <p:nvPicPr>
+          <p:cNvPr id="2056" name="Picture 8" descr="https://s3.amazonaws.com/circuitlab-images/misc/20130306-stackexchange-circuitlab-logos.png"/>
+          <p:cNvPicPr>
+            <a:picLocks noChangeAspect="1" noChangeArrowheads="1"/>
+          </p:cNvPicPr>
+          <p:nvPr/>
+        </p:nvPicPr>
+        <p:blipFill>
+          <a:blip r:embed="rId12">
+            <a:extLst>
+              <a:ext uri="{28A0092B-C50C-407E-A947-70E740481C1C}">
+                <a14:useLocalDpi xmlns:a14="http://schemas.microsoft.com/office/drawing/2010/main" val="0"/>
+              </a:ext>
+            </a:extLst>
+          </a:blip>
+          <a:srcRect/>
+          <a:stretch>
+            <a:fillRect/>
+          </a:stretch>
+        </p:blipFill>
+        <p:spPr bwMode="auto">
+          <a:xfrm>
+            <a:off x="5390311" y="3493135"/>
+            <a:ext cx="2910840" cy="674345"/>
+          </a:xfrm>
+          <a:prstGeom prst="rect">
+            <a:avLst/>
+          </a:prstGeom>
+          <a:noFill/>
+          <a:extLst>
+            <a:ext uri="{909E8E84-426E-40DD-AFC4-6F175D3DCCD1}">
+              <a14:hiddenFill xmlns:a14="http://schemas.microsoft.com/office/drawing/2010/main">
+                <a:solidFill>
+                  <a:srgbClr val="FFFFFF"/>
+                </a:solidFill>
+              </a14:hiddenFill>
+            </a:ext>
+          </a:extLst>
+        </p:spPr>
+      </p:pic>
+    </p:spTree>
+  </p:cSld>
+  <p:clrMapOvr>
+    <a:masterClrMapping/>
+  </p:clrMapOvr>
+  <p:timing>
+    <p:tnLst>
+      <p:par>
+        <p:cTn id="1" dur="indefinite" restart="never" nodeType="tmRoot">
+          <p:childTnLst>
+            <p:seq concurrent="1" nextAc="seek">
+              <p:cTn id="2" dur="indefinite" nodeType="mainSeq">
+                <p:childTnLst>
+                  <p:par>
+                    <p:cTn id="3" fill="hold">
+                      <p:stCondLst>
+                        <p:cond delay="indefinite"/>
+                      </p:stCondLst>
+                      <p:childTnLst>
+                        <p:par>
+                          <p:cTn id="4" fill="hold">
+                            <p:stCondLst>
+                              <p:cond delay="0"/>
+                            </p:stCondLst>
+                            <p:childTnLst>
+                              <p:par>
+                                <p:cTn id="5" presetID="1" presetClass="entr" presetSubtype="0" fill="hold" nodeType="clickEffect">
+                                  <p:stCondLst>
+                                    <p:cond delay="0"/>
+                                  </p:stCondLst>
+                                  <p:childTnLst>
+                                    <p:set>
+                                      <p:cBhvr>
+                                        <p:cTn id="6" dur="1" fill="hold">
+                                          <p:stCondLst>
+                                            <p:cond delay="0"/>
+                                          </p:stCondLst>
+                                        </p:cTn>
+                                        <p:tgtEl>
+                                          <p:spTgt spid="3">
+                                            <p:txEl>
+                                              <p:pRg st="2" end="2"/>
+                                            </p:txEl>
+                                          </p:spTgt>
+                                        </p:tgtEl>
+                                        <p:attrNameLst>
+                                          <p:attrName>style.visibility</p:attrName>
+                                        </p:attrNameLst>
+                                      </p:cBhvr>
+                                      <p:to>
+                                        <p:strVal val="visible"/>
+                                      </p:to>
+                                    </p:set>
+                                  </p:childTnLst>
+                                </p:cTn>
+                              </p:par>
+                            </p:childTnLst>
+                          </p:cTn>
+                        </p:par>
+                      </p:childTnLst>
+                    </p:cTn>
+                  </p:par>
+                  <p:par>
+                    <p:cTn id="7" fill="hold">
+                      <p:stCondLst>
+                        <p:cond delay="indefinite"/>
+                      </p:stCondLst>
+                      <p:childTnLst>
+                        <p:par>
+                          <p:cTn id="8" fill="hold">
+                            <p:stCondLst>
+                              <p:cond delay="0"/>
+                            </p:stCondLst>
+                            <p:childTnLst>
+                              <p:par>
+                                <p:cTn id="9" presetID="1" presetClass="entr" presetSubtype="0" fill="hold" nodeType="clickEffect">
+                                  <p:stCondLst>
+                                    <p:cond delay="0"/>
+                                  </p:stCondLst>
+                                  <p:childTnLst>
+                                    <p:set>
+                                      <p:cBhvr>
+                                        <p:cTn id="10" dur="1" fill="hold">
+                                          <p:stCondLst>
+                                            <p:cond delay="0"/>
+                                          </p:stCondLst>
+                                        </p:cTn>
+                                        <p:tgtEl>
+                                          <p:spTgt spid="3">
+                                            <p:txEl>
+                                              <p:pRg st="3" end="3"/>
+                                            </p:txEl>
+                                          </p:spTgt>
+                                        </p:tgtEl>
+                                        <p:attrNameLst>
+                                          <p:attrName>style.visibility</p:attrName>
+                                        </p:attrNameLst>
+                                      </p:cBhvr>
+                                      <p:to>
+                                        <p:strVal val="visible"/>
+                                      </p:to>
+                                    </p:set>
+                                  </p:childTnLst>
+                                </p:cTn>
+                              </p:par>
+                            </p:childTnLst>
+                          </p:cTn>
+                        </p:par>
+                      </p:childTnLst>
+                    </p:cTn>
+                  </p:par>
+                  <p:par>
+                    <p:cTn id="11" fill="hold">
+                      <p:stCondLst>
+                        <p:cond delay="indefinite"/>
+                      </p:stCondLst>
+                      <p:childTnLst>
+                        <p:par>
+                          <p:cTn id="12" fill="hold">
+                            <p:stCondLst>
+                              <p:cond delay="0"/>
+                            </p:stCondLst>
+                            <p:childTnLst>
+                              <p:par>
+                                <p:cTn id="13" presetID="1" presetClass="entr" presetSubtype="0" fill="hold" nodeType="clickEffect">
+                                  <p:stCondLst>
+                                    <p:cond delay="0"/>
+                                  </p:stCondLst>
+                                  <p:childTnLst>
+                                    <p:set>
+                                      <p:cBhvr>
+                                        <p:cTn id="14" dur="1" fill="hold">
+                                          <p:stCondLst>
+                                            <p:cond delay="0"/>
+                                          </p:stCondLst>
+                                        </p:cTn>
+                                        <p:tgtEl>
+                                          <p:spTgt spid="3">
+                                            <p:txEl>
+                                              <p:pRg st="4" end="4"/>
+                                            </p:txEl>
+                                          </p:spTgt>
+                                        </p:tgtEl>
+                                        <p:attrNameLst>
+                                          <p:attrName>style.visibility</p:attrName>
+                                        </p:attrNameLst>
+                                      </p:cBhvr>
+                                      <p:to>
+                                        <p:strVal val="visible"/>
+                                      </p:to>
+                                    </p:set>
+                                  </p:childTnLst>
+                                </p:cTn>
+                              </p:par>
+                            </p:childTnLst>
+                          </p:cTn>
+                        </p:par>
+                      </p:childTnLst>
+                    </p:cTn>
+                  </p:par>
+                  <p:par>
+                    <p:cTn id="15" fill="hold">
+                      <p:stCondLst>
+                        <p:cond delay="indefinite"/>
+                      </p:stCondLst>
+                      <p:childTnLst>
+                        <p:par>
+                          <p:cTn id="16" fill="hold">
+                            <p:stCondLst>
+                              <p:cond delay="0"/>
+                            </p:stCondLst>
+                            <p:childTnLst>
+                              <p:par>
+                                <p:cTn id="17" presetID="1" presetClass="entr" presetSubtype="0" fill="hold" nodeType="clickEffect">
+                                  <p:stCondLst>
+                                    <p:cond delay="0"/>
+                                  </p:stCondLst>
+                                  <p:childTnLst>
+                                    <p:set>
+                                      <p:cBhvr>
+                                        <p:cTn id="18" dur="1" fill="hold">
+                                          <p:stCondLst>
+                                            <p:cond delay="0"/>
+                                          </p:stCondLst>
+                                        </p:cTn>
+                                        <p:tgtEl>
+                                          <p:spTgt spid="3">
+                                            <p:txEl>
+                                              <p:pRg st="5" end="5"/>
+                                            </p:txEl>
+                                          </p:spTgt>
+                                        </p:tgtEl>
+                                        <p:attrNameLst>
+                                          <p:attrName>style.visibility</p:attrName>
+                                        </p:attrNameLst>
+                                      </p:cBhvr>
+                                      <p:to>
+                                        <p:strVal val="visible"/>
+                                      </p:to>
+                                    </p:set>
+                                  </p:childTnLst>
+                                </p:cTn>
+                              </p:par>
+                            </p:childTnLst>
+                          </p:cTn>
+                        </p:par>
+                      </p:childTnLst>
+                    </p:cTn>
+                  </p:par>
+                  <p:par>
+                    <p:cTn id="19" fill="hold">
+                      <p:stCondLst>
+                        <p:cond delay="indefinite"/>
+                      </p:stCondLst>
+                      <p:childTnLst>
+                        <p:par>
+                          <p:cTn id="20" fill="hold">
+                            <p:stCondLst>
+                              <p:cond delay="0"/>
+                            </p:stCondLst>
+                            <p:childTnLst>
+                              <p:par>
+                                <p:cTn id="21" presetID="1" presetClass="entr" presetSubtype="0" fill="hold" nodeType="clickEffect">
+                                  <p:stCondLst>
+                                    <p:cond delay="0"/>
+                                  </p:stCondLst>
+                                  <p:childTnLst>
+                                    <p:set>
+                                      <p:cBhvr>
+                                        <p:cTn id="22" dur="1" fill="hold">
+                                          <p:stCondLst>
+                                            <p:cond delay="0"/>
+                                          </p:stCondLst>
+                                        </p:cTn>
+                                        <p:tgtEl>
+                                          <p:spTgt spid="3">
+                                            <p:txEl>
+                                              <p:pRg st="6" end="6"/>
+                                            </p:txEl>
+                                          </p:spTgt>
+                                        </p:tgtEl>
+                                        <p:attrNameLst>
+                                          <p:attrName>style.visibility</p:attrName>
+                                        </p:attrNameLst>
+                                      </p:cBhvr>
+                                      <p:to>
+                                        <p:strVal val="visible"/>
+                                      </p:to>
+                                    </p:set>
+                                  </p:childTnLst>
+                                </p:cTn>
+                              </p:par>
+                            </p:childTnLst>
+                          </p:cTn>
+                        </p:par>
+                      </p:childTnLst>
+                    </p:cTn>
+                  </p:par>
+                  <p:par>
+                    <p:cTn id="23" fill="hold">
+                      <p:stCondLst>
+                        <p:cond delay="indefinite"/>
+                      </p:stCondLst>
+                      <p:childTnLst>
+                        <p:par>
+                          <p:cTn id="24" fill="hold">
+                            <p:stCondLst>
+                              <p:cond delay="0"/>
+                            </p:stCondLst>
+                            <p:childTnLst>
+                              <p:par>
+                                <p:cTn id="25" presetID="1" presetClass="entr" presetSubtype="0" fill="hold" nodeType="clickEffect">
+                                  <p:stCondLst>
+                                    <p:cond delay="0"/>
+                                  </p:stCondLst>
+                                  <p:childTnLst>
+                                    <p:set>
+                                      <p:cBhvr>
+                                        <p:cTn id="26" dur="1" fill="hold">
+                                          <p:stCondLst>
+                                            <p:cond delay="0"/>
+                                          </p:stCondLst>
+                                        </p:cTn>
+                                        <p:tgtEl>
+                                          <p:spTgt spid="3">
+                                            <p:txEl>
+                                              <p:pRg st="7" end="7"/>
+                                            </p:txEl>
+                                          </p:spTgt>
+                                        </p:tgtEl>
+                                        <p:attrNameLst>
+                                          <p:attrName>style.visibility</p:attrName>
+                                        </p:attrNameLst>
+                                      </p:cBhvr>
+                                      <p:to>
+                                        <p:strVal val="visible"/>
+                                      </p:to>
+                                    </p:set>
+                                  </p:childTnLst>
+                                </p:cTn>
+                              </p:par>
+                              <p:par>
+                                <p:cTn id="27" presetID="1" presetClass="entr" presetSubtype="0" fill="hold" nodeType="withEffect">
+                                  <p:stCondLst>
+                                    <p:cond delay="0"/>
+                                  </p:stCondLst>
+                                  <p:childTnLst>
+                                    <p:set>
+                                      <p:cBhvr>
+                                        <p:cTn id="28" dur="1" fill="hold">
+                                          <p:stCondLst>
+                                            <p:cond delay="0"/>
+                                          </p:stCondLst>
+                                        </p:cTn>
+                                        <p:tgtEl>
+                                          <p:spTgt spid="2054"/>
+                                        </p:tgtEl>
+                                        <p:attrNameLst>
+                                          <p:attrName>style.visibility</p:attrName>
+                                        </p:attrNameLst>
+                                      </p:cBhvr>
+                                      <p:to>
+                                        <p:strVal val="visible"/>
+                                      </p:to>
+                                    </p:set>
+                                  </p:childTnLst>
+                                </p:cTn>
+                              </p:par>
+                            </p:childTnLst>
+                          </p:cTn>
+                        </p:par>
+                      </p:childTnLst>
+                    </p:cTn>
+                  </p:par>
+                  <p:par>
+                    <p:cTn id="29" fill="hold">
+                      <p:stCondLst>
+                        <p:cond delay="indefinite"/>
+                      </p:stCondLst>
+                      <p:childTnLst>
+                        <p:par>
+                          <p:cTn id="30" fill="hold">
+                            <p:stCondLst>
+                              <p:cond delay="0"/>
+                            </p:stCondLst>
+                            <p:childTnLst>
+                              <p:par>
+                                <p:cTn id="31" presetID="1" presetClass="entr" presetSubtype="0" fill="hold" nodeType="clickEffect">
+                                  <p:stCondLst>
+                                    <p:cond delay="0"/>
+                                  </p:stCondLst>
+                                  <p:childTnLst>
+                                    <p:set>
+                                      <p:cBhvr>
+                                        <p:cTn id="32" dur="1" fill="hold">
+                                          <p:stCondLst>
+                                            <p:cond delay="0"/>
+                                          </p:stCondLst>
+                                        </p:cTn>
+                                        <p:tgtEl>
+                                          <p:spTgt spid="3">
+                                            <p:txEl>
+                                              <p:pRg st="8" end="8"/>
+                                            </p:txEl>
+                                          </p:spTgt>
+                                        </p:tgtEl>
+                                        <p:attrNameLst>
+                                          <p:attrName>style.visibility</p:attrName>
+                                        </p:attrNameLst>
+                                      </p:cBhvr>
+                                      <p:to>
+                                        <p:strVal val="visible"/>
+                                      </p:to>
+                                    </p:set>
+                                  </p:childTnLst>
+                                </p:cTn>
+                              </p:par>
+                              <p:par>
+                                <p:cTn id="33" presetID="1" presetClass="entr" presetSubtype="0" fill="hold" nodeType="withEffect">
+                                  <p:stCondLst>
+                                    <p:cond delay="0"/>
+                                  </p:stCondLst>
+                                  <p:childTnLst>
+                                    <p:set>
+                                      <p:cBhvr>
+                                        <p:cTn id="34" dur="1" fill="hold">
+                                          <p:stCondLst>
+                                            <p:cond delay="0"/>
+                                          </p:stCondLst>
+                                        </p:cTn>
+                                        <p:tgtEl>
+                                          <p:spTgt spid="2052"/>
+                                        </p:tgtEl>
+                                        <p:attrNameLst>
+                                          <p:attrName>style.visibility</p:attrName>
+                                        </p:attrNameLst>
+                                      </p:cBhvr>
+                                      <p:to>
+                                        <p:strVal val="visible"/>
+                                      </p:to>
+                                    </p:set>
+                                  </p:childTnLst>
+                                </p:cTn>
+                              </p:par>
                             </p:childTnLst>
                           </p:cTn>
                         </p:par>
@@ -9513,6 +9340,33 @@
                                   </p:childTnLst>
                                 </p:cTn>
                               </p:par>
+                              <p:par>
+                                <p:cTn id="39" presetID="1" presetClass="entr" presetSubtype="0" fill="hold" nodeType="withEffect">
+                                  <p:stCondLst>
+                                    <p:cond delay="0"/>
+                                  </p:stCondLst>
+                                  <p:childTnLst>
+                                    <p:set>
+                                      <p:cBhvr>
+                                        <p:cTn id="40" dur="1" fill="hold">
+                                          <p:stCondLst>
+                                            <p:cond delay="0"/>
+                                          </p:stCondLst>
+                                        </p:cTn>
+                                        <p:tgtEl>
+                                          <p:spTgt spid="2056"/>
+                                        </p:tgtEl>
+                                        <p:attrNameLst>
+                                          <p:attrName>style.visibility</p:attrName>
+                                        </p:attrNameLst>
+                                      </p:cBhvr>
+                                      <p:to>
+                                        <p:strVal val="visible"/>
+                                      </p:to>
+                                    </p:set>
+                                  </p:childTnLst>
+                                </p:cTn>
+                              </p:par>
                             </p:childTnLst>
                           </p:cTn>
                         </p:par>
@@ -9520,26 +9374,26 @@
                     </p:cTn>
                   </p:par>
                   <p:par>
-                    <p:cTn id="39" fill="hold">
+                    <p:cTn id="41" fill="hold">
                       <p:stCondLst>
                         <p:cond delay="indefinite"/>
                       </p:stCondLst>
                       <p:childTnLst>
                         <p:par>
-                          <p:cTn id="40" fill="hold">
+                          <p:cTn id="42" fill="hold">
                             <p:stCondLst>
                               <p:cond delay="0"/>
                             </p:stCondLst>
                             <p:childTnLst>
                               <p:par>
-                                <p:cTn id="41" presetID="1" presetClass="entr" presetSubtype="0" fill="hold" nodeType="clickEffect">
+                                <p:cTn id="43" presetID="1" presetClass="entr" presetSubtype="0" fill="hold" nodeType="clickEffect">
                                   <p:stCondLst>
                                     <p:cond delay="0"/>
                                   </p:stCondLst>
                                   <p:childTnLst>
                                     <p:set>
                                       <p:cBhvr>
-                                        <p:cTn id="42" dur="1" fill="hold">
+                                        <p:cTn id="44" dur="1" fill="hold">
                                           <p:stCondLst>
                                             <p:cond delay="0"/>
                                           </p:stCondLst>
@@ -9562,26 +9416,8 @@
                                   </p:childTnLst>
                                 </p:cTn>
                               </p:par>
-                            </p:childTnLst>
-                          </p:cTn>
-                        </p:par>
-                      </p:childTnLst>
-                    </p:cTn>
-                  </p:par>
-                  <p:par>
-                    <p:cTn id="43" fill="hold">
-                      <p:stCondLst>
-                        <p:cond delay="indefinite"/>
-                      </p:stCondLst>
-                      <p:childTnLst>
-                        <p:par>
-                          <p:cTn id="44" fill="hold">
-                            <p:stCondLst>
-                              <p:cond delay="0"/>
-                            </p:stCondLst>
-                            <p:childTnLst>
                               <p:par>
-                                <p:cTn id="45" presetID="1" presetClass="entr" presetSubtype="0" fill="hold" nodeType="clickEffect">
+                                <p:cTn id="45" presetID="1" presetClass="entr" presetSubtype="0" fill="hold" nodeType="withEffect">
                                   <p:stCondLst>
                                     <p:cond delay="0"/>
                                   </p:stCondLst>
@@ -9594,9 +9430,130 @@
                                           </p:stCondLst>
                                         </p:cTn>
                                         <p:tgtEl>
+                                          <p:spTgt spid="179206"/>
+                                        </p:tgtEl>
+                                        <p:attrNameLst>
+                                          <p:attrName>style.visibility</p:attrName>
+                                        </p:attrNameLst>
+                                      </p:cBhvr>
+                                      <p:to>
+                                        <p:strVal val="visible"/>
+                                      </p:to>
+                                    </p:set>
+                                  </p:childTnLst>
+                                </p:cTn>
+                              </p:par>
+                            </p:childTnLst>
+                          </p:cTn>
+                        </p:par>
+                      </p:childTnLst>
+                    </p:cTn>
+                  </p:par>
+                  <p:par>
+                    <p:cTn id="47" fill="hold">
+                      <p:stCondLst>
+                        <p:cond delay="indefinite"/>
+                      </p:stCondLst>
+                      <p:childTnLst>
+                        <p:par>
+                          <p:cTn id="48" fill="hold">
+                            <p:stCondLst>
+                              <p:cond delay="0"/>
+                            </p:stCondLst>
+                            <p:childTnLst>
+                              <p:par>
+                                <p:cTn id="49" presetID="1" presetClass="entr" presetSubtype="0" fill="hold" nodeType="clickEffect">
+                                  <p:stCondLst>
+                                    <p:cond delay="0"/>
+                                  </p:stCondLst>
+                                  <p:childTnLst>
+                                    <p:set>
+                                      <p:cBhvr>
+                                        <p:cTn id="50" dur="1" fill="hold">
+                                          <p:stCondLst>
+                                            <p:cond delay="0"/>
+                                          </p:stCondLst>
+                                        </p:cTn>
+                                        <p:tgtEl>
                                           <p:spTgt spid="3">
                                             <p:txEl>
                                               <p:pRg st="11" end="11"/>
+                                            </p:txEl>
+                                          </p:spTgt>
+                                        </p:tgtEl>
+                                        <p:attrNameLst>
+                                          <p:attrName>style.visibility</p:attrName>
+                                        </p:attrNameLst>
+                                      </p:cBhvr>
+                                      <p:to>
+                                        <p:strVal val="visible"/>
+                                      </p:to>
+                                    </p:set>
+                                  </p:childTnLst>
+                                </p:cTn>
+                              </p:par>
+                              <p:par>
+                                <p:cTn id="51" presetID="1" presetClass="entr" presetSubtype="0" fill="hold" nodeType="withEffect">
+                                  <p:stCondLst>
+                                    <p:cond delay="0"/>
+                                  </p:stCondLst>
+                                  <p:childTnLst>
+                                    <p:set>
+                                      <p:cBhvr>
+                                        <p:cTn id="52" dur="1" fill="hold">
+                                          <p:stCondLst>
+                                            <p:cond delay="0"/>
+                                          </p:stCondLst>
+                                        </p:cTn>
+                                        <p:tgtEl>
+                                          <p:spTgt spid="2050"/>
+                                        </p:tgtEl>
+                                        <p:attrNameLst>
+                                          <p:attrName>style.visibility</p:attrName>
+                                        </p:attrNameLst>
+                                      </p:cBhvr>
+                                      <p:to>
+                                        <p:strVal val="visible"/>
+                                      </p:to>
+                                    </p:set>
+                                  </p:childTnLst>
+                                </p:cTn>
+                              </p:par>
+                            </p:childTnLst>
+                          </p:cTn>
+                        </p:par>
+                      </p:childTnLst>
+                    </p:cTn>
+                  </p:par>
+                  <p:par>
+                    <p:cTn id="53" fill="hold">
+                      <p:stCondLst>
+                        <p:cond delay="indefinite"/>
+                      </p:stCondLst>
+                      <p:childTnLst>
+                        <p:par>
+                          <p:cTn id="54" fill="hold">
+                            <p:stCondLst>
+                              <p:cond delay="0"/>
+                            </p:stCondLst>
+                            <p:childTnLst>
+                              <p:par>
+                                <p:cTn id="55" presetID="1" presetClass="entr" presetSubtype="0" fill="hold" nodeType="clickEffect">
+                                  <p:stCondLst>
+                                    <p:cond delay="0"/>
+                                  </p:stCondLst>
+                                  <p:childTnLst>
+                                    <p:set>
+                                      <p:cBhvr>
+                                        <p:cTn id="56" dur="1" fill="hold">
+                                          <p:stCondLst>
+                                            <p:cond delay="0"/>
+                                          </p:stCondLst>
+                                        </p:cTn>
+                                        <p:tgtEl>
+                                          <p:spTgt spid="3">
+                                            <p:txEl>
+                                              <p:pRg st="12" end="12"/>
                                             </p:txEl>
                                           </p:spTgt>
                                         </p:tgtEl>
@@ -9636,6 +9593,2953 @@
             </p:seq>
           </p:childTnLst>
         </p:cTn>
+      </p:par>
+    </p:tnLst>
+  </p:timing>
+</p:sld>
+</file>
+
+<file path=ppt/slides/slide2.xml><?xml version="1.0" encoding="utf-8"?>
+<p:sld xmlns:a="http://schemas.openxmlformats.org/drawingml/2006/main" xmlns:r="http://schemas.openxmlformats.org/officeDocument/2006/relationships" xmlns:p="http://schemas.openxmlformats.org/presentationml/2006/main">
+  <p:cSld>
+    <p:spTree>
+      <p:nvGrpSpPr>
+        <p:cNvPr id="1" name=""/>
+        <p:cNvGrpSpPr/>
+        <p:nvPr/>
+      </p:nvGrpSpPr>
+      <p:grpSpPr>
+        <a:xfrm>
+          <a:off x="0" y="0"/>
+          <a:ext cx="0" cy="0"/>
+          <a:chOff x="0" y="0"/>
+          <a:chExt cx="0" cy="0"/>
+        </a:xfrm>
+      </p:grpSpPr>
+      <p:sp>
+        <p:nvSpPr>
+          <p:cNvPr id="2" name="Title 1"/>
+          <p:cNvSpPr>
+            <a:spLocks noGrp="1"/>
+          </p:cNvSpPr>
+          <p:nvPr>
+            <p:ph type="title"/>
+          </p:nvPr>
+        </p:nvSpPr>
+        <p:spPr/>
+        <p:txBody>
+          <a:bodyPr>
+            <a:normAutofit/>
+          </a:bodyPr>
+          <a:lstStyle/>
+          <a:p>
+            <a:r>
+              <a:rPr lang="en-US" dirty="0" smtClean="0"/>
+              <a:t>Course Objectives</a:t>
+            </a:r>
+            <a:endParaRPr lang="en-US" dirty="0"/>
+          </a:p>
+        </p:txBody>
+      </p:sp>
+      <p:sp>
+        <p:nvSpPr>
+          <p:cNvPr id="3" name="Content Placeholder 2"/>
+          <p:cNvSpPr>
+            <a:spLocks noGrp="1"/>
+          </p:cNvSpPr>
+          <p:nvPr>
+            <p:ph type="body" sz="quarter" idx="10"/>
+          </p:nvPr>
+        </p:nvSpPr>
+        <p:spPr/>
+        <p:txBody>
+          <a:bodyPr/>
+          <a:lstStyle/>
+          <a:p>
+            <a:r>
+              <a:rPr lang="en-US" sz="2400" dirty="0"/>
+              <a:t>To provide a senior design option for students interested in RF/microwave engineering</a:t>
+            </a:r>
+          </a:p>
+          <a:p>
+            <a:r>
+              <a:rPr lang="en-US" sz="2400" dirty="0" smtClean="0"/>
+              <a:t>To provide a system </a:t>
+            </a:r>
+            <a:r>
+              <a:rPr lang="en-US" sz="2400" dirty="0"/>
+              <a:t>design perspective</a:t>
+            </a:r>
+          </a:p>
+          <a:p>
+            <a:r>
+              <a:rPr lang="en-US" sz="2400" dirty="0" smtClean="0"/>
+              <a:t>To get your hands dirty</a:t>
+            </a:r>
+            <a:endParaRPr lang="en-US" sz="2400" dirty="0"/>
+          </a:p>
+          <a:p>
+            <a:r>
+              <a:rPr lang="en-US" sz="2400" dirty="0" smtClean="0"/>
+              <a:t>To promote teamwork</a:t>
+            </a:r>
+            <a:endParaRPr lang="en-US" sz="2400" dirty="0"/>
+          </a:p>
+          <a:p>
+            <a:r>
+              <a:rPr lang="en-US" sz="2400" dirty="0" smtClean="0"/>
+              <a:t>To promote self-learning</a:t>
+            </a:r>
+          </a:p>
+          <a:p>
+            <a:r>
+              <a:rPr lang="en-US" sz="2400" dirty="0" smtClean="0"/>
+              <a:t>To improve communication (oral &amp; written) skills </a:t>
+            </a:r>
+            <a:endParaRPr lang="en-US" sz="2400" dirty="0"/>
+          </a:p>
+          <a:p>
+            <a:r>
+              <a:rPr lang="en-US" sz="2400" dirty="0" smtClean="0"/>
+              <a:t>To push </a:t>
+            </a:r>
+            <a:r>
+              <a:rPr lang="en-US" sz="2400" dirty="0"/>
+              <a:t>your </a:t>
+            </a:r>
+            <a:r>
+              <a:rPr lang="en-US" sz="2400" dirty="0" smtClean="0"/>
+              <a:t>limit</a:t>
+            </a:r>
+            <a:r>
+              <a:rPr lang="en-US" sz="2400" dirty="0"/>
+              <a:t>!</a:t>
+            </a:r>
+            <a:endParaRPr lang="en-US" sz="2400" dirty="0" smtClean="0"/>
+          </a:p>
+        </p:txBody>
+      </p:sp>
+    </p:spTree>
+  </p:cSld>
+  <p:clrMapOvr>
+    <a:masterClrMapping/>
+  </p:clrMapOvr>
+  <p:timing>
+    <p:tnLst>
+      <p:par>
+        <p:cTn id="1" dur="indefinite" restart="never" nodeType="tmRoot">
+          <p:childTnLst>
+            <p:seq concurrent="1" nextAc="seek">
+              <p:cTn id="2" dur="indefinite" nodeType="mainSeq">
+                <p:childTnLst>
+                  <p:par>
+                    <p:cTn id="3" fill="hold">
+                      <p:stCondLst>
+                        <p:cond delay="indefinite"/>
+                      </p:stCondLst>
+                      <p:childTnLst>
+                        <p:par>
+                          <p:cTn id="4" fill="hold">
+                            <p:stCondLst>
+                              <p:cond delay="0"/>
+                            </p:stCondLst>
+                            <p:childTnLst>
+                              <p:par>
+                                <p:cTn id="5" presetID="1" presetClass="entr" presetSubtype="0" fill="hold" nodeType="clickEffect">
+                                  <p:stCondLst>
+                                    <p:cond delay="0"/>
+                                  </p:stCondLst>
+                                  <p:childTnLst>
+                                    <p:set>
+                                      <p:cBhvr>
+                                        <p:cTn id="6" dur="1" fill="hold">
+                                          <p:stCondLst>
+                                            <p:cond delay="0"/>
+                                          </p:stCondLst>
+                                        </p:cTn>
+                                        <p:tgtEl>
+                                          <p:spTgt spid="3">
+                                            <p:txEl>
+                                              <p:pRg st="1" end="1"/>
+                                            </p:txEl>
+                                          </p:spTgt>
+                                        </p:tgtEl>
+                                        <p:attrNameLst>
+                                          <p:attrName>style.visibility</p:attrName>
+                                        </p:attrNameLst>
+                                      </p:cBhvr>
+                                      <p:to>
+                                        <p:strVal val="visible"/>
+                                      </p:to>
+                                    </p:set>
+                                  </p:childTnLst>
+                                </p:cTn>
+                              </p:par>
+                            </p:childTnLst>
+                          </p:cTn>
+                        </p:par>
+                      </p:childTnLst>
+                    </p:cTn>
+                  </p:par>
+                  <p:par>
+                    <p:cTn id="7" fill="hold">
+                      <p:stCondLst>
+                        <p:cond delay="indefinite"/>
+                      </p:stCondLst>
+                      <p:childTnLst>
+                        <p:par>
+                          <p:cTn id="8" fill="hold">
+                            <p:stCondLst>
+                              <p:cond delay="0"/>
+                            </p:stCondLst>
+                            <p:childTnLst>
+                              <p:par>
+                                <p:cTn id="9" presetID="1" presetClass="entr" presetSubtype="0" fill="hold" nodeType="clickEffect">
+                                  <p:stCondLst>
+                                    <p:cond delay="0"/>
+                                  </p:stCondLst>
+                                  <p:childTnLst>
+                                    <p:set>
+                                      <p:cBhvr>
+                                        <p:cTn id="10" dur="1" fill="hold">
+                                          <p:stCondLst>
+                                            <p:cond delay="0"/>
+                                          </p:stCondLst>
+                                        </p:cTn>
+                                        <p:tgtEl>
+                                          <p:spTgt spid="3">
+                                            <p:txEl>
+                                              <p:pRg st="2" end="2"/>
+                                            </p:txEl>
+                                          </p:spTgt>
+                                        </p:tgtEl>
+                                        <p:attrNameLst>
+                                          <p:attrName>style.visibility</p:attrName>
+                                        </p:attrNameLst>
+                                      </p:cBhvr>
+                                      <p:to>
+                                        <p:strVal val="visible"/>
+                                      </p:to>
+                                    </p:set>
+                                  </p:childTnLst>
+                                </p:cTn>
+                              </p:par>
+                            </p:childTnLst>
+                          </p:cTn>
+                        </p:par>
+                      </p:childTnLst>
+                    </p:cTn>
+                  </p:par>
+                  <p:par>
+                    <p:cTn id="11" fill="hold">
+                      <p:stCondLst>
+                        <p:cond delay="indefinite"/>
+                      </p:stCondLst>
+                      <p:childTnLst>
+                        <p:par>
+                          <p:cTn id="12" fill="hold">
+                            <p:stCondLst>
+                              <p:cond delay="0"/>
+                            </p:stCondLst>
+                            <p:childTnLst>
+                              <p:par>
+                                <p:cTn id="13" presetID="1" presetClass="entr" presetSubtype="0" fill="hold" nodeType="clickEffect">
+                                  <p:stCondLst>
+                                    <p:cond delay="0"/>
+                                  </p:stCondLst>
+                                  <p:childTnLst>
+                                    <p:set>
+                                      <p:cBhvr>
+                                        <p:cTn id="14" dur="1" fill="hold">
+                                          <p:stCondLst>
+                                            <p:cond delay="0"/>
+                                          </p:stCondLst>
+                                        </p:cTn>
+                                        <p:tgtEl>
+                                          <p:spTgt spid="3">
+                                            <p:txEl>
+                                              <p:pRg st="3" end="3"/>
+                                            </p:txEl>
+                                          </p:spTgt>
+                                        </p:tgtEl>
+                                        <p:attrNameLst>
+                                          <p:attrName>style.visibility</p:attrName>
+                                        </p:attrNameLst>
+                                      </p:cBhvr>
+                                      <p:to>
+                                        <p:strVal val="visible"/>
+                                      </p:to>
+                                    </p:set>
+                                  </p:childTnLst>
+                                </p:cTn>
+                              </p:par>
+                            </p:childTnLst>
+                          </p:cTn>
+                        </p:par>
+                      </p:childTnLst>
+                    </p:cTn>
+                  </p:par>
+                  <p:par>
+                    <p:cTn id="15" fill="hold">
+                      <p:stCondLst>
+                        <p:cond delay="indefinite"/>
+                      </p:stCondLst>
+                      <p:childTnLst>
+                        <p:par>
+                          <p:cTn id="16" fill="hold">
+                            <p:stCondLst>
+                              <p:cond delay="0"/>
+                            </p:stCondLst>
+                            <p:childTnLst>
+                              <p:par>
+                                <p:cTn id="17" presetID="1" presetClass="entr" presetSubtype="0" fill="hold" nodeType="clickEffect">
+                                  <p:stCondLst>
+                                    <p:cond delay="0"/>
+                                  </p:stCondLst>
+                                  <p:childTnLst>
+                                    <p:set>
+                                      <p:cBhvr>
+                                        <p:cTn id="18" dur="1" fill="hold">
+                                          <p:stCondLst>
+                                            <p:cond delay="0"/>
+                                          </p:stCondLst>
+                                        </p:cTn>
+                                        <p:tgtEl>
+                                          <p:spTgt spid="3">
+                                            <p:txEl>
+                                              <p:pRg st="4" end="4"/>
+                                            </p:txEl>
+                                          </p:spTgt>
+                                        </p:tgtEl>
+                                        <p:attrNameLst>
+                                          <p:attrName>style.visibility</p:attrName>
+                                        </p:attrNameLst>
+                                      </p:cBhvr>
+                                      <p:to>
+                                        <p:strVal val="visible"/>
+                                      </p:to>
+                                    </p:set>
+                                  </p:childTnLst>
+                                </p:cTn>
+                              </p:par>
+                            </p:childTnLst>
+                          </p:cTn>
+                        </p:par>
+                      </p:childTnLst>
+                    </p:cTn>
+                  </p:par>
+                  <p:par>
+                    <p:cTn id="19" fill="hold">
+                      <p:stCondLst>
+                        <p:cond delay="indefinite"/>
+                      </p:stCondLst>
+                      <p:childTnLst>
+                        <p:par>
+                          <p:cTn id="20" fill="hold">
+                            <p:stCondLst>
+                              <p:cond delay="0"/>
+                            </p:stCondLst>
+                            <p:childTnLst>
+                              <p:par>
+                                <p:cTn id="21" presetID="1" presetClass="entr" presetSubtype="0" fill="hold" nodeType="clickEffect">
+                                  <p:stCondLst>
+                                    <p:cond delay="0"/>
+                                  </p:stCondLst>
+                                  <p:childTnLst>
+                                    <p:set>
+                                      <p:cBhvr>
+                                        <p:cTn id="22" dur="1" fill="hold">
+                                          <p:stCondLst>
+                                            <p:cond delay="0"/>
+                                          </p:stCondLst>
+                                        </p:cTn>
+                                        <p:tgtEl>
+                                          <p:spTgt spid="3">
+                                            <p:txEl>
+                                              <p:pRg st="5" end="5"/>
+                                            </p:txEl>
+                                          </p:spTgt>
+                                        </p:tgtEl>
+                                        <p:attrNameLst>
+                                          <p:attrName>style.visibility</p:attrName>
+                                        </p:attrNameLst>
+                                      </p:cBhvr>
+                                      <p:to>
+                                        <p:strVal val="visible"/>
+                                      </p:to>
+                                    </p:set>
+                                  </p:childTnLst>
+                                </p:cTn>
+                              </p:par>
+                            </p:childTnLst>
+                          </p:cTn>
+                        </p:par>
+                      </p:childTnLst>
+                    </p:cTn>
+                  </p:par>
+                  <p:par>
+                    <p:cTn id="23" fill="hold">
+                      <p:stCondLst>
+                        <p:cond delay="indefinite"/>
+                      </p:stCondLst>
+                      <p:childTnLst>
+                        <p:par>
+                          <p:cTn id="24" fill="hold">
+                            <p:stCondLst>
+                              <p:cond delay="0"/>
+                            </p:stCondLst>
+                            <p:childTnLst>
+                              <p:par>
+                                <p:cTn id="25" presetID="1" presetClass="entr" presetSubtype="0" fill="hold" nodeType="clickEffect">
+                                  <p:stCondLst>
+                                    <p:cond delay="0"/>
+                                  </p:stCondLst>
+                                  <p:childTnLst>
+                                    <p:set>
+                                      <p:cBhvr>
+                                        <p:cTn id="26" dur="1" fill="hold">
+                                          <p:stCondLst>
+                                            <p:cond delay="0"/>
+                                          </p:stCondLst>
+                                        </p:cTn>
+                                        <p:tgtEl>
+                                          <p:spTgt spid="3">
+                                            <p:txEl>
+                                              <p:pRg st="6" end="6"/>
+                                            </p:txEl>
+                                          </p:spTgt>
+                                        </p:tgtEl>
+                                        <p:attrNameLst>
+                                          <p:attrName>style.visibility</p:attrName>
+                                        </p:attrNameLst>
+                                      </p:cBhvr>
+                                      <p:to>
+                                        <p:strVal val="visible"/>
+                                      </p:to>
+                                    </p:set>
+                                  </p:childTnLst>
+                                </p:cTn>
+                              </p:par>
+                            </p:childTnLst>
+                          </p:cTn>
+                        </p:par>
+                      </p:childTnLst>
+                    </p:cTn>
+                  </p:par>
+                </p:childTnLst>
+              </p:cTn>
+              <p:prevCondLst>
+                <p:cond evt="onPrev" delay="0">
+                  <p:tgtEl>
+                    <p:sldTgt/>
+                  </p:tgtEl>
+                </p:cond>
+              </p:prevCondLst>
+              <p:nextCondLst>
+                <p:cond evt="onNext" delay="0">
+                  <p:tgtEl>
+                    <p:sldTgt/>
+                  </p:tgtEl>
+                </p:cond>
+              </p:nextCondLst>
+            </p:seq>
+          </p:childTnLst>
+        </p:cTn>
+      </p:par>
+    </p:tnLst>
+  </p:timing>
+</p:sld>
+</file>
+
+<file path=ppt/slides/slide3.xml><?xml version="1.0" encoding="utf-8"?>
+<p:sld xmlns:a="http://schemas.openxmlformats.org/drawingml/2006/main" xmlns:r="http://schemas.openxmlformats.org/officeDocument/2006/relationships" xmlns:p="http://schemas.openxmlformats.org/presentationml/2006/main">
+  <p:cSld>
+    <p:spTree>
+      <p:nvGrpSpPr>
+        <p:cNvPr id="1" name=""/>
+        <p:cNvGrpSpPr/>
+        <p:nvPr/>
+      </p:nvGrpSpPr>
+      <p:grpSpPr>
+        <a:xfrm>
+          <a:off x="0" y="0"/>
+          <a:ext cx="0" cy="0"/>
+          <a:chOff x="0" y="0"/>
+          <a:chExt cx="0" cy="0"/>
+        </a:xfrm>
+      </p:grpSpPr>
+      <p:sp>
+        <p:nvSpPr>
+          <p:cNvPr id="2" name="Title 1"/>
+          <p:cNvSpPr>
+            <a:spLocks noGrp="1"/>
+          </p:cNvSpPr>
+          <p:nvPr>
+            <p:ph type="title"/>
+          </p:nvPr>
+        </p:nvSpPr>
+        <p:spPr/>
+        <p:txBody>
+          <a:bodyPr/>
+          <a:lstStyle/>
+          <a:p>
+            <a:r>
+              <a:rPr lang="en-US" dirty="0" smtClean="0"/>
+              <a:t>Basic Information</a:t>
+            </a:r>
+            <a:endParaRPr lang="en-US" dirty="0"/>
+          </a:p>
+        </p:txBody>
+      </p:sp>
+      <p:sp>
+        <p:nvSpPr>
+          <p:cNvPr id="3" name="Text Placeholder 2"/>
+          <p:cNvSpPr>
+            <a:spLocks noGrp="1"/>
+          </p:cNvSpPr>
+          <p:nvPr>
+            <p:ph type="body" sz="quarter" idx="10"/>
+          </p:nvPr>
+        </p:nvSpPr>
+        <p:spPr>
+          <a:xfrm>
+            <a:off x="304801" y="933262"/>
+            <a:ext cx="4126522" cy="4335463"/>
+          </a:xfrm>
+        </p:spPr>
+        <p:txBody>
+          <a:bodyPr/>
+          <a:lstStyle/>
+          <a:p>
+            <a:r>
+              <a:rPr lang="en-US" dirty="0" smtClean="0"/>
+              <a:t>Instructor</a:t>
+            </a:r>
+            <a:endParaRPr lang="en-US" dirty="0" smtClean="0"/>
+          </a:p>
+          <a:p>
+            <a:pPr lvl="1"/>
+            <a:r>
+              <a:rPr lang="en-US" dirty="0" smtClean="0"/>
+              <a:t>Dr. Xiaoguang “Leo” Liu</a:t>
+            </a:r>
+          </a:p>
+          <a:p>
+            <a:pPr lvl="2"/>
+            <a:r>
+              <a:rPr lang="en-US" dirty="0" smtClean="0"/>
+              <a:t>Email: </a:t>
+            </a:r>
+            <a:r>
+              <a:rPr lang="en-US" dirty="0" smtClean="0">
+                <a:hlinkClick r:id="rId2"/>
+              </a:rPr>
+              <a:t>lxgliu@ucdavis.edu</a:t>
+            </a:r>
+            <a:r>
+              <a:rPr lang="en-US" dirty="0" smtClean="0"/>
+              <a:t> </a:t>
+            </a:r>
+          </a:p>
+          <a:p>
+            <a:pPr lvl="2"/>
+            <a:r>
+              <a:rPr lang="en-US" dirty="0" smtClean="0"/>
+              <a:t>Office hour: </a:t>
+            </a:r>
+            <a:r>
+              <a:rPr lang="en-US" b="1" dirty="0" smtClean="0"/>
+              <a:t>10 AM – 12 PM Monday</a:t>
+            </a:r>
+            <a:r>
+              <a:rPr lang="en-US" dirty="0" smtClean="0"/>
+              <a:t> or </a:t>
+            </a:r>
+            <a:r>
+              <a:rPr lang="en-US" b="1" dirty="0" smtClean="0"/>
+              <a:t>by appointment</a:t>
+            </a:r>
+          </a:p>
+          <a:p>
+            <a:r>
+              <a:rPr lang="en-US" dirty="0" smtClean="0"/>
+              <a:t>Teaching Assistants</a:t>
+            </a:r>
+          </a:p>
+          <a:p>
+            <a:pPr lvl="1"/>
+            <a:r>
+              <a:rPr lang="en-US" dirty="0" err="1" smtClean="0"/>
+              <a:t>Hao</a:t>
+            </a:r>
+            <a:r>
+              <a:rPr lang="en-US" dirty="0" smtClean="0"/>
+              <a:t> Wang</a:t>
+            </a:r>
+          </a:p>
+          <a:p>
+            <a:pPr lvl="2"/>
+            <a:r>
+              <a:rPr lang="en-US" dirty="0" smtClean="0"/>
+              <a:t>Email: </a:t>
+            </a:r>
+            <a:r>
+              <a:rPr lang="en-US" dirty="0" smtClean="0">
+                <a:hlinkClick r:id="rId3"/>
+              </a:rPr>
+              <a:t>haowang@ucdavis.edu</a:t>
+            </a:r>
+            <a:r>
+              <a:rPr lang="en-US" dirty="0" smtClean="0"/>
+              <a:t> </a:t>
+            </a:r>
+          </a:p>
+          <a:p>
+            <a:pPr lvl="2"/>
+            <a:r>
+              <a:rPr lang="en-US" dirty="0" smtClean="0"/>
+              <a:t>Office hours</a:t>
+            </a:r>
+            <a:r>
+              <a:rPr lang="en-US" dirty="0" smtClean="0">
+                <a:solidFill>
+                  <a:srgbClr val="FF0000"/>
+                </a:solidFill>
+              </a:rPr>
+              <a:t>: TBD</a:t>
+            </a:r>
+          </a:p>
+          <a:p>
+            <a:r>
+              <a:rPr lang="en-US" dirty="0"/>
+              <a:t>Lecture</a:t>
+            </a:r>
+          </a:p>
+          <a:p>
+            <a:pPr lvl="1"/>
+            <a:r>
+              <a:rPr lang="en-US" b="1" dirty="0"/>
+              <a:t>10 – 11 AM, Tuesday</a:t>
+            </a:r>
+            <a:r>
+              <a:rPr lang="en-US" dirty="0"/>
+              <a:t> in </a:t>
+            </a:r>
+            <a:r>
+              <a:rPr lang="en-US" dirty="0">
+                <a:solidFill>
+                  <a:srgbClr val="FF0000"/>
+                </a:solidFill>
+              </a:rPr>
+              <a:t>TBD</a:t>
+            </a:r>
+          </a:p>
+          <a:p>
+            <a:r>
+              <a:rPr lang="en-US" dirty="0"/>
+              <a:t>Lab</a:t>
+            </a:r>
+          </a:p>
+          <a:p>
+            <a:pPr lvl="1"/>
+            <a:r>
+              <a:rPr lang="en-US" dirty="0"/>
+              <a:t>Session 1: </a:t>
+            </a:r>
+            <a:r>
+              <a:rPr lang="en-US" b="1" dirty="0"/>
+              <a:t>2 – 5 PM, Friday</a:t>
+            </a:r>
+          </a:p>
+          <a:p>
+            <a:pPr lvl="1"/>
+            <a:r>
+              <a:rPr lang="en-US" dirty="0"/>
+              <a:t>Session 2: </a:t>
+            </a:r>
+            <a:r>
+              <a:rPr lang="en-US" b="1" dirty="0"/>
+              <a:t>6 – 9 PM, Monday</a:t>
+            </a:r>
+            <a:endParaRPr lang="en-US" dirty="0"/>
+          </a:p>
+          <a:p>
+            <a:pPr marL="457200" lvl="1" indent="0">
+              <a:buNone/>
+            </a:pPr>
+            <a:endParaRPr lang="en-US" dirty="0"/>
+          </a:p>
+        </p:txBody>
+      </p:sp>
+      <p:pic>
+        <p:nvPicPr>
+          <p:cNvPr id="1026" name="Picture 2" descr="Hao Wang"/>
+          <p:cNvPicPr>
+            <a:picLocks noChangeAspect="1" noChangeArrowheads="1"/>
+          </p:cNvPicPr>
+          <p:nvPr/>
+        </p:nvPicPr>
+        <p:blipFill>
+          <a:blip r:embed="rId4">
+            <a:extLst>
+              <a:ext uri="{28A0092B-C50C-407E-A947-70E740481C1C}">
+                <a14:useLocalDpi xmlns:a14="http://schemas.microsoft.com/office/drawing/2010/main" val="0"/>
+              </a:ext>
+            </a:extLst>
+          </a:blip>
+          <a:srcRect/>
+          <a:stretch>
+            <a:fillRect/>
+          </a:stretch>
+        </p:blipFill>
+        <p:spPr bwMode="auto">
+          <a:xfrm>
+            <a:off x="6898445" y="1036759"/>
+            <a:ext cx="1975924" cy="2469905"/>
+          </a:xfrm>
+          <a:prstGeom prst="rect">
+            <a:avLst/>
+          </a:prstGeom>
+          <a:noFill/>
+          <a:extLst>
+            <a:ext uri="{909E8E84-426E-40DD-AFC4-6F175D3DCCD1}">
+              <a14:hiddenFill xmlns:a14="http://schemas.microsoft.com/office/drawing/2010/main">
+                <a:solidFill>
+                  <a:srgbClr val="FFFFFF"/>
+                </a:solidFill>
+              </a14:hiddenFill>
+            </a:ext>
+          </a:extLst>
+        </p:spPr>
+      </p:pic>
+      <p:pic>
+        <p:nvPicPr>
+          <p:cNvPr id="1028" name="Picture 4" descr="http://ucdart.github.io/images/liu2015s.jpg"/>
+          <p:cNvPicPr>
+            <a:picLocks noChangeAspect="1" noChangeArrowheads="1"/>
+          </p:cNvPicPr>
+          <p:nvPr/>
+        </p:nvPicPr>
+        <p:blipFill>
+          <a:blip r:embed="rId5">
+            <a:extLst>
+              <a:ext uri="{28A0092B-C50C-407E-A947-70E740481C1C}">
+                <a14:useLocalDpi xmlns:a14="http://schemas.microsoft.com/office/drawing/2010/main" val="0"/>
+              </a:ext>
+            </a:extLst>
+          </a:blip>
+          <a:srcRect/>
+          <a:stretch>
+            <a:fillRect/>
+          </a:stretch>
+        </p:blipFill>
+        <p:spPr bwMode="auto">
+          <a:xfrm>
+            <a:off x="4677508" y="1036760"/>
+            <a:ext cx="1974752" cy="2468440"/>
+          </a:xfrm>
+          <a:prstGeom prst="rect">
+            <a:avLst/>
+          </a:prstGeom>
+          <a:noFill/>
+          <a:extLst>
+            <a:ext uri="{909E8E84-426E-40DD-AFC4-6F175D3DCCD1}">
+              <a14:hiddenFill xmlns:a14="http://schemas.microsoft.com/office/drawing/2010/main">
+                <a:solidFill>
+                  <a:srgbClr val="FFFFFF"/>
+                </a:solidFill>
+              </a14:hiddenFill>
+            </a:ext>
+          </a:extLst>
+        </p:spPr>
+      </p:pic>
+    </p:spTree>
+    <p:extLst>
+      <p:ext uri="{BB962C8B-B14F-4D97-AF65-F5344CB8AC3E}">
+        <p14:creationId xmlns:p14="http://schemas.microsoft.com/office/powerpoint/2010/main" val="1933729487"/>
+      </p:ext>
+    </p:extLst>
+  </p:cSld>
+  <p:clrMapOvr>
+    <a:masterClrMapping/>
+  </p:clrMapOvr>
+  <p:timing>
+    <p:tnLst>
+      <p:par>
+        <p:cTn id="1" dur="indefinite" restart="never" nodeType="tmRoot">
+          <p:childTnLst>
+            <p:seq concurrent="1" nextAc="seek">
+              <p:cTn id="2" dur="indefinite" nodeType="mainSeq">
+                <p:childTnLst>
+                  <p:par>
+                    <p:cTn id="3" fill="hold">
+                      <p:stCondLst>
+                        <p:cond delay="indefinite"/>
+                      </p:stCondLst>
+                      <p:childTnLst>
+                        <p:par>
+                          <p:cTn id="4" fill="hold">
+                            <p:stCondLst>
+                              <p:cond delay="0"/>
+                            </p:stCondLst>
+                            <p:childTnLst>
+                              <p:par>
+                                <p:cTn id="5" presetID="1" presetClass="entr" presetSubtype="0" fill="hold" nodeType="clickEffect">
+                                  <p:stCondLst>
+                                    <p:cond delay="0"/>
+                                  </p:stCondLst>
+                                  <p:childTnLst>
+                                    <p:set>
+                                      <p:cBhvr>
+                                        <p:cTn id="6" dur="1" fill="hold">
+                                          <p:stCondLst>
+                                            <p:cond delay="0"/>
+                                          </p:stCondLst>
+                                        </p:cTn>
+                                        <p:tgtEl>
+                                          <p:spTgt spid="3">
+                                            <p:txEl>
+                                              <p:pRg st="4" end="4"/>
+                                            </p:txEl>
+                                          </p:spTgt>
+                                        </p:tgtEl>
+                                        <p:attrNameLst>
+                                          <p:attrName>style.visibility</p:attrName>
+                                        </p:attrNameLst>
+                                      </p:cBhvr>
+                                      <p:to>
+                                        <p:strVal val="visible"/>
+                                      </p:to>
+                                    </p:set>
+                                  </p:childTnLst>
+                                </p:cTn>
+                              </p:par>
+                              <p:par>
+                                <p:cTn id="7" presetID="1" presetClass="entr" presetSubtype="0" fill="hold" nodeType="withEffect">
+                                  <p:stCondLst>
+                                    <p:cond delay="0"/>
+                                  </p:stCondLst>
+                                  <p:childTnLst>
+                                    <p:set>
+                                      <p:cBhvr>
+                                        <p:cTn id="8" dur="1" fill="hold">
+                                          <p:stCondLst>
+                                            <p:cond delay="0"/>
+                                          </p:stCondLst>
+                                        </p:cTn>
+                                        <p:tgtEl>
+                                          <p:spTgt spid="3">
+                                            <p:txEl>
+                                              <p:pRg st="5" end="5"/>
+                                            </p:txEl>
+                                          </p:spTgt>
+                                        </p:tgtEl>
+                                        <p:attrNameLst>
+                                          <p:attrName>style.visibility</p:attrName>
+                                        </p:attrNameLst>
+                                      </p:cBhvr>
+                                      <p:to>
+                                        <p:strVal val="visible"/>
+                                      </p:to>
+                                    </p:set>
+                                  </p:childTnLst>
+                                </p:cTn>
+                              </p:par>
+                              <p:par>
+                                <p:cTn id="9" presetID="1" presetClass="entr" presetSubtype="0" fill="hold" nodeType="withEffect">
+                                  <p:stCondLst>
+                                    <p:cond delay="0"/>
+                                  </p:stCondLst>
+                                  <p:childTnLst>
+                                    <p:set>
+                                      <p:cBhvr>
+                                        <p:cTn id="10" dur="1" fill="hold">
+                                          <p:stCondLst>
+                                            <p:cond delay="0"/>
+                                          </p:stCondLst>
+                                        </p:cTn>
+                                        <p:tgtEl>
+                                          <p:spTgt spid="3">
+                                            <p:txEl>
+                                              <p:pRg st="6" end="6"/>
+                                            </p:txEl>
+                                          </p:spTgt>
+                                        </p:tgtEl>
+                                        <p:attrNameLst>
+                                          <p:attrName>style.visibility</p:attrName>
+                                        </p:attrNameLst>
+                                      </p:cBhvr>
+                                      <p:to>
+                                        <p:strVal val="visible"/>
+                                      </p:to>
+                                    </p:set>
+                                  </p:childTnLst>
+                                </p:cTn>
+                              </p:par>
+                              <p:par>
+                                <p:cTn id="11" presetID="1" presetClass="entr" presetSubtype="0" fill="hold" nodeType="withEffect">
+                                  <p:stCondLst>
+                                    <p:cond delay="0"/>
+                                  </p:stCondLst>
+                                  <p:childTnLst>
+                                    <p:set>
+                                      <p:cBhvr>
+                                        <p:cTn id="12" dur="1" fill="hold">
+                                          <p:stCondLst>
+                                            <p:cond delay="0"/>
+                                          </p:stCondLst>
+                                        </p:cTn>
+                                        <p:tgtEl>
+                                          <p:spTgt spid="3">
+                                            <p:txEl>
+                                              <p:pRg st="7" end="7"/>
+                                            </p:txEl>
+                                          </p:spTgt>
+                                        </p:tgtEl>
+                                        <p:attrNameLst>
+                                          <p:attrName>style.visibility</p:attrName>
+                                        </p:attrNameLst>
+                                      </p:cBhvr>
+                                      <p:to>
+                                        <p:strVal val="visible"/>
+                                      </p:to>
+                                    </p:set>
+                                  </p:childTnLst>
+                                </p:cTn>
+                              </p:par>
+                              <p:par>
+                                <p:cTn id="13" presetID="1" presetClass="entr" presetSubtype="0" fill="hold" nodeType="withEffect">
+                                  <p:stCondLst>
+                                    <p:cond delay="0"/>
+                                  </p:stCondLst>
+                                  <p:childTnLst>
+                                    <p:set>
+                                      <p:cBhvr>
+                                        <p:cTn id="14" dur="1" fill="hold">
+                                          <p:stCondLst>
+                                            <p:cond delay="0"/>
+                                          </p:stCondLst>
+                                        </p:cTn>
+                                        <p:tgtEl>
+                                          <p:spTgt spid="1026"/>
+                                        </p:tgtEl>
+                                        <p:attrNameLst>
+                                          <p:attrName>style.visibility</p:attrName>
+                                        </p:attrNameLst>
+                                      </p:cBhvr>
+                                      <p:to>
+                                        <p:strVal val="visible"/>
+                                      </p:to>
+                                    </p:set>
+                                  </p:childTnLst>
+                                </p:cTn>
+                              </p:par>
+                            </p:childTnLst>
+                          </p:cTn>
+                        </p:par>
+                      </p:childTnLst>
+                    </p:cTn>
+                  </p:par>
+                  <p:par>
+                    <p:cTn id="15" fill="hold">
+                      <p:stCondLst>
+                        <p:cond delay="indefinite"/>
+                      </p:stCondLst>
+                      <p:childTnLst>
+                        <p:par>
+                          <p:cTn id="16" fill="hold">
+                            <p:stCondLst>
+                              <p:cond delay="0"/>
+                            </p:stCondLst>
+                            <p:childTnLst>
+                              <p:par>
+                                <p:cTn id="17" presetID="1" presetClass="entr" presetSubtype="0" fill="hold" nodeType="clickEffect">
+                                  <p:stCondLst>
+                                    <p:cond delay="0"/>
+                                  </p:stCondLst>
+                                  <p:childTnLst>
+                                    <p:set>
+                                      <p:cBhvr>
+                                        <p:cTn id="18" dur="1" fill="hold">
+                                          <p:stCondLst>
+                                            <p:cond delay="0"/>
+                                          </p:stCondLst>
+                                        </p:cTn>
+                                        <p:tgtEl>
+                                          <p:spTgt spid="3">
+                                            <p:txEl>
+                                              <p:pRg st="8" end="8"/>
+                                            </p:txEl>
+                                          </p:spTgt>
+                                        </p:tgtEl>
+                                        <p:attrNameLst>
+                                          <p:attrName>style.visibility</p:attrName>
+                                        </p:attrNameLst>
+                                      </p:cBhvr>
+                                      <p:to>
+                                        <p:strVal val="visible"/>
+                                      </p:to>
+                                    </p:set>
+                                  </p:childTnLst>
+                                </p:cTn>
+                              </p:par>
+                              <p:par>
+                                <p:cTn id="19" presetID="1" presetClass="entr" presetSubtype="0" fill="hold" nodeType="withEffect">
+                                  <p:stCondLst>
+                                    <p:cond delay="0"/>
+                                  </p:stCondLst>
+                                  <p:childTnLst>
+                                    <p:set>
+                                      <p:cBhvr>
+                                        <p:cTn id="20" dur="1" fill="hold">
+                                          <p:stCondLst>
+                                            <p:cond delay="0"/>
+                                          </p:stCondLst>
+                                        </p:cTn>
+                                        <p:tgtEl>
+                                          <p:spTgt spid="3">
+                                            <p:txEl>
+                                              <p:pRg st="9" end="9"/>
+                                            </p:txEl>
+                                          </p:spTgt>
+                                        </p:tgtEl>
+                                        <p:attrNameLst>
+                                          <p:attrName>style.visibility</p:attrName>
+                                        </p:attrNameLst>
+                                      </p:cBhvr>
+                                      <p:to>
+                                        <p:strVal val="visible"/>
+                                      </p:to>
+                                    </p:set>
+                                  </p:childTnLst>
+                                </p:cTn>
+                              </p:par>
+                            </p:childTnLst>
+                          </p:cTn>
+                        </p:par>
+                      </p:childTnLst>
+                    </p:cTn>
+                  </p:par>
+                  <p:par>
+                    <p:cTn id="21" fill="hold">
+                      <p:stCondLst>
+                        <p:cond delay="indefinite"/>
+                      </p:stCondLst>
+                      <p:childTnLst>
+                        <p:par>
+                          <p:cTn id="22" fill="hold">
+                            <p:stCondLst>
+                              <p:cond delay="0"/>
+                            </p:stCondLst>
+                            <p:childTnLst>
+                              <p:par>
+                                <p:cTn id="23" presetID="1" presetClass="entr" presetSubtype="0" fill="hold" nodeType="clickEffect">
+                                  <p:stCondLst>
+                                    <p:cond delay="0"/>
+                                  </p:stCondLst>
+                                  <p:childTnLst>
+                                    <p:set>
+                                      <p:cBhvr>
+                                        <p:cTn id="24" dur="1" fill="hold">
+                                          <p:stCondLst>
+                                            <p:cond delay="0"/>
+                                          </p:stCondLst>
+                                        </p:cTn>
+                                        <p:tgtEl>
+                                          <p:spTgt spid="3">
+                                            <p:txEl>
+                                              <p:pRg st="10" end="10"/>
+                                            </p:txEl>
+                                          </p:spTgt>
+                                        </p:tgtEl>
+                                        <p:attrNameLst>
+                                          <p:attrName>style.visibility</p:attrName>
+                                        </p:attrNameLst>
+                                      </p:cBhvr>
+                                      <p:to>
+                                        <p:strVal val="visible"/>
+                                      </p:to>
+                                    </p:set>
+                                  </p:childTnLst>
+                                </p:cTn>
+                              </p:par>
+                              <p:par>
+                                <p:cTn id="25" presetID="1" presetClass="entr" presetSubtype="0" fill="hold" nodeType="withEffect">
+                                  <p:stCondLst>
+                                    <p:cond delay="0"/>
+                                  </p:stCondLst>
+                                  <p:childTnLst>
+                                    <p:set>
+                                      <p:cBhvr>
+                                        <p:cTn id="26" dur="1" fill="hold">
+                                          <p:stCondLst>
+                                            <p:cond delay="0"/>
+                                          </p:stCondLst>
+                                        </p:cTn>
+                                        <p:tgtEl>
+                                          <p:spTgt spid="3">
+                                            <p:txEl>
+                                              <p:pRg st="11" end="11"/>
+                                            </p:txEl>
+                                          </p:spTgt>
+                                        </p:tgtEl>
+                                        <p:attrNameLst>
+                                          <p:attrName>style.visibility</p:attrName>
+                                        </p:attrNameLst>
+                                      </p:cBhvr>
+                                      <p:to>
+                                        <p:strVal val="visible"/>
+                                      </p:to>
+                                    </p:set>
+                                  </p:childTnLst>
+                                </p:cTn>
+                              </p:par>
+                              <p:par>
+                                <p:cTn id="27" presetID="1" presetClass="entr" presetSubtype="0" fill="hold" nodeType="withEffect">
+                                  <p:stCondLst>
+                                    <p:cond delay="0"/>
+                                  </p:stCondLst>
+                                  <p:childTnLst>
+                                    <p:set>
+                                      <p:cBhvr>
+                                        <p:cTn id="28" dur="1" fill="hold">
+                                          <p:stCondLst>
+                                            <p:cond delay="0"/>
+                                          </p:stCondLst>
+                                        </p:cTn>
+                                        <p:tgtEl>
+                                          <p:spTgt spid="3">
+                                            <p:txEl>
+                                              <p:pRg st="12" end="12"/>
+                                            </p:txEl>
+                                          </p:spTgt>
+                                        </p:tgtEl>
+                                        <p:attrNameLst>
+                                          <p:attrName>style.visibility</p:attrName>
+                                        </p:attrNameLst>
+                                      </p:cBhvr>
+                                      <p:to>
+                                        <p:strVal val="visible"/>
+                                      </p:to>
+                                    </p:set>
+                                  </p:childTnLst>
+                                </p:cTn>
+                              </p:par>
+                            </p:childTnLst>
+                          </p:cTn>
+                        </p:par>
+                      </p:childTnLst>
+                    </p:cTn>
+                  </p:par>
+                </p:childTnLst>
+              </p:cTn>
+              <p:prevCondLst>
+                <p:cond evt="onPrev" delay="0">
+                  <p:tgtEl>
+                    <p:sldTgt/>
+                  </p:tgtEl>
+                </p:cond>
+              </p:prevCondLst>
+              <p:nextCondLst>
+                <p:cond evt="onNext" delay="0">
+                  <p:tgtEl>
+                    <p:sldTgt/>
+                  </p:tgtEl>
+                </p:cond>
+              </p:nextCondLst>
+            </p:seq>
+          </p:childTnLst>
+        </p:cTn>
+      </p:par>
+    </p:tnLst>
+  </p:timing>
+</p:sld>
+</file>
+
+<file path=ppt/slides/slide4.xml><?xml version="1.0" encoding="utf-8"?>
+<p:sld xmlns:a="http://schemas.openxmlformats.org/drawingml/2006/main" xmlns:r="http://schemas.openxmlformats.org/officeDocument/2006/relationships" xmlns:p="http://schemas.openxmlformats.org/presentationml/2006/main">
+  <p:cSld>
+    <p:spTree>
+      <p:nvGrpSpPr>
+        <p:cNvPr id="1" name=""/>
+        <p:cNvGrpSpPr/>
+        <p:nvPr/>
+      </p:nvGrpSpPr>
+      <p:grpSpPr>
+        <a:xfrm>
+          <a:off x="0" y="0"/>
+          <a:ext cx="0" cy="0"/>
+          <a:chOff x="0" y="0"/>
+          <a:chExt cx="0" cy="0"/>
+        </a:xfrm>
+      </p:grpSpPr>
+      <p:sp>
+        <p:nvSpPr>
+          <p:cNvPr id="2" name="Title 1"/>
+          <p:cNvSpPr>
+            <a:spLocks noGrp="1"/>
+          </p:cNvSpPr>
+          <p:nvPr>
+            <p:ph type="title"/>
+          </p:nvPr>
+        </p:nvSpPr>
+        <p:spPr/>
+        <p:txBody>
+          <a:bodyPr/>
+          <a:lstStyle/>
+          <a:p>
+            <a:r>
+              <a:rPr lang="en-US" dirty="0" smtClean="0"/>
+              <a:t>Textbooks and References</a:t>
+            </a:r>
+            <a:endParaRPr lang="en-US" dirty="0"/>
+          </a:p>
+        </p:txBody>
+      </p:sp>
+      <p:sp>
+        <p:nvSpPr>
+          <p:cNvPr id="3" name="Text Placeholder 2"/>
+          <p:cNvSpPr>
+            <a:spLocks noGrp="1"/>
+          </p:cNvSpPr>
+          <p:nvPr>
+            <p:ph type="body" sz="quarter" idx="10"/>
+          </p:nvPr>
+        </p:nvSpPr>
+        <p:spPr>
+          <a:xfrm>
+            <a:off x="304801" y="933262"/>
+            <a:ext cx="8533872" cy="4335463"/>
+          </a:xfrm>
+        </p:spPr>
+        <p:txBody>
+          <a:bodyPr/>
+          <a:lstStyle/>
+          <a:p>
+            <a:r>
+              <a:rPr lang="en-US" dirty="0" smtClean="0"/>
+              <a:t>There is no required textbook for this class</a:t>
+            </a:r>
+          </a:p>
+          <a:p>
+            <a:r>
+              <a:rPr lang="en-US" dirty="0" smtClean="0"/>
+              <a:t>A </a:t>
+            </a:r>
+            <a:r>
+              <a:rPr lang="en-US" b="1" dirty="0" smtClean="0"/>
+              <a:t>highly recommended </a:t>
+            </a:r>
+            <a:r>
+              <a:rPr lang="en-US" dirty="0" smtClean="0"/>
+              <a:t>reference: </a:t>
+            </a:r>
+            <a:r>
+              <a:rPr lang="en-US" b="1" dirty="0"/>
+              <a:t>Practical RF Circuit Design for Modern Wireless </a:t>
+            </a:r>
+            <a:r>
+              <a:rPr lang="en-US" b="1" dirty="0" smtClean="0"/>
+              <a:t>Systems</a:t>
+            </a:r>
+            <a:endParaRPr lang="en-US" dirty="0" smtClean="0"/>
+          </a:p>
+          <a:p>
+            <a:pPr lvl="1"/>
+            <a:r>
+              <a:rPr lang="en-US" dirty="0" smtClean="0"/>
+              <a:t>Volume </a:t>
+            </a:r>
+            <a:r>
+              <a:rPr lang="en-US" dirty="0"/>
+              <a:t>I : Passive Circuits and Systems</a:t>
+            </a:r>
+          </a:p>
+          <a:p>
+            <a:pPr lvl="1"/>
+            <a:r>
+              <a:rPr lang="en-US" dirty="0" smtClean="0"/>
+              <a:t>Volume 2: </a:t>
+            </a:r>
+            <a:r>
+              <a:rPr lang="en-US" dirty="0"/>
+              <a:t>Active Circuits and </a:t>
+            </a:r>
+            <a:r>
+              <a:rPr lang="en-US" dirty="0" smtClean="0"/>
+              <a:t>Systems</a:t>
+            </a:r>
+          </a:p>
+          <a:p>
+            <a:pPr lvl="1"/>
+            <a:endParaRPr lang="en-US" dirty="0" smtClean="0"/>
+          </a:p>
+        </p:txBody>
+      </p:sp>
+      <p:pic>
+        <p:nvPicPr>
+          <p:cNvPr id="2050" name="Picture 2" descr="http://ecx.images-amazon.com/images/I/51p7kTxXtTL._SX326_BO1,204,203,200_.jpg"/>
+          <p:cNvPicPr>
+            <a:picLocks noChangeAspect="1" noChangeArrowheads="1"/>
+          </p:cNvPicPr>
+          <p:nvPr/>
+        </p:nvPicPr>
+        <p:blipFill>
+          <a:blip r:embed="rId2">
+            <a:extLst>
+              <a:ext uri="{28A0092B-C50C-407E-A947-70E740481C1C}">
+                <a14:useLocalDpi xmlns:a14="http://schemas.microsoft.com/office/drawing/2010/main" val="0"/>
+              </a:ext>
+            </a:extLst>
+          </a:blip>
+          <a:srcRect/>
+          <a:stretch>
+            <a:fillRect/>
+          </a:stretch>
+        </p:blipFill>
+        <p:spPr bwMode="auto">
+          <a:xfrm>
+            <a:off x="1021093" y="2949624"/>
+            <a:ext cx="1830417" cy="2784690"/>
+          </a:xfrm>
+          <a:prstGeom prst="rect">
+            <a:avLst/>
+          </a:prstGeom>
+          <a:noFill/>
+          <a:extLst>
+            <a:ext uri="{909E8E84-426E-40DD-AFC4-6F175D3DCCD1}">
+              <a14:hiddenFill xmlns:a14="http://schemas.microsoft.com/office/drawing/2010/main">
+                <a:solidFill>
+                  <a:srgbClr val="FFFFFF"/>
+                </a:solidFill>
+              </a14:hiddenFill>
+            </a:ext>
+          </a:extLst>
+        </p:spPr>
+      </p:pic>
+      <p:pic>
+        <p:nvPicPr>
+          <p:cNvPr id="2052" name="Picture 4" descr="http://ecx.images-amazon.com/images/I/51nEI0JTokL._SX324_BO1,204,203,200_.jpg"/>
+          <p:cNvPicPr>
+            <a:picLocks noChangeAspect="1" noChangeArrowheads="1"/>
+          </p:cNvPicPr>
+          <p:nvPr/>
+        </p:nvPicPr>
+        <p:blipFill>
+          <a:blip r:embed="rId3">
+            <a:extLst>
+              <a:ext uri="{28A0092B-C50C-407E-A947-70E740481C1C}">
+                <a14:useLocalDpi xmlns:a14="http://schemas.microsoft.com/office/drawing/2010/main" val="0"/>
+              </a:ext>
+            </a:extLst>
+          </a:blip>
+          <a:srcRect/>
+          <a:stretch>
+            <a:fillRect/>
+          </a:stretch>
+        </p:blipFill>
+        <p:spPr bwMode="auto">
+          <a:xfrm>
+            <a:off x="3695451" y="2949624"/>
+            <a:ext cx="1819256" cy="2784690"/>
+          </a:xfrm>
+          <a:prstGeom prst="rect">
+            <a:avLst/>
+          </a:prstGeom>
+          <a:noFill/>
+          <a:extLst>
+            <a:ext uri="{909E8E84-426E-40DD-AFC4-6F175D3DCCD1}">
+              <a14:hiddenFill xmlns:a14="http://schemas.microsoft.com/office/drawing/2010/main">
+                <a:solidFill>
+                  <a:srgbClr val="FFFFFF"/>
+                </a:solidFill>
+              </a14:hiddenFill>
+            </a:ext>
+          </a:extLst>
+        </p:spPr>
+      </p:pic>
+    </p:spTree>
+    <p:extLst>
+      <p:ext uri="{BB962C8B-B14F-4D97-AF65-F5344CB8AC3E}">
+        <p14:creationId xmlns:p14="http://schemas.microsoft.com/office/powerpoint/2010/main" val="3424985977"/>
+      </p:ext>
+    </p:extLst>
+  </p:cSld>
+  <p:clrMapOvr>
+    <a:masterClrMapping/>
+  </p:clrMapOvr>
+  <p:timing>
+    <p:tnLst>
+      <p:par>
+        <p:cTn id="1" dur="indefinite" restart="never" nodeType="tmRoot"/>
+      </p:par>
+    </p:tnLst>
+  </p:timing>
+</p:sld>
+</file>
+
+<file path=ppt/slides/slide5.xml><?xml version="1.0" encoding="utf-8"?>
+<p:sld xmlns:a="http://schemas.openxmlformats.org/drawingml/2006/main" xmlns:r="http://schemas.openxmlformats.org/officeDocument/2006/relationships" xmlns:p="http://schemas.openxmlformats.org/presentationml/2006/main">
+  <p:cSld>
+    <p:spTree>
+      <p:nvGrpSpPr>
+        <p:cNvPr id="1" name=""/>
+        <p:cNvGrpSpPr/>
+        <p:nvPr/>
+      </p:nvGrpSpPr>
+      <p:grpSpPr>
+        <a:xfrm>
+          <a:off x="0" y="0"/>
+          <a:ext cx="0" cy="0"/>
+          <a:chOff x="0" y="0"/>
+          <a:chExt cx="0" cy="0"/>
+        </a:xfrm>
+      </p:grpSpPr>
+      <p:sp>
+        <p:nvSpPr>
+          <p:cNvPr id="2" name="Title 1"/>
+          <p:cNvSpPr>
+            <a:spLocks noGrp="1"/>
+          </p:cNvSpPr>
+          <p:nvPr>
+            <p:ph type="title"/>
+          </p:nvPr>
+        </p:nvSpPr>
+        <p:spPr/>
+        <p:txBody>
+          <a:bodyPr/>
+          <a:lstStyle/>
+          <a:p>
+            <a:r>
+              <a:rPr lang="en-US" dirty="0" smtClean="0"/>
+              <a:t>Textbooks and References</a:t>
+            </a:r>
+            <a:endParaRPr lang="en-US" dirty="0"/>
+          </a:p>
+        </p:txBody>
+      </p:sp>
+      <p:sp>
+        <p:nvSpPr>
+          <p:cNvPr id="3" name="Text Placeholder 2"/>
+          <p:cNvSpPr>
+            <a:spLocks noGrp="1"/>
+          </p:cNvSpPr>
+          <p:nvPr>
+            <p:ph type="body" sz="quarter" idx="10"/>
+          </p:nvPr>
+        </p:nvSpPr>
+        <p:spPr>
+          <a:xfrm>
+            <a:off x="304801" y="933263"/>
+            <a:ext cx="8653848" cy="3181538"/>
+          </a:xfrm>
+        </p:spPr>
+        <p:txBody>
+          <a:bodyPr/>
+          <a:lstStyle/>
+          <a:p>
+            <a:r>
+              <a:rPr lang="en-US" dirty="0" smtClean="0"/>
+              <a:t>Additional texts that may be useful:</a:t>
+            </a:r>
+          </a:p>
+          <a:p>
+            <a:pPr lvl="1"/>
+            <a:r>
+              <a:rPr lang="en-US" dirty="0"/>
+              <a:t>D.M. </a:t>
+            </a:r>
+            <a:r>
+              <a:rPr lang="en-US" dirty="0" err="1"/>
+              <a:t>Pozar</a:t>
+            </a:r>
+            <a:r>
+              <a:rPr lang="en-US" dirty="0"/>
+              <a:t>, “Microwave and </a:t>
+            </a:r>
+            <a:r>
+              <a:rPr lang="en-US" dirty="0" err="1"/>
+              <a:t>Rf</a:t>
+            </a:r>
+            <a:r>
+              <a:rPr lang="en-US" dirty="0"/>
+              <a:t> Design of Wireless </a:t>
+            </a:r>
+            <a:r>
+              <a:rPr lang="en-US" dirty="0" smtClean="0"/>
+              <a:t>Systems,” Wiley, 2000</a:t>
+            </a:r>
+            <a:endParaRPr lang="en-US" dirty="0"/>
+          </a:p>
+          <a:p>
+            <a:pPr lvl="1"/>
+            <a:r>
+              <a:rPr lang="en-US" dirty="0" smtClean="0"/>
+              <a:t>D.M. </a:t>
+            </a:r>
+            <a:r>
+              <a:rPr lang="en-US" dirty="0" err="1" smtClean="0"/>
+              <a:t>Pozar</a:t>
+            </a:r>
+            <a:r>
+              <a:rPr lang="en-US" dirty="0" smtClean="0"/>
+              <a:t>, “Microwave Engineering,” Wiley, 2011</a:t>
+            </a:r>
+          </a:p>
+          <a:p>
+            <a:pPr lvl="1"/>
+            <a:r>
+              <a:rPr lang="en-US" dirty="0" smtClean="0"/>
+              <a:t>W.F. Egan, “Practical RF System,” Wiley, 2003</a:t>
+            </a:r>
+          </a:p>
+          <a:p>
+            <a:pPr lvl="1"/>
+            <a:r>
+              <a:rPr lang="en-US" dirty="0"/>
+              <a:t>ADI Engineers, “Linear Circuit Design </a:t>
+            </a:r>
+            <a:r>
+              <a:rPr lang="en-US" dirty="0" smtClean="0"/>
+              <a:t>Handbook,” </a:t>
+            </a:r>
+            <a:r>
+              <a:rPr lang="en-US" dirty="0" err="1" smtClean="0"/>
+              <a:t>Newnes</a:t>
+            </a:r>
+            <a:r>
+              <a:rPr lang="en-US" dirty="0" smtClean="0"/>
+              <a:t>, 2008</a:t>
+            </a:r>
+            <a:endParaRPr lang="en-US" dirty="0"/>
+          </a:p>
+          <a:p>
+            <a:pPr lvl="1"/>
+            <a:r>
+              <a:rPr lang="en-US" dirty="0" smtClean="0"/>
+              <a:t>C. </a:t>
+            </a:r>
+            <a:r>
+              <a:rPr lang="en-US" dirty="0" err="1" smtClean="0"/>
+              <a:t>Saytre</a:t>
+            </a:r>
+            <a:r>
+              <a:rPr lang="en-US" dirty="0" smtClean="0"/>
+              <a:t>, “Complete Wireless Design,” McGraw-Hill, 2008</a:t>
+            </a:r>
+          </a:p>
+          <a:p>
+            <a:pPr lvl="1"/>
+            <a:r>
+              <a:rPr lang="en-US" dirty="0"/>
+              <a:t>P. </a:t>
+            </a:r>
+            <a:r>
+              <a:rPr lang="en-US" dirty="0" err="1"/>
+              <a:t>Vizmuller</a:t>
+            </a:r>
+            <a:r>
+              <a:rPr lang="en-US" dirty="0"/>
+              <a:t>, “RF Design Guide Systems, Circuits and </a:t>
+            </a:r>
+            <a:r>
+              <a:rPr lang="en-US" dirty="0" smtClean="0"/>
+              <a:t>Equations,” </a:t>
+            </a:r>
+            <a:r>
+              <a:rPr lang="en-US" dirty="0" err="1" smtClean="0"/>
+              <a:t>Artech</a:t>
+            </a:r>
+            <a:r>
+              <a:rPr lang="en-US" dirty="0" smtClean="0"/>
+              <a:t> House, 1995</a:t>
+            </a:r>
+          </a:p>
+          <a:p>
+            <a:pPr lvl="1"/>
+            <a:r>
+              <a:rPr lang="en-US" dirty="0"/>
+              <a:t>J. </a:t>
+            </a:r>
+            <a:r>
+              <a:rPr lang="en-US" dirty="0" err="1"/>
+              <a:t>Carr</a:t>
+            </a:r>
+            <a:r>
+              <a:rPr lang="en-US" dirty="0"/>
+              <a:t> and G. </a:t>
+            </a:r>
+            <a:r>
+              <a:rPr lang="en-US" dirty="0" err="1"/>
+              <a:t>Hippisley</a:t>
+            </a:r>
+            <a:r>
+              <a:rPr lang="en-US" dirty="0"/>
+              <a:t>, “Practical Antenna </a:t>
+            </a:r>
+            <a:r>
+              <a:rPr lang="en-US" dirty="0" smtClean="0"/>
+              <a:t>Handbook,” McGraw-Hill, 2011</a:t>
+            </a:r>
+          </a:p>
+        </p:txBody>
+      </p:sp>
+      <p:pic>
+        <p:nvPicPr>
+          <p:cNvPr id="3074" name="Picture 2" descr="http://ecx.images-amazon.com/images/I/51JbYEnhnCL._SX394_BO1,204,203,200_.jpg"/>
+          <p:cNvPicPr>
+            <a:picLocks noChangeAspect="1" noChangeArrowheads="1"/>
+          </p:cNvPicPr>
+          <p:nvPr/>
+        </p:nvPicPr>
+        <p:blipFill>
+          <a:blip r:embed="rId2" cstate="print">
+            <a:extLst>
+              <a:ext uri="{28A0092B-C50C-407E-A947-70E740481C1C}">
+                <a14:useLocalDpi xmlns:a14="http://schemas.microsoft.com/office/drawing/2010/main" val="0"/>
+              </a:ext>
+            </a:extLst>
+          </a:blip>
+          <a:srcRect/>
+          <a:stretch>
+            <a:fillRect/>
+          </a:stretch>
+        </p:blipFill>
+        <p:spPr bwMode="auto">
+          <a:xfrm>
+            <a:off x="7651408" y="4472533"/>
+            <a:ext cx="1307241" cy="1647256"/>
+          </a:xfrm>
+          <a:prstGeom prst="rect">
+            <a:avLst/>
+          </a:prstGeom>
+          <a:noFill/>
+          <a:extLst>
+            <a:ext uri="{909E8E84-426E-40DD-AFC4-6F175D3DCCD1}">
+              <a14:hiddenFill xmlns:a14="http://schemas.microsoft.com/office/drawing/2010/main">
+                <a:solidFill>
+                  <a:srgbClr val="FFFFFF"/>
+                </a:solidFill>
+              </a14:hiddenFill>
+            </a:ext>
+          </a:extLst>
+        </p:spPr>
+      </p:pic>
+      <p:pic>
+        <p:nvPicPr>
+          <p:cNvPr id="3076" name="Picture 4" descr="http://ecx.images-amazon.com/images/I/410ctVosPUL._SX328_BO1,204,203,200_.jpg"/>
+          <p:cNvPicPr>
+            <a:picLocks noChangeAspect="1" noChangeArrowheads="1"/>
+          </p:cNvPicPr>
+          <p:nvPr/>
+        </p:nvPicPr>
+        <p:blipFill>
+          <a:blip r:embed="rId3" cstate="print">
+            <a:extLst>
+              <a:ext uri="{28A0092B-C50C-407E-A947-70E740481C1C}">
+                <a14:useLocalDpi xmlns:a14="http://schemas.microsoft.com/office/drawing/2010/main" val="0"/>
+              </a:ext>
+            </a:extLst>
+          </a:blip>
+          <a:srcRect/>
+          <a:stretch>
+            <a:fillRect/>
+          </a:stretch>
+        </p:blipFill>
+        <p:spPr bwMode="auto">
+          <a:xfrm>
+            <a:off x="6498001" y="4484277"/>
+            <a:ext cx="1081601" cy="1635512"/>
+          </a:xfrm>
+          <a:prstGeom prst="rect">
+            <a:avLst/>
+          </a:prstGeom>
+          <a:noFill/>
+          <a:extLst>
+            <a:ext uri="{909E8E84-426E-40DD-AFC4-6F175D3DCCD1}">
+              <a14:hiddenFill xmlns:a14="http://schemas.microsoft.com/office/drawing/2010/main">
+                <a:solidFill>
+                  <a:srgbClr val="FFFFFF"/>
+                </a:solidFill>
+              </a14:hiddenFill>
+            </a:ext>
+          </a:extLst>
+        </p:spPr>
+      </p:pic>
+      <p:pic>
+        <p:nvPicPr>
+          <p:cNvPr id="3078" name="Picture 6" descr="http://ecx.images-amazon.com/images/I/41cQSKQovVL._SX298_BO1,204,203,200_.jpg"/>
+          <p:cNvPicPr>
+            <a:picLocks noChangeAspect="1" noChangeArrowheads="1"/>
+          </p:cNvPicPr>
+          <p:nvPr/>
+        </p:nvPicPr>
+        <p:blipFill>
+          <a:blip r:embed="rId4" cstate="print">
+            <a:extLst>
+              <a:ext uri="{28A0092B-C50C-407E-A947-70E740481C1C}">
+                <a14:useLocalDpi xmlns:a14="http://schemas.microsoft.com/office/drawing/2010/main" val="0"/>
+              </a:ext>
+            </a:extLst>
+          </a:blip>
+          <a:srcRect/>
+          <a:stretch>
+            <a:fillRect/>
+          </a:stretch>
+        </p:blipFill>
+        <p:spPr bwMode="auto">
+          <a:xfrm>
+            <a:off x="2674089" y="4472533"/>
+            <a:ext cx="1031684" cy="1647256"/>
+          </a:xfrm>
+          <a:prstGeom prst="rect">
+            <a:avLst/>
+          </a:prstGeom>
+          <a:noFill/>
+          <a:extLst>
+            <a:ext uri="{909E8E84-426E-40DD-AFC4-6F175D3DCCD1}">
+              <a14:hiddenFill xmlns:a14="http://schemas.microsoft.com/office/drawing/2010/main">
+                <a:solidFill>
+                  <a:srgbClr val="FFFFFF"/>
+                </a:solidFill>
+              </a14:hiddenFill>
+            </a:ext>
+          </a:extLst>
+        </p:spPr>
+      </p:pic>
+      <p:pic>
+        <p:nvPicPr>
+          <p:cNvPr id="3080" name="Picture 8" descr="http://ecx.images-amazon.com/images/I/51lPgZ5AVqL._SX382_BO1,204,203,200_.jpg"/>
+          <p:cNvPicPr>
+            <a:picLocks noChangeAspect="1" noChangeArrowheads="1"/>
+          </p:cNvPicPr>
+          <p:nvPr/>
+        </p:nvPicPr>
+        <p:blipFill>
+          <a:blip r:embed="rId5" cstate="print">
+            <a:extLst>
+              <a:ext uri="{28A0092B-C50C-407E-A947-70E740481C1C}">
+                <a14:useLocalDpi xmlns:a14="http://schemas.microsoft.com/office/drawing/2010/main" val="0"/>
+              </a:ext>
+            </a:extLst>
+          </a:blip>
+          <a:srcRect/>
+          <a:stretch>
+            <a:fillRect/>
+          </a:stretch>
+        </p:blipFill>
+        <p:spPr bwMode="auto">
+          <a:xfrm>
+            <a:off x="5167606" y="4484277"/>
+            <a:ext cx="1258590" cy="1635512"/>
+          </a:xfrm>
+          <a:prstGeom prst="rect">
+            <a:avLst/>
+          </a:prstGeom>
+          <a:noFill/>
+          <a:extLst>
+            <a:ext uri="{909E8E84-426E-40DD-AFC4-6F175D3DCCD1}">
+              <a14:hiddenFill xmlns:a14="http://schemas.microsoft.com/office/drawing/2010/main">
+                <a:solidFill>
+                  <a:srgbClr val="FFFFFF"/>
+                </a:solidFill>
+              </a14:hiddenFill>
+            </a:ext>
+          </a:extLst>
+        </p:spPr>
+      </p:pic>
+      <p:pic>
+        <p:nvPicPr>
+          <p:cNvPr id="3082" name="Picture 10" descr="http://ecx.images-amazon.com/images/I/51jZ04FmwIL._SX354_BO1,204,203,200_.jpg"/>
+          <p:cNvPicPr>
+            <a:picLocks noChangeAspect="1" noChangeArrowheads="1"/>
+          </p:cNvPicPr>
+          <p:nvPr/>
+        </p:nvPicPr>
+        <p:blipFill>
+          <a:blip r:embed="rId6" cstate="print">
+            <a:extLst>
+              <a:ext uri="{28A0092B-C50C-407E-A947-70E740481C1C}">
+                <a14:useLocalDpi xmlns:a14="http://schemas.microsoft.com/office/drawing/2010/main" val="0"/>
+              </a:ext>
+            </a:extLst>
+          </a:blip>
+          <a:srcRect/>
+          <a:stretch>
+            <a:fillRect/>
+          </a:stretch>
+        </p:blipFill>
+        <p:spPr bwMode="auto">
+          <a:xfrm>
+            <a:off x="1435466" y="4484277"/>
+            <a:ext cx="1166818" cy="1635512"/>
+          </a:xfrm>
+          <a:prstGeom prst="rect">
+            <a:avLst/>
+          </a:prstGeom>
+          <a:noFill/>
+          <a:extLst>
+            <a:ext uri="{909E8E84-426E-40DD-AFC4-6F175D3DCCD1}">
+              <a14:hiddenFill xmlns:a14="http://schemas.microsoft.com/office/drawing/2010/main">
+                <a:solidFill>
+                  <a:srgbClr val="FFFFFF"/>
+                </a:solidFill>
+              </a14:hiddenFill>
+            </a:ext>
+          </a:extLst>
+        </p:spPr>
+      </p:pic>
+      <p:pic>
+        <p:nvPicPr>
+          <p:cNvPr id="3084" name="Picture 12" descr="http://ecx.images-amazon.com/images/I/51g2lT-3IdL._SX401_BO1,204,203,200_.jpg"/>
+          <p:cNvPicPr>
+            <a:picLocks noChangeAspect="1" noChangeArrowheads="1"/>
+          </p:cNvPicPr>
+          <p:nvPr/>
+        </p:nvPicPr>
+        <p:blipFill>
+          <a:blip r:embed="rId7" cstate="print">
+            <a:extLst>
+              <a:ext uri="{28A0092B-C50C-407E-A947-70E740481C1C}">
+                <a14:useLocalDpi xmlns:a14="http://schemas.microsoft.com/office/drawing/2010/main" val="0"/>
+              </a:ext>
+            </a:extLst>
+          </a:blip>
+          <a:srcRect/>
+          <a:stretch>
+            <a:fillRect/>
+          </a:stretch>
+        </p:blipFill>
+        <p:spPr bwMode="auto">
+          <a:xfrm>
+            <a:off x="3777578" y="4484277"/>
+            <a:ext cx="1318223" cy="1635512"/>
+          </a:xfrm>
+          <a:prstGeom prst="rect">
+            <a:avLst/>
+          </a:prstGeom>
+          <a:noFill/>
+          <a:extLst>
+            <a:ext uri="{909E8E84-426E-40DD-AFC4-6F175D3DCCD1}">
+              <a14:hiddenFill xmlns:a14="http://schemas.microsoft.com/office/drawing/2010/main">
+                <a:solidFill>
+                  <a:srgbClr val="FFFFFF"/>
+                </a:solidFill>
+              </a14:hiddenFill>
+            </a:ext>
+          </a:extLst>
+        </p:spPr>
+      </p:pic>
+      <p:pic>
+        <p:nvPicPr>
+          <p:cNvPr id="3086" name="Picture 14" descr="http://ecx.images-amazon.com/images/I/4118fsXle4L._SX298_BO1,204,203,200_.jpg"/>
+          <p:cNvPicPr>
+            <a:picLocks noChangeAspect="1" noChangeArrowheads="1"/>
+          </p:cNvPicPr>
+          <p:nvPr/>
+        </p:nvPicPr>
+        <p:blipFill>
+          <a:blip r:embed="rId8" cstate="print">
+            <a:extLst>
+              <a:ext uri="{28A0092B-C50C-407E-A947-70E740481C1C}">
+                <a14:useLocalDpi xmlns:a14="http://schemas.microsoft.com/office/drawing/2010/main" val="0"/>
+              </a:ext>
+            </a:extLst>
+          </a:blip>
+          <a:srcRect/>
+          <a:stretch>
+            <a:fillRect/>
+          </a:stretch>
+        </p:blipFill>
+        <p:spPr bwMode="auto">
+          <a:xfrm>
+            <a:off x="227889" y="4484277"/>
+            <a:ext cx="1135772" cy="1635512"/>
+          </a:xfrm>
+          <a:prstGeom prst="rect">
+            <a:avLst/>
+          </a:prstGeom>
+          <a:noFill/>
+          <a:extLst>
+            <a:ext uri="{909E8E84-426E-40DD-AFC4-6F175D3DCCD1}">
+              <a14:hiddenFill xmlns:a14="http://schemas.microsoft.com/office/drawing/2010/main">
+                <a:solidFill>
+                  <a:srgbClr val="FFFFFF"/>
+                </a:solidFill>
+              </a14:hiddenFill>
+            </a:ext>
+          </a:extLst>
+        </p:spPr>
+      </p:pic>
+    </p:spTree>
+    <p:extLst>
+      <p:ext uri="{BB962C8B-B14F-4D97-AF65-F5344CB8AC3E}">
+        <p14:creationId xmlns:p14="http://schemas.microsoft.com/office/powerpoint/2010/main" val="2696128295"/>
+      </p:ext>
+    </p:extLst>
+  </p:cSld>
+  <p:clrMapOvr>
+    <a:masterClrMapping/>
+  </p:clrMapOvr>
+  <p:timing>
+    <p:tnLst>
+      <p:par>
+        <p:cTn id="1" dur="indefinite" restart="never" nodeType="tmRoot"/>
+      </p:par>
+    </p:tnLst>
+  </p:timing>
+</p:sld>
+</file>
+
+<file path=ppt/slides/slide6.xml><?xml version="1.0" encoding="utf-8"?>
+<p:sld xmlns:a="http://schemas.openxmlformats.org/drawingml/2006/main" xmlns:r="http://schemas.openxmlformats.org/officeDocument/2006/relationships" xmlns:p="http://schemas.openxmlformats.org/presentationml/2006/main">
+  <p:cSld>
+    <p:spTree>
+      <p:nvGrpSpPr>
+        <p:cNvPr id="1" name=""/>
+        <p:cNvGrpSpPr/>
+        <p:nvPr/>
+      </p:nvGrpSpPr>
+      <p:grpSpPr>
+        <a:xfrm>
+          <a:off x="0" y="0"/>
+          <a:ext cx="0" cy="0"/>
+          <a:chOff x="0" y="0"/>
+          <a:chExt cx="0" cy="0"/>
+        </a:xfrm>
+      </p:grpSpPr>
+      <p:sp>
+        <p:nvSpPr>
+          <p:cNvPr id="2" name="Title 1"/>
+          <p:cNvSpPr>
+            <a:spLocks noGrp="1"/>
+          </p:cNvSpPr>
+          <p:nvPr>
+            <p:ph type="title"/>
+          </p:nvPr>
+        </p:nvSpPr>
+        <p:spPr/>
+        <p:txBody>
+          <a:bodyPr>
+            <a:normAutofit/>
+          </a:bodyPr>
+          <a:lstStyle/>
+          <a:p>
+            <a:r>
+              <a:rPr lang="en-US" dirty="0" smtClean="0"/>
+              <a:t>Course Organization</a:t>
+            </a:r>
+            <a:endParaRPr lang="en-US" dirty="0"/>
+          </a:p>
+        </p:txBody>
+      </p:sp>
+      <p:sp>
+        <p:nvSpPr>
+          <p:cNvPr id="3" name="Content Placeholder 2"/>
+          <p:cNvSpPr>
+            <a:spLocks noGrp="1"/>
+          </p:cNvSpPr>
+          <p:nvPr>
+            <p:ph type="body" sz="quarter" idx="10"/>
+          </p:nvPr>
+        </p:nvSpPr>
+        <p:spPr>
+          <a:xfrm>
+            <a:off x="304800" y="933262"/>
+            <a:ext cx="8839200" cy="5483304"/>
+          </a:xfrm>
+        </p:spPr>
+        <p:txBody>
+          <a:bodyPr/>
+          <a:lstStyle/>
+          <a:p>
+            <a:pPr>
+              <a:lnSpc>
+                <a:spcPct val="114000"/>
+              </a:lnSpc>
+            </a:pPr>
+            <a:r>
+              <a:rPr lang="en-US" dirty="0" smtClean="0"/>
+              <a:t> Quarter 1:</a:t>
+            </a:r>
+          </a:p>
+          <a:p>
+            <a:pPr lvl="1">
+              <a:lnSpc>
+                <a:spcPct val="114000"/>
+              </a:lnSpc>
+            </a:pPr>
+            <a:r>
+              <a:rPr lang="en-US" dirty="0"/>
+              <a:t>L</a:t>
+            </a:r>
+            <a:r>
+              <a:rPr lang="en-US" dirty="0" smtClean="0"/>
+              <a:t>ectures on RF/microwave system engineering</a:t>
+            </a:r>
+          </a:p>
+          <a:p>
+            <a:pPr lvl="1">
+              <a:lnSpc>
+                <a:spcPct val="114000"/>
+              </a:lnSpc>
+            </a:pPr>
+            <a:r>
+              <a:rPr lang="en-US" dirty="0"/>
+              <a:t>G</a:t>
+            </a:r>
+            <a:r>
+              <a:rPr lang="en-US" dirty="0" smtClean="0"/>
+              <a:t>uided labs to assemble, test and analyze a simple radar system</a:t>
+            </a:r>
+          </a:p>
+          <a:p>
+            <a:pPr lvl="2">
+              <a:lnSpc>
+                <a:spcPct val="114000"/>
+              </a:lnSpc>
+            </a:pPr>
+            <a:r>
+              <a:rPr lang="en-US" dirty="0" smtClean="0"/>
+              <a:t>We’ll follow a bottom-up approach, i.e. learning about the individual components before eventually assembling the system.</a:t>
+            </a:r>
+          </a:p>
+          <a:p>
+            <a:pPr lvl="1">
+              <a:lnSpc>
+                <a:spcPct val="114000"/>
+              </a:lnSpc>
+            </a:pPr>
+            <a:r>
+              <a:rPr lang="en-US" dirty="0" smtClean="0"/>
+              <a:t>Deliverables: </a:t>
+            </a:r>
+          </a:p>
+          <a:p>
+            <a:pPr lvl="2">
+              <a:lnSpc>
+                <a:spcPct val="114000"/>
+              </a:lnSpc>
+            </a:pPr>
+            <a:r>
+              <a:rPr lang="en-US" u="sng" dirty="0"/>
+              <a:t>L</a:t>
+            </a:r>
+            <a:r>
+              <a:rPr lang="en-US" u="sng" dirty="0" smtClean="0"/>
+              <a:t>ab reports</a:t>
+            </a:r>
+          </a:p>
+          <a:p>
+            <a:pPr lvl="2">
+              <a:lnSpc>
+                <a:spcPct val="114000"/>
+              </a:lnSpc>
+            </a:pPr>
+            <a:r>
+              <a:rPr lang="en-US" u="sng" dirty="0" smtClean="0"/>
+              <a:t>PCB design files and test reports</a:t>
+            </a:r>
+          </a:p>
+          <a:p>
+            <a:pPr>
+              <a:lnSpc>
+                <a:spcPct val="114000"/>
+              </a:lnSpc>
+            </a:pPr>
+            <a:r>
+              <a:rPr lang="en-US" dirty="0" smtClean="0"/>
+              <a:t> Quarter 2:</a:t>
+            </a:r>
+          </a:p>
+          <a:p>
+            <a:pPr lvl="1">
+              <a:lnSpc>
+                <a:spcPct val="114000"/>
+              </a:lnSpc>
+            </a:pPr>
+            <a:r>
+              <a:rPr lang="en-US" dirty="0" smtClean="0"/>
+              <a:t>Radar </a:t>
+            </a:r>
+            <a:r>
+              <a:rPr lang="en-US" u="sng" dirty="0" smtClean="0"/>
+              <a:t>performance competition</a:t>
+            </a:r>
+          </a:p>
+          <a:p>
+            <a:pPr lvl="2">
+              <a:lnSpc>
+                <a:spcPct val="114000"/>
+              </a:lnSpc>
+            </a:pPr>
+            <a:r>
+              <a:rPr lang="en-US" dirty="0" smtClean="0"/>
+              <a:t>Compete in range and accuracy of distance speed measurements</a:t>
+            </a:r>
+          </a:p>
+          <a:p>
+            <a:pPr lvl="2">
+              <a:lnSpc>
+                <a:spcPct val="114000"/>
+              </a:lnSpc>
+            </a:pPr>
+            <a:r>
+              <a:rPr lang="en-US" dirty="0" smtClean="0"/>
+              <a:t>Certain size/weight/power and construction constraints apply</a:t>
+            </a:r>
+          </a:p>
+          <a:p>
+            <a:pPr lvl="1">
+              <a:lnSpc>
+                <a:spcPct val="114000"/>
+              </a:lnSpc>
+            </a:pPr>
+            <a:r>
+              <a:rPr lang="en-US" dirty="0" smtClean="0"/>
+              <a:t>Deliverables:</a:t>
+            </a:r>
+          </a:p>
+          <a:p>
+            <a:pPr lvl="2"/>
+            <a:r>
+              <a:rPr lang="en-US" dirty="0"/>
+              <a:t>Weekly progress report and presentation</a:t>
+            </a:r>
+          </a:p>
+          <a:p>
+            <a:pPr lvl="2"/>
+            <a:r>
+              <a:rPr lang="en-US" u="sng" dirty="0"/>
+              <a:t>Final report</a:t>
+            </a:r>
+            <a:r>
+              <a:rPr lang="en-US" dirty="0"/>
+              <a:t> </a:t>
+            </a:r>
+            <a:r>
+              <a:rPr lang="en-US" dirty="0" smtClean="0"/>
+              <a:t>(1 per group</a:t>
+            </a:r>
+            <a:r>
+              <a:rPr lang="en-US" dirty="0"/>
+              <a:t>)</a:t>
+            </a:r>
+          </a:p>
+          <a:p>
+            <a:pPr lvl="2"/>
+            <a:r>
+              <a:rPr lang="en-US" u="sng" dirty="0" smtClean="0"/>
+              <a:t>Application </a:t>
+            </a:r>
+            <a:r>
+              <a:rPr lang="en-US" u="sng" dirty="0"/>
+              <a:t>Note </a:t>
+            </a:r>
+            <a:r>
+              <a:rPr lang="en-US" dirty="0"/>
+              <a:t>/ Tutorial </a:t>
+            </a:r>
+            <a:r>
+              <a:rPr lang="en-US" dirty="0" smtClean="0"/>
+              <a:t>(1 per </a:t>
+            </a:r>
+            <a:r>
+              <a:rPr lang="en-US" dirty="0"/>
+              <a:t>individual</a:t>
+            </a:r>
+            <a:r>
+              <a:rPr lang="en-US" dirty="0" smtClean="0"/>
+              <a:t>)</a:t>
+            </a:r>
+            <a:endParaRPr lang="en-US" dirty="0"/>
+          </a:p>
+        </p:txBody>
+      </p:sp>
+    </p:spTree>
+    <p:extLst>
+      <p:ext uri="{BB962C8B-B14F-4D97-AF65-F5344CB8AC3E}">
+        <p14:creationId xmlns:p14="http://schemas.microsoft.com/office/powerpoint/2010/main" val="4180936273"/>
+      </p:ext>
+    </p:extLst>
+  </p:cSld>
+  <p:clrMapOvr>
+    <a:masterClrMapping/>
+  </p:clrMapOvr>
+  <p:timing>
+    <p:tnLst>
+      <p:par>
+        <p:cTn id="1" dur="indefinite" restart="never" nodeType="tmRoot"/>
+      </p:par>
+    </p:tnLst>
+  </p:timing>
+</p:sld>
+</file>
+
+<file path=ppt/slides/slide7.xml><?xml version="1.0" encoding="utf-8"?>
+<p:sld xmlns:a="http://schemas.openxmlformats.org/drawingml/2006/main" xmlns:r="http://schemas.openxmlformats.org/officeDocument/2006/relationships" xmlns:p="http://schemas.openxmlformats.org/presentationml/2006/main">
+  <p:cSld>
+    <p:spTree>
+      <p:nvGrpSpPr>
+        <p:cNvPr id="1" name=""/>
+        <p:cNvGrpSpPr/>
+        <p:nvPr/>
+      </p:nvGrpSpPr>
+      <p:grpSpPr>
+        <a:xfrm>
+          <a:off x="0" y="0"/>
+          <a:ext cx="0" cy="0"/>
+          <a:chOff x="0" y="0"/>
+          <a:chExt cx="0" cy="0"/>
+        </a:xfrm>
+      </p:grpSpPr>
+      <p:sp>
+        <p:nvSpPr>
+          <p:cNvPr id="2" name="Title 1"/>
+          <p:cNvSpPr>
+            <a:spLocks noGrp="1"/>
+          </p:cNvSpPr>
+          <p:nvPr>
+            <p:ph type="title"/>
+          </p:nvPr>
+        </p:nvSpPr>
+        <p:spPr/>
+        <p:txBody>
+          <a:bodyPr/>
+          <a:lstStyle/>
+          <a:p>
+            <a:r>
+              <a:rPr lang="en-US" dirty="0" smtClean="0"/>
+              <a:t>Teaming</a:t>
+            </a:r>
+            <a:endParaRPr lang="en-US" dirty="0"/>
+          </a:p>
+        </p:txBody>
+      </p:sp>
+      <p:sp>
+        <p:nvSpPr>
+          <p:cNvPr id="3" name="Text Placeholder 2"/>
+          <p:cNvSpPr>
+            <a:spLocks noGrp="1"/>
+          </p:cNvSpPr>
+          <p:nvPr>
+            <p:ph type="body" sz="quarter" idx="10"/>
+          </p:nvPr>
+        </p:nvSpPr>
+        <p:spPr/>
+        <p:txBody>
+          <a:bodyPr/>
+          <a:lstStyle/>
+          <a:p>
+            <a:r>
+              <a:rPr lang="en-US" dirty="0" smtClean="0"/>
+              <a:t>Teaming </a:t>
+            </a:r>
+            <a:r>
+              <a:rPr lang="en-US" dirty="0" smtClean="0"/>
+              <a:t>has already started </a:t>
+            </a:r>
+            <a:r>
+              <a:rPr lang="en-US" dirty="0" smtClean="0"/>
+              <a:t>before the quarter through Piazza</a:t>
+            </a:r>
+          </a:p>
+          <a:p>
+            <a:pPr lvl="1"/>
+            <a:r>
+              <a:rPr lang="en-US" dirty="0" smtClean="0"/>
+              <a:t>We’ll allocate sometime for teaming up in </a:t>
+            </a:r>
+            <a:r>
+              <a:rPr lang="en-US" dirty="0" smtClean="0"/>
+              <a:t>this lecture</a:t>
+            </a:r>
+            <a:endParaRPr lang="en-US" dirty="0" smtClean="0"/>
+          </a:p>
+          <a:p>
+            <a:r>
+              <a:rPr lang="en-US" dirty="0"/>
+              <a:t>Each team should consist of </a:t>
+            </a:r>
+            <a:r>
+              <a:rPr lang="en-US" dirty="0" smtClean="0"/>
+              <a:t>3 – 4  </a:t>
+            </a:r>
+            <a:r>
+              <a:rPr lang="en-US" dirty="0"/>
+              <a:t>members </a:t>
+            </a:r>
+            <a:endParaRPr lang="en-US" dirty="0" smtClean="0"/>
+          </a:p>
+          <a:p>
+            <a:pPr lvl="1"/>
+            <a:r>
+              <a:rPr lang="en-US" dirty="0" smtClean="0"/>
+              <a:t>We recommend that you include team members of different background to complement each </a:t>
+            </a:r>
+            <a:r>
+              <a:rPr lang="en-US" dirty="0" smtClean="0"/>
+              <a:t>other</a:t>
+            </a:r>
+          </a:p>
+          <a:p>
+            <a:pPr lvl="1"/>
+            <a:r>
+              <a:rPr lang="en-US" dirty="0" smtClean="0"/>
+              <a:t>We need one student from each team to take up the responsibility of ordering supplies for your team</a:t>
+            </a:r>
+            <a:endParaRPr lang="en-US" dirty="0" smtClean="0"/>
+          </a:p>
+          <a:p>
+            <a:r>
+              <a:rPr lang="en-US" dirty="0" smtClean="0"/>
+              <a:t>By the end of the first lecture, you will need to submit to the TA </a:t>
+            </a:r>
+          </a:p>
+          <a:p>
+            <a:pPr lvl="1"/>
+            <a:r>
+              <a:rPr lang="en-US" dirty="0" smtClean="0"/>
+              <a:t>Team name; will default to “Team #” if none submitted</a:t>
+            </a:r>
+          </a:p>
+          <a:p>
+            <a:pPr lvl="1"/>
+            <a:r>
+              <a:rPr lang="en-US" dirty="0" smtClean="0"/>
+              <a:t>Name of the purchaser</a:t>
+            </a:r>
+          </a:p>
+        </p:txBody>
+      </p:sp>
+    </p:spTree>
+    <p:extLst>
+      <p:ext uri="{BB962C8B-B14F-4D97-AF65-F5344CB8AC3E}">
+        <p14:creationId xmlns:p14="http://schemas.microsoft.com/office/powerpoint/2010/main" val="2539265026"/>
+      </p:ext>
+    </p:extLst>
+  </p:cSld>
+  <p:clrMapOvr>
+    <a:masterClrMapping/>
+  </p:clrMapOvr>
+  <p:timing>
+    <p:tnLst>
+      <p:par>
+        <p:cTn id="1" dur="indefinite" restart="never" nodeType="tmRoot"/>
+      </p:par>
+    </p:tnLst>
+  </p:timing>
+</p:sld>
+</file>
+
+<file path=ppt/slides/slide8.xml><?xml version="1.0" encoding="utf-8"?>
+<p:sld xmlns:a="http://schemas.openxmlformats.org/drawingml/2006/main" xmlns:r="http://schemas.openxmlformats.org/officeDocument/2006/relationships" xmlns:p="http://schemas.openxmlformats.org/presentationml/2006/main">
+  <p:cSld>
+    <p:spTree>
+      <p:nvGrpSpPr>
+        <p:cNvPr id="1" name=""/>
+        <p:cNvGrpSpPr/>
+        <p:nvPr/>
+      </p:nvGrpSpPr>
+      <p:grpSpPr>
+        <a:xfrm>
+          <a:off x="0" y="0"/>
+          <a:ext cx="0" cy="0"/>
+          <a:chOff x="0" y="0"/>
+          <a:chExt cx="0" cy="0"/>
+        </a:xfrm>
+      </p:grpSpPr>
+      <p:sp>
+        <p:nvSpPr>
+          <p:cNvPr id="2" name="Title 1"/>
+          <p:cNvSpPr>
+            <a:spLocks noGrp="1"/>
+          </p:cNvSpPr>
+          <p:nvPr>
+            <p:ph type="title"/>
+          </p:nvPr>
+        </p:nvSpPr>
+        <p:spPr>
+          <a:xfrm>
+            <a:off x="304799" y="0"/>
+            <a:ext cx="8493126" cy="914400"/>
+          </a:xfrm>
+        </p:spPr>
+        <p:txBody>
+          <a:bodyPr>
+            <a:normAutofit/>
+          </a:bodyPr>
+          <a:lstStyle/>
+          <a:p>
+            <a:r>
+              <a:rPr lang="en-US" dirty="0" smtClean="0"/>
+              <a:t>Quarter 1 – Assembly of </a:t>
+            </a:r>
+            <a:r>
+              <a:rPr lang="en-US" dirty="0" smtClean="0"/>
+              <a:t>a simple Radar</a:t>
+            </a:r>
+            <a:endParaRPr lang="en-US" dirty="0"/>
+          </a:p>
+        </p:txBody>
+      </p:sp>
+      <p:pic>
+        <p:nvPicPr>
+          <p:cNvPr id="1030" name="Picture 6" descr="https://docs.google.com/drawings/d/smSqlKgvN4Sl4aosvDWV98g/image?w=492&amp;h=300&amp;rev=19&amp;ac=1"/>
+          <p:cNvPicPr>
+            <a:picLocks noChangeAspect="1" noChangeArrowheads="1"/>
+          </p:cNvPicPr>
+          <p:nvPr/>
+        </p:nvPicPr>
+        <p:blipFill>
+          <a:blip r:embed="rId2">
+            <a:extLst>
+              <a:ext uri="{28A0092B-C50C-407E-A947-70E740481C1C}">
+                <a14:useLocalDpi xmlns:a14="http://schemas.microsoft.com/office/drawing/2010/main" val="0"/>
+              </a:ext>
+            </a:extLst>
+          </a:blip>
+          <a:srcRect/>
+          <a:stretch>
+            <a:fillRect/>
+          </a:stretch>
+        </p:blipFill>
+        <p:spPr bwMode="auto">
+          <a:xfrm>
+            <a:off x="409192" y="868883"/>
+            <a:ext cx="5670331" cy="3464560"/>
+          </a:xfrm>
+          <a:prstGeom prst="rect">
+            <a:avLst/>
+          </a:prstGeom>
+          <a:noFill/>
+          <a:extLst>
+            <a:ext uri="{909E8E84-426E-40DD-AFC4-6F175D3DCCD1}">
+              <a14:hiddenFill xmlns:a14="http://schemas.microsoft.com/office/drawing/2010/main">
+                <a:solidFill>
+                  <a:srgbClr val="FFFFFF"/>
+                </a:solidFill>
+              </a14:hiddenFill>
+            </a:ext>
+          </a:extLst>
+        </p:spPr>
+      </p:pic>
+      <p:grpSp>
+        <p:nvGrpSpPr>
+          <p:cNvPr id="8" name="Group 7"/>
+          <p:cNvGrpSpPr>
+            <a:grpSpLocks noChangeAspect="1"/>
+          </p:cNvGrpSpPr>
+          <p:nvPr/>
+        </p:nvGrpSpPr>
+        <p:grpSpPr>
+          <a:xfrm>
+            <a:off x="5861815" y="2104977"/>
+            <a:ext cx="2875005" cy="2207820"/>
+            <a:chOff x="2850937" y="2735819"/>
+            <a:chExt cx="2559690" cy="1965683"/>
+          </a:xfrm>
+        </p:grpSpPr>
+        <p:pic>
+          <p:nvPicPr>
+            <p:cNvPr id="9" name="Picture 4" descr="D:\Dropbox\Teaching\2012.Senior.Design\Progress\2013.03.01\ODgIEJtuYb-L3_nsfBHbVAoSrT0o0HFvStT0Dx_gpUQ.jpg"/>
+            <p:cNvPicPr>
+              <a:picLocks noChangeAspect="1" noChangeArrowheads="1"/>
+            </p:cNvPicPr>
+            <p:nvPr/>
+          </p:nvPicPr>
+          <p:blipFill>
+            <a:blip r:embed="rId3" cstate="print"/>
+            <a:srcRect/>
+            <a:stretch>
+              <a:fillRect/>
+            </a:stretch>
+          </p:blipFill>
+          <p:spPr bwMode="auto">
+            <a:xfrm>
+              <a:off x="2850937" y="2735819"/>
+              <a:ext cx="2511065" cy="1875547"/>
+            </a:xfrm>
+            <a:prstGeom prst="rect">
+              <a:avLst/>
+            </a:prstGeom>
+            <a:noFill/>
+          </p:spPr>
+        </p:pic>
+        <p:sp>
+          <p:nvSpPr>
+            <p:cNvPr id="10" name="TextBox 9"/>
+            <p:cNvSpPr txBox="1"/>
+            <p:nvPr/>
+          </p:nvSpPr>
+          <p:spPr>
+            <a:xfrm>
+              <a:off x="2850937" y="2989446"/>
+              <a:ext cx="1046098" cy="219217"/>
+            </a:xfrm>
+            <a:prstGeom prst="rect">
+              <a:avLst/>
+            </a:prstGeom>
+            <a:noFill/>
+          </p:spPr>
+          <p:txBody>
+            <a:bodyPr wrap="square" rtlCol="0">
+              <a:spAutoFit/>
+            </a:bodyPr>
+            <a:lstStyle/>
+            <a:p>
+              <a:r>
+                <a:rPr lang="en-US" sz="1000" b="1" dirty="0" smtClean="0">
+                  <a:solidFill>
+                    <a:srgbClr val="FFFF00"/>
+                  </a:solidFill>
+                  <a:latin typeface="+mj-lt"/>
+                </a:rPr>
+                <a:t>Baseband</a:t>
+              </a:r>
+            </a:p>
+          </p:txBody>
+        </p:sp>
+        <p:sp>
+          <p:nvSpPr>
+            <p:cNvPr id="11" name="TextBox 10"/>
+            <p:cNvSpPr txBox="1"/>
+            <p:nvPr/>
+          </p:nvSpPr>
+          <p:spPr>
+            <a:xfrm>
+              <a:off x="3490190" y="4255824"/>
+              <a:ext cx="686038" cy="445678"/>
+            </a:xfrm>
+            <a:prstGeom prst="rect">
+              <a:avLst/>
+            </a:prstGeom>
+            <a:noFill/>
+          </p:spPr>
+          <p:txBody>
+            <a:bodyPr wrap="square" rtlCol="0">
+              <a:spAutoFit/>
+            </a:bodyPr>
+            <a:lstStyle/>
+            <a:p>
+              <a:r>
+                <a:rPr lang="en-US" sz="1000" b="1" dirty="0" smtClean="0">
+                  <a:solidFill>
+                    <a:srgbClr val="FFFF00"/>
+                  </a:solidFill>
+                  <a:latin typeface="+mj-lt"/>
+                </a:rPr>
+                <a:t>RF</a:t>
+              </a:r>
+            </a:p>
+          </p:txBody>
+        </p:sp>
+        <p:sp>
+          <p:nvSpPr>
+            <p:cNvPr id="12" name="TextBox 11"/>
+            <p:cNvSpPr txBox="1"/>
+            <p:nvPr/>
+          </p:nvSpPr>
+          <p:spPr>
+            <a:xfrm>
+              <a:off x="4255394" y="4154242"/>
+              <a:ext cx="1155233" cy="493240"/>
+            </a:xfrm>
+            <a:prstGeom prst="rect">
+              <a:avLst/>
+            </a:prstGeom>
+            <a:noFill/>
+          </p:spPr>
+          <p:txBody>
+            <a:bodyPr wrap="square" rtlCol="0">
+              <a:spAutoFit/>
+            </a:bodyPr>
+            <a:lstStyle/>
+            <a:p>
+              <a:r>
+                <a:rPr lang="en-US" sz="1000" b="1" dirty="0" smtClean="0">
+                  <a:solidFill>
+                    <a:srgbClr val="FFFF00"/>
+                  </a:solidFill>
+                  <a:latin typeface="+mj-lt"/>
+                </a:rPr>
+                <a:t>Antennas made from coffee cans</a:t>
+              </a:r>
+            </a:p>
+          </p:txBody>
+        </p:sp>
+      </p:grpSp>
+      <p:grpSp>
+        <p:nvGrpSpPr>
+          <p:cNvPr id="13" name="Group 12"/>
+          <p:cNvGrpSpPr>
+            <a:grpSpLocks noChangeAspect="1"/>
+          </p:cNvGrpSpPr>
+          <p:nvPr/>
+        </p:nvGrpSpPr>
+        <p:grpSpPr>
+          <a:xfrm>
+            <a:off x="409193" y="4442543"/>
+            <a:ext cx="2701800" cy="1960314"/>
+            <a:chOff x="5478782" y="2896195"/>
+            <a:chExt cx="2584972" cy="1875548"/>
+          </a:xfrm>
+        </p:grpSpPr>
+        <p:pic>
+          <p:nvPicPr>
+            <p:cNvPr id="14" name="Picture 6" descr="D:\Dropbox\Teaching\2012.Senior.Design\Progress\2013.03.01\QAW7vTGIn_dAOoKEyH8L5Zck91AWRvLwlldy4QwLy5M.jpg"/>
+            <p:cNvPicPr>
+              <a:picLocks noChangeAspect="1" noChangeArrowheads="1"/>
+            </p:cNvPicPr>
+            <p:nvPr/>
+          </p:nvPicPr>
+          <p:blipFill>
+            <a:blip r:embed="rId4" cstate="print"/>
+            <a:srcRect/>
+            <a:stretch>
+              <a:fillRect/>
+            </a:stretch>
+          </p:blipFill>
+          <p:spPr bwMode="auto">
+            <a:xfrm>
+              <a:off x="5562242" y="2896195"/>
+              <a:ext cx="2501512" cy="1875548"/>
+            </a:xfrm>
+            <a:prstGeom prst="rect">
+              <a:avLst/>
+            </a:prstGeom>
+            <a:noFill/>
+          </p:spPr>
+        </p:pic>
+        <p:sp>
+          <p:nvSpPr>
+            <p:cNvPr id="15" name="TextBox 14"/>
+            <p:cNvSpPr txBox="1"/>
+            <p:nvPr/>
+          </p:nvSpPr>
+          <p:spPr>
+            <a:xfrm>
+              <a:off x="5478782" y="2902570"/>
+              <a:ext cx="1525107" cy="606252"/>
+            </a:xfrm>
+            <a:prstGeom prst="rect">
+              <a:avLst/>
+            </a:prstGeom>
+            <a:noFill/>
+          </p:spPr>
+          <p:txBody>
+            <a:bodyPr wrap="square" rtlCol="0">
+              <a:spAutoFit/>
+            </a:bodyPr>
+            <a:lstStyle/>
+            <a:p>
+              <a:r>
+                <a:rPr lang="en-US" sz="1200" b="1" dirty="0" smtClean="0">
+                  <a:solidFill>
+                    <a:srgbClr val="FFFF00"/>
+                  </a:solidFill>
+                  <a:latin typeface="+mj-lt"/>
+                </a:rPr>
+                <a:t>Doppler Testing</a:t>
+              </a:r>
+            </a:p>
+          </p:txBody>
+        </p:sp>
+      </p:grpSp>
+      <p:grpSp>
+        <p:nvGrpSpPr>
+          <p:cNvPr id="16" name="Group 15"/>
+          <p:cNvGrpSpPr/>
+          <p:nvPr/>
+        </p:nvGrpSpPr>
+        <p:grpSpPr>
+          <a:xfrm>
+            <a:off x="3156050" y="4265782"/>
+            <a:ext cx="2790624" cy="2541966"/>
+            <a:chOff x="3095978" y="4226080"/>
+            <a:chExt cx="2790624" cy="2541966"/>
+          </a:xfrm>
+        </p:grpSpPr>
+        <p:pic>
+          <p:nvPicPr>
+            <p:cNvPr id="17" name="Picture 3" descr="M:\radar\radar ti\shell and I .jpg"/>
+            <p:cNvPicPr>
+              <a:picLocks noChangeAspect="1" noChangeArrowheads="1"/>
+            </p:cNvPicPr>
+            <p:nvPr/>
+          </p:nvPicPr>
+          <p:blipFill>
+            <a:blip r:embed="rId5" cstate="print"/>
+            <a:srcRect l="6185" r="6956"/>
+            <a:stretch>
+              <a:fillRect/>
+            </a:stretch>
+          </p:blipFill>
+          <p:spPr bwMode="auto">
+            <a:xfrm>
+              <a:off x="3095978" y="4226080"/>
+              <a:ext cx="2790624" cy="2408180"/>
+            </a:xfrm>
+            <a:prstGeom prst="rect">
+              <a:avLst/>
+            </a:prstGeom>
+            <a:noFill/>
+          </p:spPr>
+        </p:pic>
+        <p:sp>
+          <p:nvSpPr>
+            <p:cNvPr id="18" name="TextBox 17"/>
+            <p:cNvSpPr txBox="1"/>
+            <p:nvPr/>
+          </p:nvSpPr>
+          <p:spPr>
+            <a:xfrm>
+              <a:off x="3653740" y="6460269"/>
+              <a:ext cx="1578958" cy="307777"/>
+            </a:xfrm>
+            <a:prstGeom prst="rect">
+              <a:avLst/>
+            </a:prstGeom>
+            <a:noFill/>
+          </p:spPr>
+          <p:txBody>
+            <a:bodyPr wrap="none" rtlCol="0">
+              <a:spAutoFit/>
+            </a:bodyPr>
+            <a:lstStyle/>
+            <a:p>
+              <a:r>
+                <a:rPr lang="en-US" sz="1400" dirty="0" smtClean="0">
+                  <a:solidFill>
+                    <a:schemeClr val="bg1"/>
+                  </a:solidFill>
+                  <a:latin typeface="+mj-lt"/>
+                </a:rPr>
+                <a:t>Range vs. Time</a:t>
+              </a:r>
+            </a:p>
+          </p:txBody>
+        </p:sp>
+      </p:grpSp>
+      <p:grpSp>
+        <p:nvGrpSpPr>
+          <p:cNvPr id="19" name="Group 18"/>
+          <p:cNvGrpSpPr/>
+          <p:nvPr/>
+        </p:nvGrpSpPr>
+        <p:grpSpPr>
+          <a:xfrm>
+            <a:off x="5979600" y="4408194"/>
+            <a:ext cx="2757220" cy="2399554"/>
+            <a:chOff x="5934227" y="4359430"/>
+            <a:chExt cx="2757220" cy="2399554"/>
+          </a:xfrm>
+        </p:grpSpPr>
+        <p:pic>
+          <p:nvPicPr>
+            <p:cNvPr id="20" name="Picture 2" descr="M:\radar\doppler_files\5cars.jpg"/>
+            <p:cNvPicPr>
+              <a:picLocks noChangeAspect="1" noChangeArrowheads="1"/>
+            </p:cNvPicPr>
+            <p:nvPr/>
+          </p:nvPicPr>
+          <p:blipFill>
+            <a:blip r:embed="rId6" cstate="print"/>
+            <a:srcRect l="6975" t="6086" r="7815" b="3166"/>
+            <a:stretch>
+              <a:fillRect/>
+            </a:stretch>
+          </p:blipFill>
+          <p:spPr bwMode="auto">
+            <a:xfrm>
+              <a:off x="5934227" y="4359430"/>
+              <a:ext cx="2757220" cy="2197075"/>
+            </a:xfrm>
+            <a:prstGeom prst="rect">
+              <a:avLst/>
+            </a:prstGeom>
+            <a:noFill/>
+          </p:spPr>
+        </p:pic>
+        <p:sp>
+          <p:nvSpPr>
+            <p:cNvPr id="21" name="TextBox 20"/>
+            <p:cNvSpPr txBox="1"/>
+            <p:nvPr/>
+          </p:nvSpPr>
+          <p:spPr>
+            <a:xfrm>
+              <a:off x="6532868" y="6451207"/>
+              <a:ext cx="1579278" cy="307777"/>
+            </a:xfrm>
+            <a:prstGeom prst="rect">
+              <a:avLst/>
+            </a:prstGeom>
+            <a:noFill/>
+          </p:spPr>
+          <p:txBody>
+            <a:bodyPr wrap="none" rtlCol="0">
+              <a:spAutoFit/>
+            </a:bodyPr>
+            <a:lstStyle/>
+            <a:p>
+              <a:r>
+                <a:rPr lang="en-US" sz="1400" dirty="0" smtClean="0">
+                  <a:solidFill>
+                    <a:schemeClr val="bg1"/>
+                  </a:solidFill>
+                  <a:latin typeface="+mj-lt"/>
+                </a:rPr>
+                <a:t>Speed vs. Time</a:t>
+              </a:r>
+            </a:p>
+          </p:txBody>
+        </p:sp>
+      </p:grpSp>
+    </p:spTree>
+    <p:extLst>
+      <p:ext uri="{BB962C8B-B14F-4D97-AF65-F5344CB8AC3E}">
+        <p14:creationId xmlns:p14="http://schemas.microsoft.com/office/powerpoint/2010/main" val="2236420181"/>
+      </p:ext>
+    </p:extLst>
+  </p:cSld>
+  <p:clrMapOvr>
+    <a:masterClrMapping/>
+  </p:clrMapOvr>
+  <p:timing>
+    <p:tnLst>
+      <p:par>
+        <p:cTn id="1" dur="indefinite" restart="never" nodeType="tmRoot"/>
+      </p:par>
+    </p:tnLst>
+  </p:timing>
+</p:sld>
+</file>
+
+<file path=ppt/slides/slide9.xml><?xml version="1.0" encoding="utf-8"?>
+<p:sld xmlns:a="http://schemas.openxmlformats.org/drawingml/2006/main" xmlns:r="http://schemas.openxmlformats.org/officeDocument/2006/relationships" xmlns:p="http://schemas.openxmlformats.org/presentationml/2006/main">
+  <p:cSld>
+    <p:spTree>
+      <p:nvGrpSpPr>
+        <p:cNvPr id="1" name=""/>
+        <p:cNvGrpSpPr/>
+        <p:nvPr/>
+      </p:nvGrpSpPr>
+      <p:grpSpPr>
+        <a:xfrm>
+          <a:off x="0" y="0"/>
+          <a:ext cx="0" cy="0"/>
+          <a:chOff x="0" y="0"/>
+          <a:chExt cx="0" cy="0"/>
+        </a:xfrm>
+      </p:grpSpPr>
+      <p:sp>
+        <p:nvSpPr>
+          <p:cNvPr id="2" name="Title 1"/>
+          <p:cNvSpPr>
+            <a:spLocks noGrp="1"/>
+          </p:cNvSpPr>
+          <p:nvPr>
+            <p:ph type="title"/>
+          </p:nvPr>
+        </p:nvSpPr>
+        <p:spPr/>
+        <p:txBody>
+          <a:bodyPr>
+            <a:normAutofit/>
+          </a:bodyPr>
+          <a:lstStyle/>
+          <a:p>
+            <a:r>
+              <a:rPr lang="en-US" dirty="0" smtClean="0"/>
+              <a:t>Quarter 1 – Facilities and Supplies</a:t>
+            </a:r>
+            <a:endParaRPr lang="en-US" dirty="0"/>
+          </a:p>
+        </p:txBody>
+      </p:sp>
+      <p:sp>
+        <p:nvSpPr>
+          <p:cNvPr id="3" name="Text Placeholder 2"/>
+          <p:cNvSpPr>
+            <a:spLocks noGrp="1"/>
+          </p:cNvSpPr>
+          <p:nvPr>
+            <p:ph type="body" sz="quarter" idx="10"/>
+          </p:nvPr>
+        </p:nvSpPr>
+        <p:spPr/>
+        <p:txBody>
+          <a:bodyPr/>
+          <a:lstStyle/>
+          <a:p>
+            <a:r>
+              <a:rPr lang="en-US" dirty="0" smtClean="0"/>
+              <a:t>We will be using </a:t>
+            </a:r>
+            <a:r>
+              <a:rPr lang="en-US" b="1" dirty="0" smtClean="0"/>
+              <a:t>Kemper 2112</a:t>
+            </a:r>
+            <a:r>
+              <a:rPr lang="en-US" dirty="0" smtClean="0"/>
+              <a:t> for this class.</a:t>
+            </a:r>
+          </a:p>
+          <a:p>
+            <a:pPr lvl="1"/>
+            <a:r>
+              <a:rPr lang="en-US" dirty="0"/>
+              <a:t>2112 is big enough to hold both sessions</a:t>
+            </a:r>
+          </a:p>
+          <a:p>
+            <a:pPr lvl="1"/>
+            <a:r>
+              <a:rPr lang="en-US" dirty="0" smtClean="0"/>
+              <a:t>2112 is usually locked outside of the class time, but each group can have a key to 2112 so that you can work off-hours</a:t>
+            </a:r>
+          </a:p>
+          <a:p>
+            <a:r>
+              <a:rPr lang="en-US" dirty="0" smtClean="0"/>
+              <a:t>Each group will get a toolbox </a:t>
+            </a:r>
+          </a:p>
+          <a:p>
+            <a:pPr lvl="1"/>
+            <a:r>
+              <a:rPr lang="en-US" dirty="0" smtClean="0"/>
+              <a:t>In the first lab, you need to sign a form acknowledging that your group received the toolbox with all its contents</a:t>
+            </a:r>
+          </a:p>
+          <a:p>
+            <a:pPr lvl="1"/>
+            <a:endParaRPr lang="en-US" dirty="0" smtClean="0"/>
+          </a:p>
+          <a:p>
+            <a:pPr lvl="1"/>
+            <a:endParaRPr lang="en-US" dirty="0" smtClean="0"/>
+          </a:p>
+          <a:p>
+            <a:endParaRPr lang="en-US" dirty="0" smtClean="0"/>
+          </a:p>
+        </p:txBody>
+      </p:sp>
+    </p:spTree>
+    <p:extLst>
+      <p:ext uri="{BB962C8B-B14F-4D97-AF65-F5344CB8AC3E}">
+        <p14:creationId xmlns:p14="http://schemas.microsoft.com/office/powerpoint/2010/main" val="1742631176"/>
+      </p:ext>
+    </p:extLst>
+  </p:cSld>
+  <p:clrMapOvr>
+    <a:masterClrMapping/>
+  </p:clrMapOvr>
+  <p:timing>
+    <p:tnLst>
+      <p:par>
+        <p:cTn id="1" dur="indefinite" restart="never" nodeType="tmRoot"/>
       </p:par>
     </p:tnLst>
   </p:timing>

--- a/lectures/lec0/Lec0-CourseMechanisms.pptx
+++ b/lectures/lec0/Lec0-CourseMechanisms.pptx
@@ -313,7 +313,7 @@
             <a:fld id="{F33530C9-BF13-40EE-A1EC-EBBB0134EBBA}" type="datetime1">
               <a:rPr lang="en-US"/>
               <a:pPr/>
-              <a:t>8/22/2015</a:t>
+              <a:t>9/10/2015 Thursday</a:t>
             </a:fld>
             <a:endParaRPr lang="en-US"/>
           </a:p>
@@ -531,7 +531,7 @@
             <a:fld id="{7DD20F8F-B3A0-465C-A2C5-4272F8BE0711}" type="datetime1">
               <a:rPr lang="en-US"/>
               <a:pPr/>
-              <a:t>8/22/2015</a:t>
+              <a:t>9/10/2015 Thursday</a:t>
             </a:fld>
             <a:endParaRPr lang="en-US"/>
           </a:p>
@@ -930,7 +930,7 @@
             <a:fld id="{7DD20F8F-B3A0-465C-A2C5-4272F8BE0711}" type="datetime1">
               <a:rPr lang="en-US" smtClean="0"/>
               <a:pPr/>
-              <a:t>8/22/2015</a:t>
+              <a:t>9/10/2015 Thursday</a:t>
             </a:fld>
             <a:endParaRPr lang="en-US"/>
           </a:p>
@@ -1041,7 +1041,7 @@
             <a:fld id="{7DD20F8F-B3A0-465C-A2C5-4272F8BE0711}" type="datetime1">
               <a:rPr lang="en-US" smtClean="0"/>
               <a:pPr/>
-              <a:t>8/22/2015</a:t>
+              <a:t>9/10/2015 Thursday</a:t>
             </a:fld>
             <a:endParaRPr lang="en-US"/>
           </a:p>
@@ -1154,7 +1154,7 @@
             <a:fld id="{7DD20F8F-B3A0-465C-A2C5-4272F8BE0711}" type="datetime1">
               <a:rPr lang="en-US" smtClean="0"/>
               <a:pPr/>
-              <a:t>8/22/2015</a:t>
+              <a:t>9/10/2015 Thursday</a:t>
             </a:fld>
             <a:endParaRPr lang="en-US"/>
           </a:p>
@@ -5968,8 +5968,8 @@
           </a:p>
         </p:txBody>
       </p:sp>
-      <mc:AlternateContent xmlns:mc="http://schemas.openxmlformats.org/markup-compatibility/2006">
-        <mc:Choice xmlns:a14="http://schemas.microsoft.com/office/drawing/2010/main" Requires="a14">
+      <mc:AlternateContent xmlns:mc="http://schemas.openxmlformats.org/markup-compatibility/2006" xmlns:a14="http://schemas.microsoft.com/office/drawing/2010/main">
+        <mc:Choice Requires="a14">
           <p:sp>
             <p:nvSpPr>
               <p:cNvPr id="3" name="Text Placeholder 2"/>
@@ -6656,7 +6656,7 @@
             </p:txBody>
           </p:sp>
         </mc:Choice>
-        <mc:Fallback>
+        <mc:Fallback xmlns="">
           <p:sp>
             <p:nvSpPr>
               <p:cNvPr id="3" name="Text Placeholder 2"/>
@@ -6774,15 +6774,7 @@
             </a:pPr>
             <a:r>
               <a:rPr lang="en-US" dirty="0" smtClean="0"/>
-              <a:t> Quarter 1 </a:t>
-            </a:r>
-            <a:r>
-              <a:rPr lang="en-US" dirty="0" smtClean="0"/>
-              <a:t>(36 pts</a:t>
-            </a:r>
-            <a:r>
-              <a:rPr lang="en-US" dirty="0" smtClean="0"/>
-              <a:t>) </a:t>
+              <a:t> Quarter 1 (36 pts) </a:t>
             </a:r>
           </a:p>
           <a:p>
@@ -6793,11 +6785,7 @@
             </a:pPr>
             <a:r>
               <a:rPr lang="en-US" dirty="0" smtClean="0"/>
-              <a:t>Lab </a:t>
-            </a:r>
-            <a:r>
-              <a:rPr lang="en-US" dirty="0" smtClean="0"/>
-              <a:t>reports (6x 4pts)</a:t>
+              <a:t>Lab reports (6x 4pts)</a:t>
             </a:r>
           </a:p>
           <a:p>
@@ -6821,7 +6809,6 @@
               <a:rPr lang="en-US" b="0" dirty="0" smtClean="0"/>
               <a:t>PCB test reports (3x 2pts)</a:t>
             </a:r>
-            <a:endParaRPr lang="en-US" b="0" dirty="0" smtClean="0"/>
           </a:p>
           <a:p>
             <a:pPr>
@@ -6831,15 +6818,7 @@
             </a:pPr>
             <a:r>
               <a:rPr lang="en-US" dirty="0" smtClean="0"/>
-              <a:t> Quarter 2 (</a:t>
-            </a:r>
-            <a:r>
-              <a:rPr lang="en-US" dirty="0" smtClean="0"/>
-              <a:t>40 </a:t>
-            </a:r>
-            <a:r>
-              <a:rPr lang="en-US" dirty="0" smtClean="0"/>
-              <a:t>pts)</a:t>
+              <a:t> Quarter 2 (40 pts)</a:t>
             </a:r>
           </a:p>
           <a:p>
@@ -6902,15 +6881,7 @@
           <a:p>
             <a:r>
               <a:rPr lang="en-US" dirty="0" smtClean="0"/>
-              <a:t>Participation </a:t>
-            </a:r>
-            <a:r>
-              <a:rPr lang="en-US" dirty="0" smtClean="0"/>
-              <a:t>(9 </a:t>
-            </a:r>
-            <a:r>
-              <a:rPr lang="en-US" dirty="0" smtClean="0"/>
-              <a:t>pts)</a:t>
+              <a:t>Participation (9 pts)</a:t>
             </a:r>
           </a:p>
           <a:p>
@@ -6940,13 +6911,8 @@
             <a:pPr lvl="1"/>
             <a:r>
               <a:rPr lang="en-US" dirty="0" smtClean="0"/>
-              <a:t>Graded by the </a:t>
-            </a:r>
-            <a:r>
-              <a:rPr lang="en-US" dirty="0" smtClean="0"/>
-              <a:t>instructor and TA</a:t>
-            </a:r>
-            <a:endParaRPr lang="en-US" dirty="0" smtClean="0"/>
+              <a:t>Graded by the instructor and TA</a:t>
+            </a:r>
           </a:p>
           <a:p>
             <a:pPr lvl="1"/>
@@ -7851,13 +7817,8 @@
           <a:p>
             <a:r>
               <a:rPr lang="en-US" dirty="0" smtClean="0"/>
-              <a:t>Errors for </a:t>
-            </a:r>
-            <a:r>
-              <a:rPr lang="en-US" dirty="0" smtClean="0"/>
-              <a:t>Bonus!</a:t>
-            </a:r>
-            <a:endParaRPr lang="en-US" dirty="0" smtClean="0"/>
+              <a:t>Errors for Bonus!</a:t>
+            </a:r>
           </a:p>
           <a:p>
             <a:pPr lvl="1"/>
@@ -10104,7 +10065,7 @@
         <p:spPr>
           <a:xfrm>
             <a:off x="304801" y="933262"/>
-            <a:ext cx="4126522" cy="4335463"/>
+            <a:ext cx="4493110" cy="4335463"/>
           </a:xfrm>
         </p:spPr>
         <p:txBody>
@@ -10115,7 +10076,6 @@
               <a:rPr lang="en-US" dirty="0" smtClean="0"/>
               <a:t>Instructor</a:t>
             </a:r>
-            <a:endParaRPr lang="en-US" dirty="0" smtClean="0"/>
           </a:p>
           <a:p>
             <a:pPr lvl="1"/>
@@ -10149,16 +10109,29 @@
             </a:r>
             <a:r>
               <a:rPr lang="en-US" b="1" dirty="0" smtClean="0"/>
-              <a:t>10 AM – 12 PM Monday</a:t>
-            </a:r>
-            <a:r>
-              <a:rPr lang="en-US" dirty="0" smtClean="0"/>
-              <a:t> or </a:t>
+              <a:t>10 AM – 12 PM </a:t>
             </a:r>
             <a:r>
               <a:rPr lang="en-US" b="1" dirty="0" smtClean="0"/>
-              <a:t>by appointment</a:t>
-            </a:r>
+              <a:t>Monday </a:t>
+            </a:r>
+            <a:r>
+              <a:rPr lang="en-US" dirty="0" smtClean="0"/>
+              <a:t>or </a:t>
+            </a:r>
+            <a:r>
+              <a:rPr lang="en-US" b="1" dirty="0" smtClean="0"/>
+              <a:t>by </a:t>
+            </a:r>
+            <a:r>
+              <a:rPr lang="en-US" b="1" dirty="0"/>
+              <a:t>appointment in Kemper 3169</a:t>
+            </a:r>
+            <a:r>
+              <a:rPr lang="en-US" dirty="0"/>
+              <a:t> </a:t>
+            </a:r>
+            <a:endParaRPr lang="en-US" b="1" dirty="0" smtClean="0"/>
           </a:p>
           <a:p>
             <a:r>
@@ -10198,41 +10171,59 @@
             <a:pPr lvl="2"/>
             <a:r>
               <a:rPr lang="en-US" dirty="0" smtClean="0"/>
-              <a:t>Office hours</a:t>
-            </a:r>
-            <a:r>
-              <a:rPr lang="en-US" dirty="0" smtClean="0">
-                <a:solidFill>
-                  <a:srgbClr val="FF0000"/>
-                </a:solidFill>
-              </a:rPr>
-              <a:t>: TBD</a:t>
-            </a:r>
-          </a:p>
-          <a:p>
+              <a:t>Office </a:t>
+            </a:r>
+            <a:r>
+              <a:rPr lang="en-US" dirty="0" smtClean="0"/>
+              <a:t>hours: </a:t>
+            </a:r>
+            <a:r>
+              <a:rPr lang="en-US" b="1" dirty="0"/>
+              <a:t>9:00 – 10:30 AM, Monday &amp; </a:t>
+            </a:r>
+            <a:r>
+              <a:rPr lang="en-US" b="1" dirty="0" smtClean="0"/>
+              <a:t>Tuesday in Kemper 3089</a:t>
+            </a:r>
+            <a:endParaRPr lang="en-US" dirty="0" smtClean="0">
+              <a:solidFill>
+                <a:srgbClr val="FF0000"/>
+              </a:solidFill>
+            </a:endParaRPr>
+          </a:p>
+          <a:p>
+            <a:r>
+              <a:rPr lang="en-US" dirty="0" smtClean="0"/>
+              <a:t>Lecture</a:t>
+            </a:r>
+          </a:p>
+          <a:p>
+            <a:pPr lvl="1"/>
+            <a:r>
+              <a:rPr lang="en-US" b="1" dirty="0" smtClean="0"/>
+              <a:t>1:10 – 2 PM, Friday</a:t>
+            </a:r>
+            <a:r>
+              <a:rPr lang="en-US" dirty="0" smtClean="0"/>
+              <a:t> </a:t>
+            </a:r>
             <a:r>
               <a:rPr lang="en-US" dirty="0"/>
-              <a:t>Lecture</a:t>
-            </a:r>
-          </a:p>
-          <a:p>
-            <a:pPr lvl="1"/>
-            <a:r>
-              <a:rPr lang="en-US" b="1" dirty="0"/>
-              <a:t>10 – 11 AM, Tuesday</a:t>
+              <a:t>in </a:t>
+            </a:r>
+            <a:r>
+              <a:rPr lang="en-US" dirty="0" err="1"/>
+              <a:t>Geidt</a:t>
             </a:r>
             <a:r>
               <a:rPr lang="en-US" dirty="0"/>
-              <a:t> in </a:t>
-            </a:r>
-            <a:r>
-              <a:rPr lang="en-US" dirty="0">
-                <a:solidFill>
-                  <a:srgbClr val="FF0000"/>
-                </a:solidFill>
-              </a:rPr>
-              <a:t>TBD</a:t>
-            </a:r>
+              <a:t> 1007</a:t>
+            </a:r>
+            <a:endParaRPr lang="en-US" dirty="0">
+              <a:solidFill>
+                <a:srgbClr val="FF0000"/>
+              </a:solidFill>
+            </a:endParaRPr>
           </a:p>
           <a:p>
             <a:r>
@@ -10353,6 +10344,88 @@
           </a:extLst>
         </p:spPr>
       </p:pic>
+      <p:sp>
+        <p:nvSpPr>
+          <p:cNvPr id="4" name="TextBox 3"/>
+          <p:cNvSpPr txBox="1"/>
+          <p:nvPr/>
+        </p:nvSpPr>
+        <p:spPr>
+          <a:xfrm>
+            <a:off x="5454652" y="4518480"/>
+            <a:ext cx="2887586" cy="830997"/>
+          </a:xfrm>
+          <a:prstGeom prst="rect">
+            <a:avLst/>
+          </a:prstGeom>
+          <a:noFill/>
+          <a:ln>
+            <a:solidFill>
+              <a:srgbClr val="FF0000"/>
+            </a:solidFill>
+          </a:ln>
+        </p:spPr>
+        <p:txBody>
+          <a:bodyPr wrap="square" rtlCol="0">
+            <a:spAutoFit/>
+          </a:bodyPr>
+          <a:lstStyle/>
+          <a:p>
+            <a:pPr algn="ctr"/>
+            <a:r>
+              <a:rPr lang="en-US" dirty="0" smtClean="0">
+                <a:solidFill>
+                  <a:srgbClr val="FF0000"/>
+                </a:solidFill>
+                <a:latin typeface="+mj-lt"/>
+              </a:rPr>
+              <a:t>Additional </a:t>
+            </a:r>
+            <a:r>
+              <a:rPr lang="en-US" dirty="0">
+                <a:solidFill>
+                  <a:srgbClr val="FF0000"/>
+                </a:solidFill>
+                <a:latin typeface="+mj-lt"/>
+              </a:rPr>
+              <a:t>l</a:t>
+            </a:r>
+            <a:r>
+              <a:rPr lang="en-US" dirty="0" smtClean="0">
+                <a:solidFill>
+                  <a:srgbClr val="FF0000"/>
+                </a:solidFill>
+                <a:latin typeface="+mj-lt"/>
+              </a:rPr>
+              <a:t>ecture time</a:t>
+            </a:r>
+            <a:r>
+              <a:rPr lang="en-US" dirty="0">
+                <a:solidFill>
+                  <a:srgbClr val="FF0000"/>
+                </a:solidFill>
+                <a:latin typeface="+mj-lt"/>
+              </a:rPr>
+              <a:t> </a:t>
+            </a:r>
+            <a:r>
+              <a:rPr lang="en-US" dirty="0" smtClean="0">
+                <a:solidFill>
+                  <a:srgbClr val="FF0000"/>
+                </a:solidFill>
+                <a:latin typeface="+mj-lt"/>
+              </a:rPr>
+              <a:t>needed</a:t>
+            </a:r>
+            <a:endParaRPr lang="en-US" dirty="0" smtClean="0">
+              <a:solidFill>
+                <a:srgbClr val="FF0000"/>
+              </a:solidFill>
+              <a:latin typeface="+mj-lt"/>
+            </a:endParaRPr>
+          </a:p>
+        </p:txBody>
+      </p:sp>
     </p:spTree>
     <p:extLst>
       <p:ext uri="{BB962C8B-B14F-4D97-AF65-F5344CB8AC3E}">
@@ -10731,6 +10804,51 @@
                       </p:childTnLst>
                     </p:cTn>
                   </p:par>
+                  <p:par>
+                    <p:cTn id="29" fill="hold">
+                      <p:stCondLst>
+                        <p:cond delay="indefinite"/>
+                      </p:stCondLst>
+                      <p:childTnLst>
+                        <p:par>
+                          <p:cTn id="30" fill="hold">
+                            <p:stCondLst>
+                              <p:cond delay="0"/>
+                            </p:stCondLst>
+                            <p:childTnLst>
+                              <p:par>
+                                <p:cTn id="31" presetID="1" presetClass="entr" presetSubtype="0" fill="hold" grpId="0" nodeType="clickEffect">
+                                  <p:stCondLst>
+                                    <p:cond delay="0"/>
+                                  </p:stCondLst>
+                                  <p:childTnLst>
+                                    <p:set>
+                                      <p:cBhvr>
+                                        <p:cTn id="32" dur="1" fill="hold">
+                                          <p:stCondLst>
+                                            <p:cond delay="0"/>
+                                          </p:stCondLst>
+                                        </p:cTn>
+                                        <p:tgtEl>
+                                          <p:spTgt spid="4"/>
+                                        </p:tgtEl>
+                                        <p:attrNameLst>
+                                          <p:attrName>style.visibility</p:attrName>
+                                        </p:attrNameLst>
+                                      </p:cBhvr>
+                                      <p:to>
+                                        <p:strVal val="visible"/>
+                                      </p:to>
+                                    </p:set>
+                                  </p:childTnLst>
+                                </p:cTn>
+                              </p:par>
+                            </p:childTnLst>
+                          </p:cTn>
+                        </p:par>
+                      </p:childTnLst>
+                    </p:cTn>
+                  </p:par>
                 </p:childTnLst>
               </p:cTn>
               <p:prevCondLst>
@@ -10752,6 +10870,9 @@
         </p:cTn>
       </p:par>
     </p:tnLst>
+    <p:bldLst>
+      <p:bldP spid="4" grpId="0" animBg="1"/>
+    </p:bldLst>
   </p:timing>
 </p:sld>
 </file>
@@ -11833,28 +11954,15 @@
           <a:p>
             <a:r>
               <a:rPr lang="en-US" dirty="0" smtClean="0"/>
-              <a:t>Teaming </a:t>
-            </a:r>
-            <a:r>
-              <a:rPr lang="en-US" dirty="0" smtClean="0"/>
-              <a:t>has already started </a:t>
-            </a:r>
-            <a:r>
-              <a:rPr lang="en-US" dirty="0" smtClean="0"/>
-              <a:t>before the quarter through Piazza</a:t>
+              <a:t>Teaming has already started before the quarter through Piazza</a:t>
             </a:r>
           </a:p>
           <a:p>
             <a:pPr lvl="1"/>
             <a:r>
               <a:rPr lang="en-US" dirty="0" smtClean="0"/>
-              <a:t>We’ll allocate sometime for teaming up in </a:t>
-            </a:r>
-            <a:r>
-              <a:rPr lang="en-US" dirty="0" smtClean="0"/>
-              <a:t>this lecture</a:t>
-            </a:r>
-            <a:endParaRPr lang="en-US" dirty="0" smtClean="0"/>
+              <a:t>We’ll allocate sometime for teaming up in this lecture</a:t>
+            </a:r>
           </a:p>
           <a:p>
             <a:r>
@@ -11875,11 +11983,7 @@
             <a:pPr lvl="1"/>
             <a:r>
               <a:rPr lang="en-US" dirty="0" smtClean="0"/>
-              <a:t>We recommend that you include team members of different background to complement each </a:t>
-            </a:r>
-            <a:r>
-              <a:rPr lang="en-US" dirty="0" smtClean="0"/>
-              <a:t>other</a:t>
+              <a:t>We recommend that you include team members of different background to complement each other</a:t>
             </a:r>
           </a:p>
           <a:p>
@@ -11888,7 +11992,6 @@
               <a:rPr lang="en-US" dirty="0" smtClean="0"/>
               <a:t>We need one student from each team to take up the responsibility of ordering supplies for your team</a:t>
             </a:r>
-            <a:endParaRPr lang="en-US" dirty="0" smtClean="0"/>
           </a:p>
           <a:p>
             <a:r>
@@ -11973,11 +12076,7 @@
           <a:p>
             <a:r>
               <a:rPr lang="en-US" dirty="0" smtClean="0"/>
-              <a:t>Quarter 1 – Assembly of </a:t>
-            </a:r>
-            <a:r>
-              <a:rPr lang="en-US" dirty="0" smtClean="0"/>
-              <a:t>a simple Radar</a:t>
+              <a:t>Quarter 1 – Assembly of a simple Radar</a:t>
             </a:r>
             <a:endParaRPr lang="en-US" dirty="0"/>
           </a:p>

--- a/lectures/lec0/Lec0-CourseMechanisms.pptx
+++ b/lectures/lec0/Lec0-CourseMechanisms.pptx
@@ -5,10 +5,10 @@
     <p:sldMasterId id="2147483648" r:id="rId1"/>
   </p:sldMasterIdLst>
   <p:notesMasterIdLst>
-    <p:notesMasterId r:id="rId20"/>
+    <p:notesMasterId r:id="rId21"/>
   </p:notesMasterIdLst>
   <p:handoutMasterIdLst>
-    <p:handoutMasterId r:id="rId21"/>
+    <p:handoutMasterId r:id="rId22"/>
   </p:handoutMasterIdLst>
   <p:sldIdLst>
     <p:sldId id="258" r:id="rId2"/>
@@ -24,11 +24,12 @@
     <p:sldId id="320" r:id="rId12"/>
     <p:sldId id="321" r:id="rId13"/>
     <p:sldId id="325" r:id="rId14"/>
-    <p:sldId id="264" r:id="rId15"/>
-    <p:sldId id="315" r:id="rId16"/>
-    <p:sldId id="307" r:id="rId17"/>
-    <p:sldId id="304" r:id="rId18"/>
-    <p:sldId id="270" r:id="rId19"/>
+    <p:sldId id="327" r:id="rId15"/>
+    <p:sldId id="264" r:id="rId16"/>
+    <p:sldId id="315" r:id="rId17"/>
+    <p:sldId id="307" r:id="rId18"/>
+    <p:sldId id="304" r:id="rId19"/>
+    <p:sldId id="270" r:id="rId20"/>
   </p:sldIdLst>
   <p:sldSz cx="9144000" cy="6858000" type="screen4x3"/>
   <p:notesSz cx="7010400" cy="9296400"/>
@@ -313,7 +314,7 @@
             <a:fld id="{F33530C9-BF13-40EE-A1EC-EBBB0134EBBA}" type="datetime1">
               <a:rPr lang="en-US"/>
               <a:pPr/>
-              <a:t>9/10/2015 Thursday</a:t>
+              <a:t>9/21/2015 Monday</a:t>
             </a:fld>
             <a:endParaRPr lang="en-US"/>
           </a:p>
@@ -531,7 +532,7 @@
             <a:fld id="{7DD20F8F-B3A0-465C-A2C5-4272F8BE0711}" type="datetime1">
               <a:rPr lang="en-US"/>
               <a:pPr/>
-              <a:t>9/10/2015 Thursday</a:t>
+              <a:t>9/21/2015 Monday</a:t>
             </a:fld>
             <a:endParaRPr lang="en-US"/>
           </a:p>
@@ -930,7 +931,7 @@
             <a:fld id="{7DD20F8F-B3A0-465C-A2C5-4272F8BE0711}" type="datetime1">
               <a:rPr lang="en-US" smtClean="0"/>
               <a:pPr/>
-              <a:t>9/10/2015 Thursday</a:t>
+              <a:t>9/21/2015 Monday</a:t>
             </a:fld>
             <a:endParaRPr lang="en-US"/>
           </a:p>
@@ -1041,7 +1042,7 @@
             <a:fld id="{7DD20F8F-B3A0-465C-A2C5-4272F8BE0711}" type="datetime1">
               <a:rPr lang="en-US" smtClean="0"/>
               <a:pPr/>
-              <a:t>9/10/2015 Thursday</a:t>
+              <a:t>9/21/2015 Monday</a:t>
             </a:fld>
             <a:endParaRPr lang="en-US"/>
           </a:p>
@@ -1154,7 +1155,7 @@
             <a:fld id="{7DD20F8F-B3A0-465C-A2C5-4272F8BE0711}" type="datetime1">
               <a:rPr lang="en-US" smtClean="0"/>
               <a:pPr/>
-              <a:t>9/10/2015 Thursday</a:t>
+              <a:t>9/21/2015 Monday</a:t>
             </a:fld>
             <a:endParaRPr lang="en-US"/>
           </a:p>
@@ -5955,21 +5956,36 @@
             <p:ph type="title"/>
           </p:nvPr>
         </p:nvSpPr>
-        <p:spPr/>
+        <p:spPr>
+          <a:xfrm>
+            <a:off x="304799" y="0"/>
+            <a:ext cx="8493126" cy="914400"/>
+          </a:xfrm>
+        </p:spPr>
         <p:txBody>
-          <a:bodyPr/>
+          <a:bodyPr>
+            <a:normAutofit fontScale="90000"/>
+          </a:bodyPr>
           <a:lstStyle/>
           <a:p>
             <a:r>
               <a:rPr lang="en-US" dirty="0" smtClean="0"/>
-              <a:t>Quarter 2 – Performance Competition</a:t>
+              <a:t>Quarter 2 – </a:t>
+            </a:r>
+            <a:r>
+              <a:rPr lang="en-US" dirty="0" smtClean="0"/>
+              <a:t>Option 1: Performance </a:t>
+            </a:r>
+            <a:r>
+              <a:rPr lang="en-US" dirty="0" smtClean="0"/>
+              <a:t>Competition</a:t>
             </a:r>
             <a:endParaRPr lang="en-US" dirty="0"/>
           </a:p>
         </p:txBody>
       </p:sp>
-      <mc:AlternateContent xmlns:mc="http://schemas.openxmlformats.org/markup-compatibility/2006" xmlns:a14="http://schemas.microsoft.com/office/drawing/2010/main">
-        <mc:Choice Requires="a14">
+      <mc:AlternateContent xmlns:mc="http://schemas.openxmlformats.org/markup-compatibility/2006">
+        <mc:Choice xmlns:a14="http://schemas.microsoft.com/office/drawing/2010/main" Requires="a14">
           <p:sp>
             <p:nvSpPr>
               <p:cNvPr id="3" name="Text Placeholder 2"/>
@@ -5987,7 +6003,11 @@
               <a:p>
                 <a:r>
                   <a:rPr lang="en-US" dirty="0" smtClean="0"/>
-                  <a:t>Test 1: measure the distance of </a:t>
+                  <a:t>Competition: measure </a:t>
+                </a:r>
+                <a:r>
+                  <a:rPr lang="en-US" dirty="0" smtClean="0"/>
+                  <a:t>the distance of </a:t>
                 </a:r>
                 <a:r>
                   <a:rPr lang="en-US" i="1" dirty="0" smtClean="0"/>
@@ -6003,135 +6023,22 @@
                 <a14:m>
                   <m:oMath xmlns:m="http://schemas.openxmlformats.org/officeDocument/2006/math">
                     <m:r>
-                      <a:rPr lang="en-US" b="0" i="1" smtClean="0">
-                        <a:solidFill>
-                          <a:srgbClr val="FF0000"/>
-                        </a:solidFill>
-                        <a:latin typeface="Cambria Math" panose="02040503050406030204" pitchFamily="18" charset="0"/>
-                      </a:rPr>
-                      <m:t>𝑠𝑐𝑜𝑟</m:t>
+                      <a:rPr lang="en-US"/>
+                      <m:t>𝑠𝑐𝑜𝑟𝑒</m:t>
                     </m:r>
-                    <m:sSub>
-                      <m:sSubPr>
-                        <m:ctrlPr>
-                          <a:rPr lang="en-US" b="0" i="1" smtClean="0">
-                            <a:solidFill>
-                              <a:srgbClr val="FF0000"/>
-                            </a:solidFill>
-                            <a:latin typeface="Cambria Math" panose="02040503050406030204" pitchFamily="18" charset="0"/>
-                          </a:rPr>
-                        </m:ctrlPr>
-                      </m:sSubPr>
-                      <m:e>
-                        <m:r>
-                          <a:rPr lang="en-US" b="0" i="1" smtClean="0">
-                            <a:solidFill>
-                              <a:srgbClr val="FF0000"/>
-                            </a:solidFill>
-                            <a:latin typeface="Cambria Math" panose="02040503050406030204" pitchFamily="18" charset="0"/>
-                          </a:rPr>
-                          <m:t>𝑒</m:t>
-                        </m:r>
-                      </m:e>
-                      <m:sub>
-                        <m:r>
-                          <a:rPr lang="en-US" b="0" i="1" smtClean="0">
-                            <a:solidFill>
-                              <a:srgbClr val="FF0000"/>
-                            </a:solidFill>
-                            <a:latin typeface="Cambria Math" panose="02040503050406030204" pitchFamily="18" charset="0"/>
-                          </a:rPr>
-                          <m:t>1</m:t>
-                        </m:r>
-                      </m:sub>
-                    </m:sSub>
                     <m:r>
-                      <a:rPr lang="en-US" b="0" i="1" smtClean="0">
-                        <a:solidFill>
-                          <a:srgbClr val="FF0000"/>
-                        </a:solidFill>
-                        <a:latin typeface="Cambria Math" panose="02040503050406030204" pitchFamily="18" charset="0"/>
-                      </a:rPr>
+                      <a:rPr lang="en-US"/>
                       <m:t>=</m:t>
                     </m:r>
-                    <m:sSup>
-                      <m:sSupPr>
-                        <m:ctrlPr>
-                          <a:rPr lang="en-US" i="1">
-                            <a:solidFill>
-                              <a:srgbClr val="FF0000"/>
-                            </a:solidFill>
-                            <a:latin typeface="Cambria Math" panose="02040503050406030204" pitchFamily="18" charset="0"/>
-                          </a:rPr>
-                        </m:ctrlPr>
-                      </m:sSupPr>
-                      <m:e>
-                        <m:r>
-                          <a:rPr lang="en-US" b="0" i="1" smtClean="0">
-                            <a:solidFill>
-                              <a:srgbClr val="FF0000"/>
-                            </a:solidFill>
-                            <a:latin typeface="Cambria Math" panose="02040503050406030204" pitchFamily="18" charset="0"/>
-                          </a:rPr>
-                          <m:t>𝑊</m:t>
-                        </m:r>
-                      </m:e>
-                      <m:sup>
-                        <m:r>
-                          <a:rPr lang="en-US" i="1">
-                            <a:solidFill>
-                              <a:srgbClr val="FF0000"/>
-                            </a:solidFill>
-                            <a:latin typeface="Cambria Math" panose="02040503050406030204" pitchFamily="18" charset="0"/>
-                          </a:rPr>
-                          <m:t>𝛼</m:t>
-                        </m:r>
-                      </m:sup>
-                    </m:sSup>
-                    <m:sSup>
-                      <m:sSupPr>
-                        <m:ctrlPr>
-                          <a:rPr lang="en-US" i="1">
-                            <a:solidFill>
-                              <a:srgbClr val="FF0000"/>
-                            </a:solidFill>
-                            <a:latin typeface="Cambria Math" panose="02040503050406030204" pitchFamily="18" charset="0"/>
-                          </a:rPr>
-                        </m:ctrlPr>
-                      </m:sSupPr>
-                      <m:e>
-                        <m:r>
-                          <a:rPr lang="en-US" i="1">
-                            <a:solidFill>
-                              <a:srgbClr val="FF0000"/>
-                            </a:solidFill>
-                            <a:latin typeface="Cambria Math" panose="02040503050406030204" pitchFamily="18" charset="0"/>
-                          </a:rPr>
-                          <m:t>𝑃</m:t>
-                        </m:r>
-                      </m:e>
-                      <m:sup>
-                        <m:r>
-                          <a:rPr lang="en-US" i="1">
-                            <a:solidFill>
-                              <a:srgbClr val="FF0000"/>
-                            </a:solidFill>
-                            <a:latin typeface="Cambria Math" panose="02040503050406030204" pitchFamily="18" charset="0"/>
-                          </a:rPr>
-                          <m:t>𝛽</m:t>
-                        </m:r>
-                      </m:sup>
-                    </m:sSup>
+                    <m:r>
+                      <a:rPr lang="en-US"/>
+                      <m:t>𝑊𝑃</m:t>
+                    </m:r>
                     <m:nary>
                       <m:naryPr>
                         <m:chr m:val="∏"/>
                         <m:ctrlPr>
-                          <a:rPr lang="en-US" i="1">
-                            <a:solidFill>
-                              <a:srgbClr val="FF0000"/>
-                            </a:solidFill>
-                            <a:latin typeface="Cambria Math" panose="02040503050406030204" pitchFamily="18" charset="0"/>
-                          </a:rPr>
+                          <a:rPr lang="en-US"/>
                         </m:ctrlPr>
                       </m:naryPr>
                       <m:sub>
@@ -6139,32 +6046,17 @@
                           <m:rPr>
                             <m:brk m:alnAt="23"/>
                           </m:rPr>
-                          <a:rPr lang="en-US" i="1">
-                            <a:solidFill>
-                              <a:srgbClr val="FF0000"/>
-                            </a:solidFill>
-                            <a:latin typeface="Cambria Math" panose="02040503050406030204" pitchFamily="18" charset="0"/>
-                          </a:rPr>
+                          <a:rPr lang="en-US"/>
                           <m:t>𝑖</m:t>
                         </m:r>
                         <m:r>
-                          <a:rPr lang="en-US" i="1">
-                            <a:solidFill>
-                              <a:srgbClr val="FF0000"/>
-                            </a:solidFill>
-                            <a:latin typeface="Cambria Math" panose="02040503050406030204" pitchFamily="18" charset="0"/>
-                          </a:rPr>
+                          <a:rPr lang="en-US"/>
                           <m:t>=1</m:t>
                         </m:r>
                       </m:sub>
                       <m:sup>
                         <m:r>
-                          <a:rPr lang="en-US" i="1">
-                            <a:solidFill>
-                              <a:srgbClr val="FF0000"/>
-                            </a:solidFill>
-                            <a:latin typeface="Cambria Math" panose="02040503050406030204" pitchFamily="18" charset="0"/>
-                          </a:rPr>
+                          <a:rPr lang="en-US"/>
                           <m:t>𝑁</m:t>
                         </m:r>
                       </m:sup>
@@ -6172,36 +6064,21 @@
                         <m:d>
                           <m:dPr>
                             <m:ctrlPr>
-                              <a:rPr lang="en-US" i="1">
-                                <a:solidFill>
-                                  <a:srgbClr val="FF0000"/>
-                                </a:solidFill>
-                                <a:latin typeface="Cambria Math" panose="02040503050406030204" pitchFamily="18" charset="0"/>
-                              </a:rPr>
+                              <a:rPr lang="en-US"/>
                             </m:ctrlPr>
                           </m:dPr>
                           <m:e>
                             <m:f>
                               <m:fPr>
                                 <m:ctrlPr>
-                                  <a:rPr lang="en-US" i="1">
-                                    <a:solidFill>
-                                      <a:srgbClr val="FF0000"/>
-                                    </a:solidFill>
-                                    <a:latin typeface="Cambria Math" panose="02040503050406030204" pitchFamily="18" charset="0"/>
-                                  </a:rPr>
+                                  <a:rPr lang="en-US"/>
                                 </m:ctrlPr>
                               </m:fPr>
                               <m:num>
                                 <m:sSub>
                                   <m:sSubPr>
                                     <m:ctrlPr>
-                                      <a:rPr lang="en-US" i="1">
-                                        <a:solidFill>
-                                          <a:srgbClr val="FF0000"/>
-                                        </a:solidFill>
-                                        <a:latin typeface="Cambria Math" panose="02040503050406030204" pitchFamily="18" charset="0"/>
-                                      </a:rPr>
+                                      <a:rPr lang="en-US"/>
                                     </m:ctrlPr>
                                   </m:sSubPr>
                                   <m:e>
@@ -6209,22 +6086,12 @@
                                       <m:accPr>
                                         <m:chr m:val="̂"/>
                                         <m:ctrlPr>
-                                          <a:rPr lang="en-US" i="1">
-                                            <a:solidFill>
-                                              <a:srgbClr val="FF0000"/>
-                                            </a:solidFill>
-                                            <a:latin typeface="Cambria Math" panose="02040503050406030204" pitchFamily="18" charset="0"/>
-                                          </a:rPr>
+                                          <a:rPr lang="en-US"/>
                                         </m:ctrlPr>
                                       </m:accPr>
                                       <m:e>
                                         <m:r>
-                                          <a:rPr lang="en-US" i="1">
-                                            <a:solidFill>
-                                              <a:srgbClr val="FF0000"/>
-                                            </a:solidFill>
-                                            <a:latin typeface="Cambria Math" panose="02040503050406030204" pitchFamily="18" charset="0"/>
-                                          </a:rPr>
+                                          <a:rPr lang="en-US"/>
                                           <m:t>𝐿</m:t>
                                         </m:r>
                                       </m:e>
@@ -6232,55 +6099,30 @@
                                   </m:e>
                                   <m:sub>
                                     <m:r>
-                                      <a:rPr lang="en-US" i="1">
-                                        <a:solidFill>
-                                          <a:srgbClr val="FF0000"/>
-                                        </a:solidFill>
-                                        <a:latin typeface="Cambria Math" panose="02040503050406030204" pitchFamily="18" charset="0"/>
-                                      </a:rPr>
+                                      <a:rPr lang="en-US"/>
                                       <m:t>𝑖</m:t>
                                     </m:r>
                                   </m:sub>
                                 </m:sSub>
                                 <m:r>
-                                  <a:rPr lang="en-US" i="1">
-                                    <a:solidFill>
-                                      <a:srgbClr val="FF0000"/>
-                                    </a:solidFill>
-                                    <a:latin typeface="Cambria Math" panose="02040503050406030204" pitchFamily="18" charset="0"/>
-                                  </a:rPr>
+                                  <a:rPr lang="en-US"/>
                                   <m:t>−</m:t>
                                 </m:r>
                                 <m:sSub>
                                   <m:sSubPr>
                                     <m:ctrlPr>
-                                      <a:rPr lang="en-US" i="1">
-                                        <a:solidFill>
-                                          <a:srgbClr val="FF0000"/>
-                                        </a:solidFill>
-                                        <a:latin typeface="Cambria Math" panose="02040503050406030204" pitchFamily="18" charset="0"/>
-                                      </a:rPr>
+                                      <a:rPr lang="en-US"/>
                                     </m:ctrlPr>
                                   </m:sSubPr>
                                   <m:e>
                                     <m:r>
-                                      <a:rPr lang="en-US" i="1">
-                                        <a:solidFill>
-                                          <a:srgbClr val="FF0000"/>
-                                        </a:solidFill>
-                                        <a:latin typeface="Cambria Math" panose="02040503050406030204" pitchFamily="18" charset="0"/>
-                                      </a:rPr>
+                                      <a:rPr lang="en-US"/>
                                       <m:t>𝐿</m:t>
                                     </m:r>
                                   </m:e>
                                   <m:sub>
                                     <m:r>
-                                      <a:rPr lang="en-US" i="1">
-                                        <a:solidFill>
-                                          <a:srgbClr val="FF0000"/>
-                                        </a:solidFill>
-                                        <a:latin typeface="Cambria Math" panose="02040503050406030204" pitchFamily="18" charset="0"/>
-                                      </a:rPr>
+                                      <a:rPr lang="en-US"/>
                                       <m:t>𝑖</m:t>
                                     </m:r>
                                   </m:sub>
@@ -6290,33 +6132,18 @@
                                 <m:sSub>
                                   <m:sSubPr>
                                     <m:ctrlPr>
-                                      <a:rPr lang="en-US" i="1">
-                                        <a:solidFill>
-                                          <a:srgbClr val="FF0000"/>
-                                        </a:solidFill>
-                                        <a:latin typeface="Cambria Math" panose="02040503050406030204" pitchFamily="18" charset="0"/>
-                                      </a:rPr>
+                                      <a:rPr lang="en-US"/>
                                     </m:ctrlPr>
                                   </m:sSubPr>
                                   <m:e>
                                     <m:r>
-                                      <a:rPr lang="en-US" i="1">
-                                        <a:solidFill>
-                                          <a:srgbClr val="FF0000"/>
-                                        </a:solidFill>
-                                        <a:latin typeface="Cambria Math" panose="02040503050406030204" pitchFamily="18" charset="0"/>
-                                      </a:rPr>
+                                      <a:rPr lang="en-US"/>
                                       <m:t>𝐿</m:t>
                                     </m:r>
                                   </m:e>
                                   <m:sub>
                                     <m:r>
-                                      <a:rPr lang="en-US" i="1">
-                                        <a:solidFill>
-                                          <a:srgbClr val="FF0000"/>
-                                        </a:solidFill>
-                                        <a:latin typeface="Cambria Math" panose="02040503050406030204" pitchFamily="18" charset="0"/>
-                                      </a:rPr>
+                                      <a:rPr lang="en-US"/>
                                       <m:t>𝑖</m:t>
                                     </m:r>
                                   </m:sub>
@@ -6329,11 +6156,7 @@
                     </m:nary>
                   </m:oMath>
                 </a14:m>
-                <a:endParaRPr lang="en-US" dirty="0" smtClean="0">
-                  <a:solidFill>
-                    <a:srgbClr val="FF0000"/>
-                  </a:solidFill>
-                </a:endParaRPr>
+                <a:endParaRPr lang="en-US" dirty="0"/>
               </a:p>
               <a:p>
                 <a:pPr lvl="2"/>
@@ -6342,12 +6165,7 @@
                     <m:sSub>
                       <m:sSubPr>
                         <m:ctrlPr>
-                          <a:rPr lang="en-US" i="1" smtClean="0">
-                            <a:solidFill>
-                              <a:srgbClr val="FF0000"/>
-                            </a:solidFill>
-                            <a:latin typeface="Cambria Math" panose="02040503050406030204" pitchFamily="18" charset="0"/>
-                          </a:rPr>
+                          <a:rPr lang="en-US"/>
                         </m:ctrlPr>
                       </m:sSubPr>
                       <m:e>
@@ -6355,22 +6173,12 @@
                           <m:accPr>
                             <m:chr m:val="̂"/>
                             <m:ctrlPr>
-                              <a:rPr lang="en-US" i="1" smtClean="0">
-                                <a:solidFill>
-                                  <a:srgbClr val="FF0000"/>
-                                </a:solidFill>
-                                <a:latin typeface="Cambria Math" panose="02040503050406030204" pitchFamily="18" charset="0"/>
-                              </a:rPr>
+                              <a:rPr lang="en-US"/>
                             </m:ctrlPr>
                           </m:accPr>
                           <m:e>
                             <m:r>
-                              <a:rPr lang="en-US" b="0" i="1" smtClean="0">
-                                <a:solidFill>
-                                  <a:srgbClr val="FF0000"/>
-                                </a:solidFill>
-                                <a:latin typeface="Cambria Math" panose="02040503050406030204" pitchFamily="18" charset="0"/>
-                              </a:rPr>
+                              <a:rPr lang="en-US"/>
                               <m:t>𝐿</m:t>
                             </m:r>
                           </m:e>
@@ -6378,12 +6186,7 @@
                       </m:e>
                       <m:sub>
                         <m:r>
-                          <a:rPr lang="en-US" b="0" i="1" smtClean="0">
-                            <a:solidFill>
-                              <a:srgbClr val="FF0000"/>
-                            </a:solidFill>
-                            <a:latin typeface="Cambria Math" panose="02040503050406030204" pitchFamily="18" charset="0"/>
-                          </a:rPr>
+                          <a:rPr lang="en-US"/>
                           <m:t>𝑖</m:t>
                         </m:r>
                       </m:sub>
@@ -6391,37 +6194,15 @@
                   </m:oMath>
                 </a14:m>
                 <a:r>
-                  <a:rPr lang="en-US" dirty="0" smtClean="0">
-                    <a:solidFill>
-                      <a:srgbClr val="FF0000"/>
-                    </a:solidFill>
-                  </a:rPr>
+                  <a:rPr lang="en-US" dirty="0"/>
                   <a:t> is the measured distance to the </a:t>
                 </a:r>
                 <a:r>
-                  <a:rPr lang="en-US" i="1" dirty="0" err="1" smtClean="0">
-                    <a:solidFill>
-                      <a:srgbClr val="FF0000"/>
-                    </a:solidFill>
-                    <a:latin typeface="Times" panose="02020603050405020304" pitchFamily="18" charset="0"/>
-                    <a:cs typeface="Times" panose="02020603050405020304" pitchFamily="18" charset="0"/>
-                  </a:rPr>
-                  <a:t>i</a:t>
+                  <a:rPr lang="en-US" dirty="0" err="1"/>
+                  <a:t>ith</a:t>
                 </a:r>
                 <a:r>
-                  <a:rPr lang="en-US" dirty="0" err="1" smtClean="0">
-                    <a:solidFill>
-                      <a:srgbClr val="FF0000"/>
-                    </a:solidFill>
-                  </a:rPr>
-                  <a:t>th</a:t>
-                </a:r>
-                <a:r>
-                  <a:rPr lang="en-US" dirty="0" smtClean="0">
-                    <a:solidFill>
-                      <a:srgbClr val="FF0000"/>
-                    </a:solidFill>
-                  </a:rPr>
+                  <a:rPr lang="en-US" dirty="0"/>
                   <a:t> target</a:t>
                 </a:r>
               </a:p>
@@ -6432,33 +6213,18 @@
                     <m:sSub>
                       <m:sSubPr>
                         <m:ctrlPr>
-                          <a:rPr lang="en-US" i="1">
-                            <a:solidFill>
-                              <a:srgbClr val="FF0000"/>
-                            </a:solidFill>
-                            <a:latin typeface="Cambria Math" panose="02040503050406030204" pitchFamily="18" charset="0"/>
-                          </a:rPr>
+                          <a:rPr lang="en-US"/>
                         </m:ctrlPr>
                       </m:sSubPr>
                       <m:e>
                         <m:r>
-                          <a:rPr lang="en-US" b="0" i="1" smtClean="0">
-                            <a:solidFill>
-                              <a:srgbClr val="FF0000"/>
-                            </a:solidFill>
-                            <a:latin typeface="Cambria Math" panose="02040503050406030204" pitchFamily="18" charset="0"/>
-                          </a:rPr>
+                          <a:rPr lang="en-US"/>
                           <m:t>𝐿</m:t>
                         </m:r>
                       </m:e>
                       <m:sub>
                         <m:r>
-                          <a:rPr lang="en-US" i="1">
-                            <a:solidFill>
-                              <a:srgbClr val="FF0000"/>
-                            </a:solidFill>
-                            <a:latin typeface="Cambria Math" panose="02040503050406030204" pitchFamily="18" charset="0"/>
-                          </a:rPr>
+                          <a:rPr lang="en-US"/>
                           <m:t>𝑖</m:t>
                         </m:r>
                       </m:sub>
@@ -6466,61 +6232,27 @@
                   </m:oMath>
                 </a14:m>
                 <a:r>
-                  <a:rPr lang="en-US" dirty="0">
-                    <a:solidFill>
-                      <a:srgbClr val="FF0000"/>
-                    </a:solidFill>
-                  </a:rPr>
+                  <a:rPr lang="en-US" dirty="0"/>
                   <a:t> is </a:t>
                 </a:r>
                 <a:r>
-                  <a:rPr lang="en-US" dirty="0" smtClean="0">
-                    <a:solidFill>
-                      <a:srgbClr val="FF0000"/>
-                    </a:solidFill>
-                  </a:rPr>
+                  <a:rPr lang="en-US" dirty="0"/>
                   <a:t>the actual </a:t>
                 </a:r>
                 <a:r>
-                  <a:rPr lang="en-US" dirty="0">
-                    <a:solidFill>
-                      <a:srgbClr val="FF0000"/>
-                    </a:solidFill>
-                  </a:rPr>
+                  <a:rPr lang="en-US" dirty="0"/>
                   <a:t>distance to the </a:t>
                 </a:r>
                 <a:r>
-                  <a:rPr lang="en-US" i="1" dirty="0" err="1">
-                    <a:solidFill>
-                      <a:srgbClr val="FF0000"/>
-                    </a:solidFill>
-                    <a:latin typeface="Times" panose="02020603050405020304" pitchFamily="18" charset="0"/>
-                    <a:cs typeface="Times" panose="02020603050405020304" pitchFamily="18" charset="0"/>
-                  </a:rPr>
-                  <a:t>i</a:t>
+                  <a:rPr lang="en-US" dirty="0" err="1"/>
+                  <a:t>ith</a:t>
                 </a:r>
                 <a:r>
-                  <a:rPr lang="en-US" dirty="0" err="1">
-                    <a:solidFill>
-                      <a:srgbClr val="FF0000"/>
-                    </a:solidFill>
-                  </a:rPr>
-                  <a:t>th</a:t>
-                </a:r>
-                <a:r>
-                  <a:rPr lang="en-US" dirty="0">
-                    <a:solidFill>
-                      <a:srgbClr val="FF0000"/>
-                    </a:solidFill>
-                  </a:rPr>
+                  <a:rPr lang="en-US" dirty="0"/>
                   <a:t> </a:t>
                 </a:r>
                 <a:r>
-                  <a:rPr lang="en-US" dirty="0" smtClean="0">
-                    <a:solidFill>
-                      <a:srgbClr val="FF0000"/>
-                    </a:solidFill>
-                  </a:rPr>
+                  <a:rPr lang="en-US" dirty="0"/>
                   <a:t>target</a:t>
                 </a:r>
               </a:p>
@@ -6529,60 +6261,22 @@
                 <a14:m>
                   <m:oMath xmlns:m="http://schemas.openxmlformats.org/officeDocument/2006/math">
                     <m:r>
-                      <a:rPr lang="en-US" b="0" i="1" smtClean="0">
-                        <a:solidFill>
-                          <a:srgbClr val="FF0000"/>
-                        </a:solidFill>
-                        <a:latin typeface="Cambria Math" panose="02040503050406030204" pitchFamily="18" charset="0"/>
-                      </a:rPr>
+                      <a:rPr lang="en-US"/>
                       <m:t>𝑊</m:t>
                     </m:r>
                   </m:oMath>
                 </a14:m>
                 <a:r>
-                  <a:rPr lang="en-US" dirty="0" smtClean="0">
-                    <a:solidFill>
-                      <a:srgbClr val="FF0000"/>
-                    </a:solidFill>
-                  </a:rPr>
+                  <a:rPr lang="en-US" dirty="0"/>
                   <a:t> is </a:t>
                 </a:r>
                 <a:r>
-                  <a:rPr lang="en-US" dirty="0">
-                    <a:solidFill>
-                      <a:srgbClr val="FF0000"/>
-                    </a:solidFill>
-                  </a:rPr>
+                  <a:rPr lang="en-US" dirty="0"/>
                   <a:t>the </a:t>
                 </a:r>
                 <a:r>
-                  <a:rPr lang="en-US" dirty="0" smtClean="0">
-                    <a:solidFill>
-                      <a:srgbClr val="FF0000"/>
-                    </a:solidFill>
-                  </a:rPr>
-                  <a:t>weight of the radar system, including radar, processing unit; </a:t>
-                </a:r>
-                <a14:m>
-                  <m:oMath xmlns:m="http://schemas.openxmlformats.org/officeDocument/2006/math">
-                    <m:r>
-                      <a:rPr lang="en-US" b="0" i="1" smtClean="0">
-                        <a:solidFill>
-                          <a:srgbClr val="FF0000"/>
-                        </a:solidFill>
-                        <a:latin typeface="Cambria Math" panose="02040503050406030204" pitchFamily="18" charset="0"/>
-                      </a:rPr>
-                      <m:t>𝛼</m:t>
-                    </m:r>
-                  </m:oMath>
-                </a14:m>
-                <a:r>
-                  <a:rPr lang="en-US" dirty="0" smtClean="0">
-                    <a:solidFill>
-                      <a:srgbClr val="FF0000"/>
-                    </a:solidFill>
-                  </a:rPr>
-                  <a:t> is to be determined</a:t>
+                  <a:rPr lang="en-US" dirty="0"/>
+                  <a:t>weight of the radar system, including radar, processing unit</a:t>
                 </a:r>
               </a:p>
               <a:p>
@@ -6592,22 +6286,12 @@
                     <m:sSup>
                       <m:sSupPr>
                         <m:ctrlPr>
-                          <a:rPr lang="en-US" i="1">
-                            <a:solidFill>
-                              <a:srgbClr val="FF0000"/>
-                            </a:solidFill>
-                            <a:latin typeface="Cambria Math" panose="02040503050406030204" pitchFamily="18" charset="0"/>
-                          </a:rPr>
+                          <a:rPr lang="en-US"/>
                         </m:ctrlPr>
                       </m:sSupPr>
                       <m:e>
                         <m:r>
-                          <a:rPr lang="en-US" i="1">
-                            <a:solidFill>
-                              <a:srgbClr val="FF0000"/>
-                            </a:solidFill>
-                            <a:latin typeface="Cambria Math" panose="02040503050406030204" pitchFamily="18" charset="0"/>
-                          </a:rPr>
+                          <a:rPr lang="en-US"/>
                           <m:t>𝑃</m:t>
                         </m:r>
                       </m:e>
@@ -6616,47 +6300,28 @@
                   </m:oMath>
                 </a14:m>
                 <a:r>
-                  <a:rPr lang="en-US" dirty="0" smtClean="0">
-                    <a:solidFill>
-                      <a:srgbClr val="FF0000"/>
-                    </a:solidFill>
-                  </a:rPr>
-                  <a:t>is the power consumption of the radar; the power is going to be provided by a lab power supply; </a:t>
-                </a:r>
-                <a14:m>
-                  <m:oMath xmlns:m="http://schemas.openxmlformats.org/officeDocument/2006/math">
-                    <m:r>
-                      <a:rPr lang="en-US" b="0" i="1" smtClean="0">
-                        <a:solidFill>
-                          <a:srgbClr val="FF0000"/>
-                        </a:solidFill>
-                        <a:latin typeface="Cambria Math" panose="02040503050406030204" pitchFamily="18" charset="0"/>
-                      </a:rPr>
-                      <m:t>𝛽</m:t>
-                    </m:r>
-                  </m:oMath>
-                </a14:m>
-                <a:r>
-                  <a:rPr lang="en-US" dirty="0" smtClean="0">
-                    <a:solidFill>
-                      <a:srgbClr val="FF0000"/>
-                    </a:solidFill>
-                  </a:rPr>
-                  <a:t> is to be determined</a:t>
+                  <a:rPr lang="en-US" dirty="0"/>
+                  <a:t>is the power consumption of the radar; the power is going to be provided by a lab power supply</a:t>
                 </a:r>
               </a:p>
               <a:p>
                 <a:pPr lvl="1"/>
-                <a:endParaRPr lang="en-US" dirty="0">
-                  <a:solidFill>
-                    <a:srgbClr val="FF0000"/>
-                  </a:solidFill>
-                </a:endParaRPr>
+                <a:r>
+                  <a:rPr lang="en-US" dirty="0" smtClean="0"/>
+                  <a:t>Bonus points will be given if signal processing is done on an embedded processing platform. </a:t>
+                </a:r>
+              </a:p>
+              <a:p>
+                <a:r>
+                  <a:rPr lang="en-US" dirty="0" smtClean="0"/>
+                  <a:t>More details may apply; will be announced later</a:t>
+                </a:r>
+                <a:endParaRPr lang="en-US" dirty="0"/>
               </a:p>
             </p:txBody>
           </p:sp>
         </mc:Choice>
-        <mc:Fallback xmlns="">
+        <mc:Fallback>
           <p:sp>
             <p:nvSpPr>
               <p:cNvPr id="3" name="Text Placeholder 2"/>
@@ -6671,7 +6336,7 @@
               <a:blipFill rotWithShape="0">
                 <a:blip r:embed="rId2"/>
                 <a:stretch>
-                  <a:fillRect l="-1723" t="-1266" r="-359"/>
+                  <a:fillRect l="-1723" t="-1266"/>
                 </a:stretch>
               </a:blipFill>
             </p:spPr>
@@ -6711,6 +6376,1156 @@
 </file>
 
 <file path=ppt/slides/slide14.xml><?xml version="1.0" encoding="utf-8"?>
+<p:sld xmlns:a="http://schemas.openxmlformats.org/drawingml/2006/main" xmlns:r="http://schemas.openxmlformats.org/officeDocument/2006/relationships" xmlns:p="http://schemas.openxmlformats.org/presentationml/2006/main">
+  <p:cSld>
+    <p:spTree>
+      <p:nvGrpSpPr>
+        <p:cNvPr id="1" name=""/>
+        <p:cNvGrpSpPr/>
+        <p:nvPr/>
+      </p:nvGrpSpPr>
+      <p:grpSpPr>
+        <a:xfrm>
+          <a:off x="0" y="0"/>
+          <a:ext cx="0" cy="0"/>
+          <a:chOff x="0" y="0"/>
+          <a:chExt cx="0" cy="0"/>
+        </a:xfrm>
+      </p:grpSpPr>
+      <p:sp>
+        <p:nvSpPr>
+          <p:cNvPr id="2" name="Title 1"/>
+          <p:cNvSpPr>
+            <a:spLocks noGrp="1"/>
+          </p:cNvSpPr>
+          <p:nvPr>
+            <p:ph type="title"/>
+          </p:nvPr>
+        </p:nvSpPr>
+        <p:spPr/>
+        <p:txBody>
+          <a:bodyPr/>
+          <a:lstStyle/>
+          <a:p>
+            <a:r>
+              <a:rPr lang="en-US" dirty="0" smtClean="0"/>
+              <a:t>Quarter 2 – Option 2: Radar for UAV</a:t>
+            </a:r>
+            <a:endParaRPr lang="en-US" dirty="0"/>
+          </a:p>
+        </p:txBody>
+      </p:sp>
+      <p:sp>
+        <p:nvSpPr>
+          <p:cNvPr id="3" name="Text Placeholder 2"/>
+          <p:cNvSpPr>
+            <a:spLocks noGrp="1"/>
+          </p:cNvSpPr>
+          <p:nvPr>
+            <p:ph type="body" sz="quarter" idx="10"/>
+          </p:nvPr>
+        </p:nvSpPr>
+        <p:spPr>
+          <a:xfrm>
+            <a:off x="304801" y="933262"/>
+            <a:ext cx="4557220" cy="4335463"/>
+          </a:xfrm>
+        </p:spPr>
+        <p:txBody>
+          <a:bodyPr/>
+          <a:lstStyle/>
+          <a:p>
+            <a:r>
+              <a:rPr lang="en-US" dirty="0" smtClean="0"/>
+              <a:t>Small unmanned aerial  vehicles offer unique opportunities for high resolution remote sensing</a:t>
+            </a:r>
+          </a:p>
+          <a:p>
+            <a:r>
+              <a:rPr lang="en-US" dirty="0" smtClean="0"/>
+              <a:t>Small low-power radar are needed as remote sensors, as well as situation awareness sensors, for UAV platforms. </a:t>
+            </a:r>
+          </a:p>
+          <a:p>
+            <a:r>
+              <a:rPr lang="en-US" dirty="0" smtClean="0"/>
+              <a:t>Detailed specification will be announced in the middle of the quarter. </a:t>
+            </a:r>
+            <a:endParaRPr lang="en-US" dirty="0"/>
+          </a:p>
+        </p:txBody>
+      </p:sp>
+      <p:pic>
+        <p:nvPicPr>
+          <p:cNvPr id="4" name="Picture 2" descr="http://media.defenceindustrydaily.com/images/AIR_UAV_Global_Observer_CONOPS_lg.gif"/>
+          <p:cNvPicPr>
+            <a:picLocks noChangeAspect="1" noChangeArrowheads="1"/>
+          </p:cNvPicPr>
+          <p:nvPr/>
+        </p:nvPicPr>
+        <p:blipFill>
+          <a:blip r:embed="rId2" cstate="print">
+            <a:extLst>
+              <a:ext uri="{28A0092B-C50C-407E-A947-70E740481C1C}">
+                <a14:useLocalDpi xmlns:a14="http://schemas.microsoft.com/office/drawing/2010/main" val="0"/>
+              </a:ext>
+            </a:extLst>
+          </a:blip>
+          <a:srcRect/>
+          <a:stretch>
+            <a:fillRect/>
+          </a:stretch>
+        </p:blipFill>
+        <p:spPr bwMode="auto">
+          <a:xfrm>
+            <a:off x="5180572" y="1030420"/>
+            <a:ext cx="3428126" cy="2219830"/>
+          </a:xfrm>
+          <a:prstGeom prst="rect">
+            <a:avLst/>
+          </a:prstGeom>
+          <a:noFill/>
+          <a:extLst>
+            <a:ext uri="{909E8E84-426E-40DD-AFC4-6F175D3DCCD1}">
+              <a14:hiddenFill xmlns:a14="http://schemas.microsoft.com/office/drawing/2010/main">
+                <a:solidFill>
+                  <a:srgbClr val="FFFFFF"/>
+                </a:solidFill>
+              </a14:hiddenFill>
+            </a:ext>
+          </a:extLst>
+        </p:spPr>
+      </p:pic>
+      <p:grpSp>
+        <p:nvGrpSpPr>
+          <p:cNvPr id="5" name="Group 4"/>
+          <p:cNvGrpSpPr>
+            <a:grpSpLocks noChangeAspect="1"/>
+          </p:cNvGrpSpPr>
+          <p:nvPr/>
+        </p:nvGrpSpPr>
+        <p:grpSpPr>
+          <a:xfrm>
+            <a:off x="4610099" y="3561634"/>
+            <a:ext cx="4447015" cy="2783563"/>
+            <a:chOff x="4575260" y="3321465"/>
+            <a:chExt cx="3705846" cy="2319636"/>
+          </a:xfrm>
+        </p:grpSpPr>
+        <p:pic>
+          <p:nvPicPr>
+            <p:cNvPr id="6" name="Picture 6" descr="http://www.mdpi.com/remotesensing/remotesensing-06-00740/article_deploy/html/images/remotesensing-06-00740f1.png"/>
+            <p:cNvPicPr>
+              <a:picLocks noChangeAspect="1" noChangeArrowheads="1"/>
+            </p:cNvPicPr>
+            <p:nvPr/>
+          </p:nvPicPr>
+          <p:blipFill>
+            <a:blip r:embed="rId3" cstate="print">
+              <a:extLst>
+                <a:ext uri="{28A0092B-C50C-407E-A947-70E740481C1C}">
+                  <a14:useLocalDpi xmlns:a14="http://schemas.microsoft.com/office/drawing/2010/main" val="0"/>
+                </a:ext>
+              </a:extLst>
+            </a:blip>
+            <a:srcRect/>
+            <a:stretch>
+              <a:fillRect/>
+            </a:stretch>
+          </p:blipFill>
+          <p:spPr bwMode="auto">
+            <a:xfrm>
+              <a:off x="4575260" y="3382859"/>
+              <a:ext cx="3597625" cy="2258242"/>
+            </a:xfrm>
+            <a:prstGeom prst="rect">
+              <a:avLst/>
+            </a:prstGeom>
+            <a:noFill/>
+            <a:extLst>
+              <a:ext uri="{909E8E84-426E-40DD-AFC4-6F175D3DCCD1}">
+                <a14:hiddenFill xmlns:a14="http://schemas.microsoft.com/office/drawing/2010/main">
+                  <a:solidFill>
+                    <a:srgbClr val="FFFFFF"/>
+                  </a:solidFill>
+                </a14:hiddenFill>
+              </a:ext>
+            </a:extLst>
+          </p:spPr>
+        </p:pic>
+        <p:pic>
+          <p:nvPicPr>
+            <p:cNvPr id="7" name="Picture 4" descr="http://img.directindustry.com/images_di/photo-g/uavs-mini-100901-2965447.jpg"/>
+            <p:cNvPicPr>
+              <a:picLocks noChangeAspect="1" noChangeArrowheads="1"/>
+            </p:cNvPicPr>
+            <p:nvPr/>
+          </p:nvPicPr>
+          <p:blipFill rotWithShape="1">
+            <a:blip r:embed="rId4" cstate="print">
+              <a:extLst>
+                <a:ext uri="{28A0092B-C50C-407E-A947-70E740481C1C}">
+                  <a14:useLocalDpi xmlns:a14="http://schemas.microsoft.com/office/drawing/2010/main" val="0"/>
+                </a:ext>
+              </a:extLst>
+            </a:blip>
+            <a:srcRect l="4696" t="-5588" r="12049" b="13056"/>
+            <a:stretch/>
+          </p:blipFill>
+          <p:spPr bwMode="auto">
+            <a:xfrm>
+              <a:off x="4652048" y="3771516"/>
+              <a:ext cx="500489" cy="372004"/>
+            </a:xfrm>
+            <a:prstGeom prst="rect">
+              <a:avLst/>
+            </a:prstGeom>
+            <a:noFill/>
+            <a:extLst>
+              <a:ext uri="{909E8E84-426E-40DD-AFC4-6F175D3DCCD1}">
+                <a14:hiddenFill xmlns:a14="http://schemas.microsoft.com/office/drawing/2010/main">
+                  <a:solidFill>
+                    <a:srgbClr val="FFFFFF"/>
+                  </a:solidFill>
+                </a14:hiddenFill>
+              </a:ext>
+            </a:extLst>
+          </p:spPr>
+        </p:pic>
+        <p:sp>
+          <p:nvSpPr>
+            <p:cNvPr id="8" name="Rectangle 7"/>
+            <p:cNvSpPr/>
+            <p:nvPr/>
+          </p:nvSpPr>
+          <p:spPr bwMode="auto">
+            <a:xfrm>
+              <a:off x="4575260" y="3937770"/>
+              <a:ext cx="181467" cy="307878"/>
+            </a:xfrm>
+            <a:prstGeom prst="rect">
+              <a:avLst/>
+            </a:prstGeom>
+            <a:solidFill>
+              <a:schemeClr val="accent1"/>
+            </a:solidFill>
+            <a:ln w="9525" cap="flat" cmpd="sng" algn="ctr">
+              <a:noFill/>
+              <a:prstDash val="solid"/>
+              <a:round/>
+              <a:headEnd type="none" w="med" len="med"/>
+              <a:tailEnd type="none" w="med" len="med"/>
+            </a:ln>
+            <a:effectLst/>
+          </p:spPr>
+          <p:txBody>
+            <a:bodyPr vert="horz" wrap="square" lIns="91440" tIns="45720" rIns="91440" bIns="45720" numCol="1" rtlCol="0" anchor="t" anchorCtr="0" compatLnSpc="1">
+              <a:prstTxWarp prst="textNoShape">
+                <a:avLst/>
+              </a:prstTxWarp>
+            </a:bodyPr>
+            <a:lstStyle/>
+            <a:p>
+              <a:pPr marL="0" marR="0" indent="0" algn="l" defTabSz="914400" rtl="0" eaLnBrk="0" fontAlgn="base" latinLnBrk="0" hangingPunct="0">
+                <a:lnSpc>
+                  <a:spcPct val="100000"/>
+                </a:lnSpc>
+                <a:spcBef>
+                  <a:spcPct val="0"/>
+                </a:spcBef>
+                <a:spcAft>
+                  <a:spcPct val="0"/>
+                </a:spcAft>
+                <a:buClrTx/>
+                <a:buSzTx/>
+                <a:buFontTx/>
+                <a:buNone/>
+                <a:tabLst/>
+              </a:pPr>
+              <a:endParaRPr kumimoji="0" lang="en-US" sz="2400" b="0" i="0" u="none" strike="noStrike" cap="none" normalizeH="0" baseline="0" smtClean="0">
+                <a:ln>
+                  <a:noFill/>
+                </a:ln>
+                <a:solidFill>
+                  <a:schemeClr val="tx1"/>
+                </a:solidFill>
+                <a:effectLst/>
+                <a:latin typeface="Times" pitchFamily="1" charset="0"/>
+              </a:endParaRPr>
+            </a:p>
+          </p:txBody>
+        </p:sp>
+        <p:sp>
+          <p:nvSpPr>
+            <p:cNvPr id="9" name="Rectangle 8"/>
+            <p:cNvSpPr/>
+            <p:nvPr/>
+          </p:nvSpPr>
+          <p:spPr bwMode="auto">
+            <a:xfrm>
+              <a:off x="4634251" y="4098254"/>
+              <a:ext cx="301046" cy="98133"/>
+            </a:xfrm>
+            <a:prstGeom prst="rect">
+              <a:avLst/>
+            </a:prstGeom>
+            <a:solidFill>
+              <a:schemeClr val="accent1"/>
+            </a:solidFill>
+            <a:ln w="9525" cap="flat" cmpd="sng" algn="ctr">
+              <a:noFill/>
+              <a:prstDash val="solid"/>
+              <a:round/>
+              <a:headEnd type="none" w="med" len="med"/>
+              <a:tailEnd type="none" w="med" len="med"/>
+            </a:ln>
+            <a:effectLst/>
+          </p:spPr>
+          <p:txBody>
+            <a:bodyPr vert="horz" wrap="square" lIns="91440" tIns="45720" rIns="91440" bIns="45720" numCol="1" rtlCol="0" anchor="t" anchorCtr="0" compatLnSpc="1">
+              <a:prstTxWarp prst="textNoShape">
+                <a:avLst/>
+              </a:prstTxWarp>
+            </a:bodyPr>
+            <a:lstStyle/>
+            <a:p>
+              <a:pPr marL="0" marR="0" indent="0" algn="l" defTabSz="914400" rtl="0" eaLnBrk="0" fontAlgn="base" latinLnBrk="0" hangingPunct="0">
+                <a:lnSpc>
+                  <a:spcPct val="100000"/>
+                </a:lnSpc>
+                <a:spcBef>
+                  <a:spcPct val="0"/>
+                </a:spcBef>
+                <a:spcAft>
+                  <a:spcPct val="0"/>
+                </a:spcAft>
+                <a:buClrTx/>
+                <a:buSzTx/>
+                <a:buFontTx/>
+                <a:buNone/>
+                <a:tabLst/>
+              </a:pPr>
+              <a:endParaRPr kumimoji="0" lang="en-US" sz="2400" b="0" i="0" u="none" strike="noStrike" cap="none" normalizeH="0" baseline="0" smtClean="0">
+                <a:ln>
+                  <a:noFill/>
+                </a:ln>
+                <a:solidFill>
+                  <a:schemeClr val="tx1"/>
+                </a:solidFill>
+                <a:effectLst/>
+                <a:latin typeface="Times" pitchFamily="1" charset="0"/>
+              </a:endParaRPr>
+            </a:p>
+          </p:txBody>
+        </p:sp>
+        <p:sp>
+          <p:nvSpPr>
+            <p:cNvPr id="10" name="Rectangle 9"/>
+            <p:cNvSpPr/>
+            <p:nvPr/>
+          </p:nvSpPr>
+          <p:spPr bwMode="auto">
+            <a:xfrm>
+              <a:off x="5151739" y="3834904"/>
+              <a:ext cx="301046" cy="285983"/>
+            </a:xfrm>
+            <a:prstGeom prst="rect">
+              <a:avLst/>
+            </a:prstGeom>
+            <a:solidFill>
+              <a:schemeClr val="accent1"/>
+            </a:solidFill>
+            <a:ln w="9525" cap="flat" cmpd="sng" algn="ctr">
+              <a:noFill/>
+              <a:prstDash val="solid"/>
+              <a:round/>
+              <a:headEnd type="none" w="med" len="med"/>
+              <a:tailEnd type="none" w="med" len="med"/>
+            </a:ln>
+            <a:effectLst/>
+          </p:spPr>
+          <p:txBody>
+            <a:bodyPr vert="horz" wrap="square" lIns="91440" tIns="45720" rIns="91440" bIns="45720" numCol="1" rtlCol="0" anchor="t" anchorCtr="0" compatLnSpc="1">
+              <a:prstTxWarp prst="textNoShape">
+                <a:avLst/>
+              </a:prstTxWarp>
+            </a:bodyPr>
+            <a:lstStyle/>
+            <a:p>
+              <a:pPr marL="0" marR="0" indent="0" algn="l" defTabSz="914400" rtl="0" eaLnBrk="0" fontAlgn="base" latinLnBrk="0" hangingPunct="0">
+                <a:lnSpc>
+                  <a:spcPct val="100000"/>
+                </a:lnSpc>
+                <a:spcBef>
+                  <a:spcPct val="0"/>
+                </a:spcBef>
+                <a:spcAft>
+                  <a:spcPct val="0"/>
+                </a:spcAft>
+                <a:buClrTx/>
+                <a:buSzTx/>
+                <a:buFontTx/>
+                <a:buNone/>
+                <a:tabLst/>
+              </a:pPr>
+              <a:endParaRPr kumimoji="0" lang="en-US" sz="2400" b="0" i="0" u="none" strike="noStrike" cap="none" normalizeH="0" baseline="0" smtClean="0">
+                <a:ln>
+                  <a:noFill/>
+                </a:ln>
+                <a:solidFill>
+                  <a:schemeClr val="tx1"/>
+                </a:solidFill>
+                <a:effectLst/>
+                <a:latin typeface="Times" pitchFamily="1" charset="0"/>
+              </a:endParaRPr>
+            </a:p>
+          </p:txBody>
+        </p:sp>
+        <p:pic>
+          <p:nvPicPr>
+            <p:cNvPr id="11" name="Picture 4" descr="http://img.directindustry.com/images_di/photo-g/uavs-mini-100901-2965447.jpg"/>
+            <p:cNvPicPr>
+              <a:picLocks noChangeAspect="1" noChangeArrowheads="1"/>
+            </p:cNvPicPr>
+            <p:nvPr/>
+          </p:nvPicPr>
+          <p:blipFill rotWithShape="1">
+            <a:blip r:embed="rId5" cstate="print">
+              <a:extLst>
+                <a:ext uri="{28A0092B-C50C-407E-A947-70E740481C1C}">
+                  <a14:useLocalDpi xmlns:a14="http://schemas.microsoft.com/office/drawing/2010/main" val="0"/>
+                </a:ext>
+              </a:extLst>
+            </a:blip>
+            <a:srcRect l="16829" t="10180" r="12050" b="13056"/>
+            <a:stretch/>
+          </p:blipFill>
+          <p:spPr bwMode="auto">
+            <a:xfrm>
+              <a:off x="5452785" y="3439279"/>
+              <a:ext cx="427552" cy="308615"/>
+            </a:xfrm>
+            <a:prstGeom prst="rect">
+              <a:avLst/>
+            </a:prstGeom>
+            <a:noFill/>
+            <a:extLst>
+              <a:ext uri="{909E8E84-426E-40DD-AFC4-6F175D3DCCD1}">
+                <a14:hiddenFill xmlns:a14="http://schemas.microsoft.com/office/drawing/2010/main">
+                  <a:solidFill>
+                    <a:srgbClr val="FFFFFF"/>
+                  </a:solidFill>
+                </a14:hiddenFill>
+              </a:ext>
+            </a:extLst>
+          </p:spPr>
+        </p:pic>
+        <p:sp>
+          <p:nvSpPr>
+            <p:cNvPr id="12" name="Rectangle 11"/>
+            <p:cNvSpPr/>
+            <p:nvPr/>
+          </p:nvSpPr>
+          <p:spPr bwMode="auto">
+            <a:xfrm>
+              <a:off x="4677323" y="3691466"/>
+              <a:ext cx="282604" cy="122787"/>
+            </a:xfrm>
+            <a:prstGeom prst="rect">
+              <a:avLst/>
+            </a:prstGeom>
+            <a:solidFill>
+              <a:schemeClr val="accent1"/>
+            </a:solidFill>
+            <a:ln w="9525" cap="flat" cmpd="sng" algn="ctr">
+              <a:noFill/>
+              <a:prstDash val="solid"/>
+              <a:round/>
+              <a:headEnd type="none" w="med" len="med"/>
+              <a:tailEnd type="none" w="med" len="med"/>
+            </a:ln>
+            <a:effectLst/>
+          </p:spPr>
+          <p:txBody>
+            <a:bodyPr vert="horz" wrap="square" lIns="91440" tIns="45720" rIns="91440" bIns="45720" numCol="1" rtlCol="0" anchor="t" anchorCtr="0" compatLnSpc="1">
+              <a:prstTxWarp prst="textNoShape">
+                <a:avLst/>
+              </a:prstTxWarp>
+            </a:bodyPr>
+            <a:lstStyle/>
+            <a:p>
+              <a:pPr marL="0" marR="0" indent="0" algn="l" defTabSz="914400" rtl="0" eaLnBrk="0" fontAlgn="base" latinLnBrk="0" hangingPunct="0">
+                <a:lnSpc>
+                  <a:spcPct val="100000"/>
+                </a:lnSpc>
+                <a:spcBef>
+                  <a:spcPct val="0"/>
+                </a:spcBef>
+                <a:spcAft>
+                  <a:spcPct val="0"/>
+                </a:spcAft>
+                <a:buClrTx/>
+                <a:buSzTx/>
+                <a:buFontTx/>
+                <a:buNone/>
+                <a:tabLst/>
+              </a:pPr>
+              <a:endParaRPr kumimoji="0" lang="en-US" sz="2400" b="0" i="0" u="none" strike="noStrike" cap="none" normalizeH="0" baseline="0" smtClean="0">
+                <a:ln>
+                  <a:noFill/>
+                </a:ln>
+                <a:solidFill>
+                  <a:schemeClr val="tx1"/>
+                </a:solidFill>
+                <a:effectLst/>
+                <a:latin typeface="Times" pitchFamily="1" charset="0"/>
+              </a:endParaRPr>
+            </a:p>
+          </p:txBody>
+        </p:sp>
+        <p:sp>
+          <p:nvSpPr>
+            <p:cNvPr id="13" name="Rectangle 12"/>
+            <p:cNvSpPr/>
+            <p:nvPr/>
+          </p:nvSpPr>
+          <p:spPr bwMode="auto">
+            <a:xfrm>
+              <a:off x="5452785" y="3321465"/>
+              <a:ext cx="282604" cy="122787"/>
+            </a:xfrm>
+            <a:prstGeom prst="rect">
+              <a:avLst/>
+            </a:prstGeom>
+            <a:solidFill>
+              <a:schemeClr val="accent1"/>
+            </a:solidFill>
+            <a:ln w="9525" cap="flat" cmpd="sng" algn="ctr">
+              <a:noFill/>
+              <a:prstDash val="solid"/>
+              <a:round/>
+              <a:headEnd type="none" w="med" len="med"/>
+              <a:tailEnd type="none" w="med" len="med"/>
+            </a:ln>
+            <a:effectLst/>
+          </p:spPr>
+          <p:txBody>
+            <a:bodyPr vert="horz" wrap="square" lIns="91440" tIns="45720" rIns="91440" bIns="45720" numCol="1" rtlCol="0" anchor="t" anchorCtr="0" compatLnSpc="1">
+              <a:prstTxWarp prst="textNoShape">
+                <a:avLst/>
+              </a:prstTxWarp>
+            </a:bodyPr>
+            <a:lstStyle/>
+            <a:p>
+              <a:pPr marL="0" marR="0" indent="0" algn="l" defTabSz="914400" rtl="0" eaLnBrk="0" fontAlgn="base" latinLnBrk="0" hangingPunct="0">
+                <a:lnSpc>
+                  <a:spcPct val="100000"/>
+                </a:lnSpc>
+                <a:spcBef>
+                  <a:spcPct val="0"/>
+                </a:spcBef>
+                <a:spcAft>
+                  <a:spcPct val="0"/>
+                </a:spcAft>
+                <a:buClrTx/>
+                <a:buSzTx/>
+                <a:buFontTx/>
+                <a:buNone/>
+                <a:tabLst/>
+              </a:pPr>
+              <a:endParaRPr kumimoji="0" lang="en-US" sz="2400" b="0" i="0" u="none" strike="noStrike" cap="none" normalizeH="0" baseline="0" smtClean="0">
+                <a:ln>
+                  <a:noFill/>
+                </a:ln>
+                <a:solidFill>
+                  <a:schemeClr val="tx1"/>
+                </a:solidFill>
+                <a:effectLst/>
+                <a:latin typeface="Times" pitchFamily="1" charset="0"/>
+              </a:endParaRPr>
+            </a:p>
+          </p:txBody>
+        </p:sp>
+        <p:sp>
+          <p:nvSpPr>
+            <p:cNvPr id="14" name="Rectangle 13"/>
+            <p:cNvSpPr/>
+            <p:nvPr/>
+          </p:nvSpPr>
+          <p:spPr bwMode="auto">
+            <a:xfrm>
+              <a:off x="5310909" y="3734818"/>
+              <a:ext cx="359116" cy="98133"/>
+            </a:xfrm>
+            <a:prstGeom prst="rect">
+              <a:avLst/>
+            </a:prstGeom>
+            <a:solidFill>
+              <a:schemeClr val="accent1"/>
+            </a:solidFill>
+            <a:ln w="9525" cap="flat" cmpd="sng" algn="ctr">
+              <a:noFill/>
+              <a:prstDash val="solid"/>
+              <a:round/>
+              <a:headEnd type="none" w="med" len="med"/>
+              <a:tailEnd type="none" w="med" len="med"/>
+            </a:ln>
+            <a:effectLst/>
+          </p:spPr>
+          <p:txBody>
+            <a:bodyPr vert="horz" wrap="square" lIns="91440" tIns="45720" rIns="91440" bIns="45720" numCol="1" rtlCol="0" anchor="t" anchorCtr="0" compatLnSpc="1">
+              <a:prstTxWarp prst="textNoShape">
+                <a:avLst/>
+              </a:prstTxWarp>
+            </a:bodyPr>
+            <a:lstStyle/>
+            <a:p>
+              <a:pPr marL="0" marR="0" indent="0" algn="l" defTabSz="914400" rtl="0" eaLnBrk="0" fontAlgn="base" latinLnBrk="0" hangingPunct="0">
+                <a:lnSpc>
+                  <a:spcPct val="100000"/>
+                </a:lnSpc>
+                <a:spcBef>
+                  <a:spcPct val="0"/>
+                </a:spcBef>
+                <a:spcAft>
+                  <a:spcPct val="0"/>
+                </a:spcAft>
+                <a:buClrTx/>
+                <a:buSzTx/>
+                <a:buFontTx/>
+                <a:buNone/>
+                <a:tabLst/>
+              </a:pPr>
+              <a:endParaRPr kumimoji="0" lang="en-US" sz="2400" b="0" i="0" u="none" strike="noStrike" cap="none" normalizeH="0" baseline="0" smtClean="0">
+                <a:ln>
+                  <a:noFill/>
+                </a:ln>
+                <a:solidFill>
+                  <a:schemeClr val="tx1"/>
+                </a:solidFill>
+                <a:effectLst/>
+                <a:latin typeface="Times" pitchFamily="1" charset="0"/>
+              </a:endParaRPr>
+            </a:p>
+          </p:txBody>
+        </p:sp>
+        <p:sp>
+          <p:nvSpPr>
+            <p:cNvPr id="15" name="Rectangle 14"/>
+            <p:cNvSpPr/>
+            <p:nvPr/>
+          </p:nvSpPr>
+          <p:spPr bwMode="auto">
+            <a:xfrm>
+              <a:off x="5295428" y="3588419"/>
+              <a:ext cx="181467" cy="307878"/>
+            </a:xfrm>
+            <a:prstGeom prst="rect">
+              <a:avLst/>
+            </a:prstGeom>
+            <a:solidFill>
+              <a:schemeClr val="accent1"/>
+            </a:solidFill>
+            <a:ln w="9525" cap="flat" cmpd="sng" algn="ctr">
+              <a:noFill/>
+              <a:prstDash val="solid"/>
+              <a:round/>
+              <a:headEnd type="none" w="med" len="med"/>
+              <a:tailEnd type="none" w="med" len="med"/>
+            </a:ln>
+            <a:effectLst/>
+          </p:spPr>
+          <p:txBody>
+            <a:bodyPr vert="horz" wrap="square" lIns="91440" tIns="45720" rIns="91440" bIns="45720" numCol="1" rtlCol="0" anchor="t" anchorCtr="0" compatLnSpc="1">
+              <a:prstTxWarp prst="textNoShape">
+                <a:avLst/>
+              </a:prstTxWarp>
+            </a:bodyPr>
+            <a:lstStyle/>
+            <a:p>
+              <a:pPr marL="0" marR="0" indent="0" algn="l" defTabSz="914400" rtl="0" eaLnBrk="0" fontAlgn="base" latinLnBrk="0" hangingPunct="0">
+                <a:lnSpc>
+                  <a:spcPct val="100000"/>
+                </a:lnSpc>
+                <a:spcBef>
+                  <a:spcPct val="0"/>
+                </a:spcBef>
+                <a:spcAft>
+                  <a:spcPct val="0"/>
+                </a:spcAft>
+                <a:buClrTx/>
+                <a:buSzTx/>
+                <a:buFontTx/>
+                <a:buNone/>
+                <a:tabLst/>
+              </a:pPr>
+              <a:endParaRPr kumimoji="0" lang="en-US" sz="2400" b="0" i="0" u="none" strike="noStrike" cap="none" normalizeH="0" baseline="0" smtClean="0">
+                <a:ln>
+                  <a:noFill/>
+                </a:ln>
+                <a:solidFill>
+                  <a:schemeClr val="tx1"/>
+                </a:solidFill>
+                <a:effectLst/>
+                <a:latin typeface="Times" pitchFamily="1" charset="0"/>
+              </a:endParaRPr>
+            </a:p>
+          </p:txBody>
+        </p:sp>
+        <p:sp>
+          <p:nvSpPr>
+            <p:cNvPr id="16" name="Rectangle 15"/>
+            <p:cNvSpPr/>
+            <p:nvPr/>
+          </p:nvSpPr>
+          <p:spPr bwMode="auto">
+            <a:xfrm>
+              <a:off x="5880337" y="3426940"/>
+              <a:ext cx="221597" cy="307878"/>
+            </a:xfrm>
+            <a:prstGeom prst="rect">
+              <a:avLst/>
+            </a:prstGeom>
+            <a:solidFill>
+              <a:schemeClr val="accent1"/>
+            </a:solidFill>
+            <a:ln w="9525" cap="flat" cmpd="sng" algn="ctr">
+              <a:noFill/>
+              <a:prstDash val="solid"/>
+              <a:round/>
+              <a:headEnd type="none" w="med" len="med"/>
+              <a:tailEnd type="none" w="med" len="med"/>
+            </a:ln>
+            <a:effectLst/>
+          </p:spPr>
+          <p:txBody>
+            <a:bodyPr vert="horz" wrap="square" lIns="91440" tIns="45720" rIns="91440" bIns="45720" numCol="1" rtlCol="0" anchor="t" anchorCtr="0" compatLnSpc="1">
+              <a:prstTxWarp prst="textNoShape">
+                <a:avLst/>
+              </a:prstTxWarp>
+            </a:bodyPr>
+            <a:lstStyle/>
+            <a:p>
+              <a:pPr marL="0" marR="0" indent="0" algn="l" defTabSz="914400" rtl="0" eaLnBrk="0" fontAlgn="base" latinLnBrk="0" hangingPunct="0">
+                <a:lnSpc>
+                  <a:spcPct val="100000"/>
+                </a:lnSpc>
+                <a:spcBef>
+                  <a:spcPct val="0"/>
+                </a:spcBef>
+                <a:spcAft>
+                  <a:spcPct val="0"/>
+                </a:spcAft>
+                <a:buClrTx/>
+                <a:buSzTx/>
+                <a:buFontTx/>
+                <a:buNone/>
+                <a:tabLst/>
+              </a:pPr>
+              <a:endParaRPr kumimoji="0" lang="en-US" sz="2400" b="0" i="0" u="none" strike="noStrike" cap="none" normalizeH="0" baseline="0" smtClean="0">
+                <a:ln>
+                  <a:noFill/>
+                </a:ln>
+                <a:solidFill>
+                  <a:schemeClr val="tx1"/>
+                </a:solidFill>
+                <a:effectLst/>
+                <a:latin typeface="Times" pitchFamily="1" charset="0"/>
+              </a:endParaRPr>
+            </a:p>
+          </p:txBody>
+        </p:sp>
+        <p:pic>
+          <p:nvPicPr>
+            <p:cNvPr id="17" name="Picture 4" descr="http://img.directindustry.com/images_di/photo-g/uavs-mini-100901-2965447.jpg"/>
+            <p:cNvPicPr>
+              <a:picLocks noChangeAspect="1" noChangeArrowheads="1"/>
+            </p:cNvPicPr>
+            <p:nvPr/>
+          </p:nvPicPr>
+          <p:blipFill rotWithShape="1">
+            <a:blip r:embed="rId5" cstate="print">
+              <a:extLst>
+                <a:ext uri="{28A0092B-C50C-407E-A947-70E740481C1C}">
+                  <a14:useLocalDpi xmlns:a14="http://schemas.microsoft.com/office/drawing/2010/main" val="0"/>
+                </a:ext>
+              </a:extLst>
+            </a:blip>
+            <a:srcRect l="16829" t="10180" r="12050" b="13056"/>
+            <a:stretch/>
+          </p:blipFill>
+          <p:spPr bwMode="auto">
+            <a:xfrm>
+              <a:off x="6246882" y="3580510"/>
+              <a:ext cx="427552" cy="308615"/>
+            </a:xfrm>
+            <a:prstGeom prst="rect">
+              <a:avLst/>
+            </a:prstGeom>
+            <a:noFill/>
+            <a:extLst>
+              <a:ext uri="{909E8E84-426E-40DD-AFC4-6F175D3DCCD1}">
+                <a14:hiddenFill xmlns:a14="http://schemas.microsoft.com/office/drawing/2010/main">
+                  <a:solidFill>
+                    <a:srgbClr val="FFFFFF"/>
+                  </a:solidFill>
+                </a14:hiddenFill>
+              </a:ext>
+            </a:extLst>
+          </p:spPr>
+        </p:pic>
+        <p:pic>
+          <p:nvPicPr>
+            <p:cNvPr id="18" name="Picture 4" descr="http://img.directindustry.com/images_di/photo-g/uavs-mini-100901-2965447.jpg"/>
+            <p:cNvPicPr>
+              <a:picLocks noChangeAspect="1" noChangeArrowheads="1"/>
+            </p:cNvPicPr>
+            <p:nvPr/>
+          </p:nvPicPr>
+          <p:blipFill rotWithShape="1">
+            <a:blip r:embed="rId5" cstate="print">
+              <a:extLst>
+                <a:ext uri="{28A0092B-C50C-407E-A947-70E740481C1C}">
+                  <a14:useLocalDpi xmlns:a14="http://schemas.microsoft.com/office/drawing/2010/main" val="0"/>
+                </a:ext>
+              </a:extLst>
+            </a:blip>
+            <a:srcRect l="16829" t="10180" r="12050" b="13056"/>
+            <a:stretch/>
+          </p:blipFill>
+          <p:spPr bwMode="auto">
+            <a:xfrm>
+              <a:off x="7477088" y="3425771"/>
+              <a:ext cx="427552" cy="308615"/>
+            </a:xfrm>
+            <a:prstGeom prst="rect">
+              <a:avLst/>
+            </a:prstGeom>
+            <a:noFill/>
+            <a:extLst>
+              <a:ext uri="{909E8E84-426E-40DD-AFC4-6F175D3DCCD1}">
+                <a14:hiddenFill xmlns:a14="http://schemas.microsoft.com/office/drawing/2010/main">
+                  <a:solidFill>
+                    <a:srgbClr val="FFFFFF"/>
+                  </a:solidFill>
+                </a14:hiddenFill>
+              </a:ext>
+            </a:extLst>
+          </p:spPr>
+        </p:pic>
+        <p:sp>
+          <p:nvSpPr>
+            <p:cNvPr id="19" name="Rectangle 18"/>
+            <p:cNvSpPr/>
+            <p:nvPr/>
+          </p:nvSpPr>
+          <p:spPr bwMode="auto">
+            <a:xfrm>
+              <a:off x="7542587" y="3734386"/>
+              <a:ext cx="301046" cy="98133"/>
+            </a:xfrm>
+            <a:prstGeom prst="rect">
+              <a:avLst/>
+            </a:prstGeom>
+            <a:solidFill>
+              <a:schemeClr val="accent1"/>
+            </a:solidFill>
+            <a:ln w="9525" cap="flat" cmpd="sng" algn="ctr">
+              <a:noFill/>
+              <a:prstDash val="solid"/>
+              <a:round/>
+              <a:headEnd type="none" w="med" len="med"/>
+              <a:tailEnd type="none" w="med" len="med"/>
+            </a:ln>
+            <a:effectLst/>
+          </p:spPr>
+          <p:txBody>
+            <a:bodyPr vert="horz" wrap="square" lIns="91440" tIns="45720" rIns="91440" bIns="45720" numCol="1" rtlCol="0" anchor="t" anchorCtr="0" compatLnSpc="1">
+              <a:prstTxWarp prst="textNoShape">
+                <a:avLst/>
+              </a:prstTxWarp>
+            </a:bodyPr>
+            <a:lstStyle/>
+            <a:p>
+              <a:pPr marL="0" marR="0" indent="0" algn="l" defTabSz="914400" rtl="0" eaLnBrk="0" fontAlgn="base" latinLnBrk="0" hangingPunct="0">
+                <a:lnSpc>
+                  <a:spcPct val="100000"/>
+                </a:lnSpc>
+                <a:spcBef>
+                  <a:spcPct val="0"/>
+                </a:spcBef>
+                <a:spcAft>
+                  <a:spcPct val="0"/>
+                </a:spcAft>
+                <a:buClrTx/>
+                <a:buSzTx/>
+                <a:buFontTx/>
+                <a:buNone/>
+                <a:tabLst/>
+              </a:pPr>
+              <a:endParaRPr kumimoji="0" lang="en-US" sz="2400" b="0" i="0" u="none" strike="noStrike" cap="none" normalizeH="0" baseline="0" smtClean="0">
+                <a:ln>
+                  <a:noFill/>
+                </a:ln>
+                <a:solidFill>
+                  <a:schemeClr val="tx1"/>
+                </a:solidFill>
+                <a:effectLst/>
+                <a:latin typeface="Times" pitchFamily="1" charset="0"/>
+              </a:endParaRPr>
+            </a:p>
+          </p:txBody>
+        </p:sp>
+        <p:pic>
+          <p:nvPicPr>
+            <p:cNvPr id="20" name="Picture 4" descr="http://img.directindustry.com/images_di/photo-g/uavs-mini-100901-2965447.jpg"/>
+            <p:cNvPicPr>
+              <a:picLocks noChangeAspect="1" noChangeArrowheads="1"/>
+            </p:cNvPicPr>
+            <p:nvPr/>
+          </p:nvPicPr>
+          <p:blipFill rotWithShape="1">
+            <a:blip r:embed="rId5" cstate="print">
+              <a:extLst>
+                <a:ext uri="{28A0092B-C50C-407E-A947-70E740481C1C}">
+                  <a14:useLocalDpi xmlns:a14="http://schemas.microsoft.com/office/drawing/2010/main" val="0"/>
+                </a:ext>
+              </a:extLst>
+            </a:blip>
+            <a:srcRect l="16829" t="10180" r="12050" b="13056"/>
+            <a:stretch/>
+          </p:blipFill>
+          <p:spPr bwMode="auto">
+            <a:xfrm>
+              <a:off x="7853554" y="3973445"/>
+              <a:ext cx="427552" cy="308615"/>
+            </a:xfrm>
+            <a:prstGeom prst="rect">
+              <a:avLst/>
+            </a:prstGeom>
+            <a:noFill/>
+            <a:extLst>
+              <a:ext uri="{909E8E84-426E-40DD-AFC4-6F175D3DCCD1}">
+                <a14:hiddenFill xmlns:a14="http://schemas.microsoft.com/office/drawing/2010/main">
+                  <a:solidFill>
+                    <a:srgbClr val="FFFFFF"/>
+                  </a:solidFill>
+                </a14:hiddenFill>
+              </a:ext>
+            </a:extLst>
+          </p:spPr>
+        </p:pic>
+        <p:sp>
+          <p:nvSpPr>
+            <p:cNvPr id="21" name="Rectangle 20"/>
+            <p:cNvSpPr/>
+            <p:nvPr/>
+          </p:nvSpPr>
+          <p:spPr bwMode="auto">
+            <a:xfrm>
+              <a:off x="7786255" y="3944315"/>
+              <a:ext cx="85091" cy="307878"/>
+            </a:xfrm>
+            <a:prstGeom prst="rect">
+              <a:avLst/>
+            </a:prstGeom>
+            <a:solidFill>
+              <a:schemeClr val="accent1"/>
+            </a:solidFill>
+            <a:ln w="9525" cap="flat" cmpd="sng" algn="ctr">
+              <a:noFill/>
+              <a:prstDash val="solid"/>
+              <a:round/>
+              <a:headEnd type="none" w="med" len="med"/>
+              <a:tailEnd type="none" w="med" len="med"/>
+            </a:ln>
+            <a:effectLst/>
+          </p:spPr>
+          <p:txBody>
+            <a:bodyPr vert="horz" wrap="square" lIns="91440" tIns="45720" rIns="91440" bIns="45720" numCol="1" rtlCol="0" anchor="t" anchorCtr="0" compatLnSpc="1">
+              <a:prstTxWarp prst="textNoShape">
+                <a:avLst/>
+              </a:prstTxWarp>
+            </a:bodyPr>
+            <a:lstStyle/>
+            <a:p>
+              <a:pPr marL="0" marR="0" indent="0" algn="l" defTabSz="914400" rtl="0" eaLnBrk="0" fontAlgn="base" latinLnBrk="0" hangingPunct="0">
+                <a:lnSpc>
+                  <a:spcPct val="100000"/>
+                </a:lnSpc>
+                <a:spcBef>
+                  <a:spcPct val="0"/>
+                </a:spcBef>
+                <a:spcAft>
+                  <a:spcPct val="0"/>
+                </a:spcAft>
+                <a:buClrTx/>
+                <a:buSzTx/>
+                <a:buFontTx/>
+                <a:buNone/>
+                <a:tabLst/>
+              </a:pPr>
+              <a:endParaRPr kumimoji="0" lang="en-US" sz="2400" b="0" i="0" u="none" strike="noStrike" cap="none" normalizeH="0" baseline="0" smtClean="0">
+                <a:ln>
+                  <a:noFill/>
+                </a:ln>
+                <a:solidFill>
+                  <a:schemeClr val="tx1"/>
+                </a:solidFill>
+                <a:effectLst/>
+                <a:latin typeface="Times" pitchFamily="1" charset="0"/>
+              </a:endParaRPr>
+            </a:p>
+          </p:txBody>
+        </p:sp>
+        <p:sp>
+          <p:nvSpPr>
+            <p:cNvPr id="22" name="Rectangle 21"/>
+            <p:cNvSpPr/>
+            <p:nvPr/>
+          </p:nvSpPr>
+          <p:spPr bwMode="auto">
+            <a:xfrm>
+              <a:off x="7843633" y="4262123"/>
+              <a:ext cx="301046" cy="98133"/>
+            </a:xfrm>
+            <a:prstGeom prst="rect">
+              <a:avLst/>
+            </a:prstGeom>
+            <a:solidFill>
+              <a:schemeClr val="accent1"/>
+            </a:solidFill>
+            <a:ln w="9525" cap="flat" cmpd="sng" algn="ctr">
+              <a:noFill/>
+              <a:prstDash val="solid"/>
+              <a:round/>
+              <a:headEnd type="none" w="med" len="med"/>
+              <a:tailEnd type="none" w="med" len="med"/>
+            </a:ln>
+            <a:effectLst/>
+          </p:spPr>
+          <p:txBody>
+            <a:bodyPr vert="horz" wrap="square" lIns="91440" tIns="45720" rIns="91440" bIns="45720" numCol="1" rtlCol="0" anchor="t" anchorCtr="0" compatLnSpc="1">
+              <a:prstTxWarp prst="textNoShape">
+                <a:avLst/>
+              </a:prstTxWarp>
+            </a:bodyPr>
+            <a:lstStyle/>
+            <a:p>
+              <a:pPr marL="0" marR="0" indent="0" algn="l" defTabSz="914400" rtl="0" eaLnBrk="0" fontAlgn="base" latinLnBrk="0" hangingPunct="0">
+                <a:lnSpc>
+                  <a:spcPct val="100000"/>
+                </a:lnSpc>
+                <a:spcBef>
+                  <a:spcPct val="0"/>
+                </a:spcBef>
+                <a:spcAft>
+                  <a:spcPct val="0"/>
+                </a:spcAft>
+                <a:buClrTx/>
+                <a:buSzTx/>
+                <a:buFontTx/>
+                <a:buNone/>
+                <a:tabLst/>
+              </a:pPr>
+              <a:endParaRPr kumimoji="0" lang="en-US" sz="2400" b="0" i="0" u="none" strike="noStrike" cap="none" normalizeH="0" baseline="0" smtClean="0">
+                <a:ln>
+                  <a:noFill/>
+                </a:ln>
+                <a:solidFill>
+                  <a:schemeClr val="tx1"/>
+                </a:solidFill>
+                <a:effectLst/>
+                <a:latin typeface="Times" pitchFamily="1" charset="0"/>
+              </a:endParaRPr>
+            </a:p>
+          </p:txBody>
+        </p:sp>
+        <p:sp>
+          <p:nvSpPr>
+            <p:cNvPr id="23" name="Rectangle 22"/>
+            <p:cNvSpPr/>
+            <p:nvPr/>
+          </p:nvSpPr>
+          <p:spPr bwMode="auto">
+            <a:xfrm>
+              <a:off x="7635731" y="4521671"/>
+              <a:ext cx="508947" cy="253529"/>
+            </a:xfrm>
+            <a:prstGeom prst="rect">
+              <a:avLst/>
+            </a:prstGeom>
+            <a:solidFill>
+              <a:schemeClr val="accent1"/>
+            </a:solidFill>
+            <a:ln w="9525" cap="flat" cmpd="sng" algn="ctr">
+              <a:noFill/>
+              <a:prstDash val="solid"/>
+              <a:round/>
+              <a:headEnd type="none" w="med" len="med"/>
+              <a:tailEnd type="none" w="med" len="med"/>
+            </a:ln>
+            <a:effectLst/>
+          </p:spPr>
+          <p:txBody>
+            <a:bodyPr vert="horz" wrap="square" lIns="91440" tIns="45720" rIns="91440" bIns="45720" numCol="1" rtlCol="0" anchor="t" anchorCtr="0" compatLnSpc="1">
+              <a:prstTxWarp prst="textNoShape">
+                <a:avLst/>
+              </a:prstTxWarp>
+            </a:bodyPr>
+            <a:lstStyle/>
+            <a:p>
+              <a:pPr marL="0" marR="0" indent="0" algn="l" defTabSz="914400" rtl="0" eaLnBrk="0" fontAlgn="base" latinLnBrk="0" hangingPunct="0">
+                <a:lnSpc>
+                  <a:spcPct val="100000"/>
+                </a:lnSpc>
+                <a:spcBef>
+                  <a:spcPct val="0"/>
+                </a:spcBef>
+                <a:spcAft>
+                  <a:spcPct val="0"/>
+                </a:spcAft>
+                <a:buClrTx/>
+                <a:buSzTx/>
+                <a:buFontTx/>
+                <a:buNone/>
+                <a:tabLst/>
+              </a:pPr>
+              <a:endParaRPr kumimoji="0" lang="en-US" sz="2400" b="0" i="0" u="none" strike="noStrike" cap="none" normalizeH="0" baseline="0" smtClean="0">
+                <a:ln>
+                  <a:noFill/>
+                </a:ln>
+                <a:solidFill>
+                  <a:schemeClr val="tx1"/>
+                </a:solidFill>
+                <a:effectLst/>
+                <a:latin typeface="Times" pitchFamily="1" charset="0"/>
+              </a:endParaRPr>
+            </a:p>
+          </p:txBody>
+        </p:sp>
+      </p:grpSp>
+    </p:spTree>
+    <p:extLst>
+      <p:ext uri="{BB962C8B-B14F-4D97-AF65-F5344CB8AC3E}">
+        <p14:creationId xmlns:p14="http://schemas.microsoft.com/office/powerpoint/2010/main" val="1830491879"/>
+      </p:ext>
+    </p:extLst>
+  </p:cSld>
+  <p:clrMapOvr>
+    <a:masterClrMapping/>
+  </p:clrMapOvr>
+  <p:timing>
+    <p:tnLst>
+      <p:par>
+        <p:cTn id="1" dur="indefinite" restart="never" nodeType="tmRoot"/>
+      </p:par>
+    </p:tnLst>
+  </p:timing>
+</p:sld>
+</file>
+
+<file path=ppt/slides/slide15.xml><?xml version="1.0" encoding="utf-8"?>
 <p:sld xmlns:a="http://schemas.openxmlformats.org/drawingml/2006/main" xmlns:r="http://schemas.openxmlformats.org/officeDocument/2006/relationships" xmlns:p="http://schemas.openxmlformats.org/presentationml/2006/main">
   <p:cSld>
     <p:spTree>
@@ -7760,7 +8575,7 @@
 </p:sld>
 </file>
 
-<file path=ppt/slides/slide15.xml><?xml version="1.0" encoding="utf-8"?>
+<file path=ppt/slides/slide16.xml><?xml version="1.0" encoding="utf-8"?>
 <p:sld xmlns:a="http://schemas.openxmlformats.org/drawingml/2006/main" xmlns:r="http://schemas.openxmlformats.org/officeDocument/2006/relationships" xmlns:p="http://schemas.openxmlformats.org/presentationml/2006/main">
   <p:cSld>
     <p:spTree>
@@ -7873,7 +8688,7 @@
 </p:sld>
 </file>
 
-<file path=ppt/slides/slide16.xml><?xml version="1.0" encoding="utf-8"?>
+<file path=ppt/slides/slide17.xml><?xml version="1.0" encoding="utf-8"?>
 <p:sld xmlns:a="http://schemas.openxmlformats.org/drawingml/2006/main" xmlns:r="http://schemas.openxmlformats.org/officeDocument/2006/relationships" xmlns:p="http://schemas.openxmlformats.org/presentationml/2006/main">
   <p:cSld>
     <p:spTree>
@@ -8172,7 +8987,7 @@
 </p:sld>
 </file>
 
-<file path=ppt/slides/slide17.xml><?xml version="1.0" encoding="utf-8"?>
+<file path=ppt/slides/slide18.xml><?xml version="1.0" encoding="utf-8"?>
 <p:sld xmlns:a="http://schemas.openxmlformats.org/drawingml/2006/main" xmlns:r="http://schemas.openxmlformats.org/officeDocument/2006/relationships" xmlns:p="http://schemas.openxmlformats.org/presentationml/2006/main">
   <p:cSld>
     <p:spTree>
@@ -8372,7 +9187,7 @@
 </p:sld>
 </file>
 
-<file path=ppt/slides/slide18.xml><?xml version="1.0" encoding="utf-8"?>
+<file path=ppt/slides/slide19.xml><?xml version="1.0" encoding="utf-8"?>
 <p:sld xmlns:a="http://schemas.openxmlformats.org/drawingml/2006/main" xmlns:r="http://schemas.openxmlformats.org/officeDocument/2006/relationships" xmlns:p="http://schemas.openxmlformats.org/presentationml/2006/main">
   <p:cSld>
     <p:spTree>
@@ -10109,11 +10924,7 @@
             </a:r>
             <a:r>
               <a:rPr lang="en-US" b="1" dirty="0" smtClean="0"/>
-              <a:t>10 AM – 12 PM </a:t>
-            </a:r>
-            <a:r>
-              <a:rPr lang="en-US" b="1" dirty="0" smtClean="0"/>
-              <a:t>Monday </a:t>
+              <a:t>10 AM – 12 PM Monday </a:t>
             </a:r>
             <a:r>
               <a:rPr lang="en-US" dirty="0" smtClean="0"/>
@@ -10171,11 +10982,7 @@
             <a:pPr lvl="2"/>
             <a:r>
               <a:rPr lang="en-US" dirty="0" smtClean="0"/>
-              <a:t>Office </a:t>
-            </a:r>
-            <a:r>
-              <a:rPr lang="en-US" dirty="0" smtClean="0"/>
-              <a:t>hours: </a:t>
+              <a:t>Office hours: </a:t>
             </a:r>
             <a:r>
               <a:rPr lang="en-US" b="1" dirty="0"/>
@@ -10417,12 +11224,6 @@
               </a:rPr>
               <a:t>needed</a:t>
             </a:r>
-            <a:endParaRPr lang="en-US" dirty="0" smtClean="0">
-              <a:solidFill>
-                <a:srgbClr val="FF0000"/>
-              </a:solidFill>
-              <a:latin typeface="+mj-lt"/>
-            </a:endParaRPr>
           </a:p>
         </p:txBody>
       </p:sp>

--- a/lectures/lec0/Lec0-CourseMechanisms.pptx
+++ b/lectures/lec0/Lec0-CourseMechanisms.pptx
@@ -314,7 +314,7 @@
             <a:fld id="{F33530C9-BF13-40EE-A1EC-EBBB0134EBBA}" type="datetime1">
               <a:rPr lang="en-US"/>
               <a:pPr/>
-              <a:t>9/21/2015 Monday</a:t>
+              <a:t>9/21/2015</a:t>
             </a:fld>
             <a:endParaRPr lang="en-US"/>
           </a:p>
@@ -532,7 +532,7 @@
             <a:fld id="{7DD20F8F-B3A0-465C-A2C5-4272F8BE0711}" type="datetime1">
               <a:rPr lang="en-US"/>
               <a:pPr/>
-              <a:t>9/21/2015 Monday</a:t>
+              <a:t>9/21/2015</a:t>
             </a:fld>
             <a:endParaRPr lang="en-US"/>
           </a:p>
@@ -931,7 +931,7 @@
             <a:fld id="{7DD20F8F-B3A0-465C-A2C5-4272F8BE0711}" type="datetime1">
               <a:rPr lang="en-US" smtClean="0"/>
               <a:pPr/>
-              <a:t>9/21/2015 Monday</a:t>
+              <a:t>9/21/2015</a:t>
             </a:fld>
             <a:endParaRPr lang="en-US"/>
           </a:p>
@@ -1042,7 +1042,7 @@
             <a:fld id="{7DD20F8F-B3A0-465C-A2C5-4272F8BE0711}" type="datetime1">
               <a:rPr lang="en-US" smtClean="0"/>
               <a:pPr/>
-              <a:t>9/21/2015 Monday</a:t>
+              <a:t>9/21/2015</a:t>
             </a:fld>
             <a:endParaRPr lang="en-US"/>
           </a:p>
@@ -1155,7 +1155,7 @@
             <a:fld id="{7DD20F8F-B3A0-465C-A2C5-4272F8BE0711}" type="datetime1">
               <a:rPr lang="en-US" smtClean="0"/>
               <a:pPr/>
-              <a:t>9/21/2015 Monday</a:t>
+              <a:t>9/21/2015</a:t>
             </a:fld>
             <a:endParaRPr lang="en-US"/>
           </a:p>
@@ -5970,22 +5970,14 @@
           <a:p>
             <a:r>
               <a:rPr lang="en-US" dirty="0" smtClean="0"/>
-              <a:t>Quarter 2 – </a:t>
-            </a:r>
-            <a:r>
-              <a:rPr lang="en-US" dirty="0" smtClean="0"/>
-              <a:t>Option 1: Performance </a:t>
-            </a:r>
-            <a:r>
-              <a:rPr lang="en-US" dirty="0" smtClean="0"/>
-              <a:t>Competition</a:t>
+              <a:t>Quarter 2 – Option 1: Performance Competition</a:t>
             </a:r>
             <a:endParaRPr lang="en-US" dirty="0"/>
           </a:p>
         </p:txBody>
       </p:sp>
-      <mc:AlternateContent xmlns:mc="http://schemas.openxmlformats.org/markup-compatibility/2006">
-        <mc:Choice xmlns:a14="http://schemas.microsoft.com/office/drawing/2010/main" Requires="a14">
+      <mc:AlternateContent xmlns:mc="http://schemas.openxmlformats.org/markup-compatibility/2006" xmlns:a14="http://schemas.microsoft.com/office/drawing/2010/main">
+        <mc:Choice Requires="a14">
           <p:sp>
             <p:nvSpPr>
               <p:cNvPr id="3" name="Text Placeholder 2"/>
@@ -6003,11 +5995,7 @@
               <a:p>
                 <a:r>
                   <a:rPr lang="en-US" dirty="0" smtClean="0"/>
-                  <a:t>Competition: measure </a:t>
-                </a:r>
-                <a:r>
-                  <a:rPr lang="en-US" dirty="0" smtClean="0"/>
-                  <a:t>the distance of </a:t>
+                  <a:t>Competition: measure the distance of </a:t>
                 </a:r>
                 <a:r>
                   <a:rPr lang="en-US" i="1" dirty="0" smtClean="0"/>
@@ -6023,22 +6011,30 @@
                 <a14:m>
                   <m:oMath xmlns:m="http://schemas.openxmlformats.org/officeDocument/2006/math">
                     <m:r>
-                      <a:rPr lang="en-US"/>
+                      <a:rPr lang="en-US">
+                        <a:latin typeface="Cambria Math" panose="02040503050406030204" pitchFamily="18" charset="0"/>
+                      </a:rPr>
                       <m:t>𝑠𝑐𝑜𝑟𝑒</m:t>
                     </m:r>
                     <m:r>
-                      <a:rPr lang="en-US"/>
+                      <a:rPr lang="en-US">
+                        <a:latin typeface="Cambria Math" panose="02040503050406030204" pitchFamily="18" charset="0"/>
+                      </a:rPr>
                       <m:t>=</m:t>
                     </m:r>
                     <m:r>
-                      <a:rPr lang="en-US"/>
+                      <a:rPr lang="en-US">
+                        <a:latin typeface="Cambria Math" panose="02040503050406030204" pitchFamily="18" charset="0"/>
+                      </a:rPr>
                       <m:t>𝑊𝑃</m:t>
                     </m:r>
                     <m:nary>
                       <m:naryPr>
                         <m:chr m:val="∏"/>
                         <m:ctrlPr>
-                          <a:rPr lang="en-US"/>
+                          <a:rPr lang="en-US" i="1">
+                            <a:latin typeface="Cambria Math" panose="02040503050406030204" pitchFamily="18" charset="0"/>
+                          </a:rPr>
                         </m:ctrlPr>
                       </m:naryPr>
                       <m:sub>
@@ -6046,17 +6042,23 @@
                           <m:rPr>
                             <m:brk m:alnAt="23"/>
                           </m:rPr>
-                          <a:rPr lang="en-US"/>
+                          <a:rPr lang="en-US">
+                            <a:latin typeface="Cambria Math" panose="02040503050406030204" pitchFamily="18" charset="0"/>
+                          </a:rPr>
                           <m:t>𝑖</m:t>
                         </m:r>
                         <m:r>
-                          <a:rPr lang="en-US"/>
+                          <a:rPr lang="en-US">
+                            <a:latin typeface="Cambria Math" panose="02040503050406030204" pitchFamily="18" charset="0"/>
+                          </a:rPr>
                           <m:t>=1</m:t>
                         </m:r>
                       </m:sub>
                       <m:sup>
                         <m:r>
-                          <a:rPr lang="en-US"/>
+                          <a:rPr lang="en-US">
+                            <a:latin typeface="Cambria Math" panose="02040503050406030204" pitchFamily="18" charset="0"/>
+                          </a:rPr>
                           <m:t>𝑁</m:t>
                         </m:r>
                       </m:sup>
@@ -6064,21 +6066,27 @@
                         <m:d>
                           <m:dPr>
                             <m:ctrlPr>
-                              <a:rPr lang="en-US"/>
+                              <a:rPr lang="en-US" i="1">
+                                <a:latin typeface="Cambria Math" panose="02040503050406030204" pitchFamily="18" charset="0"/>
+                              </a:rPr>
                             </m:ctrlPr>
                           </m:dPr>
                           <m:e>
                             <m:f>
                               <m:fPr>
                                 <m:ctrlPr>
-                                  <a:rPr lang="en-US"/>
+                                  <a:rPr lang="en-US" i="1">
+                                    <a:latin typeface="Cambria Math" panose="02040503050406030204" pitchFamily="18" charset="0"/>
+                                  </a:rPr>
                                 </m:ctrlPr>
                               </m:fPr>
                               <m:num>
                                 <m:sSub>
                                   <m:sSubPr>
                                     <m:ctrlPr>
-                                      <a:rPr lang="en-US"/>
+                                      <a:rPr lang="en-US" i="1">
+                                        <a:latin typeface="Cambria Math" panose="02040503050406030204" pitchFamily="18" charset="0"/>
+                                      </a:rPr>
                                     </m:ctrlPr>
                                   </m:sSubPr>
                                   <m:e>
@@ -6086,12 +6094,16 @@
                                       <m:accPr>
                                         <m:chr m:val="̂"/>
                                         <m:ctrlPr>
-                                          <a:rPr lang="en-US"/>
+                                          <a:rPr lang="en-US" i="1">
+                                            <a:latin typeface="Cambria Math" panose="02040503050406030204" pitchFamily="18" charset="0"/>
+                                          </a:rPr>
                                         </m:ctrlPr>
                                       </m:accPr>
                                       <m:e>
                                         <m:r>
-                                          <a:rPr lang="en-US"/>
+                                          <a:rPr lang="en-US">
+                                            <a:latin typeface="Cambria Math" panose="02040503050406030204" pitchFamily="18" charset="0"/>
+                                          </a:rPr>
                                           <m:t>𝐿</m:t>
                                         </m:r>
                                       </m:e>
@@ -6099,30 +6111,40 @@
                                   </m:e>
                                   <m:sub>
                                     <m:r>
-                                      <a:rPr lang="en-US"/>
+                                      <a:rPr lang="en-US">
+                                        <a:latin typeface="Cambria Math" panose="02040503050406030204" pitchFamily="18" charset="0"/>
+                                      </a:rPr>
                                       <m:t>𝑖</m:t>
                                     </m:r>
                                   </m:sub>
                                 </m:sSub>
                                 <m:r>
-                                  <a:rPr lang="en-US"/>
+                                  <a:rPr lang="en-US">
+                                    <a:latin typeface="Cambria Math" panose="02040503050406030204" pitchFamily="18" charset="0"/>
+                                  </a:rPr>
                                   <m:t>−</m:t>
                                 </m:r>
                                 <m:sSub>
                                   <m:sSubPr>
                                     <m:ctrlPr>
-                                      <a:rPr lang="en-US"/>
+                                      <a:rPr lang="en-US" i="1">
+                                        <a:latin typeface="Cambria Math" panose="02040503050406030204" pitchFamily="18" charset="0"/>
+                                      </a:rPr>
                                     </m:ctrlPr>
                                   </m:sSubPr>
                                   <m:e>
                                     <m:r>
-                                      <a:rPr lang="en-US"/>
+                                      <a:rPr lang="en-US">
+                                        <a:latin typeface="Cambria Math" panose="02040503050406030204" pitchFamily="18" charset="0"/>
+                                      </a:rPr>
                                       <m:t>𝐿</m:t>
                                     </m:r>
                                   </m:e>
                                   <m:sub>
                                     <m:r>
-                                      <a:rPr lang="en-US"/>
+                                      <a:rPr lang="en-US">
+                                        <a:latin typeface="Cambria Math" panose="02040503050406030204" pitchFamily="18" charset="0"/>
+                                      </a:rPr>
                                       <m:t>𝑖</m:t>
                                     </m:r>
                                   </m:sub>
@@ -6132,18 +6154,24 @@
                                 <m:sSub>
                                   <m:sSubPr>
                                     <m:ctrlPr>
-                                      <a:rPr lang="en-US"/>
+                                      <a:rPr lang="en-US" i="1">
+                                        <a:latin typeface="Cambria Math" panose="02040503050406030204" pitchFamily="18" charset="0"/>
+                                      </a:rPr>
                                     </m:ctrlPr>
                                   </m:sSubPr>
                                   <m:e>
                                     <m:r>
-                                      <a:rPr lang="en-US"/>
+                                      <a:rPr lang="en-US">
+                                        <a:latin typeface="Cambria Math" panose="02040503050406030204" pitchFamily="18" charset="0"/>
+                                      </a:rPr>
                                       <m:t>𝐿</m:t>
                                     </m:r>
                                   </m:e>
                                   <m:sub>
                                     <m:r>
-                                      <a:rPr lang="en-US"/>
+                                      <a:rPr lang="en-US">
+                                        <a:latin typeface="Cambria Math" panose="02040503050406030204" pitchFamily="18" charset="0"/>
+                                      </a:rPr>
                                       <m:t>𝑖</m:t>
                                     </m:r>
                                   </m:sub>
@@ -6165,7 +6193,9 @@
                     <m:sSub>
                       <m:sSubPr>
                         <m:ctrlPr>
-                          <a:rPr lang="en-US"/>
+                          <a:rPr lang="en-US" i="1">
+                            <a:latin typeface="Cambria Math" panose="02040503050406030204" pitchFamily="18" charset="0"/>
+                          </a:rPr>
                         </m:ctrlPr>
                       </m:sSubPr>
                       <m:e>
@@ -6173,12 +6203,16 @@
                           <m:accPr>
                             <m:chr m:val="̂"/>
                             <m:ctrlPr>
-                              <a:rPr lang="en-US"/>
+                              <a:rPr lang="en-US" i="1">
+                                <a:latin typeface="Cambria Math" panose="02040503050406030204" pitchFamily="18" charset="0"/>
+                              </a:rPr>
                             </m:ctrlPr>
                           </m:accPr>
                           <m:e>
                             <m:r>
-                              <a:rPr lang="en-US"/>
+                              <a:rPr lang="en-US">
+                                <a:latin typeface="Cambria Math" panose="02040503050406030204" pitchFamily="18" charset="0"/>
+                              </a:rPr>
                               <m:t>𝐿</m:t>
                             </m:r>
                           </m:e>
@@ -6186,7 +6220,9 @@
                       </m:e>
                       <m:sub>
                         <m:r>
-                          <a:rPr lang="en-US"/>
+                          <a:rPr lang="en-US">
+                            <a:latin typeface="Cambria Math" panose="02040503050406030204" pitchFamily="18" charset="0"/>
+                          </a:rPr>
                           <m:t>𝑖</m:t>
                         </m:r>
                       </m:sub>
@@ -6213,18 +6249,24 @@
                     <m:sSub>
                       <m:sSubPr>
                         <m:ctrlPr>
-                          <a:rPr lang="en-US"/>
+                          <a:rPr lang="en-US" i="1">
+                            <a:latin typeface="Cambria Math" panose="02040503050406030204" pitchFamily="18" charset="0"/>
+                          </a:rPr>
                         </m:ctrlPr>
                       </m:sSubPr>
                       <m:e>
                         <m:r>
-                          <a:rPr lang="en-US"/>
+                          <a:rPr lang="en-US">
+                            <a:latin typeface="Cambria Math" panose="02040503050406030204" pitchFamily="18" charset="0"/>
+                          </a:rPr>
                           <m:t>𝐿</m:t>
                         </m:r>
                       </m:e>
                       <m:sub>
                         <m:r>
-                          <a:rPr lang="en-US"/>
+                          <a:rPr lang="en-US">
+                            <a:latin typeface="Cambria Math" panose="02040503050406030204" pitchFamily="18" charset="0"/>
+                          </a:rPr>
                           <m:t>𝑖</m:t>
                         </m:r>
                       </m:sub>
@@ -6233,15 +6275,7 @@
                 </a14:m>
                 <a:r>
                   <a:rPr lang="en-US" dirty="0"/>
-                  <a:t> is </a:t>
-                </a:r>
-                <a:r>
-                  <a:rPr lang="en-US" dirty="0"/>
-                  <a:t>the actual </a:t>
-                </a:r>
-                <a:r>
-                  <a:rPr lang="en-US" dirty="0"/>
-                  <a:t>distance to the </a:t>
+                  <a:t> is the actual distance to the </a:t>
                 </a:r>
                 <a:r>
                   <a:rPr lang="en-US" dirty="0" err="1"/>
@@ -6249,11 +6283,7 @@
                 </a:r>
                 <a:r>
                   <a:rPr lang="en-US" dirty="0"/>
-                  <a:t> </a:t>
-                </a:r>
-                <a:r>
-                  <a:rPr lang="en-US" dirty="0"/>
-                  <a:t>target</a:t>
+                  <a:t> target</a:t>
                 </a:r>
               </a:p>
               <a:p>
@@ -6261,22 +6291,16 @@
                 <a14:m>
                   <m:oMath xmlns:m="http://schemas.openxmlformats.org/officeDocument/2006/math">
                     <m:r>
-                      <a:rPr lang="en-US"/>
+                      <a:rPr lang="en-US">
+                        <a:latin typeface="Cambria Math" panose="02040503050406030204" pitchFamily="18" charset="0"/>
+                      </a:rPr>
                       <m:t>𝑊</m:t>
                     </m:r>
                   </m:oMath>
                 </a14:m>
                 <a:r>
                   <a:rPr lang="en-US" dirty="0"/>
-                  <a:t> is </a:t>
-                </a:r>
-                <a:r>
-                  <a:rPr lang="en-US" dirty="0"/>
-                  <a:t>the </a:t>
-                </a:r>
-                <a:r>
-                  <a:rPr lang="en-US" dirty="0"/>
-                  <a:t>weight of the radar system, including radar, processing unit</a:t>
+                  <a:t> is the weight of the radar system, including radar, processing unit</a:t>
                 </a:r>
               </a:p>
               <a:p>
@@ -6286,12 +6310,16 @@
                     <m:sSup>
                       <m:sSupPr>
                         <m:ctrlPr>
-                          <a:rPr lang="en-US"/>
+                          <a:rPr lang="en-US" i="1">
+                            <a:latin typeface="Cambria Math" panose="02040503050406030204" pitchFamily="18" charset="0"/>
+                          </a:rPr>
                         </m:ctrlPr>
                       </m:sSupPr>
                       <m:e>
                         <m:r>
-                          <a:rPr lang="en-US"/>
+                          <a:rPr lang="en-US">
+                            <a:latin typeface="Cambria Math" panose="02040503050406030204" pitchFamily="18" charset="0"/>
+                          </a:rPr>
                           <m:t>𝑃</m:t>
                         </m:r>
                       </m:e>
@@ -6321,7 +6349,7 @@
             </p:txBody>
           </p:sp>
         </mc:Choice>
-        <mc:Fallback>
+        <mc:Fallback xmlns="">
           <p:sp>
             <p:nvSpPr>
               <p:cNvPr id="3" name="Text Placeholder 2"/>
@@ -10924,7 +10952,11 @@
             </a:r>
             <a:r>
               <a:rPr lang="en-US" b="1" dirty="0" smtClean="0"/>
-              <a:t>10 AM – 12 PM Monday </a:t>
+              <a:t>10 AM – 12 PM </a:t>
+            </a:r>
+            <a:r>
+              <a:rPr lang="en-US" b="1" dirty="0" smtClean="0"/>
+              <a:t>Tuesday </a:t>
             </a:r>
             <a:r>
               <a:rPr lang="en-US" dirty="0" smtClean="0"/>
@@ -12619,7 +12651,22 @@
             </a:pPr>
             <a:r>
               <a:rPr lang="en-US" dirty="0" smtClean="0"/>
-              <a:t>Deliverables:</a:t>
+              <a:t>(Optional) Radar system design for small UAVs</a:t>
+            </a:r>
+          </a:p>
+          <a:p>
+            <a:pPr lvl="1">
+              <a:lnSpc>
+                <a:spcPct val="114000"/>
+              </a:lnSpc>
+            </a:pPr>
+            <a:r>
+              <a:rPr lang="en-US" dirty="0" smtClean="0"/>
+              <a:t>Deliverables</a:t>
+            </a:r>
+            <a:r>
+              <a:rPr lang="en-US" dirty="0" smtClean="0"/>
+              <a:t>:</a:t>
             </a:r>
           </a:p>
           <a:p>

--- a/lectures/lec0/Lec0-CourseMechanisms.pptx
+++ b/lectures/lec0/Lec0-CourseMechanisms.pptx
@@ -21,7 +21,7 @@
     <p:sldId id="319" r:id="rId9"/>
     <p:sldId id="326" r:id="rId10"/>
     <p:sldId id="317" r:id="rId11"/>
-    <p:sldId id="320" r:id="rId12"/>
+    <p:sldId id="328" r:id="rId12"/>
     <p:sldId id="321" r:id="rId13"/>
     <p:sldId id="325" r:id="rId14"/>
     <p:sldId id="327" r:id="rId15"/>
@@ -314,7 +314,7 @@
             <a:fld id="{F33530C9-BF13-40EE-A1EC-EBBB0134EBBA}" type="datetime1">
               <a:rPr lang="en-US"/>
               <a:pPr/>
-              <a:t>9/21/2015</a:t>
+              <a:t>9/24/2015 Thursday</a:t>
             </a:fld>
             <a:endParaRPr lang="en-US"/>
           </a:p>
@@ -532,7 +532,7 @@
             <a:fld id="{7DD20F8F-B3A0-465C-A2C5-4272F8BE0711}" type="datetime1">
               <a:rPr lang="en-US"/>
               <a:pPr/>
-              <a:t>9/21/2015</a:t>
+              <a:t>9/24/2015 Thursday</a:t>
             </a:fld>
             <a:endParaRPr lang="en-US"/>
           </a:p>
@@ -931,7 +931,7 @@
             <a:fld id="{7DD20F8F-B3A0-465C-A2C5-4272F8BE0711}" type="datetime1">
               <a:rPr lang="en-US" smtClean="0"/>
               <a:pPr/>
-              <a:t>9/21/2015</a:t>
+              <a:t>9/24/2015 Thursday</a:t>
             </a:fld>
             <a:endParaRPr lang="en-US"/>
           </a:p>
@@ -1042,7 +1042,7 @@
             <a:fld id="{7DD20F8F-B3A0-465C-A2C5-4272F8BE0711}" type="datetime1">
               <a:rPr lang="en-US" smtClean="0"/>
               <a:pPr/>
-              <a:t>9/21/2015</a:t>
+              <a:t>9/24/2015 Thursday</a:t>
             </a:fld>
             <a:endParaRPr lang="en-US"/>
           </a:p>
@@ -1155,7 +1155,7 @@
             <a:fld id="{7DD20F8F-B3A0-465C-A2C5-4272F8BE0711}" type="datetime1">
               <a:rPr lang="en-US" smtClean="0"/>
               <a:pPr/>
-              <a:t>9/21/2015</a:t>
+              <a:t>9/24/2015 Thursday</a:t>
             </a:fld>
             <a:endParaRPr lang="en-US"/>
           </a:p>
@@ -5555,7 +5555,7 @@
     </p:spTree>
     <p:extLst>
       <p:ext uri="{BB962C8B-B14F-4D97-AF65-F5344CB8AC3E}">
-        <p14:creationId xmlns:p14="http://schemas.microsoft.com/office/powerpoint/2010/main" val="3199399485"/>
+        <p14:creationId xmlns:p14="http://schemas.microsoft.com/office/powerpoint/2010/main" val="2242939269"/>
       </p:ext>
     </p:extLst>
   </p:cSld>
@@ -10952,11 +10952,7 @@
             </a:r>
             <a:r>
               <a:rPr lang="en-US" b="1" dirty="0" smtClean="0"/>
-              <a:t>10 AM – 12 PM </a:t>
-            </a:r>
-            <a:r>
-              <a:rPr lang="en-US" b="1" dirty="0" smtClean="0"/>
-              <a:t>Tuesday </a:t>
+              <a:t>10 AM – 12 PM Tuesday </a:t>
             </a:r>
             <a:r>
               <a:rPr lang="en-US" dirty="0" smtClean="0"/>
@@ -12662,11 +12658,7 @@
             </a:pPr>
             <a:r>
               <a:rPr lang="en-US" dirty="0" smtClean="0"/>
-              <a:t>Deliverables</a:t>
-            </a:r>
-            <a:r>
-              <a:rPr lang="en-US" dirty="0" smtClean="0"/>
-              <a:t>:</a:t>
+              <a:t>Deliverables:</a:t>
             </a:r>
           </a:p>
           <a:p>
@@ -13458,6 +13450,24 @@
             <a:r>
               <a:rPr lang="en-US" dirty="0" smtClean="0"/>
               <a:t>In the first lab, you need to sign a form acknowledging that your group received the toolbox with all its contents</a:t>
+            </a:r>
+          </a:p>
+          <a:p>
+            <a:pPr lvl="1"/>
+            <a:r>
+              <a:rPr lang="en-US" dirty="0" smtClean="0"/>
+              <a:t>The </a:t>
+            </a:r>
+            <a:r>
+              <a:rPr lang="en-US" dirty="0"/>
+              <a:t>toolbox and the components must be returned to the TA by the end of the Winter quarter before grades can be assigned</a:t>
+            </a:r>
+          </a:p>
+          <a:p>
+            <a:pPr lvl="1"/>
+            <a:r>
+              <a:rPr lang="en-US" dirty="0"/>
+              <a:t>Your group must be responsible for replacing broken or lost items</a:t>
             </a:r>
           </a:p>
           <a:p>

--- a/lectures/lec0/Lec0-CourseMechanisms.pptx
+++ b/lectures/lec0/Lec0-CourseMechanisms.pptx
@@ -5,10 +5,10 @@
     <p:sldMasterId id="2147483648" r:id="rId1"/>
   </p:sldMasterIdLst>
   <p:notesMasterIdLst>
-    <p:notesMasterId r:id="rId21"/>
+    <p:notesMasterId r:id="rId22"/>
   </p:notesMasterIdLst>
   <p:handoutMasterIdLst>
-    <p:handoutMasterId r:id="rId22"/>
+    <p:handoutMasterId r:id="rId23"/>
   </p:handoutMasterIdLst>
   <p:sldIdLst>
     <p:sldId id="258" r:id="rId2"/>
@@ -23,13 +23,14 @@
     <p:sldId id="317" r:id="rId11"/>
     <p:sldId id="328" r:id="rId12"/>
     <p:sldId id="321" r:id="rId13"/>
-    <p:sldId id="325" r:id="rId14"/>
-    <p:sldId id="327" r:id="rId15"/>
-    <p:sldId id="264" r:id="rId16"/>
-    <p:sldId id="315" r:id="rId17"/>
-    <p:sldId id="307" r:id="rId18"/>
-    <p:sldId id="304" r:id="rId19"/>
-    <p:sldId id="270" r:id="rId20"/>
+    <p:sldId id="330" r:id="rId14"/>
+    <p:sldId id="325" r:id="rId15"/>
+    <p:sldId id="327" r:id="rId16"/>
+    <p:sldId id="331" r:id="rId17"/>
+    <p:sldId id="264" r:id="rId18"/>
+    <p:sldId id="315" r:id="rId19"/>
+    <p:sldId id="307" r:id="rId20"/>
+    <p:sldId id="270" r:id="rId21"/>
   </p:sldIdLst>
   <p:sldSz cx="9144000" cy="6858000" type="screen4x3"/>
   <p:notesSz cx="7010400" cy="9296400"/>
@@ -1189,6 +1190,115 @@
     <p:extLst>
       <p:ext uri="{BB962C8B-B14F-4D97-AF65-F5344CB8AC3E}">
         <p14:creationId xmlns:p14="http://schemas.microsoft.com/office/powerpoint/2010/main" val="1134331137"/>
+      </p:ext>
+    </p:extLst>
+  </p:cSld>
+  <p:clrMapOvr>
+    <a:masterClrMapping/>
+  </p:clrMapOvr>
+</p:notes>
+</file>
+
+<file path=ppt/notesSlides/notesSlide4.xml><?xml version="1.0" encoding="utf-8"?>
+<p:notes xmlns:a="http://schemas.openxmlformats.org/drawingml/2006/main" xmlns:r="http://schemas.openxmlformats.org/officeDocument/2006/relationships" xmlns:p="http://schemas.openxmlformats.org/presentationml/2006/main">
+  <p:cSld>
+    <p:spTree>
+      <p:nvGrpSpPr>
+        <p:cNvPr id="1" name=""/>
+        <p:cNvGrpSpPr/>
+        <p:nvPr/>
+      </p:nvGrpSpPr>
+      <p:grpSpPr>
+        <a:xfrm>
+          <a:off x="0" y="0"/>
+          <a:ext cx="0" cy="0"/>
+          <a:chOff x="0" y="0"/>
+          <a:chExt cx="0" cy="0"/>
+        </a:xfrm>
+      </p:grpSpPr>
+      <p:sp>
+        <p:nvSpPr>
+          <p:cNvPr id="2" name="Slide Image Placeholder 1"/>
+          <p:cNvSpPr>
+            <a:spLocks noGrp="1" noRot="1" noChangeAspect="1"/>
+          </p:cNvSpPr>
+          <p:nvPr>
+            <p:ph type="sldImg"/>
+          </p:nvPr>
+        </p:nvSpPr>
+        <p:spPr/>
+      </p:sp>
+      <p:sp>
+        <p:nvSpPr>
+          <p:cNvPr id="3" name="Notes Placeholder 2"/>
+          <p:cNvSpPr>
+            <a:spLocks noGrp="1"/>
+          </p:cNvSpPr>
+          <p:nvPr>
+            <p:ph type="body" idx="1"/>
+          </p:nvPr>
+        </p:nvSpPr>
+        <p:spPr/>
+        <p:txBody>
+          <a:bodyPr/>
+          <a:lstStyle/>
+          <a:p>
+            <a:endParaRPr lang="en-US" dirty="0"/>
+          </a:p>
+        </p:txBody>
+      </p:sp>
+      <p:sp>
+        <p:nvSpPr>
+          <p:cNvPr id="4" name="Date Placeholder 3"/>
+          <p:cNvSpPr>
+            <a:spLocks noGrp="1"/>
+          </p:cNvSpPr>
+          <p:nvPr>
+            <p:ph type="dt" idx="10"/>
+          </p:nvPr>
+        </p:nvSpPr>
+        <p:spPr/>
+        <p:txBody>
+          <a:bodyPr/>
+          <a:lstStyle/>
+          <a:p>
+            <a:fld id="{7DD20F8F-B3A0-465C-A2C5-4272F8BE0711}" type="datetime1">
+              <a:rPr lang="en-US" smtClean="0"/>
+              <a:pPr/>
+              <a:t>9/24/2015 Thursday</a:t>
+            </a:fld>
+            <a:endParaRPr lang="en-US"/>
+          </a:p>
+        </p:txBody>
+      </p:sp>
+      <p:sp>
+        <p:nvSpPr>
+          <p:cNvPr id="5" name="Slide Number Placeholder 4"/>
+          <p:cNvSpPr>
+            <a:spLocks noGrp="1"/>
+          </p:cNvSpPr>
+          <p:nvPr>
+            <p:ph type="sldNum" sz="quarter" idx="11"/>
+          </p:nvPr>
+        </p:nvSpPr>
+        <p:spPr/>
+        <p:txBody>
+          <a:bodyPr/>
+          <a:lstStyle/>
+          <a:p>
+            <a:fld id="{CFF31767-D1A3-4648-B372-2E096E58CC1D}" type="slidenum">
+              <a:rPr lang="en-US" smtClean="0"/>
+              <a:pPr/>
+              <a:t>17</a:t>
+            </a:fld>
+            <a:endParaRPr lang="en-US"/>
+          </a:p>
+        </p:txBody>
+      </p:sp>
+    </p:spTree>
+    <p:extLst>
+      <p:ext uri="{BB962C8B-B14F-4D97-AF65-F5344CB8AC3E}">
+        <p14:creationId xmlns:p14="http://schemas.microsoft.com/office/powerpoint/2010/main" val="1922313623"/>
       </p:ext>
     </p:extLst>
   </p:cSld>
@@ -2990,15 +3100,39 @@
           <a:p>
             <a:r>
               <a:rPr lang="en-US" dirty="0" smtClean="0"/>
-              <a:t>A more detailed schedule is available at the following link; make sure you read it carefully: </a:t>
+              <a:t>A more detailed schedule is available at the following </a:t>
+            </a:r>
+            <a:r>
+              <a:rPr lang="en-US" dirty="0" smtClean="0"/>
+              <a:t>link and on </a:t>
+            </a:r>
+            <a:r>
+              <a:rPr lang="en-US" dirty="0" err="1" smtClean="0"/>
+              <a:t>SmartSite</a:t>
+            </a:r>
+            <a:r>
+              <a:rPr lang="en-US" dirty="0" smtClean="0"/>
+              <a:t>; </a:t>
+            </a:r>
+            <a:r>
+              <a:rPr lang="en-US" dirty="0" smtClean="0"/>
+              <a:t>make sure you read it carefully: </a:t>
+            </a:r>
+            <a:r>
+              <a:rPr lang="en-US" dirty="0">
+                <a:hlinkClick r:id="rId2"/>
+              </a:rPr>
+              <a:t>https://</a:t>
             </a:r>
             <a:r>
               <a:rPr lang="en-US" dirty="0" smtClean="0">
-                <a:solidFill>
-                  <a:srgbClr val="FF0000"/>
-                </a:solidFill>
+                <a:hlinkClick r:id="rId2"/>
               </a:rPr>
-              <a:t>TBD</a:t>
+              <a:t>github.com/ucdart/UCD-EEC134/blob/master/support/schedule/eec134-schedule.pdf</a:t>
+            </a:r>
+            <a:r>
+              <a:rPr lang="en-US" dirty="0" smtClean="0"/>
+              <a:t> </a:t>
             </a:r>
             <a:endParaRPr lang="en-US" dirty="0">
               <a:solidFill>
@@ -3017,7 +3151,7 @@
           <p:nvPr>
             <p:extLst>
               <p:ext uri="{D42A27DB-BD31-4B8C-83A1-F6EECF244321}">
-                <p14:modId xmlns:p14="http://schemas.microsoft.com/office/powerpoint/2010/main" val="3166972895"/>
+                <p14:modId xmlns:p14="http://schemas.microsoft.com/office/powerpoint/2010/main" val="2303563205"/>
               </p:ext>
             </p:extLst>
           </p:nvPr>
@@ -4044,7 +4178,7 @@
                     </a:lnB>
                   </a:tcPr>
                 </a:tc>
-                <a:tc>
+                <a:tc rowSpan="2">
                   <a:txBody>
                     <a:bodyPr/>
                     <a:lstStyle/>
@@ -4304,58 +4438,12 @@
                     </a:lnB>
                   </a:tcPr>
                 </a:tc>
-                <a:tc>
+                <a:tc vMerge="1">
                   <a:txBody>
                     <a:bodyPr/>
                     <a:lstStyle/>
                     <a:p>
-                      <a:pPr marL="0" marR="0" lvl="0" indent="0" algn="l" defTabSz="914400" rtl="0" eaLnBrk="1" fontAlgn="auto" latinLnBrk="0" hangingPunct="1">
-                        <a:lnSpc>
-                          <a:spcPct val="110000"/>
-                        </a:lnSpc>
-                        <a:spcBef>
-                          <a:spcPts val="0"/>
-                        </a:spcBef>
-                        <a:spcAft>
-                          <a:spcPts val="0"/>
-                        </a:spcAft>
-                        <a:buClrTx/>
-                        <a:buSzTx/>
-                        <a:buFont typeface="Symbol"/>
-                        <a:buNone/>
-                        <a:tabLst/>
-                        <a:defRPr/>
-                      </a:pPr>
-                      <a:r>
-                        <a:rPr lang="en-US" sz="1800" dirty="0" smtClean="0">
-                          <a:solidFill>
-                            <a:srgbClr val="000000"/>
-                          </a:solidFill>
-                          <a:latin typeface="Kalinga" panose="020B0502040204020203" pitchFamily="34" charset="0"/>
-                          <a:ea typeface="Tahoma" panose="020B0604030504040204" pitchFamily="34" charset="0"/>
-                          <a:cs typeface="Kalinga" panose="020B0502040204020203" pitchFamily="34" charset="0"/>
-                        </a:rPr>
-                        <a:t>Oscillators</a:t>
-                      </a:r>
-                      <a:r>
-                        <a:rPr lang="en-US" sz="1800" baseline="0" dirty="0" smtClean="0">
-                          <a:solidFill>
-                            <a:srgbClr val="000000"/>
-                          </a:solidFill>
-                          <a:latin typeface="Kalinga" panose="020B0502040204020203" pitchFamily="34" charset="0"/>
-                          <a:ea typeface="Tahoma" panose="020B0604030504040204" pitchFamily="34" charset="0"/>
-                          <a:cs typeface="Kalinga" panose="020B0502040204020203" pitchFamily="34" charset="0"/>
-                        </a:rPr>
-                        <a:t> characterization</a:t>
-                      </a:r>
-                      <a:endParaRPr lang="en-US" sz="1800" dirty="0">
-                        <a:solidFill>
-                          <a:srgbClr val="000000"/>
-                        </a:solidFill>
-                        <a:latin typeface="Kalinga" panose="020B0502040204020203" pitchFamily="34" charset="0"/>
-                        <a:ea typeface="Tahoma" panose="020B0604030504040204" pitchFamily="34" charset="0"/>
-                        <a:cs typeface="Kalinga" panose="020B0502040204020203" pitchFamily="34" charset="0"/>
-                      </a:endParaRPr>
+                      <a:endParaRPr lang="en-US" dirty="0"/>
                     </a:p>
                   </a:txBody>
                   <a:tcPr marL="182880">
@@ -4597,7 +4685,7 @@
                     <a:p>
                       <a:pPr marL="0" marR="0" lvl="0" indent="0" algn="l" defTabSz="914400" rtl="0" eaLnBrk="1" fontAlgn="auto" latinLnBrk="0" hangingPunct="1">
                         <a:lnSpc>
-                          <a:spcPct val="100000"/>
+                          <a:spcPct val="110000"/>
                         </a:lnSpc>
                         <a:spcBef>
                           <a:spcPts val="0"/>
@@ -4607,7 +4695,7 @@
                         </a:spcAft>
                         <a:buClrTx/>
                         <a:buSzTx/>
-                        <a:buFontTx/>
+                        <a:buFont typeface="Symbol"/>
                         <a:buNone/>
                         <a:tabLst/>
                         <a:defRPr/>
@@ -4621,8 +4709,27 @@
                           <a:ea typeface="Tahoma" panose="020B0604030504040204" pitchFamily="34" charset="0"/>
                           <a:cs typeface="Kalinga" panose="020B0502040204020203" pitchFamily="34" charset="0"/>
                         </a:rPr>
-                        <a:t>Mixers characterization</a:t>
+                        <a:t>Oscillators</a:t>
                       </a:r>
+                      <a:r>
+                        <a:rPr lang="en-US" sz="1800" baseline="0" dirty="0" smtClean="0">
+                          <a:solidFill>
+                            <a:srgbClr val="000000"/>
+                          </a:solidFill>
+                          <a:latin typeface="Kalinga" panose="020B0502040204020203" pitchFamily="34" charset="0"/>
+                          <a:ea typeface="Tahoma" panose="020B0604030504040204" pitchFamily="34" charset="0"/>
+                          <a:cs typeface="Kalinga" panose="020B0502040204020203" pitchFamily="34" charset="0"/>
+                        </a:rPr>
+                        <a:t> characterization</a:t>
+                      </a:r>
+                      <a:endParaRPr lang="en-US" sz="1800" dirty="0">
+                        <a:solidFill>
+                          <a:srgbClr val="000000"/>
+                        </a:solidFill>
+                        <a:latin typeface="Kalinga" panose="020B0502040204020203" pitchFamily="34" charset="0"/>
+                        <a:ea typeface="Tahoma" panose="020B0604030504040204" pitchFamily="34" charset="0"/>
+                        <a:cs typeface="Kalinga" panose="020B0502040204020203" pitchFamily="34" charset="0"/>
+                      </a:endParaRPr>
                     </a:p>
                   </a:txBody>
                   <a:tcPr marL="182880">
@@ -4827,7 +4934,7 @@
                     <a:p>
                       <a:pPr marL="0" marR="0" lvl="0" indent="0" algn="l" defTabSz="914400" rtl="0" eaLnBrk="1" fontAlgn="auto" latinLnBrk="0" hangingPunct="1">
                         <a:lnSpc>
-                          <a:spcPct val="110000"/>
+                          <a:spcPct val="100000"/>
                         </a:lnSpc>
                         <a:spcBef>
                           <a:spcPts val="0"/>
@@ -4837,7 +4944,7 @@
                         </a:spcAft>
                         <a:buClrTx/>
                         <a:buSzTx/>
-                        <a:buFont typeface="Symbol"/>
+                        <a:buFontTx/>
                         <a:buNone/>
                         <a:tabLst/>
                         <a:defRPr/>
@@ -4851,16 +4958,8 @@
                           <a:ea typeface="Tahoma" panose="020B0604030504040204" pitchFamily="34" charset="0"/>
                           <a:cs typeface="Kalinga" panose="020B0502040204020203" pitchFamily="34" charset="0"/>
                         </a:rPr>
-                        <a:t>Antenna</a:t>
+                        <a:t>Mixers characterization</a:t>
                       </a:r>
-                      <a:endParaRPr lang="en-US" sz="1800" dirty="0">
-                        <a:solidFill>
-                          <a:srgbClr val="000000"/>
-                        </a:solidFill>
-                        <a:latin typeface="Kalinga" panose="020B0502040204020203" pitchFamily="34" charset="0"/>
-                        <a:ea typeface="Tahoma" panose="020B0604030504040204" pitchFamily="34" charset="0"/>
-                        <a:cs typeface="Kalinga" panose="020B0502040204020203" pitchFamily="34" charset="0"/>
-                      </a:endParaRPr>
                     </a:p>
                   </a:txBody>
                   <a:tcPr marL="182880">
@@ -5076,20 +5175,9 @@
                           <a:ea typeface="Tahoma" panose="020B0604030504040204" pitchFamily="34" charset="0"/>
                           <a:cs typeface="Kalinga" panose="020B0502040204020203" pitchFamily="34" charset="0"/>
                         </a:rPr>
-                        <a:t>Radar system assembly</a:t>
+                        <a:t>Antenna</a:t>
                       </a:r>
-                      <a:r>
-                        <a:rPr lang="en-US" sz="1800" baseline="0" dirty="0" smtClean="0">
-                          <a:solidFill>
-                            <a:srgbClr val="000000"/>
-                          </a:solidFill>
-                          <a:latin typeface="Kalinga" panose="020B0502040204020203" pitchFamily="34" charset="0"/>
-                          <a:ea typeface="Tahoma" panose="020B0604030504040204" pitchFamily="34" charset="0"/>
-                          <a:cs typeface="Kalinga" panose="020B0502040204020203" pitchFamily="34" charset="0"/>
-                        </a:rPr>
-                        <a:t> and characterization</a:t>
-                      </a:r>
-                      <a:endParaRPr lang="en-US" sz="1800" dirty="0" smtClean="0">
+                      <a:endParaRPr lang="en-US" sz="1800" dirty="0">
                         <a:solidFill>
                           <a:srgbClr val="000000"/>
                         </a:solidFill>
@@ -5309,7 +5397,53 @@
                     <a:bodyPr/>
                     <a:lstStyle/>
                     <a:p>
-                      <a:endParaRPr lang="en-US" dirty="0"/>
+                      <a:pPr marL="0" marR="0" lvl="0" indent="0" algn="l" defTabSz="914400" rtl="0" eaLnBrk="1" fontAlgn="auto" latinLnBrk="0" hangingPunct="1">
+                        <a:lnSpc>
+                          <a:spcPct val="110000"/>
+                        </a:lnSpc>
+                        <a:spcBef>
+                          <a:spcPts val="0"/>
+                        </a:spcBef>
+                        <a:spcAft>
+                          <a:spcPts val="0"/>
+                        </a:spcAft>
+                        <a:buClrTx/>
+                        <a:buSzTx/>
+                        <a:buFont typeface="Symbol"/>
+                        <a:buNone/>
+                        <a:tabLst/>
+                        <a:defRPr/>
+                      </a:pPr>
+                      <a:r>
+                        <a:rPr lang="en-US" sz="1800" dirty="0" smtClean="0">
+                          <a:solidFill>
+                            <a:srgbClr val="000000"/>
+                          </a:solidFill>
+                          <a:latin typeface="Kalinga" panose="020B0502040204020203" pitchFamily="34" charset="0"/>
+                          <a:ea typeface="Tahoma" panose="020B0604030504040204" pitchFamily="34" charset="0"/>
+                          <a:cs typeface="Kalinga" panose="020B0502040204020203" pitchFamily="34" charset="0"/>
+                        </a:rPr>
+                        <a:t>Radar system assembly</a:t>
+                      </a:r>
+                      <a:r>
+                        <a:rPr lang="en-US" sz="1800" baseline="0" dirty="0" smtClean="0">
+                          <a:solidFill>
+                            <a:srgbClr val="000000"/>
+                          </a:solidFill>
+                          <a:latin typeface="Kalinga" panose="020B0502040204020203" pitchFamily="34" charset="0"/>
+                          <a:ea typeface="Tahoma" panose="020B0604030504040204" pitchFamily="34" charset="0"/>
+                          <a:cs typeface="Kalinga" panose="020B0502040204020203" pitchFamily="34" charset="0"/>
+                        </a:rPr>
+                        <a:t> and characterization</a:t>
+                      </a:r>
+                      <a:endParaRPr lang="en-US" sz="1800" dirty="0" smtClean="0">
+                        <a:solidFill>
+                          <a:srgbClr val="000000"/>
+                        </a:solidFill>
+                        <a:latin typeface="Kalinga" panose="020B0502040204020203" pitchFamily="34" charset="0"/>
+                        <a:ea typeface="Tahoma" panose="020B0604030504040204" pitchFamily="34" charset="0"/>
+                        <a:cs typeface="Kalinga" panose="020B0502040204020203" pitchFamily="34" charset="0"/>
+                      </a:endParaRPr>
                     </a:p>
                   </a:txBody>
                   <a:tcPr marL="182880">
@@ -5930,6 +6064,152 @@
 </file>
 
 <file path=ppt/slides/slide13.xml><?xml version="1.0" encoding="utf-8"?>
+<p:sld xmlns:a="http://schemas.openxmlformats.org/drawingml/2006/main" xmlns:r="http://schemas.openxmlformats.org/officeDocument/2006/relationships" xmlns:p="http://schemas.openxmlformats.org/presentationml/2006/main">
+  <p:cSld>
+    <p:spTree>
+      <p:nvGrpSpPr>
+        <p:cNvPr id="1" name=""/>
+        <p:cNvGrpSpPr/>
+        <p:nvPr/>
+      </p:nvGrpSpPr>
+      <p:grpSpPr>
+        <a:xfrm>
+          <a:off x="0" y="0"/>
+          <a:ext cx="0" cy="0"/>
+          <a:chOff x="0" y="0"/>
+          <a:chExt cx="0" cy="0"/>
+        </a:xfrm>
+      </p:grpSpPr>
+      <p:sp>
+        <p:nvSpPr>
+          <p:cNvPr id="2" name="Title 1"/>
+          <p:cNvSpPr>
+            <a:spLocks noGrp="1"/>
+          </p:cNvSpPr>
+          <p:nvPr>
+            <p:ph type="title"/>
+          </p:nvPr>
+        </p:nvSpPr>
+        <p:spPr/>
+        <p:txBody>
+          <a:bodyPr/>
+          <a:lstStyle/>
+          <a:p>
+            <a:r>
+              <a:rPr lang="en-US" dirty="0" smtClean="0"/>
+              <a:t>Quarter 1 Deliverables</a:t>
+            </a:r>
+            <a:endParaRPr lang="en-US" dirty="0"/>
+          </a:p>
+        </p:txBody>
+      </p:sp>
+      <p:sp>
+        <p:nvSpPr>
+          <p:cNvPr id="3" name="Text Placeholder 2"/>
+          <p:cNvSpPr>
+            <a:spLocks noGrp="1"/>
+          </p:cNvSpPr>
+          <p:nvPr>
+            <p:ph type="body" sz="quarter" idx="10"/>
+          </p:nvPr>
+        </p:nvSpPr>
+        <p:spPr/>
+        <p:txBody>
+          <a:bodyPr/>
+          <a:lstStyle/>
+          <a:p>
+            <a:r>
+              <a:rPr lang="en-US" dirty="0" smtClean="0"/>
+              <a:t>9 × Pre-lab assignments </a:t>
+            </a:r>
+          </a:p>
+          <a:p>
+            <a:endParaRPr lang="en-US" dirty="0" smtClean="0"/>
+          </a:p>
+          <a:p>
+            <a:r>
+              <a:rPr lang="en-US" dirty="0" smtClean="0"/>
+              <a:t>6 </a:t>
+            </a:r>
+            <a:r>
+              <a:rPr lang="en-US" dirty="0"/>
+              <a:t>× </a:t>
+            </a:r>
+            <a:r>
+              <a:rPr lang="en-US" dirty="0" smtClean="0"/>
+              <a:t>lab reports</a:t>
+            </a:r>
+          </a:p>
+          <a:p>
+            <a:endParaRPr lang="en-US" dirty="0" smtClean="0"/>
+          </a:p>
+          <a:p>
+            <a:r>
+              <a:rPr lang="en-US" dirty="0" smtClean="0"/>
+              <a:t>3 </a:t>
+            </a:r>
+            <a:r>
+              <a:rPr lang="en-US" dirty="0"/>
+              <a:t>× </a:t>
+            </a:r>
+            <a:r>
+              <a:rPr lang="en-US" dirty="0" smtClean="0"/>
+              <a:t>PCB design reports</a:t>
+            </a:r>
+          </a:p>
+          <a:p>
+            <a:endParaRPr lang="en-US" dirty="0"/>
+          </a:p>
+          <a:p>
+            <a:r>
+              <a:rPr lang="en-US" dirty="0" smtClean="0"/>
+              <a:t>3 </a:t>
+            </a:r>
+            <a:r>
+              <a:rPr lang="en-US" dirty="0"/>
+              <a:t>× </a:t>
+            </a:r>
+            <a:r>
+              <a:rPr lang="en-US" dirty="0" smtClean="0"/>
+              <a:t>PCB test reports</a:t>
+            </a:r>
+            <a:endParaRPr lang="en-US" dirty="0"/>
+          </a:p>
+          <a:p>
+            <a:endParaRPr lang="en-US" dirty="0"/>
+          </a:p>
+          <a:p>
+            <a:endParaRPr lang="en-US" dirty="0"/>
+          </a:p>
+          <a:p>
+            <a:endParaRPr lang="en-US" dirty="0" smtClean="0"/>
+          </a:p>
+          <a:p>
+            <a:endParaRPr lang="en-US" dirty="0"/>
+          </a:p>
+        </p:txBody>
+      </p:sp>
+    </p:spTree>
+    <p:extLst>
+      <p:ext uri="{BB962C8B-B14F-4D97-AF65-F5344CB8AC3E}">
+        <p14:creationId xmlns:p14="http://schemas.microsoft.com/office/powerpoint/2010/main" val="3916528476"/>
+      </p:ext>
+    </p:extLst>
+  </p:cSld>
+  <p:clrMapOvr>
+    <a:masterClrMapping/>
+  </p:clrMapOvr>
+  <p:timing>
+    <p:tnLst>
+      <p:par>
+        <p:cTn id="1" dur="indefinite" restart="never" nodeType="tmRoot"/>
+      </p:par>
+    </p:tnLst>
+  </p:timing>
+</p:sld>
+</file>
+
+<file path=ppt/slides/slide14.xml><?xml version="1.0" encoding="utf-8"?>
 <p:sld xmlns:a="http://schemas.openxmlformats.org/drawingml/2006/main" xmlns:r="http://schemas.openxmlformats.org/officeDocument/2006/relationships" xmlns:p="http://schemas.openxmlformats.org/presentationml/2006/main">
   <p:cSld>
     <p:spTree>
@@ -6403,7 +6683,7 @@
 </p:sld>
 </file>
 
-<file path=ppt/slides/slide14.xml><?xml version="1.0" encoding="utf-8"?>
+<file path=ppt/slides/slide15.xml><?xml version="1.0" encoding="utf-8"?>
 <p:sld xmlns:a="http://schemas.openxmlformats.org/drawingml/2006/main" xmlns:r="http://schemas.openxmlformats.org/officeDocument/2006/relationships" xmlns:p="http://schemas.openxmlformats.org/presentationml/2006/main">
   <p:cSld>
     <p:spTree>
@@ -7553,7 +7833,172 @@
 </p:sld>
 </file>
 
-<file path=ppt/slides/slide15.xml><?xml version="1.0" encoding="utf-8"?>
+<file path=ppt/slides/slide16.xml><?xml version="1.0" encoding="utf-8"?>
+<p:sld xmlns:a="http://schemas.openxmlformats.org/drawingml/2006/main" xmlns:r="http://schemas.openxmlformats.org/officeDocument/2006/relationships" xmlns:p="http://schemas.openxmlformats.org/presentationml/2006/main">
+  <p:cSld>
+    <p:spTree>
+      <p:nvGrpSpPr>
+        <p:cNvPr id="1" name=""/>
+        <p:cNvGrpSpPr/>
+        <p:nvPr/>
+      </p:nvGrpSpPr>
+      <p:grpSpPr>
+        <a:xfrm>
+          <a:off x="0" y="0"/>
+          <a:ext cx="0" cy="0"/>
+          <a:chOff x="0" y="0"/>
+          <a:chExt cx="0" cy="0"/>
+        </a:xfrm>
+      </p:grpSpPr>
+      <p:sp>
+        <p:nvSpPr>
+          <p:cNvPr id="2" name="Title 1"/>
+          <p:cNvSpPr>
+            <a:spLocks noGrp="1"/>
+          </p:cNvSpPr>
+          <p:nvPr>
+            <p:ph type="title"/>
+          </p:nvPr>
+        </p:nvSpPr>
+        <p:spPr/>
+        <p:txBody>
+          <a:bodyPr/>
+          <a:lstStyle/>
+          <a:p>
+            <a:r>
+              <a:rPr lang="en-US" dirty="0" smtClean="0"/>
+              <a:t>Quarter 2 Deliverables</a:t>
+            </a:r>
+            <a:endParaRPr lang="en-US" dirty="0"/>
+          </a:p>
+        </p:txBody>
+      </p:sp>
+      <p:sp>
+        <p:nvSpPr>
+          <p:cNvPr id="3" name="Text Placeholder 2"/>
+          <p:cNvSpPr>
+            <a:spLocks noGrp="1"/>
+          </p:cNvSpPr>
+          <p:nvPr>
+            <p:ph type="body" sz="quarter" idx="10"/>
+          </p:nvPr>
+        </p:nvSpPr>
+        <p:spPr/>
+        <p:txBody>
+          <a:bodyPr/>
+          <a:lstStyle/>
+          <a:p>
+            <a:r>
+              <a:rPr lang="en-US" dirty="0" smtClean="0"/>
+              <a:t>A final report per team/group:</a:t>
+            </a:r>
+          </a:p>
+          <a:p>
+            <a:pPr lvl="1"/>
+            <a:r>
+              <a:rPr lang="en-US" dirty="0" smtClean="0"/>
+              <a:t>A </a:t>
+            </a:r>
+            <a:r>
+              <a:rPr lang="en-US" dirty="0"/>
+              <a:t>final project report on the design, implementation, testing, and discussion of your system. Sufficient details must be provided so that any group of students of similar knowledge/background can reproduce what you have done. If certain parts or the whole of your system failed to function, you need to include significant discussion what went wrong. </a:t>
+            </a:r>
+            <a:endParaRPr lang="en-US" dirty="0" smtClean="0"/>
+          </a:p>
+          <a:p>
+            <a:pPr lvl="1"/>
+            <a:r>
+              <a:rPr lang="en-US" b="1" dirty="0" smtClean="0"/>
+              <a:t>One</a:t>
+            </a:r>
+            <a:r>
+              <a:rPr lang="en-US" dirty="0"/>
+              <a:t> report is required for each </a:t>
+            </a:r>
+            <a:r>
+              <a:rPr lang="en-US" dirty="0" smtClean="0"/>
+              <a:t>team/group</a:t>
+            </a:r>
+            <a:r>
+              <a:rPr lang="en-US" dirty="0"/>
+              <a:t>. Your design files (circuit schematics, CAD drawings, bill of materials, code) need to be submitted together with the report. </a:t>
+            </a:r>
+            <a:endParaRPr lang="en-US" dirty="0"/>
+          </a:p>
+          <a:p>
+            <a:r>
+              <a:rPr lang="en-US" dirty="0"/>
+              <a:t>A technical note or application </a:t>
+            </a:r>
+            <a:r>
+              <a:rPr lang="en-US" dirty="0" smtClean="0"/>
+              <a:t>note per student:</a:t>
+            </a:r>
+          </a:p>
+          <a:p>
+            <a:pPr lvl="1"/>
+            <a:r>
+              <a:rPr lang="en-US" dirty="0" smtClean="0"/>
+              <a:t>This </a:t>
+            </a:r>
+            <a:r>
+              <a:rPr lang="en-US" dirty="0"/>
+              <a:t>note will discuss a particular subject that this student has worked on in this class. For example, if a student primarily worked on PCB design for the radar circuits, then it may be appropriate for him/her to write a note on how to do PCB design, the lessons he/she learned during the course of designing an actual PCB, and useful suggestions for future students</a:t>
+            </a:r>
+            <a:r>
+              <a:rPr lang="en-US" dirty="0" smtClean="0"/>
+              <a:t>.</a:t>
+            </a:r>
+          </a:p>
+          <a:p>
+            <a:r>
+              <a:rPr lang="en-US" dirty="0"/>
+              <a:t>A collection of past reports: </a:t>
+            </a:r>
+            <a:r>
+              <a:rPr lang="en-US" dirty="0">
+                <a:hlinkClick r:id="rId2"/>
+              </a:rPr>
+              <a:t>http://</a:t>
+            </a:r>
+            <a:r>
+              <a:rPr lang="en-US" dirty="0" smtClean="0">
+                <a:hlinkClick r:id="rId2"/>
+              </a:rPr>
+              <a:t>ucdart.github.io/education/eec134.html</a:t>
+            </a:r>
+            <a:r>
+              <a:rPr lang="en-US" dirty="0" smtClean="0"/>
+              <a:t> </a:t>
+            </a:r>
+            <a:endParaRPr lang="en-US" dirty="0"/>
+          </a:p>
+          <a:p>
+            <a:endParaRPr lang="en-US" dirty="0"/>
+          </a:p>
+        </p:txBody>
+      </p:sp>
+    </p:spTree>
+    <p:extLst>
+      <p:ext uri="{BB962C8B-B14F-4D97-AF65-F5344CB8AC3E}">
+        <p14:creationId xmlns:p14="http://schemas.microsoft.com/office/powerpoint/2010/main" val="3499336355"/>
+      </p:ext>
+    </p:extLst>
+  </p:cSld>
+  <p:clrMapOvr>
+    <a:masterClrMapping/>
+  </p:clrMapOvr>
+  <p:timing>
+    <p:tnLst>
+      <p:par>
+        <p:cTn id="1" dur="indefinite" restart="never" nodeType="tmRoot"/>
+      </p:par>
+    </p:tnLst>
+  </p:timing>
+</p:sld>
+</file>
+
+<file path=ppt/slides/slide17.xml><?xml version="1.0" encoding="utf-8"?>
 <p:sld xmlns:a="http://schemas.openxmlformats.org/drawingml/2006/main" xmlns:r="http://schemas.openxmlformats.org/officeDocument/2006/relationships" xmlns:p="http://schemas.openxmlformats.org/presentationml/2006/main">
   <p:cSld>
     <p:spTree>
@@ -7617,7 +8062,15 @@
             </a:pPr>
             <a:r>
               <a:rPr lang="en-US" dirty="0" smtClean="0"/>
-              <a:t> Quarter 1 (36 pts) </a:t>
+              <a:t> Quarter 1 </a:t>
+            </a:r>
+            <a:r>
+              <a:rPr lang="en-US" dirty="0" smtClean="0"/>
+              <a:t>(33 </a:t>
+            </a:r>
+            <a:r>
+              <a:rPr lang="en-US" dirty="0" smtClean="0"/>
+              <a:t>pts) </a:t>
             </a:r>
           </a:p>
           <a:p>
@@ -7628,7 +8081,30 @@
             </a:pPr>
             <a:r>
               <a:rPr lang="en-US" dirty="0" smtClean="0"/>
-              <a:t>Lab reports (6x 4pts)</a:t>
+              <a:t>Pre-lab reports (9x 1pts)</a:t>
+            </a:r>
+          </a:p>
+          <a:p>
+            <a:pPr lvl="1">
+              <a:lnSpc>
+                <a:spcPct val="100000"/>
+              </a:lnSpc>
+            </a:pPr>
+            <a:r>
+              <a:rPr lang="en-US" dirty="0" smtClean="0"/>
+              <a:t>Lab </a:t>
+            </a:r>
+            <a:r>
+              <a:rPr lang="en-US" dirty="0" smtClean="0"/>
+              <a:t>reports </a:t>
+            </a:r>
+            <a:r>
+              <a:rPr lang="en-US" dirty="0" smtClean="0"/>
+              <a:t>(6x 2pts</a:t>
+            </a:r>
+            <a:r>
+              <a:rPr lang="en-US" dirty="0" smtClean="0"/>
+              <a:t>)</a:t>
             </a:r>
           </a:p>
           <a:p>
@@ -7661,7 +8137,15 @@
             </a:pPr>
             <a:r>
               <a:rPr lang="en-US" dirty="0" smtClean="0"/>
-              <a:t> Quarter 2 (40 pts)</a:t>
+              <a:t> Quarter 2 </a:t>
+            </a:r>
+            <a:r>
+              <a:rPr lang="en-US" dirty="0" smtClean="0"/>
+              <a:t>(45 </a:t>
+            </a:r>
+            <a:r>
+              <a:rPr lang="en-US" dirty="0" smtClean="0"/>
+              <a:t>pts)</a:t>
             </a:r>
           </a:p>
           <a:p>
@@ -7672,7 +8156,15 @@
             </a:pPr>
             <a:r>
               <a:rPr lang="en-US" dirty="0" smtClean="0"/>
-              <a:t>Competition (15 pts)</a:t>
+              <a:t>Competition (</a:t>
+            </a:r>
+            <a:r>
+              <a:rPr lang="en-US" dirty="0" smtClean="0"/>
+              <a:t>15 </a:t>
+            </a:r>
+            <a:r>
+              <a:rPr lang="en-US" dirty="0" smtClean="0"/>
+              <a:t>pts)</a:t>
             </a:r>
           </a:p>
           <a:p>
@@ -7683,7 +8175,15 @@
             </a:pPr>
             <a:r>
               <a:rPr lang="en-US" dirty="0" smtClean="0"/>
-              <a:t>Final report (15 pts)</a:t>
+              <a:t>Final report (</a:t>
+            </a:r>
+            <a:r>
+              <a:rPr lang="en-US" dirty="0" smtClean="0"/>
+              <a:t>15 </a:t>
+            </a:r>
+            <a:r>
+              <a:rPr lang="en-US" dirty="0" smtClean="0"/>
+              <a:t>pts)</a:t>
             </a:r>
           </a:p>
           <a:p>
@@ -7694,7 +8194,15 @@
             </a:pPr>
             <a:r>
               <a:rPr lang="en-US" dirty="0" smtClean="0"/>
-              <a:t>Application Note / Tutorial (15 pts)</a:t>
+              <a:t>Application Note / Tutorial </a:t>
+            </a:r>
+            <a:r>
+              <a:rPr lang="en-US" dirty="0" smtClean="0"/>
+              <a:t>(15 </a:t>
+            </a:r>
+            <a:r>
+              <a:rPr lang="en-US" dirty="0" smtClean="0"/>
+              <a:t>pts)</a:t>
             </a:r>
           </a:p>
           <a:p>
@@ -7724,7 +8232,15 @@
           <a:p>
             <a:r>
               <a:rPr lang="en-US" dirty="0" smtClean="0"/>
-              <a:t>Participation (9 pts)</a:t>
+              <a:t>Participation </a:t>
+            </a:r>
+            <a:r>
+              <a:rPr lang="en-US" dirty="0" smtClean="0"/>
+              <a:t>(7 </a:t>
+            </a:r>
+            <a:r>
+              <a:rPr lang="en-US" dirty="0" smtClean="0"/>
+              <a:t>pts)</a:t>
             </a:r>
           </a:p>
           <a:p>
@@ -7780,7 +8296,7 @@
         </p:nvSpPr>
         <p:spPr bwMode="auto">
           <a:xfrm>
-            <a:off x="4242443" y="3682317"/>
+            <a:off x="4242443" y="4005047"/>
             <a:ext cx="4555482" cy="951468"/>
           </a:xfrm>
           <a:prstGeom prst="wedgeRoundRectCallout">
@@ -7895,6 +8411,1243 @@
               <a:latin typeface="Kalinga" panose="020B0502040204020203" pitchFamily="34" charset="0"/>
               <a:cs typeface="Kalinga" panose="020B0502040204020203" pitchFamily="34" charset="0"/>
             </a:endParaRPr>
+          </a:p>
+        </p:txBody>
+      </p:sp>
+    </p:spTree>
+  </p:cSld>
+  <p:clrMapOvr>
+    <a:masterClrMapping/>
+  </p:clrMapOvr>
+  <p:timing>
+    <p:tnLst>
+      <p:par>
+        <p:cTn id="1" dur="indefinite" restart="never" nodeType="tmRoot">
+          <p:childTnLst>
+            <p:seq concurrent="1" nextAc="seek">
+              <p:cTn id="2" dur="indefinite" nodeType="mainSeq">
+                <p:childTnLst>
+                  <p:par>
+                    <p:cTn id="3" fill="hold">
+                      <p:stCondLst>
+                        <p:cond delay="indefinite"/>
+                      </p:stCondLst>
+                      <p:childTnLst>
+                        <p:par>
+                          <p:cTn id="4" fill="hold">
+                            <p:stCondLst>
+                              <p:cond delay="0"/>
+                            </p:stCondLst>
+                            <p:childTnLst>
+                              <p:par>
+                                <p:cTn id="5" presetID="1" presetClass="entr" presetSubtype="0" fill="hold" nodeType="clickEffect">
+                                  <p:stCondLst>
+                                    <p:cond delay="0"/>
+                                  </p:stCondLst>
+                                  <p:childTnLst>
+                                    <p:set>
+                                      <p:cBhvr>
+                                        <p:cTn id="6" dur="1" fill="hold">
+                                          <p:stCondLst>
+                                            <p:cond delay="0"/>
+                                          </p:stCondLst>
+                                        </p:cTn>
+                                        <p:tgtEl>
+                                          <p:spTgt spid="3">
+                                            <p:txEl>
+                                              <p:pRg st="2" end="2"/>
+                                            </p:txEl>
+                                          </p:spTgt>
+                                        </p:tgtEl>
+                                        <p:attrNameLst>
+                                          <p:attrName>style.visibility</p:attrName>
+                                        </p:attrNameLst>
+                                      </p:cBhvr>
+                                      <p:to>
+                                        <p:strVal val="visible"/>
+                                      </p:to>
+                                    </p:set>
+                                  </p:childTnLst>
+                                </p:cTn>
+                              </p:par>
+                            </p:childTnLst>
+                          </p:cTn>
+                        </p:par>
+                      </p:childTnLst>
+                    </p:cTn>
+                  </p:par>
+                  <p:par>
+                    <p:cTn id="7" fill="hold">
+                      <p:stCondLst>
+                        <p:cond delay="indefinite"/>
+                      </p:stCondLst>
+                      <p:childTnLst>
+                        <p:par>
+                          <p:cTn id="8" fill="hold">
+                            <p:stCondLst>
+                              <p:cond delay="0"/>
+                            </p:stCondLst>
+                            <p:childTnLst>
+                              <p:par>
+                                <p:cTn id="9" presetID="1" presetClass="entr" presetSubtype="0" fill="hold" nodeType="clickEffect">
+                                  <p:stCondLst>
+                                    <p:cond delay="0"/>
+                                  </p:stCondLst>
+                                  <p:childTnLst>
+                                    <p:set>
+                                      <p:cBhvr>
+                                        <p:cTn id="10" dur="1" fill="hold">
+                                          <p:stCondLst>
+                                            <p:cond delay="0"/>
+                                          </p:stCondLst>
+                                        </p:cTn>
+                                        <p:tgtEl>
+                                          <p:spTgt spid="3">
+                                            <p:txEl>
+                                              <p:pRg st="3" end="3"/>
+                                            </p:txEl>
+                                          </p:spTgt>
+                                        </p:tgtEl>
+                                        <p:attrNameLst>
+                                          <p:attrName>style.visibility</p:attrName>
+                                        </p:attrNameLst>
+                                      </p:cBhvr>
+                                      <p:to>
+                                        <p:strVal val="visible"/>
+                                      </p:to>
+                                    </p:set>
+                                  </p:childTnLst>
+                                </p:cTn>
+                              </p:par>
+                            </p:childTnLst>
+                          </p:cTn>
+                        </p:par>
+                      </p:childTnLst>
+                    </p:cTn>
+                  </p:par>
+                  <p:par>
+                    <p:cTn id="11" fill="hold">
+                      <p:stCondLst>
+                        <p:cond delay="indefinite"/>
+                      </p:stCondLst>
+                      <p:childTnLst>
+                        <p:par>
+                          <p:cTn id="12" fill="hold">
+                            <p:stCondLst>
+                              <p:cond delay="0"/>
+                            </p:stCondLst>
+                            <p:childTnLst>
+                              <p:par>
+                                <p:cTn id="13" presetID="1" presetClass="entr" presetSubtype="0" fill="hold" nodeType="clickEffect">
+                                  <p:stCondLst>
+                                    <p:cond delay="0"/>
+                                  </p:stCondLst>
+                                  <p:childTnLst>
+                                    <p:set>
+                                      <p:cBhvr>
+                                        <p:cTn id="14" dur="1" fill="hold">
+                                          <p:stCondLst>
+                                            <p:cond delay="0"/>
+                                          </p:stCondLst>
+                                        </p:cTn>
+                                        <p:tgtEl>
+                                          <p:spTgt spid="3">
+                                            <p:txEl>
+                                              <p:pRg st="4" end="4"/>
+                                            </p:txEl>
+                                          </p:spTgt>
+                                        </p:tgtEl>
+                                        <p:attrNameLst>
+                                          <p:attrName>style.visibility</p:attrName>
+                                        </p:attrNameLst>
+                                      </p:cBhvr>
+                                      <p:to>
+                                        <p:strVal val="visible"/>
+                                      </p:to>
+                                    </p:set>
+                                  </p:childTnLst>
+                                </p:cTn>
+                              </p:par>
+                            </p:childTnLst>
+                          </p:cTn>
+                        </p:par>
+                      </p:childTnLst>
+                    </p:cTn>
+                  </p:par>
+                  <p:par>
+                    <p:cTn id="15" fill="hold">
+                      <p:stCondLst>
+                        <p:cond delay="indefinite"/>
+                      </p:stCondLst>
+                      <p:childTnLst>
+                        <p:par>
+                          <p:cTn id="16" fill="hold">
+                            <p:stCondLst>
+                              <p:cond delay="0"/>
+                            </p:stCondLst>
+                            <p:childTnLst>
+                              <p:par>
+                                <p:cTn id="17" presetID="1" presetClass="entr" presetSubtype="0" fill="hold" nodeType="clickEffect">
+                                  <p:stCondLst>
+                                    <p:cond delay="0"/>
+                                  </p:stCondLst>
+                                  <p:childTnLst>
+                                    <p:set>
+                                      <p:cBhvr>
+                                        <p:cTn id="18" dur="1" fill="hold">
+                                          <p:stCondLst>
+                                            <p:cond delay="0"/>
+                                          </p:stCondLst>
+                                        </p:cTn>
+                                        <p:tgtEl>
+                                          <p:spTgt spid="3">
+                                            <p:txEl>
+                                              <p:pRg st="5" end="5"/>
+                                            </p:txEl>
+                                          </p:spTgt>
+                                        </p:tgtEl>
+                                        <p:attrNameLst>
+                                          <p:attrName>style.visibility</p:attrName>
+                                        </p:attrNameLst>
+                                      </p:cBhvr>
+                                      <p:to>
+                                        <p:strVal val="visible"/>
+                                      </p:to>
+                                    </p:set>
+                                  </p:childTnLst>
+                                </p:cTn>
+                              </p:par>
+                            </p:childTnLst>
+                          </p:cTn>
+                        </p:par>
+                      </p:childTnLst>
+                    </p:cTn>
+                  </p:par>
+                  <p:par>
+                    <p:cTn id="19" fill="hold">
+                      <p:stCondLst>
+                        <p:cond delay="indefinite"/>
+                      </p:stCondLst>
+                      <p:childTnLst>
+                        <p:par>
+                          <p:cTn id="20" fill="hold">
+                            <p:stCondLst>
+                              <p:cond delay="0"/>
+                            </p:stCondLst>
+                            <p:childTnLst>
+                              <p:par>
+                                <p:cTn id="21" presetID="1" presetClass="entr" presetSubtype="0" fill="hold" nodeType="clickEffect">
+                                  <p:stCondLst>
+                                    <p:cond delay="0"/>
+                                  </p:stCondLst>
+                                  <p:childTnLst>
+                                    <p:set>
+                                      <p:cBhvr>
+                                        <p:cTn id="22" dur="1" fill="hold">
+                                          <p:stCondLst>
+                                            <p:cond delay="0"/>
+                                          </p:stCondLst>
+                                        </p:cTn>
+                                        <p:tgtEl>
+                                          <p:spTgt spid="3">
+                                            <p:txEl>
+                                              <p:pRg st="6" end="6"/>
+                                            </p:txEl>
+                                          </p:spTgt>
+                                        </p:tgtEl>
+                                        <p:attrNameLst>
+                                          <p:attrName>style.visibility</p:attrName>
+                                        </p:attrNameLst>
+                                      </p:cBhvr>
+                                      <p:to>
+                                        <p:strVal val="visible"/>
+                                      </p:to>
+                                    </p:set>
+                                  </p:childTnLst>
+                                </p:cTn>
+                              </p:par>
+                            </p:childTnLst>
+                          </p:cTn>
+                        </p:par>
+                      </p:childTnLst>
+                    </p:cTn>
+                  </p:par>
+                  <p:par>
+                    <p:cTn id="23" fill="hold">
+                      <p:stCondLst>
+                        <p:cond delay="indefinite"/>
+                      </p:stCondLst>
+                      <p:childTnLst>
+                        <p:par>
+                          <p:cTn id="24" fill="hold">
+                            <p:stCondLst>
+                              <p:cond delay="0"/>
+                            </p:stCondLst>
+                            <p:childTnLst>
+                              <p:par>
+                                <p:cTn id="25" presetID="1" presetClass="entr" presetSubtype="0" fill="hold" nodeType="clickEffect">
+                                  <p:stCondLst>
+                                    <p:cond delay="0"/>
+                                  </p:stCondLst>
+                                  <p:childTnLst>
+                                    <p:set>
+                                      <p:cBhvr>
+                                        <p:cTn id="26" dur="1" fill="hold">
+                                          <p:stCondLst>
+                                            <p:cond delay="0"/>
+                                          </p:stCondLst>
+                                        </p:cTn>
+                                        <p:tgtEl>
+                                          <p:spTgt spid="3">
+                                            <p:txEl>
+                                              <p:pRg st="7" end="7"/>
+                                            </p:txEl>
+                                          </p:spTgt>
+                                        </p:tgtEl>
+                                        <p:attrNameLst>
+                                          <p:attrName>style.visibility</p:attrName>
+                                        </p:attrNameLst>
+                                      </p:cBhvr>
+                                      <p:to>
+                                        <p:strVal val="visible"/>
+                                      </p:to>
+                                    </p:set>
+                                  </p:childTnLst>
+                                </p:cTn>
+                              </p:par>
+                            </p:childTnLst>
+                          </p:cTn>
+                        </p:par>
+                      </p:childTnLst>
+                    </p:cTn>
+                  </p:par>
+                  <p:par>
+                    <p:cTn id="27" fill="hold">
+                      <p:stCondLst>
+                        <p:cond delay="indefinite"/>
+                      </p:stCondLst>
+                      <p:childTnLst>
+                        <p:par>
+                          <p:cTn id="28" fill="hold">
+                            <p:stCondLst>
+                              <p:cond delay="0"/>
+                            </p:stCondLst>
+                            <p:childTnLst>
+                              <p:par>
+                                <p:cTn id="29" presetID="1" presetClass="entr" presetSubtype="0" fill="hold" nodeType="clickEffect">
+                                  <p:stCondLst>
+                                    <p:cond delay="0"/>
+                                  </p:stCondLst>
+                                  <p:childTnLst>
+                                    <p:set>
+                                      <p:cBhvr>
+                                        <p:cTn id="30" dur="1" fill="hold">
+                                          <p:stCondLst>
+                                            <p:cond delay="0"/>
+                                          </p:stCondLst>
+                                        </p:cTn>
+                                        <p:tgtEl>
+                                          <p:spTgt spid="3">
+                                            <p:txEl>
+                                              <p:pRg st="8" end="8"/>
+                                            </p:txEl>
+                                          </p:spTgt>
+                                        </p:tgtEl>
+                                        <p:attrNameLst>
+                                          <p:attrName>style.visibility</p:attrName>
+                                        </p:attrNameLst>
+                                      </p:cBhvr>
+                                      <p:to>
+                                        <p:strVal val="visible"/>
+                                      </p:to>
+                                    </p:set>
+                                  </p:childTnLst>
+                                </p:cTn>
+                              </p:par>
+                            </p:childTnLst>
+                          </p:cTn>
+                        </p:par>
+                      </p:childTnLst>
+                    </p:cTn>
+                  </p:par>
+                  <p:par>
+                    <p:cTn id="31" fill="hold">
+                      <p:stCondLst>
+                        <p:cond delay="indefinite"/>
+                      </p:stCondLst>
+                      <p:childTnLst>
+                        <p:par>
+                          <p:cTn id="32" fill="hold">
+                            <p:stCondLst>
+                              <p:cond delay="0"/>
+                            </p:stCondLst>
+                            <p:childTnLst>
+                              <p:par>
+                                <p:cTn id="33" presetID="1" presetClass="entr" presetSubtype="0" fill="hold" nodeType="clickEffect">
+                                  <p:stCondLst>
+                                    <p:cond delay="0"/>
+                                  </p:stCondLst>
+                                  <p:childTnLst>
+                                    <p:set>
+                                      <p:cBhvr>
+                                        <p:cTn id="34" dur="1" fill="hold">
+                                          <p:stCondLst>
+                                            <p:cond delay="0"/>
+                                          </p:stCondLst>
+                                        </p:cTn>
+                                        <p:tgtEl>
+                                          <p:spTgt spid="3">
+                                            <p:txEl>
+                                              <p:pRg st="9" end="9"/>
+                                            </p:txEl>
+                                          </p:spTgt>
+                                        </p:tgtEl>
+                                        <p:attrNameLst>
+                                          <p:attrName>style.visibility</p:attrName>
+                                        </p:attrNameLst>
+                                      </p:cBhvr>
+                                      <p:to>
+                                        <p:strVal val="visible"/>
+                                      </p:to>
+                                    </p:set>
+                                  </p:childTnLst>
+                                </p:cTn>
+                              </p:par>
+                              <p:par>
+                                <p:cTn id="35" presetID="1" presetClass="entr" presetSubtype="0" fill="hold" grpId="0" nodeType="withEffect">
+                                  <p:stCondLst>
+                                    <p:cond delay="0"/>
+                                  </p:stCondLst>
+                                  <p:childTnLst>
+                                    <p:set>
+                                      <p:cBhvr>
+                                        <p:cTn id="36" dur="1" fill="hold">
+                                          <p:stCondLst>
+                                            <p:cond delay="0"/>
+                                          </p:stCondLst>
+                                        </p:cTn>
+                                        <p:tgtEl>
+                                          <p:spTgt spid="4"/>
+                                        </p:tgtEl>
+                                        <p:attrNameLst>
+                                          <p:attrName>style.visibility</p:attrName>
+                                        </p:attrNameLst>
+                                      </p:cBhvr>
+                                      <p:to>
+                                        <p:strVal val="visible"/>
+                                      </p:to>
+                                    </p:set>
+                                  </p:childTnLst>
+                                </p:cTn>
+                              </p:par>
+                            </p:childTnLst>
+                          </p:cTn>
+                        </p:par>
+                      </p:childTnLst>
+                    </p:cTn>
+                  </p:par>
+                  <p:par>
+                    <p:cTn id="37" fill="hold">
+                      <p:stCondLst>
+                        <p:cond delay="indefinite"/>
+                      </p:stCondLst>
+                      <p:childTnLst>
+                        <p:par>
+                          <p:cTn id="38" fill="hold">
+                            <p:stCondLst>
+                              <p:cond delay="0"/>
+                            </p:stCondLst>
+                            <p:childTnLst>
+                              <p:par>
+                                <p:cTn id="39" presetID="1" presetClass="entr" presetSubtype="0" fill="hold" nodeType="clickEffect">
+                                  <p:stCondLst>
+                                    <p:cond delay="0"/>
+                                  </p:stCondLst>
+                                  <p:childTnLst>
+                                    <p:set>
+                                      <p:cBhvr>
+                                        <p:cTn id="40" dur="1" fill="hold">
+                                          <p:stCondLst>
+                                            <p:cond delay="0"/>
+                                          </p:stCondLst>
+                                        </p:cTn>
+                                        <p:tgtEl>
+                                          <p:spTgt spid="3">
+                                            <p:txEl>
+                                              <p:pRg st="11" end="11"/>
+                                            </p:txEl>
+                                          </p:spTgt>
+                                        </p:tgtEl>
+                                        <p:attrNameLst>
+                                          <p:attrName>style.visibility</p:attrName>
+                                        </p:attrNameLst>
+                                      </p:cBhvr>
+                                      <p:to>
+                                        <p:strVal val="visible"/>
+                                      </p:to>
+                                    </p:set>
+                                  </p:childTnLst>
+                                </p:cTn>
+                              </p:par>
+                            </p:childTnLst>
+                          </p:cTn>
+                        </p:par>
+                      </p:childTnLst>
+                    </p:cTn>
+                  </p:par>
+                  <p:par>
+                    <p:cTn id="41" fill="hold">
+                      <p:stCondLst>
+                        <p:cond delay="indefinite"/>
+                      </p:stCondLst>
+                      <p:childTnLst>
+                        <p:par>
+                          <p:cTn id="42" fill="hold">
+                            <p:stCondLst>
+                              <p:cond delay="0"/>
+                            </p:stCondLst>
+                            <p:childTnLst>
+                              <p:par>
+                                <p:cTn id="43" presetID="1" presetClass="entr" presetSubtype="0" fill="hold" nodeType="clickEffect">
+                                  <p:stCondLst>
+                                    <p:cond delay="0"/>
+                                  </p:stCondLst>
+                                  <p:childTnLst>
+                                    <p:set>
+                                      <p:cBhvr>
+                                        <p:cTn id="44" dur="1" fill="hold">
+                                          <p:stCondLst>
+                                            <p:cond delay="0"/>
+                                          </p:stCondLst>
+                                        </p:cTn>
+                                        <p:tgtEl>
+                                          <p:spTgt spid="3">
+                                            <p:txEl>
+                                              <p:pRg st="12" end="12"/>
+                                            </p:txEl>
+                                          </p:spTgt>
+                                        </p:tgtEl>
+                                        <p:attrNameLst>
+                                          <p:attrName>style.visibility</p:attrName>
+                                        </p:attrNameLst>
+                                      </p:cBhvr>
+                                      <p:to>
+                                        <p:strVal val="visible"/>
+                                      </p:to>
+                                    </p:set>
+                                  </p:childTnLst>
+                                </p:cTn>
+                              </p:par>
+                            </p:childTnLst>
+                          </p:cTn>
+                        </p:par>
+                      </p:childTnLst>
+                    </p:cTn>
+                  </p:par>
+                  <p:par>
+                    <p:cTn id="45" fill="hold">
+                      <p:stCondLst>
+                        <p:cond delay="indefinite"/>
+                      </p:stCondLst>
+                      <p:childTnLst>
+                        <p:par>
+                          <p:cTn id="46" fill="hold">
+                            <p:stCondLst>
+                              <p:cond delay="0"/>
+                            </p:stCondLst>
+                            <p:childTnLst>
+                              <p:par>
+                                <p:cTn id="47" presetID="1" presetClass="entr" presetSubtype="0" fill="hold" nodeType="clickEffect">
+                                  <p:stCondLst>
+                                    <p:cond delay="0"/>
+                                  </p:stCondLst>
+                                  <p:childTnLst>
+                                    <p:set>
+                                      <p:cBhvr>
+                                        <p:cTn id="48" dur="1" fill="hold">
+                                          <p:stCondLst>
+                                            <p:cond delay="0"/>
+                                          </p:stCondLst>
+                                        </p:cTn>
+                                        <p:tgtEl>
+                                          <p:spTgt spid="3">
+                                            <p:txEl>
+                                              <p:pRg st="13" end="13"/>
+                                            </p:txEl>
+                                          </p:spTgt>
+                                        </p:tgtEl>
+                                        <p:attrNameLst>
+                                          <p:attrName>style.visibility</p:attrName>
+                                        </p:attrNameLst>
+                                      </p:cBhvr>
+                                      <p:to>
+                                        <p:strVal val="visible"/>
+                                      </p:to>
+                                    </p:set>
+                                  </p:childTnLst>
+                                </p:cTn>
+                              </p:par>
+                            </p:childTnLst>
+                          </p:cTn>
+                        </p:par>
+                      </p:childTnLst>
+                    </p:cTn>
+                  </p:par>
+                  <p:par>
+                    <p:cTn id="49" fill="hold">
+                      <p:stCondLst>
+                        <p:cond delay="indefinite"/>
+                      </p:stCondLst>
+                      <p:childTnLst>
+                        <p:par>
+                          <p:cTn id="50" fill="hold">
+                            <p:stCondLst>
+                              <p:cond delay="0"/>
+                            </p:stCondLst>
+                            <p:childTnLst>
+                              <p:par>
+                                <p:cTn id="51" presetID="1" presetClass="entr" presetSubtype="0" fill="hold" nodeType="clickEffect">
+                                  <p:stCondLst>
+                                    <p:cond delay="0"/>
+                                  </p:stCondLst>
+                                  <p:childTnLst>
+                                    <p:set>
+                                      <p:cBhvr>
+                                        <p:cTn id="52" dur="1" fill="hold">
+                                          <p:stCondLst>
+                                            <p:cond delay="0"/>
+                                          </p:stCondLst>
+                                        </p:cTn>
+                                        <p:tgtEl>
+                                          <p:spTgt spid="3">
+                                            <p:txEl>
+                                              <p:pRg st="14" end="14"/>
+                                            </p:txEl>
+                                          </p:spTgt>
+                                        </p:tgtEl>
+                                        <p:attrNameLst>
+                                          <p:attrName>style.visibility</p:attrName>
+                                        </p:attrNameLst>
+                                      </p:cBhvr>
+                                      <p:to>
+                                        <p:strVal val="visible"/>
+                                      </p:to>
+                                    </p:set>
+                                  </p:childTnLst>
+                                </p:cTn>
+                              </p:par>
+                            </p:childTnLst>
+                          </p:cTn>
+                        </p:par>
+                      </p:childTnLst>
+                    </p:cTn>
+                  </p:par>
+                  <p:par>
+                    <p:cTn id="53" fill="hold">
+                      <p:stCondLst>
+                        <p:cond delay="indefinite"/>
+                      </p:stCondLst>
+                      <p:childTnLst>
+                        <p:par>
+                          <p:cTn id="54" fill="hold">
+                            <p:stCondLst>
+                              <p:cond delay="0"/>
+                            </p:stCondLst>
+                            <p:childTnLst>
+                              <p:par>
+                                <p:cTn id="55" presetID="1" presetClass="entr" presetSubtype="0" fill="hold" nodeType="clickEffect">
+                                  <p:stCondLst>
+                                    <p:cond delay="0"/>
+                                  </p:stCondLst>
+                                  <p:childTnLst>
+                                    <p:set>
+                                      <p:cBhvr>
+                                        <p:cTn id="56" dur="1" fill="hold">
+                                          <p:stCondLst>
+                                            <p:cond delay="0"/>
+                                          </p:stCondLst>
+                                        </p:cTn>
+                                        <p:tgtEl>
+                                          <p:spTgt spid="3">
+                                            <p:txEl>
+                                              <p:pRg st="15" end="15"/>
+                                            </p:txEl>
+                                          </p:spTgt>
+                                        </p:tgtEl>
+                                        <p:attrNameLst>
+                                          <p:attrName>style.visibility</p:attrName>
+                                        </p:attrNameLst>
+                                      </p:cBhvr>
+                                      <p:to>
+                                        <p:strVal val="visible"/>
+                                      </p:to>
+                                    </p:set>
+                                  </p:childTnLst>
+                                </p:cTn>
+                              </p:par>
+                            </p:childTnLst>
+                          </p:cTn>
+                        </p:par>
+                      </p:childTnLst>
+                    </p:cTn>
+                  </p:par>
+                </p:childTnLst>
+              </p:cTn>
+              <p:prevCondLst>
+                <p:cond evt="onPrev" delay="0">
+                  <p:tgtEl>
+                    <p:sldTgt/>
+                  </p:tgtEl>
+                </p:cond>
+              </p:prevCondLst>
+              <p:nextCondLst>
+                <p:cond evt="onNext" delay="0">
+                  <p:tgtEl>
+                    <p:sldTgt/>
+                  </p:tgtEl>
+                </p:cond>
+              </p:nextCondLst>
+            </p:seq>
+          </p:childTnLst>
+        </p:cTn>
+      </p:par>
+    </p:tnLst>
+    <p:bldLst>
+      <p:bldP spid="4" grpId="0" animBg="1"/>
+    </p:bldLst>
+  </p:timing>
+</p:sld>
+</file>
+
+<file path=ppt/slides/slide18.xml><?xml version="1.0" encoding="utf-8"?>
+<p:sld xmlns:a="http://schemas.openxmlformats.org/drawingml/2006/main" xmlns:r="http://schemas.openxmlformats.org/officeDocument/2006/relationships" xmlns:p="http://schemas.openxmlformats.org/presentationml/2006/main">
+  <p:cSld>
+    <p:spTree>
+      <p:nvGrpSpPr>
+        <p:cNvPr id="1" name=""/>
+        <p:cNvGrpSpPr/>
+        <p:nvPr/>
+      </p:nvGrpSpPr>
+      <p:grpSpPr>
+        <a:xfrm>
+          <a:off x="0" y="0"/>
+          <a:ext cx="0" cy="0"/>
+          <a:chOff x="0" y="0"/>
+          <a:chExt cx="0" cy="0"/>
+        </a:xfrm>
+      </p:grpSpPr>
+      <p:sp>
+        <p:nvSpPr>
+          <p:cNvPr id="2" name="Title 1"/>
+          <p:cNvSpPr>
+            <a:spLocks noGrp="1"/>
+          </p:cNvSpPr>
+          <p:nvPr>
+            <p:ph type="title"/>
+          </p:nvPr>
+        </p:nvSpPr>
+        <p:spPr/>
+        <p:txBody>
+          <a:bodyPr/>
+          <a:lstStyle/>
+          <a:p>
+            <a:r>
+              <a:rPr lang="en-US" dirty="0" smtClean="0"/>
+              <a:t>Grading – Bonus Points</a:t>
+            </a:r>
+            <a:endParaRPr lang="en-US" dirty="0"/>
+          </a:p>
+        </p:txBody>
+      </p:sp>
+      <p:sp>
+        <p:nvSpPr>
+          <p:cNvPr id="3" name="Text Placeholder 2"/>
+          <p:cNvSpPr>
+            <a:spLocks noGrp="1"/>
+          </p:cNvSpPr>
+          <p:nvPr>
+            <p:ph type="body" sz="quarter" idx="10"/>
+          </p:nvPr>
+        </p:nvSpPr>
+        <p:spPr/>
+        <p:txBody>
+          <a:bodyPr/>
+          <a:lstStyle/>
+          <a:p>
+            <a:r>
+              <a:rPr lang="en-US" dirty="0" smtClean="0"/>
+              <a:t>Errors for Bonus!</a:t>
+            </a:r>
+          </a:p>
+          <a:p>
+            <a:pPr lvl="1"/>
+            <a:r>
+              <a:rPr lang="en-US" dirty="0" smtClean="0"/>
+              <a:t>Help us find errors (typos, grammar mistakes, technical mistakes, </a:t>
+            </a:r>
+            <a:r>
+              <a:rPr lang="en-US" dirty="0" err="1" smtClean="0"/>
+              <a:t>etc</a:t>
+            </a:r>
+            <a:r>
+              <a:rPr lang="en-US" dirty="0" smtClean="0"/>
+              <a:t>) in the course materials (lecture notes, lab manuals, guidelines, </a:t>
+            </a:r>
+            <a:r>
+              <a:rPr lang="en-US" dirty="0" err="1" smtClean="0"/>
+              <a:t>etc</a:t>
+            </a:r>
+            <a:r>
+              <a:rPr lang="en-US" dirty="0" smtClean="0"/>
+              <a:t>)</a:t>
+            </a:r>
+          </a:p>
+          <a:p>
+            <a:pPr lvl="1"/>
+            <a:r>
+              <a:rPr lang="en-US" dirty="0" smtClean="0"/>
+              <a:t>The first to find and report an error on Piazza gets 0.1 point for each error</a:t>
+            </a:r>
+            <a:endParaRPr lang="en-US" dirty="0"/>
+          </a:p>
+        </p:txBody>
+      </p:sp>
+    </p:spTree>
+    <p:extLst>
+      <p:ext uri="{BB962C8B-B14F-4D97-AF65-F5344CB8AC3E}">
+        <p14:creationId xmlns:p14="http://schemas.microsoft.com/office/powerpoint/2010/main" val="3708933933"/>
+      </p:ext>
+    </p:extLst>
+  </p:cSld>
+  <p:clrMapOvr>
+    <a:masterClrMapping/>
+  </p:clrMapOvr>
+  <p:timing>
+    <p:tnLst>
+      <p:par>
+        <p:cTn id="1" dur="indefinite" restart="never" nodeType="tmRoot"/>
+      </p:par>
+    </p:tnLst>
+  </p:timing>
+</p:sld>
+</file>
+
+<file path=ppt/slides/slide19.xml><?xml version="1.0" encoding="utf-8"?>
+<p:sld xmlns:a="http://schemas.openxmlformats.org/drawingml/2006/main" xmlns:r="http://schemas.openxmlformats.org/officeDocument/2006/relationships" xmlns:p="http://schemas.openxmlformats.org/presentationml/2006/main">
+  <p:cSld>
+    <p:spTree>
+      <p:nvGrpSpPr>
+        <p:cNvPr id="1" name=""/>
+        <p:cNvGrpSpPr/>
+        <p:nvPr/>
+      </p:nvGrpSpPr>
+      <p:grpSpPr>
+        <a:xfrm>
+          <a:off x="0" y="0"/>
+          <a:ext cx="0" cy="0"/>
+          <a:chOff x="0" y="0"/>
+          <a:chExt cx="0" cy="0"/>
+        </a:xfrm>
+      </p:grpSpPr>
+      <p:sp>
+        <p:nvSpPr>
+          <p:cNvPr id="2" name="Title 1"/>
+          <p:cNvSpPr>
+            <a:spLocks noGrp="1"/>
+          </p:cNvSpPr>
+          <p:nvPr>
+            <p:ph type="title"/>
+          </p:nvPr>
+        </p:nvSpPr>
+        <p:spPr/>
+        <p:txBody>
+          <a:bodyPr/>
+          <a:lstStyle/>
+          <a:p>
+            <a:r>
+              <a:rPr lang="en-US" dirty="0" smtClean="0"/>
+              <a:t>Grading – Bonus Points</a:t>
+            </a:r>
+            <a:endParaRPr lang="en-US" dirty="0"/>
+          </a:p>
+        </p:txBody>
+      </p:sp>
+      <p:sp>
+        <p:nvSpPr>
+          <p:cNvPr id="3" name="Text Placeholder 2"/>
+          <p:cNvSpPr>
+            <a:spLocks noGrp="1"/>
+          </p:cNvSpPr>
+          <p:nvPr>
+            <p:ph type="body" sz="quarter" idx="10"/>
+          </p:nvPr>
+        </p:nvSpPr>
+        <p:spPr>
+          <a:xfrm>
+            <a:off x="304800" y="933262"/>
+            <a:ext cx="4907279" cy="4335463"/>
+          </a:xfrm>
+        </p:spPr>
+        <p:txBody>
+          <a:bodyPr/>
+          <a:lstStyle/>
+          <a:p>
+            <a:r>
+              <a:rPr lang="en-US" dirty="0" smtClean="0"/>
+              <a:t>Getting your HAM radio license </a:t>
+            </a:r>
+          </a:p>
+          <a:p>
+            <a:pPr lvl="1"/>
+            <a:r>
+              <a:rPr lang="en-US" dirty="0" smtClean="0"/>
+              <a:t>Technician class (</a:t>
+            </a:r>
+            <a:r>
+              <a:rPr lang="en-US" dirty="0" smtClean="0">
+                <a:solidFill>
+                  <a:srgbClr val="00B050"/>
+                </a:solidFill>
+              </a:rPr>
+              <a:t>2 pts</a:t>
+            </a:r>
+            <a:r>
+              <a:rPr lang="en-US" dirty="0" smtClean="0"/>
+              <a:t>)</a:t>
+            </a:r>
+          </a:p>
+          <a:p>
+            <a:pPr lvl="2"/>
+            <a:r>
+              <a:rPr lang="en-US" dirty="0" smtClean="0"/>
+              <a:t>Transmission above 30 MHz</a:t>
+            </a:r>
+          </a:p>
+          <a:p>
+            <a:pPr lvl="1"/>
+            <a:r>
+              <a:rPr lang="en-US" dirty="0" smtClean="0"/>
+              <a:t>General class (</a:t>
+            </a:r>
+            <a:r>
+              <a:rPr lang="en-US" dirty="0" smtClean="0">
+                <a:solidFill>
+                  <a:srgbClr val="00B050"/>
+                </a:solidFill>
+              </a:rPr>
+              <a:t>2 pts</a:t>
+            </a:r>
+            <a:r>
+              <a:rPr lang="en-US" dirty="0" smtClean="0"/>
+              <a:t>)</a:t>
+            </a:r>
+          </a:p>
+          <a:p>
+            <a:pPr lvl="2"/>
+            <a:r>
+              <a:rPr lang="en-US" dirty="0" smtClean="0"/>
+              <a:t>Access to the HF band</a:t>
+            </a:r>
+          </a:p>
+          <a:p>
+            <a:pPr lvl="1"/>
+            <a:r>
+              <a:rPr lang="en-US" dirty="0" smtClean="0"/>
+              <a:t>Extra (</a:t>
+            </a:r>
+            <a:r>
+              <a:rPr lang="en-US" dirty="0" smtClean="0">
+                <a:solidFill>
+                  <a:srgbClr val="00B050"/>
+                </a:solidFill>
+              </a:rPr>
+              <a:t>3 pts</a:t>
+            </a:r>
+            <a:r>
+              <a:rPr lang="en-US" dirty="0" smtClean="0"/>
+              <a:t>)</a:t>
+            </a:r>
+          </a:p>
+          <a:p>
+            <a:pPr lvl="2"/>
+            <a:r>
+              <a:rPr lang="en-US" dirty="0" smtClean="0"/>
+              <a:t>Transmission on all bands</a:t>
+            </a:r>
+          </a:p>
+          <a:p>
+            <a:r>
+              <a:rPr lang="en-US" dirty="0" smtClean="0"/>
+              <a:t>Log on to </a:t>
+            </a:r>
+            <a:r>
+              <a:rPr lang="en-US" dirty="0" smtClean="0">
+                <a:hlinkClick r:id="rId2"/>
+              </a:rPr>
+              <a:t>www.arrl.org</a:t>
+            </a:r>
+            <a:r>
+              <a:rPr lang="en-US" dirty="0" smtClean="0"/>
+              <a:t> for information on licensing and exams</a:t>
+            </a:r>
+          </a:p>
+          <a:p>
+            <a:r>
+              <a:rPr lang="en-US" dirty="0" smtClean="0"/>
+              <a:t>The following links provides additional materials for preparing for the exams</a:t>
+            </a:r>
+          </a:p>
+          <a:p>
+            <a:pPr lvl="1"/>
+            <a:r>
+              <a:rPr lang="en-US">
+                <a:hlinkClick r:id="rId3"/>
+              </a:rPr>
+              <a:t>http://www.hamradioschool.com</a:t>
+            </a:r>
+            <a:r>
+              <a:rPr lang="en-US" smtClean="0">
+                <a:hlinkClick r:id="rId3"/>
+              </a:rPr>
+              <a:t>/</a:t>
+            </a:r>
+            <a:r>
+              <a:rPr lang="en-US" smtClean="0"/>
+              <a:t> </a:t>
+            </a:r>
+          </a:p>
+          <a:p>
+            <a:pPr lvl="1"/>
+            <a:endParaRPr lang="en-US" dirty="0" smtClean="0"/>
+          </a:p>
+          <a:p>
+            <a:r>
+              <a:rPr lang="en-US" dirty="0" smtClean="0"/>
+              <a:t>We may arrange training sessions or even exams</a:t>
+            </a:r>
+            <a:endParaRPr lang="en-US" dirty="0"/>
+          </a:p>
+        </p:txBody>
+      </p:sp>
+      <p:pic>
+        <p:nvPicPr>
+          <p:cNvPr id="5" name="Picture 4" descr="http://www.arrl.org/images/view/News/ARRL%20logo%20type_3.jpg"/>
+          <p:cNvPicPr>
+            <a:picLocks noChangeAspect="1" noChangeArrowheads="1"/>
+          </p:cNvPicPr>
+          <p:nvPr/>
+        </p:nvPicPr>
+        <p:blipFill>
+          <a:blip r:embed="rId4" cstate="print">
+            <a:extLst>
+              <a:ext uri="{28A0092B-C50C-407E-A947-70E740481C1C}">
+                <a14:useLocalDpi xmlns:a14="http://schemas.microsoft.com/office/drawing/2010/main" val="0"/>
+              </a:ext>
+            </a:extLst>
+          </a:blip>
+          <a:srcRect/>
+          <a:stretch>
+            <a:fillRect/>
+          </a:stretch>
+        </p:blipFill>
+        <p:spPr bwMode="auto">
+          <a:xfrm>
+            <a:off x="5396345" y="933262"/>
+            <a:ext cx="3229495" cy="2061035"/>
+          </a:xfrm>
+          <a:prstGeom prst="rect">
+            <a:avLst/>
+          </a:prstGeom>
+          <a:noFill/>
+          <a:extLst>
+            <a:ext uri="{909E8E84-426E-40DD-AFC4-6F175D3DCCD1}">
+              <a14:hiddenFill xmlns:a14="http://schemas.microsoft.com/office/drawing/2010/main">
+                <a:solidFill>
+                  <a:srgbClr val="FFFFFF"/>
+                </a:solidFill>
+              </a14:hiddenFill>
+            </a:ext>
+          </a:extLst>
+        </p:spPr>
+      </p:pic>
+      <p:pic>
+        <p:nvPicPr>
+          <p:cNvPr id="6" name="Picture 6" descr="http://files.qrz.com/x/iz2sux/Homer_HamRadio.png"/>
+          <p:cNvPicPr>
+            <a:picLocks noChangeAspect="1" noChangeArrowheads="1"/>
+          </p:cNvPicPr>
+          <p:nvPr/>
+        </p:nvPicPr>
+        <p:blipFill>
+          <a:blip r:embed="rId5">
+            <a:extLst>
+              <a:ext uri="{28A0092B-C50C-407E-A947-70E740481C1C}">
+                <a14:useLocalDpi xmlns:a14="http://schemas.microsoft.com/office/drawing/2010/main" val="0"/>
+              </a:ext>
+            </a:extLst>
+          </a:blip>
+          <a:srcRect/>
+          <a:stretch>
+            <a:fillRect/>
+          </a:stretch>
+        </p:blipFill>
+        <p:spPr bwMode="auto">
+          <a:xfrm>
+            <a:off x="5586151" y="3142040"/>
+            <a:ext cx="2849881" cy="2126685"/>
+          </a:xfrm>
+          <a:prstGeom prst="rect">
+            <a:avLst/>
+          </a:prstGeom>
+          <a:noFill/>
+          <a:extLst>
+            <a:ext uri="{909E8E84-426E-40DD-AFC4-6F175D3DCCD1}">
+              <a14:hiddenFill xmlns:a14="http://schemas.microsoft.com/office/drawing/2010/main">
+                <a:solidFill>
+                  <a:srgbClr val="FFFFFF"/>
+                </a:solidFill>
+              </a14:hiddenFill>
+            </a:ext>
+          </a:extLst>
+        </p:spPr>
+      </p:pic>
+    </p:spTree>
+    <p:extLst>
+      <p:ext uri="{BB962C8B-B14F-4D97-AF65-F5344CB8AC3E}">
+        <p14:creationId xmlns:p14="http://schemas.microsoft.com/office/powerpoint/2010/main" val="3622427541"/>
+      </p:ext>
+    </p:extLst>
+  </p:cSld>
+  <p:clrMapOvr>
+    <a:masterClrMapping/>
+  </p:clrMapOvr>
+  <p:timing>
+    <p:tnLst>
+      <p:par>
+        <p:cTn id="1" dur="indefinite" restart="never" nodeType="tmRoot"/>
+      </p:par>
+    </p:tnLst>
+  </p:timing>
+</p:sld>
+</file>
+
+<file path=ppt/slides/slide2.xml><?xml version="1.0" encoding="utf-8"?>
+<p:sld xmlns:a="http://schemas.openxmlformats.org/drawingml/2006/main" xmlns:r="http://schemas.openxmlformats.org/officeDocument/2006/relationships" xmlns:p="http://schemas.openxmlformats.org/presentationml/2006/main">
+  <p:cSld>
+    <p:spTree>
+      <p:nvGrpSpPr>
+        <p:cNvPr id="1" name=""/>
+        <p:cNvGrpSpPr/>
+        <p:nvPr/>
+      </p:nvGrpSpPr>
+      <p:grpSpPr>
+        <a:xfrm>
+          <a:off x="0" y="0"/>
+          <a:ext cx="0" cy="0"/>
+          <a:chOff x="0" y="0"/>
+          <a:chExt cx="0" cy="0"/>
+        </a:xfrm>
+      </p:grpSpPr>
+      <p:sp>
+        <p:nvSpPr>
+          <p:cNvPr id="2" name="Title 1"/>
+          <p:cNvSpPr>
+            <a:spLocks noGrp="1"/>
+          </p:cNvSpPr>
+          <p:nvPr>
+            <p:ph type="title"/>
+          </p:nvPr>
+        </p:nvSpPr>
+        <p:spPr/>
+        <p:txBody>
+          <a:bodyPr>
+            <a:normAutofit/>
+          </a:bodyPr>
+          <a:lstStyle/>
+          <a:p>
+            <a:r>
+              <a:rPr lang="en-US" dirty="0" smtClean="0"/>
+              <a:t>Course Objectives</a:t>
+            </a:r>
+            <a:endParaRPr lang="en-US" dirty="0"/>
+          </a:p>
+        </p:txBody>
+      </p:sp>
+      <p:sp>
+        <p:nvSpPr>
+          <p:cNvPr id="3" name="Content Placeholder 2"/>
+          <p:cNvSpPr>
+            <a:spLocks noGrp="1"/>
+          </p:cNvSpPr>
+          <p:nvPr>
+            <p:ph type="body" sz="quarter" idx="10"/>
+          </p:nvPr>
+        </p:nvSpPr>
+        <p:spPr/>
+        <p:txBody>
+          <a:bodyPr/>
+          <a:lstStyle/>
+          <a:p>
+            <a:r>
+              <a:rPr lang="en-US" sz="2400" dirty="0"/>
+              <a:t>To provide a senior design option for students interested in RF/microwave engineering</a:t>
+            </a:r>
+          </a:p>
+          <a:p>
+            <a:r>
+              <a:rPr lang="en-US" sz="2400" dirty="0" smtClean="0"/>
+              <a:t>To provide a system </a:t>
+            </a:r>
+            <a:r>
+              <a:rPr lang="en-US" sz="2400" dirty="0"/>
+              <a:t>design perspective</a:t>
+            </a:r>
+          </a:p>
+          <a:p>
+            <a:r>
+              <a:rPr lang="en-US" sz="2400" dirty="0" smtClean="0"/>
+              <a:t>To get your hands dirty</a:t>
+            </a:r>
+            <a:endParaRPr lang="en-US" sz="2400" dirty="0"/>
+          </a:p>
+          <a:p>
+            <a:r>
+              <a:rPr lang="en-US" sz="2400" dirty="0" smtClean="0"/>
+              <a:t>To promote teamwork</a:t>
+            </a:r>
+            <a:endParaRPr lang="en-US" sz="2400" dirty="0"/>
+          </a:p>
+          <a:p>
+            <a:r>
+              <a:rPr lang="en-US" sz="2400" dirty="0" smtClean="0"/>
+              <a:t>To promote self-learning</a:t>
+            </a:r>
+          </a:p>
+          <a:p>
+            <a:r>
+              <a:rPr lang="en-US" sz="2400" dirty="0" smtClean="0"/>
+              <a:t>To improve communication (oral &amp; written) skills </a:t>
+            </a:r>
+            <a:endParaRPr lang="en-US" sz="2400" dirty="0"/>
+          </a:p>
+          <a:p>
+            <a:r>
+              <a:rPr lang="en-US" sz="2400" dirty="0" smtClean="0"/>
+              <a:t>To push </a:t>
+            </a:r>
+            <a:r>
+              <a:rPr lang="en-US" sz="2400" dirty="0"/>
+              <a:t>your </a:t>
+            </a:r>
+            <a:r>
+              <a:rPr lang="en-US" sz="2400" dirty="0" smtClean="0"/>
+              <a:t>limit</a:t>
+            </a:r>
+            <a:r>
+              <a:rPr lang="en-US" sz="2400" dirty="0"/>
+              <a:t>!</a:t>
+            </a:r>
+            <a:endParaRPr lang="en-US" sz="2400" dirty="0" smtClean="0"/>
           </a:p>
         </p:txBody>
       </p:sp>
@@ -8205,376 +9958,6 @@
                       </p:childTnLst>
                     </p:cTn>
                   </p:par>
-                  <p:par>
-                    <p:cTn id="27" fill="hold">
-                      <p:stCondLst>
-                        <p:cond delay="indefinite"/>
-                      </p:stCondLst>
-                      <p:childTnLst>
-                        <p:par>
-                          <p:cTn id="28" fill="hold">
-                            <p:stCondLst>
-                              <p:cond delay="0"/>
-                            </p:stCondLst>
-                            <p:childTnLst>
-                              <p:par>
-                                <p:cTn id="29" presetID="1" presetClass="entr" presetSubtype="0" fill="hold" nodeType="clickEffect">
-                                  <p:stCondLst>
-                                    <p:cond delay="0"/>
-                                  </p:stCondLst>
-                                  <p:childTnLst>
-                                    <p:set>
-                                      <p:cBhvr>
-                                        <p:cTn id="30" dur="1" fill="hold">
-                                          <p:stCondLst>
-                                            <p:cond delay="0"/>
-                                          </p:stCondLst>
-                                        </p:cTn>
-                                        <p:tgtEl>
-                                          <p:spTgt spid="3">
-                                            <p:txEl>
-                                              <p:pRg st="7" end="7"/>
-                                            </p:txEl>
-                                          </p:spTgt>
-                                        </p:tgtEl>
-                                        <p:attrNameLst>
-                                          <p:attrName>style.visibility</p:attrName>
-                                        </p:attrNameLst>
-                                      </p:cBhvr>
-                                      <p:to>
-                                        <p:strVal val="visible"/>
-                                      </p:to>
-                                    </p:set>
-                                  </p:childTnLst>
-                                </p:cTn>
-                              </p:par>
-                            </p:childTnLst>
-                          </p:cTn>
-                        </p:par>
-                      </p:childTnLst>
-                    </p:cTn>
-                  </p:par>
-                  <p:par>
-                    <p:cTn id="31" fill="hold">
-                      <p:stCondLst>
-                        <p:cond delay="indefinite"/>
-                      </p:stCondLst>
-                      <p:childTnLst>
-                        <p:par>
-                          <p:cTn id="32" fill="hold">
-                            <p:stCondLst>
-                              <p:cond delay="0"/>
-                            </p:stCondLst>
-                            <p:childTnLst>
-                              <p:par>
-                                <p:cTn id="33" presetID="1" presetClass="entr" presetSubtype="0" fill="hold" nodeType="clickEffect">
-                                  <p:stCondLst>
-                                    <p:cond delay="0"/>
-                                  </p:stCondLst>
-                                  <p:childTnLst>
-                                    <p:set>
-                                      <p:cBhvr>
-                                        <p:cTn id="34" dur="1" fill="hold">
-                                          <p:stCondLst>
-                                            <p:cond delay="0"/>
-                                          </p:stCondLst>
-                                        </p:cTn>
-                                        <p:tgtEl>
-                                          <p:spTgt spid="3">
-                                            <p:txEl>
-                                              <p:pRg st="8" end="8"/>
-                                            </p:txEl>
-                                          </p:spTgt>
-                                        </p:tgtEl>
-                                        <p:attrNameLst>
-                                          <p:attrName>style.visibility</p:attrName>
-                                        </p:attrNameLst>
-                                      </p:cBhvr>
-                                      <p:to>
-                                        <p:strVal val="visible"/>
-                                      </p:to>
-                                    </p:set>
-                                  </p:childTnLst>
-                                </p:cTn>
-                              </p:par>
-                              <p:par>
-                                <p:cTn id="35" presetID="1" presetClass="entr" presetSubtype="0" fill="hold" grpId="0" nodeType="withEffect">
-                                  <p:stCondLst>
-                                    <p:cond delay="0"/>
-                                  </p:stCondLst>
-                                  <p:childTnLst>
-                                    <p:set>
-                                      <p:cBhvr>
-                                        <p:cTn id="36" dur="1" fill="hold">
-                                          <p:stCondLst>
-                                            <p:cond delay="0"/>
-                                          </p:stCondLst>
-                                        </p:cTn>
-                                        <p:tgtEl>
-                                          <p:spTgt spid="4"/>
-                                        </p:tgtEl>
-                                        <p:attrNameLst>
-                                          <p:attrName>style.visibility</p:attrName>
-                                        </p:attrNameLst>
-                                      </p:cBhvr>
-                                      <p:to>
-                                        <p:strVal val="visible"/>
-                                      </p:to>
-                                    </p:set>
-                                  </p:childTnLst>
-                                </p:cTn>
-                              </p:par>
-                            </p:childTnLst>
-                          </p:cTn>
-                        </p:par>
-                      </p:childTnLst>
-                    </p:cTn>
-                  </p:par>
-                  <p:par>
-                    <p:cTn id="37" fill="hold">
-                      <p:stCondLst>
-                        <p:cond delay="indefinite"/>
-                      </p:stCondLst>
-                      <p:childTnLst>
-                        <p:par>
-                          <p:cTn id="38" fill="hold">
-                            <p:stCondLst>
-                              <p:cond delay="0"/>
-                            </p:stCondLst>
-                            <p:childTnLst>
-                              <p:par>
-                                <p:cTn id="39" presetID="1" presetClass="entr" presetSubtype="0" fill="hold" nodeType="clickEffect">
-                                  <p:stCondLst>
-                                    <p:cond delay="0"/>
-                                  </p:stCondLst>
-                                  <p:childTnLst>
-                                    <p:set>
-                                      <p:cBhvr>
-                                        <p:cTn id="40" dur="1" fill="hold">
-                                          <p:stCondLst>
-                                            <p:cond delay="0"/>
-                                          </p:stCondLst>
-                                        </p:cTn>
-                                        <p:tgtEl>
-                                          <p:spTgt spid="3">
-                                            <p:txEl>
-                                              <p:pRg st="10" end="10"/>
-                                            </p:txEl>
-                                          </p:spTgt>
-                                        </p:tgtEl>
-                                        <p:attrNameLst>
-                                          <p:attrName>style.visibility</p:attrName>
-                                        </p:attrNameLst>
-                                      </p:cBhvr>
-                                      <p:to>
-                                        <p:strVal val="visible"/>
-                                      </p:to>
-                                    </p:set>
-                                  </p:childTnLst>
-                                </p:cTn>
-                              </p:par>
-                            </p:childTnLst>
-                          </p:cTn>
-                        </p:par>
-                      </p:childTnLst>
-                    </p:cTn>
-                  </p:par>
-                  <p:par>
-                    <p:cTn id="41" fill="hold">
-                      <p:stCondLst>
-                        <p:cond delay="indefinite"/>
-                      </p:stCondLst>
-                      <p:childTnLst>
-                        <p:par>
-                          <p:cTn id="42" fill="hold">
-                            <p:stCondLst>
-                              <p:cond delay="0"/>
-                            </p:stCondLst>
-                            <p:childTnLst>
-                              <p:par>
-                                <p:cTn id="43" presetID="1" presetClass="entr" presetSubtype="0" fill="hold" nodeType="clickEffect">
-                                  <p:stCondLst>
-                                    <p:cond delay="0"/>
-                                  </p:stCondLst>
-                                  <p:childTnLst>
-                                    <p:set>
-                                      <p:cBhvr>
-                                        <p:cTn id="44" dur="1" fill="hold">
-                                          <p:stCondLst>
-                                            <p:cond delay="0"/>
-                                          </p:stCondLst>
-                                        </p:cTn>
-                                        <p:tgtEl>
-                                          <p:spTgt spid="3">
-                                            <p:txEl>
-                                              <p:pRg st="11" end="11"/>
-                                            </p:txEl>
-                                          </p:spTgt>
-                                        </p:tgtEl>
-                                        <p:attrNameLst>
-                                          <p:attrName>style.visibility</p:attrName>
-                                        </p:attrNameLst>
-                                      </p:cBhvr>
-                                      <p:to>
-                                        <p:strVal val="visible"/>
-                                      </p:to>
-                                    </p:set>
-                                  </p:childTnLst>
-                                </p:cTn>
-                              </p:par>
-                            </p:childTnLst>
-                          </p:cTn>
-                        </p:par>
-                      </p:childTnLst>
-                    </p:cTn>
-                  </p:par>
-                  <p:par>
-                    <p:cTn id="45" fill="hold">
-                      <p:stCondLst>
-                        <p:cond delay="indefinite"/>
-                      </p:stCondLst>
-                      <p:childTnLst>
-                        <p:par>
-                          <p:cTn id="46" fill="hold">
-                            <p:stCondLst>
-                              <p:cond delay="0"/>
-                            </p:stCondLst>
-                            <p:childTnLst>
-                              <p:par>
-                                <p:cTn id="47" presetID="1" presetClass="entr" presetSubtype="0" fill="hold" nodeType="clickEffect">
-                                  <p:stCondLst>
-                                    <p:cond delay="0"/>
-                                  </p:stCondLst>
-                                  <p:childTnLst>
-                                    <p:set>
-                                      <p:cBhvr>
-                                        <p:cTn id="48" dur="1" fill="hold">
-                                          <p:stCondLst>
-                                            <p:cond delay="0"/>
-                                          </p:stCondLst>
-                                        </p:cTn>
-                                        <p:tgtEl>
-                                          <p:spTgt spid="3">
-                                            <p:txEl>
-                                              <p:pRg st="12" end="12"/>
-                                            </p:txEl>
-                                          </p:spTgt>
-                                        </p:tgtEl>
-                                        <p:attrNameLst>
-                                          <p:attrName>style.visibility</p:attrName>
-                                        </p:attrNameLst>
-                                      </p:cBhvr>
-                                      <p:to>
-                                        <p:strVal val="visible"/>
-                                      </p:to>
-                                    </p:set>
-                                  </p:childTnLst>
-                                </p:cTn>
-                              </p:par>
-                            </p:childTnLst>
-                          </p:cTn>
-                        </p:par>
-                      </p:childTnLst>
-                    </p:cTn>
-                  </p:par>
-                  <p:par>
-                    <p:cTn id="49" fill="hold">
-                      <p:stCondLst>
-                        <p:cond delay="indefinite"/>
-                      </p:stCondLst>
-                      <p:childTnLst>
-                        <p:par>
-                          <p:cTn id="50" fill="hold">
-                            <p:stCondLst>
-                              <p:cond delay="0"/>
-                            </p:stCondLst>
-                            <p:childTnLst>
-                              <p:par>
-                                <p:cTn id="51" presetID="1" presetClass="entr" presetSubtype="0" fill="hold" nodeType="clickEffect">
-                                  <p:stCondLst>
-                                    <p:cond delay="0"/>
-                                  </p:stCondLst>
-                                  <p:childTnLst>
-                                    <p:set>
-                                      <p:cBhvr>
-                                        <p:cTn id="52" dur="1" fill="hold">
-                                          <p:stCondLst>
-                                            <p:cond delay="0"/>
-                                          </p:stCondLst>
-                                        </p:cTn>
-                                        <p:tgtEl>
-                                          <p:spTgt spid="3">
-                                            <p:txEl>
-                                              <p:pRg st="13" end="13"/>
-                                            </p:txEl>
-                                          </p:spTgt>
-                                        </p:tgtEl>
-                                        <p:attrNameLst>
-                                          <p:attrName>style.visibility</p:attrName>
-                                        </p:attrNameLst>
-                                      </p:cBhvr>
-                                      <p:to>
-                                        <p:strVal val="visible"/>
-                                      </p:to>
-                                    </p:set>
-                                  </p:childTnLst>
-                                </p:cTn>
-                              </p:par>
-                            </p:childTnLst>
-                          </p:cTn>
-                        </p:par>
-                      </p:childTnLst>
-                    </p:cTn>
-                  </p:par>
-                  <p:par>
-                    <p:cTn id="53" fill="hold">
-                      <p:stCondLst>
-                        <p:cond delay="indefinite"/>
-                      </p:stCondLst>
-                      <p:childTnLst>
-                        <p:par>
-                          <p:cTn id="54" fill="hold">
-                            <p:stCondLst>
-                              <p:cond delay="0"/>
-                            </p:stCondLst>
-                            <p:childTnLst>
-                              <p:par>
-                                <p:cTn id="55" presetID="1" presetClass="entr" presetSubtype="0" fill="hold" nodeType="clickEffect">
-                                  <p:stCondLst>
-                                    <p:cond delay="0"/>
-                                  </p:stCondLst>
-                                  <p:childTnLst>
-                                    <p:set>
-                                      <p:cBhvr>
-                                        <p:cTn id="56" dur="1" fill="hold">
-                                          <p:stCondLst>
-                                            <p:cond delay="0"/>
-                                          </p:stCondLst>
-                                        </p:cTn>
-                                        <p:tgtEl>
-                                          <p:spTgt spid="3">
-                                            <p:txEl>
-                                              <p:pRg st="14" end="14"/>
-                                            </p:txEl>
-                                          </p:spTgt>
-                                        </p:tgtEl>
-                                        <p:attrNameLst>
-                                          <p:attrName>style.visibility</p:attrName>
-                                        </p:attrNameLst>
-                                      </p:cBhvr>
-                                      <p:to>
-                                        <p:strVal val="visible"/>
-                                      </p:to>
-                                    </p:set>
-                                  </p:childTnLst>
-                                </p:cTn>
-                              </p:par>
-                            </p:childTnLst>
-                          </p:cTn>
-                        </p:par>
-                      </p:childTnLst>
-                    </p:cTn>
-                  </p:par>
                 </p:childTnLst>
               </p:cTn>
               <p:prevCondLst>
@@ -8596,626 +9979,11 @@
         </p:cTn>
       </p:par>
     </p:tnLst>
-    <p:bldLst>
-      <p:bldP spid="4" grpId="0" animBg="1"/>
-    </p:bldLst>
   </p:timing>
 </p:sld>
 </file>
 
-<file path=ppt/slides/slide16.xml><?xml version="1.0" encoding="utf-8"?>
-<p:sld xmlns:a="http://schemas.openxmlformats.org/drawingml/2006/main" xmlns:r="http://schemas.openxmlformats.org/officeDocument/2006/relationships" xmlns:p="http://schemas.openxmlformats.org/presentationml/2006/main">
-  <p:cSld>
-    <p:spTree>
-      <p:nvGrpSpPr>
-        <p:cNvPr id="1" name=""/>
-        <p:cNvGrpSpPr/>
-        <p:nvPr/>
-      </p:nvGrpSpPr>
-      <p:grpSpPr>
-        <a:xfrm>
-          <a:off x="0" y="0"/>
-          <a:ext cx="0" cy="0"/>
-          <a:chOff x="0" y="0"/>
-          <a:chExt cx="0" cy="0"/>
-        </a:xfrm>
-      </p:grpSpPr>
-      <p:sp>
-        <p:nvSpPr>
-          <p:cNvPr id="2" name="Title 1"/>
-          <p:cNvSpPr>
-            <a:spLocks noGrp="1"/>
-          </p:cNvSpPr>
-          <p:nvPr>
-            <p:ph type="title"/>
-          </p:nvPr>
-        </p:nvSpPr>
-        <p:spPr/>
-        <p:txBody>
-          <a:bodyPr/>
-          <a:lstStyle/>
-          <a:p>
-            <a:r>
-              <a:rPr lang="en-US" dirty="0" smtClean="0"/>
-              <a:t>Grading – Bonus Points</a:t>
-            </a:r>
-            <a:endParaRPr lang="en-US" dirty="0"/>
-          </a:p>
-        </p:txBody>
-      </p:sp>
-      <p:sp>
-        <p:nvSpPr>
-          <p:cNvPr id="3" name="Text Placeholder 2"/>
-          <p:cNvSpPr>
-            <a:spLocks noGrp="1"/>
-          </p:cNvSpPr>
-          <p:nvPr>
-            <p:ph type="body" sz="quarter" idx="10"/>
-          </p:nvPr>
-        </p:nvSpPr>
-        <p:spPr/>
-        <p:txBody>
-          <a:bodyPr/>
-          <a:lstStyle/>
-          <a:p>
-            <a:r>
-              <a:rPr lang="en-US" dirty="0" smtClean="0"/>
-              <a:t>Errors for Bonus!</a:t>
-            </a:r>
-          </a:p>
-          <a:p>
-            <a:pPr lvl="1"/>
-            <a:r>
-              <a:rPr lang="en-US" dirty="0" smtClean="0"/>
-              <a:t>Help us find errors (typos, grammar mistakes, technical mistakes, </a:t>
-            </a:r>
-            <a:r>
-              <a:rPr lang="en-US" dirty="0" err="1" smtClean="0"/>
-              <a:t>etc</a:t>
-            </a:r>
-            <a:r>
-              <a:rPr lang="en-US" dirty="0" smtClean="0"/>
-              <a:t>) in the course materials (lecture notes, lab manuals, guidelines, </a:t>
-            </a:r>
-            <a:r>
-              <a:rPr lang="en-US" dirty="0" err="1" smtClean="0"/>
-              <a:t>etc</a:t>
-            </a:r>
-            <a:r>
-              <a:rPr lang="en-US" dirty="0" smtClean="0"/>
-              <a:t>)</a:t>
-            </a:r>
-          </a:p>
-          <a:p>
-            <a:pPr lvl="1"/>
-            <a:r>
-              <a:rPr lang="en-US" dirty="0" smtClean="0"/>
-              <a:t>The first to find and report an error on Piazza gets 0.1 point for each error</a:t>
-            </a:r>
-            <a:endParaRPr lang="en-US" dirty="0"/>
-          </a:p>
-        </p:txBody>
-      </p:sp>
-    </p:spTree>
-    <p:extLst>
-      <p:ext uri="{BB962C8B-B14F-4D97-AF65-F5344CB8AC3E}">
-        <p14:creationId xmlns:p14="http://schemas.microsoft.com/office/powerpoint/2010/main" val="3708933933"/>
-      </p:ext>
-    </p:extLst>
-  </p:cSld>
-  <p:clrMapOvr>
-    <a:masterClrMapping/>
-  </p:clrMapOvr>
-  <p:timing>
-    <p:tnLst>
-      <p:par>
-        <p:cTn id="1" dur="indefinite" restart="never" nodeType="tmRoot"/>
-      </p:par>
-    </p:tnLst>
-  </p:timing>
-</p:sld>
-</file>
-
-<file path=ppt/slides/slide17.xml><?xml version="1.0" encoding="utf-8"?>
-<p:sld xmlns:a="http://schemas.openxmlformats.org/drawingml/2006/main" xmlns:r="http://schemas.openxmlformats.org/officeDocument/2006/relationships" xmlns:p="http://schemas.openxmlformats.org/presentationml/2006/main">
-  <p:cSld>
-    <p:spTree>
-      <p:nvGrpSpPr>
-        <p:cNvPr id="1" name=""/>
-        <p:cNvGrpSpPr/>
-        <p:nvPr/>
-      </p:nvGrpSpPr>
-      <p:grpSpPr>
-        <a:xfrm>
-          <a:off x="0" y="0"/>
-          <a:ext cx="0" cy="0"/>
-          <a:chOff x="0" y="0"/>
-          <a:chExt cx="0" cy="0"/>
-        </a:xfrm>
-      </p:grpSpPr>
-      <p:sp>
-        <p:nvSpPr>
-          <p:cNvPr id="2" name="Title 1"/>
-          <p:cNvSpPr>
-            <a:spLocks noGrp="1"/>
-          </p:cNvSpPr>
-          <p:nvPr>
-            <p:ph type="title"/>
-          </p:nvPr>
-        </p:nvSpPr>
-        <p:spPr/>
-        <p:txBody>
-          <a:bodyPr/>
-          <a:lstStyle/>
-          <a:p>
-            <a:r>
-              <a:rPr lang="en-US" dirty="0" smtClean="0"/>
-              <a:t>Grading – Bonus Points</a:t>
-            </a:r>
-            <a:endParaRPr lang="en-US" dirty="0"/>
-          </a:p>
-        </p:txBody>
-      </p:sp>
-      <p:sp>
-        <p:nvSpPr>
-          <p:cNvPr id="3" name="Text Placeholder 2"/>
-          <p:cNvSpPr>
-            <a:spLocks noGrp="1"/>
-          </p:cNvSpPr>
-          <p:nvPr>
-            <p:ph type="body" sz="quarter" idx="10"/>
-          </p:nvPr>
-        </p:nvSpPr>
-        <p:spPr>
-          <a:xfrm>
-            <a:off x="304800" y="933262"/>
-            <a:ext cx="4907279" cy="4335463"/>
-          </a:xfrm>
-        </p:spPr>
-        <p:txBody>
-          <a:bodyPr/>
-          <a:lstStyle/>
-          <a:p>
-            <a:r>
-              <a:rPr lang="en-US" dirty="0" smtClean="0"/>
-              <a:t>Getting your HAM radio license </a:t>
-            </a:r>
-          </a:p>
-          <a:p>
-            <a:pPr lvl="1"/>
-            <a:r>
-              <a:rPr lang="en-US" dirty="0" smtClean="0"/>
-              <a:t>Technician class (</a:t>
-            </a:r>
-            <a:r>
-              <a:rPr lang="en-US" dirty="0" smtClean="0">
-                <a:solidFill>
-                  <a:srgbClr val="00B050"/>
-                </a:solidFill>
-              </a:rPr>
-              <a:t>2 pts</a:t>
-            </a:r>
-            <a:r>
-              <a:rPr lang="en-US" dirty="0" smtClean="0"/>
-              <a:t>)</a:t>
-            </a:r>
-          </a:p>
-          <a:p>
-            <a:pPr lvl="2"/>
-            <a:r>
-              <a:rPr lang="en-US" dirty="0" smtClean="0"/>
-              <a:t>Transmission above 30 MHz</a:t>
-            </a:r>
-          </a:p>
-          <a:p>
-            <a:pPr lvl="1"/>
-            <a:r>
-              <a:rPr lang="en-US" dirty="0" smtClean="0"/>
-              <a:t>General class (</a:t>
-            </a:r>
-            <a:r>
-              <a:rPr lang="en-US" dirty="0" smtClean="0">
-                <a:solidFill>
-                  <a:srgbClr val="00B050"/>
-                </a:solidFill>
-              </a:rPr>
-              <a:t>2 pts</a:t>
-            </a:r>
-            <a:r>
-              <a:rPr lang="en-US" dirty="0" smtClean="0"/>
-              <a:t>)</a:t>
-            </a:r>
-          </a:p>
-          <a:p>
-            <a:pPr lvl="2"/>
-            <a:r>
-              <a:rPr lang="en-US" dirty="0" smtClean="0"/>
-              <a:t>Access to the HF band</a:t>
-            </a:r>
-          </a:p>
-          <a:p>
-            <a:pPr lvl="1"/>
-            <a:r>
-              <a:rPr lang="en-US" dirty="0" smtClean="0"/>
-              <a:t>Extra (</a:t>
-            </a:r>
-            <a:r>
-              <a:rPr lang="en-US" dirty="0" smtClean="0">
-                <a:solidFill>
-                  <a:srgbClr val="00B050"/>
-                </a:solidFill>
-              </a:rPr>
-              <a:t>3 pts</a:t>
-            </a:r>
-            <a:r>
-              <a:rPr lang="en-US" dirty="0" smtClean="0"/>
-              <a:t>)</a:t>
-            </a:r>
-          </a:p>
-          <a:p>
-            <a:pPr lvl="2"/>
-            <a:r>
-              <a:rPr lang="en-US" dirty="0" smtClean="0"/>
-              <a:t>Transmission on all bands</a:t>
-            </a:r>
-          </a:p>
-          <a:p>
-            <a:r>
-              <a:rPr lang="en-US" dirty="0" smtClean="0"/>
-              <a:t>Log on to </a:t>
-            </a:r>
-            <a:r>
-              <a:rPr lang="en-US" dirty="0" smtClean="0">
-                <a:hlinkClick r:id="rId2"/>
-              </a:rPr>
-              <a:t>www.arrl.org</a:t>
-            </a:r>
-            <a:r>
-              <a:rPr lang="en-US" dirty="0" smtClean="0"/>
-              <a:t> for information on licensing and exams</a:t>
-            </a:r>
-          </a:p>
-          <a:p>
-            <a:r>
-              <a:rPr lang="en-US" dirty="0" smtClean="0"/>
-              <a:t>The following links provides additional materials for preparing for the exams</a:t>
-            </a:r>
-          </a:p>
-          <a:p>
-            <a:pPr lvl="1"/>
-            <a:r>
-              <a:rPr lang="en-US">
-                <a:hlinkClick r:id="rId3"/>
-              </a:rPr>
-              <a:t>http://www.hamradioschool.com</a:t>
-            </a:r>
-            <a:r>
-              <a:rPr lang="en-US" smtClean="0">
-                <a:hlinkClick r:id="rId3"/>
-              </a:rPr>
-              <a:t>/</a:t>
-            </a:r>
-            <a:r>
-              <a:rPr lang="en-US" smtClean="0"/>
-              <a:t> </a:t>
-            </a:r>
-          </a:p>
-          <a:p>
-            <a:pPr lvl="1"/>
-            <a:endParaRPr lang="en-US" dirty="0" smtClean="0"/>
-          </a:p>
-          <a:p>
-            <a:r>
-              <a:rPr lang="en-US" dirty="0" smtClean="0"/>
-              <a:t>We may arrange training sessions or even exams</a:t>
-            </a:r>
-            <a:endParaRPr lang="en-US" dirty="0"/>
-          </a:p>
-        </p:txBody>
-      </p:sp>
-      <p:pic>
-        <p:nvPicPr>
-          <p:cNvPr id="5" name="Picture 4" descr="http://www.arrl.org/images/view/News/ARRL%20logo%20type_3.jpg"/>
-          <p:cNvPicPr>
-            <a:picLocks noChangeAspect="1" noChangeArrowheads="1"/>
-          </p:cNvPicPr>
-          <p:nvPr/>
-        </p:nvPicPr>
-        <p:blipFill>
-          <a:blip r:embed="rId4" cstate="print">
-            <a:extLst>
-              <a:ext uri="{28A0092B-C50C-407E-A947-70E740481C1C}">
-                <a14:useLocalDpi xmlns:a14="http://schemas.microsoft.com/office/drawing/2010/main" val="0"/>
-              </a:ext>
-            </a:extLst>
-          </a:blip>
-          <a:srcRect/>
-          <a:stretch>
-            <a:fillRect/>
-          </a:stretch>
-        </p:blipFill>
-        <p:spPr bwMode="auto">
-          <a:xfrm>
-            <a:off x="5396345" y="933262"/>
-            <a:ext cx="3229495" cy="2061035"/>
-          </a:xfrm>
-          <a:prstGeom prst="rect">
-            <a:avLst/>
-          </a:prstGeom>
-          <a:noFill/>
-          <a:extLst>
-            <a:ext uri="{909E8E84-426E-40DD-AFC4-6F175D3DCCD1}">
-              <a14:hiddenFill xmlns:a14="http://schemas.microsoft.com/office/drawing/2010/main">
-                <a:solidFill>
-                  <a:srgbClr val="FFFFFF"/>
-                </a:solidFill>
-              </a14:hiddenFill>
-            </a:ext>
-          </a:extLst>
-        </p:spPr>
-      </p:pic>
-      <p:pic>
-        <p:nvPicPr>
-          <p:cNvPr id="6" name="Picture 6" descr="http://files.qrz.com/x/iz2sux/Homer_HamRadio.png"/>
-          <p:cNvPicPr>
-            <a:picLocks noChangeAspect="1" noChangeArrowheads="1"/>
-          </p:cNvPicPr>
-          <p:nvPr/>
-        </p:nvPicPr>
-        <p:blipFill>
-          <a:blip r:embed="rId5">
-            <a:extLst>
-              <a:ext uri="{28A0092B-C50C-407E-A947-70E740481C1C}">
-                <a14:useLocalDpi xmlns:a14="http://schemas.microsoft.com/office/drawing/2010/main" val="0"/>
-              </a:ext>
-            </a:extLst>
-          </a:blip>
-          <a:srcRect/>
-          <a:stretch>
-            <a:fillRect/>
-          </a:stretch>
-        </p:blipFill>
-        <p:spPr bwMode="auto">
-          <a:xfrm>
-            <a:off x="5586151" y="3142040"/>
-            <a:ext cx="2849881" cy="2126685"/>
-          </a:xfrm>
-          <a:prstGeom prst="rect">
-            <a:avLst/>
-          </a:prstGeom>
-          <a:noFill/>
-          <a:extLst>
-            <a:ext uri="{909E8E84-426E-40DD-AFC4-6F175D3DCCD1}">
-              <a14:hiddenFill xmlns:a14="http://schemas.microsoft.com/office/drawing/2010/main">
-                <a:solidFill>
-                  <a:srgbClr val="FFFFFF"/>
-                </a:solidFill>
-              </a14:hiddenFill>
-            </a:ext>
-          </a:extLst>
-        </p:spPr>
-      </p:pic>
-    </p:spTree>
-    <p:extLst>
-      <p:ext uri="{BB962C8B-B14F-4D97-AF65-F5344CB8AC3E}">
-        <p14:creationId xmlns:p14="http://schemas.microsoft.com/office/powerpoint/2010/main" val="3622427541"/>
-      </p:ext>
-    </p:extLst>
-  </p:cSld>
-  <p:clrMapOvr>
-    <a:masterClrMapping/>
-  </p:clrMapOvr>
-  <p:timing>
-    <p:tnLst>
-      <p:par>
-        <p:cTn id="1" dur="indefinite" restart="never" nodeType="tmRoot"/>
-      </p:par>
-    </p:tnLst>
-  </p:timing>
-</p:sld>
-</file>
-
-<file path=ppt/slides/slide18.xml><?xml version="1.0" encoding="utf-8"?>
-<p:sld xmlns:a="http://schemas.openxmlformats.org/drawingml/2006/main" xmlns:r="http://schemas.openxmlformats.org/officeDocument/2006/relationships" xmlns:p="http://schemas.openxmlformats.org/presentationml/2006/main">
-  <p:cSld>
-    <p:spTree>
-      <p:nvGrpSpPr>
-        <p:cNvPr id="1" name=""/>
-        <p:cNvGrpSpPr/>
-        <p:nvPr/>
-      </p:nvGrpSpPr>
-      <p:grpSpPr>
-        <a:xfrm>
-          <a:off x="0" y="0"/>
-          <a:ext cx="0" cy="0"/>
-          <a:chOff x="0" y="0"/>
-          <a:chExt cx="0" cy="0"/>
-        </a:xfrm>
-      </p:grpSpPr>
-      <p:sp>
-        <p:nvSpPr>
-          <p:cNvPr id="2" name="Title 1"/>
-          <p:cNvSpPr>
-            <a:spLocks noGrp="1"/>
-          </p:cNvSpPr>
-          <p:nvPr>
-            <p:ph type="title"/>
-          </p:nvPr>
-        </p:nvSpPr>
-        <p:spPr/>
-        <p:txBody>
-          <a:bodyPr/>
-          <a:lstStyle/>
-          <a:p>
-            <a:r>
-              <a:rPr lang="en-US" dirty="0"/>
-              <a:t>Grading – Bonus Points</a:t>
-            </a:r>
-          </a:p>
-        </p:txBody>
-      </p:sp>
-      <p:pic>
-        <p:nvPicPr>
-          <p:cNvPr id="4" name="Picture 3"/>
-          <p:cNvPicPr>
-            <a:picLocks noChangeAspect="1"/>
-          </p:cNvPicPr>
-          <p:nvPr/>
-        </p:nvPicPr>
-        <p:blipFill>
-          <a:blip r:embed="rId2"/>
-          <a:stretch>
-            <a:fillRect/>
-          </a:stretch>
-        </p:blipFill>
-        <p:spPr>
-          <a:xfrm>
-            <a:off x="877917" y="3850892"/>
-            <a:ext cx="3090125" cy="1725371"/>
-          </a:xfrm>
-          <a:prstGeom prst="rect">
-            <a:avLst/>
-          </a:prstGeom>
-        </p:spPr>
-      </p:pic>
-      <p:sp>
-        <p:nvSpPr>
-          <p:cNvPr id="5" name="Text Placeholder 2"/>
-          <p:cNvSpPr>
-            <a:spLocks noGrp="1"/>
-          </p:cNvSpPr>
-          <p:nvPr>
-            <p:ph type="body" sz="quarter" idx="10"/>
-          </p:nvPr>
-        </p:nvSpPr>
-        <p:spPr>
-          <a:xfrm>
-            <a:off x="304800" y="933263"/>
-            <a:ext cx="8107680" cy="1230818"/>
-          </a:xfrm>
-        </p:spPr>
-        <p:txBody>
-          <a:bodyPr/>
-          <a:lstStyle/>
-          <a:p>
-            <a:r>
-              <a:rPr lang="en-US" dirty="0" smtClean="0"/>
-              <a:t>Participating in the Picnic Day (</a:t>
-            </a:r>
-            <a:r>
-              <a:rPr lang="en-US" dirty="0" smtClean="0">
-                <a:solidFill>
-                  <a:srgbClr val="00B050"/>
-                </a:solidFill>
-              </a:rPr>
-              <a:t>10 pts</a:t>
-            </a:r>
-            <a:r>
-              <a:rPr lang="en-US" dirty="0" smtClean="0"/>
-              <a:t>) and/or the Maker Faire (</a:t>
-            </a:r>
-            <a:r>
-              <a:rPr lang="en-US" dirty="0" smtClean="0">
-                <a:solidFill>
-                  <a:srgbClr val="00B050"/>
-                </a:solidFill>
-              </a:rPr>
-              <a:t>10 pts</a:t>
-            </a:r>
-            <a:r>
-              <a:rPr lang="en-US" dirty="0" smtClean="0"/>
-              <a:t>)</a:t>
-            </a:r>
-          </a:p>
-          <a:p>
-            <a:pPr lvl="1"/>
-            <a:r>
-              <a:rPr lang="en-US" dirty="0"/>
-              <a:t>Showcase your project </a:t>
-            </a:r>
-          </a:p>
-          <a:p>
-            <a:pPr lvl="1"/>
-            <a:r>
-              <a:rPr lang="en-US" dirty="0" smtClean="0"/>
-              <a:t>Some </a:t>
-            </a:r>
-            <a:r>
-              <a:rPr lang="en-US" dirty="0"/>
-              <a:t>visual/audio effects are </a:t>
-            </a:r>
-            <a:r>
-              <a:rPr lang="en-US" dirty="0" smtClean="0"/>
-              <a:t>needed to attract the audience</a:t>
-            </a:r>
-          </a:p>
-          <a:p>
-            <a:pPr lvl="1"/>
-            <a:r>
-              <a:rPr lang="en-US" dirty="0" smtClean="0"/>
-              <a:t>Consent from the instructor</a:t>
-            </a:r>
-          </a:p>
-          <a:p>
-            <a:r>
-              <a:rPr lang="en-US" b="1" dirty="0" smtClean="0"/>
-              <a:t>If you are interested in pursuing this, you should start talking with the instructor early</a:t>
-            </a:r>
-          </a:p>
-        </p:txBody>
-      </p:sp>
-      <p:pic>
-        <p:nvPicPr>
-          <p:cNvPr id="6" name="Picture 5"/>
-          <p:cNvPicPr>
-            <a:picLocks noChangeAspect="1"/>
-          </p:cNvPicPr>
-          <p:nvPr/>
-        </p:nvPicPr>
-        <p:blipFill rotWithShape="1">
-          <a:blip r:embed="rId3"/>
-          <a:srcRect b="13592"/>
-          <a:stretch/>
-        </p:blipFill>
-        <p:spPr>
-          <a:xfrm>
-            <a:off x="4856996" y="3661203"/>
-            <a:ext cx="3065702" cy="2099159"/>
-          </a:xfrm>
-          <a:prstGeom prst="rect">
-            <a:avLst/>
-          </a:prstGeom>
-        </p:spPr>
-      </p:pic>
-    </p:spTree>
-    <p:extLst>
-      <p:ext uri="{BB962C8B-B14F-4D97-AF65-F5344CB8AC3E}">
-        <p14:creationId xmlns:p14="http://schemas.microsoft.com/office/powerpoint/2010/main" val="3197747689"/>
-      </p:ext>
-    </p:extLst>
-  </p:cSld>
-  <p:clrMapOvr>
-    <a:masterClrMapping/>
-  </p:clrMapOvr>
-  <mc:AlternateContent xmlns:mc="http://schemas.openxmlformats.org/markup-compatibility/2006" xmlns:p14="http://schemas.microsoft.com/office/powerpoint/2010/main">
-    <mc:Choice Requires="p14">
-      <p:transition spd="slow" p14:dur="2000"/>
-    </mc:Choice>
-    <mc:Fallback xmlns="">
-      <p:transition spd="slow"/>
-    </mc:Fallback>
-  </mc:AlternateContent>
-  <p:timing>
-    <p:tnLst>
-      <p:par>
-        <p:cTn id="1" dur="indefinite" restart="never" nodeType="tmRoot"/>
-      </p:par>
-    </p:tnLst>
-  </p:timing>
-</p:sld>
-</file>
-
-<file path=ppt/slides/slide19.xml><?xml version="1.0" encoding="utf-8"?>
+<file path=ppt/slides/slide20.xml><?xml version="1.0" encoding="utf-8"?>
 <p:sld xmlns:a="http://schemas.openxmlformats.org/drawingml/2006/main" xmlns:r="http://schemas.openxmlformats.org/officeDocument/2006/relationships" xmlns:p="http://schemas.openxmlformats.org/presentationml/2006/main">
   <p:cSld>
     <p:spTree>
@@ -10358,458 +11126,6 @@
                                           <p:spTgt spid="3">
                                             <p:txEl>
                                               <p:pRg st="12" end="12"/>
-                                            </p:txEl>
-                                          </p:spTgt>
-                                        </p:tgtEl>
-                                        <p:attrNameLst>
-                                          <p:attrName>style.visibility</p:attrName>
-                                        </p:attrNameLst>
-                                      </p:cBhvr>
-                                      <p:to>
-                                        <p:strVal val="visible"/>
-                                      </p:to>
-                                    </p:set>
-                                  </p:childTnLst>
-                                </p:cTn>
-                              </p:par>
-                            </p:childTnLst>
-                          </p:cTn>
-                        </p:par>
-                      </p:childTnLst>
-                    </p:cTn>
-                  </p:par>
-                </p:childTnLst>
-              </p:cTn>
-              <p:prevCondLst>
-                <p:cond evt="onPrev" delay="0">
-                  <p:tgtEl>
-                    <p:sldTgt/>
-                  </p:tgtEl>
-                </p:cond>
-              </p:prevCondLst>
-              <p:nextCondLst>
-                <p:cond evt="onNext" delay="0">
-                  <p:tgtEl>
-                    <p:sldTgt/>
-                  </p:tgtEl>
-                </p:cond>
-              </p:nextCondLst>
-            </p:seq>
-          </p:childTnLst>
-        </p:cTn>
-      </p:par>
-    </p:tnLst>
-  </p:timing>
-</p:sld>
-</file>
-
-<file path=ppt/slides/slide2.xml><?xml version="1.0" encoding="utf-8"?>
-<p:sld xmlns:a="http://schemas.openxmlformats.org/drawingml/2006/main" xmlns:r="http://schemas.openxmlformats.org/officeDocument/2006/relationships" xmlns:p="http://schemas.openxmlformats.org/presentationml/2006/main">
-  <p:cSld>
-    <p:spTree>
-      <p:nvGrpSpPr>
-        <p:cNvPr id="1" name=""/>
-        <p:cNvGrpSpPr/>
-        <p:nvPr/>
-      </p:nvGrpSpPr>
-      <p:grpSpPr>
-        <a:xfrm>
-          <a:off x="0" y="0"/>
-          <a:ext cx="0" cy="0"/>
-          <a:chOff x="0" y="0"/>
-          <a:chExt cx="0" cy="0"/>
-        </a:xfrm>
-      </p:grpSpPr>
-      <p:sp>
-        <p:nvSpPr>
-          <p:cNvPr id="2" name="Title 1"/>
-          <p:cNvSpPr>
-            <a:spLocks noGrp="1"/>
-          </p:cNvSpPr>
-          <p:nvPr>
-            <p:ph type="title"/>
-          </p:nvPr>
-        </p:nvSpPr>
-        <p:spPr/>
-        <p:txBody>
-          <a:bodyPr>
-            <a:normAutofit/>
-          </a:bodyPr>
-          <a:lstStyle/>
-          <a:p>
-            <a:r>
-              <a:rPr lang="en-US" dirty="0" smtClean="0"/>
-              <a:t>Course Objectives</a:t>
-            </a:r>
-            <a:endParaRPr lang="en-US" dirty="0"/>
-          </a:p>
-        </p:txBody>
-      </p:sp>
-      <p:sp>
-        <p:nvSpPr>
-          <p:cNvPr id="3" name="Content Placeholder 2"/>
-          <p:cNvSpPr>
-            <a:spLocks noGrp="1"/>
-          </p:cNvSpPr>
-          <p:nvPr>
-            <p:ph type="body" sz="quarter" idx="10"/>
-          </p:nvPr>
-        </p:nvSpPr>
-        <p:spPr/>
-        <p:txBody>
-          <a:bodyPr/>
-          <a:lstStyle/>
-          <a:p>
-            <a:r>
-              <a:rPr lang="en-US" sz="2400" dirty="0"/>
-              <a:t>To provide a senior design option for students interested in RF/microwave engineering</a:t>
-            </a:r>
-          </a:p>
-          <a:p>
-            <a:r>
-              <a:rPr lang="en-US" sz="2400" dirty="0" smtClean="0"/>
-              <a:t>To provide a system </a:t>
-            </a:r>
-            <a:r>
-              <a:rPr lang="en-US" sz="2400" dirty="0"/>
-              <a:t>design perspective</a:t>
-            </a:r>
-          </a:p>
-          <a:p>
-            <a:r>
-              <a:rPr lang="en-US" sz="2400" dirty="0" smtClean="0"/>
-              <a:t>To get your hands dirty</a:t>
-            </a:r>
-            <a:endParaRPr lang="en-US" sz="2400" dirty="0"/>
-          </a:p>
-          <a:p>
-            <a:r>
-              <a:rPr lang="en-US" sz="2400" dirty="0" smtClean="0"/>
-              <a:t>To promote teamwork</a:t>
-            </a:r>
-            <a:endParaRPr lang="en-US" sz="2400" dirty="0"/>
-          </a:p>
-          <a:p>
-            <a:r>
-              <a:rPr lang="en-US" sz="2400" dirty="0" smtClean="0"/>
-              <a:t>To promote self-learning</a:t>
-            </a:r>
-          </a:p>
-          <a:p>
-            <a:r>
-              <a:rPr lang="en-US" sz="2400" dirty="0" smtClean="0"/>
-              <a:t>To improve communication (oral &amp; written) skills </a:t>
-            </a:r>
-            <a:endParaRPr lang="en-US" sz="2400" dirty="0"/>
-          </a:p>
-          <a:p>
-            <a:r>
-              <a:rPr lang="en-US" sz="2400" dirty="0" smtClean="0"/>
-              <a:t>To push </a:t>
-            </a:r>
-            <a:r>
-              <a:rPr lang="en-US" sz="2400" dirty="0"/>
-              <a:t>your </a:t>
-            </a:r>
-            <a:r>
-              <a:rPr lang="en-US" sz="2400" dirty="0" smtClean="0"/>
-              <a:t>limit</a:t>
-            </a:r>
-            <a:r>
-              <a:rPr lang="en-US" sz="2400" dirty="0"/>
-              <a:t>!</a:t>
-            </a:r>
-            <a:endParaRPr lang="en-US" sz="2400" dirty="0" smtClean="0"/>
-          </a:p>
-        </p:txBody>
-      </p:sp>
-    </p:spTree>
-  </p:cSld>
-  <p:clrMapOvr>
-    <a:masterClrMapping/>
-  </p:clrMapOvr>
-  <p:timing>
-    <p:tnLst>
-      <p:par>
-        <p:cTn id="1" dur="indefinite" restart="never" nodeType="tmRoot">
-          <p:childTnLst>
-            <p:seq concurrent="1" nextAc="seek">
-              <p:cTn id="2" dur="indefinite" nodeType="mainSeq">
-                <p:childTnLst>
-                  <p:par>
-                    <p:cTn id="3" fill="hold">
-                      <p:stCondLst>
-                        <p:cond delay="indefinite"/>
-                      </p:stCondLst>
-                      <p:childTnLst>
-                        <p:par>
-                          <p:cTn id="4" fill="hold">
-                            <p:stCondLst>
-                              <p:cond delay="0"/>
-                            </p:stCondLst>
-                            <p:childTnLst>
-                              <p:par>
-                                <p:cTn id="5" presetID="1" presetClass="entr" presetSubtype="0" fill="hold" nodeType="clickEffect">
-                                  <p:stCondLst>
-                                    <p:cond delay="0"/>
-                                  </p:stCondLst>
-                                  <p:childTnLst>
-                                    <p:set>
-                                      <p:cBhvr>
-                                        <p:cTn id="6" dur="1" fill="hold">
-                                          <p:stCondLst>
-                                            <p:cond delay="0"/>
-                                          </p:stCondLst>
-                                        </p:cTn>
-                                        <p:tgtEl>
-                                          <p:spTgt spid="3">
-                                            <p:txEl>
-                                              <p:pRg st="1" end="1"/>
-                                            </p:txEl>
-                                          </p:spTgt>
-                                        </p:tgtEl>
-                                        <p:attrNameLst>
-                                          <p:attrName>style.visibility</p:attrName>
-                                        </p:attrNameLst>
-                                      </p:cBhvr>
-                                      <p:to>
-                                        <p:strVal val="visible"/>
-                                      </p:to>
-                                    </p:set>
-                                  </p:childTnLst>
-                                </p:cTn>
-                              </p:par>
-                            </p:childTnLst>
-                          </p:cTn>
-                        </p:par>
-                      </p:childTnLst>
-                    </p:cTn>
-                  </p:par>
-                  <p:par>
-                    <p:cTn id="7" fill="hold">
-                      <p:stCondLst>
-                        <p:cond delay="indefinite"/>
-                      </p:stCondLst>
-                      <p:childTnLst>
-                        <p:par>
-                          <p:cTn id="8" fill="hold">
-                            <p:stCondLst>
-                              <p:cond delay="0"/>
-                            </p:stCondLst>
-                            <p:childTnLst>
-                              <p:par>
-                                <p:cTn id="9" presetID="1" presetClass="entr" presetSubtype="0" fill="hold" nodeType="clickEffect">
-                                  <p:stCondLst>
-                                    <p:cond delay="0"/>
-                                  </p:stCondLst>
-                                  <p:childTnLst>
-                                    <p:set>
-                                      <p:cBhvr>
-                                        <p:cTn id="10" dur="1" fill="hold">
-                                          <p:stCondLst>
-                                            <p:cond delay="0"/>
-                                          </p:stCondLst>
-                                        </p:cTn>
-                                        <p:tgtEl>
-                                          <p:spTgt spid="3">
-                                            <p:txEl>
-                                              <p:pRg st="2" end="2"/>
-                                            </p:txEl>
-                                          </p:spTgt>
-                                        </p:tgtEl>
-                                        <p:attrNameLst>
-                                          <p:attrName>style.visibility</p:attrName>
-                                        </p:attrNameLst>
-                                      </p:cBhvr>
-                                      <p:to>
-                                        <p:strVal val="visible"/>
-                                      </p:to>
-                                    </p:set>
-                                  </p:childTnLst>
-                                </p:cTn>
-                              </p:par>
-                            </p:childTnLst>
-                          </p:cTn>
-                        </p:par>
-                      </p:childTnLst>
-                    </p:cTn>
-                  </p:par>
-                  <p:par>
-                    <p:cTn id="11" fill="hold">
-                      <p:stCondLst>
-                        <p:cond delay="indefinite"/>
-                      </p:stCondLst>
-                      <p:childTnLst>
-                        <p:par>
-                          <p:cTn id="12" fill="hold">
-                            <p:stCondLst>
-                              <p:cond delay="0"/>
-                            </p:stCondLst>
-                            <p:childTnLst>
-                              <p:par>
-                                <p:cTn id="13" presetID="1" presetClass="entr" presetSubtype="0" fill="hold" nodeType="clickEffect">
-                                  <p:stCondLst>
-                                    <p:cond delay="0"/>
-                                  </p:stCondLst>
-                                  <p:childTnLst>
-                                    <p:set>
-                                      <p:cBhvr>
-                                        <p:cTn id="14" dur="1" fill="hold">
-                                          <p:stCondLst>
-                                            <p:cond delay="0"/>
-                                          </p:stCondLst>
-                                        </p:cTn>
-                                        <p:tgtEl>
-                                          <p:spTgt spid="3">
-                                            <p:txEl>
-                                              <p:pRg st="3" end="3"/>
-                                            </p:txEl>
-                                          </p:spTgt>
-                                        </p:tgtEl>
-                                        <p:attrNameLst>
-                                          <p:attrName>style.visibility</p:attrName>
-                                        </p:attrNameLst>
-                                      </p:cBhvr>
-                                      <p:to>
-                                        <p:strVal val="visible"/>
-                                      </p:to>
-                                    </p:set>
-                                  </p:childTnLst>
-                                </p:cTn>
-                              </p:par>
-                            </p:childTnLst>
-                          </p:cTn>
-                        </p:par>
-                      </p:childTnLst>
-                    </p:cTn>
-                  </p:par>
-                  <p:par>
-                    <p:cTn id="15" fill="hold">
-                      <p:stCondLst>
-                        <p:cond delay="indefinite"/>
-                      </p:stCondLst>
-                      <p:childTnLst>
-                        <p:par>
-                          <p:cTn id="16" fill="hold">
-                            <p:stCondLst>
-                              <p:cond delay="0"/>
-                            </p:stCondLst>
-                            <p:childTnLst>
-                              <p:par>
-                                <p:cTn id="17" presetID="1" presetClass="entr" presetSubtype="0" fill="hold" nodeType="clickEffect">
-                                  <p:stCondLst>
-                                    <p:cond delay="0"/>
-                                  </p:stCondLst>
-                                  <p:childTnLst>
-                                    <p:set>
-                                      <p:cBhvr>
-                                        <p:cTn id="18" dur="1" fill="hold">
-                                          <p:stCondLst>
-                                            <p:cond delay="0"/>
-                                          </p:stCondLst>
-                                        </p:cTn>
-                                        <p:tgtEl>
-                                          <p:spTgt spid="3">
-                                            <p:txEl>
-                                              <p:pRg st="4" end="4"/>
-                                            </p:txEl>
-                                          </p:spTgt>
-                                        </p:tgtEl>
-                                        <p:attrNameLst>
-                                          <p:attrName>style.visibility</p:attrName>
-                                        </p:attrNameLst>
-                                      </p:cBhvr>
-                                      <p:to>
-                                        <p:strVal val="visible"/>
-                                      </p:to>
-                                    </p:set>
-                                  </p:childTnLst>
-                                </p:cTn>
-                              </p:par>
-                            </p:childTnLst>
-                          </p:cTn>
-                        </p:par>
-                      </p:childTnLst>
-                    </p:cTn>
-                  </p:par>
-                  <p:par>
-                    <p:cTn id="19" fill="hold">
-                      <p:stCondLst>
-                        <p:cond delay="indefinite"/>
-                      </p:stCondLst>
-                      <p:childTnLst>
-                        <p:par>
-                          <p:cTn id="20" fill="hold">
-                            <p:stCondLst>
-                              <p:cond delay="0"/>
-                            </p:stCondLst>
-                            <p:childTnLst>
-                              <p:par>
-                                <p:cTn id="21" presetID="1" presetClass="entr" presetSubtype="0" fill="hold" nodeType="clickEffect">
-                                  <p:stCondLst>
-                                    <p:cond delay="0"/>
-                                  </p:stCondLst>
-                                  <p:childTnLst>
-                                    <p:set>
-                                      <p:cBhvr>
-                                        <p:cTn id="22" dur="1" fill="hold">
-                                          <p:stCondLst>
-                                            <p:cond delay="0"/>
-                                          </p:stCondLst>
-                                        </p:cTn>
-                                        <p:tgtEl>
-                                          <p:spTgt spid="3">
-                                            <p:txEl>
-                                              <p:pRg st="5" end="5"/>
-                                            </p:txEl>
-                                          </p:spTgt>
-                                        </p:tgtEl>
-                                        <p:attrNameLst>
-                                          <p:attrName>style.visibility</p:attrName>
-                                        </p:attrNameLst>
-                                      </p:cBhvr>
-                                      <p:to>
-                                        <p:strVal val="visible"/>
-                                      </p:to>
-                                    </p:set>
-                                  </p:childTnLst>
-                                </p:cTn>
-                              </p:par>
-                            </p:childTnLst>
-                          </p:cTn>
-                        </p:par>
-                      </p:childTnLst>
-                    </p:cTn>
-                  </p:par>
-                  <p:par>
-                    <p:cTn id="23" fill="hold">
-                      <p:stCondLst>
-                        <p:cond delay="indefinite"/>
-                      </p:stCondLst>
-                      <p:childTnLst>
-                        <p:par>
-                          <p:cTn id="24" fill="hold">
-                            <p:stCondLst>
-                              <p:cond delay="0"/>
-                            </p:stCondLst>
-                            <p:childTnLst>
-                              <p:par>
-                                <p:cTn id="25" presetID="1" presetClass="entr" presetSubtype="0" fill="hold" nodeType="clickEffect">
-                                  <p:stCondLst>
-                                    <p:cond delay="0"/>
-                                  </p:stCondLst>
-                                  <p:childTnLst>
-                                    <p:set>
-                                      <p:cBhvr>
-                                        <p:cTn id="26" dur="1" fill="hold">
-                                          <p:stCondLst>
-                                            <p:cond delay="0"/>
-                                          </p:stCondLst>
-                                        </p:cTn>
-                                        <p:tgtEl>
-                                          <p:spTgt spid="3">
-                                            <p:txEl>
-                                              <p:pRg st="6" end="6"/>
                                             </p:txEl>
                                           </p:spTgt>
                                         </p:tgtEl>

--- a/lectures/lec0/Lec0-CourseMechanisms.pptx
+++ b/lectures/lec0/Lec0-CourseMechanisms.pptx
@@ -315,7 +315,7 @@
             <a:fld id="{F33530C9-BF13-40EE-A1EC-EBBB0134EBBA}" type="datetime1">
               <a:rPr lang="en-US"/>
               <a:pPr/>
-              <a:t>9/24/2015 Thursday</a:t>
+              <a:t>9/24/2015</a:t>
             </a:fld>
             <a:endParaRPr lang="en-US"/>
           </a:p>
@@ -533,7 +533,7 @@
             <a:fld id="{7DD20F8F-B3A0-465C-A2C5-4272F8BE0711}" type="datetime1">
               <a:rPr lang="en-US"/>
               <a:pPr/>
-              <a:t>9/24/2015 Thursday</a:t>
+              <a:t>9/24/2015</a:t>
             </a:fld>
             <a:endParaRPr lang="en-US"/>
           </a:p>
@@ -932,7 +932,7 @@
             <a:fld id="{7DD20F8F-B3A0-465C-A2C5-4272F8BE0711}" type="datetime1">
               <a:rPr lang="en-US" smtClean="0"/>
               <a:pPr/>
-              <a:t>9/24/2015 Thursday</a:t>
+              <a:t>9/24/2015</a:t>
             </a:fld>
             <a:endParaRPr lang="en-US"/>
           </a:p>
@@ -1043,7 +1043,7 @@
             <a:fld id="{7DD20F8F-B3A0-465C-A2C5-4272F8BE0711}" type="datetime1">
               <a:rPr lang="en-US" smtClean="0"/>
               <a:pPr/>
-              <a:t>9/24/2015 Thursday</a:t>
+              <a:t>9/24/2015</a:t>
             </a:fld>
             <a:endParaRPr lang="en-US"/>
           </a:p>
@@ -1156,7 +1156,7 @@
             <a:fld id="{7DD20F8F-B3A0-465C-A2C5-4272F8BE0711}" type="datetime1">
               <a:rPr lang="en-US" smtClean="0"/>
               <a:pPr/>
-              <a:t>9/24/2015 Thursday</a:t>
+              <a:t>9/24/2015</a:t>
             </a:fld>
             <a:endParaRPr lang="en-US"/>
           </a:p>
@@ -1265,7 +1265,7 @@
             <a:fld id="{7DD20F8F-B3A0-465C-A2C5-4272F8BE0711}" type="datetime1">
               <a:rPr lang="en-US" smtClean="0"/>
               <a:pPr/>
-              <a:t>9/24/2015 Thursday</a:t>
+              <a:t>9/24/2015</a:t>
             </a:fld>
             <a:endParaRPr lang="en-US"/>
           </a:p>
@@ -3100,11 +3100,7 @@
           <a:p>
             <a:r>
               <a:rPr lang="en-US" dirty="0" smtClean="0"/>
-              <a:t>A more detailed schedule is available at the following </a:t>
-            </a:r>
-            <a:r>
-              <a:rPr lang="en-US" dirty="0" smtClean="0"/>
-              <a:t>link and on </a:t>
+              <a:t>A more detailed schedule is available at the following link and on </a:t>
             </a:r>
             <a:r>
               <a:rPr lang="en-US" dirty="0" err="1" smtClean="0"/>
@@ -3112,11 +3108,7 @@
             </a:r>
             <a:r>
               <a:rPr lang="en-US" dirty="0" smtClean="0"/>
-              <a:t>; </a:t>
-            </a:r>
-            <a:r>
-              <a:rPr lang="en-US" dirty="0" smtClean="0"/>
-              <a:t>make sure you read it carefully: </a:t>
+              <a:t>; make sure you read it carefully: </a:t>
             </a:r>
             <a:r>
               <a:rPr lang="en-US" dirty="0">
@@ -6136,8 +6128,16 @@
               <a:t>× </a:t>
             </a:r>
             <a:r>
-              <a:rPr lang="en-US" dirty="0" smtClean="0"/>
-              <a:t>lab reports</a:t>
+              <a:rPr lang="en-US" dirty="0"/>
+              <a:t>L</a:t>
+            </a:r>
+            <a:r>
+              <a:rPr lang="en-US" dirty="0" smtClean="0"/>
+              <a:t>ab </a:t>
+            </a:r>
+            <a:r>
+              <a:rPr lang="en-US" dirty="0" smtClean="0"/>
+              <a:t>reports</a:t>
             </a:r>
           </a:p>
           <a:p>
@@ -7923,7 +7923,6 @@
               <a:rPr lang="en-US" dirty="0"/>
               <a:t>. Your design files (circuit schematics, CAD drawings, bill of materials, code) need to be submitted together with the report. </a:t>
             </a:r>
-            <a:endParaRPr lang="en-US" dirty="0"/>
           </a:p>
           <a:p>
             <a:r>
@@ -8062,15 +8061,7 @@
             </a:pPr>
             <a:r>
               <a:rPr lang="en-US" dirty="0" smtClean="0"/>
-              <a:t> Quarter 1 </a:t>
-            </a:r>
-            <a:r>
-              <a:rPr lang="en-US" dirty="0" smtClean="0"/>
-              <a:t>(33 </a:t>
-            </a:r>
-            <a:r>
-              <a:rPr lang="en-US" dirty="0" smtClean="0"/>
-              <a:t>pts) </a:t>
+              <a:t> Quarter 1 (33 pts) </a:t>
             </a:r>
           </a:p>
           <a:p>
@@ -8092,19 +8083,7 @@
             </a:pPr>
             <a:r>
               <a:rPr lang="en-US" dirty="0" smtClean="0"/>
-              <a:t>Lab </a:t>
-            </a:r>
-            <a:r>
-              <a:rPr lang="en-US" dirty="0" smtClean="0"/>
-              <a:t>reports </a:t>
-            </a:r>
-            <a:r>
-              <a:rPr lang="en-US" dirty="0" smtClean="0"/>
-              <a:t>(6x 2pts</a:t>
-            </a:r>
-            <a:r>
-              <a:rPr lang="en-US" dirty="0" smtClean="0"/>
-              <a:t>)</a:t>
+              <a:t>Lab reports (6x 2pts)</a:t>
             </a:r>
           </a:p>
           <a:p>
@@ -8137,15 +8116,7 @@
             </a:pPr>
             <a:r>
               <a:rPr lang="en-US" dirty="0" smtClean="0"/>
-              <a:t> Quarter 2 </a:t>
-            </a:r>
-            <a:r>
-              <a:rPr lang="en-US" dirty="0" smtClean="0"/>
-              <a:t>(45 </a:t>
-            </a:r>
-            <a:r>
-              <a:rPr lang="en-US" dirty="0" smtClean="0"/>
-              <a:t>pts)</a:t>
+              <a:t> Quarter 2 (45 pts)</a:t>
             </a:r>
           </a:p>
           <a:p>
@@ -8156,15 +8127,7 @@
             </a:pPr>
             <a:r>
               <a:rPr lang="en-US" dirty="0" smtClean="0"/>
-              <a:t>Competition (</a:t>
-            </a:r>
-            <a:r>
-              <a:rPr lang="en-US" dirty="0" smtClean="0"/>
-              <a:t>15 </a:t>
-            </a:r>
-            <a:r>
-              <a:rPr lang="en-US" dirty="0" smtClean="0"/>
-              <a:t>pts)</a:t>
+              <a:t>Competition (15 pts)</a:t>
             </a:r>
           </a:p>
           <a:p>
@@ -8175,15 +8138,7 @@
             </a:pPr>
             <a:r>
               <a:rPr lang="en-US" dirty="0" smtClean="0"/>
-              <a:t>Final report (</a:t>
-            </a:r>
-            <a:r>
-              <a:rPr lang="en-US" dirty="0" smtClean="0"/>
-              <a:t>15 </a:t>
-            </a:r>
-            <a:r>
-              <a:rPr lang="en-US" dirty="0" smtClean="0"/>
-              <a:t>pts)</a:t>
+              <a:t>Final report (15 pts)</a:t>
             </a:r>
           </a:p>
           <a:p>
@@ -8194,15 +8149,7 @@
             </a:pPr>
             <a:r>
               <a:rPr lang="en-US" dirty="0" smtClean="0"/>
-              <a:t>Application Note / Tutorial </a:t>
-            </a:r>
-            <a:r>
-              <a:rPr lang="en-US" dirty="0" smtClean="0"/>
-              <a:t>(15 </a:t>
-            </a:r>
-            <a:r>
-              <a:rPr lang="en-US" dirty="0" smtClean="0"/>
-              <a:t>pts)</a:t>
+              <a:t>Application Note / Tutorial (15 pts)</a:t>
             </a:r>
           </a:p>
           <a:p>
@@ -8232,15 +8179,7 @@
           <a:p>
             <a:r>
               <a:rPr lang="en-US" dirty="0" smtClean="0"/>
-              <a:t>Participation </a:t>
-            </a:r>
-            <a:r>
-              <a:rPr lang="en-US" dirty="0" smtClean="0"/>
-              <a:t>(7 </a:t>
-            </a:r>
-            <a:r>
-              <a:rPr lang="en-US" dirty="0" smtClean="0"/>
-              <a:t>pts)</a:t>
+              <a:t>Participation (7 pts)</a:t>
             </a:r>
           </a:p>
           <a:p>
@@ -12051,12 +11990,14 @@
         </p:nvSpPr>
         <p:spPr/>
         <p:txBody>
-          <a:bodyPr/>
+          <a:bodyPr>
+            <a:normAutofit/>
+          </a:bodyPr>
           <a:lstStyle/>
           <a:p>
             <a:r>
               <a:rPr lang="en-US" dirty="0" smtClean="0"/>
-              <a:t>Textbooks and References</a:t>
+              <a:t>Course Materials</a:t>
             </a:r>
             <a:endParaRPr lang="en-US" dirty="0"/>
           </a:p>
@@ -12083,8 +12024,41 @@
           <a:lstStyle/>
           <a:p>
             <a:r>
-              <a:rPr lang="en-US" dirty="0" smtClean="0"/>
-              <a:t>There is no required textbook for this class</a:t>
+              <a:rPr lang="en-US" dirty="0"/>
+              <a:t>All course materials are distributed through </a:t>
+            </a:r>
+            <a:r>
+              <a:rPr lang="en-US" dirty="0" err="1"/>
+              <a:t>SmartSite</a:t>
+            </a:r>
+            <a:endParaRPr lang="en-US" dirty="0"/>
+          </a:p>
+          <a:p>
+            <a:r>
+              <a:rPr lang="en-US" dirty="0"/>
+              <a:t>The latest development of the course materials are on </a:t>
+            </a:r>
+            <a:r>
+              <a:rPr lang="en-US" dirty="0" err="1"/>
+              <a:t>Github</a:t>
+            </a:r>
+            <a:endParaRPr lang="en-US" dirty="0"/>
+          </a:p>
+          <a:p>
+            <a:pPr lvl="1"/>
+            <a:r>
+              <a:rPr lang="en-US" dirty="0"/>
+              <a:t>https://github.com/ucdart/UCD-EEC134</a:t>
+            </a:r>
+          </a:p>
+          <a:p>
+            <a:r>
+              <a:rPr lang="en-US" dirty="0" smtClean="0"/>
+              <a:t>There </a:t>
+            </a:r>
+            <a:r>
+              <a:rPr lang="en-US" dirty="0" smtClean="0"/>
+              <a:t>is no required textbook for this class</a:t>
             </a:r>
           </a:p>
           <a:p>
@@ -12165,7 +12139,7 @@
         </p:blipFill>
         <p:spPr bwMode="auto">
           <a:xfrm>
-            <a:off x="1021093" y="2949624"/>
+            <a:off x="2560526" y="3876380"/>
             <a:ext cx="1830417" cy="2784690"/>
           </a:xfrm>
           <a:prstGeom prst="rect">
@@ -12206,7 +12180,7 @@
         </p:blipFill>
         <p:spPr bwMode="auto">
           <a:xfrm>
-            <a:off x="3695451" y="2949624"/>
+            <a:off x="5234884" y="3876380"/>
             <a:ext cx="1819256" cy="2784690"/>
           </a:xfrm>
           <a:prstGeom prst="rect">

--- a/lectures/lec0/Lec0-CourseMechanisms.pptx
+++ b/lectures/lec0/Lec0-CourseMechanisms.pptx
@@ -5,10 +5,10 @@
     <p:sldMasterId id="2147483648" r:id="rId1"/>
   </p:sldMasterIdLst>
   <p:notesMasterIdLst>
-    <p:notesMasterId r:id="rId22"/>
+    <p:notesMasterId r:id="rId21"/>
   </p:notesMasterIdLst>
   <p:handoutMasterIdLst>
-    <p:handoutMasterId r:id="rId23"/>
+    <p:handoutMasterId r:id="rId22"/>
   </p:handoutMasterIdLst>
   <p:sldIdLst>
     <p:sldId id="258" r:id="rId2"/>
@@ -25,12 +25,11 @@
     <p:sldId id="330" r:id="rId13"/>
     <p:sldId id="326" r:id="rId14"/>
     <p:sldId id="325" r:id="rId15"/>
-    <p:sldId id="327" r:id="rId16"/>
-    <p:sldId id="331" r:id="rId17"/>
-    <p:sldId id="264" r:id="rId18"/>
-    <p:sldId id="315" r:id="rId19"/>
-    <p:sldId id="307" r:id="rId20"/>
-    <p:sldId id="270" r:id="rId21"/>
+    <p:sldId id="331" r:id="rId16"/>
+    <p:sldId id="264" r:id="rId17"/>
+    <p:sldId id="315" r:id="rId18"/>
+    <p:sldId id="307" r:id="rId19"/>
+    <p:sldId id="270" r:id="rId20"/>
   </p:sldIdLst>
   <p:sldSz cx="9144000" cy="6858000" type="screen4x3"/>
   <p:notesSz cx="7010400" cy="9296400"/>
@@ -315,7 +314,7 @@
             <a:fld id="{F33530C9-BF13-40EE-A1EC-EBBB0134EBBA}" type="datetime1">
               <a:rPr lang="en-US"/>
               <a:pPr/>
-              <a:t>9/30/2015 Wednesday</a:t>
+              <a:t>9/23/2016 Friday</a:t>
             </a:fld>
             <a:endParaRPr lang="en-US"/>
           </a:p>
@@ -533,7 +532,7 @@
             <a:fld id="{7DD20F8F-B3A0-465C-A2C5-4272F8BE0711}" type="datetime1">
               <a:rPr lang="en-US"/>
               <a:pPr/>
-              <a:t>9/30/2015 Wednesday</a:t>
+              <a:t>9/23/2016 Friday</a:t>
             </a:fld>
             <a:endParaRPr lang="en-US"/>
           </a:p>
@@ -932,7 +931,7 @@
             <a:fld id="{7DD20F8F-B3A0-465C-A2C5-4272F8BE0711}" type="datetime1">
               <a:rPr lang="en-US" smtClean="0"/>
               <a:pPr/>
-              <a:t>9/30/2015 Wednesday</a:t>
+              <a:t>9/23/2016 Friday</a:t>
             </a:fld>
             <a:endParaRPr lang="en-US"/>
           </a:p>
@@ -1043,7 +1042,7 @@
             <a:fld id="{7DD20F8F-B3A0-465C-A2C5-4272F8BE0711}" type="datetime1">
               <a:rPr lang="en-US" smtClean="0"/>
               <a:pPr/>
-              <a:t>9/30/2015 Wednesday</a:t>
+              <a:t>9/23/2016 Friday</a:t>
             </a:fld>
             <a:endParaRPr lang="en-US"/>
           </a:p>
@@ -1131,10 +1130,9 @@
           <a:lstStyle/>
           <a:p>
             <a:r>
-              <a:rPr lang="en-US" dirty="0" smtClean="0"/>
+              <a:rPr lang="en-US" dirty="0"/>
               <a:t>Add pictures in the future.</a:t>
             </a:r>
-            <a:endParaRPr lang="en-US" dirty="0"/>
           </a:p>
         </p:txBody>
       </p:sp>
@@ -1156,7 +1154,7 @@
             <a:fld id="{7DD20F8F-B3A0-465C-A2C5-4272F8BE0711}" type="datetime1">
               <a:rPr lang="en-US" smtClean="0"/>
               <a:pPr/>
-              <a:t>9/30/2015 Wednesday</a:t>
+              <a:t>9/23/2016 Friday</a:t>
             </a:fld>
             <a:endParaRPr lang="en-US"/>
           </a:p>
@@ -1265,7 +1263,7 @@
             <a:fld id="{7DD20F8F-B3A0-465C-A2C5-4272F8BE0711}" type="datetime1">
               <a:rPr lang="en-US" smtClean="0"/>
               <a:pPr/>
-              <a:t>9/30/2015 Wednesday</a:t>
+              <a:t>9/23/2016 Friday</a:t>
             </a:fld>
             <a:endParaRPr lang="en-US"/>
           </a:p>
@@ -1289,7 +1287,7 @@
             <a:fld id="{CFF31767-D1A3-4648-B372-2E096E58CC1D}" type="slidenum">
               <a:rPr lang="en-US" smtClean="0"/>
               <a:pPr/>
-              <a:t>17</a:t>
+              <a:t>16</a:t>
             </a:fld>
             <a:endParaRPr lang="en-US"/>
           </a:p>
@@ -1350,10 +1348,9 @@
           </a:lstStyle>
           <a:p>
             <a:r>
-              <a:rPr lang="en-US" smtClean="0"/>
+              <a:rPr lang="en-US"/>
               <a:t>Click to edit Master title style</a:t>
             </a:r>
-            <a:endParaRPr lang="en-US"/>
           </a:p>
         </p:txBody>
       </p:sp>
@@ -1384,10 +1381,9 @@
           </a:lstStyle>
           <a:p>
             <a:r>
-              <a:rPr lang="en-US" smtClean="0"/>
+              <a:rPr lang="en-US"/>
               <a:t>Click to edit Master subtitle style</a:t>
             </a:r>
-            <a:endParaRPr lang="en-US"/>
           </a:p>
         </p:txBody>
       </p:sp>
@@ -1641,10 +1637,9 @@
           </a:lstStyle>
           <a:p>
             <a:r>
-              <a:rPr lang="en-US" smtClean="0"/>
+              <a:rPr lang="en-US"/>
               <a:t>Click to edit Master title style</a:t>
             </a:r>
-            <a:endParaRPr lang="en-US"/>
           </a:p>
         </p:txBody>
       </p:sp>
@@ -1675,10 +1670,9 @@
           </a:lstStyle>
           <a:p>
             <a:r>
-              <a:rPr lang="en-US" smtClean="0"/>
+              <a:rPr lang="en-US"/>
               <a:t>Click to edit Master subtitle style</a:t>
             </a:r>
-            <a:endParaRPr lang="en-US"/>
           </a:p>
         </p:txBody>
       </p:sp>
@@ -1750,10 +1744,9 @@
           <a:p>
             <a:pPr lvl="0"/>
             <a:r>
-              <a:rPr lang="en-US" dirty="0" smtClean="0"/>
+              <a:rPr lang="en-US" dirty="0"/>
               <a:t>Click to edit Master title</a:t>
             </a:r>
-            <a:endParaRPr lang="en-US" dirty="0"/>
           </a:p>
         </p:txBody>
       </p:sp>
@@ -1872,38 +1865,37 @@
           <a:p>
             <a:pPr lvl="0"/>
             <a:r>
-              <a:rPr lang="en-US" dirty="0" smtClean="0"/>
+              <a:rPr lang="en-US" dirty="0"/>
               <a:t>Click to edit Master text styles</a:t>
             </a:r>
           </a:p>
           <a:p>
             <a:pPr lvl="1"/>
             <a:r>
-              <a:rPr lang="en-US" dirty="0" smtClean="0"/>
+              <a:rPr lang="en-US" dirty="0"/>
               <a:t>Second level</a:t>
             </a:r>
           </a:p>
           <a:p>
             <a:pPr lvl="2"/>
             <a:r>
-              <a:rPr lang="en-US" dirty="0" smtClean="0"/>
+              <a:rPr lang="en-US" dirty="0"/>
               <a:t>Third level</a:t>
             </a:r>
           </a:p>
           <a:p>
             <a:pPr lvl="3"/>
             <a:r>
-              <a:rPr lang="en-US" dirty="0" smtClean="0"/>
+              <a:rPr lang="en-US" dirty="0"/>
               <a:t>Fourth level</a:t>
             </a:r>
           </a:p>
           <a:p>
             <a:pPr lvl="4"/>
             <a:r>
-              <a:rPr lang="en-US" dirty="0" smtClean="0"/>
+              <a:rPr lang="en-US" dirty="0"/>
               <a:t>Fifth level</a:t>
             </a:r>
-            <a:endParaRPr lang="en-US" dirty="0"/>
           </a:p>
         </p:txBody>
       </p:sp>
@@ -1912,13 +1904,6 @@
   <p:clrMapOvr>
     <a:masterClrMapping/>
   </p:clrMapOvr>
-  <p:timing>
-    <p:tnLst>
-      <p:par>
-        <p:cTn id="1" dur="indefinite" restart="never" nodeType="tmRoot"/>
-      </p:par>
-    </p:tnLst>
-  </p:timing>
 </p:sldLayout>
 </file>
 
@@ -2025,7 +2010,7 @@
           </a:lstStyle>
           <a:p>
             <a:pPr lvl="0"/>
-            <a:endParaRPr lang="en-US" dirty="0" smtClean="0"/>
+            <a:endParaRPr lang="en-US" dirty="0"/>
           </a:p>
         </p:txBody>
       </p:sp>
@@ -2099,10 +2084,9 @@
           <a:p>
             <a:pPr lvl="0"/>
             <a:r>
-              <a:rPr lang="en-US" dirty="0" smtClean="0"/>
+              <a:rPr lang="en-US" dirty="0"/>
               <a:t>Click to edit Master title</a:t>
             </a:r>
-            <a:endParaRPr lang="en-US" dirty="0"/>
           </a:p>
         </p:txBody>
       </p:sp>
@@ -2142,38 +2126,37 @@
           <a:p>
             <a:pPr lvl="0"/>
             <a:r>
-              <a:rPr lang="en-US" dirty="0" smtClean="0"/>
+              <a:rPr lang="en-US" dirty="0"/>
               <a:t> Click to edit Master text styles</a:t>
             </a:r>
           </a:p>
           <a:p>
             <a:pPr lvl="1"/>
             <a:r>
-              <a:rPr lang="en-US" dirty="0" smtClean="0"/>
+              <a:rPr lang="en-US" dirty="0"/>
               <a:t>Second level</a:t>
             </a:r>
           </a:p>
           <a:p>
             <a:pPr lvl="2"/>
             <a:r>
-              <a:rPr lang="en-US" dirty="0" smtClean="0"/>
+              <a:rPr lang="en-US" dirty="0"/>
               <a:t>Third level</a:t>
             </a:r>
           </a:p>
           <a:p>
             <a:pPr lvl="3"/>
             <a:r>
-              <a:rPr lang="en-US" dirty="0" smtClean="0"/>
+              <a:rPr lang="en-US" dirty="0"/>
               <a:t>Fourth level</a:t>
             </a:r>
           </a:p>
           <a:p>
             <a:pPr lvl="4"/>
             <a:r>
-              <a:rPr lang="en-US" dirty="0" smtClean="0"/>
+              <a:rPr lang="en-US" dirty="0"/>
               <a:t>Fifth level</a:t>
             </a:r>
-            <a:endParaRPr lang="en-US" dirty="0"/>
           </a:p>
         </p:txBody>
       </p:sp>
@@ -2260,13 +2243,6 @@
     <p:sldLayoutId id="2147483650" r:id="rId3"/>
     <p:sldLayoutId id="2147483651" r:id="rId4"/>
   </p:sldLayoutIdLst>
-  <p:timing>
-    <p:tnLst>
-      <p:par>
-        <p:cTn id="1" dur="indefinite" restart="never" nodeType="tmRoot"/>
-      </p:par>
-    </p:tnLst>
-  </p:timing>
   <p:hf hdr="0" ftr="0" dt="0"/>
   <p:txStyles>
     <p:titleStyle>
@@ -2790,25 +2766,8 @@
                 <a:latin typeface="Kalinga" panose="020B0502040204020203" pitchFamily="34" charset="0"/>
                 <a:cs typeface="Kalinga" panose="020B0502040204020203" pitchFamily="34" charset="0"/>
               </a:rPr>
-              <a:t>Tel: </a:t>
-            </a:r>
-            <a:r>
-              <a:rPr lang="en-US" sz="2000" dirty="0" smtClean="0">
-                <a:solidFill>
-                  <a:schemeClr val="bg1"/>
-                </a:solidFill>
-                <a:latin typeface="Kalinga" panose="020B0502040204020203" pitchFamily="34" charset="0"/>
-                <a:cs typeface="Kalinga" panose="020B0502040204020203" pitchFamily="34" charset="0"/>
-              </a:rPr>
-              <a:t>530-289-6367</a:t>
-            </a:r>
-            <a:endParaRPr lang="en-US" sz="2000" dirty="0">
-              <a:solidFill>
-                <a:schemeClr val="bg1"/>
-              </a:solidFill>
-              <a:latin typeface="Kalinga" panose="020B0502040204020203" pitchFamily="34" charset="0"/>
-              <a:cs typeface="Kalinga" panose="020B0502040204020203" pitchFamily="34" charset="0"/>
-            </a:endParaRPr>
+              <a:t>Tel: 530-289-6367</a:t>
+            </a:r>
           </a:p>
           <a:p>
             <a:endParaRPr lang="en-US" sz="500" dirty="0">
@@ -2908,14 +2867,11 @@
           <a:lstStyle/>
           <a:p>
             <a:r>
-              <a:rPr lang="en-US" dirty="0" smtClean="0">
+              <a:rPr lang="en-US" dirty="0">
                 <a:latin typeface="Franklin Gothic Demi" panose="020B0703020102020204" pitchFamily="34" charset="0"/>
               </a:rPr>
               <a:t>Design of RF &amp; Microwave Systems</a:t>
             </a:r>
-            <a:endParaRPr lang="en-US" dirty="0">
-              <a:latin typeface="Franklin Gothic Demi" panose="020B0703020102020204" pitchFamily="34" charset="0"/>
-            </a:endParaRPr>
           </a:p>
         </p:txBody>
       </p:sp>
@@ -2940,18 +2896,13 @@
           <a:lstStyle/>
           <a:p>
             <a:r>
-              <a:rPr lang="en-US" sz="2400" b="1" dirty="0" smtClean="0">
+              <a:rPr lang="en-US" sz="2400" b="1" dirty="0">
                 <a:solidFill>
                   <a:srgbClr val="BF9900"/>
                 </a:solidFill>
               </a:rPr>
               <a:t>EEC 134 A&amp;B</a:t>
             </a:r>
-            <a:endParaRPr lang="en-US" sz="2400" b="1" dirty="0">
-              <a:solidFill>
-                <a:srgbClr val="BF9900"/>
-              </a:solidFill>
-            </a:endParaRPr>
           </a:p>
         </p:txBody>
       </p:sp>
@@ -2992,19 +2943,10 @@
                 </a:solidFill>
                 <a:latin typeface="Myriad Pro" panose="020B0503030403020204" pitchFamily="34" charset="0"/>
               </a:rPr>
-              <a:t>Lecture 0</a:t>
-            </a:r>
-            <a:r>
-              <a:rPr lang="en-US" sz="3200" dirty="0" smtClean="0">
-                <a:solidFill>
-                  <a:srgbClr val="091D58"/>
-                </a:solidFill>
-                <a:latin typeface="Myriad Pro" panose="020B0503030403020204" pitchFamily="34" charset="0"/>
-              </a:rPr>
-              <a:t>: </a:t>
-            </a:r>
-            <a:r>
-              <a:rPr lang="en-US" sz="3200" smtClean="0">
+              <a:t>Lecture 0: </a:t>
+            </a:r>
+            <a:r>
+              <a:rPr lang="en-US" sz="3200">
                 <a:solidFill>
                   <a:srgbClr val="091D58"/>
                 </a:solidFill>
@@ -3026,13 +2968,6 @@
   <p:clrMapOvr>
     <a:masterClrMapping/>
   </p:clrMapOvr>
-  <p:timing>
-    <p:tnLst>
-      <p:par>
-        <p:cTn id="1" dur="indefinite" restart="never" nodeType="tmRoot"/>
-      </p:par>
-    </p:tnLst>
-  </p:timing>
 </p:sld>
 </file>
 
@@ -3069,10 +3004,9 @@
           <a:lstStyle/>
           <a:p>
             <a:r>
-              <a:rPr lang="en-US" dirty="0" smtClean="0"/>
+              <a:rPr lang="en-US" dirty="0"/>
               <a:t>Labs</a:t>
             </a:r>
-            <a:endParaRPr lang="en-US" dirty="0"/>
           </a:p>
         </p:txBody>
       </p:sp>
@@ -3100,23 +3034,7 @@
                   <a:srgbClr val="FF0000"/>
                 </a:solidFill>
               </a:rPr>
-              <a:t> </a:t>
-            </a:r>
-            <a:r>
-              <a:rPr lang="en-US" b="1" dirty="0" smtClean="0">
-                <a:solidFill>
-                  <a:srgbClr val="FF0000"/>
-                </a:solidFill>
-              </a:rPr>
-              <a:t>    </a:t>
-            </a:r>
-            <a:r>
-              <a:rPr lang="en-US" sz="3200" b="1" dirty="0" smtClean="0">
-                <a:solidFill>
-                  <a:srgbClr val="FF0000"/>
-                </a:solidFill>
-              </a:rPr>
-              <a:t>Be </a:t>
+              <a:t>     </a:t>
             </a:r>
             <a:r>
               <a:rPr lang="en-US" sz="3200" b="1" dirty="0">
@@ -3124,40 +3042,26 @@
                   <a:srgbClr val="FF0000"/>
                 </a:solidFill>
               </a:rPr>
-              <a:t>warned!</a:t>
+              <a:t>Be warned!</a:t>
             </a:r>
             <a:r>
               <a:rPr lang="en-US" sz="3200" dirty="0"/>
               <a:t> </a:t>
             </a:r>
-            <a:endParaRPr lang="en-US" sz="3200" dirty="0" smtClean="0"/>
-          </a:p>
-          <a:p>
-            <a:r>
-              <a:rPr lang="en-US" dirty="0" smtClean="0"/>
-              <a:t>Labs </a:t>
-            </a:r>
-            <a:r>
-              <a:rPr lang="en-US" dirty="0"/>
-              <a:t>are heavy and time consuming. </a:t>
-            </a:r>
-            <a:endParaRPr lang="en-US" dirty="0" smtClean="0"/>
+          </a:p>
+          <a:p>
+            <a:r>
+              <a:rPr lang="en-US" dirty="0"/>
+              <a:t>Labs are heavy and time consuming. </a:t>
+            </a:r>
           </a:p>
           <a:p>
             <a:endParaRPr lang="en-US" dirty="0"/>
           </a:p>
           <a:p>
             <a:r>
-              <a:rPr lang="en-US" dirty="0" smtClean="0"/>
-              <a:t>Do </a:t>
-            </a:r>
-            <a:r>
-              <a:rPr lang="en-US" dirty="0"/>
-              <a:t>the pre-lab problems, read the lab manually carefully, and plan well before you walk into the lab</a:t>
-            </a:r>
-            <a:r>
-              <a:rPr lang="en-US" dirty="0" smtClean="0"/>
-              <a:t>.</a:t>
+              <a:rPr lang="en-US" dirty="0"/>
+              <a:t>Do the pre-lab problems, read the lab manually carefully, and plan well before you walk into the lab.</a:t>
             </a:r>
           </a:p>
           <a:p>
@@ -3165,7 +3069,7 @@
           </a:p>
           <a:p>
             <a:r>
-              <a:rPr lang="en-US" dirty="0" smtClean="0"/>
+              <a:rPr lang="en-US" dirty="0"/>
               <a:t>Team work is important! Everyone needs to work hard!</a:t>
             </a:r>
           </a:p>
@@ -3175,11 +3079,7 @@
           <a:p>
             <a:r>
               <a:rPr lang="en-US" dirty="0"/>
-              <a:t>You may still end up needing both Friday and Monday sessions</a:t>
-            </a:r>
-            <a:r>
-              <a:rPr lang="en-US" dirty="0" smtClean="0"/>
-              <a:t>!</a:t>
+              <a:t>You may still end up needing both Friday and Monday sessions!</a:t>
             </a:r>
           </a:p>
           <a:p>
@@ -3222,13 +3122,6 @@
   <p:clrMapOvr>
     <a:masterClrMapping/>
   </p:clrMapOvr>
-  <p:timing>
-    <p:tnLst>
-      <p:par>
-        <p:cTn id="1" dur="indefinite" restart="never" nodeType="tmRoot"/>
-      </p:par>
-    </p:tnLst>
-  </p:timing>
 </p:sld>
 </file>
 
@@ -3265,10 +3158,9 @@
           <a:lstStyle/>
           <a:p>
             <a:r>
-              <a:rPr lang="en-US" dirty="0" smtClean="0"/>
+              <a:rPr lang="en-US" dirty="0"/>
               <a:t>Printed Circuit Board (PCB)</a:t>
             </a:r>
-            <a:endParaRPr lang="en-US" dirty="0"/>
           </a:p>
         </p:txBody>
       </p:sp>
@@ -3288,131 +3180,115 @@
           <a:lstStyle/>
           <a:p>
             <a:r>
-              <a:rPr lang="en-US" dirty="0" smtClean="0"/>
+              <a:rPr lang="en-US" dirty="0"/>
               <a:t>Learning PCB design is a critical focus of this class</a:t>
             </a:r>
           </a:p>
           <a:p>
             <a:r>
-              <a:rPr lang="en-US" dirty="0" smtClean="0"/>
+              <a:rPr lang="en-US" dirty="0"/>
               <a:t>We will have three “free” PCB design runs in Quarter 1. </a:t>
             </a:r>
           </a:p>
           <a:p>
             <a:pPr lvl="1"/>
             <a:r>
-              <a:rPr lang="en-US" dirty="0" smtClean="0"/>
+              <a:rPr lang="en-US" dirty="0"/>
               <a:t>1</a:t>
             </a:r>
             <a:r>
-              <a:rPr lang="en-US" baseline="30000" dirty="0" smtClean="0"/>
+              <a:rPr lang="en-US" baseline="30000" dirty="0"/>
               <a:t>st</a:t>
             </a:r>
             <a:r>
-              <a:rPr lang="en-US" dirty="0" smtClean="0"/>
-              <a:t> run: Oct. 23</a:t>
-            </a:r>
-            <a:r>
-              <a:rPr lang="en-US" baseline="30000" dirty="0" smtClean="0"/>
+              <a:rPr lang="en-US" dirty="0"/>
+              <a:t> run: Oct. 27</a:t>
+            </a:r>
+            <a:r>
+              <a:rPr lang="en-US" baseline="30000" dirty="0"/>
+              <a:t>th</a:t>
+            </a:r>
+            <a:r>
+              <a:rPr lang="en-US" dirty="0"/>
+              <a:t> </a:t>
+            </a:r>
+          </a:p>
+          <a:p>
+            <a:pPr lvl="1"/>
+            <a:r>
+              <a:rPr lang="en-US" dirty="0"/>
+              <a:t>2</a:t>
+            </a:r>
+            <a:r>
+              <a:rPr lang="en-US" baseline="30000" dirty="0"/>
+              <a:t>nd</a:t>
+            </a:r>
+            <a:r>
+              <a:rPr lang="en-US" dirty="0"/>
+              <a:t> run: Nov. 3</a:t>
+            </a:r>
+            <a:r>
+              <a:rPr lang="en-US" baseline="30000" dirty="0"/>
               <a:t>rd</a:t>
             </a:r>
             <a:r>
-              <a:rPr lang="en-US" dirty="0" smtClean="0"/>
+              <a:rPr lang="en-US" dirty="0"/>
               <a:t> </a:t>
             </a:r>
           </a:p>
           <a:p>
             <a:pPr lvl="1"/>
             <a:r>
-              <a:rPr lang="en-US" dirty="0" smtClean="0"/>
-              <a:t>2</a:t>
-            </a:r>
-            <a:r>
-              <a:rPr lang="en-US" baseline="30000" dirty="0" smtClean="0"/>
-              <a:t>nd</a:t>
-            </a:r>
-            <a:r>
-              <a:rPr lang="en-US" dirty="0" smtClean="0"/>
-              <a:t> run: Oct. 30</a:t>
-            </a:r>
-            <a:r>
-              <a:rPr lang="en-US" baseline="30000" dirty="0" smtClean="0"/>
+              <a:rPr lang="en-US" dirty="0"/>
+              <a:t>3</a:t>
+            </a:r>
+            <a:r>
+              <a:rPr lang="en-US" baseline="30000" dirty="0"/>
+              <a:t>rd</a:t>
+            </a:r>
+            <a:r>
+              <a:rPr lang="en-US" dirty="0"/>
+              <a:t> run: Nov. 10</a:t>
+            </a:r>
+            <a:r>
+              <a:rPr lang="en-US" baseline="30000" dirty="0"/>
               <a:t>th</a:t>
             </a:r>
-            <a:r>
-              <a:rPr lang="en-US" dirty="0" smtClean="0"/>
-              <a:t> </a:t>
-            </a:r>
-          </a:p>
-          <a:p>
-            <a:pPr lvl="1"/>
-            <a:r>
-              <a:rPr lang="en-US" dirty="0" smtClean="0"/>
-              <a:t>3</a:t>
-            </a:r>
-            <a:r>
-              <a:rPr lang="en-US" baseline="30000" dirty="0" smtClean="0"/>
-              <a:t>rd</a:t>
-            </a:r>
-            <a:r>
-              <a:rPr lang="en-US" dirty="0" smtClean="0"/>
-              <a:t> run: Nov. 6</a:t>
-            </a:r>
-            <a:r>
-              <a:rPr lang="en-US" baseline="30000" dirty="0" smtClean="0"/>
-              <a:t>th</a:t>
-            </a:r>
-            <a:endParaRPr lang="en-US" dirty="0" smtClean="0"/>
-          </a:p>
-          <a:p>
-            <a:endParaRPr lang="en-US" dirty="0" smtClean="0">
+            <a:endParaRPr lang="en-US" dirty="0"/>
+          </a:p>
+          <a:p>
+            <a:endParaRPr lang="en-US" dirty="0">
               <a:solidFill>
                 <a:srgbClr val="FF0000"/>
               </a:solidFill>
             </a:endParaRPr>
           </a:p>
           <a:p>
-            <a:r>
-              <a:rPr lang="en-US" dirty="0" smtClean="0">
-                <a:solidFill>
-                  <a:srgbClr val="FF0000"/>
-                </a:solidFill>
-              </a:rPr>
-              <a:t>Hard </a:t>
-            </a:r>
             <a:r>
               <a:rPr lang="en-US" dirty="0">
                 <a:solidFill>
                   <a:srgbClr val="FF0000"/>
                 </a:solidFill>
               </a:rPr>
-              <a:t>deadlines; don’t even </a:t>
-            </a:r>
-            <a:r>
-              <a:rPr lang="en-US" dirty="0" smtClean="0">
-                <a:solidFill>
-                  <a:srgbClr val="FF0000"/>
-                </a:solidFill>
-              </a:rPr>
-              <a:t>ask!</a:t>
-            </a:r>
-          </a:p>
-          <a:p>
-            <a:r>
-              <a:rPr lang="en-US" dirty="0" smtClean="0"/>
+              <a:t>Hard deadlines; don’t even ask!</a:t>
+            </a:r>
+          </a:p>
+          <a:p>
+            <a:r>
+              <a:rPr lang="en-US" dirty="0"/>
               <a:t>The cost of the above three runs is covered by the course fees</a:t>
             </a:r>
           </a:p>
           <a:p>
             <a:pPr lvl="1"/>
             <a:r>
-              <a:rPr lang="en-US" dirty="0" smtClean="0"/>
+              <a:rPr lang="en-US" dirty="0"/>
               <a:t>If you miss the deadline, you can still have the PCB made at your own cost</a:t>
             </a:r>
           </a:p>
           <a:p>
             <a:r>
-              <a:rPr lang="en-US" dirty="0" smtClean="0"/>
+              <a:rPr lang="en-US" dirty="0"/>
               <a:t>Similar runs will be arranged for Quarter 2</a:t>
             </a:r>
           </a:p>
@@ -3475,7 +3351,7 @@
               <a:tabLst/>
             </a:pPr>
             <a:r>
-              <a:rPr lang="en-US" sz="1800" dirty="0" smtClean="0">
+              <a:rPr lang="en-US" sz="1800" dirty="0">
                 <a:solidFill>
                   <a:srgbClr val="FF0000"/>
                 </a:solidFill>
@@ -3484,7 +3360,7 @@
               </a:rPr>
               <a:t>Notice that the first PCB is due only about a month from the start of the class so start early! </a:t>
             </a:r>
-            <a:endParaRPr kumimoji="0" lang="en-US" sz="1800" b="0" i="0" u="none" strike="noStrike" cap="none" normalizeH="0" baseline="0" dirty="0" smtClean="0">
+            <a:endParaRPr kumimoji="0" lang="en-US" sz="1800" b="0" i="0" u="none" strike="noStrike" cap="none" normalizeH="0" baseline="0" dirty="0">
               <a:ln>
                 <a:noFill/>
               </a:ln>
@@ -3622,10 +3498,9 @@
           <a:lstStyle/>
           <a:p>
             <a:r>
-              <a:rPr lang="en-US" dirty="0" smtClean="0"/>
+              <a:rPr lang="en-US" dirty="0"/>
               <a:t>Quarter 1 Deliverables</a:t>
             </a:r>
-            <a:endParaRPr lang="en-US" dirty="0"/>
           </a:p>
         </p:txBody>
       </p:sp>
@@ -3645,70 +3520,45 @@
           <a:lstStyle/>
           <a:p>
             <a:r>
-              <a:rPr lang="en-US" dirty="0" smtClean="0"/>
+              <a:rPr lang="en-US" dirty="0"/>
               <a:t>9 × Pre-lab assignments </a:t>
             </a:r>
           </a:p>
           <a:p>
-            <a:endParaRPr lang="en-US" dirty="0" smtClean="0"/>
-          </a:p>
-          <a:p>
-            <a:r>
-              <a:rPr lang="en-US" dirty="0" smtClean="0"/>
-              <a:t>6 </a:t>
-            </a:r>
-            <a:r>
-              <a:rPr lang="en-US" dirty="0"/>
-              <a:t>× L</a:t>
-            </a:r>
-            <a:r>
-              <a:rPr lang="en-US" dirty="0" smtClean="0"/>
-              <a:t>ab reports</a:t>
-            </a:r>
-          </a:p>
-          <a:p>
-            <a:endParaRPr lang="en-US" dirty="0" smtClean="0"/>
-          </a:p>
-          <a:p>
-            <a:r>
-              <a:rPr lang="en-US" dirty="0" smtClean="0"/>
-              <a:t>3 </a:t>
-            </a:r>
-            <a:r>
-              <a:rPr lang="en-US" dirty="0"/>
-              <a:t>× </a:t>
-            </a:r>
-            <a:r>
-              <a:rPr lang="en-US" dirty="0" smtClean="0"/>
-              <a:t>PCB design reports</a:t>
-            </a:r>
-          </a:p>
-          <a:p>
             <a:endParaRPr lang="en-US" dirty="0"/>
           </a:p>
           <a:p>
             <a:r>
-              <a:rPr lang="en-US" dirty="0" smtClean="0"/>
-              <a:t>3 </a:t>
-            </a:r>
-            <a:r>
-              <a:rPr lang="en-US" dirty="0"/>
-              <a:t>× </a:t>
-            </a:r>
-            <a:r>
-              <a:rPr lang="en-US" dirty="0" smtClean="0"/>
-              <a:t>PCB test reports</a:t>
-            </a:r>
+              <a:rPr lang="en-US" dirty="0"/>
+              <a:t>6 × Lab reports</a:t>
+            </a:r>
+          </a:p>
+          <a:p>
             <a:endParaRPr lang="en-US" dirty="0"/>
           </a:p>
           <a:p>
+            <a:r>
+              <a:rPr lang="en-US" dirty="0"/>
+              <a:t>3 × PCB design reports</a:t>
+            </a:r>
+          </a:p>
+          <a:p>
             <a:endParaRPr lang="en-US" dirty="0"/>
           </a:p>
           <a:p>
+            <a:r>
+              <a:rPr lang="en-US" dirty="0"/>
+              <a:t>3 × PCB test reports</a:t>
+            </a:r>
+          </a:p>
+          <a:p>
             <a:endParaRPr lang="en-US" dirty="0"/>
           </a:p>
           <a:p>
-            <a:endParaRPr lang="en-US" dirty="0" smtClean="0"/>
+            <a:endParaRPr lang="en-US" dirty="0"/>
+          </a:p>
+          <a:p>
+            <a:endParaRPr lang="en-US" dirty="0"/>
           </a:p>
           <a:p>
             <a:endParaRPr lang="en-US" dirty="0"/>
@@ -3725,13 +3575,6 @@
   <p:clrMapOvr>
     <a:masterClrMapping/>
   </p:clrMapOvr>
-  <p:timing>
-    <p:tnLst>
-      <p:par>
-        <p:cTn id="1" dur="indefinite" restart="never" nodeType="tmRoot"/>
-      </p:par>
-    </p:tnLst>
-  </p:timing>
 </p:sld>
 </file>
 
@@ -3770,10 +3613,9 @@
           <a:lstStyle/>
           <a:p>
             <a:r>
-              <a:rPr lang="en-US" dirty="0" smtClean="0"/>
+              <a:rPr lang="en-US" dirty="0"/>
               <a:t>Quarter 1 – Facilities and Supplies</a:t>
             </a:r>
-            <a:endParaRPr lang="en-US" dirty="0"/>
           </a:p>
         </p:txBody>
       </p:sp>
@@ -3793,15 +3635,15 @@
           <a:lstStyle/>
           <a:p>
             <a:r>
-              <a:rPr lang="en-US" dirty="0" smtClean="0"/>
+              <a:rPr lang="en-US" dirty="0"/>
               <a:t>We will be using </a:t>
             </a:r>
             <a:r>
-              <a:rPr lang="en-US" b="1" dirty="0" smtClean="0"/>
+              <a:rPr lang="en-US" b="1" dirty="0"/>
               <a:t>Kemper 2112</a:t>
             </a:r>
             <a:r>
-              <a:rPr lang="en-US" dirty="0" smtClean="0"/>
+              <a:rPr lang="en-US" dirty="0"/>
               <a:t> for this class.</a:t>
             </a:r>
           </a:p>
@@ -3815,32 +3657,28 @@
           <a:p>
             <a:pPr lvl="1"/>
             <a:r>
-              <a:rPr lang="en-US" dirty="0" smtClean="0"/>
+              <a:rPr lang="en-US" dirty="0"/>
               <a:t>2112 is usually locked outside of the class time, but each group can have a key to 2112 so that you can work off-hours</a:t>
             </a:r>
           </a:p>
           <a:p>
             <a:r>
-              <a:rPr lang="en-US" dirty="0" smtClean="0"/>
+              <a:rPr lang="en-US" dirty="0"/>
               <a:t>Each group will get a toolbox </a:t>
             </a:r>
           </a:p>
           <a:p>
             <a:pPr lvl="1"/>
             <a:r>
-              <a:rPr lang="en-US" dirty="0" smtClean="0"/>
+              <a:rPr lang="en-US" dirty="0"/>
               <a:t>In the first lab, you need to sign a form acknowledging that your group received the toolbox with all its contents</a:t>
             </a:r>
           </a:p>
           <a:p>
             <a:pPr lvl="1"/>
             <a:r>
-              <a:rPr lang="en-US" dirty="0" smtClean="0"/>
-              <a:t>The </a:t>
-            </a:r>
-            <a:r>
-              <a:rPr lang="en-US" dirty="0"/>
-              <a:t>toolbox and the components must be returned to the TA by the end of the Winter quarter before grades can be assigned</a:t>
+              <a:rPr lang="en-US" dirty="0"/>
+              <a:t>The toolbox and the components must be returned to the TA by the end of the Winter quarter before grades can be assigned</a:t>
             </a:r>
           </a:p>
           <a:p>
@@ -3852,14 +3690,14 @@
           </a:p>
           <a:p>
             <a:pPr lvl="1"/>
-            <a:endParaRPr lang="en-US" dirty="0" smtClean="0"/>
+            <a:endParaRPr lang="en-US" dirty="0"/>
           </a:p>
           <a:p>
             <a:pPr lvl="1"/>
-            <a:endParaRPr lang="en-US" dirty="0" smtClean="0"/>
-          </a:p>
-          <a:p>
-            <a:endParaRPr lang="en-US" dirty="0" smtClean="0"/>
+            <a:endParaRPr lang="en-US" dirty="0"/>
+          </a:p>
+          <a:p>
+            <a:endParaRPr lang="en-US" dirty="0"/>
           </a:p>
         </p:txBody>
       </p:sp>
@@ -3873,13 +3711,6 @@
   <p:clrMapOvr>
     <a:masterClrMapping/>
   </p:clrMapOvr>
-  <p:timing>
-    <p:tnLst>
-      <p:par>
-        <p:cTn id="1" dur="indefinite" restart="never" nodeType="tmRoot"/>
-      </p:par>
-    </p:tnLst>
-  </p:timing>
 </p:sld>
 </file>
 
@@ -3918,15 +3749,14 @@
         </p:spPr>
         <p:txBody>
           <a:bodyPr>
-            <a:normAutofit fontScale="90000"/>
+            <a:normAutofit/>
           </a:bodyPr>
           <a:lstStyle/>
           <a:p>
             <a:r>
-              <a:rPr lang="en-US" dirty="0" smtClean="0"/>
-              <a:t>Quarter 2 – Option 1: Performance Competition</a:t>
-            </a:r>
-            <a:endParaRPr lang="en-US" dirty="0"/>
+              <a:rPr lang="en-US" dirty="0"/>
+              <a:t>Quarter 2: Performance Competition</a:t>
+            </a:r>
           </a:p>
         </p:txBody>
       </p:sp>
@@ -3948,15 +3778,15 @@
               <a:lstStyle/>
               <a:p>
                 <a:r>
-                  <a:rPr lang="en-US" dirty="0" smtClean="0"/>
+                  <a:rPr lang="en-US" dirty="0"/>
                   <a:t>Competition: measure the distance of </a:t>
                 </a:r>
                 <a:r>
-                  <a:rPr lang="en-US" i="1" dirty="0" smtClean="0"/>
+                  <a:rPr lang="en-US" i="1" dirty="0"/>
                   <a:t>N</a:t>
                 </a:r>
                 <a:r>
-                  <a:rPr lang="en-US" dirty="0" smtClean="0"/>
+                  <a:rPr lang="en-US" dirty="0"/>
                   <a:t> targets with unknown positions</a:t>
                 </a:r>
               </a:p>
@@ -4289,16 +4119,15 @@
               <a:p>
                 <a:pPr lvl="1"/>
                 <a:r>
-                  <a:rPr lang="en-US" dirty="0" smtClean="0"/>
+                  <a:rPr lang="en-US" dirty="0"/>
                   <a:t>Bonus points will be given if signal processing is done on an embedded processing platform. </a:t>
                 </a:r>
               </a:p>
               <a:p>
                 <a:r>
-                  <a:rPr lang="en-US" dirty="0" smtClean="0"/>
+                  <a:rPr lang="en-US" dirty="0"/>
                   <a:t>More details may apply; will be announced later</a:t>
                 </a:r>
-                <a:endParaRPr lang="en-US" dirty="0"/>
               </a:p>
             </p:txBody>
           </p:sp>
@@ -4347,13 +4176,6 @@
   <p:clrMapOvr>
     <a:masterClrMapping/>
   </p:clrMapOvr>
-  <p:timing>
-    <p:tnLst>
-      <p:par>
-        <p:cTn id="1" dur="indefinite" restart="never" nodeType="tmRoot"/>
-      </p:par>
-    </p:tnLst>
-  </p:timing>
 </p:sld>
 </file>
 
@@ -4390,10 +4212,9 @@
           <a:lstStyle/>
           <a:p>
             <a:r>
-              <a:rPr lang="en-US" dirty="0" smtClean="0"/>
-              <a:t>Quarter 2 – Option 2: Radar for UAV</a:t>
-            </a:r>
-            <a:endParaRPr lang="en-US" dirty="0"/>
+              <a:rPr lang="en-US" dirty="0"/>
+              <a:t>Quarter 2 Deliverables</a:t>
+            </a:r>
           </a:p>
         </p:txBody>
       </p:sp>
@@ -4407,1103 +4228,78 @@
             <p:ph type="body" sz="quarter" idx="10"/>
           </p:nvPr>
         </p:nvSpPr>
-        <p:spPr>
-          <a:xfrm>
-            <a:off x="304801" y="933262"/>
-            <a:ext cx="4557220" cy="4335463"/>
-          </a:xfrm>
-        </p:spPr>
+        <p:spPr/>
         <p:txBody>
           <a:bodyPr/>
           <a:lstStyle/>
           <a:p>
             <a:r>
-              <a:rPr lang="en-US" dirty="0" smtClean="0"/>
-              <a:t>Small unmanned aerial  vehicles offer unique opportunities for high resolution remote sensing</a:t>
-            </a:r>
-          </a:p>
-          <a:p>
-            <a:r>
-              <a:rPr lang="en-US" dirty="0" smtClean="0"/>
-              <a:t>Small low-power radar are needed as remote sensors, as well as situation awareness sensors, for UAV platforms. </a:t>
-            </a:r>
-          </a:p>
-          <a:p>
-            <a:r>
-              <a:rPr lang="en-US" dirty="0" smtClean="0"/>
-              <a:t>Detailed specification will be announced in the middle of the quarter. </a:t>
-            </a:r>
+              <a:rPr lang="en-US" dirty="0"/>
+              <a:t>A final report per team/group:</a:t>
+            </a:r>
+          </a:p>
+          <a:p>
+            <a:pPr lvl="1"/>
+            <a:r>
+              <a:rPr lang="en-US" dirty="0"/>
+              <a:t>A final project report on the design, implementation, testing, and discussion of your system. Sufficient details must be provided so that any group of students of similar knowledge/background can reproduce what you have done. If certain parts or the whole of your system failed to function, you need to include significant discussion what went wrong. </a:t>
+            </a:r>
+          </a:p>
+          <a:p>
+            <a:pPr lvl="1"/>
+            <a:r>
+              <a:rPr lang="en-US" b="1" dirty="0"/>
+              <a:t>One</a:t>
+            </a:r>
+            <a:r>
+              <a:rPr lang="en-US" dirty="0"/>
+              <a:t> report is required for each team/group. Your design files (circuit schematics, CAD drawings, bill of materials, code) need to be submitted together with the report. </a:t>
+            </a:r>
+          </a:p>
+          <a:p>
+            <a:r>
+              <a:rPr lang="en-US" dirty="0"/>
+              <a:t>A technical note or application note per student:</a:t>
+            </a:r>
+          </a:p>
+          <a:p>
+            <a:pPr lvl="1"/>
+            <a:r>
+              <a:rPr lang="en-US" dirty="0"/>
+              <a:t>This note will discuss a particular subject that this student has worked on in this class. For example, if a student primarily worked on PCB design for the radar circuits, then it may be appropriate for him/her to write a note on how to do PCB design, the lessons he/she learned during the course of designing an actual PCB, and useful suggestions for future students.</a:t>
+            </a:r>
+          </a:p>
+          <a:p>
+            <a:r>
+              <a:rPr lang="en-US" dirty="0"/>
+              <a:t>A collection of past reports: </a:t>
+            </a:r>
+            <a:r>
+              <a:rPr lang="en-US" dirty="0">
+                <a:hlinkClick r:id="rId2"/>
+              </a:rPr>
+              <a:t>http://ucdart.github.io/education/eec134.html</a:t>
+            </a:r>
+            <a:r>
+              <a:rPr lang="en-US" dirty="0"/>
+              <a:t> </a:t>
+            </a:r>
+          </a:p>
+          <a:p>
             <a:endParaRPr lang="en-US" dirty="0"/>
           </a:p>
         </p:txBody>
       </p:sp>
-      <p:pic>
-        <p:nvPicPr>
-          <p:cNvPr id="4" name="Picture 2" descr="http://media.defenceindustrydaily.com/images/AIR_UAV_Global_Observer_CONOPS_lg.gif"/>
-          <p:cNvPicPr>
-            <a:picLocks noChangeAspect="1" noChangeArrowheads="1"/>
-          </p:cNvPicPr>
-          <p:nvPr/>
-        </p:nvPicPr>
-        <p:blipFill>
-          <a:blip r:embed="rId2" cstate="print">
-            <a:extLst>
-              <a:ext uri="{28A0092B-C50C-407E-A947-70E740481C1C}">
-                <a14:useLocalDpi xmlns:a14="http://schemas.microsoft.com/office/drawing/2010/main" val="0"/>
-              </a:ext>
-            </a:extLst>
-          </a:blip>
-          <a:srcRect/>
-          <a:stretch>
-            <a:fillRect/>
-          </a:stretch>
-        </p:blipFill>
-        <p:spPr bwMode="auto">
-          <a:xfrm>
-            <a:off x="5180572" y="1030420"/>
-            <a:ext cx="3428126" cy="2219830"/>
-          </a:xfrm>
-          <a:prstGeom prst="rect">
-            <a:avLst/>
-          </a:prstGeom>
-          <a:noFill/>
-          <a:extLst>
-            <a:ext uri="{909E8E84-426E-40DD-AFC4-6F175D3DCCD1}">
-              <a14:hiddenFill xmlns:a14="http://schemas.microsoft.com/office/drawing/2010/main">
-                <a:solidFill>
-                  <a:srgbClr val="FFFFFF"/>
-                </a:solidFill>
-              </a14:hiddenFill>
-            </a:ext>
-          </a:extLst>
-        </p:spPr>
-      </p:pic>
-      <p:grpSp>
-        <p:nvGrpSpPr>
-          <p:cNvPr id="5" name="Group 4"/>
-          <p:cNvGrpSpPr>
-            <a:grpSpLocks noChangeAspect="1"/>
-          </p:cNvGrpSpPr>
-          <p:nvPr/>
-        </p:nvGrpSpPr>
-        <p:grpSpPr>
-          <a:xfrm>
-            <a:off x="4610099" y="3561634"/>
-            <a:ext cx="4447015" cy="2783563"/>
-            <a:chOff x="4575260" y="3321465"/>
-            <a:chExt cx="3705846" cy="2319636"/>
-          </a:xfrm>
-        </p:grpSpPr>
-        <p:pic>
-          <p:nvPicPr>
-            <p:cNvPr id="6" name="Picture 6" descr="http://www.mdpi.com/remotesensing/remotesensing-06-00740/article_deploy/html/images/remotesensing-06-00740f1.png"/>
-            <p:cNvPicPr>
-              <a:picLocks noChangeAspect="1" noChangeArrowheads="1"/>
-            </p:cNvPicPr>
-            <p:nvPr/>
-          </p:nvPicPr>
-          <p:blipFill>
-            <a:blip r:embed="rId3" cstate="print">
-              <a:extLst>
-                <a:ext uri="{28A0092B-C50C-407E-A947-70E740481C1C}">
-                  <a14:useLocalDpi xmlns:a14="http://schemas.microsoft.com/office/drawing/2010/main" val="0"/>
-                </a:ext>
-              </a:extLst>
-            </a:blip>
-            <a:srcRect/>
-            <a:stretch>
-              <a:fillRect/>
-            </a:stretch>
-          </p:blipFill>
-          <p:spPr bwMode="auto">
-            <a:xfrm>
-              <a:off x="4575260" y="3382859"/>
-              <a:ext cx="3597625" cy="2258242"/>
-            </a:xfrm>
-            <a:prstGeom prst="rect">
-              <a:avLst/>
-            </a:prstGeom>
-            <a:noFill/>
-            <a:extLst>
-              <a:ext uri="{909E8E84-426E-40DD-AFC4-6F175D3DCCD1}">
-                <a14:hiddenFill xmlns:a14="http://schemas.microsoft.com/office/drawing/2010/main">
-                  <a:solidFill>
-                    <a:srgbClr val="FFFFFF"/>
-                  </a:solidFill>
-                </a14:hiddenFill>
-              </a:ext>
-            </a:extLst>
-          </p:spPr>
-        </p:pic>
-        <p:pic>
-          <p:nvPicPr>
-            <p:cNvPr id="7" name="Picture 4" descr="http://img.directindustry.com/images_di/photo-g/uavs-mini-100901-2965447.jpg"/>
-            <p:cNvPicPr>
-              <a:picLocks noChangeAspect="1" noChangeArrowheads="1"/>
-            </p:cNvPicPr>
-            <p:nvPr/>
-          </p:nvPicPr>
-          <p:blipFill rotWithShape="1">
-            <a:blip r:embed="rId4" cstate="print">
-              <a:extLst>
-                <a:ext uri="{28A0092B-C50C-407E-A947-70E740481C1C}">
-                  <a14:useLocalDpi xmlns:a14="http://schemas.microsoft.com/office/drawing/2010/main" val="0"/>
-                </a:ext>
-              </a:extLst>
-            </a:blip>
-            <a:srcRect l="4696" t="-5588" r="12049" b="13056"/>
-            <a:stretch/>
-          </p:blipFill>
-          <p:spPr bwMode="auto">
-            <a:xfrm>
-              <a:off x="4652048" y="3771516"/>
-              <a:ext cx="500489" cy="372004"/>
-            </a:xfrm>
-            <a:prstGeom prst="rect">
-              <a:avLst/>
-            </a:prstGeom>
-            <a:noFill/>
-            <a:extLst>
-              <a:ext uri="{909E8E84-426E-40DD-AFC4-6F175D3DCCD1}">
-                <a14:hiddenFill xmlns:a14="http://schemas.microsoft.com/office/drawing/2010/main">
-                  <a:solidFill>
-                    <a:srgbClr val="FFFFFF"/>
-                  </a:solidFill>
-                </a14:hiddenFill>
-              </a:ext>
-            </a:extLst>
-          </p:spPr>
-        </p:pic>
-        <p:sp>
-          <p:nvSpPr>
-            <p:cNvPr id="8" name="Rectangle 7"/>
-            <p:cNvSpPr/>
-            <p:nvPr/>
-          </p:nvSpPr>
-          <p:spPr bwMode="auto">
-            <a:xfrm>
-              <a:off x="4575260" y="3937770"/>
-              <a:ext cx="181467" cy="307878"/>
-            </a:xfrm>
-            <a:prstGeom prst="rect">
-              <a:avLst/>
-            </a:prstGeom>
-            <a:solidFill>
-              <a:schemeClr val="accent1"/>
-            </a:solidFill>
-            <a:ln w="9525" cap="flat" cmpd="sng" algn="ctr">
-              <a:noFill/>
-              <a:prstDash val="solid"/>
-              <a:round/>
-              <a:headEnd type="none" w="med" len="med"/>
-              <a:tailEnd type="none" w="med" len="med"/>
-            </a:ln>
-            <a:effectLst/>
-          </p:spPr>
-          <p:txBody>
-            <a:bodyPr vert="horz" wrap="square" lIns="91440" tIns="45720" rIns="91440" bIns="45720" numCol="1" rtlCol="0" anchor="t" anchorCtr="0" compatLnSpc="1">
-              <a:prstTxWarp prst="textNoShape">
-                <a:avLst/>
-              </a:prstTxWarp>
-            </a:bodyPr>
-            <a:lstStyle/>
-            <a:p>
-              <a:pPr marL="0" marR="0" indent="0" algn="l" defTabSz="914400" rtl="0" eaLnBrk="0" fontAlgn="base" latinLnBrk="0" hangingPunct="0">
-                <a:lnSpc>
-                  <a:spcPct val="100000"/>
-                </a:lnSpc>
-                <a:spcBef>
-                  <a:spcPct val="0"/>
-                </a:spcBef>
-                <a:spcAft>
-                  <a:spcPct val="0"/>
-                </a:spcAft>
-                <a:buClrTx/>
-                <a:buSzTx/>
-                <a:buFontTx/>
-                <a:buNone/>
-                <a:tabLst/>
-              </a:pPr>
-              <a:endParaRPr kumimoji="0" lang="en-US" sz="2400" b="0" i="0" u="none" strike="noStrike" cap="none" normalizeH="0" baseline="0" smtClean="0">
-                <a:ln>
-                  <a:noFill/>
-                </a:ln>
-                <a:solidFill>
-                  <a:schemeClr val="tx1"/>
-                </a:solidFill>
-                <a:effectLst/>
-                <a:latin typeface="Times" pitchFamily="1" charset="0"/>
-              </a:endParaRPr>
-            </a:p>
-          </p:txBody>
-        </p:sp>
-        <p:sp>
-          <p:nvSpPr>
-            <p:cNvPr id="9" name="Rectangle 8"/>
-            <p:cNvSpPr/>
-            <p:nvPr/>
-          </p:nvSpPr>
-          <p:spPr bwMode="auto">
-            <a:xfrm>
-              <a:off x="4634251" y="4098254"/>
-              <a:ext cx="301046" cy="98133"/>
-            </a:xfrm>
-            <a:prstGeom prst="rect">
-              <a:avLst/>
-            </a:prstGeom>
-            <a:solidFill>
-              <a:schemeClr val="accent1"/>
-            </a:solidFill>
-            <a:ln w="9525" cap="flat" cmpd="sng" algn="ctr">
-              <a:noFill/>
-              <a:prstDash val="solid"/>
-              <a:round/>
-              <a:headEnd type="none" w="med" len="med"/>
-              <a:tailEnd type="none" w="med" len="med"/>
-            </a:ln>
-            <a:effectLst/>
-          </p:spPr>
-          <p:txBody>
-            <a:bodyPr vert="horz" wrap="square" lIns="91440" tIns="45720" rIns="91440" bIns="45720" numCol="1" rtlCol="0" anchor="t" anchorCtr="0" compatLnSpc="1">
-              <a:prstTxWarp prst="textNoShape">
-                <a:avLst/>
-              </a:prstTxWarp>
-            </a:bodyPr>
-            <a:lstStyle/>
-            <a:p>
-              <a:pPr marL="0" marR="0" indent="0" algn="l" defTabSz="914400" rtl="0" eaLnBrk="0" fontAlgn="base" latinLnBrk="0" hangingPunct="0">
-                <a:lnSpc>
-                  <a:spcPct val="100000"/>
-                </a:lnSpc>
-                <a:spcBef>
-                  <a:spcPct val="0"/>
-                </a:spcBef>
-                <a:spcAft>
-                  <a:spcPct val="0"/>
-                </a:spcAft>
-                <a:buClrTx/>
-                <a:buSzTx/>
-                <a:buFontTx/>
-                <a:buNone/>
-                <a:tabLst/>
-              </a:pPr>
-              <a:endParaRPr kumimoji="0" lang="en-US" sz="2400" b="0" i="0" u="none" strike="noStrike" cap="none" normalizeH="0" baseline="0" smtClean="0">
-                <a:ln>
-                  <a:noFill/>
-                </a:ln>
-                <a:solidFill>
-                  <a:schemeClr val="tx1"/>
-                </a:solidFill>
-                <a:effectLst/>
-                <a:latin typeface="Times" pitchFamily="1" charset="0"/>
-              </a:endParaRPr>
-            </a:p>
-          </p:txBody>
-        </p:sp>
-        <p:sp>
-          <p:nvSpPr>
-            <p:cNvPr id="10" name="Rectangle 9"/>
-            <p:cNvSpPr/>
-            <p:nvPr/>
-          </p:nvSpPr>
-          <p:spPr bwMode="auto">
-            <a:xfrm>
-              <a:off x="5151739" y="3834904"/>
-              <a:ext cx="301046" cy="285983"/>
-            </a:xfrm>
-            <a:prstGeom prst="rect">
-              <a:avLst/>
-            </a:prstGeom>
-            <a:solidFill>
-              <a:schemeClr val="accent1"/>
-            </a:solidFill>
-            <a:ln w="9525" cap="flat" cmpd="sng" algn="ctr">
-              <a:noFill/>
-              <a:prstDash val="solid"/>
-              <a:round/>
-              <a:headEnd type="none" w="med" len="med"/>
-              <a:tailEnd type="none" w="med" len="med"/>
-            </a:ln>
-            <a:effectLst/>
-          </p:spPr>
-          <p:txBody>
-            <a:bodyPr vert="horz" wrap="square" lIns="91440" tIns="45720" rIns="91440" bIns="45720" numCol="1" rtlCol="0" anchor="t" anchorCtr="0" compatLnSpc="1">
-              <a:prstTxWarp prst="textNoShape">
-                <a:avLst/>
-              </a:prstTxWarp>
-            </a:bodyPr>
-            <a:lstStyle/>
-            <a:p>
-              <a:pPr marL="0" marR="0" indent="0" algn="l" defTabSz="914400" rtl="0" eaLnBrk="0" fontAlgn="base" latinLnBrk="0" hangingPunct="0">
-                <a:lnSpc>
-                  <a:spcPct val="100000"/>
-                </a:lnSpc>
-                <a:spcBef>
-                  <a:spcPct val="0"/>
-                </a:spcBef>
-                <a:spcAft>
-                  <a:spcPct val="0"/>
-                </a:spcAft>
-                <a:buClrTx/>
-                <a:buSzTx/>
-                <a:buFontTx/>
-                <a:buNone/>
-                <a:tabLst/>
-              </a:pPr>
-              <a:endParaRPr kumimoji="0" lang="en-US" sz="2400" b="0" i="0" u="none" strike="noStrike" cap="none" normalizeH="0" baseline="0" smtClean="0">
-                <a:ln>
-                  <a:noFill/>
-                </a:ln>
-                <a:solidFill>
-                  <a:schemeClr val="tx1"/>
-                </a:solidFill>
-                <a:effectLst/>
-                <a:latin typeface="Times" pitchFamily="1" charset="0"/>
-              </a:endParaRPr>
-            </a:p>
-          </p:txBody>
-        </p:sp>
-        <p:pic>
-          <p:nvPicPr>
-            <p:cNvPr id="11" name="Picture 4" descr="http://img.directindustry.com/images_di/photo-g/uavs-mini-100901-2965447.jpg"/>
-            <p:cNvPicPr>
-              <a:picLocks noChangeAspect="1" noChangeArrowheads="1"/>
-            </p:cNvPicPr>
-            <p:nvPr/>
-          </p:nvPicPr>
-          <p:blipFill rotWithShape="1">
-            <a:blip r:embed="rId5" cstate="print">
-              <a:extLst>
-                <a:ext uri="{28A0092B-C50C-407E-A947-70E740481C1C}">
-                  <a14:useLocalDpi xmlns:a14="http://schemas.microsoft.com/office/drawing/2010/main" val="0"/>
-                </a:ext>
-              </a:extLst>
-            </a:blip>
-            <a:srcRect l="16829" t="10180" r="12050" b="13056"/>
-            <a:stretch/>
-          </p:blipFill>
-          <p:spPr bwMode="auto">
-            <a:xfrm>
-              <a:off x="5452785" y="3439279"/>
-              <a:ext cx="427552" cy="308615"/>
-            </a:xfrm>
-            <a:prstGeom prst="rect">
-              <a:avLst/>
-            </a:prstGeom>
-            <a:noFill/>
-            <a:extLst>
-              <a:ext uri="{909E8E84-426E-40DD-AFC4-6F175D3DCCD1}">
-                <a14:hiddenFill xmlns:a14="http://schemas.microsoft.com/office/drawing/2010/main">
-                  <a:solidFill>
-                    <a:srgbClr val="FFFFFF"/>
-                  </a:solidFill>
-                </a14:hiddenFill>
-              </a:ext>
-            </a:extLst>
-          </p:spPr>
-        </p:pic>
-        <p:sp>
-          <p:nvSpPr>
-            <p:cNvPr id="12" name="Rectangle 11"/>
-            <p:cNvSpPr/>
-            <p:nvPr/>
-          </p:nvSpPr>
-          <p:spPr bwMode="auto">
-            <a:xfrm>
-              <a:off x="4677323" y="3691466"/>
-              <a:ext cx="282604" cy="122787"/>
-            </a:xfrm>
-            <a:prstGeom prst="rect">
-              <a:avLst/>
-            </a:prstGeom>
-            <a:solidFill>
-              <a:schemeClr val="accent1"/>
-            </a:solidFill>
-            <a:ln w="9525" cap="flat" cmpd="sng" algn="ctr">
-              <a:noFill/>
-              <a:prstDash val="solid"/>
-              <a:round/>
-              <a:headEnd type="none" w="med" len="med"/>
-              <a:tailEnd type="none" w="med" len="med"/>
-            </a:ln>
-            <a:effectLst/>
-          </p:spPr>
-          <p:txBody>
-            <a:bodyPr vert="horz" wrap="square" lIns="91440" tIns="45720" rIns="91440" bIns="45720" numCol="1" rtlCol="0" anchor="t" anchorCtr="0" compatLnSpc="1">
-              <a:prstTxWarp prst="textNoShape">
-                <a:avLst/>
-              </a:prstTxWarp>
-            </a:bodyPr>
-            <a:lstStyle/>
-            <a:p>
-              <a:pPr marL="0" marR="0" indent="0" algn="l" defTabSz="914400" rtl="0" eaLnBrk="0" fontAlgn="base" latinLnBrk="0" hangingPunct="0">
-                <a:lnSpc>
-                  <a:spcPct val="100000"/>
-                </a:lnSpc>
-                <a:spcBef>
-                  <a:spcPct val="0"/>
-                </a:spcBef>
-                <a:spcAft>
-                  <a:spcPct val="0"/>
-                </a:spcAft>
-                <a:buClrTx/>
-                <a:buSzTx/>
-                <a:buFontTx/>
-                <a:buNone/>
-                <a:tabLst/>
-              </a:pPr>
-              <a:endParaRPr kumimoji="0" lang="en-US" sz="2400" b="0" i="0" u="none" strike="noStrike" cap="none" normalizeH="0" baseline="0" smtClean="0">
-                <a:ln>
-                  <a:noFill/>
-                </a:ln>
-                <a:solidFill>
-                  <a:schemeClr val="tx1"/>
-                </a:solidFill>
-                <a:effectLst/>
-                <a:latin typeface="Times" pitchFamily="1" charset="0"/>
-              </a:endParaRPr>
-            </a:p>
-          </p:txBody>
-        </p:sp>
-        <p:sp>
-          <p:nvSpPr>
-            <p:cNvPr id="13" name="Rectangle 12"/>
-            <p:cNvSpPr/>
-            <p:nvPr/>
-          </p:nvSpPr>
-          <p:spPr bwMode="auto">
-            <a:xfrm>
-              <a:off x="5452785" y="3321465"/>
-              <a:ext cx="282604" cy="122787"/>
-            </a:xfrm>
-            <a:prstGeom prst="rect">
-              <a:avLst/>
-            </a:prstGeom>
-            <a:solidFill>
-              <a:schemeClr val="accent1"/>
-            </a:solidFill>
-            <a:ln w="9525" cap="flat" cmpd="sng" algn="ctr">
-              <a:noFill/>
-              <a:prstDash val="solid"/>
-              <a:round/>
-              <a:headEnd type="none" w="med" len="med"/>
-              <a:tailEnd type="none" w="med" len="med"/>
-            </a:ln>
-            <a:effectLst/>
-          </p:spPr>
-          <p:txBody>
-            <a:bodyPr vert="horz" wrap="square" lIns="91440" tIns="45720" rIns="91440" bIns="45720" numCol="1" rtlCol="0" anchor="t" anchorCtr="0" compatLnSpc="1">
-              <a:prstTxWarp prst="textNoShape">
-                <a:avLst/>
-              </a:prstTxWarp>
-            </a:bodyPr>
-            <a:lstStyle/>
-            <a:p>
-              <a:pPr marL="0" marR="0" indent="0" algn="l" defTabSz="914400" rtl="0" eaLnBrk="0" fontAlgn="base" latinLnBrk="0" hangingPunct="0">
-                <a:lnSpc>
-                  <a:spcPct val="100000"/>
-                </a:lnSpc>
-                <a:spcBef>
-                  <a:spcPct val="0"/>
-                </a:spcBef>
-                <a:spcAft>
-                  <a:spcPct val="0"/>
-                </a:spcAft>
-                <a:buClrTx/>
-                <a:buSzTx/>
-                <a:buFontTx/>
-                <a:buNone/>
-                <a:tabLst/>
-              </a:pPr>
-              <a:endParaRPr kumimoji="0" lang="en-US" sz="2400" b="0" i="0" u="none" strike="noStrike" cap="none" normalizeH="0" baseline="0" smtClean="0">
-                <a:ln>
-                  <a:noFill/>
-                </a:ln>
-                <a:solidFill>
-                  <a:schemeClr val="tx1"/>
-                </a:solidFill>
-                <a:effectLst/>
-                <a:latin typeface="Times" pitchFamily="1" charset="0"/>
-              </a:endParaRPr>
-            </a:p>
-          </p:txBody>
-        </p:sp>
-        <p:sp>
-          <p:nvSpPr>
-            <p:cNvPr id="14" name="Rectangle 13"/>
-            <p:cNvSpPr/>
-            <p:nvPr/>
-          </p:nvSpPr>
-          <p:spPr bwMode="auto">
-            <a:xfrm>
-              <a:off x="5310909" y="3734818"/>
-              <a:ext cx="359116" cy="98133"/>
-            </a:xfrm>
-            <a:prstGeom prst="rect">
-              <a:avLst/>
-            </a:prstGeom>
-            <a:solidFill>
-              <a:schemeClr val="accent1"/>
-            </a:solidFill>
-            <a:ln w="9525" cap="flat" cmpd="sng" algn="ctr">
-              <a:noFill/>
-              <a:prstDash val="solid"/>
-              <a:round/>
-              <a:headEnd type="none" w="med" len="med"/>
-              <a:tailEnd type="none" w="med" len="med"/>
-            </a:ln>
-            <a:effectLst/>
-          </p:spPr>
-          <p:txBody>
-            <a:bodyPr vert="horz" wrap="square" lIns="91440" tIns="45720" rIns="91440" bIns="45720" numCol="1" rtlCol="0" anchor="t" anchorCtr="0" compatLnSpc="1">
-              <a:prstTxWarp prst="textNoShape">
-                <a:avLst/>
-              </a:prstTxWarp>
-            </a:bodyPr>
-            <a:lstStyle/>
-            <a:p>
-              <a:pPr marL="0" marR="0" indent="0" algn="l" defTabSz="914400" rtl="0" eaLnBrk="0" fontAlgn="base" latinLnBrk="0" hangingPunct="0">
-                <a:lnSpc>
-                  <a:spcPct val="100000"/>
-                </a:lnSpc>
-                <a:spcBef>
-                  <a:spcPct val="0"/>
-                </a:spcBef>
-                <a:spcAft>
-                  <a:spcPct val="0"/>
-                </a:spcAft>
-                <a:buClrTx/>
-                <a:buSzTx/>
-                <a:buFontTx/>
-                <a:buNone/>
-                <a:tabLst/>
-              </a:pPr>
-              <a:endParaRPr kumimoji="0" lang="en-US" sz="2400" b="0" i="0" u="none" strike="noStrike" cap="none" normalizeH="0" baseline="0" smtClean="0">
-                <a:ln>
-                  <a:noFill/>
-                </a:ln>
-                <a:solidFill>
-                  <a:schemeClr val="tx1"/>
-                </a:solidFill>
-                <a:effectLst/>
-                <a:latin typeface="Times" pitchFamily="1" charset="0"/>
-              </a:endParaRPr>
-            </a:p>
-          </p:txBody>
-        </p:sp>
-        <p:sp>
-          <p:nvSpPr>
-            <p:cNvPr id="15" name="Rectangle 14"/>
-            <p:cNvSpPr/>
-            <p:nvPr/>
-          </p:nvSpPr>
-          <p:spPr bwMode="auto">
-            <a:xfrm>
-              <a:off x="5295428" y="3588419"/>
-              <a:ext cx="181467" cy="307878"/>
-            </a:xfrm>
-            <a:prstGeom prst="rect">
-              <a:avLst/>
-            </a:prstGeom>
-            <a:solidFill>
-              <a:schemeClr val="accent1"/>
-            </a:solidFill>
-            <a:ln w="9525" cap="flat" cmpd="sng" algn="ctr">
-              <a:noFill/>
-              <a:prstDash val="solid"/>
-              <a:round/>
-              <a:headEnd type="none" w="med" len="med"/>
-              <a:tailEnd type="none" w="med" len="med"/>
-            </a:ln>
-            <a:effectLst/>
-          </p:spPr>
-          <p:txBody>
-            <a:bodyPr vert="horz" wrap="square" lIns="91440" tIns="45720" rIns="91440" bIns="45720" numCol="1" rtlCol="0" anchor="t" anchorCtr="0" compatLnSpc="1">
-              <a:prstTxWarp prst="textNoShape">
-                <a:avLst/>
-              </a:prstTxWarp>
-            </a:bodyPr>
-            <a:lstStyle/>
-            <a:p>
-              <a:pPr marL="0" marR="0" indent="0" algn="l" defTabSz="914400" rtl="0" eaLnBrk="0" fontAlgn="base" latinLnBrk="0" hangingPunct="0">
-                <a:lnSpc>
-                  <a:spcPct val="100000"/>
-                </a:lnSpc>
-                <a:spcBef>
-                  <a:spcPct val="0"/>
-                </a:spcBef>
-                <a:spcAft>
-                  <a:spcPct val="0"/>
-                </a:spcAft>
-                <a:buClrTx/>
-                <a:buSzTx/>
-                <a:buFontTx/>
-                <a:buNone/>
-                <a:tabLst/>
-              </a:pPr>
-              <a:endParaRPr kumimoji="0" lang="en-US" sz="2400" b="0" i="0" u="none" strike="noStrike" cap="none" normalizeH="0" baseline="0" smtClean="0">
-                <a:ln>
-                  <a:noFill/>
-                </a:ln>
-                <a:solidFill>
-                  <a:schemeClr val="tx1"/>
-                </a:solidFill>
-                <a:effectLst/>
-                <a:latin typeface="Times" pitchFamily="1" charset="0"/>
-              </a:endParaRPr>
-            </a:p>
-          </p:txBody>
-        </p:sp>
-        <p:sp>
-          <p:nvSpPr>
-            <p:cNvPr id="16" name="Rectangle 15"/>
-            <p:cNvSpPr/>
-            <p:nvPr/>
-          </p:nvSpPr>
-          <p:spPr bwMode="auto">
-            <a:xfrm>
-              <a:off x="5880337" y="3426940"/>
-              <a:ext cx="221597" cy="307878"/>
-            </a:xfrm>
-            <a:prstGeom prst="rect">
-              <a:avLst/>
-            </a:prstGeom>
-            <a:solidFill>
-              <a:schemeClr val="accent1"/>
-            </a:solidFill>
-            <a:ln w="9525" cap="flat" cmpd="sng" algn="ctr">
-              <a:noFill/>
-              <a:prstDash val="solid"/>
-              <a:round/>
-              <a:headEnd type="none" w="med" len="med"/>
-              <a:tailEnd type="none" w="med" len="med"/>
-            </a:ln>
-            <a:effectLst/>
-          </p:spPr>
-          <p:txBody>
-            <a:bodyPr vert="horz" wrap="square" lIns="91440" tIns="45720" rIns="91440" bIns="45720" numCol="1" rtlCol="0" anchor="t" anchorCtr="0" compatLnSpc="1">
-              <a:prstTxWarp prst="textNoShape">
-                <a:avLst/>
-              </a:prstTxWarp>
-            </a:bodyPr>
-            <a:lstStyle/>
-            <a:p>
-              <a:pPr marL="0" marR="0" indent="0" algn="l" defTabSz="914400" rtl="0" eaLnBrk="0" fontAlgn="base" latinLnBrk="0" hangingPunct="0">
-                <a:lnSpc>
-                  <a:spcPct val="100000"/>
-                </a:lnSpc>
-                <a:spcBef>
-                  <a:spcPct val="0"/>
-                </a:spcBef>
-                <a:spcAft>
-                  <a:spcPct val="0"/>
-                </a:spcAft>
-                <a:buClrTx/>
-                <a:buSzTx/>
-                <a:buFontTx/>
-                <a:buNone/>
-                <a:tabLst/>
-              </a:pPr>
-              <a:endParaRPr kumimoji="0" lang="en-US" sz="2400" b="0" i="0" u="none" strike="noStrike" cap="none" normalizeH="0" baseline="0" smtClean="0">
-                <a:ln>
-                  <a:noFill/>
-                </a:ln>
-                <a:solidFill>
-                  <a:schemeClr val="tx1"/>
-                </a:solidFill>
-                <a:effectLst/>
-                <a:latin typeface="Times" pitchFamily="1" charset="0"/>
-              </a:endParaRPr>
-            </a:p>
-          </p:txBody>
-        </p:sp>
-        <p:pic>
-          <p:nvPicPr>
-            <p:cNvPr id="17" name="Picture 4" descr="http://img.directindustry.com/images_di/photo-g/uavs-mini-100901-2965447.jpg"/>
-            <p:cNvPicPr>
-              <a:picLocks noChangeAspect="1" noChangeArrowheads="1"/>
-            </p:cNvPicPr>
-            <p:nvPr/>
-          </p:nvPicPr>
-          <p:blipFill rotWithShape="1">
-            <a:blip r:embed="rId5" cstate="print">
-              <a:extLst>
-                <a:ext uri="{28A0092B-C50C-407E-A947-70E740481C1C}">
-                  <a14:useLocalDpi xmlns:a14="http://schemas.microsoft.com/office/drawing/2010/main" val="0"/>
-                </a:ext>
-              </a:extLst>
-            </a:blip>
-            <a:srcRect l="16829" t="10180" r="12050" b="13056"/>
-            <a:stretch/>
-          </p:blipFill>
-          <p:spPr bwMode="auto">
-            <a:xfrm>
-              <a:off x="6246882" y="3580510"/>
-              <a:ext cx="427552" cy="308615"/>
-            </a:xfrm>
-            <a:prstGeom prst="rect">
-              <a:avLst/>
-            </a:prstGeom>
-            <a:noFill/>
-            <a:extLst>
-              <a:ext uri="{909E8E84-426E-40DD-AFC4-6F175D3DCCD1}">
-                <a14:hiddenFill xmlns:a14="http://schemas.microsoft.com/office/drawing/2010/main">
-                  <a:solidFill>
-                    <a:srgbClr val="FFFFFF"/>
-                  </a:solidFill>
-                </a14:hiddenFill>
-              </a:ext>
-            </a:extLst>
-          </p:spPr>
-        </p:pic>
-        <p:pic>
-          <p:nvPicPr>
-            <p:cNvPr id="18" name="Picture 4" descr="http://img.directindustry.com/images_di/photo-g/uavs-mini-100901-2965447.jpg"/>
-            <p:cNvPicPr>
-              <a:picLocks noChangeAspect="1" noChangeArrowheads="1"/>
-            </p:cNvPicPr>
-            <p:nvPr/>
-          </p:nvPicPr>
-          <p:blipFill rotWithShape="1">
-            <a:blip r:embed="rId5" cstate="print">
-              <a:extLst>
-                <a:ext uri="{28A0092B-C50C-407E-A947-70E740481C1C}">
-                  <a14:useLocalDpi xmlns:a14="http://schemas.microsoft.com/office/drawing/2010/main" val="0"/>
-                </a:ext>
-              </a:extLst>
-            </a:blip>
-            <a:srcRect l="16829" t="10180" r="12050" b="13056"/>
-            <a:stretch/>
-          </p:blipFill>
-          <p:spPr bwMode="auto">
-            <a:xfrm>
-              <a:off x="7477088" y="3425771"/>
-              <a:ext cx="427552" cy="308615"/>
-            </a:xfrm>
-            <a:prstGeom prst="rect">
-              <a:avLst/>
-            </a:prstGeom>
-            <a:noFill/>
-            <a:extLst>
-              <a:ext uri="{909E8E84-426E-40DD-AFC4-6F175D3DCCD1}">
-                <a14:hiddenFill xmlns:a14="http://schemas.microsoft.com/office/drawing/2010/main">
-                  <a:solidFill>
-                    <a:srgbClr val="FFFFFF"/>
-                  </a:solidFill>
-                </a14:hiddenFill>
-              </a:ext>
-            </a:extLst>
-          </p:spPr>
-        </p:pic>
-        <p:sp>
-          <p:nvSpPr>
-            <p:cNvPr id="19" name="Rectangle 18"/>
-            <p:cNvSpPr/>
-            <p:nvPr/>
-          </p:nvSpPr>
-          <p:spPr bwMode="auto">
-            <a:xfrm>
-              <a:off x="7542587" y="3734386"/>
-              <a:ext cx="301046" cy="98133"/>
-            </a:xfrm>
-            <a:prstGeom prst="rect">
-              <a:avLst/>
-            </a:prstGeom>
-            <a:solidFill>
-              <a:schemeClr val="accent1"/>
-            </a:solidFill>
-            <a:ln w="9525" cap="flat" cmpd="sng" algn="ctr">
-              <a:noFill/>
-              <a:prstDash val="solid"/>
-              <a:round/>
-              <a:headEnd type="none" w="med" len="med"/>
-              <a:tailEnd type="none" w="med" len="med"/>
-            </a:ln>
-            <a:effectLst/>
-          </p:spPr>
-          <p:txBody>
-            <a:bodyPr vert="horz" wrap="square" lIns="91440" tIns="45720" rIns="91440" bIns="45720" numCol="1" rtlCol="0" anchor="t" anchorCtr="0" compatLnSpc="1">
-              <a:prstTxWarp prst="textNoShape">
-                <a:avLst/>
-              </a:prstTxWarp>
-            </a:bodyPr>
-            <a:lstStyle/>
-            <a:p>
-              <a:pPr marL="0" marR="0" indent="0" algn="l" defTabSz="914400" rtl="0" eaLnBrk="0" fontAlgn="base" latinLnBrk="0" hangingPunct="0">
-                <a:lnSpc>
-                  <a:spcPct val="100000"/>
-                </a:lnSpc>
-                <a:spcBef>
-                  <a:spcPct val="0"/>
-                </a:spcBef>
-                <a:spcAft>
-                  <a:spcPct val="0"/>
-                </a:spcAft>
-                <a:buClrTx/>
-                <a:buSzTx/>
-                <a:buFontTx/>
-                <a:buNone/>
-                <a:tabLst/>
-              </a:pPr>
-              <a:endParaRPr kumimoji="0" lang="en-US" sz="2400" b="0" i="0" u="none" strike="noStrike" cap="none" normalizeH="0" baseline="0" smtClean="0">
-                <a:ln>
-                  <a:noFill/>
-                </a:ln>
-                <a:solidFill>
-                  <a:schemeClr val="tx1"/>
-                </a:solidFill>
-                <a:effectLst/>
-                <a:latin typeface="Times" pitchFamily="1" charset="0"/>
-              </a:endParaRPr>
-            </a:p>
-          </p:txBody>
-        </p:sp>
-        <p:pic>
-          <p:nvPicPr>
-            <p:cNvPr id="20" name="Picture 4" descr="http://img.directindustry.com/images_di/photo-g/uavs-mini-100901-2965447.jpg"/>
-            <p:cNvPicPr>
-              <a:picLocks noChangeAspect="1" noChangeArrowheads="1"/>
-            </p:cNvPicPr>
-            <p:nvPr/>
-          </p:nvPicPr>
-          <p:blipFill rotWithShape="1">
-            <a:blip r:embed="rId5" cstate="print">
-              <a:extLst>
-                <a:ext uri="{28A0092B-C50C-407E-A947-70E740481C1C}">
-                  <a14:useLocalDpi xmlns:a14="http://schemas.microsoft.com/office/drawing/2010/main" val="0"/>
-                </a:ext>
-              </a:extLst>
-            </a:blip>
-            <a:srcRect l="16829" t="10180" r="12050" b="13056"/>
-            <a:stretch/>
-          </p:blipFill>
-          <p:spPr bwMode="auto">
-            <a:xfrm>
-              <a:off x="7853554" y="3973445"/>
-              <a:ext cx="427552" cy="308615"/>
-            </a:xfrm>
-            <a:prstGeom prst="rect">
-              <a:avLst/>
-            </a:prstGeom>
-            <a:noFill/>
-            <a:extLst>
-              <a:ext uri="{909E8E84-426E-40DD-AFC4-6F175D3DCCD1}">
-                <a14:hiddenFill xmlns:a14="http://schemas.microsoft.com/office/drawing/2010/main">
-                  <a:solidFill>
-                    <a:srgbClr val="FFFFFF"/>
-                  </a:solidFill>
-                </a14:hiddenFill>
-              </a:ext>
-            </a:extLst>
-          </p:spPr>
-        </p:pic>
-        <p:sp>
-          <p:nvSpPr>
-            <p:cNvPr id="21" name="Rectangle 20"/>
-            <p:cNvSpPr/>
-            <p:nvPr/>
-          </p:nvSpPr>
-          <p:spPr bwMode="auto">
-            <a:xfrm>
-              <a:off x="7786255" y="3944315"/>
-              <a:ext cx="85091" cy="307878"/>
-            </a:xfrm>
-            <a:prstGeom prst="rect">
-              <a:avLst/>
-            </a:prstGeom>
-            <a:solidFill>
-              <a:schemeClr val="accent1"/>
-            </a:solidFill>
-            <a:ln w="9525" cap="flat" cmpd="sng" algn="ctr">
-              <a:noFill/>
-              <a:prstDash val="solid"/>
-              <a:round/>
-              <a:headEnd type="none" w="med" len="med"/>
-              <a:tailEnd type="none" w="med" len="med"/>
-            </a:ln>
-            <a:effectLst/>
-          </p:spPr>
-          <p:txBody>
-            <a:bodyPr vert="horz" wrap="square" lIns="91440" tIns="45720" rIns="91440" bIns="45720" numCol="1" rtlCol="0" anchor="t" anchorCtr="0" compatLnSpc="1">
-              <a:prstTxWarp prst="textNoShape">
-                <a:avLst/>
-              </a:prstTxWarp>
-            </a:bodyPr>
-            <a:lstStyle/>
-            <a:p>
-              <a:pPr marL="0" marR="0" indent="0" algn="l" defTabSz="914400" rtl="0" eaLnBrk="0" fontAlgn="base" latinLnBrk="0" hangingPunct="0">
-                <a:lnSpc>
-                  <a:spcPct val="100000"/>
-                </a:lnSpc>
-                <a:spcBef>
-                  <a:spcPct val="0"/>
-                </a:spcBef>
-                <a:spcAft>
-                  <a:spcPct val="0"/>
-                </a:spcAft>
-                <a:buClrTx/>
-                <a:buSzTx/>
-                <a:buFontTx/>
-                <a:buNone/>
-                <a:tabLst/>
-              </a:pPr>
-              <a:endParaRPr kumimoji="0" lang="en-US" sz="2400" b="0" i="0" u="none" strike="noStrike" cap="none" normalizeH="0" baseline="0" smtClean="0">
-                <a:ln>
-                  <a:noFill/>
-                </a:ln>
-                <a:solidFill>
-                  <a:schemeClr val="tx1"/>
-                </a:solidFill>
-                <a:effectLst/>
-                <a:latin typeface="Times" pitchFamily="1" charset="0"/>
-              </a:endParaRPr>
-            </a:p>
-          </p:txBody>
-        </p:sp>
-        <p:sp>
-          <p:nvSpPr>
-            <p:cNvPr id="22" name="Rectangle 21"/>
-            <p:cNvSpPr/>
-            <p:nvPr/>
-          </p:nvSpPr>
-          <p:spPr bwMode="auto">
-            <a:xfrm>
-              <a:off x="7843633" y="4262123"/>
-              <a:ext cx="301046" cy="98133"/>
-            </a:xfrm>
-            <a:prstGeom prst="rect">
-              <a:avLst/>
-            </a:prstGeom>
-            <a:solidFill>
-              <a:schemeClr val="accent1"/>
-            </a:solidFill>
-            <a:ln w="9525" cap="flat" cmpd="sng" algn="ctr">
-              <a:noFill/>
-              <a:prstDash val="solid"/>
-              <a:round/>
-              <a:headEnd type="none" w="med" len="med"/>
-              <a:tailEnd type="none" w="med" len="med"/>
-            </a:ln>
-            <a:effectLst/>
-          </p:spPr>
-          <p:txBody>
-            <a:bodyPr vert="horz" wrap="square" lIns="91440" tIns="45720" rIns="91440" bIns="45720" numCol="1" rtlCol="0" anchor="t" anchorCtr="0" compatLnSpc="1">
-              <a:prstTxWarp prst="textNoShape">
-                <a:avLst/>
-              </a:prstTxWarp>
-            </a:bodyPr>
-            <a:lstStyle/>
-            <a:p>
-              <a:pPr marL="0" marR="0" indent="0" algn="l" defTabSz="914400" rtl="0" eaLnBrk="0" fontAlgn="base" latinLnBrk="0" hangingPunct="0">
-                <a:lnSpc>
-                  <a:spcPct val="100000"/>
-                </a:lnSpc>
-                <a:spcBef>
-                  <a:spcPct val="0"/>
-                </a:spcBef>
-                <a:spcAft>
-                  <a:spcPct val="0"/>
-                </a:spcAft>
-                <a:buClrTx/>
-                <a:buSzTx/>
-                <a:buFontTx/>
-                <a:buNone/>
-                <a:tabLst/>
-              </a:pPr>
-              <a:endParaRPr kumimoji="0" lang="en-US" sz="2400" b="0" i="0" u="none" strike="noStrike" cap="none" normalizeH="0" baseline="0" smtClean="0">
-                <a:ln>
-                  <a:noFill/>
-                </a:ln>
-                <a:solidFill>
-                  <a:schemeClr val="tx1"/>
-                </a:solidFill>
-                <a:effectLst/>
-                <a:latin typeface="Times" pitchFamily="1" charset="0"/>
-              </a:endParaRPr>
-            </a:p>
-          </p:txBody>
-        </p:sp>
-        <p:sp>
-          <p:nvSpPr>
-            <p:cNvPr id="23" name="Rectangle 22"/>
-            <p:cNvSpPr/>
-            <p:nvPr/>
-          </p:nvSpPr>
-          <p:spPr bwMode="auto">
-            <a:xfrm>
-              <a:off x="7635731" y="4521671"/>
-              <a:ext cx="508947" cy="253529"/>
-            </a:xfrm>
-            <a:prstGeom prst="rect">
-              <a:avLst/>
-            </a:prstGeom>
-            <a:solidFill>
-              <a:schemeClr val="accent1"/>
-            </a:solidFill>
-            <a:ln w="9525" cap="flat" cmpd="sng" algn="ctr">
-              <a:noFill/>
-              <a:prstDash val="solid"/>
-              <a:round/>
-              <a:headEnd type="none" w="med" len="med"/>
-              <a:tailEnd type="none" w="med" len="med"/>
-            </a:ln>
-            <a:effectLst/>
-          </p:spPr>
-          <p:txBody>
-            <a:bodyPr vert="horz" wrap="square" lIns="91440" tIns="45720" rIns="91440" bIns="45720" numCol="1" rtlCol="0" anchor="t" anchorCtr="0" compatLnSpc="1">
-              <a:prstTxWarp prst="textNoShape">
-                <a:avLst/>
-              </a:prstTxWarp>
-            </a:bodyPr>
-            <a:lstStyle/>
-            <a:p>
-              <a:pPr marL="0" marR="0" indent="0" algn="l" defTabSz="914400" rtl="0" eaLnBrk="0" fontAlgn="base" latinLnBrk="0" hangingPunct="0">
-                <a:lnSpc>
-                  <a:spcPct val="100000"/>
-                </a:lnSpc>
-                <a:spcBef>
-                  <a:spcPct val="0"/>
-                </a:spcBef>
-                <a:spcAft>
-                  <a:spcPct val="0"/>
-                </a:spcAft>
-                <a:buClrTx/>
-                <a:buSzTx/>
-                <a:buFontTx/>
-                <a:buNone/>
-                <a:tabLst/>
-              </a:pPr>
-              <a:endParaRPr kumimoji="0" lang="en-US" sz="2400" b="0" i="0" u="none" strike="noStrike" cap="none" normalizeH="0" baseline="0" smtClean="0">
-                <a:ln>
-                  <a:noFill/>
-                </a:ln>
-                <a:solidFill>
-                  <a:schemeClr val="tx1"/>
-                </a:solidFill>
-                <a:effectLst/>
-                <a:latin typeface="Times" pitchFamily="1" charset="0"/>
-              </a:endParaRPr>
-            </a:p>
-          </p:txBody>
-        </p:sp>
-      </p:grpSp>
     </p:spTree>
     <p:extLst>
       <p:ext uri="{BB962C8B-B14F-4D97-AF65-F5344CB8AC3E}">
-        <p14:creationId xmlns:p14="http://schemas.microsoft.com/office/powerpoint/2010/main" val="1830491879"/>
+        <p14:creationId xmlns:p14="http://schemas.microsoft.com/office/powerpoint/2010/main" val="3499336355"/>
       </p:ext>
     </p:extLst>
   </p:cSld>
   <p:clrMapOvr>
     <a:masterClrMapping/>
   </p:clrMapOvr>
-  <p:timing>
-    <p:tnLst>
-      <p:par>
-        <p:cTn id="1" dur="indefinite" restart="never" nodeType="tmRoot"/>
-      </p:par>
-    </p:tnLst>
-  </p:timing>
 </p:sld>
 </file>
 
@@ -5536,180 +4332,15 @@
         </p:nvSpPr>
         <p:spPr/>
         <p:txBody>
-          <a:bodyPr/>
-          <a:lstStyle/>
-          <a:p>
-            <a:r>
-              <a:rPr lang="en-US" dirty="0" smtClean="0"/>
-              <a:t>Quarter 2 Deliverables</a:t>
-            </a:r>
-            <a:endParaRPr lang="en-US" dirty="0"/>
-          </a:p>
-        </p:txBody>
-      </p:sp>
-      <p:sp>
-        <p:nvSpPr>
-          <p:cNvPr id="3" name="Text Placeholder 2"/>
-          <p:cNvSpPr>
-            <a:spLocks noGrp="1"/>
-          </p:cNvSpPr>
-          <p:nvPr>
-            <p:ph type="body" sz="quarter" idx="10"/>
-          </p:nvPr>
-        </p:nvSpPr>
-        <p:spPr/>
-        <p:txBody>
-          <a:bodyPr/>
-          <a:lstStyle/>
-          <a:p>
-            <a:r>
-              <a:rPr lang="en-US" dirty="0" smtClean="0"/>
-              <a:t>A final report per team/group:</a:t>
-            </a:r>
-          </a:p>
-          <a:p>
-            <a:pPr lvl="1"/>
-            <a:r>
-              <a:rPr lang="en-US" dirty="0" smtClean="0"/>
-              <a:t>A </a:t>
-            </a:r>
-            <a:r>
-              <a:rPr lang="en-US" dirty="0"/>
-              <a:t>final project report on the design, implementation, testing, and discussion of your system. Sufficient details must be provided so that any group of students of similar knowledge/background can reproduce what you have done. If certain parts or the whole of your system failed to function, you need to include significant discussion what went wrong. </a:t>
-            </a:r>
-            <a:endParaRPr lang="en-US" dirty="0" smtClean="0"/>
-          </a:p>
-          <a:p>
-            <a:pPr lvl="1"/>
-            <a:r>
-              <a:rPr lang="en-US" b="1" dirty="0" smtClean="0"/>
-              <a:t>One</a:t>
-            </a:r>
-            <a:r>
-              <a:rPr lang="en-US" dirty="0"/>
-              <a:t> report is required for each </a:t>
-            </a:r>
-            <a:r>
-              <a:rPr lang="en-US" dirty="0" smtClean="0"/>
-              <a:t>team/group</a:t>
-            </a:r>
-            <a:r>
-              <a:rPr lang="en-US" dirty="0"/>
-              <a:t>. Your design files (circuit schematics, CAD drawings, bill of materials, code) need to be submitted together with the report. </a:t>
-            </a:r>
-          </a:p>
-          <a:p>
-            <a:r>
-              <a:rPr lang="en-US" dirty="0"/>
-              <a:t>A technical note or application </a:t>
-            </a:r>
-            <a:r>
-              <a:rPr lang="en-US" dirty="0" smtClean="0"/>
-              <a:t>note per student:</a:t>
-            </a:r>
-          </a:p>
-          <a:p>
-            <a:pPr lvl="1"/>
-            <a:r>
-              <a:rPr lang="en-US" dirty="0" smtClean="0"/>
-              <a:t>This </a:t>
-            </a:r>
-            <a:r>
-              <a:rPr lang="en-US" dirty="0"/>
-              <a:t>note will discuss a particular subject that this student has worked on in this class. For example, if a student primarily worked on PCB design for the radar circuits, then it may be appropriate for him/her to write a note on how to do PCB design, the lessons he/she learned during the course of designing an actual PCB, and useful suggestions for future students</a:t>
-            </a:r>
-            <a:r>
-              <a:rPr lang="en-US" dirty="0" smtClean="0"/>
-              <a:t>.</a:t>
-            </a:r>
-          </a:p>
-          <a:p>
-            <a:r>
-              <a:rPr lang="en-US" dirty="0"/>
-              <a:t>A collection of past reports: </a:t>
-            </a:r>
-            <a:r>
-              <a:rPr lang="en-US" dirty="0">
-                <a:hlinkClick r:id="rId2"/>
-              </a:rPr>
-              <a:t>http://</a:t>
-            </a:r>
-            <a:r>
-              <a:rPr lang="en-US" dirty="0" smtClean="0">
-                <a:hlinkClick r:id="rId2"/>
-              </a:rPr>
-              <a:t>ucdart.github.io/education/eec134.html</a:t>
-            </a:r>
-            <a:r>
-              <a:rPr lang="en-US" dirty="0" smtClean="0"/>
-              <a:t> </a:t>
-            </a:r>
-            <a:endParaRPr lang="en-US" dirty="0"/>
-          </a:p>
-          <a:p>
-            <a:endParaRPr lang="en-US" dirty="0"/>
-          </a:p>
-        </p:txBody>
-      </p:sp>
-    </p:spTree>
-    <p:extLst>
-      <p:ext uri="{BB962C8B-B14F-4D97-AF65-F5344CB8AC3E}">
-        <p14:creationId xmlns:p14="http://schemas.microsoft.com/office/powerpoint/2010/main" val="3499336355"/>
-      </p:ext>
-    </p:extLst>
-  </p:cSld>
-  <p:clrMapOvr>
-    <a:masterClrMapping/>
-  </p:clrMapOvr>
-  <p:timing>
-    <p:tnLst>
-      <p:par>
-        <p:cTn id="1" dur="indefinite" restart="never" nodeType="tmRoot"/>
-      </p:par>
-    </p:tnLst>
-  </p:timing>
-</p:sld>
-</file>
-
-<file path=ppt/slides/slide17.xml><?xml version="1.0" encoding="utf-8"?>
-<p:sld xmlns:a="http://schemas.openxmlformats.org/drawingml/2006/main" xmlns:r="http://schemas.openxmlformats.org/officeDocument/2006/relationships" xmlns:p="http://schemas.openxmlformats.org/presentationml/2006/main">
-  <p:cSld>
-    <p:spTree>
-      <p:nvGrpSpPr>
-        <p:cNvPr id="1" name=""/>
-        <p:cNvGrpSpPr/>
-        <p:nvPr/>
-      </p:nvGrpSpPr>
-      <p:grpSpPr>
-        <a:xfrm>
-          <a:off x="0" y="0"/>
-          <a:ext cx="0" cy="0"/>
-          <a:chOff x="0" y="0"/>
-          <a:chExt cx="0" cy="0"/>
-        </a:xfrm>
-      </p:grpSpPr>
-      <p:sp>
-        <p:nvSpPr>
-          <p:cNvPr id="2" name="Title 1"/>
-          <p:cNvSpPr>
-            <a:spLocks noGrp="1"/>
-          </p:cNvSpPr>
-          <p:nvPr>
-            <p:ph type="title"/>
-          </p:nvPr>
-        </p:nvSpPr>
-        <p:spPr/>
-        <p:txBody>
           <a:bodyPr>
             <a:normAutofit/>
           </a:bodyPr>
           <a:lstStyle/>
           <a:p>
             <a:r>
-              <a:rPr lang="en-US" dirty="0" smtClean="0"/>
+              <a:rPr lang="en-US" dirty="0"/>
               <a:t>Grading</a:t>
             </a:r>
-            <a:endParaRPr lang="en-US" dirty="0"/>
           </a:p>
         </p:txBody>
       </p:sp>
@@ -5734,7 +4365,7 @@
               </a:lnSpc>
             </a:pPr>
             <a:r>
-              <a:rPr lang="en-US" dirty="0" smtClean="0"/>
+              <a:rPr lang="en-US" dirty="0"/>
               <a:t> Quarter 1 (33 pts) </a:t>
             </a:r>
           </a:p>
@@ -5745,7 +4376,7 @@
               </a:lnSpc>
             </a:pPr>
             <a:r>
-              <a:rPr lang="en-US" dirty="0" smtClean="0"/>
+              <a:rPr lang="en-US" dirty="0"/>
               <a:t>Pre-lab reports (9x 1pts)</a:t>
             </a:r>
           </a:p>
@@ -5756,29 +4387,29 @@
               </a:lnSpc>
             </a:pPr>
             <a:r>
-              <a:rPr lang="en-US" dirty="0" smtClean="0"/>
+              <a:rPr lang="en-US" dirty="0"/>
               <a:t>Lab reports (6x 2pts)</a:t>
             </a:r>
           </a:p>
           <a:p>
             <a:pPr lvl="1"/>
             <a:r>
-              <a:rPr lang="en-US" dirty="0" smtClean="0"/>
+              <a:rPr lang="en-US" dirty="0"/>
               <a:t>PCB design </a:t>
             </a:r>
             <a:r>
-              <a:rPr lang="en-US" b="0" dirty="0" smtClean="0"/>
+              <a:rPr lang="en-US" b="0" dirty="0"/>
               <a:t>reports </a:t>
             </a:r>
             <a:r>
-              <a:rPr lang="en-US" dirty="0" smtClean="0"/>
+              <a:rPr lang="en-US" dirty="0"/>
               <a:t>(3x 2pts)</a:t>
             </a:r>
           </a:p>
           <a:p>
             <a:pPr lvl="1"/>
             <a:r>
-              <a:rPr lang="en-US" b="0" dirty="0" smtClean="0"/>
+              <a:rPr lang="en-US" b="0" dirty="0"/>
               <a:t>PCB test reports (3x 2pts)</a:t>
             </a:r>
           </a:p>
@@ -5789,7 +4420,7 @@
               </a:lnSpc>
             </a:pPr>
             <a:r>
-              <a:rPr lang="en-US" dirty="0" smtClean="0"/>
+              <a:rPr lang="en-US" dirty="0"/>
               <a:t> Quarter 2 (45 pts)</a:t>
             </a:r>
           </a:p>
@@ -5800,7 +4431,7 @@
               </a:lnSpc>
             </a:pPr>
             <a:r>
-              <a:rPr lang="en-US" dirty="0" smtClean="0"/>
+              <a:rPr lang="en-US" dirty="0"/>
               <a:t>Competition (15 pts)</a:t>
             </a:r>
           </a:p>
@@ -5811,7 +4442,7 @@
               </a:lnSpc>
             </a:pPr>
             <a:r>
-              <a:rPr lang="en-US" dirty="0" smtClean="0"/>
+              <a:rPr lang="en-US" dirty="0"/>
               <a:t>Final report (15 pts)</a:t>
             </a:r>
           </a:p>
@@ -5822,17 +4453,17 @@
               </a:lnSpc>
             </a:pPr>
             <a:r>
-              <a:rPr lang="en-US" dirty="0" smtClean="0"/>
+              <a:rPr lang="en-US" dirty="0"/>
               <a:t>Application Note / Tutorial (15 pts)</a:t>
             </a:r>
           </a:p>
           <a:p>
             <a:r>
-              <a:rPr lang="en-US" dirty="0" smtClean="0"/>
+              <a:rPr lang="en-US" dirty="0"/>
               <a:t>Peer review (</a:t>
             </a:r>
             <a:r>
-              <a:rPr lang="en-US" dirty="0" smtClean="0">
+              <a:rPr lang="en-US" dirty="0">
                 <a:solidFill>
                   <a:srgbClr val="0070C0"/>
                 </a:solidFill>
@@ -5840,7 +4471,7 @@
               <a:t>15 pts</a:t>
             </a:r>
             <a:r>
-              <a:rPr lang="en-US" dirty="0" smtClean="0"/>
+              <a:rPr lang="en-US" dirty="0"/>
               <a:t>)</a:t>
             </a:r>
           </a:p>
@@ -5848,54 +4479,38 @@
             <a:pPr marL="0" indent="0">
               <a:buNone/>
             </a:pPr>
-            <a:endParaRPr lang="en-US" dirty="0" smtClean="0"/>
-          </a:p>
-          <a:p>
-            <a:r>
-              <a:rPr lang="en-US" dirty="0" smtClean="0"/>
+            <a:endParaRPr lang="en-US" dirty="0"/>
+          </a:p>
+          <a:p>
+            <a:r>
+              <a:rPr lang="en-US" dirty="0"/>
               <a:t>Participation (7 pts)</a:t>
             </a:r>
           </a:p>
           <a:p>
             <a:pPr lvl="1"/>
             <a:r>
-              <a:rPr lang="en-US" dirty="0" smtClean="0"/>
-              <a:t>Based on </a:t>
-            </a:r>
-            <a:r>
-              <a:rPr lang="en-US" dirty="0"/>
-              <a:t>Piazza </a:t>
-            </a:r>
-            <a:r>
-              <a:rPr lang="en-US" dirty="0" smtClean="0"/>
-              <a:t>participation, weekly </a:t>
-            </a:r>
-            <a:r>
-              <a:rPr lang="en-US" dirty="0"/>
-              <a:t>report and presentation </a:t>
-            </a:r>
-            <a:r>
-              <a:rPr lang="en-US" dirty="0" smtClean="0"/>
-              <a:t>(quarter 2)</a:t>
+              <a:rPr lang="en-US" dirty="0"/>
+              <a:t>Based on Piazza participation, weekly report and presentation (quarter 2)</a:t>
             </a:r>
           </a:p>
           <a:p>
             <a:pPr lvl="1"/>
             <a:r>
-              <a:rPr lang="en-US" dirty="0" smtClean="0"/>
+              <a:rPr lang="en-US" dirty="0"/>
               <a:t>Graded by the instructor and TA</a:t>
             </a:r>
           </a:p>
           <a:p>
             <a:pPr lvl="1"/>
             <a:r>
-              <a:rPr lang="en-US" dirty="0" smtClean="0"/>
+              <a:rPr lang="en-US" dirty="0"/>
               <a:t>Purely subjective </a:t>
             </a:r>
           </a:p>
           <a:p>
             <a:r>
-              <a:rPr lang="en-US" dirty="0" smtClean="0"/>
+              <a:rPr lang="en-US" dirty="0"/>
               <a:t>Bonus points</a:t>
             </a:r>
           </a:p>
@@ -5958,7 +4573,7 @@
               <a:tabLst/>
             </a:pPr>
             <a:r>
-              <a:rPr lang="en-US" sz="1800" dirty="0" smtClean="0">
+              <a:rPr lang="en-US" sz="1800" dirty="0">
                 <a:solidFill>
                   <a:srgbClr val="FF0000"/>
                 </a:solidFill>
@@ -5986,7 +4601,7 @@
               <a:tabLst/>
             </a:pPr>
             <a:r>
-              <a:rPr lang="en-US" sz="1800" dirty="0" smtClean="0">
+              <a:rPr lang="en-US" sz="1800" dirty="0">
                 <a:solidFill>
                   <a:srgbClr val="FF0000"/>
                 </a:solidFill>
@@ -6013,7 +4628,7 @@
               <a:buChar char="•"/>
               <a:tabLst/>
             </a:pPr>
-            <a:endParaRPr kumimoji="0" lang="en-US" sz="1800" b="0" i="0" u="none" strike="noStrike" cap="none" normalizeH="0" baseline="0" dirty="0" smtClean="0">
+            <a:endParaRPr kumimoji="0" lang="en-US" sz="1800" b="0" i="0" u="none" strike="noStrike" cap="none" normalizeH="0" baseline="0" dirty="0">
               <a:ln>
                 <a:noFill/>
               </a:ln>
@@ -6732,6 +5347,110 @@
 </p:sld>
 </file>
 
+<file path=ppt/slides/slide17.xml><?xml version="1.0" encoding="utf-8"?>
+<p:sld xmlns:a="http://schemas.openxmlformats.org/drawingml/2006/main" xmlns:r="http://schemas.openxmlformats.org/officeDocument/2006/relationships" xmlns:p="http://schemas.openxmlformats.org/presentationml/2006/main">
+  <p:cSld>
+    <p:spTree>
+      <p:nvGrpSpPr>
+        <p:cNvPr id="1" name=""/>
+        <p:cNvGrpSpPr/>
+        <p:nvPr/>
+      </p:nvGrpSpPr>
+      <p:grpSpPr>
+        <a:xfrm>
+          <a:off x="0" y="0"/>
+          <a:ext cx="0" cy="0"/>
+          <a:chOff x="0" y="0"/>
+          <a:chExt cx="0" cy="0"/>
+        </a:xfrm>
+      </p:grpSpPr>
+      <p:sp>
+        <p:nvSpPr>
+          <p:cNvPr id="2" name="Title 1"/>
+          <p:cNvSpPr>
+            <a:spLocks noGrp="1"/>
+          </p:cNvSpPr>
+          <p:nvPr>
+            <p:ph type="title"/>
+          </p:nvPr>
+        </p:nvSpPr>
+        <p:spPr/>
+        <p:txBody>
+          <a:bodyPr/>
+          <a:lstStyle/>
+          <a:p>
+            <a:r>
+              <a:rPr lang="en-US" dirty="0"/>
+              <a:t>Grading – Bonus Points</a:t>
+            </a:r>
+          </a:p>
+        </p:txBody>
+      </p:sp>
+      <p:sp>
+        <p:nvSpPr>
+          <p:cNvPr id="3" name="Text Placeholder 2"/>
+          <p:cNvSpPr>
+            <a:spLocks noGrp="1"/>
+          </p:cNvSpPr>
+          <p:nvPr>
+            <p:ph type="body" sz="quarter" idx="10"/>
+          </p:nvPr>
+        </p:nvSpPr>
+        <p:spPr/>
+        <p:txBody>
+          <a:bodyPr/>
+          <a:lstStyle/>
+          <a:p>
+            <a:r>
+              <a:rPr lang="en-US" dirty="0"/>
+              <a:t>Errors for Bonus!</a:t>
+            </a:r>
+          </a:p>
+          <a:p>
+            <a:pPr lvl="1"/>
+            <a:r>
+              <a:rPr lang="en-US" dirty="0"/>
+              <a:t>Help us find errors (typos, grammar mistakes, technical mistakes, </a:t>
+            </a:r>
+            <a:r>
+              <a:rPr lang="en-US" dirty="0" err="1"/>
+              <a:t>etc</a:t>
+            </a:r>
+            <a:r>
+              <a:rPr lang="en-US" dirty="0"/>
+              <a:t>) in the course materials (lecture notes, lab manuals, guidelines, </a:t>
+            </a:r>
+            <a:r>
+              <a:rPr lang="en-US" dirty="0" err="1"/>
+              <a:t>etc</a:t>
+            </a:r>
+            <a:r>
+              <a:rPr lang="en-US" dirty="0"/>
+              <a:t>)</a:t>
+            </a:r>
+          </a:p>
+          <a:p>
+            <a:pPr lvl="1"/>
+            <a:r>
+              <a:rPr lang="en-US" dirty="0"/>
+              <a:t>The first to find and report an error on Piazza gets 0.1 point for each error</a:t>
+            </a:r>
+          </a:p>
+        </p:txBody>
+      </p:sp>
+    </p:spTree>
+    <p:extLst>
+      <p:ext uri="{BB962C8B-B14F-4D97-AF65-F5344CB8AC3E}">
+        <p14:creationId xmlns:p14="http://schemas.microsoft.com/office/powerpoint/2010/main" val="3708933933"/>
+      </p:ext>
+    </p:extLst>
+  </p:cSld>
+  <p:clrMapOvr>
+    <a:masterClrMapping/>
+  </p:clrMapOvr>
+</p:sld>
+</file>
+
 <file path=ppt/slides/slide18.xml><?xml version="1.0" encoding="utf-8"?>
 <p:sld xmlns:a="http://schemas.openxmlformats.org/drawingml/2006/main" xmlns:r="http://schemas.openxmlformats.org/officeDocument/2006/relationships" xmlns:p="http://schemas.openxmlformats.org/presentationml/2006/main">
   <p:cSld>
@@ -6765,123 +5484,9 @@
           <a:lstStyle/>
           <a:p>
             <a:r>
-              <a:rPr lang="en-US" dirty="0" smtClean="0"/>
+              <a:rPr lang="en-US" dirty="0"/>
               <a:t>Grading – Bonus Points</a:t>
             </a:r>
-            <a:endParaRPr lang="en-US" dirty="0"/>
-          </a:p>
-        </p:txBody>
-      </p:sp>
-      <p:sp>
-        <p:nvSpPr>
-          <p:cNvPr id="3" name="Text Placeholder 2"/>
-          <p:cNvSpPr>
-            <a:spLocks noGrp="1"/>
-          </p:cNvSpPr>
-          <p:nvPr>
-            <p:ph type="body" sz="quarter" idx="10"/>
-          </p:nvPr>
-        </p:nvSpPr>
-        <p:spPr/>
-        <p:txBody>
-          <a:bodyPr/>
-          <a:lstStyle/>
-          <a:p>
-            <a:r>
-              <a:rPr lang="en-US" dirty="0" smtClean="0"/>
-              <a:t>Errors for Bonus!</a:t>
-            </a:r>
-          </a:p>
-          <a:p>
-            <a:pPr lvl="1"/>
-            <a:r>
-              <a:rPr lang="en-US" dirty="0" smtClean="0"/>
-              <a:t>Help us find errors (typos, grammar mistakes, technical mistakes, </a:t>
-            </a:r>
-            <a:r>
-              <a:rPr lang="en-US" dirty="0" err="1" smtClean="0"/>
-              <a:t>etc</a:t>
-            </a:r>
-            <a:r>
-              <a:rPr lang="en-US" dirty="0" smtClean="0"/>
-              <a:t>) in the course materials (lecture notes, lab manuals, guidelines, </a:t>
-            </a:r>
-            <a:r>
-              <a:rPr lang="en-US" dirty="0" err="1" smtClean="0"/>
-              <a:t>etc</a:t>
-            </a:r>
-            <a:r>
-              <a:rPr lang="en-US" dirty="0" smtClean="0"/>
-              <a:t>)</a:t>
-            </a:r>
-          </a:p>
-          <a:p>
-            <a:pPr lvl="1"/>
-            <a:r>
-              <a:rPr lang="en-US" dirty="0" smtClean="0"/>
-              <a:t>The first to find and report an error on Piazza gets 0.1 point for each error</a:t>
-            </a:r>
-            <a:endParaRPr lang="en-US" dirty="0"/>
-          </a:p>
-        </p:txBody>
-      </p:sp>
-    </p:spTree>
-    <p:extLst>
-      <p:ext uri="{BB962C8B-B14F-4D97-AF65-F5344CB8AC3E}">
-        <p14:creationId xmlns:p14="http://schemas.microsoft.com/office/powerpoint/2010/main" val="3708933933"/>
-      </p:ext>
-    </p:extLst>
-  </p:cSld>
-  <p:clrMapOvr>
-    <a:masterClrMapping/>
-  </p:clrMapOvr>
-  <p:timing>
-    <p:tnLst>
-      <p:par>
-        <p:cTn id="1" dur="indefinite" restart="never" nodeType="tmRoot"/>
-      </p:par>
-    </p:tnLst>
-  </p:timing>
-</p:sld>
-</file>
-
-<file path=ppt/slides/slide19.xml><?xml version="1.0" encoding="utf-8"?>
-<p:sld xmlns:a="http://schemas.openxmlformats.org/drawingml/2006/main" xmlns:r="http://schemas.openxmlformats.org/officeDocument/2006/relationships" xmlns:p="http://schemas.openxmlformats.org/presentationml/2006/main">
-  <p:cSld>
-    <p:spTree>
-      <p:nvGrpSpPr>
-        <p:cNvPr id="1" name=""/>
-        <p:cNvGrpSpPr/>
-        <p:nvPr/>
-      </p:nvGrpSpPr>
-      <p:grpSpPr>
-        <a:xfrm>
-          <a:off x="0" y="0"/>
-          <a:ext cx="0" cy="0"/>
-          <a:chOff x="0" y="0"/>
-          <a:chExt cx="0" cy="0"/>
-        </a:xfrm>
-      </p:grpSpPr>
-      <p:sp>
-        <p:nvSpPr>
-          <p:cNvPr id="2" name="Title 1"/>
-          <p:cNvSpPr>
-            <a:spLocks noGrp="1"/>
-          </p:cNvSpPr>
-          <p:nvPr>
-            <p:ph type="title"/>
-          </p:nvPr>
-        </p:nvSpPr>
-        <p:spPr/>
-        <p:txBody>
-          <a:bodyPr/>
-          <a:lstStyle/>
-          <a:p>
-            <a:r>
-              <a:rPr lang="en-US" dirty="0" smtClean="0"/>
-              <a:t>Grading – Bonus Points</a:t>
-            </a:r>
-            <a:endParaRPr lang="en-US" dirty="0"/>
           </a:p>
         </p:txBody>
       </p:sp>
@@ -6906,18 +5511,18 @@
           <a:lstStyle/>
           <a:p>
             <a:r>
-              <a:rPr lang="en-US" dirty="0" smtClean="0"/>
+              <a:rPr lang="en-US" dirty="0"/>
               <a:t>Getting your HAM radio license </a:t>
             </a:r>
           </a:p>
           <a:p>
             <a:pPr lvl="1"/>
             <a:r>
-              <a:rPr lang="en-US" dirty="0" smtClean="0"/>
+              <a:rPr lang="en-US" dirty="0"/>
               <a:t>Technician class (</a:t>
             </a:r>
             <a:r>
-              <a:rPr lang="en-US" dirty="0" smtClean="0">
+              <a:rPr lang="en-US" dirty="0">
                 <a:solidFill>
                   <a:srgbClr val="00B050"/>
                 </a:solidFill>
@@ -6925,25 +5530,25 @@
               <a:t>2 pts</a:t>
             </a:r>
             <a:r>
-              <a:rPr lang="en-US" dirty="0" smtClean="0"/>
+              <a:rPr lang="en-US" dirty="0"/>
               <a:t>)</a:t>
             </a:r>
           </a:p>
           <a:p>
             <a:pPr lvl="2"/>
             <a:r>
-              <a:rPr lang="en-US" dirty="0" smtClean="0"/>
+              <a:rPr lang="en-US" dirty="0"/>
               <a:t>Transmission above 30 MHz</a:t>
             </a:r>
           </a:p>
           <a:p>
             <a:pPr lvl="1"/>
             <a:r>
-              <a:rPr lang="en-US" dirty="0" smtClean="0"/>
+              <a:rPr lang="en-US" dirty="0"/>
               <a:t>General class (</a:t>
             </a:r>
             <a:r>
-              <a:rPr lang="en-US" dirty="0" smtClean="0">
+              <a:rPr lang="en-US" dirty="0">
                 <a:solidFill>
                   <a:srgbClr val="00B050"/>
                 </a:solidFill>
@@ -6951,25 +5556,25 @@
               <a:t>2 pts</a:t>
             </a:r>
             <a:r>
-              <a:rPr lang="en-US" dirty="0" smtClean="0"/>
+              <a:rPr lang="en-US" dirty="0"/>
               <a:t>)</a:t>
             </a:r>
           </a:p>
           <a:p>
             <a:pPr lvl="2"/>
             <a:r>
-              <a:rPr lang="en-US" dirty="0" smtClean="0"/>
+              <a:rPr lang="en-US" dirty="0"/>
               <a:t>Access to the HF band</a:t>
             </a:r>
           </a:p>
           <a:p>
             <a:pPr lvl="1"/>
             <a:r>
-              <a:rPr lang="en-US" dirty="0" smtClean="0"/>
+              <a:rPr lang="en-US" dirty="0"/>
               <a:t>Extra (</a:t>
             </a:r>
             <a:r>
-              <a:rPr lang="en-US" dirty="0" smtClean="0">
+              <a:rPr lang="en-US" dirty="0">
                 <a:solidFill>
                   <a:srgbClr val="00B050"/>
                 </a:solidFill>
@@ -6977,36 +5582,36 @@
               <a:t>3 pts</a:t>
             </a:r>
             <a:r>
-              <a:rPr lang="en-US" dirty="0" smtClean="0"/>
+              <a:rPr lang="en-US" dirty="0"/>
               <a:t>)</a:t>
             </a:r>
           </a:p>
           <a:p>
             <a:pPr lvl="2"/>
             <a:r>
-              <a:rPr lang="en-US" dirty="0" smtClean="0"/>
+              <a:rPr lang="en-US" dirty="0"/>
               <a:t>Transmission on all bands</a:t>
             </a:r>
           </a:p>
           <a:p>
             <a:r>
-              <a:rPr lang="en-US" dirty="0" smtClean="0"/>
+              <a:rPr lang="en-US" dirty="0"/>
               <a:t>Log on to </a:t>
             </a:r>
             <a:r>
-              <a:rPr lang="en-US" dirty="0" smtClean="0">
+              <a:rPr lang="en-US" dirty="0">
                 <a:hlinkClick r:id="rId2"/>
               </a:rPr>
               <a:t>www.arrl.org</a:t>
             </a:r>
             <a:r>
-              <a:rPr lang="en-US" dirty="0" smtClean="0"/>
+              <a:rPr lang="en-US" dirty="0"/>
               <a:t> for information on licensing and exams</a:t>
             </a:r>
           </a:p>
           <a:p>
             <a:r>
-              <a:rPr lang="en-US" dirty="0" smtClean="0"/>
+              <a:rPr lang="en-US" dirty="0"/>
               <a:t>The following links provides additional materials for preparing for the exams</a:t>
             </a:r>
           </a:p>
@@ -7016,29 +5621,22 @@
               <a:rPr lang="en-US">
                 <a:hlinkClick r:id="rId3"/>
               </a:rPr>
-              <a:t>http://www.hamradioschool.com</a:t>
-            </a:r>
-            <a:r>
-              <a:rPr lang="en-US" smtClean="0">
-                <a:hlinkClick r:id="rId3"/>
-              </a:rPr>
-              <a:t>/</a:t>
-            </a:r>
-            <a:r>
-              <a:rPr lang="en-US" smtClean="0"/>
+              <a:t>http://www.hamradioschool.com/</a:t>
+            </a:r>
+            <a:r>
+              <a:rPr lang="en-US"/>
               <a:t> </a:t>
             </a:r>
           </a:p>
           <a:p>
             <a:pPr lvl="1"/>
-            <a:endParaRPr lang="en-US" dirty="0" smtClean="0"/>
-          </a:p>
-          <a:p>
-            <a:r>
-              <a:rPr lang="en-US" dirty="0" smtClean="0"/>
+            <a:endParaRPr lang="en-US" dirty="0"/>
+          </a:p>
+          <a:p>
+            <a:r>
+              <a:rPr lang="en-US" dirty="0"/>
               <a:t>We may arrange training sessions or even exams</a:t>
             </a:r>
-            <a:endParaRPr lang="en-US" dirty="0"/>
           </a:p>
         </p:txBody>
       </p:sp>
@@ -7134,17 +5732,10 @@
   <p:clrMapOvr>
     <a:masterClrMapping/>
   </p:clrMapOvr>
-  <p:timing>
-    <p:tnLst>
-      <p:par>
-        <p:cTn id="1" dur="indefinite" restart="never" nodeType="tmRoot"/>
-      </p:par>
-    </p:tnLst>
-  </p:timing>
 </p:sld>
 </file>
 
-<file path=ppt/slides/slide2.xml><?xml version="1.0" encoding="utf-8"?>
+<file path=ppt/slides/slide19.xml><?xml version="1.0" encoding="utf-8"?>
 <p:sld xmlns:a="http://schemas.openxmlformats.org/drawingml/2006/main" xmlns:r="http://schemas.openxmlformats.org/officeDocument/2006/relationships" xmlns:p="http://schemas.openxmlformats.org/presentationml/2006/main">
   <p:cSld>
     <p:spTree>
@@ -7179,10 +5770,9 @@
           <a:lstStyle/>
           <a:p>
             <a:r>
-              <a:rPr lang="en-US" dirty="0" smtClean="0"/>
-              <a:t>Course Objectives</a:t>
-            </a:r>
-            <a:endParaRPr lang="en-US" dirty="0"/>
+              <a:rPr lang="en-US" dirty="0"/>
+              <a:t>Seeking Help</a:t>
+            </a:r>
           </a:p>
         </p:txBody>
       </p:sp>
@@ -7201,465 +5791,13 @@
           <a:bodyPr/>
           <a:lstStyle/>
           <a:p>
-            <a:r>
-              <a:rPr lang="en-US" sz="2400" dirty="0"/>
-              <a:t>To provide a senior design option for students interested in RF/microwave engineering</a:t>
-            </a:r>
-          </a:p>
-          <a:p>
-            <a:r>
-              <a:rPr lang="en-US" sz="2400" dirty="0" smtClean="0"/>
-              <a:t>To provide a system </a:t>
-            </a:r>
-            <a:r>
-              <a:rPr lang="en-US" sz="2400" dirty="0"/>
-              <a:t>design perspective</a:t>
-            </a:r>
-          </a:p>
-          <a:p>
-            <a:r>
-              <a:rPr lang="en-US" sz="2400" dirty="0" smtClean="0"/>
-              <a:t>To get your hands dirty</a:t>
-            </a:r>
-            <a:endParaRPr lang="en-US" sz="2400" dirty="0"/>
-          </a:p>
-          <a:p>
-            <a:r>
-              <a:rPr lang="en-US" sz="2400" dirty="0" smtClean="0"/>
-              <a:t>To promote teamwork</a:t>
-            </a:r>
-            <a:endParaRPr lang="en-US" sz="2400" dirty="0"/>
-          </a:p>
-          <a:p>
-            <a:r>
-              <a:rPr lang="en-US" sz="2400" dirty="0" smtClean="0"/>
-              <a:t>To promote self-learning</a:t>
-            </a:r>
-          </a:p>
-          <a:p>
-            <a:r>
-              <a:rPr lang="en-US" sz="2400" dirty="0" smtClean="0"/>
-              <a:t>To improve communication (oral &amp; written) skills </a:t>
-            </a:r>
-            <a:endParaRPr lang="en-US" sz="2400" dirty="0"/>
-          </a:p>
-          <a:p>
-            <a:r>
-              <a:rPr lang="en-US" sz="2400" dirty="0" smtClean="0"/>
-              <a:t>To push </a:t>
-            </a:r>
-            <a:r>
-              <a:rPr lang="en-US" sz="2400" dirty="0"/>
-              <a:t>your </a:t>
-            </a:r>
-            <a:r>
-              <a:rPr lang="en-US" sz="2400" dirty="0" smtClean="0"/>
-              <a:t>limit</a:t>
-            </a:r>
-            <a:r>
-              <a:rPr lang="en-US" sz="2400" dirty="0"/>
-              <a:t>!</a:t>
-            </a:r>
-            <a:endParaRPr lang="en-US" sz="2400" dirty="0" smtClean="0"/>
-          </a:p>
-        </p:txBody>
-      </p:sp>
-    </p:spTree>
-  </p:cSld>
-  <p:clrMapOvr>
-    <a:masterClrMapping/>
-  </p:clrMapOvr>
-  <p:timing>
-    <p:tnLst>
-      <p:par>
-        <p:cTn id="1" dur="indefinite" restart="never" nodeType="tmRoot">
-          <p:childTnLst>
-            <p:seq concurrent="1" nextAc="seek">
-              <p:cTn id="2" dur="indefinite" nodeType="mainSeq">
-                <p:childTnLst>
-                  <p:par>
-                    <p:cTn id="3" fill="hold">
-                      <p:stCondLst>
-                        <p:cond delay="indefinite"/>
-                      </p:stCondLst>
-                      <p:childTnLst>
-                        <p:par>
-                          <p:cTn id="4" fill="hold">
-                            <p:stCondLst>
-                              <p:cond delay="0"/>
-                            </p:stCondLst>
-                            <p:childTnLst>
-                              <p:par>
-                                <p:cTn id="5" presetID="1" presetClass="entr" presetSubtype="0" fill="hold" nodeType="clickEffect">
-                                  <p:stCondLst>
-                                    <p:cond delay="0"/>
-                                  </p:stCondLst>
-                                  <p:childTnLst>
-                                    <p:set>
-                                      <p:cBhvr>
-                                        <p:cTn id="6" dur="1" fill="hold">
-                                          <p:stCondLst>
-                                            <p:cond delay="0"/>
-                                          </p:stCondLst>
-                                        </p:cTn>
-                                        <p:tgtEl>
-                                          <p:spTgt spid="3">
-                                            <p:txEl>
-                                              <p:pRg st="1" end="1"/>
-                                            </p:txEl>
-                                          </p:spTgt>
-                                        </p:tgtEl>
-                                        <p:attrNameLst>
-                                          <p:attrName>style.visibility</p:attrName>
-                                        </p:attrNameLst>
-                                      </p:cBhvr>
-                                      <p:to>
-                                        <p:strVal val="visible"/>
-                                      </p:to>
-                                    </p:set>
-                                  </p:childTnLst>
-                                </p:cTn>
-                              </p:par>
-                            </p:childTnLst>
-                          </p:cTn>
-                        </p:par>
-                      </p:childTnLst>
-                    </p:cTn>
-                  </p:par>
-                  <p:par>
-                    <p:cTn id="7" fill="hold">
-                      <p:stCondLst>
-                        <p:cond delay="indefinite"/>
-                      </p:stCondLst>
-                      <p:childTnLst>
-                        <p:par>
-                          <p:cTn id="8" fill="hold">
-                            <p:stCondLst>
-                              <p:cond delay="0"/>
-                            </p:stCondLst>
-                            <p:childTnLst>
-                              <p:par>
-                                <p:cTn id="9" presetID="1" presetClass="entr" presetSubtype="0" fill="hold" nodeType="clickEffect">
-                                  <p:stCondLst>
-                                    <p:cond delay="0"/>
-                                  </p:stCondLst>
-                                  <p:childTnLst>
-                                    <p:set>
-                                      <p:cBhvr>
-                                        <p:cTn id="10" dur="1" fill="hold">
-                                          <p:stCondLst>
-                                            <p:cond delay="0"/>
-                                          </p:stCondLst>
-                                        </p:cTn>
-                                        <p:tgtEl>
-                                          <p:spTgt spid="3">
-                                            <p:txEl>
-                                              <p:pRg st="2" end="2"/>
-                                            </p:txEl>
-                                          </p:spTgt>
-                                        </p:tgtEl>
-                                        <p:attrNameLst>
-                                          <p:attrName>style.visibility</p:attrName>
-                                        </p:attrNameLst>
-                                      </p:cBhvr>
-                                      <p:to>
-                                        <p:strVal val="visible"/>
-                                      </p:to>
-                                    </p:set>
-                                  </p:childTnLst>
-                                </p:cTn>
-                              </p:par>
-                            </p:childTnLst>
-                          </p:cTn>
-                        </p:par>
-                      </p:childTnLst>
-                    </p:cTn>
-                  </p:par>
-                  <p:par>
-                    <p:cTn id="11" fill="hold">
-                      <p:stCondLst>
-                        <p:cond delay="indefinite"/>
-                      </p:stCondLst>
-                      <p:childTnLst>
-                        <p:par>
-                          <p:cTn id="12" fill="hold">
-                            <p:stCondLst>
-                              <p:cond delay="0"/>
-                            </p:stCondLst>
-                            <p:childTnLst>
-                              <p:par>
-                                <p:cTn id="13" presetID="1" presetClass="entr" presetSubtype="0" fill="hold" nodeType="clickEffect">
-                                  <p:stCondLst>
-                                    <p:cond delay="0"/>
-                                  </p:stCondLst>
-                                  <p:childTnLst>
-                                    <p:set>
-                                      <p:cBhvr>
-                                        <p:cTn id="14" dur="1" fill="hold">
-                                          <p:stCondLst>
-                                            <p:cond delay="0"/>
-                                          </p:stCondLst>
-                                        </p:cTn>
-                                        <p:tgtEl>
-                                          <p:spTgt spid="3">
-                                            <p:txEl>
-                                              <p:pRg st="3" end="3"/>
-                                            </p:txEl>
-                                          </p:spTgt>
-                                        </p:tgtEl>
-                                        <p:attrNameLst>
-                                          <p:attrName>style.visibility</p:attrName>
-                                        </p:attrNameLst>
-                                      </p:cBhvr>
-                                      <p:to>
-                                        <p:strVal val="visible"/>
-                                      </p:to>
-                                    </p:set>
-                                  </p:childTnLst>
-                                </p:cTn>
-                              </p:par>
-                            </p:childTnLst>
-                          </p:cTn>
-                        </p:par>
-                      </p:childTnLst>
-                    </p:cTn>
-                  </p:par>
-                  <p:par>
-                    <p:cTn id="15" fill="hold">
-                      <p:stCondLst>
-                        <p:cond delay="indefinite"/>
-                      </p:stCondLst>
-                      <p:childTnLst>
-                        <p:par>
-                          <p:cTn id="16" fill="hold">
-                            <p:stCondLst>
-                              <p:cond delay="0"/>
-                            </p:stCondLst>
-                            <p:childTnLst>
-                              <p:par>
-                                <p:cTn id="17" presetID="1" presetClass="entr" presetSubtype="0" fill="hold" nodeType="clickEffect">
-                                  <p:stCondLst>
-                                    <p:cond delay="0"/>
-                                  </p:stCondLst>
-                                  <p:childTnLst>
-                                    <p:set>
-                                      <p:cBhvr>
-                                        <p:cTn id="18" dur="1" fill="hold">
-                                          <p:stCondLst>
-                                            <p:cond delay="0"/>
-                                          </p:stCondLst>
-                                        </p:cTn>
-                                        <p:tgtEl>
-                                          <p:spTgt spid="3">
-                                            <p:txEl>
-                                              <p:pRg st="4" end="4"/>
-                                            </p:txEl>
-                                          </p:spTgt>
-                                        </p:tgtEl>
-                                        <p:attrNameLst>
-                                          <p:attrName>style.visibility</p:attrName>
-                                        </p:attrNameLst>
-                                      </p:cBhvr>
-                                      <p:to>
-                                        <p:strVal val="visible"/>
-                                      </p:to>
-                                    </p:set>
-                                  </p:childTnLst>
-                                </p:cTn>
-                              </p:par>
-                            </p:childTnLst>
-                          </p:cTn>
-                        </p:par>
-                      </p:childTnLst>
-                    </p:cTn>
-                  </p:par>
-                  <p:par>
-                    <p:cTn id="19" fill="hold">
-                      <p:stCondLst>
-                        <p:cond delay="indefinite"/>
-                      </p:stCondLst>
-                      <p:childTnLst>
-                        <p:par>
-                          <p:cTn id="20" fill="hold">
-                            <p:stCondLst>
-                              <p:cond delay="0"/>
-                            </p:stCondLst>
-                            <p:childTnLst>
-                              <p:par>
-                                <p:cTn id="21" presetID="1" presetClass="entr" presetSubtype="0" fill="hold" nodeType="clickEffect">
-                                  <p:stCondLst>
-                                    <p:cond delay="0"/>
-                                  </p:stCondLst>
-                                  <p:childTnLst>
-                                    <p:set>
-                                      <p:cBhvr>
-                                        <p:cTn id="22" dur="1" fill="hold">
-                                          <p:stCondLst>
-                                            <p:cond delay="0"/>
-                                          </p:stCondLst>
-                                        </p:cTn>
-                                        <p:tgtEl>
-                                          <p:spTgt spid="3">
-                                            <p:txEl>
-                                              <p:pRg st="5" end="5"/>
-                                            </p:txEl>
-                                          </p:spTgt>
-                                        </p:tgtEl>
-                                        <p:attrNameLst>
-                                          <p:attrName>style.visibility</p:attrName>
-                                        </p:attrNameLst>
-                                      </p:cBhvr>
-                                      <p:to>
-                                        <p:strVal val="visible"/>
-                                      </p:to>
-                                    </p:set>
-                                  </p:childTnLst>
-                                </p:cTn>
-                              </p:par>
-                            </p:childTnLst>
-                          </p:cTn>
-                        </p:par>
-                      </p:childTnLst>
-                    </p:cTn>
-                  </p:par>
-                  <p:par>
-                    <p:cTn id="23" fill="hold">
-                      <p:stCondLst>
-                        <p:cond delay="indefinite"/>
-                      </p:stCondLst>
-                      <p:childTnLst>
-                        <p:par>
-                          <p:cTn id="24" fill="hold">
-                            <p:stCondLst>
-                              <p:cond delay="0"/>
-                            </p:stCondLst>
-                            <p:childTnLst>
-                              <p:par>
-                                <p:cTn id="25" presetID="1" presetClass="entr" presetSubtype="0" fill="hold" nodeType="clickEffect">
-                                  <p:stCondLst>
-                                    <p:cond delay="0"/>
-                                  </p:stCondLst>
-                                  <p:childTnLst>
-                                    <p:set>
-                                      <p:cBhvr>
-                                        <p:cTn id="26" dur="1" fill="hold">
-                                          <p:stCondLst>
-                                            <p:cond delay="0"/>
-                                          </p:stCondLst>
-                                        </p:cTn>
-                                        <p:tgtEl>
-                                          <p:spTgt spid="3">
-                                            <p:txEl>
-                                              <p:pRg st="6" end="6"/>
-                                            </p:txEl>
-                                          </p:spTgt>
-                                        </p:tgtEl>
-                                        <p:attrNameLst>
-                                          <p:attrName>style.visibility</p:attrName>
-                                        </p:attrNameLst>
-                                      </p:cBhvr>
-                                      <p:to>
-                                        <p:strVal val="visible"/>
-                                      </p:to>
-                                    </p:set>
-                                  </p:childTnLst>
-                                </p:cTn>
-                              </p:par>
-                            </p:childTnLst>
-                          </p:cTn>
-                        </p:par>
-                      </p:childTnLst>
-                    </p:cTn>
-                  </p:par>
-                </p:childTnLst>
-              </p:cTn>
-              <p:prevCondLst>
-                <p:cond evt="onPrev" delay="0">
-                  <p:tgtEl>
-                    <p:sldTgt/>
-                  </p:tgtEl>
-                </p:cond>
-              </p:prevCondLst>
-              <p:nextCondLst>
-                <p:cond evt="onNext" delay="0">
-                  <p:tgtEl>
-                    <p:sldTgt/>
-                  </p:tgtEl>
-                </p:cond>
-              </p:nextCondLst>
-            </p:seq>
-          </p:childTnLst>
-        </p:cTn>
-      </p:par>
-    </p:tnLst>
-  </p:timing>
-</p:sld>
-</file>
-
-<file path=ppt/slides/slide20.xml><?xml version="1.0" encoding="utf-8"?>
-<p:sld xmlns:a="http://schemas.openxmlformats.org/drawingml/2006/main" xmlns:r="http://schemas.openxmlformats.org/officeDocument/2006/relationships" xmlns:p="http://schemas.openxmlformats.org/presentationml/2006/main">
-  <p:cSld>
-    <p:spTree>
-      <p:nvGrpSpPr>
-        <p:cNvPr id="1" name=""/>
-        <p:cNvGrpSpPr/>
-        <p:nvPr/>
-      </p:nvGrpSpPr>
-      <p:grpSpPr>
-        <a:xfrm>
-          <a:off x="0" y="0"/>
-          <a:ext cx="0" cy="0"/>
-          <a:chOff x="0" y="0"/>
-          <a:chExt cx="0" cy="0"/>
-        </a:xfrm>
-      </p:grpSpPr>
-      <p:sp>
-        <p:nvSpPr>
-          <p:cNvPr id="2" name="Title 1"/>
-          <p:cNvSpPr>
-            <a:spLocks noGrp="1"/>
-          </p:cNvSpPr>
-          <p:nvPr>
-            <p:ph type="title"/>
-          </p:nvPr>
-        </p:nvSpPr>
-        <p:spPr/>
-        <p:txBody>
-          <a:bodyPr>
-            <a:normAutofit/>
-          </a:bodyPr>
-          <a:lstStyle/>
-          <a:p>
-            <a:r>
-              <a:rPr lang="en-US" dirty="0" smtClean="0"/>
-              <a:t>Seeking Help</a:t>
-            </a:r>
-            <a:endParaRPr lang="en-US" dirty="0"/>
-          </a:p>
-        </p:txBody>
-      </p:sp>
-      <p:sp>
-        <p:nvSpPr>
-          <p:cNvPr id="3" name="Content Placeholder 2"/>
-          <p:cNvSpPr>
-            <a:spLocks noGrp="1"/>
-          </p:cNvSpPr>
-          <p:nvPr>
-            <p:ph type="body" sz="quarter" idx="10"/>
-          </p:nvPr>
-        </p:nvSpPr>
-        <p:spPr/>
-        <p:txBody>
-          <a:bodyPr/>
-          <a:lstStyle/>
-          <a:p>
             <a:pPr>
               <a:lnSpc>
                 <a:spcPct val="114000"/>
               </a:lnSpc>
             </a:pPr>
             <a:r>
-              <a:rPr lang="en-US" sz="1800" dirty="0" smtClean="0"/>
+              <a:rPr lang="en-US" sz="1800" dirty="0"/>
               <a:t>The EEC 134 Piazza forum:</a:t>
             </a:r>
           </a:p>
@@ -7670,25 +5808,13 @@
               </a:lnSpc>
             </a:pPr>
             <a:r>
-              <a:rPr lang="en-US" sz="1600" dirty="0" smtClean="0">
-                <a:hlinkClick r:id="rId2"/>
-              </a:rPr>
-              <a:t>https</a:t>
-            </a:r>
-            <a:r>
               <a:rPr lang="en-US" sz="1600" dirty="0">
                 <a:hlinkClick r:id="rId2"/>
               </a:rPr>
-              <a:t>://</a:t>
-            </a:r>
-            <a:r>
-              <a:rPr lang="en-US" sz="1600" dirty="0" smtClean="0">
-                <a:hlinkClick r:id="rId2"/>
-              </a:rPr>
-              <a:t>piazza.com/ucdavis/fall2014/eec134a/home</a:t>
-            </a:r>
-            <a:r>
-              <a:rPr lang="en-US" sz="1600" dirty="0" smtClean="0"/>
+              <a:t>https://piazza.com/ucdavis/fall2014/eec134a/home</a:t>
+            </a:r>
+            <a:r>
+              <a:rPr lang="en-US" sz="1600" dirty="0"/>
               <a:t> </a:t>
             </a:r>
           </a:p>
@@ -7699,7 +5825,7 @@
               </a:lnSpc>
             </a:pPr>
             <a:r>
-              <a:rPr lang="en-US" sz="1800" dirty="0" smtClean="0"/>
+              <a:rPr lang="en-US" sz="1800" dirty="0"/>
               <a:t>Reference materials provided by the class </a:t>
             </a:r>
           </a:p>
@@ -7710,7 +5836,7 @@
               </a:lnSpc>
             </a:pPr>
             <a:r>
-              <a:rPr lang="en-US" sz="1800" dirty="0" smtClean="0"/>
+              <a:rPr lang="en-US" sz="1800" dirty="0"/>
               <a:t>The almighty Internet !</a:t>
             </a:r>
           </a:p>
@@ -7721,7 +5847,7 @@
               </a:lnSpc>
             </a:pPr>
             <a:r>
-              <a:rPr lang="en-US" sz="1600" dirty="0" smtClean="0"/>
+              <a:rPr lang="en-US" sz="1600" dirty="0"/>
               <a:t>Google!</a:t>
             </a:r>
           </a:p>
@@ -7732,7 +5858,7 @@
               </a:lnSpc>
             </a:pPr>
             <a:r>
-              <a:rPr lang="en-US" sz="1600" dirty="0" smtClean="0"/>
+              <a:rPr lang="en-US" sz="1600" dirty="0"/>
               <a:t>Wikipedia</a:t>
             </a:r>
           </a:p>
@@ -7743,7 +5869,7 @@
               </a:lnSpc>
             </a:pPr>
             <a:r>
-              <a:rPr lang="en-US" sz="1600" dirty="0" smtClean="0"/>
+              <a:rPr lang="en-US" sz="1600" dirty="0"/>
               <a:t>Forums</a:t>
             </a:r>
           </a:p>
@@ -7757,16 +5883,10 @@
               <a:rPr lang="en-US" sz="1400" dirty="0">
                 <a:hlinkClick r:id="rId3"/>
               </a:rPr>
-              <a:t>http://www.edaboard.com</a:t>
-            </a:r>
-            <a:r>
-              <a:rPr lang="en-US" sz="1400" dirty="0" smtClean="0">
-                <a:hlinkClick r:id="rId3"/>
-              </a:rPr>
-              <a:t>/</a:t>
-            </a:r>
-            <a:r>
-              <a:rPr lang="en-US" sz="1400" dirty="0" smtClean="0"/>
+              <a:t>http://www.edaboard.com/</a:t>
+            </a:r>
+            <a:r>
+              <a:rPr lang="en-US" sz="1400" dirty="0"/>
               <a:t> </a:t>
             </a:r>
           </a:p>
@@ -7780,15 +5900,9 @@
               <a:rPr lang="en-US" sz="1400" dirty="0">
                 <a:hlinkClick r:id="rId4"/>
               </a:rPr>
-              <a:t>http://www.eevblog.com/forum</a:t>
-            </a:r>
-            <a:r>
-              <a:rPr lang="en-US" sz="1400" dirty="0" smtClean="0">
-                <a:hlinkClick r:id="rId4"/>
-              </a:rPr>
-              <a:t>/</a:t>
-            </a:r>
-            <a:endParaRPr lang="en-US" sz="1400" dirty="0" smtClean="0"/>
+              <a:t>http://www.eevblog.com/forum/</a:t>
+            </a:r>
+            <a:endParaRPr lang="en-US" sz="1400" dirty="0"/>
           </a:p>
           <a:p>
             <a:pPr lvl="2">
@@ -7800,16 +5914,10 @@
               <a:rPr lang="en-US" sz="1400" dirty="0">
                 <a:hlinkClick r:id="rId5"/>
               </a:rPr>
-              <a:t>http://electronics.stackexchange.com</a:t>
-            </a:r>
-            <a:r>
-              <a:rPr lang="en-US" sz="1400" dirty="0" smtClean="0">
-                <a:hlinkClick r:id="rId5"/>
-              </a:rPr>
-              <a:t>/</a:t>
-            </a:r>
-            <a:r>
-              <a:rPr lang="en-US" sz="1400" dirty="0" smtClean="0"/>
+              <a:t>http://electronics.stackexchange.com/</a:t>
+            </a:r>
+            <a:r>
+              <a:rPr lang="en-US" sz="1400" dirty="0"/>
               <a:t> </a:t>
             </a:r>
           </a:p>
@@ -7823,16 +5931,10 @@
               <a:rPr lang="en-US" sz="1400" dirty="0">
                 <a:hlinkClick r:id="rId6"/>
               </a:rPr>
-              <a:t>https://forum.sparkfun.com</a:t>
-            </a:r>
-            <a:r>
-              <a:rPr lang="en-US" sz="1400" dirty="0" smtClean="0">
-                <a:hlinkClick r:id="rId6"/>
-              </a:rPr>
-              <a:t>/</a:t>
-            </a:r>
-            <a:r>
-              <a:rPr lang="en-US" sz="1400" dirty="0" smtClean="0"/>
+              <a:t>https://forum.sparkfun.com/</a:t>
+            </a:r>
+            <a:r>
+              <a:rPr lang="en-US" sz="1400" dirty="0"/>
               <a:t> </a:t>
             </a:r>
           </a:p>
@@ -7846,16 +5948,10 @@
               <a:rPr lang="en-US" sz="1400" dirty="0">
                 <a:hlinkClick r:id="rId7"/>
               </a:rPr>
-              <a:t>https://forums.adafruit.com</a:t>
-            </a:r>
-            <a:r>
-              <a:rPr lang="en-US" sz="1400" dirty="0" smtClean="0">
-                <a:hlinkClick r:id="rId7"/>
-              </a:rPr>
-              <a:t>/</a:t>
-            </a:r>
-            <a:r>
-              <a:rPr lang="en-US" sz="1400" dirty="0" smtClean="0"/>
+              <a:t>https://forums.adafruit.com/</a:t>
+            </a:r>
+            <a:r>
+              <a:rPr lang="en-US" sz="1400" dirty="0"/>
               <a:t> </a:t>
             </a:r>
           </a:p>
@@ -7866,7 +5962,7 @@
               </a:lnSpc>
             </a:pPr>
             <a:r>
-              <a:rPr lang="en-US" sz="2000" dirty="0" smtClean="0"/>
+              <a:rPr lang="en-US" sz="2000" dirty="0"/>
               <a:t>The UCD library</a:t>
             </a:r>
           </a:p>
@@ -8784,6 +6880,437 @@
 </p:sld>
 </file>
 
+<file path=ppt/slides/slide2.xml><?xml version="1.0" encoding="utf-8"?>
+<p:sld xmlns:a="http://schemas.openxmlformats.org/drawingml/2006/main" xmlns:r="http://schemas.openxmlformats.org/officeDocument/2006/relationships" xmlns:p="http://schemas.openxmlformats.org/presentationml/2006/main">
+  <p:cSld>
+    <p:spTree>
+      <p:nvGrpSpPr>
+        <p:cNvPr id="1" name=""/>
+        <p:cNvGrpSpPr/>
+        <p:nvPr/>
+      </p:nvGrpSpPr>
+      <p:grpSpPr>
+        <a:xfrm>
+          <a:off x="0" y="0"/>
+          <a:ext cx="0" cy="0"/>
+          <a:chOff x="0" y="0"/>
+          <a:chExt cx="0" cy="0"/>
+        </a:xfrm>
+      </p:grpSpPr>
+      <p:sp>
+        <p:nvSpPr>
+          <p:cNvPr id="2" name="Title 1"/>
+          <p:cNvSpPr>
+            <a:spLocks noGrp="1"/>
+          </p:cNvSpPr>
+          <p:nvPr>
+            <p:ph type="title"/>
+          </p:nvPr>
+        </p:nvSpPr>
+        <p:spPr/>
+        <p:txBody>
+          <a:bodyPr>
+            <a:normAutofit/>
+          </a:bodyPr>
+          <a:lstStyle/>
+          <a:p>
+            <a:r>
+              <a:rPr lang="en-US" dirty="0"/>
+              <a:t>Course Objectives</a:t>
+            </a:r>
+          </a:p>
+        </p:txBody>
+      </p:sp>
+      <p:sp>
+        <p:nvSpPr>
+          <p:cNvPr id="3" name="Content Placeholder 2"/>
+          <p:cNvSpPr>
+            <a:spLocks noGrp="1"/>
+          </p:cNvSpPr>
+          <p:nvPr>
+            <p:ph type="body" sz="quarter" idx="10"/>
+          </p:nvPr>
+        </p:nvSpPr>
+        <p:spPr/>
+        <p:txBody>
+          <a:bodyPr/>
+          <a:lstStyle/>
+          <a:p>
+            <a:r>
+              <a:rPr lang="en-US" sz="2400" dirty="0"/>
+              <a:t>To provide a senior design option for students interested in RF/microwave engineering</a:t>
+            </a:r>
+          </a:p>
+          <a:p>
+            <a:r>
+              <a:rPr lang="en-US" sz="2400" dirty="0"/>
+              <a:t>To provide a system design perspective</a:t>
+            </a:r>
+          </a:p>
+          <a:p>
+            <a:r>
+              <a:rPr lang="en-US" sz="2400" dirty="0"/>
+              <a:t>To get your hands dirty</a:t>
+            </a:r>
+          </a:p>
+          <a:p>
+            <a:r>
+              <a:rPr lang="en-US" sz="2400" dirty="0"/>
+              <a:t>To promote teamwork</a:t>
+            </a:r>
+          </a:p>
+          <a:p>
+            <a:r>
+              <a:rPr lang="en-US" sz="2400" dirty="0"/>
+              <a:t>To promote self-learning</a:t>
+            </a:r>
+          </a:p>
+          <a:p>
+            <a:r>
+              <a:rPr lang="en-US" sz="2400" dirty="0"/>
+              <a:t>To improve communication (oral &amp; written) skills </a:t>
+            </a:r>
+          </a:p>
+          <a:p>
+            <a:r>
+              <a:rPr lang="en-US" sz="2400" dirty="0"/>
+              <a:t>To push your limit!</a:t>
+            </a:r>
+          </a:p>
+        </p:txBody>
+      </p:sp>
+    </p:spTree>
+  </p:cSld>
+  <p:clrMapOvr>
+    <a:masterClrMapping/>
+  </p:clrMapOvr>
+  <p:timing>
+    <p:tnLst>
+      <p:par>
+        <p:cTn id="1" dur="indefinite" restart="never" nodeType="tmRoot">
+          <p:childTnLst>
+            <p:seq concurrent="1" nextAc="seek">
+              <p:cTn id="2" dur="indefinite" nodeType="mainSeq">
+                <p:childTnLst>
+                  <p:par>
+                    <p:cTn id="3" fill="hold">
+                      <p:stCondLst>
+                        <p:cond delay="indefinite"/>
+                      </p:stCondLst>
+                      <p:childTnLst>
+                        <p:par>
+                          <p:cTn id="4" fill="hold">
+                            <p:stCondLst>
+                              <p:cond delay="0"/>
+                            </p:stCondLst>
+                            <p:childTnLst>
+                              <p:par>
+                                <p:cTn id="5" presetID="1" presetClass="entr" presetSubtype="0" fill="hold" nodeType="clickEffect">
+                                  <p:stCondLst>
+                                    <p:cond delay="0"/>
+                                  </p:stCondLst>
+                                  <p:childTnLst>
+                                    <p:set>
+                                      <p:cBhvr>
+                                        <p:cTn id="6" dur="1" fill="hold">
+                                          <p:stCondLst>
+                                            <p:cond delay="0"/>
+                                          </p:stCondLst>
+                                        </p:cTn>
+                                        <p:tgtEl>
+                                          <p:spTgt spid="3">
+                                            <p:txEl>
+                                              <p:pRg st="1" end="1"/>
+                                            </p:txEl>
+                                          </p:spTgt>
+                                        </p:tgtEl>
+                                        <p:attrNameLst>
+                                          <p:attrName>style.visibility</p:attrName>
+                                        </p:attrNameLst>
+                                      </p:cBhvr>
+                                      <p:to>
+                                        <p:strVal val="visible"/>
+                                      </p:to>
+                                    </p:set>
+                                  </p:childTnLst>
+                                </p:cTn>
+                              </p:par>
+                            </p:childTnLst>
+                          </p:cTn>
+                        </p:par>
+                      </p:childTnLst>
+                    </p:cTn>
+                  </p:par>
+                  <p:par>
+                    <p:cTn id="7" fill="hold">
+                      <p:stCondLst>
+                        <p:cond delay="indefinite"/>
+                      </p:stCondLst>
+                      <p:childTnLst>
+                        <p:par>
+                          <p:cTn id="8" fill="hold">
+                            <p:stCondLst>
+                              <p:cond delay="0"/>
+                            </p:stCondLst>
+                            <p:childTnLst>
+                              <p:par>
+                                <p:cTn id="9" presetID="1" presetClass="entr" presetSubtype="0" fill="hold" nodeType="clickEffect">
+                                  <p:stCondLst>
+                                    <p:cond delay="0"/>
+                                  </p:stCondLst>
+                                  <p:childTnLst>
+                                    <p:set>
+                                      <p:cBhvr>
+                                        <p:cTn id="10" dur="1" fill="hold">
+                                          <p:stCondLst>
+                                            <p:cond delay="0"/>
+                                          </p:stCondLst>
+                                        </p:cTn>
+                                        <p:tgtEl>
+                                          <p:spTgt spid="3">
+                                            <p:txEl>
+                                              <p:pRg st="2" end="2"/>
+                                            </p:txEl>
+                                          </p:spTgt>
+                                        </p:tgtEl>
+                                        <p:attrNameLst>
+                                          <p:attrName>style.visibility</p:attrName>
+                                        </p:attrNameLst>
+                                      </p:cBhvr>
+                                      <p:to>
+                                        <p:strVal val="visible"/>
+                                      </p:to>
+                                    </p:set>
+                                  </p:childTnLst>
+                                </p:cTn>
+                              </p:par>
+                            </p:childTnLst>
+                          </p:cTn>
+                        </p:par>
+                      </p:childTnLst>
+                    </p:cTn>
+                  </p:par>
+                  <p:par>
+                    <p:cTn id="11" fill="hold">
+                      <p:stCondLst>
+                        <p:cond delay="indefinite"/>
+                      </p:stCondLst>
+                      <p:childTnLst>
+                        <p:par>
+                          <p:cTn id="12" fill="hold">
+                            <p:stCondLst>
+                              <p:cond delay="0"/>
+                            </p:stCondLst>
+                            <p:childTnLst>
+                              <p:par>
+                                <p:cTn id="13" presetID="1" presetClass="entr" presetSubtype="0" fill="hold" nodeType="clickEffect">
+                                  <p:stCondLst>
+                                    <p:cond delay="0"/>
+                                  </p:stCondLst>
+                                  <p:childTnLst>
+                                    <p:set>
+                                      <p:cBhvr>
+                                        <p:cTn id="14" dur="1" fill="hold">
+                                          <p:stCondLst>
+                                            <p:cond delay="0"/>
+                                          </p:stCondLst>
+                                        </p:cTn>
+                                        <p:tgtEl>
+                                          <p:spTgt spid="3">
+                                            <p:txEl>
+                                              <p:pRg st="3" end="3"/>
+                                            </p:txEl>
+                                          </p:spTgt>
+                                        </p:tgtEl>
+                                        <p:attrNameLst>
+                                          <p:attrName>style.visibility</p:attrName>
+                                        </p:attrNameLst>
+                                      </p:cBhvr>
+                                      <p:to>
+                                        <p:strVal val="visible"/>
+                                      </p:to>
+                                    </p:set>
+                                  </p:childTnLst>
+                                </p:cTn>
+                              </p:par>
+                            </p:childTnLst>
+                          </p:cTn>
+                        </p:par>
+                      </p:childTnLst>
+                    </p:cTn>
+                  </p:par>
+                  <p:par>
+                    <p:cTn id="15" fill="hold">
+                      <p:stCondLst>
+                        <p:cond delay="indefinite"/>
+                      </p:stCondLst>
+                      <p:childTnLst>
+                        <p:par>
+                          <p:cTn id="16" fill="hold">
+                            <p:stCondLst>
+                              <p:cond delay="0"/>
+                            </p:stCondLst>
+                            <p:childTnLst>
+                              <p:par>
+                                <p:cTn id="17" presetID="1" presetClass="entr" presetSubtype="0" fill="hold" nodeType="clickEffect">
+                                  <p:stCondLst>
+                                    <p:cond delay="0"/>
+                                  </p:stCondLst>
+                                  <p:childTnLst>
+                                    <p:set>
+                                      <p:cBhvr>
+                                        <p:cTn id="18" dur="1" fill="hold">
+                                          <p:stCondLst>
+                                            <p:cond delay="0"/>
+                                          </p:stCondLst>
+                                        </p:cTn>
+                                        <p:tgtEl>
+                                          <p:spTgt spid="3">
+                                            <p:txEl>
+                                              <p:pRg st="4" end="4"/>
+                                            </p:txEl>
+                                          </p:spTgt>
+                                        </p:tgtEl>
+                                        <p:attrNameLst>
+                                          <p:attrName>style.visibility</p:attrName>
+                                        </p:attrNameLst>
+                                      </p:cBhvr>
+                                      <p:to>
+                                        <p:strVal val="visible"/>
+                                      </p:to>
+                                    </p:set>
+                                  </p:childTnLst>
+                                </p:cTn>
+                              </p:par>
+                            </p:childTnLst>
+                          </p:cTn>
+                        </p:par>
+                      </p:childTnLst>
+                    </p:cTn>
+                  </p:par>
+                  <p:par>
+                    <p:cTn id="19" fill="hold">
+                      <p:stCondLst>
+                        <p:cond delay="indefinite"/>
+                      </p:stCondLst>
+                      <p:childTnLst>
+                        <p:par>
+                          <p:cTn id="20" fill="hold">
+                            <p:stCondLst>
+                              <p:cond delay="0"/>
+                            </p:stCondLst>
+                            <p:childTnLst>
+                              <p:par>
+                                <p:cTn id="21" presetID="1" presetClass="entr" presetSubtype="0" fill="hold" nodeType="clickEffect">
+                                  <p:stCondLst>
+                                    <p:cond delay="0"/>
+                                  </p:stCondLst>
+                                  <p:childTnLst>
+                                    <p:set>
+                                      <p:cBhvr>
+                                        <p:cTn id="22" dur="1" fill="hold">
+                                          <p:stCondLst>
+                                            <p:cond delay="0"/>
+                                          </p:stCondLst>
+                                        </p:cTn>
+                                        <p:tgtEl>
+                                          <p:spTgt spid="3">
+                                            <p:txEl>
+                                              <p:pRg st="5" end="5"/>
+                                            </p:txEl>
+                                          </p:spTgt>
+                                        </p:tgtEl>
+                                        <p:attrNameLst>
+                                          <p:attrName>style.visibility</p:attrName>
+                                        </p:attrNameLst>
+                                      </p:cBhvr>
+                                      <p:to>
+                                        <p:strVal val="visible"/>
+                                      </p:to>
+                                    </p:set>
+                                  </p:childTnLst>
+                                </p:cTn>
+                              </p:par>
+                            </p:childTnLst>
+                          </p:cTn>
+                        </p:par>
+                      </p:childTnLst>
+                    </p:cTn>
+                  </p:par>
+                  <p:par>
+                    <p:cTn id="23" fill="hold">
+                      <p:stCondLst>
+                        <p:cond delay="indefinite"/>
+                      </p:stCondLst>
+                      <p:childTnLst>
+                        <p:par>
+                          <p:cTn id="24" fill="hold">
+                            <p:stCondLst>
+                              <p:cond delay="0"/>
+                            </p:stCondLst>
+                            <p:childTnLst>
+                              <p:par>
+                                <p:cTn id="25" presetID="1" presetClass="entr" presetSubtype="0" fill="hold" nodeType="clickEffect">
+                                  <p:stCondLst>
+                                    <p:cond delay="0"/>
+                                  </p:stCondLst>
+                                  <p:childTnLst>
+                                    <p:set>
+                                      <p:cBhvr>
+                                        <p:cTn id="26" dur="1" fill="hold">
+                                          <p:stCondLst>
+                                            <p:cond delay="0"/>
+                                          </p:stCondLst>
+                                        </p:cTn>
+                                        <p:tgtEl>
+                                          <p:spTgt spid="3">
+                                            <p:txEl>
+                                              <p:pRg st="6" end="6"/>
+                                            </p:txEl>
+                                          </p:spTgt>
+                                        </p:tgtEl>
+                                        <p:attrNameLst>
+                                          <p:attrName>style.visibility</p:attrName>
+                                        </p:attrNameLst>
+                                      </p:cBhvr>
+                                      <p:to>
+                                        <p:strVal val="visible"/>
+                                      </p:to>
+                                    </p:set>
+                                  </p:childTnLst>
+                                </p:cTn>
+                              </p:par>
+                            </p:childTnLst>
+                          </p:cTn>
+                        </p:par>
+                      </p:childTnLst>
+                    </p:cTn>
+                  </p:par>
+                </p:childTnLst>
+              </p:cTn>
+              <p:prevCondLst>
+                <p:cond evt="onPrev" delay="0">
+                  <p:tgtEl>
+                    <p:sldTgt/>
+                  </p:tgtEl>
+                </p:cond>
+              </p:prevCondLst>
+              <p:nextCondLst>
+                <p:cond evt="onNext" delay="0">
+                  <p:tgtEl>
+                    <p:sldTgt/>
+                  </p:tgtEl>
+                </p:cond>
+              </p:nextCondLst>
+            </p:seq>
+          </p:childTnLst>
+        </p:cTn>
+      </p:par>
+    </p:tnLst>
+  </p:timing>
+</p:sld>
+</file>
+
 <file path=ppt/slides/slide3.xml><?xml version="1.0" encoding="utf-8"?>
 <p:sld xmlns:a="http://schemas.openxmlformats.org/drawingml/2006/main" xmlns:r="http://schemas.openxmlformats.org/officeDocument/2006/relationships" xmlns:p="http://schemas.openxmlformats.org/presentationml/2006/main">
   <p:cSld>
@@ -8817,10 +7344,9 @@
           <a:lstStyle/>
           <a:p>
             <a:r>
-              <a:rPr lang="en-US" dirty="0" smtClean="0"/>
+              <a:rPr lang="en-US" dirty="0"/>
               <a:t>Basic Information</a:t>
             </a:r>
-            <a:endParaRPr lang="en-US" dirty="0"/>
           </a:p>
         </p:txBody>
       </p:sp>
@@ -8845,145 +7371,194 @@
           <a:lstStyle/>
           <a:p>
             <a:r>
-              <a:rPr lang="en-US" dirty="0" smtClean="0"/>
+              <a:rPr lang="en-US" sz="1800" dirty="0"/>
               <a:t>Instructor</a:t>
             </a:r>
           </a:p>
           <a:p>
             <a:pPr lvl="1"/>
             <a:r>
-              <a:rPr lang="en-US" dirty="0" smtClean="0"/>
+              <a:rPr lang="en-US" sz="1600" dirty="0"/>
               <a:t>Dr. Xiaoguang “Leo” Liu</a:t>
             </a:r>
           </a:p>
           <a:p>
             <a:pPr lvl="2"/>
             <a:r>
-              <a:rPr lang="en-US" dirty="0" smtClean="0"/>
+              <a:rPr lang="en-US" sz="1400" dirty="0"/>
               <a:t>Email: </a:t>
             </a:r>
             <a:r>
-              <a:rPr lang="en-US" dirty="0" smtClean="0">
+              <a:rPr lang="en-US" sz="1400" dirty="0">
                 <a:hlinkClick r:id="rId2"/>
               </a:rPr>
               <a:t>lxgliu@ucdavis.edu</a:t>
             </a:r>
             <a:r>
-              <a:rPr lang="en-US" dirty="0" smtClean="0"/>
+              <a:rPr lang="en-US" sz="1400" dirty="0"/>
               <a:t> </a:t>
             </a:r>
           </a:p>
           <a:p>
             <a:pPr lvl="2"/>
             <a:r>
-              <a:rPr lang="en-US" dirty="0" smtClean="0"/>
+              <a:rPr lang="en-US" sz="1400" dirty="0"/>
               <a:t>Office hour: </a:t>
             </a:r>
             <a:r>
-              <a:rPr lang="en-US" b="1" dirty="0" smtClean="0"/>
+              <a:rPr lang="en-US" sz="1400" b="1" dirty="0"/>
               <a:t>10 AM – 12 PM Tuesday </a:t>
             </a:r>
             <a:r>
-              <a:rPr lang="en-US" dirty="0" smtClean="0"/>
+              <a:rPr lang="en-US" sz="1400" dirty="0"/>
               <a:t>or </a:t>
             </a:r>
             <a:r>
-              <a:rPr lang="en-US" b="1" dirty="0" smtClean="0"/>
-              <a:t>by </a:t>
-            </a:r>
-            <a:r>
-              <a:rPr lang="en-US" b="1" dirty="0"/>
-              <a:t>appointment in Kemper 3169</a:t>
-            </a:r>
-            <a:r>
-              <a:rPr lang="en-US" dirty="0"/>
+              <a:rPr lang="en-US" sz="1400" b="1" dirty="0"/>
+              <a:t>by appointment in Kemper 3169</a:t>
+            </a:r>
+            <a:r>
+              <a:rPr lang="en-US" sz="1400" dirty="0"/>
               <a:t> </a:t>
             </a:r>
-            <a:endParaRPr lang="en-US" b="1" dirty="0" smtClean="0"/>
-          </a:p>
-          <a:p>
-            <a:r>
-              <a:rPr lang="en-US" dirty="0" smtClean="0"/>
+            <a:endParaRPr lang="en-US" sz="1400" b="1" dirty="0"/>
+          </a:p>
+          <a:p>
+            <a:r>
+              <a:rPr lang="en-US" sz="1800" dirty="0"/>
               <a:t>Teaching Assistants</a:t>
             </a:r>
           </a:p>
           <a:p>
             <a:pPr lvl="1"/>
             <a:r>
-              <a:rPr lang="en-US" dirty="0" err="1" smtClean="0"/>
-              <a:t>Hao</a:t>
-            </a:r>
-            <a:r>
-              <a:rPr lang="en-US" dirty="0" smtClean="0"/>
-              <a:t> Wang</a:t>
+              <a:rPr lang="en-US" sz="1600" dirty="0" err="1"/>
+              <a:t>Songjie</a:t>
+            </a:r>
+            <a:r>
+              <a:rPr lang="en-US" sz="1600" dirty="0"/>
+              <a:t> Bi</a:t>
             </a:r>
           </a:p>
           <a:p>
             <a:pPr lvl="2"/>
             <a:r>
-              <a:rPr lang="en-US" dirty="0" smtClean="0"/>
+              <a:rPr lang="en-US" sz="1400" dirty="0"/>
               <a:t>Email: </a:t>
             </a:r>
             <a:r>
-              <a:rPr lang="en-US" dirty="0" smtClean="0">
+              <a:rPr lang="en-US" sz="1400" dirty="0">
                 <a:hlinkClick r:id="rId3"/>
               </a:rPr>
-              <a:t>haowang@ucdavis.edu</a:t>
-            </a:r>
-            <a:r>
-              <a:rPr lang="en-US" dirty="0" smtClean="0"/>
-              <a:t> </a:t>
-            </a:r>
+              <a:t>sbi@ucdavis.edu</a:t>
+            </a:r>
+            <a:endParaRPr lang="en-US" sz="1400" dirty="0"/>
           </a:p>
           <a:p>
             <a:pPr lvl="2"/>
             <a:r>
-              <a:rPr lang="en-US" dirty="0" smtClean="0"/>
+              <a:rPr lang="en-US" sz="1400" dirty="0"/>
               <a:t>Office hours: </a:t>
             </a:r>
             <a:r>
-              <a:rPr lang="en-US" b="1" dirty="0"/>
-              <a:t>9:00 – 10:30 AM, Monday &amp; </a:t>
-            </a:r>
-            <a:r>
-              <a:rPr lang="en-US" b="1" dirty="0" smtClean="0"/>
-              <a:t>Tuesday in Kemper 3089</a:t>
-            </a:r>
-            <a:endParaRPr lang="en-US" dirty="0" smtClean="0">
+              <a:rPr lang="en-US" sz="1400" b="1" dirty="0"/>
+              <a:t>TBD</a:t>
+            </a:r>
+          </a:p>
+          <a:p>
+            <a:pPr lvl="1"/>
+            <a:r>
+              <a:rPr lang="en-US" sz="1600" dirty="0"/>
+              <a:t>Daniel </a:t>
+            </a:r>
+            <a:r>
+              <a:rPr lang="en-US" sz="1600" dirty="0" err="1"/>
+              <a:t>Kuzmenko</a:t>
+            </a:r>
+            <a:endParaRPr lang="en-US" sz="1600" dirty="0"/>
+          </a:p>
+          <a:p>
+            <a:pPr lvl="2"/>
+            <a:r>
+              <a:rPr lang="en-US" sz="1400" dirty="0"/>
+              <a:t>Email: </a:t>
+            </a:r>
+            <a:r>
+              <a:rPr lang="en-US" sz="1400" dirty="0">
+                <a:hlinkClick r:id="rId4"/>
+              </a:rPr>
+              <a:t>dkuzmenko@ucdavis.edu</a:t>
+            </a:r>
+            <a:r>
+              <a:rPr lang="en-US" sz="1400" dirty="0"/>
+              <a:t> Office hours: </a:t>
+            </a:r>
+            <a:r>
+              <a:rPr lang="en-US" sz="1400" b="1" dirty="0"/>
+              <a:t>TBD</a:t>
+            </a:r>
+            <a:endParaRPr lang="en-US" sz="1400" b="1" dirty="0">
               <a:solidFill>
                 <a:srgbClr val="FF0000"/>
               </a:solidFill>
             </a:endParaRPr>
           </a:p>
           <a:p>
-            <a:r>
-              <a:rPr lang="en-US" dirty="0" smtClean="0"/>
+            <a:pPr lvl="1"/>
+            <a:r>
+              <a:rPr lang="en-US" sz="1600" dirty="0" err="1"/>
+              <a:t>Hao</a:t>
+            </a:r>
+            <a:r>
+              <a:rPr lang="en-US" sz="1600" dirty="0"/>
+              <a:t> Wang</a:t>
+            </a:r>
+          </a:p>
+          <a:p>
+            <a:pPr lvl="2"/>
+            <a:r>
+              <a:rPr lang="en-US" sz="1400" dirty="0"/>
+              <a:t>Email: </a:t>
+            </a:r>
+            <a:r>
+              <a:rPr lang="en-US" sz="1400" dirty="0">
+                <a:hlinkClick r:id="rId5"/>
+              </a:rPr>
+              <a:t>haowang@ucdavis.edu</a:t>
+            </a:r>
+            <a:r>
+              <a:rPr lang="en-US" sz="1400" dirty="0"/>
+              <a:t> </a:t>
+            </a:r>
+          </a:p>
+          <a:p>
+            <a:pPr lvl="2"/>
+            <a:r>
+              <a:rPr lang="en-US" sz="1400" dirty="0"/>
+              <a:t>Office hours: </a:t>
+            </a:r>
+            <a:r>
+              <a:rPr lang="en-US" sz="1400" b="1" dirty="0"/>
+              <a:t>TBD</a:t>
+            </a:r>
+          </a:p>
+          <a:p>
+            <a:r>
+              <a:rPr lang="en-US" sz="1800" dirty="0"/>
               <a:t>Lecture</a:t>
             </a:r>
           </a:p>
           <a:p>
             <a:pPr lvl="1"/>
             <a:r>
-              <a:rPr lang="en-US" b="1" dirty="0" smtClean="0"/>
-              <a:t>1:10 – 2 PM, Friday</a:t>
-            </a:r>
-            <a:r>
-              <a:rPr lang="en-US" dirty="0" smtClean="0"/>
-              <a:t> </a:t>
-            </a:r>
-            <a:r>
-              <a:rPr lang="en-US" dirty="0"/>
-              <a:t>in </a:t>
-            </a:r>
-            <a:r>
-              <a:rPr lang="en-US" dirty="0" err="1"/>
-              <a:t>Geidt</a:t>
-            </a:r>
-            <a:r>
-              <a:rPr lang="en-US" dirty="0"/>
-              <a:t> 1007</a:t>
-            </a:r>
-            <a:endParaRPr lang="en-US" dirty="0">
+              <a:rPr lang="en-US" sz="1600" b="1" dirty="0"/>
+              <a:t>12:10 – 2 PM, Friday</a:t>
+            </a:r>
+            <a:r>
+              <a:rPr lang="en-US" sz="1600" dirty="0"/>
+              <a:t> in Wellman 229</a:t>
+            </a:r>
+            <a:endParaRPr lang="en-US" sz="1600" dirty="0">
               <a:solidFill>
                 <a:srgbClr val="FF0000"/>
               </a:solidFill>
@@ -8991,38 +7566,38 @@
           </a:p>
           <a:p>
             <a:r>
-              <a:rPr lang="en-US" dirty="0"/>
+              <a:rPr lang="en-US" sz="1800" dirty="0"/>
               <a:t>Lab</a:t>
             </a:r>
           </a:p>
           <a:p>
             <a:pPr lvl="1"/>
             <a:r>
-              <a:rPr lang="en-US" dirty="0"/>
+              <a:rPr lang="en-US" sz="1600" dirty="0"/>
               <a:t>Session 1: </a:t>
             </a:r>
             <a:r>
-              <a:rPr lang="en-US" b="1" dirty="0"/>
+              <a:rPr lang="en-US" sz="1600" b="1" dirty="0"/>
               <a:t>2 – 5 PM, Friday</a:t>
             </a:r>
           </a:p>
           <a:p>
             <a:pPr lvl="1"/>
             <a:r>
-              <a:rPr lang="en-US" dirty="0"/>
+              <a:rPr lang="en-US" sz="1600" dirty="0"/>
               <a:t>Session 2: </a:t>
             </a:r>
             <a:r>
-              <a:rPr lang="en-US" b="1" dirty="0"/>
-              <a:t>6 – 9 PM, Monday</a:t>
-            </a:r>
-            <a:endParaRPr lang="en-US" dirty="0"/>
+              <a:rPr lang="en-US" sz="1600" b="1" dirty="0"/>
+              <a:t>9 AM – 12 PM, Friday</a:t>
+            </a:r>
+            <a:endParaRPr lang="en-US" sz="1600" dirty="0"/>
           </a:p>
           <a:p>
             <a:pPr marL="457200" lvl="1" indent="0">
               <a:buNone/>
             </a:pPr>
-            <a:endParaRPr lang="en-US" dirty="0"/>
+            <a:endParaRPr lang="en-US" sz="1600" dirty="0"/>
           </a:p>
         </p:txBody>
       </p:sp>
@@ -9035,7 +7610,7 @@
           <p:nvPr/>
         </p:nvPicPr>
         <p:blipFill>
-          <a:blip r:embed="rId4">
+          <a:blip r:embed="rId6">
             <a:extLst>
               <a:ext uri="{28A0092B-C50C-407E-A947-70E740481C1C}">
                 <a14:useLocalDpi xmlns:a14="http://schemas.microsoft.com/office/drawing/2010/main" val="0"/>
@@ -9049,8 +7624,8 @@
         </p:blipFill>
         <p:spPr bwMode="auto">
           <a:xfrm>
-            <a:off x="6898445" y="1036759"/>
-            <a:ext cx="1975924" cy="2469905"/>
+            <a:off x="7460142" y="2571750"/>
+            <a:ext cx="1371600" cy="1714500"/>
           </a:xfrm>
           <a:prstGeom prst="rect">
             <a:avLst/>
@@ -9076,7 +7651,7 @@
           <p:nvPr/>
         </p:nvPicPr>
         <p:blipFill>
-          <a:blip r:embed="rId5">
+          <a:blip r:embed="rId7">
             <a:extLst>
               <a:ext uri="{28A0092B-C50C-407E-A947-70E740481C1C}">
                 <a14:useLocalDpi xmlns:a14="http://schemas.microsoft.com/office/drawing/2010/main" val="0"/>
@@ -9090,8 +7665,8 @@
         </p:blipFill>
         <p:spPr bwMode="auto">
           <a:xfrm>
-            <a:off x="4677508" y="1036760"/>
-            <a:ext cx="1974752" cy="2468440"/>
+            <a:off x="6091880" y="914400"/>
+            <a:ext cx="1217966" cy="1522458"/>
           </a:xfrm>
           <a:prstGeom prst="rect">
             <a:avLst/>
@@ -9116,7 +7691,7 @@
         </p:nvSpPr>
         <p:spPr>
           <a:xfrm>
-            <a:off x="5454652" y="4518480"/>
+            <a:off x="5258356" y="4662859"/>
             <a:ext cx="2887586" cy="830997"/>
           </a:xfrm>
           <a:prstGeom prst="rect">
@@ -9137,53 +7712,99 @@
           <a:p>
             <a:pPr algn="ctr"/>
             <a:r>
-              <a:rPr lang="en-US" dirty="0" smtClean="0">
-                <a:solidFill>
-                  <a:srgbClr val="FF0000"/>
-                </a:solidFill>
-                <a:latin typeface="+mj-lt"/>
-              </a:rPr>
-              <a:t>Additional </a:t>
-            </a:r>
-            <a:r>
               <a:rPr lang="en-US" dirty="0">
                 <a:solidFill>
                   <a:srgbClr val="FF0000"/>
                 </a:solidFill>
                 <a:latin typeface="+mj-lt"/>
               </a:rPr>
-              <a:t>l</a:t>
-            </a:r>
-            <a:r>
-              <a:rPr lang="en-US" dirty="0" smtClean="0">
-                <a:solidFill>
-                  <a:srgbClr val="FF0000"/>
-                </a:solidFill>
-                <a:latin typeface="+mj-lt"/>
-              </a:rPr>
-              <a:t>ecture time</a:t>
-            </a:r>
-            <a:r>
-              <a:rPr lang="en-US" dirty="0">
-                <a:solidFill>
-                  <a:srgbClr val="FF0000"/>
-                </a:solidFill>
-                <a:latin typeface="+mj-lt"/>
-              </a:rPr>
-              <a:t> </a:t>
-            </a:r>
-            <a:r>
-              <a:rPr lang="en-US" dirty="0" smtClean="0">
-                <a:solidFill>
-                  <a:srgbClr val="FF0000"/>
-                </a:solidFill>
-                <a:latin typeface="+mj-lt"/>
-              </a:rPr>
-              <a:t>needed</a:t>
+              <a:t>Additional lecture time needed</a:t>
             </a:r>
           </a:p>
         </p:txBody>
       </p:sp>
+      <p:pic>
+        <p:nvPicPr>
+          <p:cNvPr id="5" name="Picture 2" descr="http://ucdart.github.io/images/songjie.jpg"/>
+          <p:cNvPicPr>
+            <a:picLocks noChangeAspect="1" noChangeArrowheads="1"/>
+          </p:cNvPicPr>
+          <p:nvPr/>
+        </p:nvPicPr>
+        <p:blipFill>
+          <a:blip r:embed="rId8">
+            <a:extLst>
+              <a:ext uri="{28A0092B-C50C-407E-A947-70E740481C1C}">
+                <a14:useLocalDpi xmlns:a14="http://schemas.microsoft.com/office/drawing/2010/main" val="0"/>
+              </a:ext>
+            </a:extLst>
+          </a:blip>
+          <a:srcRect/>
+          <a:stretch>
+            <a:fillRect/>
+          </a:stretch>
+        </p:blipFill>
+        <p:spPr bwMode="auto">
+          <a:xfrm>
+            <a:off x="4569984" y="2571750"/>
+            <a:ext cx="1371600" cy="1714500"/>
+          </a:xfrm>
+          <a:prstGeom prst="rect">
+            <a:avLst/>
+          </a:prstGeom>
+          <a:noFill/>
+          <a:extLst>
+            <a:ext uri="{909E8E84-426E-40DD-AFC4-6F175D3DCCD1}">
+              <a14:hiddenFill xmlns:a14="http://schemas.microsoft.com/office/drawing/2010/main">
+                <a:solidFill>
+                  <a:srgbClr val="FFFFFF"/>
+                </a:solidFill>
+              </a14:hiddenFill>
+            </a:ext>
+          </a:extLst>
+        </p:spPr>
+      </p:pic>
+      <p:pic>
+        <p:nvPicPr>
+          <p:cNvPr id="6" name="Picture 4" descr="Daniel Kuzmenko"/>
+          <p:cNvPicPr>
+            <a:picLocks noChangeAspect="1" noChangeArrowheads="1"/>
+          </p:cNvPicPr>
+          <p:nvPr/>
+        </p:nvPicPr>
+        <p:blipFill>
+          <a:blip r:embed="rId9">
+            <a:extLst>
+              <a:ext uri="{28A0092B-C50C-407E-A947-70E740481C1C}">
+                <a14:useLocalDpi xmlns:a14="http://schemas.microsoft.com/office/drawing/2010/main" val="0"/>
+              </a:ext>
+            </a:extLst>
+          </a:blip>
+          <a:srcRect/>
+          <a:stretch>
+            <a:fillRect/>
+          </a:stretch>
+        </p:blipFill>
+        <p:spPr bwMode="auto">
+          <a:xfrm>
+            <a:off x="6015063" y="2571750"/>
+            <a:ext cx="1371600" cy="1714500"/>
+          </a:xfrm>
+          <a:prstGeom prst="rect">
+            <a:avLst/>
+          </a:prstGeom>
+          <a:noFill/>
+          <a:extLst>
+            <a:ext uri="{909E8E84-426E-40DD-AFC4-6F175D3DCCD1}">
+              <a14:hiddenFill xmlns:a14="http://schemas.microsoft.com/office/drawing/2010/main">
+                <a:solidFill>
+                  <a:srgbClr val="FFFFFF"/>
+                </a:solidFill>
+              </a14:hiddenFill>
+            </a:ext>
+          </a:extLst>
+        </p:spPr>
+      </p:pic>
     </p:spTree>
     <p:extLst>
       <p:ext uri="{BB962C8B-B14F-4D97-AF65-F5344CB8AC3E}">
@@ -9261,7 +7882,7 @@
                                         <p:tgtEl>
                                           <p:spTgt spid="3">
                                             <p:txEl>
-                                              <p:pRg st="5" end="5"/>
+                                              <p:pRg st="10" end="10"/>
                                             </p:txEl>
                                           </p:spTgt>
                                         </p:tgtEl>
@@ -9292,7 +7913,7 @@
                                         <p:tgtEl>
                                           <p:spTgt spid="3">
                                             <p:txEl>
-                                              <p:pRg st="6" end="6"/>
+                                              <p:pRg st="5" end="5"/>
                                             </p:txEl>
                                           </p:spTgt>
                                         </p:tgtEl>
@@ -9323,7 +7944,7 @@
                                         <p:tgtEl>
                                           <p:spTgt spid="3">
                                             <p:txEl>
-                                              <p:pRg st="7" end="7"/>
+                                              <p:pRg st="6" end="6"/>
                                             </p:txEl>
                                           </p:spTgt>
                                         </p:tgtEl>
@@ -9352,7 +7973,11 @@
                                           </p:stCondLst>
                                         </p:cTn>
                                         <p:tgtEl>
-                                          <p:spTgt spid="1026"/>
+                                          <p:spTgt spid="3">
+                                            <p:txEl>
+                                              <p:pRg st="7" end="7"/>
+                                            </p:txEl>
+                                          </p:spTgt>
                                         </p:tgtEl>
                                         <p:attrNameLst>
                                           <p:attrName>style.visibility</p:attrName>
@@ -9365,26 +7990,39 @@
                                   </p:childTnLst>
                                 </p:cTn>
                               </p:par>
-                            </p:childTnLst>
-                          </p:cTn>
-                        </p:par>
-                      </p:childTnLst>
-                    </p:cTn>
-                  </p:par>
-                  <p:par>
-                    <p:cTn id="15" fill="hold">
-                      <p:stCondLst>
-                        <p:cond delay="indefinite"/>
-                      </p:stCondLst>
-                      <p:childTnLst>
-                        <p:par>
-                          <p:cTn id="16" fill="hold">
-                            <p:stCondLst>
-                              <p:cond delay="0"/>
-                            </p:stCondLst>
-                            <p:childTnLst>
                               <p:par>
-                                <p:cTn id="17" presetID="1" presetClass="entr" presetSubtype="0" fill="hold" nodeType="clickEffect">
+                                <p:cTn id="15" presetID="1" presetClass="entr" presetSubtype="0" fill="hold" nodeType="withEffect">
+                                  <p:stCondLst>
+                                    <p:cond delay="0"/>
+                                  </p:stCondLst>
+                                  <p:childTnLst>
+                                    <p:set>
+                                      <p:cBhvr>
+                                        <p:cTn id="16" dur="1" fill="hold">
+                                          <p:stCondLst>
+                                            <p:cond delay="0"/>
+                                          </p:stCondLst>
+                                        </p:cTn>
+                                        <p:tgtEl>
+                                          <p:spTgt spid="3">
+                                            <p:txEl>
+                                              <p:pRg st="8" end="8"/>
+                                            </p:txEl>
+                                          </p:spTgt>
+                                        </p:tgtEl>
+                                        <p:attrNameLst>
+                                          <p:attrName>style.visibility</p:attrName>
+                                        </p:attrNameLst>
+                                      </p:cBhvr>
+                                      <p:to>
+                                        <p:strVal val="visible"/>
+                                      </p:to>
+                                    </p:set>
+                                  </p:childTnLst>
+                                </p:cTn>
+                              </p:par>
+                              <p:par>
+                                <p:cTn id="17" presetID="1" presetClass="entr" presetSubtype="0" fill="hold" nodeType="withEffect">
                                   <p:stCondLst>
                                     <p:cond delay="0"/>
                                   </p:stCondLst>
@@ -9399,7 +8037,7 @@
                                         <p:tgtEl>
                                           <p:spTgt spid="3">
                                             <p:txEl>
-                                              <p:pRg st="8" end="8"/>
+                                              <p:pRg st="9" end="9"/>
                                             </p:txEl>
                                           </p:spTgt>
                                         </p:tgtEl>
@@ -9430,86 +8068,6 @@
                                         <p:tgtEl>
                                           <p:spTgt spid="3">
                                             <p:txEl>
-                                              <p:pRg st="9" end="9"/>
-                                            </p:txEl>
-                                          </p:spTgt>
-                                        </p:tgtEl>
-                                        <p:attrNameLst>
-                                          <p:attrName>style.visibility</p:attrName>
-                                        </p:attrNameLst>
-                                      </p:cBhvr>
-                                      <p:to>
-                                        <p:strVal val="visible"/>
-                                      </p:to>
-                                    </p:set>
-                                  </p:childTnLst>
-                                </p:cTn>
-                              </p:par>
-                            </p:childTnLst>
-                          </p:cTn>
-                        </p:par>
-                      </p:childTnLst>
-                    </p:cTn>
-                  </p:par>
-                  <p:par>
-                    <p:cTn id="21" fill="hold">
-                      <p:stCondLst>
-                        <p:cond delay="indefinite"/>
-                      </p:stCondLst>
-                      <p:childTnLst>
-                        <p:par>
-                          <p:cTn id="22" fill="hold">
-                            <p:stCondLst>
-                              <p:cond delay="0"/>
-                            </p:stCondLst>
-                            <p:childTnLst>
-                              <p:par>
-                                <p:cTn id="23" presetID="1" presetClass="entr" presetSubtype="0" fill="hold" nodeType="clickEffect">
-                                  <p:stCondLst>
-                                    <p:cond delay="0"/>
-                                  </p:stCondLst>
-                                  <p:childTnLst>
-                                    <p:set>
-                                      <p:cBhvr>
-                                        <p:cTn id="24" dur="1" fill="hold">
-                                          <p:stCondLst>
-                                            <p:cond delay="0"/>
-                                          </p:stCondLst>
-                                        </p:cTn>
-                                        <p:tgtEl>
-                                          <p:spTgt spid="3">
-                                            <p:txEl>
-                                              <p:pRg st="10" end="10"/>
-                                            </p:txEl>
-                                          </p:spTgt>
-                                        </p:tgtEl>
-                                        <p:attrNameLst>
-                                          <p:attrName>style.visibility</p:attrName>
-                                        </p:attrNameLst>
-                                      </p:cBhvr>
-                                      <p:to>
-                                        <p:strVal val="visible"/>
-                                      </p:to>
-                                    </p:set>
-                                  </p:childTnLst>
-                                </p:cTn>
-                              </p:par>
-                              <p:par>
-                                <p:cTn id="25" presetID="1" presetClass="entr" presetSubtype="0" fill="hold" nodeType="withEffect">
-                                  <p:stCondLst>
-                                    <p:cond delay="0"/>
-                                  </p:stCondLst>
-                                  <p:childTnLst>
-                                    <p:set>
-                                      <p:cBhvr>
-                                        <p:cTn id="26" dur="1" fill="hold">
-                                          <p:stCondLst>
-                                            <p:cond delay="0"/>
-                                          </p:stCondLst>
-                                        </p:cTn>
-                                        <p:tgtEl>
-                                          <p:spTgt spid="3">
-                                            <p:txEl>
                                               <p:pRg st="11" end="11"/>
                                             </p:txEl>
                                           </p:spTgt>
@@ -9526,14 +8084,14 @@
                                 </p:cTn>
                               </p:par>
                               <p:par>
-                                <p:cTn id="27" presetID="1" presetClass="entr" presetSubtype="0" fill="hold" nodeType="withEffect">
+                                <p:cTn id="21" presetID="1" presetClass="entr" presetSubtype="0" fill="hold" nodeType="withEffect">
                                   <p:stCondLst>
                                     <p:cond delay="0"/>
                                   </p:stCondLst>
                                   <p:childTnLst>
                                     <p:set>
                                       <p:cBhvr>
-                                        <p:cTn id="28" dur="1" fill="hold">
+                                        <p:cTn id="22" dur="1" fill="hold">
                                           <p:stCondLst>
                                             <p:cond delay="0"/>
                                           </p:stCondLst>
@@ -9556,6 +8114,33 @@
                                   </p:childTnLst>
                                 </p:cTn>
                               </p:par>
+                              <p:par>
+                                <p:cTn id="23" presetID="1" presetClass="entr" presetSubtype="0" fill="hold" nodeType="withEffect">
+                                  <p:stCondLst>
+                                    <p:cond delay="0"/>
+                                  </p:stCondLst>
+                                  <p:childTnLst>
+                                    <p:set>
+                                      <p:cBhvr>
+                                        <p:cTn id="24" dur="1" fill="hold">
+                                          <p:stCondLst>
+                                            <p:cond delay="0"/>
+                                          </p:stCondLst>
+                                        </p:cTn>
+                                        <p:tgtEl>
+                                          <p:spTgt spid="1026"/>
+                                        </p:tgtEl>
+                                        <p:attrNameLst>
+                                          <p:attrName>style.visibility</p:attrName>
+                                        </p:attrNameLst>
+                                      </p:cBhvr>
+                                      <p:to>
+                                        <p:strVal val="visible"/>
+                                      </p:to>
+                                    </p:set>
+                                  </p:childTnLst>
+                                </p:cTn>
+                              </p:par>
                             </p:childTnLst>
                           </p:cTn>
                         </p:par>
@@ -9563,26 +8148,217 @@
                     </p:cTn>
                   </p:par>
                   <p:par>
-                    <p:cTn id="29" fill="hold">
+                    <p:cTn id="25" fill="hold">
                       <p:stCondLst>
                         <p:cond delay="indefinite"/>
                       </p:stCondLst>
                       <p:childTnLst>
                         <p:par>
-                          <p:cTn id="30" fill="hold">
+                          <p:cTn id="26" fill="hold">
                             <p:stCondLst>
                               <p:cond delay="0"/>
                             </p:stCondLst>
                             <p:childTnLst>
                               <p:par>
-                                <p:cTn id="31" presetID="1" presetClass="entr" presetSubtype="0" fill="hold" grpId="0" nodeType="clickEffect">
+                                <p:cTn id="27" presetID="1" presetClass="entr" presetSubtype="0" fill="hold" nodeType="clickEffect">
                                   <p:stCondLst>
                                     <p:cond delay="0"/>
                                   </p:stCondLst>
                                   <p:childTnLst>
                                     <p:set>
                                       <p:cBhvr>
-                                        <p:cTn id="32" dur="1" fill="hold">
+                                        <p:cTn id="28" dur="1" fill="hold">
+                                          <p:stCondLst>
+                                            <p:cond delay="0"/>
+                                          </p:stCondLst>
+                                        </p:cTn>
+                                        <p:tgtEl>
+                                          <p:spTgt spid="3">
+                                            <p:txEl>
+                                              <p:pRg st="13" end="13"/>
+                                            </p:txEl>
+                                          </p:spTgt>
+                                        </p:tgtEl>
+                                        <p:attrNameLst>
+                                          <p:attrName>style.visibility</p:attrName>
+                                        </p:attrNameLst>
+                                      </p:cBhvr>
+                                      <p:to>
+                                        <p:strVal val="visible"/>
+                                      </p:to>
+                                    </p:set>
+                                  </p:childTnLst>
+                                </p:cTn>
+                              </p:par>
+                              <p:par>
+                                <p:cTn id="29" presetID="1" presetClass="entr" presetSubtype="0" fill="hold" nodeType="withEffect">
+                                  <p:stCondLst>
+                                    <p:cond delay="0"/>
+                                  </p:stCondLst>
+                                  <p:childTnLst>
+                                    <p:set>
+                                      <p:cBhvr>
+                                        <p:cTn id="30" dur="1" fill="hold">
+                                          <p:stCondLst>
+                                            <p:cond delay="0"/>
+                                          </p:stCondLst>
+                                        </p:cTn>
+                                        <p:tgtEl>
+                                          <p:spTgt spid="3">
+                                            <p:txEl>
+                                              <p:pRg st="14" end="14"/>
+                                            </p:txEl>
+                                          </p:spTgt>
+                                        </p:tgtEl>
+                                        <p:attrNameLst>
+                                          <p:attrName>style.visibility</p:attrName>
+                                        </p:attrNameLst>
+                                      </p:cBhvr>
+                                      <p:to>
+                                        <p:strVal val="visible"/>
+                                      </p:to>
+                                    </p:set>
+                                  </p:childTnLst>
+                                </p:cTn>
+                              </p:par>
+                            </p:childTnLst>
+                          </p:cTn>
+                        </p:par>
+                      </p:childTnLst>
+                    </p:cTn>
+                  </p:par>
+                  <p:par>
+                    <p:cTn id="31" fill="hold">
+                      <p:stCondLst>
+                        <p:cond delay="indefinite"/>
+                      </p:stCondLst>
+                      <p:childTnLst>
+                        <p:par>
+                          <p:cTn id="32" fill="hold">
+                            <p:stCondLst>
+                              <p:cond delay="0"/>
+                            </p:stCondLst>
+                            <p:childTnLst>
+                              <p:par>
+                                <p:cTn id="33" presetID="1" presetClass="entr" presetSubtype="0" fill="hold" nodeType="clickEffect">
+                                  <p:stCondLst>
+                                    <p:cond delay="0"/>
+                                  </p:stCondLst>
+                                  <p:childTnLst>
+                                    <p:set>
+                                      <p:cBhvr>
+                                        <p:cTn id="34" dur="1" fill="hold">
+                                          <p:stCondLst>
+                                            <p:cond delay="0"/>
+                                          </p:stCondLst>
+                                        </p:cTn>
+                                        <p:tgtEl>
+                                          <p:spTgt spid="3">
+                                            <p:txEl>
+                                              <p:pRg st="15" end="15"/>
+                                            </p:txEl>
+                                          </p:spTgt>
+                                        </p:tgtEl>
+                                        <p:attrNameLst>
+                                          <p:attrName>style.visibility</p:attrName>
+                                        </p:attrNameLst>
+                                      </p:cBhvr>
+                                      <p:to>
+                                        <p:strVal val="visible"/>
+                                      </p:to>
+                                    </p:set>
+                                  </p:childTnLst>
+                                </p:cTn>
+                              </p:par>
+                              <p:par>
+                                <p:cTn id="35" presetID="1" presetClass="entr" presetSubtype="0" fill="hold" nodeType="withEffect">
+                                  <p:stCondLst>
+                                    <p:cond delay="0"/>
+                                  </p:stCondLst>
+                                  <p:childTnLst>
+                                    <p:set>
+                                      <p:cBhvr>
+                                        <p:cTn id="36" dur="1" fill="hold">
+                                          <p:stCondLst>
+                                            <p:cond delay="0"/>
+                                          </p:stCondLst>
+                                        </p:cTn>
+                                        <p:tgtEl>
+                                          <p:spTgt spid="3">
+                                            <p:txEl>
+                                              <p:pRg st="16" end="16"/>
+                                            </p:txEl>
+                                          </p:spTgt>
+                                        </p:tgtEl>
+                                        <p:attrNameLst>
+                                          <p:attrName>style.visibility</p:attrName>
+                                        </p:attrNameLst>
+                                      </p:cBhvr>
+                                      <p:to>
+                                        <p:strVal val="visible"/>
+                                      </p:to>
+                                    </p:set>
+                                  </p:childTnLst>
+                                </p:cTn>
+                              </p:par>
+                              <p:par>
+                                <p:cTn id="37" presetID="1" presetClass="entr" presetSubtype="0" fill="hold" nodeType="withEffect">
+                                  <p:stCondLst>
+                                    <p:cond delay="0"/>
+                                  </p:stCondLst>
+                                  <p:childTnLst>
+                                    <p:set>
+                                      <p:cBhvr>
+                                        <p:cTn id="38" dur="1" fill="hold">
+                                          <p:stCondLst>
+                                            <p:cond delay="0"/>
+                                          </p:stCondLst>
+                                        </p:cTn>
+                                        <p:tgtEl>
+                                          <p:spTgt spid="3">
+                                            <p:txEl>
+                                              <p:pRg st="17" end="17"/>
+                                            </p:txEl>
+                                          </p:spTgt>
+                                        </p:tgtEl>
+                                        <p:attrNameLst>
+                                          <p:attrName>style.visibility</p:attrName>
+                                        </p:attrNameLst>
+                                      </p:cBhvr>
+                                      <p:to>
+                                        <p:strVal val="visible"/>
+                                      </p:to>
+                                    </p:set>
+                                  </p:childTnLst>
+                                </p:cTn>
+                              </p:par>
+                            </p:childTnLst>
+                          </p:cTn>
+                        </p:par>
+                      </p:childTnLst>
+                    </p:cTn>
+                  </p:par>
+                  <p:par>
+                    <p:cTn id="39" fill="hold">
+                      <p:stCondLst>
+                        <p:cond delay="indefinite"/>
+                      </p:stCondLst>
+                      <p:childTnLst>
+                        <p:par>
+                          <p:cTn id="40" fill="hold">
+                            <p:stCondLst>
+                              <p:cond delay="0"/>
+                            </p:stCondLst>
+                            <p:childTnLst>
+                              <p:par>
+                                <p:cTn id="41" presetID="1" presetClass="entr" presetSubtype="0" fill="hold" grpId="0" nodeType="clickEffect">
+                                  <p:stCondLst>
+                                    <p:cond delay="0"/>
+                                  </p:stCondLst>
+                                  <p:childTnLst>
+                                    <p:set>
+                                      <p:cBhvr>
+                                        <p:cTn id="42" dur="1" fill="hold">
                                           <p:stCondLst>
                                             <p:cond delay="0"/>
                                           </p:stCondLst>
@@ -9670,10 +8446,9 @@
           <a:lstStyle/>
           <a:p>
             <a:r>
-              <a:rPr lang="en-US" dirty="0" smtClean="0"/>
+              <a:rPr lang="en-US" dirty="0"/>
               <a:t>Course Materials</a:t>
             </a:r>
-            <a:endParaRPr lang="en-US" dirty="0"/>
           </a:p>
         </p:txBody>
       </p:sp>
@@ -9727,62 +8502,46 @@
           </a:p>
           <a:p>
             <a:r>
-              <a:rPr lang="en-US" dirty="0" smtClean="0"/>
+              <a:rPr lang="en-US" dirty="0"/>
               <a:t>There is no required textbook for this class</a:t>
             </a:r>
           </a:p>
           <a:p>
             <a:r>
-              <a:rPr lang="en-US" dirty="0" smtClean="0"/>
+              <a:rPr lang="en-US" dirty="0"/>
               <a:t>A </a:t>
             </a:r>
             <a:r>
-              <a:rPr lang="en-US" b="1" dirty="0" smtClean="0"/>
+              <a:rPr lang="en-US" b="1" dirty="0"/>
               <a:t>highly recommended </a:t>
             </a:r>
             <a:r>
-              <a:rPr lang="en-US" dirty="0" smtClean="0"/>
+              <a:rPr lang="en-US" dirty="0"/>
               <a:t>reference: </a:t>
             </a:r>
             <a:r>
               <a:rPr lang="en-US" b="1" dirty="0"/>
-              <a:t>Practical RF Circuit Design for Modern Wireless </a:t>
-            </a:r>
-            <a:r>
-              <a:rPr lang="en-US" b="1" dirty="0" smtClean="0"/>
-              <a:t>Systems</a:t>
-            </a:r>
-            <a:endParaRPr lang="en-US" dirty="0" smtClean="0"/>
+              <a:t>Practical RF Circuit Design for Modern Wireless Systems</a:t>
+            </a:r>
+            <a:endParaRPr lang="en-US" dirty="0"/>
           </a:p>
           <a:p>
             <a:pPr lvl="1"/>
             <a:r>
-              <a:rPr lang="en-US" dirty="0" smtClean="0"/>
-              <a:t>Volume </a:t>
-            </a:r>
-            <a:r>
-              <a:rPr lang="en-US" dirty="0"/>
-              <a:t>I : Passive Circuits and Systems</a:t>
+              <a:rPr lang="en-US" dirty="0"/>
+              <a:t>Volume I : Passive Circuits and Systems</a:t>
             </a:r>
           </a:p>
           <a:p>
             <a:pPr lvl="1"/>
             <a:r>
-              <a:rPr lang="en-US" dirty="0" smtClean="0"/>
-              <a:t>Volume 2: </a:t>
-            </a:r>
-            <a:r>
-              <a:rPr lang="en-US" dirty="0"/>
-              <a:t>Active Circuits and </a:t>
-            </a:r>
-            <a:r>
-              <a:rPr lang="en-US" dirty="0" smtClean="0"/>
-              <a:t>Systems</a:t>
+              <a:rPr lang="en-US" dirty="0"/>
+              <a:t>Volume 2: Active Circuits and Systems</a:t>
             </a:r>
           </a:p>
           <a:p>
             <a:pPr lvl="1"/>
-            <a:endParaRPr lang="en-US" dirty="0" smtClean="0"/>
+            <a:endParaRPr lang="en-US" dirty="0"/>
           </a:p>
         </p:txBody>
       </p:sp>
@@ -9878,13 +8637,6 @@
   <p:clrMapOvr>
     <a:masterClrMapping/>
   </p:clrMapOvr>
-  <p:timing>
-    <p:tnLst>
-      <p:par>
-        <p:cTn id="1" dur="indefinite" restart="never" nodeType="tmRoot"/>
-      </p:par>
-    </p:tnLst>
-  </p:timing>
 </p:sld>
 </file>
 
@@ -9921,10 +8673,9 @@
           <a:lstStyle/>
           <a:p>
             <a:r>
-              <a:rPr lang="en-US" dirty="0" smtClean="0"/>
+              <a:rPr lang="en-US" dirty="0"/>
               <a:t>Textbooks and References</a:t>
             </a:r>
-            <a:endParaRPr lang="en-US" dirty="0"/>
           </a:p>
         </p:txBody>
       </p:sp>
@@ -9949,7 +8700,7 @@
           <a:lstStyle/>
           <a:p>
             <a:r>
-              <a:rPr lang="en-US" dirty="0" smtClean="0"/>
+              <a:rPr lang="en-US" dirty="0"/>
               <a:t>Additional texts that may be useful:</a:t>
             </a:r>
           </a:p>
@@ -9973,33 +8724,28 @@
             </a:r>
             <a:r>
               <a:rPr lang="en-US" dirty="0"/>
-              <a:t> Design of Wireless </a:t>
-            </a:r>
-            <a:r>
-              <a:rPr lang="en-US" dirty="0" smtClean="0"/>
-              <a:t>Systems,” Wiley, 2000</a:t>
-            </a:r>
-            <a:endParaRPr lang="en-US" dirty="0"/>
+              <a:t> Design of Wireless Systems,” Wiley, 2000</a:t>
+            </a:r>
           </a:p>
           <a:p>
             <a:pPr lvl="1"/>
             <a:r>
-              <a:rPr lang="en-US" dirty="0" smtClean="0"/>
+              <a:rPr lang="en-US" dirty="0"/>
               <a:t>D.M. </a:t>
             </a:r>
             <a:r>
-              <a:rPr lang="en-US" dirty="0" err="1" smtClean="0"/>
+              <a:rPr lang="en-US" dirty="0" err="1"/>
               <a:t>Pozar</a:t>
             </a:r>
             <a:r>
-              <a:rPr lang="en-US" dirty="0" smtClean="0"/>
+              <a:rPr lang="en-US" dirty="0"/>
               <a:t>, “Microwave Engineering,” Wiley, 2011</a:t>
             </a:r>
           </a:p>
           <a:p>
             <a:pPr lvl="1"/>
             <a:r>
-              <a:rPr lang="en-US" dirty="0" smtClean="0"/>
+              <a:rPr lang="en-US" dirty="0"/>
               <a:t>W.F. Egan, “Practical RF System,” Wiley, 2003</a:t>
             </a:r>
           </a:p>
@@ -10007,34 +8753,29 @@
             <a:pPr lvl="1"/>
             <a:r>
               <a:rPr lang="en-US" dirty="0"/>
-              <a:t>ADI Engineers, “Linear Circuit Design </a:t>
-            </a:r>
-            <a:r>
-              <a:rPr lang="en-US" dirty="0" smtClean="0"/>
-              <a:t>Handbook,” </a:t>
-            </a:r>
-            <a:r>
-              <a:rPr lang="en-US" dirty="0" err="1" smtClean="0"/>
+              <a:t>ADI Engineers, “Linear Circuit Design Handbook,” </a:t>
+            </a:r>
+            <a:r>
+              <a:rPr lang="en-US" dirty="0" err="1"/>
               <a:t>Newnes</a:t>
             </a:r>
             <a:r>
-              <a:rPr lang="en-US" dirty="0" smtClean="0"/>
+              <a:rPr lang="en-US" dirty="0"/>
               <a:t>, 2008</a:t>
             </a:r>
-            <a:endParaRPr lang="en-US" dirty="0"/>
           </a:p>
           <a:p>
             <a:pPr lvl="1"/>
             <a:r>
-              <a:rPr lang="en-US" dirty="0" smtClean="0"/>
+              <a:rPr lang="en-US" dirty="0"/>
               <a:t>C. </a:t>
             </a:r>
             <a:r>
-              <a:rPr lang="en-US" dirty="0" err="1" smtClean="0"/>
+              <a:rPr lang="en-US" dirty="0" err="1"/>
               <a:t>Saytre</a:t>
             </a:r>
             <a:r>
-              <a:rPr lang="en-US" dirty="0" smtClean="0"/>
+              <a:rPr lang="en-US" dirty="0"/>
               <a:t>, “Complete Wireless Design,” McGraw-Hill, 2008</a:t>
             </a:r>
           </a:p>
@@ -10050,18 +8791,14 @@
             </a:r>
             <a:r>
               <a:rPr lang="en-US" dirty="0"/>
-              <a:t>, “RF Design Guide Systems, Circuits and </a:t>
-            </a:r>
-            <a:r>
-              <a:rPr lang="en-US" dirty="0" smtClean="0"/>
-              <a:t>Equations,” </a:t>
-            </a:r>
-            <a:r>
-              <a:rPr lang="en-US" dirty="0" err="1" smtClean="0"/>
+              <a:t>, “RF Design Guide Systems, Circuits and Equations,” </a:t>
+            </a:r>
+            <a:r>
+              <a:rPr lang="en-US" dirty="0" err="1"/>
               <a:t>Artech</a:t>
             </a:r>
             <a:r>
-              <a:rPr lang="en-US" dirty="0" smtClean="0"/>
+              <a:rPr lang="en-US" dirty="0"/>
               <a:t> House, 1995</a:t>
             </a:r>
           </a:p>
@@ -10085,11 +8822,7 @@
             </a:r>
             <a:r>
               <a:rPr lang="en-US" dirty="0"/>
-              <a:t>, “Practical Antenna </a:t>
-            </a:r>
-            <a:r>
-              <a:rPr lang="en-US" dirty="0" smtClean="0"/>
-              <a:t>Handbook,” McGraw-Hill, 2011</a:t>
+              <a:t>, “Practical Antenna Handbook,” McGraw-Hill, 2011</a:t>
             </a:r>
           </a:p>
         </p:txBody>
@@ -10391,13 +9124,6 @@
   <p:clrMapOvr>
     <a:masterClrMapping/>
   </p:clrMapOvr>
-  <p:timing>
-    <p:tnLst>
-      <p:par>
-        <p:cTn id="1" dur="indefinite" restart="never" nodeType="tmRoot"/>
-      </p:par>
-    </p:tnLst>
-  </p:timing>
 </p:sld>
 </file>
 
@@ -10434,10 +9160,9 @@
           <a:lstStyle/>
           <a:p>
             <a:r>
-              <a:rPr lang="en-US" dirty="0" smtClean="0"/>
+              <a:rPr lang="en-US" dirty="0"/>
               <a:t>Teaming</a:t>
             </a:r>
-            <a:endParaRPr lang="en-US" dirty="0"/>
           </a:p>
         </p:txBody>
       </p:sp>
@@ -10457,63 +9182,54 @@
           <a:lstStyle/>
           <a:p>
             <a:r>
-              <a:rPr lang="en-US" dirty="0" smtClean="0"/>
+              <a:rPr lang="en-US" dirty="0"/>
               <a:t>Teaming has already started before the quarter through Piazza</a:t>
             </a:r>
           </a:p>
           <a:p>
             <a:pPr lvl="1"/>
             <a:r>
-              <a:rPr lang="en-US" dirty="0" smtClean="0"/>
+              <a:rPr lang="en-US" dirty="0"/>
               <a:t>We’ll allocate sometime for teaming up in this lecture</a:t>
             </a:r>
           </a:p>
           <a:p>
             <a:r>
               <a:rPr lang="en-US" dirty="0"/>
-              <a:t>Each team should consist of </a:t>
-            </a:r>
-            <a:r>
-              <a:rPr lang="en-US" dirty="0" smtClean="0"/>
-              <a:t>3 – 4  </a:t>
-            </a:r>
-            <a:r>
-              <a:rPr lang="en-US" dirty="0"/>
-              <a:t>members </a:t>
-            </a:r>
-            <a:endParaRPr lang="en-US" dirty="0" smtClean="0"/>
+              <a:t>Each team should consist of 3 – 4  members </a:t>
+            </a:r>
           </a:p>
           <a:p>
             <a:pPr lvl="1"/>
             <a:r>
-              <a:rPr lang="en-US" dirty="0" smtClean="0"/>
+              <a:rPr lang="en-US" dirty="0"/>
               <a:t>We recommend that you include team members of different background to complement each other</a:t>
             </a:r>
           </a:p>
           <a:p>
             <a:pPr lvl="1"/>
             <a:r>
-              <a:rPr lang="en-US" dirty="0" smtClean="0"/>
+              <a:rPr lang="en-US" dirty="0"/>
               <a:t>We need one student from each team to take up the responsibility of ordering supplies for your team</a:t>
             </a:r>
           </a:p>
           <a:p>
             <a:r>
-              <a:rPr lang="en-US" dirty="0" smtClean="0"/>
+              <a:rPr lang="en-US" dirty="0"/>
               <a:t>By the end of the first lecture, you will need to submit to the TA </a:t>
             </a:r>
           </a:p>
           <a:p>
             <a:pPr lvl="1"/>
             <a:r>
-              <a:rPr lang="en-US" dirty="0" smtClean="0"/>
+              <a:rPr lang="en-US" dirty="0"/>
               <a:t>Team name; will default to “Team #” if none submitted</a:t>
             </a:r>
           </a:p>
           <a:p>
             <a:pPr lvl="1"/>
             <a:r>
-              <a:rPr lang="en-US" dirty="0" smtClean="0"/>
+              <a:rPr lang="en-US" dirty="0"/>
               <a:t>Name of the purchaser</a:t>
             </a:r>
           </a:p>
@@ -10529,13 +9245,6 @@
   <p:clrMapOvr>
     <a:masterClrMapping/>
   </p:clrMapOvr>
-  <p:timing>
-    <p:tnLst>
-      <p:par>
-        <p:cTn id="1" dur="indefinite" restart="never" nodeType="tmRoot"/>
-      </p:par>
-    </p:tnLst>
-  </p:timing>
 </p:sld>
 </file>
 
@@ -10574,10 +9283,9 @@
           <a:lstStyle/>
           <a:p>
             <a:r>
-              <a:rPr lang="en-US" dirty="0" smtClean="0"/>
+              <a:rPr lang="en-US" dirty="0"/>
               <a:t>Course Organization</a:t>
             </a:r>
-            <a:endParaRPr lang="en-US" dirty="0"/>
           </a:p>
         </p:txBody>
       </p:sp>
@@ -10607,7 +9315,7 @@
               </a:lnSpc>
             </a:pPr>
             <a:r>
-              <a:rPr lang="en-US" dirty="0" smtClean="0"/>
+              <a:rPr lang="en-US" dirty="0"/>
               <a:t> Quarter 1:</a:t>
             </a:r>
           </a:p>
@@ -10619,11 +9327,7 @@
             </a:pPr>
             <a:r>
               <a:rPr lang="en-US" dirty="0"/>
-              <a:t>L</a:t>
-            </a:r>
-            <a:r>
-              <a:rPr lang="en-US" dirty="0" smtClean="0"/>
-              <a:t>ectures on RF/microwave system engineering</a:t>
+              <a:t>Lectures on RF/microwave system engineering</a:t>
             </a:r>
           </a:p>
           <a:p>
@@ -10634,11 +9338,7 @@
             </a:pPr>
             <a:r>
               <a:rPr lang="en-US" dirty="0"/>
-              <a:t>G</a:t>
-            </a:r>
-            <a:r>
-              <a:rPr lang="en-US" dirty="0" smtClean="0"/>
-              <a:t>uided labs to assemble, test and analyze a simple radar system</a:t>
+              <a:t>Guided labs to assemble, test and analyze a simple radar system</a:t>
             </a:r>
           </a:p>
           <a:p>
@@ -10648,7 +9348,7 @@
               </a:lnSpc>
             </a:pPr>
             <a:r>
-              <a:rPr lang="en-US" dirty="0" smtClean="0"/>
+              <a:rPr lang="en-US" dirty="0"/>
               <a:t>We’ll follow a bottom-up approach, i.e. learning about the individual components before eventually assembling the system.</a:t>
             </a:r>
           </a:p>
@@ -10659,7 +9359,7 @@
               </a:lnSpc>
             </a:pPr>
             <a:r>
-              <a:rPr lang="en-US" dirty="0" smtClean="0"/>
+              <a:rPr lang="en-US" dirty="0"/>
               <a:t>Deliverables: </a:t>
             </a:r>
           </a:p>
@@ -10670,12 +9370,8 @@
               </a:lnSpc>
             </a:pPr>
             <a:r>
-              <a:rPr lang="en-US" u="sng" dirty="0"/>
-              <a:t>L</a:t>
-            </a:r>
-            <a:r>
-              <a:rPr lang="en-US" u="sng" dirty="0" smtClean="0"/>
-              <a:t>ab reports</a:t>
+              <a:rPr lang="en-US" dirty="0"/>
+              <a:t>Pre-lab reports (individual)</a:t>
             </a:r>
           </a:p>
           <a:p>
@@ -10685,8 +9381,27 @@
               </a:lnSpc>
             </a:pPr>
             <a:r>
-              <a:rPr lang="en-US" u="sng" dirty="0" smtClean="0"/>
+              <a:rPr lang="en-US" u="sng" dirty="0"/>
+              <a:t>Lab reports </a:t>
+            </a:r>
+            <a:r>
+              <a:rPr lang="en-US" dirty="0"/>
+              <a:t>(1 per group)</a:t>
+            </a:r>
+          </a:p>
+          <a:p>
+            <a:pPr lvl="2">
+              <a:lnSpc>
+                <a:spcPct val="114000"/>
+              </a:lnSpc>
+            </a:pPr>
+            <a:r>
+              <a:rPr lang="en-US" u="sng" dirty="0"/>
               <a:t>PCB design files and test reports</a:t>
+            </a:r>
+            <a:r>
+              <a:rPr lang="en-US" dirty="0"/>
+              <a:t> (1 per group)</a:t>
             </a:r>
           </a:p>
           <a:p>
@@ -10696,7 +9411,7 @@
               </a:lnSpc>
             </a:pPr>
             <a:r>
-              <a:rPr lang="en-US" dirty="0" smtClean="0"/>
+              <a:rPr lang="en-US" dirty="0"/>
               <a:t> Quarter 2:</a:t>
             </a:r>
           </a:p>
@@ -10707,11 +9422,11 @@
               </a:lnSpc>
             </a:pPr>
             <a:r>
-              <a:rPr lang="en-US" dirty="0" smtClean="0"/>
+              <a:rPr lang="en-US" dirty="0"/>
               <a:t>Radar </a:t>
             </a:r>
             <a:r>
-              <a:rPr lang="en-US" u="sng" dirty="0" smtClean="0"/>
+              <a:rPr lang="en-US" u="sng" dirty="0"/>
               <a:t>performance competition</a:t>
             </a:r>
           </a:p>
@@ -10722,7 +9437,7 @@
               </a:lnSpc>
             </a:pPr>
             <a:r>
-              <a:rPr lang="en-US" dirty="0" smtClean="0"/>
+              <a:rPr lang="en-US" dirty="0"/>
               <a:t>Compete in range and accuracy of distance speed measurements</a:t>
             </a:r>
           </a:p>
@@ -10733,7 +9448,7 @@
               </a:lnSpc>
             </a:pPr>
             <a:r>
-              <a:rPr lang="en-US" dirty="0" smtClean="0"/>
+              <a:rPr lang="en-US" dirty="0"/>
               <a:t>Certain size/weight/power and construction constraints apply</a:t>
             </a:r>
           </a:p>
@@ -10744,18 +9459,7 @@
               </a:lnSpc>
             </a:pPr>
             <a:r>
-              <a:rPr lang="en-US" dirty="0" smtClean="0"/>
-              <a:t>(Optional) Radar system design for small UAVs</a:t>
-            </a:r>
-          </a:p>
-          <a:p>
-            <a:pPr lvl="1">
-              <a:lnSpc>
-                <a:spcPct val="114000"/>
-              </a:lnSpc>
-            </a:pPr>
-            <a:r>
-              <a:rPr lang="en-US" dirty="0" smtClean="0"/>
+              <a:rPr lang="en-US" dirty="0"/>
               <a:t>Deliverables:</a:t>
             </a:r>
           </a:p>
@@ -10774,44 +9478,19 @@
             </a:r>
             <a:r>
               <a:rPr lang="en-US" dirty="0"/>
-              <a:t> </a:t>
-            </a:r>
-            <a:r>
-              <a:rPr lang="en-US" dirty="0" smtClean="0"/>
-              <a:t>(1 per group</a:t>
-            </a:r>
-            <a:r>
-              <a:rPr lang="en-US" dirty="0"/>
-              <a:t>)</a:t>
+              <a:t> (1 per group)</a:t>
             </a:r>
           </a:p>
           <a:p>
             <a:pPr lvl="2"/>
             <a:r>
-              <a:rPr lang="en-US" u="sng" dirty="0" smtClean="0"/>
-              <a:t>Application </a:t>
-            </a:r>
-            <a:r>
               <a:rPr lang="en-US" u="sng" dirty="0"/>
-              <a:t>Note </a:t>
-            </a:r>
-            <a:r>
-              <a:rPr lang="en-US" dirty="0"/>
-              <a:t>/ Tutorial </a:t>
-            </a:r>
-            <a:r>
-              <a:rPr lang="en-US" dirty="0" smtClean="0"/>
-              <a:t>(1 per </a:t>
-            </a:r>
-            <a:r>
-              <a:rPr lang="en-US" dirty="0"/>
-              <a:t>individual</a:t>
-            </a:r>
-            <a:r>
-              <a:rPr lang="en-US" dirty="0" smtClean="0"/>
-              <a:t>)</a:t>
-            </a:r>
-            <a:endParaRPr lang="en-US" dirty="0"/>
+              <a:t>Application Note </a:t>
+            </a:r>
+            <a:r>
+              <a:rPr lang="en-US" dirty="0"/>
+              <a:t>/ Tutorial (1 per individual)</a:t>
+            </a:r>
           </a:p>
         </p:txBody>
       </p:sp>
@@ -10825,13 +9504,6 @@
   <p:clrMapOvr>
     <a:masterClrMapping/>
   </p:clrMapOvr>
-  <p:timing>
-    <p:tnLst>
-      <p:par>
-        <p:cTn id="1" dur="indefinite" restart="never" nodeType="tmRoot"/>
-      </p:par>
-    </p:tnLst>
-  </p:timing>
 </p:sld>
 </file>
 
@@ -10875,10 +9547,9 @@
           <a:lstStyle/>
           <a:p>
             <a:r>
-              <a:rPr lang="en-US" dirty="0" smtClean="0"/>
+              <a:rPr lang="en-US" dirty="0"/>
               <a:t>Quarter 1 – Assembly of a simple Radar</a:t>
             </a:r>
-            <a:endParaRPr lang="en-US" dirty="0"/>
           </a:p>
         </p:txBody>
       </p:sp>
@@ -10988,7 +9659,7 @@
             <a:lstStyle/>
             <a:p>
               <a:r>
-                <a:rPr lang="en-US" sz="1000" b="1" dirty="0" smtClean="0">
+                <a:rPr lang="en-US" sz="1000" b="1" dirty="0">
                   <a:solidFill>
                     <a:srgbClr val="FFFF00"/>
                   </a:solidFill>
@@ -11022,7 +9693,7 @@
             <a:lstStyle/>
             <a:p>
               <a:r>
-                <a:rPr lang="en-US" sz="1000" b="1" dirty="0" smtClean="0">
+                <a:rPr lang="en-US" sz="1000" b="1" dirty="0">
                   <a:solidFill>
                     <a:srgbClr val="FFFF00"/>
                   </a:solidFill>
@@ -11056,7 +9727,7 @@
             <a:lstStyle/>
             <a:p>
               <a:r>
-                <a:rPr lang="en-US" sz="1000" b="1" dirty="0" smtClean="0">
+                <a:rPr lang="en-US" sz="1000" b="1" dirty="0">
                   <a:solidFill>
                     <a:srgbClr val="FFFF00"/>
                   </a:solidFill>
@@ -11133,7 +9804,7 @@
             <a:lstStyle/>
             <a:p>
               <a:r>
-                <a:rPr lang="en-US" sz="1200" b="1" dirty="0" smtClean="0">
+                <a:rPr lang="en-US" sz="1200" b="1" dirty="0">
                   <a:solidFill>
                     <a:srgbClr val="FFFF00"/>
                   </a:solidFill>
@@ -11208,7 +9879,7 @@
             <a:lstStyle/>
             <a:p>
               <a:r>
-                <a:rPr lang="en-US" sz="1400" dirty="0" smtClean="0">
+                <a:rPr lang="en-US" sz="1400" dirty="0">
                   <a:solidFill>
                     <a:schemeClr val="bg1"/>
                   </a:solidFill>
@@ -11283,7 +9954,7 @@
             <a:lstStyle/>
             <a:p>
               <a:r>
-                <a:rPr lang="en-US" sz="1400" dirty="0" smtClean="0">
+                <a:rPr lang="en-US" sz="1400" dirty="0">
                   <a:solidFill>
                     <a:schemeClr val="bg1"/>
                   </a:solidFill>
@@ -11305,13 +9976,6 @@
   <p:clrMapOvr>
     <a:masterClrMapping/>
   </p:clrMapOvr>
-  <p:timing>
-    <p:tnLst>
-      <p:par>
-        <p:cTn id="1" dur="indefinite" restart="never" nodeType="tmRoot"/>
-      </p:par>
-    </p:tnLst>
-  </p:timing>
 </p:sld>
 </file>
 
@@ -11350,10 +10014,9 @@
           <a:lstStyle/>
           <a:p>
             <a:r>
-              <a:rPr lang="en-US" dirty="0" smtClean="0"/>
+              <a:rPr lang="en-US" dirty="0"/>
               <a:t>Quarter 1 Lab Schedule</a:t>
             </a:r>
-            <a:endParaRPr lang="en-US" dirty="0"/>
           </a:p>
         </p:txBody>
       </p:sp>
@@ -11378,31 +10041,25 @@
           <a:lstStyle/>
           <a:p>
             <a:r>
-              <a:rPr lang="en-US" dirty="0" smtClean="0"/>
+              <a:rPr lang="en-US" dirty="0"/>
               <a:t>A more detailed schedule is available at the following link and on </a:t>
             </a:r>
             <a:r>
-              <a:rPr lang="en-US" dirty="0" err="1" smtClean="0"/>
+              <a:rPr lang="en-US" dirty="0" err="1"/>
               <a:t>SmartSite</a:t>
             </a:r>
             <a:r>
-              <a:rPr lang="en-US" dirty="0" smtClean="0"/>
+              <a:rPr lang="en-US" dirty="0"/>
               <a:t>; make sure you read it carefully: </a:t>
             </a:r>
             <a:r>
               <a:rPr lang="en-US" dirty="0">
                 <a:hlinkClick r:id="rId2"/>
               </a:rPr>
-              <a:t>https://</a:t>
-            </a:r>
-            <a:r>
-              <a:rPr lang="en-US" dirty="0" smtClean="0">
-                <a:hlinkClick r:id="rId2"/>
-              </a:rPr>
-              <a:t>github.com/ucdart/UCD-EEC134/blob/master/support/schedule/eec134-schedule.pdf</a:t>
-            </a:r>
-            <a:r>
-              <a:rPr lang="en-US" dirty="0" smtClean="0"/>
+              <a:t>https://github.com/ucdart/UCD-EEC134/blob/master/support/schedule/eec134-schedule.pdf</a:t>
+            </a:r>
+            <a:r>
+              <a:rPr lang="en-US" dirty="0"/>
               <a:t> </a:t>
             </a:r>
             <a:endParaRPr lang="en-US" dirty="0">
@@ -11436,9 +10093,27 @@
             <a:tbl>
               <a:tblPr/>
               <a:tblGrid>
-                <a:gridCol w="1183788"/>
-                <a:gridCol w="3349576"/>
-                <a:gridCol w="3503053"/>
+                <a:gridCol w="1183788">
+                  <a:extLst>
+                    <a:ext uri="{9D8B030D-6E8A-4147-A177-3AD203B41FA5}">
+                      <a16:colId xmlns:a16="http://schemas.microsoft.com/office/drawing/2014/main" val="20000"/>
+                    </a:ext>
+                  </a:extLst>
+                </a:gridCol>
+                <a:gridCol w="3349576">
+                  <a:extLst>
+                    <a:ext uri="{9D8B030D-6E8A-4147-A177-3AD203B41FA5}">
+                      <a16:colId xmlns:a16="http://schemas.microsoft.com/office/drawing/2014/main" val="20001"/>
+                    </a:ext>
+                  </a:extLst>
+                </a:gridCol>
+                <a:gridCol w="3503053">
+                  <a:extLst>
+                    <a:ext uri="{9D8B030D-6E8A-4147-A177-3AD203B41FA5}">
+                      <a16:colId xmlns:a16="http://schemas.microsoft.com/office/drawing/2014/main" val="20002"/>
+                    </a:ext>
+                  </a:extLst>
+                </a:gridCol>
               </a:tblGrid>
               <a:tr h="367666">
                 <a:tc>
@@ -11458,7 +10133,7 @@
                         </a:spcAft>
                       </a:pPr>
                       <a:r>
-                        <a:rPr lang="en-US" sz="1800" b="1" dirty="0" smtClean="0">
+                        <a:rPr lang="en-US" sz="1800" b="1" dirty="0">
                           <a:solidFill>
                             <a:srgbClr val="FFFFFF"/>
                           </a:solidFill>
@@ -11468,14 +10143,6 @@
                         </a:rPr>
                         <a:t>Week</a:t>
                       </a:r>
-                      <a:endParaRPr lang="en-US" sz="1800" b="1" dirty="0">
-                        <a:solidFill>
-                          <a:srgbClr val="FFFFFF"/>
-                        </a:solidFill>
-                        <a:latin typeface="Kalinga" panose="020B0502040204020203" pitchFamily="34" charset="0"/>
-                        <a:ea typeface="宋体"/>
-                        <a:cs typeface="Kalinga" panose="020B0502040204020203" pitchFamily="34" charset="0"/>
-                      </a:endParaRPr>
                     </a:p>
                   </a:txBody>
                   <a:tcPr marL="50380" marR="50380">
@@ -11531,7 +10198,7 @@
                         </a:spcAft>
                       </a:pPr>
                       <a:r>
-                        <a:rPr lang="en-US" sz="1800" b="1" dirty="0" smtClean="0">
+                        <a:rPr lang="en-US" sz="1800" b="1" dirty="0">
                           <a:solidFill>
                             <a:srgbClr val="FFFFFF"/>
                           </a:solidFill>
@@ -11541,14 +10208,6 @@
                         </a:rPr>
                         <a:t>Lectures</a:t>
                       </a:r>
-                      <a:endParaRPr lang="en-US" sz="1800" b="1" dirty="0">
-                        <a:solidFill>
-                          <a:srgbClr val="FFFFFF"/>
-                        </a:solidFill>
-                        <a:latin typeface="Kalinga" panose="020B0502040204020203" pitchFamily="34" charset="0"/>
-                        <a:ea typeface="宋体"/>
-                        <a:cs typeface="Kalinga" panose="020B0502040204020203" pitchFamily="34" charset="0"/>
-                      </a:endParaRPr>
                     </a:p>
                   </a:txBody>
                   <a:tcPr marL="50380" marR="50380">
@@ -11610,7 +10269,7 @@
                         </a:spcAft>
                       </a:pPr>
                       <a:r>
-                        <a:rPr lang="en-US" sz="1800" b="1" dirty="0" smtClean="0">
+                        <a:rPr lang="en-US" sz="1800" b="1" dirty="0">
                           <a:solidFill>
                             <a:srgbClr val="FFFFFF"/>
                           </a:solidFill>
@@ -11620,14 +10279,6 @@
                         </a:rPr>
                         <a:t>Labs</a:t>
                       </a:r>
-                      <a:endParaRPr lang="en-US" sz="1800" b="1" dirty="0">
-                        <a:solidFill>
-                          <a:srgbClr val="FFFFFF"/>
-                        </a:solidFill>
-                        <a:latin typeface="Kalinga" panose="020B0502040204020203" pitchFamily="34" charset="0"/>
-                        <a:ea typeface="宋体"/>
-                        <a:cs typeface="Kalinga" panose="020B0502040204020203" pitchFamily="34" charset="0"/>
-                      </a:endParaRPr>
                     </a:p>
                   </a:txBody>
                   <a:tcPr marL="50380" marR="50380">
@@ -11672,6 +10323,11 @@
                     </a:solidFill>
                   </a:tcPr>
                 </a:tc>
+                <a:extLst>
+                  <a:ext uri="{0D108BD9-81ED-4DB2-BD59-A6C34878D82A}">
+                    <a16:rowId xmlns:a16="http://schemas.microsoft.com/office/drawing/2014/main" val="10000"/>
+                  </a:ext>
+                </a:extLst>
               </a:tr>
               <a:tr h="0">
                 <a:tc>
@@ -11691,7 +10347,7 @@
                         </a:spcAft>
                       </a:pPr>
                       <a:r>
-                        <a:rPr lang="en-US" sz="1800" dirty="0" smtClean="0">
+                        <a:rPr lang="en-US" sz="1800" dirty="0">
                           <a:solidFill>
                             <a:srgbClr val="000000"/>
                           </a:solidFill>
@@ -11701,14 +10357,6 @@
                         </a:rPr>
                         <a:t>1</a:t>
                       </a:r>
-                      <a:endParaRPr lang="en-US" sz="1800" dirty="0">
-                        <a:solidFill>
-                          <a:srgbClr val="000000"/>
-                        </a:solidFill>
-                        <a:latin typeface="Kalinga" panose="020B0502040204020203" pitchFamily="34" charset="0"/>
-                        <a:ea typeface="Tahoma" panose="020B0604030504040204" pitchFamily="34" charset="0"/>
-                        <a:cs typeface="Kalinga" panose="020B0502040204020203" pitchFamily="34" charset="0"/>
-                      </a:endParaRPr>
                     </a:p>
                   </a:txBody>
                   <a:tcPr marL="50380" marR="50380">
@@ -11769,7 +10417,7 @@
                         <a:buNone/>
                       </a:pPr>
                       <a:r>
-                        <a:rPr lang="en-US" sz="1800" dirty="0" smtClean="0">
+                        <a:rPr lang="en-US" sz="1800" dirty="0">
                           <a:solidFill>
                             <a:srgbClr val="000000"/>
                           </a:solidFill>
@@ -11839,7 +10487,7 @@
                         <a:buNone/>
                       </a:pPr>
                       <a:r>
-                        <a:rPr lang="en-US" sz="1800" dirty="0" smtClean="0">
+                        <a:rPr lang="en-US" sz="1800" dirty="0">
                           <a:solidFill>
                             <a:srgbClr val="000000"/>
                           </a:solidFill>
@@ -11850,7 +10498,7 @@
                         <a:t>Elements of Electronic</a:t>
                       </a:r>
                       <a:r>
-                        <a:rPr lang="en-US" sz="1800" baseline="0" dirty="0" smtClean="0">
+                        <a:rPr lang="en-US" sz="1800" baseline="0" dirty="0">
                           <a:solidFill>
                             <a:srgbClr val="000000"/>
                           </a:solidFill>
@@ -11909,6 +10557,11 @@
                     </a:lnB>
                   </a:tcPr>
                 </a:tc>
+                <a:extLst>
+                  <a:ext uri="{0D108BD9-81ED-4DB2-BD59-A6C34878D82A}">
+                    <a16:rowId xmlns:a16="http://schemas.microsoft.com/office/drawing/2014/main" val="10001"/>
+                  </a:ext>
+                </a:extLst>
               </a:tr>
               <a:tr h="0">
                 <a:tc>
@@ -11928,7 +10581,7 @@
                         </a:spcAft>
                       </a:pPr>
                       <a:r>
-                        <a:rPr lang="en-US" sz="1800" dirty="0" smtClean="0">
+                        <a:rPr lang="en-US" sz="1800" dirty="0">
                           <a:solidFill>
                             <a:srgbClr val="000000"/>
                           </a:solidFill>
@@ -11938,14 +10591,6 @@
                         </a:rPr>
                         <a:t>2</a:t>
                       </a:r>
-                      <a:endParaRPr lang="en-US" sz="1800" dirty="0">
-                        <a:solidFill>
-                          <a:srgbClr val="000000"/>
-                        </a:solidFill>
-                        <a:latin typeface="Kalinga" panose="020B0502040204020203" pitchFamily="34" charset="0"/>
-                        <a:ea typeface="Tahoma" panose="020B0604030504040204" pitchFamily="34" charset="0"/>
-                        <a:cs typeface="Kalinga" panose="020B0502040204020203" pitchFamily="34" charset="0"/>
-                      </a:endParaRPr>
                     </a:p>
                   </a:txBody>
                   <a:tcPr marL="50380" marR="50380">
@@ -11993,7 +10638,7 @@
                     <a:lstStyle/>
                     <a:p>
                       <a:r>
-                        <a:rPr lang="en-US" dirty="0" smtClean="0">
+                        <a:rPr lang="en-US" dirty="0">
                           <a:solidFill>
                             <a:srgbClr val="000000"/>
                           </a:solidFill>
@@ -12002,13 +10647,6 @@
                         </a:rPr>
                         <a:t>Introduction</a:t>
                       </a:r>
-                      <a:endParaRPr lang="en-US" dirty="0">
-                        <a:solidFill>
-                          <a:srgbClr val="000000"/>
-                        </a:solidFill>
-                        <a:latin typeface="Kalinga" panose="020B0502040204020203" pitchFamily="34" charset="0"/>
-                        <a:cs typeface="Kalinga" panose="020B0502040204020203" pitchFamily="34" charset="0"/>
-                      </a:endParaRPr>
                     </a:p>
                   </a:txBody>
                   <a:tcPr marL="182880">
@@ -12117,6 +10755,11 @@
                     </a:lnB>
                   </a:tcPr>
                 </a:tc>
+                <a:extLst>
+                  <a:ext uri="{0D108BD9-81ED-4DB2-BD59-A6C34878D82A}">
+                    <a16:rowId xmlns:a16="http://schemas.microsoft.com/office/drawing/2014/main" val="10002"/>
+                  </a:ext>
+                </a:extLst>
               </a:tr>
               <a:tr h="0">
                 <a:tc>
@@ -12136,7 +10779,7 @@
                         </a:spcAft>
                       </a:pPr>
                       <a:r>
-                        <a:rPr lang="en-US" sz="1800" b="0" dirty="0" smtClean="0">
+                        <a:rPr lang="en-US" sz="1800" b="0" dirty="0">
                           <a:solidFill>
                             <a:srgbClr val="000000"/>
                           </a:solidFill>
@@ -12146,14 +10789,6 @@
                         </a:rPr>
                         <a:t>3</a:t>
                       </a:r>
-                      <a:endParaRPr lang="en-US" sz="1800" b="0" dirty="0">
-                        <a:solidFill>
-                          <a:srgbClr val="000000"/>
-                        </a:solidFill>
-                        <a:latin typeface="Kalinga" panose="020B0502040204020203" pitchFamily="34" charset="0"/>
-                        <a:ea typeface="Tahoma" panose="020B0604030504040204" pitchFamily="34" charset="0"/>
-                        <a:cs typeface="Kalinga" panose="020B0502040204020203" pitchFamily="34" charset="0"/>
-                      </a:endParaRPr>
                     </a:p>
                   </a:txBody>
                   <a:tcPr marL="50380" marR="50380">
@@ -12218,7 +10853,7 @@
                         <a:defRPr/>
                       </a:pPr>
                       <a:r>
-                        <a:rPr lang="en-US" sz="1800" dirty="0" smtClean="0">
+                        <a:rPr lang="en-US" sz="1800" dirty="0">
                           <a:solidFill>
                             <a:srgbClr val="000000"/>
                           </a:solidFill>
@@ -12228,14 +10863,6 @@
                         </a:rPr>
                         <a:t>RF amplifiers and basic concepts</a:t>
                       </a:r>
-                      <a:endParaRPr lang="en-US" sz="1800" dirty="0">
-                        <a:solidFill>
-                          <a:srgbClr val="000000"/>
-                        </a:solidFill>
-                        <a:latin typeface="Kalinga" panose="020B0502040204020203" pitchFamily="34" charset="0"/>
-                        <a:ea typeface="Tahoma" panose="020B0604030504040204" pitchFamily="34" charset="0"/>
-                        <a:cs typeface="Kalinga" panose="020B0502040204020203" pitchFamily="34" charset="0"/>
-                      </a:endParaRPr>
                     </a:p>
                   </a:txBody>
                   <a:tcPr marL="182880">
@@ -12324,6 +10951,11 @@
                     </a:lnB>
                   </a:tcPr>
                 </a:tc>
+                <a:extLst>
+                  <a:ext uri="{0D108BD9-81ED-4DB2-BD59-A6C34878D82A}">
+                    <a16:rowId xmlns:a16="http://schemas.microsoft.com/office/drawing/2014/main" val="10003"/>
+                  </a:ext>
+                </a:extLst>
               </a:tr>
               <a:tr h="0">
                 <a:tc>
@@ -12343,7 +10975,7 @@
                         </a:spcAft>
                       </a:pPr>
                       <a:r>
-                        <a:rPr lang="en-US" sz="1800" dirty="0" smtClean="0">
+                        <a:rPr lang="en-US" sz="1800" dirty="0">
                           <a:solidFill>
                             <a:srgbClr val="000000"/>
                           </a:solidFill>
@@ -12353,14 +10985,6 @@
                         </a:rPr>
                         <a:t>4</a:t>
                       </a:r>
-                      <a:endParaRPr lang="en-US" sz="1800" dirty="0">
-                        <a:solidFill>
-                          <a:srgbClr val="000000"/>
-                        </a:solidFill>
-                        <a:latin typeface="Kalinga" panose="020B0502040204020203" pitchFamily="34" charset="0"/>
-                        <a:ea typeface="Tahoma" panose="020B0604030504040204" pitchFamily="34" charset="0"/>
-                        <a:cs typeface="Kalinga" panose="020B0502040204020203" pitchFamily="34" charset="0"/>
-                      </a:endParaRPr>
                     </a:p>
                   </a:txBody>
                   <a:tcPr marL="50380" marR="50380">
@@ -12468,7 +11092,7 @@
                         <a:buNone/>
                       </a:pPr>
                       <a:r>
-                        <a:rPr lang="en-US" sz="1800" dirty="0" smtClean="0">
+                        <a:rPr lang="en-US" sz="1800" dirty="0">
                           <a:solidFill>
                             <a:srgbClr val="000000"/>
                           </a:solidFill>
@@ -12479,7 +11103,7 @@
                         <a:t>RF amplifier</a:t>
                       </a:r>
                       <a:r>
-                        <a:rPr lang="en-US" sz="1800" baseline="0" dirty="0" smtClean="0">
+                        <a:rPr lang="en-US" sz="1800" baseline="0" dirty="0">
                           <a:solidFill>
                             <a:srgbClr val="000000"/>
                           </a:solidFill>
@@ -12538,6 +11162,11 @@
                     </a:lnB>
                   </a:tcPr>
                 </a:tc>
+                <a:extLst>
+                  <a:ext uri="{0D108BD9-81ED-4DB2-BD59-A6C34878D82A}">
+                    <a16:rowId xmlns:a16="http://schemas.microsoft.com/office/drawing/2014/main" val="10004"/>
+                  </a:ext>
+                </a:extLst>
               </a:tr>
               <a:tr h="0">
                 <a:tc>
@@ -12557,7 +11186,7 @@
                         </a:spcAft>
                       </a:pPr>
                       <a:r>
-                        <a:rPr lang="en-US" sz="1800" dirty="0" smtClean="0">
+                        <a:rPr lang="en-US" sz="1800" dirty="0">
                           <a:solidFill>
                             <a:srgbClr val="000000"/>
                           </a:solidFill>
@@ -12567,14 +11196,6 @@
                         </a:rPr>
                         <a:t>5</a:t>
                       </a:r>
-                      <a:endParaRPr lang="en-US" sz="1800" dirty="0">
-                        <a:solidFill>
-                          <a:srgbClr val="000000"/>
-                        </a:solidFill>
-                        <a:latin typeface="Kalinga" panose="020B0502040204020203" pitchFamily="34" charset="0"/>
-                        <a:ea typeface="Tahoma" panose="020B0604030504040204" pitchFamily="34" charset="0"/>
-                        <a:cs typeface="Kalinga" panose="020B0502040204020203" pitchFamily="34" charset="0"/>
-                      </a:endParaRPr>
                     </a:p>
                   </a:txBody>
                   <a:tcPr marL="50380" marR="50380">
@@ -12639,7 +11260,7 @@
                         <a:defRPr/>
                       </a:pPr>
                       <a:r>
-                        <a:rPr lang="en-US" sz="1800" dirty="0" smtClean="0">
+                        <a:rPr lang="en-US" sz="1800" dirty="0">
                           <a:solidFill>
                             <a:srgbClr val="000000"/>
                           </a:solidFill>
@@ -12650,7 +11271,7 @@
                         <a:t>Oscillators</a:t>
                       </a:r>
                       <a:r>
-                        <a:rPr lang="en-US" sz="1800" baseline="0" dirty="0" smtClean="0">
+                        <a:rPr lang="en-US" sz="1800" baseline="0" dirty="0">
                           <a:solidFill>
                             <a:srgbClr val="000000"/>
                           </a:solidFill>
@@ -12660,7 +11281,7 @@
                         </a:rPr>
                         <a:t> and Synthesizers</a:t>
                       </a:r>
-                      <a:endParaRPr lang="en-US" sz="1800" dirty="0" smtClean="0">
+                      <a:endParaRPr lang="en-US" sz="1800" dirty="0">
                         <a:solidFill>
                           <a:srgbClr val="000000"/>
                         </a:solidFill>
@@ -12756,6 +11377,11 @@
                     </a:lnB>
                   </a:tcPr>
                 </a:tc>
+                <a:extLst>
+                  <a:ext uri="{0D108BD9-81ED-4DB2-BD59-A6C34878D82A}">
+                    <a16:rowId xmlns:a16="http://schemas.microsoft.com/office/drawing/2014/main" val="10005"/>
+                  </a:ext>
+                </a:extLst>
               </a:tr>
               <a:tr h="694944">
                 <a:tc>
@@ -12775,7 +11401,7 @@
                         </a:spcAft>
                       </a:pPr>
                       <a:r>
-                        <a:rPr lang="en-US" sz="1800" dirty="0" smtClean="0">
+                        <a:rPr lang="en-US" sz="1800" dirty="0">
                           <a:solidFill>
                             <a:srgbClr val="000000"/>
                           </a:solidFill>
@@ -12785,14 +11411,6 @@
                         </a:rPr>
                         <a:t>6</a:t>
                       </a:r>
-                      <a:endParaRPr lang="en-US" sz="1800" dirty="0">
-                        <a:solidFill>
-                          <a:srgbClr val="000000"/>
-                        </a:solidFill>
-                        <a:latin typeface="Kalinga" panose="020B0502040204020203" pitchFamily="34" charset="0"/>
-                        <a:ea typeface="Tahoma" panose="020B0604030504040204" pitchFamily="34" charset="0"/>
-                        <a:cs typeface="Kalinga" panose="020B0502040204020203" pitchFamily="34" charset="0"/>
-                      </a:endParaRPr>
                     </a:p>
                   </a:txBody>
                   <a:tcPr marL="50380" marR="50380">
@@ -12857,7 +11475,7 @@
                         <a:defRPr/>
                       </a:pPr>
                       <a:r>
-                        <a:rPr lang="en-US" sz="1800" dirty="0" smtClean="0">
+                        <a:rPr lang="en-US" sz="1800" dirty="0">
                           <a:solidFill>
                             <a:srgbClr val="000000"/>
                           </a:solidFill>
@@ -12868,7 +11486,7 @@
                         <a:t>Frequency</a:t>
                       </a:r>
                       <a:r>
-                        <a:rPr lang="en-US" sz="1800" baseline="0" dirty="0" smtClean="0">
+                        <a:rPr lang="en-US" sz="1800" baseline="0" dirty="0">
                           <a:solidFill>
                             <a:srgbClr val="000000"/>
                           </a:solidFill>
@@ -12879,7 +11497,7 @@
                         <a:t> m</a:t>
                       </a:r>
                       <a:r>
-                        <a:rPr lang="en-US" sz="1800" dirty="0" smtClean="0">
+                        <a:rPr lang="en-US" sz="1800" dirty="0">
                           <a:solidFill>
                             <a:srgbClr val="000000"/>
                           </a:solidFill>
@@ -12890,7 +11508,7 @@
                         <a:t>ixer and</a:t>
                       </a:r>
                       <a:r>
-                        <a:rPr lang="en-US" sz="1800" baseline="0" dirty="0" smtClean="0">
+                        <a:rPr lang="en-US" sz="1800" baseline="0" dirty="0">
                           <a:solidFill>
                             <a:srgbClr val="000000"/>
                           </a:solidFill>
@@ -12972,7 +11590,7 @@
                         <a:defRPr/>
                       </a:pPr>
                       <a:r>
-                        <a:rPr lang="en-US" sz="1800" dirty="0" smtClean="0">
+                        <a:rPr lang="en-US" sz="1800" dirty="0">
                           <a:solidFill>
                             <a:srgbClr val="000000"/>
                           </a:solidFill>
@@ -12983,7 +11601,7 @@
                         <a:t>Oscillators</a:t>
                       </a:r>
                       <a:r>
-                        <a:rPr lang="en-US" sz="1800" baseline="0" dirty="0" smtClean="0">
+                        <a:rPr lang="en-US" sz="1800" baseline="0" dirty="0">
                           <a:solidFill>
                             <a:srgbClr val="000000"/>
                           </a:solidFill>
@@ -13042,6 +11660,11 @@
                     </a:lnB>
                   </a:tcPr>
                 </a:tc>
+                <a:extLst>
+                  <a:ext uri="{0D108BD9-81ED-4DB2-BD59-A6C34878D82A}">
+                    <a16:rowId xmlns:a16="http://schemas.microsoft.com/office/drawing/2014/main" val="10006"/>
+                  </a:ext>
+                </a:extLst>
               </a:tr>
               <a:tr h="290442">
                 <a:tc>
@@ -13061,7 +11684,7 @@
                         </a:spcAft>
                       </a:pPr>
                       <a:r>
-                        <a:rPr lang="en-US" sz="1800" dirty="0" smtClean="0">
+                        <a:rPr lang="en-US" sz="1800" dirty="0">
                           <a:solidFill>
                             <a:srgbClr val="000000"/>
                           </a:solidFill>
@@ -13071,14 +11694,6 @@
                         </a:rPr>
                         <a:t>7</a:t>
                       </a:r>
-                      <a:endParaRPr lang="en-US" sz="1800" dirty="0">
-                        <a:solidFill>
-                          <a:srgbClr val="000000"/>
-                        </a:solidFill>
-                        <a:latin typeface="Kalinga" panose="020B0502040204020203" pitchFamily="34" charset="0"/>
-                        <a:ea typeface="Tahoma" panose="020B0604030504040204" pitchFamily="34" charset="0"/>
-                        <a:cs typeface="Kalinga" panose="020B0502040204020203" pitchFamily="34" charset="0"/>
-                      </a:endParaRPr>
                     </a:p>
                   </a:txBody>
                   <a:tcPr marL="50380" marR="50380">
@@ -13139,7 +11754,7 @@
                         <a:buNone/>
                       </a:pPr>
                       <a:r>
-                        <a:rPr lang="en-US" sz="1800" baseline="0" dirty="0" smtClean="0">
+                        <a:rPr lang="en-US" sz="1800" baseline="0" dirty="0">
                           <a:solidFill>
                             <a:srgbClr val="000000"/>
                           </a:solidFill>
@@ -13221,7 +11836,7 @@
                         <a:defRPr/>
                       </a:pPr>
                       <a:r>
-                        <a:rPr lang="en-US" sz="1800" dirty="0" smtClean="0">
+                        <a:rPr lang="en-US" sz="1800" dirty="0">
                           <a:solidFill>
                             <a:srgbClr val="000000"/>
                           </a:solidFill>
@@ -13272,6 +11887,11 @@
                     </a:lnB>
                   </a:tcPr>
                 </a:tc>
+                <a:extLst>
+                  <a:ext uri="{0D108BD9-81ED-4DB2-BD59-A6C34878D82A}">
+                    <a16:rowId xmlns:a16="http://schemas.microsoft.com/office/drawing/2014/main" val="10007"/>
+                  </a:ext>
+                </a:extLst>
               </a:tr>
               <a:tr h="0">
                 <a:tc>
@@ -13291,7 +11911,7 @@
                         </a:spcAft>
                       </a:pPr>
                       <a:r>
-                        <a:rPr lang="en-US" sz="1800" dirty="0" smtClean="0">
+                        <a:rPr lang="en-US" sz="1800" dirty="0">
                           <a:solidFill>
                             <a:srgbClr val="000000"/>
                           </a:solidFill>
@@ -13301,14 +11921,6 @@
                         </a:rPr>
                         <a:t>8</a:t>
                       </a:r>
-                      <a:endParaRPr lang="en-US" sz="1800" dirty="0">
-                        <a:solidFill>
-                          <a:srgbClr val="000000"/>
-                        </a:solidFill>
-                        <a:latin typeface="Kalinga" panose="020B0502040204020203" pitchFamily="34" charset="0"/>
-                        <a:ea typeface="Tahoma" panose="020B0604030504040204" pitchFamily="34" charset="0"/>
-                        <a:cs typeface="Kalinga" panose="020B0502040204020203" pitchFamily="34" charset="0"/>
-                      </a:endParaRPr>
                     </a:p>
                   </a:txBody>
                   <a:tcPr marL="50380" marR="50380">
@@ -13356,7 +11968,7 @@
                     <a:lstStyle/>
                     <a:p>
                       <a:r>
-                        <a:rPr lang="en-US" sz="1800" dirty="0" smtClean="0">
+                        <a:rPr lang="en-US" sz="1800" dirty="0">
                           <a:solidFill>
                             <a:srgbClr val="000000"/>
                           </a:solidFill>
@@ -13366,14 +11978,6 @@
                         </a:rPr>
                         <a:t>Antennas and Propagation</a:t>
                       </a:r>
-                      <a:endParaRPr lang="en-US" sz="1800" dirty="0">
-                        <a:solidFill>
-                          <a:srgbClr val="000000"/>
-                        </a:solidFill>
-                        <a:latin typeface="Kalinga" panose="020B0502040204020203" pitchFamily="34" charset="0"/>
-                        <a:ea typeface="Tahoma" panose="020B0604030504040204" pitchFamily="34" charset="0"/>
-                        <a:cs typeface="Kalinga" panose="020B0502040204020203" pitchFamily="34" charset="0"/>
-                      </a:endParaRPr>
                     </a:p>
                   </a:txBody>
                   <a:tcPr marL="182880">
@@ -13438,7 +12042,7 @@
                         <a:defRPr/>
                       </a:pPr>
                       <a:r>
-                        <a:rPr lang="en-US" sz="1800" dirty="0" smtClean="0">
+                        <a:rPr lang="en-US" sz="1800" dirty="0">
                           <a:solidFill>
                             <a:srgbClr val="000000"/>
                           </a:solidFill>
@@ -13448,14 +12052,6 @@
                         </a:rPr>
                         <a:t>Antenna</a:t>
                       </a:r>
-                      <a:endParaRPr lang="en-US" sz="1800" dirty="0">
-                        <a:solidFill>
-                          <a:srgbClr val="000000"/>
-                        </a:solidFill>
-                        <a:latin typeface="Kalinga" panose="020B0502040204020203" pitchFamily="34" charset="0"/>
-                        <a:ea typeface="Tahoma" panose="020B0604030504040204" pitchFamily="34" charset="0"/>
-                        <a:cs typeface="Kalinga" panose="020B0502040204020203" pitchFamily="34" charset="0"/>
-                      </a:endParaRPr>
                     </a:p>
                   </a:txBody>
                   <a:tcPr marL="182880">
@@ -13497,6 +12093,11 @@
                     </a:lnB>
                   </a:tcPr>
                 </a:tc>
+                <a:extLst>
+                  <a:ext uri="{0D108BD9-81ED-4DB2-BD59-A6C34878D82A}">
+                    <a16:rowId xmlns:a16="http://schemas.microsoft.com/office/drawing/2014/main" val="10008"/>
+                  </a:ext>
+                </a:extLst>
               </a:tr>
               <a:tr h="355784">
                 <a:tc>
@@ -13516,7 +12117,7 @@
                         </a:spcAft>
                       </a:pPr>
                       <a:r>
-                        <a:rPr lang="en-US" sz="1800" dirty="0" smtClean="0">
+                        <a:rPr lang="en-US" sz="1800" dirty="0">
                           <a:solidFill>
                             <a:srgbClr val="000000"/>
                           </a:solidFill>
@@ -13526,14 +12127,6 @@
                         </a:rPr>
                         <a:t>9</a:t>
                       </a:r>
-                      <a:endParaRPr lang="en-US" sz="1800" dirty="0">
-                        <a:solidFill>
-                          <a:srgbClr val="000000"/>
-                        </a:solidFill>
-                        <a:latin typeface="Kalinga" panose="020B0502040204020203" pitchFamily="34" charset="0"/>
-                        <a:ea typeface="Tahoma" panose="020B0604030504040204" pitchFamily="34" charset="0"/>
-                        <a:cs typeface="Kalinga" panose="020B0502040204020203" pitchFamily="34" charset="0"/>
-                      </a:endParaRPr>
                     </a:p>
                   </a:txBody>
                   <a:tcPr marL="50380" marR="50380">
@@ -13601,7 +12194,7 @@
                         <a:defRPr/>
                       </a:pPr>
                       <a:r>
-                        <a:rPr lang="en-US" sz="1800" baseline="0" dirty="0" smtClean="0">
+                        <a:rPr lang="en-US" sz="1800" baseline="0" dirty="0">
                           <a:solidFill>
                             <a:srgbClr val="000000"/>
                           </a:solidFill>
@@ -13686,7 +12279,7 @@
                         <a:defRPr/>
                       </a:pPr>
                       <a:r>
-                        <a:rPr lang="en-US" sz="1800" dirty="0" smtClean="0">
+                        <a:rPr lang="en-US" sz="1800" dirty="0">
                           <a:solidFill>
                             <a:srgbClr val="000000"/>
                           </a:solidFill>
@@ -13697,7 +12290,7 @@
                         <a:t>Radar system assembly</a:t>
                       </a:r>
                       <a:r>
-                        <a:rPr lang="en-US" sz="1800" baseline="0" dirty="0" smtClean="0">
+                        <a:rPr lang="en-US" sz="1800" baseline="0" dirty="0">
                           <a:solidFill>
                             <a:srgbClr val="000000"/>
                           </a:solidFill>
@@ -13707,7 +12300,7 @@
                         </a:rPr>
                         <a:t> and characterization</a:t>
                       </a:r>
-                      <a:endParaRPr lang="en-US" sz="1800" dirty="0" smtClean="0">
+                      <a:endParaRPr lang="en-US" sz="1800" dirty="0">
                         <a:solidFill>
                           <a:srgbClr val="000000"/>
                         </a:solidFill>
@@ -13756,6 +12349,11 @@
                     </a:lnB>
                   </a:tcPr>
                 </a:tc>
+                <a:extLst>
+                  <a:ext uri="{0D108BD9-81ED-4DB2-BD59-A6C34878D82A}">
+                    <a16:rowId xmlns:a16="http://schemas.microsoft.com/office/drawing/2014/main" val="10009"/>
+                  </a:ext>
+                </a:extLst>
               </a:tr>
             </a:tbl>
           </a:graphicData>
@@ -13771,13 +12369,6 @@
   <p:clrMapOvr>
     <a:masterClrMapping/>
   </p:clrMapOvr>
-  <p:timing>
-    <p:tnLst>
-      <p:par>
-        <p:cTn id="1" dur="indefinite" restart="never" nodeType="tmRoot"/>
-      </p:par>
-    </p:tnLst>
-  </p:timing>
 </p:sld>
 </file>
 

--- a/lectures/lec0/Lec0-CourseMechanisms.pptx
+++ b/lectures/lec0/Lec0-CourseMechanisms.pptx
@@ -5,10 +5,10 @@
     <p:sldMasterId id="2147483648" r:id="rId1"/>
   </p:sldMasterIdLst>
   <p:notesMasterIdLst>
-    <p:notesMasterId r:id="rId21"/>
+    <p:notesMasterId r:id="rId22"/>
   </p:notesMasterIdLst>
   <p:handoutMasterIdLst>
-    <p:handoutMasterId r:id="rId22"/>
+    <p:handoutMasterId r:id="rId23"/>
   </p:handoutMasterIdLst>
   <p:sldIdLst>
     <p:sldId id="258" r:id="rId2"/>
@@ -26,10 +26,11 @@
     <p:sldId id="326" r:id="rId14"/>
     <p:sldId id="325" r:id="rId15"/>
     <p:sldId id="331" r:id="rId16"/>
-    <p:sldId id="264" r:id="rId17"/>
-    <p:sldId id="315" r:id="rId18"/>
-    <p:sldId id="307" r:id="rId19"/>
-    <p:sldId id="270" r:id="rId20"/>
+    <p:sldId id="332" r:id="rId17"/>
+    <p:sldId id="264" r:id="rId18"/>
+    <p:sldId id="315" r:id="rId19"/>
+    <p:sldId id="307" r:id="rId20"/>
+    <p:sldId id="270" r:id="rId21"/>
   </p:sldIdLst>
   <p:sldSz cx="9144000" cy="6858000" type="screen4x3"/>
   <p:notesSz cx="7010400" cy="9296400"/>
@@ -1287,7 +1288,7 @@
             <a:fld id="{CFF31767-D1A3-4648-B372-2E096E58CC1D}" type="slidenum">
               <a:rPr lang="en-US" smtClean="0"/>
               <a:pPr/>
-              <a:t>16</a:t>
+              <a:t>17</a:t>
             </a:fld>
             <a:endParaRPr lang="en-US"/>
           </a:p>
@@ -3760,8 +3761,8 @@
           </a:p>
         </p:txBody>
       </p:sp>
-      <mc:AlternateContent xmlns:mc="http://schemas.openxmlformats.org/markup-compatibility/2006" xmlns:a14="http://schemas.microsoft.com/office/drawing/2010/main">
-        <mc:Choice Requires="a14">
+      <mc:AlternateContent xmlns:mc="http://schemas.openxmlformats.org/markup-compatibility/2006">
+        <mc:Choice xmlns:a14="http://schemas.microsoft.com/office/drawing/2010/main" Requires="a14">
           <p:sp>
             <p:nvSpPr>
               <p:cNvPr id="3" name="Text Placeholder 2"/>
@@ -3806,11 +3807,54 @@
                       </a:rPr>
                       <m:t>=</m:t>
                     </m:r>
+                    <m:sSub>
+                      <m:sSubPr>
+                        <m:ctrlPr>
+                          <a:rPr lang="en-US" b="0" i="0" smtClean="0">
+                            <a:latin typeface="Cambria Math" panose="02040503050406030204" pitchFamily="18" charset="0"/>
+                          </a:rPr>
+                        </m:ctrlPr>
+                      </m:sSubPr>
+                      <m:e>
+                        <m:r>
+                          <m:rPr>
+                            <m:sty m:val="p"/>
+                          </m:rPr>
+                          <a:rPr lang="en-US" b="0" i="0" smtClean="0">
+                            <a:latin typeface="Cambria Math" panose="02040503050406030204" pitchFamily="18" charset="0"/>
+                          </a:rPr>
+                          <m:t>P</m:t>
+                        </m:r>
+                      </m:e>
+                      <m:sub>
+                        <m:r>
+                          <m:rPr>
+                            <m:sty m:val="p"/>
+                          </m:rPr>
+                          <a:rPr lang="en-US" b="0" i="0" smtClean="0">
+                            <a:latin typeface="Cambria Math" panose="02040503050406030204" pitchFamily="18" charset="0"/>
+                          </a:rPr>
+                          <m:t>dc</m:t>
+                        </m:r>
+                      </m:sub>
+                    </m:sSub>
+                    <m:r>
+                      <a:rPr lang="en-US" b="0" i="1" smtClean="0">
+                        <a:latin typeface="Cambria Math" panose="02040503050406030204" pitchFamily="18" charset="0"/>
+                      </a:rPr>
+                      <m:t>×</m:t>
+                    </m:r>
                     <m:r>
                       <a:rPr lang="en-US">
                         <a:latin typeface="Cambria Math" panose="02040503050406030204" pitchFamily="18" charset="0"/>
                       </a:rPr>
-                      <m:t>𝑊𝑃</m:t>
+                      <m:t>𝑊</m:t>
+                    </m:r>
+                    <m:r>
+                      <a:rPr lang="en-US" b="0" i="1" smtClean="0">
+                        <a:latin typeface="Cambria Math" panose="02040503050406030204" pitchFamily="18" charset="0"/>
+                      </a:rPr>
+                      <m:t>×</m:t>
                     </m:r>
                     <m:nary>
                       <m:naryPr>
@@ -4091,14 +4135,14 @@
                 <a:pPr lvl="2"/>
                 <a14:m>
                   <m:oMath xmlns:m="http://schemas.openxmlformats.org/officeDocument/2006/math">
-                    <m:sSup>
-                      <m:sSupPr>
+                    <m:sSubSup>
+                      <m:sSubSupPr>
                         <m:ctrlPr>
-                          <a:rPr lang="en-US" i="1">
+                          <a:rPr lang="en-US" b="0" i="0" smtClean="0">
                             <a:latin typeface="Cambria Math" panose="02040503050406030204" pitchFamily="18" charset="0"/>
                           </a:rPr>
                         </m:ctrlPr>
-                      </m:sSupPr>
+                      </m:sSubSupPr>
                       <m:e>
                         <m:r>
                           <a:rPr lang="en-US">
@@ -4107,8 +4151,16 @@
                           <m:t>𝑃</m:t>
                         </m:r>
                       </m:e>
+                      <m:sub>
+                        <m:r>
+                          <a:rPr lang="en-US" b="0" i="1" smtClean="0">
+                            <a:latin typeface="Cambria Math" panose="02040503050406030204" pitchFamily="18" charset="0"/>
+                          </a:rPr>
+                          <m:t>𝑑𝑐</m:t>
+                        </m:r>
+                      </m:sub>
                       <m:sup/>
-                    </m:sSup>
+                    </m:sSubSup>
                   </m:oMath>
                 </a14:m>
                 <a:r>
@@ -4126,13 +4178,21 @@
               <a:p>
                 <a:r>
                   <a:rPr lang="en-US" dirty="0"/>
-                  <a:t>More details may apply; will be announced later</a:t>
+                  <a:t>More details can be found in the “</a:t>
+                </a:r>
+                <a:r>
+                  <a:rPr lang="en-US" i="1" u="sng" dirty="0"/>
+                  <a:t>EEC134 Quarter2 Project Guidelines.pdf</a:t>
+                </a:r>
+                <a:r>
+                  <a:rPr lang="en-US" dirty="0"/>
+                  <a:t> ”document</a:t>
                 </a:r>
               </a:p>
             </p:txBody>
           </p:sp>
         </mc:Choice>
-        <mc:Fallback xmlns="">
+        <mc:Fallback>
           <p:sp>
             <p:nvSpPr>
               <p:cNvPr id="3" name="Text Placeholder 2"/>
@@ -4144,7 +4204,7 @@
               </p:nvPr>
             </p:nvSpPr>
             <p:spPr>
-              <a:blipFill rotWithShape="0">
+              <a:blipFill>
                 <a:blip r:embed="rId2"/>
                 <a:stretch>
                   <a:fillRect l="-1723" t="-1266"/>
@@ -4304,6 +4364,128 @@
 </file>
 
 <file path=ppt/slides/slide16.xml><?xml version="1.0" encoding="utf-8"?>
+<p:sld xmlns:a="http://schemas.openxmlformats.org/drawingml/2006/main" xmlns:r="http://schemas.openxmlformats.org/officeDocument/2006/relationships" xmlns:p="http://schemas.openxmlformats.org/presentationml/2006/main">
+  <p:cSld>
+    <p:spTree>
+      <p:nvGrpSpPr>
+        <p:cNvPr id="1" name=""/>
+        <p:cNvGrpSpPr/>
+        <p:nvPr/>
+      </p:nvGrpSpPr>
+      <p:grpSpPr>
+        <a:xfrm>
+          <a:off x="0" y="0"/>
+          <a:ext cx="0" cy="0"/>
+          <a:chOff x="0" y="0"/>
+          <a:chExt cx="0" cy="0"/>
+        </a:xfrm>
+      </p:grpSpPr>
+      <p:sp>
+        <p:nvSpPr>
+          <p:cNvPr id="2" name="Title 1"/>
+          <p:cNvSpPr>
+            <a:spLocks noGrp="1"/>
+          </p:cNvSpPr>
+          <p:nvPr>
+            <p:ph type="title"/>
+          </p:nvPr>
+        </p:nvSpPr>
+        <p:spPr/>
+        <p:txBody>
+          <a:bodyPr/>
+          <a:lstStyle/>
+          <a:p>
+            <a:r>
+              <a:rPr lang="en-US" dirty="0"/>
+              <a:t>Report Format</a:t>
+            </a:r>
+          </a:p>
+        </p:txBody>
+      </p:sp>
+      <p:sp>
+        <p:nvSpPr>
+          <p:cNvPr id="3" name="Text Placeholder 2"/>
+          <p:cNvSpPr>
+            <a:spLocks noGrp="1"/>
+          </p:cNvSpPr>
+          <p:nvPr>
+            <p:ph type="body" sz="quarter" idx="10"/>
+          </p:nvPr>
+        </p:nvSpPr>
+        <p:spPr/>
+        <p:txBody>
+          <a:bodyPr/>
+          <a:lstStyle/>
+          <a:p>
+            <a:r>
+              <a:rPr lang="en-US" dirty="0"/>
+              <a:t>All reports must follow the IEEE Conference Manuscript Template</a:t>
+            </a:r>
+          </a:p>
+          <a:p>
+            <a:pPr lvl="1"/>
+            <a:r>
+              <a:rPr lang="en-US" dirty="0">
+                <a:hlinkClick r:id="rId2"/>
+              </a:rPr>
+              <a:t>https://www.ieee.org/conferences_events/conferences/publishing/templates.html</a:t>
+            </a:r>
+            <a:endParaRPr lang="en-US" dirty="0"/>
+          </a:p>
+          <a:p>
+            <a:pPr lvl="1"/>
+            <a:endParaRPr lang="en-US" dirty="0"/>
+          </a:p>
+        </p:txBody>
+      </p:sp>
+      <p:pic>
+        <p:nvPicPr>
+          <p:cNvPr id="5" name="Picture 4"/>
+          <p:cNvPicPr>
+            <a:picLocks noChangeAspect="1"/>
+          </p:cNvPicPr>
+          <p:nvPr/>
+        </p:nvPicPr>
+        <p:blipFill>
+          <a:blip r:embed="rId3"/>
+          <a:stretch>
+            <a:fillRect/>
+          </a:stretch>
+        </p:blipFill>
+        <p:spPr>
+          <a:xfrm>
+            <a:off x="597343" y="1965158"/>
+            <a:ext cx="7896382" cy="4684295"/>
+          </a:xfrm>
+          <a:prstGeom prst="rect">
+            <a:avLst/>
+          </a:prstGeom>
+          <a:ln>
+            <a:noFill/>
+          </a:ln>
+          <a:effectLst>
+            <a:outerShdw blurRad="292100" dist="139700" dir="2700000" algn="tl" rotWithShape="0">
+              <a:srgbClr val="333333">
+                <a:alpha val="65000"/>
+              </a:srgbClr>
+            </a:outerShdw>
+          </a:effectLst>
+        </p:spPr>
+      </p:pic>
+    </p:spTree>
+    <p:extLst>
+      <p:ext uri="{BB962C8B-B14F-4D97-AF65-F5344CB8AC3E}">
+        <p14:creationId xmlns:p14="http://schemas.microsoft.com/office/powerpoint/2010/main" val="3801891284"/>
+      </p:ext>
+    </p:extLst>
+  </p:cSld>
+  <p:clrMapOvr>
+    <a:masterClrMapping/>
+  </p:clrMapOvr>
+</p:sld>
+</file>
+
+<file path=ppt/slides/slide17.xml><?xml version="1.0" encoding="utf-8"?>
 <p:sld xmlns:a="http://schemas.openxmlformats.org/drawingml/2006/main" xmlns:r="http://schemas.openxmlformats.org/officeDocument/2006/relationships" xmlns:p="http://schemas.openxmlformats.org/presentationml/2006/main">
   <p:cSld>
     <p:spTree>
@@ -5347,7 +5529,7 @@
 </p:sld>
 </file>
 
-<file path=ppt/slides/slide17.xml><?xml version="1.0" encoding="utf-8"?>
+<file path=ppt/slides/slide18.xml><?xml version="1.0" encoding="utf-8"?>
 <p:sld xmlns:a="http://schemas.openxmlformats.org/drawingml/2006/main" xmlns:r="http://schemas.openxmlformats.org/officeDocument/2006/relationships" xmlns:p="http://schemas.openxmlformats.org/presentationml/2006/main">
   <p:cSld>
     <p:spTree>
@@ -5451,7 +5633,7 @@
 </p:sld>
 </file>
 
-<file path=ppt/slides/slide18.xml><?xml version="1.0" encoding="utf-8"?>
+<file path=ppt/slides/slide19.xml><?xml version="1.0" encoding="utf-8"?>
 <p:sld xmlns:a="http://schemas.openxmlformats.org/drawingml/2006/main" xmlns:r="http://schemas.openxmlformats.org/officeDocument/2006/relationships" xmlns:p="http://schemas.openxmlformats.org/presentationml/2006/main">
   <p:cSld>
     <p:spTree>
@@ -5735,7 +5917,438 @@
 </p:sld>
 </file>
 
-<file path=ppt/slides/slide19.xml><?xml version="1.0" encoding="utf-8"?>
+<file path=ppt/slides/slide2.xml><?xml version="1.0" encoding="utf-8"?>
+<p:sld xmlns:a="http://schemas.openxmlformats.org/drawingml/2006/main" xmlns:r="http://schemas.openxmlformats.org/officeDocument/2006/relationships" xmlns:p="http://schemas.openxmlformats.org/presentationml/2006/main">
+  <p:cSld>
+    <p:spTree>
+      <p:nvGrpSpPr>
+        <p:cNvPr id="1" name=""/>
+        <p:cNvGrpSpPr/>
+        <p:nvPr/>
+      </p:nvGrpSpPr>
+      <p:grpSpPr>
+        <a:xfrm>
+          <a:off x="0" y="0"/>
+          <a:ext cx="0" cy="0"/>
+          <a:chOff x="0" y="0"/>
+          <a:chExt cx="0" cy="0"/>
+        </a:xfrm>
+      </p:grpSpPr>
+      <p:sp>
+        <p:nvSpPr>
+          <p:cNvPr id="2" name="Title 1"/>
+          <p:cNvSpPr>
+            <a:spLocks noGrp="1"/>
+          </p:cNvSpPr>
+          <p:nvPr>
+            <p:ph type="title"/>
+          </p:nvPr>
+        </p:nvSpPr>
+        <p:spPr/>
+        <p:txBody>
+          <a:bodyPr>
+            <a:normAutofit/>
+          </a:bodyPr>
+          <a:lstStyle/>
+          <a:p>
+            <a:r>
+              <a:rPr lang="en-US" dirty="0"/>
+              <a:t>Course Objectives</a:t>
+            </a:r>
+          </a:p>
+        </p:txBody>
+      </p:sp>
+      <p:sp>
+        <p:nvSpPr>
+          <p:cNvPr id="3" name="Content Placeholder 2"/>
+          <p:cNvSpPr>
+            <a:spLocks noGrp="1"/>
+          </p:cNvSpPr>
+          <p:nvPr>
+            <p:ph type="body" sz="quarter" idx="10"/>
+          </p:nvPr>
+        </p:nvSpPr>
+        <p:spPr/>
+        <p:txBody>
+          <a:bodyPr/>
+          <a:lstStyle/>
+          <a:p>
+            <a:r>
+              <a:rPr lang="en-US" sz="2400" dirty="0"/>
+              <a:t>To provide a senior design option for students interested in RF/microwave engineering</a:t>
+            </a:r>
+          </a:p>
+          <a:p>
+            <a:r>
+              <a:rPr lang="en-US" sz="2400" dirty="0"/>
+              <a:t>To provide a system design perspective</a:t>
+            </a:r>
+          </a:p>
+          <a:p>
+            <a:r>
+              <a:rPr lang="en-US" sz="2400" dirty="0"/>
+              <a:t>To get your hands dirty</a:t>
+            </a:r>
+          </a:p>
+          <a:p>
+            <a:r>
+              <a:rPr lang="en-US" sz="2400" dirty="0"/>
+              <a:t>To promote teamwork</a:t>
+            </a:r>
+          </a:p>
+          <a:p>
+            <a:r>
+              <a:rPr lang="en-US" sz="2400" dirty="0"/>
+              <a:t>To promote self-learning</a:t>
+            </a:r>
+          </a:p>
+          <a:p>
+            <a:r>
+              <a:rPr lang="en-US" sz="2400" dirty="0"/>
+              <a:t>To improve communication (oral &amp; written) skills </a:t>
+            </a:r>
+          </a:p>
+          <a:p>
+            <a:r>
+              <a:rPr lang="en-US" sz="2400" dirty="0"/>
+              <a:t>To push your limit!</a:t>
+            </a:r>
+          </a:p>
+        </p:txBody>
+      </p:sp>
+    </p:spTree>
+  </p:cSld>
+  <p:clrMapOvr>
+    <a:masterClrMapping/>
+  </p:clrMapOvr>
+  <p:timing>
+    <p:tnLst>
+      <p:par>
+        <p:cTn id="1" dur="indefinite" restart="never" nodeType="tmRoot">
+          <p:childTnLst>
+            <p:seq concurrent="1" nextAc="seek">
+              <p:cTn id="2" dur="indefinite" nodeType="mainSeq">
+                <p:childTnLst>
+                  <p:par>
+                    <p:cTn id="3" fill="hold">
+                      <p:stCondLst>
+                        <p:cond delay="indefinite"/>
+                      </p:stCondLst>
+                      <p:childTnLst>
+                        <p:par>
+                          <p:cTn id="4" fill="hold">
+                            <p:stCondLst>
+                              <p:cond delay="0"/>
+                            </p:stCondLst>
+                            <p:childTnLst>
+                              <p:par>
+                                <p:cTn id="5" presetID="1" presetClass="entr" presetSubtype="0" fill="hold" nodeType="clickEffect">
+                                  <p:stCondLst>
+                                    <p:cond delay="0"/>
+                                  </p:stCondLst>
+                                  <p:childTnLst>
+                                    <p:set>
+                                      <p:cBhvr>
+                                        <p:cTn id="6" dur="1" fill="hold">
+                                          <p:stCondLst>
+                                            <p:cond delay="0"/>
+                                          </p:stCondLst>
+                                        </p:cTn>
+                                        <p:tgtEl>
+                                          <p:spTgt spid="3">
+                                            <p:txEl>
+                                              <p:pRg st="1" end="1"/>
+                                            </p:txEl>
+                                          </p:spTgt>
+                                        </p:tgtEl>
+                                        <p:attrNameLst>
+                                          <p:attrName>style.visibility</p:attrName>
+                                        </p:attrNameLst>
+                                      </p:cBhvr>
+                                      <p:to>
+                                        <p:strVal val="visible"/>
+                                      </p:to>
+                                    </p:set>
+                                  </p:childTnLst>
+                                </p:cTn>
+                              </p:par>
+                            </p:childTnLst>
+                          </p:cTn>
+                        </p:par>
+                      </p:childTnLst>
+                    </p:cTn>
+                  </p:par>
+                  <p:par>
+                    <p:cTn id="7" fill="hold">
+                      <p:stCondLst>
+                        <p:cond delay="indefinite"/>
+                      </p:stCondLst>
+                      <p:childTnLst>
+                        <p:par>
+                          <p:cTn id="8" fill="hold">
+                            <p:stCondLst>
+                              <p:cond delay="0"/>
+                            </p:stCondLst>
+                            <p:childTnLst>
+                              <p:par>
+                                <p:cTn id="9" presetID="1" presetClass="entr" presetSubtype="0" fill="hold" nodeType="clickEffect">
+                                  <p:stCondLst>
+                                    <p:cond delay="0"/>
+                                  </p:stCondLst>
+                                  <p:childTnLst>
+                                    <p:set>
+                                      <p:cBhvr>
+                                        <p:cTn id="10" dur="1" fill="hold">
+                                          <p:stCondLst>
+                                            <p:cond delay="0"/>
+                                          </p:stCondLst>
+                                        </p:cTn>
+                                        <p:tgtEl>
+                                          <p:spTgt spid="3">
+                                            <p:txEl>
+                                              <p:pRg st="2" end="2"/>
+                                            </p:txEl>
+                                          </p:spTgt>
+                                        </p:tgtEl>
+                                        <p:attrNameLst>
+                                          <p:attrName>style.visibility</p:attrName>
+                                        </p:attrNameLst>
+                                      </p:cBhvr>
+                                      <p:to>
+                                        <p:strVal val="visible"/>
+                                      </p:to>
+                                    </p:set>
+                                  </p:childTnLst>
+                                </p:cTn>
+                              </p:par>
+                            </p:childTnLst>
+                          </p:cTn>
+                        </p:par>
+                      </p:childTnLst>
+                    </p:cTn>
+                  </p:par>
+                  <p:par>
+                    <p:cTn id="11" fill="hold">
+                      <p:stCondLst>
+                        <p:cond delay="indefinite"/>
+                      </p:stCondLst>
+                      <p:childTnLst>
+                        <p:par>
+                          <p:cTn id="12" fill="hold">
+                            <p:stCondLst>
+                              <p:cond delay="0"/>
+                            </p:stCondLst>
+                            <p:childTnLst>
+                              <p:par>
+                                <p:cTn id="13" presetID="1" presetClass="entr" presetSubtype="0" fill="hold" nodeType="clickEffect">
+                                  <p:stCondLst>
+                                    <p:cond delay="0"/>
+                                  </p:stCondLst>
+                                  <p:childTnLst>
+                                    <p:set>
+                                      <p:cBhvr>
+                                        <p:cTn id="14" dur="1" fill="hold">
+                                          <p:stCondLst>
+                                            <p:cond delay="0"/>
+                                          </p:stCondLst>
+                                        </p:cTn>
+                                        <p:tgtEl>
+                                          <p:spTgt spid="3">
+                                            <p:txEl>
+                                              <p:pRg st="3" end="3"/>
+                                            </p:txEl>
+                                          </p:spTgt>
+                                        </p:tgtEl>
+                                        <p:attrNameLst>
+                                          <p:attrName>style.visibility</p:attrName>
+                                        </p:attrNameLst>
+                                      </p:cBhvr>
+                                      <p:to>
+                                        <p:strVal val="visible"/>
+                                      </p:to>
+                                    </p:set>
+                                  </p:childTnLst>
+                                </p:cTn>
+                              </p:par>
+                            </p:childTnLst>
+                          </p:cTn>
+                        </p:par>
+                      </p:childTnLst>
+                    </p:cTn>
+                  </p:par>
+                  <p:par>
+                    <p:cTn id="15" fill="hold">
+                      <p:stCondLst>
+                        <p:cond delay="indefinite"/>
+                      </p:stCondLst>
+                      <p:childTnLst>
+                        <p:par>
+                          <p:cTn id="16" fill="hold">
+                            <p:stCondLst>
+                              <p:cond delay="0"/>
+                            </p:stCondLst>
+                            <p:childTnLst>
+                              <p:par>
+                                <p:cTn id="17" presetID="1" presetClass="entr" presetSubtype="0" fill="hold" nodeType="clickEffect">
+                                  <p:stCondLst>
+                                    <p:cond delay="0"/>
+                                  </p:stCondLst>
+                                  <p:childTnLst>
+                                    <p:set>
+                                      <p:cBhvr>
+                                        <p:cTn id="18" dur="1" fill="hold">
+                                          <p:stCondLst>
+                                            <p:cond delay="0"/>
+                                          </p:stCondLst>
+                                        </p:cTn>
+                                        <p:tgtEl>
+                                          <p:spTgt spid="3">
+                                            <p:txEl>
+                                              <p:pRg st="4" end="4"/>
+                                            </p:txEl>
+                                          </p:spTgt>
+                                        </p:tgtEl>
+                                        <p:attrNameLst>
+                                          <p:attrName>style.visibility</p:attrName>
+                                        </p:attrNameLst>
+                                      </p:cBhvr>
+                                      <p:to>
+                                        <p:strVal val="visible"/>
+                                      </p:to>
+                                    </p:set>
+                                  </p:childTnLst>
+                                </p:cTn>
+                              </p:par>
+                            </p:childTnLst>
+                          </p:cTn>
+                        </p:par>
+                      </p:childTnLst>
+                    </p:cTn>
+                  </p:par>
+                  <p:par>
+                    <p:cTn id="19" fill="hold">
+                      <p:stCondLst>
+                        <p:cond delay="indefinite"/>
+                      </p:stCondLst>
+                      <p:childTnLst>
+                        <p:par>
+                          <p:cTn id="20" fill="hold">
+                            <p:stCondLst>
+                              <p:cond delay="0"/>
+                            </p:stCondLst>
+                            <p:childTnLst>
+                              <p:par>
+                                <p:cTn id="21" presetID="1" presetClass="entr" presetSubtype="0" fill="hold" nodeType="clickEffect">
+                                  <p:stCondLst>
+                                    <p:cond delay="0"/>
+                                  </p:stCondLst>
+                                  <p:childTnLst>
+                                    <p:set>
+                                      <p:cBhvr>
+                                        <p:cTn id="22" dur="1" fill="hold">
+                                          <p:stCondLst>
+                                            <p:cond delay="0"/>
+                                          </p:stCondLst>
+                                        </p:cTn>
+                                        <p:tgtEl>
+                                          <p:spTgt spid="3">
+                                            <p:txEl>
+                                              <p:pRg st="5" end="5"/>
+                                            </p:txEl>
+                                          </p:spTgt>
+                                        </p:tgtEl>
+                                        <p:attrNameLst>
+                                          <p:attrName>style.visibility</p:attrName>
+                                        </p:attrNameLst>
+                                      </p:cBhvr>
+                                      <p:to>
+                                        <p:strVal val="visible"/>
+                                      </p:to>
+                                    </p:set>
+                                  </p:childTnLst>
+                                </p:cTn>
+                              </p:par>
+                            </p:childTnLst>
+                          </p:cTn>
+                        </p:par>
+                      </p:childTnLst>
+                    </p:cTn>
+                  </p:par>
+                  <p:par>
+                    <p:cTn id="23" fill="hold">
+                      <p:stCondLst>
+                        <p:cond delay="indefinite"/>
+                      </p:stCondLst>
+                      <p:childTnLst>
+                        <p:par>
+                          <p:cTn id="24" fill="hold">
+                            <p:stCondLst>
+                              <p:cond delay="0"/>
+                            </p:stCondLst>
+                            <p:childTnLst>
+                              <p:par>
+                                <p:cTn id="25" presetID="1" presetClass="entr" presetSubtype="0" fill="hold" nodeType="clickEffect">
+                                  <p:stCondLst>
+                                    <p:cond delay="0"/>
+                                  </p:stCondLst>
+                                  <p:childTnLst>
+                                    <p:set>
+                                      <p:cBhvr>
+                                        <p:cTn id="26" dur="1" fill="hold">
+                                          <p:stCondLst>
+                                            <p:cond delay="0"/>
+                                          </p:stCondLst>
+                                        </p:cTn>
+                                        <p:tgtEl>
+                                          <p:spTgt spid="3">
+                                            <p:txEl>
+                                              <p:pRg st="6" end="6"/>
+                                            </p:txEl>
+                                          </p:spTgt>
+                                        </p:tgtEl>
+                                        <p:attrNameLst>
+                                          <p:attrName>style.visibility</p:attrName>
+                                        </p:attrNameLst>
+                                      </p:cBhvr>
+                                      <p:to>
+                                        <p:strVal val="visible"/>
+                                      </p:to>
+                                    </p:set>
+                                  </p:childTnLst>
+                                </p:cTn>
+                              </p:par>
+                            </p:childTnLst>
+                          </p:cTn>
+                        </p:par>
+                      </p:childTnLst>
+                    </p:cTn>
+                  </p:par>
+                </p:childTnLst>
+              </p:cTn>
+              <p:prevCondLst>
+                <p:cond evt="onPrev" delay="0">
+                  <p:tgtEl>
+                    <p:sldTgt/>
+                  </p:tgtEl>
+                </p:cond>
+              </p:prevCondLst>
+              <p:nextCondLst>
+                <p:cond evt="onNext" delay="0">
+                  <p:tgtEl>
+                    <p:sldTgt/>
+                  </p:tgtEl>
+                </p:cond>
+              </p:nextCondLst>
+            </p:seq>
+          </p:childTnLst>
+        </p:cTn>
+      </p:par>
+    </p:tnLst>
+  </p:timing>
+</p:sld>
+</file>
+
+<file path=ppt/slides/slide20.xml><?xml version="1.0" encoding="utf-8"?>
 <p:sld xmlns:a="http://schemas.openxmlformats.org/drawingml/2006/main" xmlns:r="http://schemas.openxmlformats.org/officeDocument/2006/relationships" xmlns:p="http://schemas.openxmlformats.org/presentationml/2006/main">
   <p:cSld>
     <p:spTree>
@@ -6880,437 +7493,6 @@
 </p:sld>
 </file>
 
-<file path=ppt/slides/slide2.xml><?xml version="1.0" encoding="utf-8"?>
-<p:sld xmlns:a="http://schemas.openxmlformats.org/drawingml/2006/main" xmlns:r="http://schemas.openxmlformats.org/officeDocument/2006/relationships" xmlns:p="http://schemas.openxmlformats.org/presentationml/2006/main">
-  <p:cSld>
-    <p:spTree>
-      <p:nvGrpSpPr>
-        <p:cNvPr id="1" name=""/>
-        <p:cNvGrpSpPr/>
-        <p:nvPr/>
-      </p:nvGrpSpPr>
-      <p:grpSpPr>
-        <a:xfrm>
-          <a:off x="0" y="0"/>
-          <a:ext cx="0" cy="0"/>
-          <a:chOff x="0" y="0"/>
-          <a:chExt cx="0" cy="0"/>
-        </a:xfrm>
-      </p:grpSpPr>
-      <p:sp>
-        <p:nvSpPr>
-          <p:cNvPr id="2" name="Title 1"/>
-          <p:cNvSpPr>
-            <a:spLocks noGrp="1"/>
-          </p:cNvSpPr>
-          <p:nvPr>
-            <p:ph type="title"/>
-          </p:nvPr>
-        </p:nvSpPr>
-        <p:spPr/>
-        <p:txBody>
-          <a:bodyPr>
-            <a:normAutofit/>
-          </a:bodyPr>
-          <a:lstStyle/>
-          <a:p>
-            <a:r>
-              <a:rPr lang="en-US" dirty="0"/>
-              <a:t>Course Objectives</a:t>
-            </a:r>
-          </a:p>
-        </p:txBody>
-      </p:sp>
-      <p:sp>
-        <p:nvSpPr>
-          <p:cNvPr id="3" name="Content Placeholder 2"/>
-          <p:cNvSpPr>
-            <a:spLocks noGrp="1"/>
-          </p:cNvSpPr>
-          <p:nvPr>
-            <p:ph type="body" sz="quarter" idx="10"/>
-          </p:nvPr>
-        </p:nvSpPr>
-        <p:spPr/>
-        <p:txBody>
-          <a:bodyPr/>
-          <a:lstStyle/>
-          <a:p>
-            <a:r>
-              <a:rPr lang="en-US" sz="2400" dirty="0"/>
-              <a:t>To provide a senior design option for students interested in RF/microwave engineering</a:t>
-            </a:r>
-          </a:p>
-          <a:p>
-            <a:r>
-              <a:rPr lang="en-US" sz="2400" dirty="0"/>
-              <a:t>To provide a system design perspective</a:t>
-            </a:r>
-          </a:p>
-          <a:p>
-            <a:r>
-              <a:rPr lang="en-US" sz="2400" dirty="0"/>
-              <a:t>To get your hands dirty</a:t>
-            </a:r>
-          </a:p>
-          <a:p>
-            <a:r>
-              <a:rPr lang="en-US" sz="2400" dirty="0"/>
-              <a:t>To promote teamwork</a:t>
-            </a:r>
-          </a:p>
-          <a:p>
-            <a:r>
-              <a:rPr lang="en-US" sz="2400" dirty="0"/>
-              <a:t>To promote self-learning</a:t>
-            </a:r>
-          </a:p>
-          <a:p>
-            <a:r>
-              <a:rPr lang="en-US" sz="2400" dirty="0"/>
-              <a:t>To improve communication (oral &amp; written) skills </a:t>
-            </a:r>
-          </a:p>
-          <a:p>
-            <a:r>
-              <a:rPr lang="en-US" sz="2400" dirty="0"/>
-              <a:t>To push your limit!</a:t>
-            </a:r>
-          </a:p>
-        </p:txBody>
-      </p:sp>
-    </p:spTree>
-  </p:cSld>
-  <p:clrMapOvr>
-    <a:masterClrMapping/>
-  </p:clrMapOvr>
-  <p:timing>
-    <p:tnLst>
-      <p:par>
-        <p:cTn id="1" dur="indefinite" restart="never" nodeType="tmRoot">
-          <p:childTnLst>
-            <p:seq concurrent="1" nextAc="seek">
-              <p:cTn id="2" dur="indefinite" nodeType="mainSeq">
-                <p:childTnLst>
-                  <p:par>
-                    <p:cTn id="3" fill="hold">
-                      <p:stCondLst>
-                        <p:cond delay="indefinite"/>
-                      </p:stCondLst>
-                      <p:childTnLst>
-                        <p:par>
-                          <p:cTn id="4" fill="hold">
-                            <p:stCondLst>
-                              <p:cond delay="0"/>
-                            </p:stCondLst>
-                            <p:childTnLst>
-                              <p:par>
-                                <p:cTn id="5" presetID="1" presetClass="entr" presetSubtype="0" fill="hold" nodeType="clickEffect">
-                                  <p:stCondLst>
-                                    <p:cond delay="0"/>
-                                  </p:stCondLst>
-                                  <p:childTnLst>
-                                    <p:set>
-                                      <p:cBhvr>
-                                        <p:cTn id="6" dur="1" fill="hold">
-                                          <p:stCondLst>
-                                            <p:cond delay="0"/>
-                                          </p:stCondLst>
-                                        </p:cTn>
-                                        <p:tgtEl>
-                                          <p:spTgt spid="3">
-                                            <p:txEl>
-                                              <p:pRg st="1" end="1"/>
-                                            </p:txEl>
-                                          </p:spTgt>
-                                        </p:tgtEl>
-                                        <p:attrNameLst>
-                                          <p:attrName>style.visibility</p:attrName>
-                                        </p:attrNameLst>
-                                      </p:cBhvr>
-                                      <p:to>
-                                        <p:strVal val="visible"/>
-                                      </p:to>
-                                    </p:set>
-                                  </p:childTnLst>
-                                </p:cTn>
-                              </p:par>
-                            </p:childTnLst>
-                          </p:cTn>
-                        </p:par>
-                      </p:childTnLst>
-                    </p:cTn>
-                  </p:par>
-                  <p:par>
-                    <p:cTn id="7" fill="hold">
-                      <p:stCondLst>
-                        <p:cond delay="indefinite"/>
-                      </p:stCondLst>
-                      <p:childTnLst>
-                        <p:par>
-                          <p:cTn id="8" fill="hold">
-                            <p:stCondLst>
-                              <p:cond delay="0"/>
-                            </p:stCondLst>
-                            <p:childTnLst>
-                              <p:par>
-                                <p:cTn id="9" presetID="1" presetClass="entr" presetSubtype="0" fill="hold" nodeType="clickEffect">
-                                  <p:stCondLst>
-                                    <p:cond delay="0"/>
-                                  </p:stCondLst>
-                                  <p:childTnLst>
-                                    <p:set>
-                                      <p:cBhvr>
-                                        <p:cTn id="10" dur="1" fill="hold">
-                                          <p:stCondLst>
-                                            <p:cond delay="0"/>
-                                          </p:stCondLst>
-                                        </p:cTn>
-                                        <p:tgtEl>
-                                          <p:spTgt spid="3">
-                                            <p:txEl>
-                                              <p:pRg st="2" end="2"/>
-                                            </p:txEl>
-                                          </p:spTgt>
-                                        </p:tgtEl>
-                                        <p:attrNameLst>
-                                          <p:attrName>style.visibility</p:attrName>
-                                        </p:attrNameLst>
-                                      </p:cBhvr>
-                                      <p:to>
-                                        <p:strVal val="visible"/>
-                                      </p:to>
-                                    </p:set>
-                                  </p:childTnLst>
-                                </p:cTn>
-                              </p:par>
-                            </p:childTnLst>
-                          </p:cTn>
-                        </p:par>
-                      </p:childTnLst>
-                    </p:cTn>
-                  </p:par>
-                  <p:par>
-                    <p:cTn id="11" fill="hold">
-                      <p:stCondLst>
-                        <p:cond delay="indefinite"/>
-                      </p:stCondLst>
-                      <p:childTnLst>
-                        <p:par>
-                          <p:cTn id="12" fill="hold">
-                            <p:stCondLst>
-                              <p:cond delay="0"/>
-                            </p:stCondLst>
-                            <p:childTnLst>
-                              <p:par>
-                                <p:cTn id="13" presetID="1" presetClass="entr" presetSubtype="0" fill="hold" nodeType="clickEffect">
-                                  <p:stCondLst>
-                                    <p:cond delay="0"/>
-                                  </p:stCondLst>
-                                  <p:childTnLst>
-                                    <p:set>
-                                      <p:cBhvr>
-                                        <p:cTn id="14" dur="1" fill="hold">
-                                          <p:stCondLst>
-                                            <p:cond delay="0"/>
-                                          </p:stCondLst>
-                                        </p:cTn>
-                                        <p:tgtEl>
-                                          <p:spTgt spid="3">
-                                            <p:txEl>
-                                              <p:pRg st="3" end="3"/>
-                                            </p:txEl>
-                                          </p:spTgt>
-                                        </p:tgtEl>
-                                        <p:attrNameLst>
-                                          <p:attrName>style.visibility</p:attrName>
-                                        </p:attrNameLst>
-                                      </p:cBhvr>
-                                      <p:to>
-                                        <p:strVal val="visible"/>
-                                      </p:to>
-                                    </p:set>
-                                  </p:childTnLst>
-                                </p:cTn>
-                              </p:par>
-                            </p:childTnLst>
-                          </p:cTn>
-                        </p:par>
-                      </p:childTnLst>
-                    </p:cTn>
-                  </p:par>
-                  <p:par>
-                    <p:cTn id="15" fill="hold">
-                      <p:stCondLst>
-                        <p:cond delay="indefinite"/>
-                      </p:stCondLst>
-                      <p:childTnLst>
-                        <p:par>
-                          <p:cTn id="16" fill="hold">
-                            <p:stCondLst>
-                              <p:cond delay="0"/>
-                            </p:stCondLst>
-                            <p:childTnLst>
-                              <p:par>
-                                <p:cTn id="17" presetID="1" presetClass="entr" presetSubtype="0" fill="hold" nodeType="clickEffect">
-                                  <p:stCondLst>
-                                    <p:cond delay="0"/>
-                                  </p:stCondLst>
-                                  <p:childTnLst>
-                                    <p:set>
-                                      <p:cBhvr>
-                                        <p:cTn id="18" dur="1" fill="hold">
-                                          <p:stCondLst>
-                                            <p:cond delay="0"/>
-                                          </p:stCondLst>
-                                        </p:cTn>
-                                        <p:tgtEl>
-                                          <p:spTgt spid="3">
-                                            <p:txEl>
-                                              <p:pRg st="4" end="4"/>
-                                            </p:txEl>
-                                          </p:spTgt>
-                                        </p:tgtEl>
-                                        <p:attrNameLst>
-                                          <p:attrName>style.visibility</p:attrName>
-                                        </p:attrNameLst>
-                                      </p:cBhvr>
-                                      <p:to>
-                                        <p:strVal val="visible"/>
-                                      </p:to>
-                                    </p:set>
-                                  </p:childTnLst>
-                                </p:cTn>
-                              </p:par>
-                            </p:childTnLst>
-                          </p:cTn>
-                        </p:par>
-                      </p:childTnLst>
-                    </p:cTn>
-                  </p:par>
-                  <p:par>
-                    <p:cTn id="19" fill="hold">
-                      <p:stCondLst>
-                        <p:cond delay="indefinite"/>
-                      </p:stCondLst>
-                      <p:childTnLst>
-                        <p:par>
-                          <p:cTn id="20" fill="hold">
-                            <p:stCondLst>
-                              <p:cond delay="0"/>
-                            </p:stCondLst>
-                            <p:childTnLst>
-                              <p:par>
-                                <p:cTn id="21" presetID="1" presetClass="entr" presetSubtype="0" fill="hold" nodeType="clickEffect">
-                                  <p:stCondLst>
-                                    <p:cond delay="0"/>
-                                  </p:stCondLst>
-                                  <p:childTnLst>
-                                    <p:set>
-                                      <p:cBhvr>
-                                        <p:cTn id="22" dur="1" fill="hold">
-                                          <p:stCondLst>
-                                            <p:cond delay="0"/>
-                                          </p:stCondLst>
-                                        </p:cTn>
-                                        <p:tgtEl>
-                                          <p:spTgt spid="3">
-                                            <p:txEl>
-                                              <p:pRg st="5" end="5"/>
-                                            </p:txEl>
-                                          </p:spTgt>
-                                        </p:tgtEl>
-                                        <p:attrNameLst>
-                                          <p:attrName>style.visibility</p:attrName>
-                                        </p:attrNameLst>
-                                      </p:cBhvr>
-                                      <p:to>
-                                        <p:strVal val="visible"/>
-                                      </p:to>
-                                    </p:set>
-                                  </p:childTnLst>
-                                </p:cTn>
-                              </p:par>
-                            </p:childTnLst>
-                          </p:cTn>
-                        </p:par>
-                      </p:childTnLst>
-                    </p:cTn>
-                  </p:par>
-                  <p:par>
-                    <p:cTn id="23" fill="hold">
-                      <p:stCondLst>
-                        <p:cond delay="indefinite"/>
-                      </p:stCondLst>
-                      <p:childTnLst>
-                        <p:par>
-                          <p:cTn id="24" fill="hold">
-                            <p:stCondLst>
-                              <p:cond delay="0"/>
-                            </p:stCondLst>
-                            <p:childTnLst>
-                              <p:par>
-                                <p:cTn id="25" presetID="1" presetClass="entr" presetSubtype="0" fill="hold" nodeType="clickEffect">
-                                  <p:stCondLst>
-                                    <p:cond delay="0"/>
-                                  </p:stCondLst>
-                                  <p:childTnLst>
-                                    <p:set>
-                                      <p:cBhvr>
-                                        <p:cTn id="26" dur="1" fill="hold">
-                                          <p:stCondLst>
-                                            <p:cond delay="0"/>
-                                          </p:stCondLst>
-                                        </p:cTn>
-                                        <p:tgtEl>
-                                          <p:spTgt spid="3">
-                                            <p:txEl>
-                                              <p:pRg st="6" end="6"/>
-                                            </p:txEl>
-                                          </p:spTgt>
-                                        </p:tgtEl>
-                                        <p:attrNameLst>
-                                          <p:attrName>style.visibility</p:attrName>
-                                        </p:attrNameLst>
-                                      </p:cBhvr>
-                                      <p:to>
-                                        <p:strVal val="visible"/>
-                                      </p:to>
-                                    </p:set>
-                                  </p:childTnLst>
-                                </p:cTn>
-                              </p:par>
-                            </p:childTnLst>
-                          </p:cTn>
-                        </p:par>
-                      </p:childTnLst>
-                    </p:cTn>
-                  </p:par>
-                </p:childTnLst>
-              </p:cTn>
-              <p:prevCondLst>
-                <p:cond evt="onPrev" delay="0">
-                  <p:tgtEl>
-                    <p:sldTgt/>
-                  </p:tgtEl>
-                </p:cond>
-              </p:prevCondLst>
-              <p:nextCondLst>
-                <p:cond evt="onNext" delay="0">
-                  <p:tgtEl>
-                    <p:sldTgt/>
-                  </p:tgtEl>
-                </p:cond>
-              </p:nextCondLst>
-            </p:seq>
-          </p:childTnLst>
-        </p:cTn>
-      </p:par>
-    </p:tnLst>
-  </p:timing>
-</p:sld>
-</file>
-
 <file path=ppt/slides/slide3.xml><?xml version="1.0" encoding="utf-8"?>
 <p:sld xmlns:a="http://schemas.openxmlformats.org/drawingml/2006/main" xmlns:r="http://schemas.openxmlformats.org/officeDocument/2006/relationships" xmlns:p="http://schemas.openxmlformats.org/presentationml/2006/main">
   <p:cSld>
@@ -7556,7 +7738,7 @@
             </a:r>
             <a:r>
               <a:rPr lang="en-US" sz="1600" dirty="0"/>
-              <a:t> in Wellman 229</a:t>
+              <a:t> in TBD</a:t>
             </a:r>
             <a:endParaRPr lang="en-US" sz="1600" dirty="0">
               <a:solidFill>

--- a/lectures/lec0/Lec0-CourseMechanisms.pptx
+++ b/lectures/lec0/Lec0-CourseMechanisms.pptx
@@ -3080,35 +3080,13 @@
           <a:p>
             <a:r>
               <a:rPr lang="en-US" dirty="0"/>
-              <a:t>You may still end up needing both Friday and Monday sessions!</a:t>
-            </a:r>
-          </a:p>
-          <a:p>
-            <a:endParaRPr lang="en-US" dirty="0"/>
-          </a:p>
-          <a:p>
-            <a:r>
-              <a:rPr lang="en-US" dirty="0"/>
-              <a:t>Lab reports are due on </a:t>
-            </a:r>
-            <a:r>
-              <a:rPr lang="en-US" b="1" dirty="0"/>
-              <a:t>Fridays</a:t>
-            </a:r>
-            <a:r>
-              <a:rPr lang="en-US" dirty="0"/>
-              <a:t> so plan your time well. If you rely on Monday sessions only, you will have </a:t>
-            </a:r>
-            <a:r>
-              <a:rPr lang="en-US" b="1" dirty="0"/>
-              <a:t>one weekend less </a:t>
-            </a:r>
-            <a:r>
-              <a:rPr lang="en-US" dirty="0"/>
-              <a:t>to finish your report!</a:t>
-            </a:r>
-          </a:p>
-          <a:p>
+              <a:t>You may still end up needing both Friday sessions!</a:t>
+            </a:r>
+          </a:p>
+          <a:p>
+            <a:pPr marL="0" indent="0">
+              <a:buNone/>
+            </a:pPr>
             <a:endParaRPr lang="en-US" dirty="0"/>
           </a:p>
         </p:txBody>
@@ -3761,8 +3739,8 @@
           </a:p>
         </p:txBody>
       </p:sp>
-      <mc:AlternateContent xmlns:mc="http://schemas.openxmlformats.org/markup-compatibility/2006">
-        <mc:Choice xmlns:a14="http://schemas.microsoft.com/office/drawing/2010/main" Requires="a14">
+      <mc:AlternateContent xmlns:mc="http://schemas.openxmlformats.org/markup-compatibility/2006" xmlns:a14="http://schemas.microsoft.com/office/drawing/2010/main">
+        <mc:Choice Requires="a14">
           <p:sp>
             <p:nvSpPr>
               <p:cNvPr id="3" name="Text Placeholder 2"/>
@@ -3810,7 +3788,7 @@
                     <m:sSub>
                       <m:sSubPr>
                         <m:ctrlPr>
-                          <a:rPr lang="en-US" b="0" i="0" smtClean="0">
+                          <a:rPr lang="en-US" b="0" i="1" smtClean="0">
                             <a:latin typeface="Cambria Math" panose="02040503050406030204" pitchFamily="18" charset="0"/>
                           </a:rPr>
                         </m:ctrlPr>
@@ -4138,7 +4116,7 @@
                     <m:sSubSup>
                       <m:sSubSupPr>
                         <m:ctrlPr>
-                          <a:rPr lang="en-US" b="0" i="0" smtClean="0">
+                          <a:rPr lang="en-US" b="0" i="1" smtClean="0">
                             <a:latin typeface="Cambria Math" panose="02040503050406030204" pitchFamily="18" charset="0"/>
                           </a:rPr>
                         </m:ctrlPr>
@@ -4192,7 +4170,7 @@
             </p:txBody>
           </p:sp>
         </mc:Choice>
-        <mc:Fallback>
+        <mc:Fallback xmlns="">
           <p:sp>
             <p:nvSpPr>
               <p:cNvPr id="3" name="Text Placeholder 2"/>
@@ -9730,7 +9708,7 @@
           <a:p>
             <a:r>
               <a:rPr lang="en-US" dirty="0"/>
-              <a:t>Quarter 1 – Assembly of a simple Radar</a:t>
+              <a:t>Quarter 1 – A Simple Radar</a:t>
             </a:r>
           </a:p>
         </p:txBody>

--- a/lectures/lec0/Lec0-CourseMechanisms.pptx
+++ b/lectures/lec0/Lec0-CourseMechanisms.pptx
@@ -7622,7 +7622,7 @@
             </a:r>
             <a:r>
               <a:rPr lang="en-US" sz="1400" b="1" dirty="0"/>
-              <a:t>TBD</a:t>
+              <a:t>3-5pm, Thursday, Room 120 in Building TB207</a:t>
             </a:r>
           </a:p>
           <a:p>

--- a/lectures/lec0/Lec0-CourseMechanisms.pptx
+++ b/lectures/lec0/Lec0-CourseMechanisms.pptx
@@ -315,7 +315,7 @@
             <a:fld id="{F33530C9-BF13-40EE-A1EC-EBBB0134EBBA}" type="datetime1">
               <a:rPr lang="en-US"/>
               <a:pPr/>
-              <a:t>9/23/2016 Friday</a:t>
+              <a:t>9/26/2016 Monday</a:t>
             </a:fld>
             <a:endParaRPr lang="en-US"/>
           </a:p>
@@ -533,7 +533,7 @@
             <a:fld id="{7DD20F8F-B3A0-465C-A2C5-4272F8BE0711}" type="datetime1">
               <a:rPr lang="en-US"/>
               <a:pPr/>
-              <a:t>9/23/2016 Friday</a:t>
+              <a:t>9/26/2016 Monday</a:t>
             </a:fld>
             <a:endParaRPr lang="en-US"/>
           </a:p>
@@ -932,7 +932,7 @@
             <a:fld id="{7DD20F8F-B3A0-465C-A2C5-4272F8BE0711}" type="datetime1">
               <a:rPr lang="en-US" smtClean="0"/>
               <a:pPr/>
-              <a:t>9/23/2016 Friday</a:t>
+              <a:t>9/26/2016 Monday</a:t>
             </a:fld>
             <a:endParaRPr lang="en-US"/>
           </a:p>
@@ -1043,7 +1043,7 @@
             <a:fld id="{7DD20F8F-B3A0-465C-A2C5-4272F8BE0711}" type="datetime1">
               <a:rPr lang="en-US" smtClean="0"/>
               <a:pPr/>
-              <a:t>9/23/2016 Friday</a:t>
+              <a:t>9/26/2016 Monday</a:t>
             </a:fld>
             <a:endParaRPr lang="en-US"/>
           </a:p>
@@ -1155,7 +1155,7 @@
             <a:fld id="{7DD20F8F-B3A0-465C-A2C5-4272F8BE0711}" type="datetime1">
               <a:rPr lang="en-US" smtClean="0"/>
               <a:pPr/>
-              <a:t>9/23/2016 Friday</a:t>
+              <a:t>9/26/2016 Monday</a:t>
             </a:fld>
             <a:endParaRPr lang="en-US"/>
           </a:p>
@@ -1264,7 +1264,7 @@
             <a:fld id="{7DD20F8F-B3A0-465C-A2C5-4272F8BE0711}" type="datetime1">
               <a:rPr lang="en-US" smtClean="0"/>
               <a:pPr/>
-              <a:t>9/23/2016 Friday</a:t>
+              <a:t>9/26/2016 Monday</a:t>
             </a:fld>
             <a:endParaRPr lang="en-US"/>
           </a:p>
@@ -7531,133 +7531,133 @@
           <a:lstStyle/>
           <a:p>
             <a:r>
-              <a:rPr lang="en-US" sz="1800" dirty="0"/>
+              <a:rPr lang="en-US" sz="1600" dirty="0"/>
               <a:t>Instructor</a:t>
             </a:r>
           </a:p>
           <a:p>
             <a:pPr lvl="1"/>
             <a:r>
-              <a:rPr lang="en-US" sz="1600" dirty="0"/>
+              <a:rPr lang="en-US" sz="1400" dirty="0"/>
               <a:t>Dr. Xiaoguang “Leo” Liu</a:t>
             </a:r>
           </a:p>
           <a:p>
             <a:pPr lvl="2"/>
             <a:r>
-              <a:rPr lang="en-US" sz="1400" dirty="0"/>
+              <a:rPr lang="en-US" sz="1200" dirty="0"/>
               <a:t>Email: </a:t>
             </a:r>
             <a:r>
-              <a:rPr lang="en-US" sz="1400" dirty="0">
+              <a:rPr lang="en-US" sz="1200" dirty="0">
                 <a:hlinkClick r:id="rId2"/>
               </a:rPr>
               <a:t>lxgliu@ucdavis.edu</a:t>
             </a:r>
             <a:r>
+              <a:rPr lang="en-US" sz="1200" dirty="0"/>
+              <a:t> </a:t>
+            </a:r>
+          </a:p>
+          <a:p>
+            <a:pPr lvl="2"/>
+            <a:r>
+              <a:rPr lang="en-US" sz="1200" dirty="0"/>
+              <a:t>Office hour: </a:t>
+            </a:r>
+            <a:r>
+              <a:rPr lang="en-US" sz="1200" b="1" dirty="0"/>
+              <a:t>10 AM – 12 PM Monday </a:t>
+            </a:r>
+            <a:r>
+              <a:rPr lang="en-US" sz="1200" dirty="0"/>
+              <a:t>or </a:t>
+            </a:r>
+            <a:r>
+              <a:rPr lang="en-US" sz="1200" b="1" dirty="0"/>
+              <a:t>by appointment in Kemper 3169</a:t>
+            </a:r>
+            <a:r>
+              <a:rPr lang="en-US" sz="1200" dirty="0"/>
+              <a:t> </a:t>
+            </a:r>
+            <a:endParaRPr lang="en-US" sz="1200" b="1" dirty="0"/>
+          </a:p>
+          <a:p>
+            <a:r>
+              <a:rPr lang="en-US" sz="1600" dirty="0"/>
+              <a:t>Teaching Assistants</a:t>
+            </a:r>
+          </a:p>
+          <a:p>
+            <a:pPr lvl="1"/>
+            <a:r>
+              <a:rPr lang="en-US" sz="1400" dirty="0" err="1"/>
+              <a:t>Songjie</a:t>
+            </a:r>
+            <a:r>
               <a:rPr lang="en-US" sz="1400" dirty="0"/>
-              <a:t> </a:t>
+              <a:t> Bi</a:t>
             </a:r>
           </a:p>
           <a:p>
             <a:pPr lvl="2"/>
             <a:r>
-              <a:rPr lang="en-US" sz="1400" dirty="0"/>
-              <a:t>Office hour: </a:t>
-            </a:r>
-            <a:r>
-              <a:rPr lang="en-US" sz="1400" b="1" dirty="0"/>
-              <a:t>10 AM – 12 PM Tuesday </a:t>
-            </a:r>
-            <a:r>
-              <a:rPr lang="en-US" sz="1400" dirty="0"/>
-              <a:t>or </a:t>
-            </a:r>
-            <a:r>
-              <a:rPr lang="en-US" sz="1400" b="1" dirty="0"/>
-              <a:t>by appointment in Kemper 3169</a:t>
-            </a:r>
-            <a:r>
-              <a:rPr lang="en-US" sz="1400" dirty="0"/>
-              <a:t> </a:t>
-            </a:r>
-            <a:endParaRPr lang="en-US" sz="1400" b="1" dirty="0"/>
-          </a:p>
-          <a:p>
-            <a:r>
-              <a:rPr lang="en-US" sz="1800" dirty="0"/>
-              <a:t>Teaching Assistants</a:t>
-            </a:r>
-          </a:p>
-          <a:p>
-            <a:pPr lvl="1"/>
-            <a:r>
-              <a:rPr lang="en-US" sz="1600" dirty="0" err="1"/>
-              <a:t>Songjie</a:t>
-            </a:r>
-            <a:r>
-              <a:rPr lang="en-US" sz="1600" dirty="0"/>
-              <a:t> Bi</a:t>
-            </a:r>
-          </a:p>
-          <a:p>
-            <a:pPr lvl="2"/>
-            <a:r>
-              <a:rPr lang="en-US" sz="1400" dirty="0"/>
+              <a:rPr lang="en-US" sz="1200" dirty="0"/>
               <a:t>Email: </a:t>
             </a:r>
             <a:r>
-              <a:rPr lang="en-US" sz="1400" dirty="0">
+              <a:rPr lang="en-US" sz="1200" dirty="0">
                 <a:hlinkClick r:id="rId3"/>
               </a:rPr>
               <a:t>sbi@ucdavis.edu</a:t>
             </a:r>
+            <a:endParaRPr lang="en-US" sz="1200" dirty="0"/>
+          </a:p>
+          <a:p>
+            <a:pPr lvl="2"/>
+            <a:r>
+              <a:rPr lang="en-US" sz="1200" dirty="0"/>
+              <a:t>Office hours: </a:t>
+            </a:r>
+            <a:r>
+              <a:rPr lang="en-US" sz="1200" b="1" dirty="0"/>
+              <a:t>3-5pm, Thursday, Room 120 in Building TB207</a:t>
+            </a:r>
+          </a:p>
+          <a:p>
+            <a:pPr lvl="1"/>
+            <a:r>
+              <a:rPr lang="en-US" sz="1400" dirty="0"/>
+              <a:t>Daniel </a:t>
+            </a:r>
+            <a:r>
+              <a:rPr lang="en-US" sz="1400" dirty="0" err="1"/>
+              <a:t>Kuzmenko</a:t>
+            </a:r>
             <a:endParaRPr lang="en-US" sz="1400" dirty="0"/>
           </a:p>
           <a:p>
             <a:pPr lvl="2"/>
             <a:r>
-              <a:rPr lang="en-US" sz="1400" dirty="0"/>
-              <a:t>Office hours: </a:t>
-            </a:r>
-            <a:r>
-              <a:rPr lang="en-US" sz="1400" b="1" dirty="0"/>
-              <a:t>3-5pm, Thursday, Room 120 in Building TB207</a:t>
-            </a:r>
-          </a:p>
-          <a:p>
-            <a:pPr lvl="1"/>
-            <a:r>
-              <a:rPr lang="en-US" sz="1600" dirty="0"/>
-              <a:t>Daniel </a:t>
-            </a:r>
-            <a:r>
-              <a:rPr lang="en-US" sz="1600" dirty="0" err="1"/>
-              <a:t>Kuzmenko</a:t>
-            </a:r>
-            <a:endParaRPr lang="en-US" sz="1600" dirty="0"/>
-          </a:p>
-          <a:p>
-            <a:pPr lvl="2"/>
-            <a:r>
-              <a:rPr lang="en-US" sz="1400" dirty="0"/>
+              <a:rPr lang="en-US" sz="1200" dirty="0"/>
               <a:t>Email: </a:t>
             </a:r>
             <a:r>
-              <a:rPr lang="en-US" sz="1400" dirty="0">
+              <a:rPr lang="en-US" sz="1200" dirty="0">
                 <a:hlinkClick r:id="rId4"/>
               </a:rPr>
               <a:t>dkuzmenko@ucdavis.edu</a:t>
             </a:r>
             <a:r>
-              <a:rPr lang="en-US" sz="1400" dirty="0"/>
+              <a:rPr lang="en-US" sz="1200" dirty="0"/>
               <a:t> Office hours: </a:t>
             </a:r>
             <a:r>
-              <a:rPr lang="en-US" sz="1400" b="1" dirty="0"/>
-              <a:t>TBD</a:t>
-            </a:r>
-            <a:endParaRPr lang="en-US" sz="1400" b="1" dirty="0">
+              <a:rPr lang="en-US" sz="1200" b="1" dirty="0"/>
+              <a:t>2 – 4 pm Tuesday in Kemper 3089</a:t>
+            </a:r>
+            <a:endParaRPr lang="en-US" sz="1200" b="1" dirty="0">
               <a:solidFill>
                 <a:srgbClr val="FF0000"/>
               </a:solidFill>
@@ -7666,59 +7666,59 @@
           <a:p>
             <a:pPr lvl="1"/>
             <a:r>
-              <a:rPr lang="en-US" sz="1600" dirty="0" err="1"/>
+              <a:rPr lang="en-US" sz="1400" dirty="0" err="1"/>
               <a:t>Hao</a:t>
             </a:r>
             <a:r>
-              <a:rPr lang="en-US" sz="1600" dirty="0"/>
+              <a:rPr lang="en-US" sz="1400" dirty="0"/>
               <a:t> Wang</a:t>
             </a:r>
           </a:p>
           <a:p>
             <a:pPr lvl="2"/>
             <a:r>
-              <a:rPr lang="en-US" sz="1400" dirty="0"/>
+              <a:rPr lang="en-US" sz="1200" dirty="0"/>
               <a:t>Email: </a:t>
             </a:r>
             <a:r>
-              <a:rPr lang="en-US" sz="1400" dirty="0">
+              <a:rPr lang="en-US" sz="1200" dirty="0">
                 <a:hlinkClick r:id="rId5"/>
               </a:rPr>
               <a:t>haowang@ucdavis.edu</a:t>
             </a:r>
             <a:r>
+              <a:rPr lang="en-US" sz="1200" dirty="0"/>
+              <a:t> </a:t>
+            </a:r>
+          </a:p>
+          <a:p>
+            <a:pPr lvl="2"/>
+            <a:r>
+              <a:rPr lang="en-US" sz="1200" dirty="0"/>
+              <a:t>Office hours: </a:t>
+            </a:r>
+            <a:r>
+              <a:rPr lang="en-US" sz="1200" b="1" dirty="0"/>
+              <a:t>10am – 12pm Monday in Kemper 2101</a:t>
+            </a:r>
+          </a:p>
+          <a:p>
+            <a:r>
+              <a:rPr lang="en-US" sz="1600" dirty="0"/>
+              <a:t>Lecture</a:t>
+            </a:r>
+          </a:p>
+          <a:p>
+            <a:pPr lvl="1"/>
+            <a:r>
+              <a:rPr lang="en-US" sz="1400" b="1" dirty="0"/>
+              <a:t>12:10 – 2 PM, Friday</a:t>
+            </a:r>
+            <a:r>
               <a:rPr lang="en-US" sz="1400" dirty="0"/>
-              <a:t> </a:t>
-            </a:r>
-          </a:p>
-          <a:p>
-            <a:pPr lvl="2"/>
-            <a:r>
-              <a:rPr lang="en-US" sz="1400" dirty="0"/>
-              <a:t>Office hours: </a:t>
-            </a:r>
-            <a:r>
-              <a:rPr lang="en-US" sz="1400" b="1" dirty="0"/>
-              <a:t>TBD</a:t>
-            </a:r>
-          </a:p>
-          <a:p>
-            <a:r>
-              <a:rPr lang="en-US" sz="1800" dirty="0"/>
-              <a:t>Lecture</a:t>
-            </a:r>
-          </a:p>
-          <a:p>
-            <a:pPr lvl="1"/>
-            <a:r>
-              <a:rPr lang="en-US" sz="1600" b="1" dirty="0"/>
-              <a:t>12:10 – 2 PM, Friday</a:t>
-            </a:r>
-            <a:r>
-              <a:rPr lang="en-US" sz="1600" dirty="0"/>
               <a:t> in TBD</a:t>
             </a:r>
-            <a:endParaRPr lang="en-US" sz="1600" dirty="0">
+            <a:endParaRPr lang="en-US" sz="1400" dirty="0">
               <a:solidFill>
                 <a:srgbClr val="FF0000"/>
               </a:solidFill>
@@ -7726,38 +7726,38 @@
           </a:p>
           <a:p>
             <a:r>
-              <a:rPr lang="en-US" sz="1800" dirty="0"/>
+              <a:rPr lang="en-US" sz="1600" dirty="0"/>
               <a:t>Lab</a:t>
             </a:r>
           </a:p>
           <a:p>
             <a:pPr lvl="1"/>
             <a:r>
-              <a:rPr lang="en-US" sz="1600" dirty="0"/>
+              <a:rPr lang="en-US" sz="1400" dirty="0"/>
               <a:t>Session 1: </a:t>
             </a:r>
             <a:r>
-              <a:rPr lang="en-US" sz="1600" b="1" dirty="0"/>
+              <a:rPr lang="en-US" sz="1400" b="1" dirty="0"/>
               <a:t>2 – 5 PM, Friday</a:t>
             </a:r>
           </a:p>
           <a:p>
             <a:pPr lvl="1"/>
             <a:r>
-              <a:rPr lang="en-US" sz="1600" dirty="0"/>
+              <a:rPr lang="en-US" sz="1400" dirty="0"/>
               <a:t>Session 2: </a:t>
             </a:r>
             <a:r>
-              <a:rPr lang="en-US" sz="1600" b="1" dirty="0"/>
+              <a:rPr lang="en-US" sz="1400" b="1" dirty="0"/>
               <a:t>9 AM – 12 PM, Friday</a:t>
             </a:r>
-            <a:endParaRPr lang="en-US" sz="1600" dirty="0"/>
+            <a:endParaRPr lang="en-US" sz="1400" dirty="0"/>
           </a:p>
           <a:p>
             <a:pPr marL="457200" lvl="1" indent="0">
               <a:buNone/>
             </a:pPr>
-            <a:endParaRPr lang="en-US" sz="1600" dirty="0"/>
+            <a:endParaRPr lang="en-US" sz="1400" dirty="0"/>
           </a:p>
         </p:txBody>
       </p:sp>
@@ -7784,7 +7784,7 @@
         </p:blipFill>
         <p:spPr bwMode="auto">
           <a:xfrm>
-            <a:off x="7460142" y="2571750"/>
+            <a:off x="7552350" y="2571750"/>
             <a:ext cx="1371600" cy="1714500"/>
           </a:xfrm>
           <a:prstGeom prst="rect">
@@ -7825,7 +7825,7 @@
         </p:blipFill>
         <p:spPr bwMode="auto">
           <a:xfrm>
-            <a:off x="6091880" y="914400"/>
+            <a:off x="6184088" y="914400"/>
             <a:ext cx="1217966" cy="1522458"/>
           </a:xfrm>
           <a:prstGeom prst="rect">
@@ -7851,7 +7851,7 @@
         </p:nvSpPr>
         <p:spPr>
           <a:xfrm>
-            <a:off x="5258356" y="4662859"/>
+            <a:off x="5350564" y="4662859"/>
             <a:ext cx="2887586" cy="830997"/>
           </a:xfrm>
           <a:prstGeom prst="rect">
@@ -7906,7 +7906,7 @@
         </p:blipFill>
         <p:spPr bwMode="auto">
           <a:xfrm>
-            <a:off x="4569984" y="2571750"/>
+            <a:off x="4662192" y="2571750"/>
             <a:ext cx="1371600" cy="1714500"/>
           </a:xfrm>
           <a:prstGeom prst="rect">
@@ -7947,7 +7947,7 @@
         </p:blipFill>
         <p:spPr bwMode="auto">
           <a:xfrm>
-            <a:off x="6015063" y="2571750"/>
+            <a:off x="6107271" y="2571750"/>
             <a:ext cx="1371600" cy="1714500"/>
           </a:xfrm>
           <a:prstGeom prst="rect">

--- a/lectures/lec0/Lec0-CourseMechanisms.pptx
+++ b/lectures/lec0/Lec0-CourseMechanisms.pptx
@@ -205,6 +205,10 @@
 </p:cmAuthorLst>
 </file>
 
+<file path=ppt/revisionInfo.xml><?xml version="1.0" encoding="utf-8"?>
+<p1510:revInfo xmlns:a="http://schemas.openxmlformats.org/drawingml/2006/main" xmlns:r="http://schemas.openxmlformats.org/officeDocument/2006/relationships" xmlns:p1510="http://schemas.microsoft.com/office/powerpoint/2015/10/main"/>
+</file>
+
 <file path=ppt/handoutMasters/handoutMaster1.xml><?xml version="1.0" encoding="utf-8"?>
 <p:handoutMaster xmlns:a="http://schemas.openxmlformats.org/drawingml/2006/main" xmlns:r="http://schemas.openxmlformats.org/officeDocument/2006/relationships" xmlns:p="http://schemas.openxmlformats.org/presentationml/2006/main">
   <p:cSld>
@@ -315,7 +319,7 @@
             <a:fld id="{F33530C9-BF13-40EE-A1EC-EBBB0134EBBA}" type="datetime1">
               <a:rPr lang="en-US"/>
               <a:pPr/>
-              <a:t>9/26/2016 Monday</a:t>
+              <a:t>9/29/2017</a:t>
             </a:fld>
             <a:endParaRPr lang="en-US"/>
           </a:p>
@@ -533,7 +537,7 @@
             <a:fld id="{7DD20F8F-B3A0-465C-A2C5-4272F8BE0711}" type="datetime1">
               <a:rPr lang="en-US"/>
               <a:pPr/>
-              <a:t>9/26/2016 Monday</a:t>
+              <a:t>9/29/2017</a:t>
             </a:fld>
             <a:endParaRPr lang="en-US"/>
           </a:p>
@@ -932,7 +936,7 @@
             <a:fld id="{7DD20F8F-B3A0-465C-A2C5-4272F8BE0711}" type="datetime1">
               <a:rPr lang="en-US" smtClean="0"/>
               <a:pPr/>
-              <a:t>9/26/2016 Monday</a:t>
+              <a:t>9/29/2017</a:t>
             </a:fld>
             <a:endParaRPr lang="en-US"/>
           </a:p>
@@ -1043,7 +1047,7 @@
             <a:fld id="{7DD20F8F-B3A0-465C-A2C5-4272F8BE0711}" type="datetime1">
               <a:rPr lang="en-US" smtClean="0"/>
               <a:pPr/>
-              <a:t>9/26/2016 Monday</a:t>
+              <a:t>9/29/2017</a:t>
             </a:fld>
             <a:endParaRPr lang="en-US"/>
           </a:p>
@@ -1155,7 +1159,7 @@
             <a:fld id="{7DD20F8F-B3A0-465C-A2C5-4272F8BE0711}" type="datetime1">
               <a:rPr lang="en-US" smtClean="0"/>
               <a:pPr/>
-              <a:t>9/26/2016 Monday</a:t>
+              <a:t>9/29/2017</a:t>
             </a:fld>
             <a:endParaRPr lang="en-US"/>
           </a:p>
@@ -1264,7 +1268,7 @@
             <a:fld id="{7DD20F8F-B3A0-465C-A2C5-4272F8BE0711}" type="datetime1">
               <a:rPr lang="en-US" smtClean="0"/>
               <a:pPr/>
-              <a:t>9/26/2016 Monday</a:t>
+              <a:t>9/29/2017</a:t>
             </a:fld>
             <a:endParaRPr lang="en-US"/>
           </a:p>
@@ -7622,18 +7626,18 @@
             </a:r>
             <a:r>
               <a:rPr lang="en-US" sz="1200" b="1" dirty="0"/>
-              <a:t>3-5pm, Thursday, Room 120 in Building TB207</a:t>
+              <a:t>TBD</a:t>
             </a:r>
           </a:p>
           <a:p>
             <a:pPr lvl="1"/>
             <a:r>
               <a:rPr lang="en-US" sz="1400" dirty="0"/>
-              <a:t>Daniel </a:t>
+              <a:t>Hind </a:t>
             </a:r>
             <a:r>
               <a:rPr lang="en-US" sz="1400" dirty="0" err="1"/>
-              <a:t>Kuzmenko</a:t>
+              <a:t>Reggad</a:t>
             </a:r>
             <a:endParaRPr lang="en-US" sz="1400" dirty="0"/>
           </a:p>
@@ -7641,21 +7645,18 @@
             <a:pPr lvl="2"/>
             <a:r>
               <a:rPr lang="en-US" sz="1200" dirty="0"/>
-              <a:t>Email: </a:t>
-            </a:r>
-            <a:r>
-              <a:rPr lang="en-US" sz="1200" dirty="0">
-                <a:hlinkClick r:id="rId4"/>
-              </a:rPr>
-              <a:t>dkuzmenko@ucdavis.edu</a:t>
-            </a:r>
+              <a:t>Email: hinreggad@ucdavis.edu  </a:t>
+            </a:r>
+          </a:p>
+          <a:p>
+            <a:pPr lvl="2"/>
             <a:r>
               <a:rPr lang="en-US" sz="1200" dirty="0"/>
-              <a:t> Office hours: </a:t>
+              <a:t>Office hours: </a:t>
             </a:r>
             <a:r>
               <a:rPr lang="en-US" sz="1200" b="1" dirty="0"/>
-              <a:t>2 – 4 pm Tuesday in Kemper 3089</a:t>
+              <a:t>TBD</a:t>
             </a:r>
             <a:endParaRPr lang="en-US" sz="1200" b="1" dirty="0">
               <a:solidFill>
@@ -7666,13 +7667,14 @@
           <a:p>
             <a:pPr lvl="1"/>
             <a:r>
+              <a:rPr lang="en-US" sz="1400" dirty="0"/>
+              <a:t>Mahmoud </a:t>
+            </a:r>
+            <a:r>
               <a:rPr lang="en-US" sz="1400" dirty="0" err="1"/>
-              <a:t>Hao</a:t>
-            </a:r>
-            <a:r>
-              <a:rPr lang="en-US" sz="1400" dirty="0"/>
-              <a:t> Wang</a:t>
-            </a:r>
+              <a:t>Nafe</a:t>
+            </a:r>
+            <a:endParaRPr lang="en-US" sz="1400" dirty="0"/>
           </a:p>
           <a:p>
             <a:pPr lvl="2"/>
@@ -7682,9 +7684,9 @@
             </a:r>
             <a:r>
               <a:rPr lang="en-US" sz="1200" dirty="0">
-                <a:hlinkClick r:id="rId5"/>
+                <a:hlinkClick r:id="rId4"/>
               </a:rPr>
-              <a:t>haowang@ucdavis.edu</a:t>
+              <a:t>manafe@ucdavis.edu</a:t>
             </a:r>
             <a:r>
               <a:rPr lang="en-US" sz="1200" dirty="0"/>
@@ -7699,7 +7701,7 @@
             </a:r>
             <a:r>
               <a:rPr lang="en-US" sz="1200" b="1" dirty="0"/>
-              <a:t>10am – 12pm Monday in Kemper 2101</a:t>
+              <a:t>TBD</a:t>
             </a:r>
           </a:p>
           <a:p>
@@ -7712,7 +7714,7 @@
             <a:pPr lvl="1"/>
             <a:r>
               <a:rPr lang="en-US" sz="1400" b="1" dirty="0"/>
-              <a:t>12:10 – 2 PM, Friday</a:t>
+              <a:t>9:00 – 11:00 AM, Friday</a:t>
             </a:r>
             <a:r>
               <a:rPr lang="en-US" sz="1400" dirty="0"/>
@@ -7724,84 +7726,8 @@
               </a:solidFill>
             </a:endParaRPr>
           </a:p>
-          <a:p>
-            <a:r>
-              <a:rPr lang="en-US" sz="1600" dirty="0"/>
-              <a:t>Lab</a:t>
-            </a:r>
-          </a:p>
-          <a:p>
-            <a:pPr lvl="1"/>
-            <a:r>
-              <a:rPr lang="en-US" sz="1400" dirty="0"/>
-              <a:t>Session 1: </a:t>
-            </a:r>
-            <a:r>
-              <a:rPr lang="en-US" sz="1400" b="1" dirty="0"/>
-              <a:t>2 – 5 PM, Friday</a:t>
-            </a:r>
-          </a:p>
-          <a:p>
-            <a:pPr lvl="1"/>
-            <a:r>
-              <a:rPr lang="en-US" sz="1400" dirty="0"/>
-              <a:t>Session 2: </a:t>
-            </a:r>
-            <a:r>
-              <a:rPr lang="en-US" sz="1400" b="1" dirty="0"/>
-              <a:t>9 AM – 12 PM, Friday</a:t>
-            </a:r>
-            <a:endParaRPr lang="en-US" sz="1400" dirty="0"/>
-          </a:p>
-          <a:p>
-            <a:pPr marL="457200" lvl="1" indent="0">
-              <a:buNone/>
-            </a:pPr>
-            <a:endParaRPr lang="en-US" sz="1400" dirty="0"/>
-          </a:p>
         </p:txBody>
       </p:sp>
-      <p:pic>
-        <p:nvPicPr>
-          <p:cNvPr id="1026" name="Picture 2" descr="Hao Wang"/>
-          <p:cNvPicPr>
-            <a:picLocks noChangeAspect="1" noChangeArrowheads="1"/>
-          </p:cNvPicPr>
-          <p:nvPr/>
-        </p:nvPicPr>
-        <p:blipFill>
-          <a:blip r:embed="rId6">
-            <a:extLst>
-              <a:ext uri="{28A0092B-C50C-407E-A947-70E740481C1C}">
-                <a14:useLocalDpi xmlns:a14="http://schemas.microsoft.com/office/drawing/2010/main" val="0"/>
-              </a:ext>
-            </a:extLst>
-          </a:blip>
-          <a:srcRect/>
-          <a:stretch>
-            <a:fillRect/>
-          </a:stretch>
-        </p:blipFill>
-        <p:spPr bwMode="auto">
-          <a:xfrm>
-            <a:off x="7552350" y="2571750"/>
-            <a:ext cx="1371600" cy="1714500"/>
-          </a:xfrm>
-          <a:prstGeom prst="rect">
-            <a:avLst/>
-          </a:prstGeom>
-          <a:noFill/>
-          <a:extLst>
-            <a:ext uri="{909E8E84-426E-40DD-AFC4-6F175D3DCCD1}">
-              <a14:hiddenFill xmlns:a14="http://schemas.microsoft.com/office/drawing/2010/main">
-                <a:solidFill>
-                  <a:srgbClr val="FFFFFF"/>
-                </a:solidFill>
-              </a14:hiddenFill>
-            </a:ext>
-          </a:extLst>
-        </p:spPr>
-      </p:pic>
       <p:pic>
         <p:nvPicPr>
           <p:cNvPr id="1028" name="Picture 4" descr="http://ucdart.github.io/images/liu2015s.jpg"/>
@@ -7811,7 +7737,7 @@
           <p:nvPr/>
         </p:nvPicPr>
         <p:blipFill>
-          <a:blip r:embed="rId7">
+          <a:blip r:embed="rId5">
             <a:extLst>
               <a:ext uri="{28A0092B-C50C-407E-A947-70E740481C1C}">
                 <a14:useLocalDpi xmlns:a14="http://schemas.microsoft.com/office/drawing/2010/main" val="0"/>
@@ -7843,46 +7769,6 @@
           </a:extLst>
         </p:spPr>
       </p:pic>
-      <p:sp>
-        <p:nvSpPr>
-          <p:cNvPr id="4" name="TextBox 3"/>
-          <p:cNvSpPr txBox="1"/>
-          <p:nvPr/>
-        </p:nvSpPr>
-        <p:spPr>
-          <a:xfrm>
-            <a:off x="5350564" y="4662859"/>
-            <a:ext cx="2887586" cy="830997"/>
-          </a:xfrm>
-          <a:prstGeom prst="rect">
-            <a:avLst/>
-          </a:prstGeom>
-          <a:noFill/>
-          <a:ln>
-            <a:solidFill>
-              <a:srgbClr val="FF0000"/>
-            </a:solidFill>
-          </a:ln>
-        </p:spPr>
-        <p:txBody>
-          <a:bodyPr wrap="square" rtlCol="0">
-            <a:spAutoFit/>
-          </a:bodyPr>
-          <a:lstStyle/>
-          <a:p>
-            <a:pPr algn="ctr"/>
-            <a:r>
-              <a:rPr lang="en-US" dirty="0">
-                <a:solidFill>
-                  <a:srgbClr val="FF0000"/>
-                </a:solidFill>
-                <a:latin typeface="+mj-lt"/>
-              </a:rPr>
-              <a:t>Additional lecture time needed</a:t>
-            </a:r>
-          </a:p>
-        </p:txBody>
-      </p:sp>
       <p:pic>
         <p:nvPicPr>
           <p:cNvPr id="5" name="Picture 2" descr="http://ucdart.github.io/images/songjie.jpg"/>
@@ -7892,7 +7778,7 @@
           <p:nvPr/>
         </p:nvPicPr>
         <p:blipFill>
-          <a:blip r:embed="rId8">
+          <a:blip r:embed="rId6">
             <a:extLst>
               <a:ext uri="{28A0092B-C50C-407E-A947-70E740481C1C}">
                 <a14:useLocalDpi xmlns:a14="http://schemas.microsoft.com/office/drawing/2010/main" val="0"/>
@@ -7926,43 +7812,74 @@
       </p:pic>
       <p:pic>
         <p:nvPicPr>
-          <p:cNvPr id="6" name="Picture 4" descr="Daniel Kuzmenko"/>
+          <p:cNvPr id="8" name="Picture 7">
+            <a:extLst>
+              <a:ext uri="{FF2B5EF4-FFF2-40B4-BE49-F238E27FC236}">
+                <a16:creationId xmlns:a16="http://schemas.microsoft.com/office/drawing/2014/main" id="{01843EA8-A3B4-452F-B72A-7AF856AE2AF0}"/>
+              </a:ext>
+            </a:extLst>
+          </p:cNvPr>
           <p:cNvPicPr>
-            <a:picLocks noChangeAspect="1" noChangeArrowheads="1"/>
+            <a:picLocks noChangeAspect="1"/>
           </p:cNvPicPr>
           <p:nvPr/>
         </p:nvPicPr>
         <p:blipFill>
-          <a:blip r:embed="rId9">
+          <a:blip r:embed="rId7">
             <a:extLst>
               <a:ext uri="{28A0092B-C50C-407E-A947-70E740481C1C}">
                 <a14:useLocalDpi xmlns:a14="http://schemas.microsoft.com/office/drawing/2010/main" val="0"/>
               </a:ext>
             </a:extLst>
           </a:blip>
-          <a:srcRect/>
           <a:stretch>
             <a:fillRect/>
           </a:stretch>
         </p:blipFill>
-        <p:spPr bwMode="auto">
+        <p:spPr>
           <a:xfrm>
-            <a:off x="6107271" y="2571750"/>
-            <a:ext cx="1371600" cy="1714500"/>
+            <a:off x="6184088" y="2629904"/>
+            <a:ext cx="1325076" cy="1656345"/>
           </a:xfrm>
           <a:prstGeom prst="rect">
             <a:avLst/>
           </a:prstGeom>
-          <a:noFill/>
-          <a:extLst>
-            <a:ext uri="{909E8E84-426E-40DD-AFC4-6F175D3DCCD1}">
-              <a14:hiddenFill xmlns:a14="http://schemas.microsoft.com/office/drawing/2010/main">
-                <a:solidFill>
-                  <a:srgbClr val="FFFFFF"/>
-                </a:solidFill>
-              </a14:hiddenFill>
-            </a:ext>
-          </a:extLst>
+        </p:spPr>
+      </p:pic>
+      <p:pic>
+        <p:nvPicPr>
+          <p:cNvPr id="10" name="Picture 9">
+            <a:extLst>
+              <a:ext uri="{FF2B5EF4-FFF2-40B4-BE49-F238E27FC236}">
+                <a16:creationId xmlns:a16="http://schemas.microsoft.com/office/drawing/2014/main" id="{E1E3F4AE-E18F-4012-9A9C-E083FF548BF5}"/>
+              </a:ext>
+            </a:extLst>
+          </p:cNvPr>
+          <p:cNvPicPr>
+            <a:picLocks noChangeAspect="1"/>
+          </p:cNvPicPr>
+          <p:nvPr/>
+        </p:nvPicPr>
+        <p:blipFill>
+          <a:blip r:embed="rId8">
+            <a:extLst>
+              <a:ext uri="{28A0092B-C50C-407E-A947-70E740481C1C}">
+                <a14:useLocalDpi xmlns:a14="http://schemas.microsoft.com/office/drawing/2010/main" val="0"/>
+              </a:ext>
+            </a:extLst>
+          </a:blip>
+          <a:stretch>
+            <a:fillRect/>
+          </a:stretch>
+        </p:blipFill>
+        <p:spPr>
+          <a:xfrm>
+            <a:off x="7668629" y="2629905"/>
+            <a:ext cx="1325077" cy="1656346"/>
+          </a:xfrm>
+          <a:prstGeom prst="rect">
+            <a:avLst/>
+          </a:prstGeom>
         </p:spPr>
       </p:pic>
     </p:spTree>
@@ -8042,7 +7959,7 @@
                                         <p:tgtEl>
                                           <p:spTgt spid="3">
                                             <p:txEl>
-                                              <p:pRg st="10" end="10"/>
+                                              <p:pRg st="11" end="11"/>
                                             </p:txEl>
                                           </p:spTgt>
                                         </p:tgtEl>
@@ -8228,7 +8145,7 @@
                                         <p:tgtEl>
                                           <p:spTgt spid="3">
                                             <p:txEl>
-                                              <p:pRg st="11" end="11"/>
+                                              <p:pRg st="10" end="10"/>
                                             </p:txEl>
                                           </p:spTgt>
                                         </p:tgtEl>
@@ -8288,7 +8205,11 @@
                                           </p:stCondLst>
                                         </p:cTn>
                                         <p:tgtEl>
-                                          <p:spTgt spid="1026"/>
+                                          <p:spTgt spid="3">
+                                            <p:txEl>
+                                              <p:pRg st="13" end="13"/>
+                                            </p:txEl>
+                                          </p:spTgt>
                                         </p:tgtEl>
                                         <p:attrNameLst>
                                           <p:attrName>style.visibility</p:attrName>
@@ -8335,7 +8256,7 @@
                                         <p:tgtEl>
                                           <p:spTgt spid="3">
                                             <p:txEl>
-                                              <p:pRg st="13" end="13"/>
+                                              <p:pRg st="14" end="14"/>
                                             </p:txEl>
                                           </p:spTgt>
                                         </p:tgtEl>
@@ -8366,165 +8287,9 @@
                                         <p:tgtEl>
                                           <p:spTgt spid="3">
                                             <p:txEl>
-                                              <p:pRg st="14" end="14"/>
-                                            </p:txEl>
-                                          </p:spTgt>
-                                        </p:tgtEl>
-                                        <p:attrNameLst>
-                                          <p:attrName>style.visibility</p:attrName>
-                                        </p:attrNameLst>
-                                      </p:cBhvr>
-                                      <p:to>
-                                        <p:strVal val="visible"/>
-                                      </p:to>
-                                    </p:set>
-                                  </p:childTnLst>
-                                </p:cTn>
-                              </p:par>
-                            </p:childTnLst>
-                          </p:cTn>
-                        </p:par>
-                      </p:childTnLst>
-                    </p:cTn>
-                  </p:par>
-                  <p:par>
-                    <p:cTn id="31" fill="hold">
-                      <p:stCondLst>
-                        <p:cond delay="indefinite"/>
-                      </p:stCondLst>
-                      <p:childTnLst>
-                        <p:par>
-                          <p:cTn id="32" fill="hold">
-                            <p:stCondLst>
-                              <p:cond delay="0"/>
-                            </p:stCondLst>
-                            <p:childTnLst>
-                              <p:par>
-                                <p:cTn id="33" presetID="1" presetClass="entr" presetSubtype="0" fill="hold" nodeType="clickEffect">
-                                  <p:stCondLst>
-                                    <p:cond delay="0"/>
-                                  </p:stCondLst>
-                                  <p:childTnLst>
-                                    <p:set>
-                                      <p:cBhvr>
-                                        <p:cTn id="34" dur="1" fill="hold">
-                                          <p:stCondLst>
-                                            <p:cond delay="0"/>
-                                          </p:stCondLst>
-                                        </p:cTn>
-                                        <p:tgtEl>
-                                          <p:spTgt spid="3">
-                                            <p:txEl>
                                               <p:pRg st="15" end="15"/>
                                             </p:txEl>
                                           </p:spTgt>
-                                        </p:tgtEl>
-                                        <p:attrNameLst>
-                                          <p:attrName>style.visibility</p:attrName>
-                                        </p:attrNameLst>
-                                      </p:cBhvr>
-                                      <p:to>
-                                        <p:strVal val="visible"/>
-                                      </p:to>
-                                    </p:set>
-                                  </p:childTnLst>
-                                </p:cTn>
-                              </p:par>
-                              <p:par>
-                                <p:cTn id="35" presetID="1" presetClass="entr" presetSubtype="0" fill="hold" nodeType="withEffect">
-                                  <p:stCondLst>
-                                    <p:cond delay="0"/>
-                                  </p:stCondLst>
-                                  <p:childTnLst>
-                                    <p:set>
-                                      <p:cBhvr>
-                                        <p:cTn id="36" dur="1" fill="hold">
-                                          <p:stCondLst>
-                                            <p:cond delay="0"/>
-                                          </p:stCondLst>
-                                        </p:cTn>
-                                        <p:tgtEl>
-                                          <p:spTgt spid="3">
-                                            <p:txEl>
-                                              <p:pRg st="16" end="16"/>
-                                            </p:txEl>
-                                          </p:spTgt>
-                                        </p:tgtEl>
-                                        <p:attrNameLst>
-                                          <p:attrName>style.visibility</p:attrName>
-                                        </p:attrNameLst>
-                                      </p:cBhvr>
-                                      <p:to>
-                                        <p:strVal val="visible"/>
-                                      </p:to>
-                                    </p:set>
-                                  </p:childTnLst>
-                                </p:cTn>
-                              </p:par>
-                              <p:par>
-                                <p:cTn id="37" presetID="1" presetClass="entr" presetSubtype="0" fill="hold" nodeType="withEffect">
-                                  <p:stCondLst>
-                                    <p:cond delay="0"/>
-                                  </p:stCondLst>
-                                  <p:childTnLst>
-                                    <p:set>
-                                      <p:cBhvr>
-                                        <p:cTn id="38" dur="1" fill="hold">
-                                          <p:stCondLst>
-                                            <p:cond delay="0"/>
-                                          </p:stCondLst>
-                                        </p:cTn>
-                                        <p:tgtEl>
-                                          <p:spTgt spid="3">
-                                            <p:txEl>
-                                              <p:pRg st="17" end="17"/>
-                                            </p:txEl>
-                                          </p:spTgt>
-                                        </p:tgtEl>
-                                        <p:attrNameLst>
-                                          <p:attrName>style.visibility</p:attrName>
-                                        </p:attrNameLst>
-                                      </p:cBhvr>
-                                      <p:to>
-                                        <p:strVal val="visible"/>
-                                      </p:to>
-                                    </p:set>
-                                  </p:childTnLst>
-                                </p:cTn>
-                              </p:par>
-                            </p:childTnLst>
-                          </p:cTn>
-                        </p:par>
-                      </p:childTnLst>
-                    </p:cTn>
-                  </p:par>
-                  <p:par>
-                    <p:cTn id="39" fill="hold">
-                      <p:stCondLst>
-                        <p:cond delay="indefinite"/>
-                      </p:stCondLst>
-                      <p:childTnLst>
-                        <p:par>
-                          <p:cTn id="40" fill="hold">
-                            <p:stCondLst>
-                              <p:cond delay="0"/>
-                            </p:stCondLst>
-                            <p:childTnLst>
-                              <p:par>
-                                <p:cTn id="41" presetID="1" presetClass="entr" presetSubtype="0" fill="hold" grpId="0" nodeType="clickEffect">
-                                  <p:stCondLst>
-                                    <p:cond delay="0"/>
-                                  </p:stCondLst>
-                                  <p:childTnLst>
-                                    <p:set>
-                                      <p:cBhvr>
-                                        <p:cTn id="42" dur="1" fill="hold">
-                                          <p:stCondLst>
-                                            <p:cond delay="0"/>
-                                          </p:stCondLst>
-                                        </p:cTn>
-                                        <p:tgtEl>
-                                          <p:spTgt spid="4"/>
                                         </p:tgtEl>
                                         <p:attrNameLst>
                                           <p:attrName>style.visibility</p:attrName>
@@ -8564,9 +8329,6 @@
         </p:cTn>
       </p:par>
     </p:tnLst>
-    <p:bldLst>
-      <p:bldP spid="4" grpId="0" animBg="1"/>
-    </p:bldLst>
   </p:timing>
 </p:sld>
 </file>

--- a/lectures/lec0/Lec0-CourseMechanisms.pptx
+++ b/lectures/lec0/Lec0-CourseMechanisms.pptx
@@ -205,10 +205,6 @@
 </p:cmAuthorLst>
 </file>
 
-<file path=ppt/revisionInfo.xml><?xml version="1.0" encoding="utf-8"?>
-<p1510:revInfo xmlns:a="http://schemas.openxmlformats.org/drawingml/2006/main" xmlns:r="http://schemas.openxmlformats.org/officeDocument/2006/relationships" xmlns:p1510="http://schemas.microsoft.com/office/powerpoint/2015/10/main"/>
-</file>
-
 <file path=ppt/handoutMasters/handoutMaster1.xml><?xml version="1.0" encoding="utf-8"?>
 <p:handoutMaster xmlns:a="http://schemas.openxmlformats.org/drawingml/2006/main" xmlns:r="http://schemas.openxmlformats.org/officeDocument/2006/relationships" xmlns:p="http://schemas.openxmlformats.org/presentationml/2006/main">
   <p:cSld>
@@ -319,7 +315,7 @@
             <a:fld id="{F33530C9-BF13-40EE-A1EC-EBBB0134EBBA}" type="datetime1">
               <a:rPr lang="en-US"/>
               <a:pPr/>
-              <a:t>9/29/2017</a:t>
+              <a:t>9/25/2018</a:t>
             </a:fld>
             <a:endParaRPr lang="en-US"/>
           </a:p>
@@ -537,7 +533,7 @@
             <a:fld id="{7DD20F8F-B3A0-465C-A2C5-4272F8BE0711}" type="datetime1">
               <a:rPr lang="en-US"/>
               <a:pPr/>
-              <a:t>9/29/2017</a:t>
+              <a:t>9/25/2018</a:t>
             </a:fld>
             <a:endParaRPr lang="en-US"/>
           </a:p>
@@ -936,7 +932,7 @@
             <a:fld id="{7DD20F8F-B3A0-465C-A2C5-4272F8BE0711}" type="datetime1">
               <a:rPr lang="en-US" smtClean="0"/>
               <a:pPr/>
-              <a:t>9/29/2017</a:t>
+              <a:t>9/25/2018</a:t>
             </a:fld>
             <a:endParaRPr lang="en-US"/>
           </a:p>
@@ -1047,7 +1043,7 @@
             <a:fld id="{7DD20F8F-B3A0-465C-A2C5-4272F8BE0711}" type="datetime1">
               <a:rPr lang="en-US" smtClean="0"/>
               <a:pPr/>
-              <a:t>9/29/2017</a:t>
+              <a:t>9/25/2018</a:t>
             </a:fld>
             <a:endParaRPr lang="en-US"/>
           </a:p>
@@ -1159,7 +1155,7 @@
             <a:fld id="{7DD20F8F-B3A0-465C-A2C5-4272F8BE0711}" type="datetime1">
               <a:rPr lang="en-US" smtClean="0"/>
               <a:pPr/>
-              <a:t>9/29/2017</a:t>
+              <a:t>9/25/2018</a:t>
             </a:fld>
             <a:endParaRPr lang="en-US"/>
           </a:p>
@@ -1268,7 +1264,7 @@
             <a:fld id="{7DD20F8F-B3A0-465C-A2C5-4272F8BE0711}" type="datetime1">
               <a:rPr lang="en-US" smtClean="0"/>
               <a:pPr/>
-              <a:t>9/29/2017</a:t>
+              <a:t>9/25/2018</a:t>
             </a:fld>
             <a:endParaRPr lang="en-US"/>
           </a:p>
@@ -2672,7 +2668,7 @@
         <p:spPr bwMode="auto">
           <a:xfrm>
             <a:off x="674007" y="3856020"/>
-            <a:ext cx="5878532" cy="2631490"/>
+            <a:ext cx="6392134" cy="2631490"/>
           </a:xfrm>
           <a:prstGeom prst="rect">
             <a:avLst/>
@@ -2720,7 +2716,27 @@
                 <a:latin typeface="Kalinga" panose="020B0502040204020203" pitchFamily="34" charset="0"/>
                 <a:cs typeface="Kalinga" panose="020B0502040204020203" pitchFamily="34" charset="0"/>
               </a:rPr>
-              <a:t>Assistant Professor</a:t>
+              <a:t>Ass</a:t>
+            </a:r>
+            <a:r>
+              <a:rPr lang="en-US" altLang="zh-CN" sz="2000" dirty="0">
+                <a:solidFill>
+                  <a:schemeClr val="bg1"/>
+                </a:solidFill>
+                <a:latin typeface="Kalinga" panose="020B0502040204020203" pitchFamily="34" charset="0"/>
+                <a:cs typeface="Kalinga" panose="020B0502040204020203" pitchFamily="34" charset="0"/>
+              </a:rPr>
+              <a:t>ociate</a:t>
+            </a:r>
+            <a:r>
+              <a:rPr lang="en-US" sz="2000" dirty="0">
+                <a:solidFill>
+                  <a:schemeClr val="bg1"/>
+                </a:solidFill>
+                <a:latin typeface="Kalinga" panose="020B0502040204020203" pitchFamily="34" charset="0"/>
+                <a:cs typeface="Kalinga" panose="020B0502040204020203" pitchFamily="34" charset="0"/>
+              </a:rPr>
+              <a:t> Professor</a:t>
             </a:r>
           </a:p>
           <a:p>
@@ -2741,7 +2757,7 @@
                 <a:latin typeface="Kalinga" panose="020B0502040204020203" pitchFamily="34" charset="0"/>
                 <a:cs typeface="Kalinga" panose="020B0502040204020203" pitchFamily="34" charset="0"/>
               </a:rPr>
-              <a:t>School of Electrical and Computer Engineering</a:t>
+              <a:t>Department of Electrical and Computer Engineering</a:t>
             </a:r>
           </a:p>
           <a:p>
@@ -2771,7 +2787,7 @@
                 <a:latin typeface="Kalinga" panose="020B0502040204020203" pitchFamily="34" charset="0"/>
                 <a:cs typeface="Kalinga" panose="020B0502040204020203" pitchFamily="34" charset="0"/>
               </a:rPr>
-              <a:t>Tel: 530-289-6367</a:t>
+              <a:t>Tel: 530-752-1443</a:t>
             </a:r>
           </a:p>
           <a:p>
@@ -2825,7 +2841,7 @@
                 <a:cs typeface="Kalinga" panose="020B0502040204020203" pitchFamily="34" charset="0"/>
                 <a:hlinkClick r:id="rId4"/>
               </a:rPr>
-              <a:t>http://ucdart.net</a:t>
+              <a:t>http://dart.ece.ucdavis.edu</a:t>
             </a:r>
             <a:endParaRPr lang="en-US" sz="2000" dirty="0">
               <a:solidFill>
@@ -3266,14 +3282,13 @@
             <a:pPr lvl="1"/>
             <a:r>
               <a:rPr lang="en-US" dirty="0"/>
-              <a:t>If you miss the deadline, you can still have the PCB made at your own cost</a:t>
-            </a:r>
-          </a:p>
-          <a:p>
-            <a:r>
-              <a:rPr lang="en-US" dirty="0"/>
-              <a:t>Similar runs will be arranged for Quarter 2</a:t>
-            </a:r>
+              <a:t>If you miss the deadline, you can still have the PCB made at your own co</a:t>
+            </a:r>
+            <a:r>
+              <a:rPr lang="en-US" altLang="zh-CN" dirty="0"/>
+              <a:t>st</a:t>
+            </a:r>
+            <a:endParaRPr lang="en-US" dirty="0"/>
           </a:p>
         </p:txBody>
       </p:sp>
@@ -6393,7 +6408,18 @@
             </a:pPr>
             <a:r>
               <a:rPr lang="en-US" sz="1800" dirty="0"/>
-              <a:t>The EEC 134 Piazza forum:</a:t>
+              <a:t>Reference materials provided by the class </a:t>
+            </a:r>
+          </a:p>
+          <a:p>
+            <a:pPr>
+              <a:lnSpc>
+                <a:spcPct val="114000"/>
+              </a:lnSpc>
+            </a:pPr>
+            <a:r>
+              <a:rPr lang="en-US" sz="1800" dirty="0"/>
+              <a:t>The almighty Internet !</a:t>
             </a:r>
           </a:p>
           <a:p>
@@ -6403,36 +6429,8 @@
               </a:lnSpc>
             </a:pPr>
             <a:r>
-              <a:rPr lang="en-US" sz="1600" dirty="0">
-                <a:hlinkClick r:id="rId2"/>
-              </a:rPr>
-              <a:t>https://piazza.com/ucdavis/fall2014/eec134a/home</a:t>
-            </a:r>
-            <a:r>
               <a:rPr lang="en-US" sz="1600" dirty="0"/>
-              <a:t> </a:t>
-            </a:r>
-          </a:p>
-          <a:p>
-            <a:pPr>
-              <a:lnSpc>
-                <a:spcPct val="114000"/>
-              </a:lnSpc>
-            </a:pPr>
-            <a:r>
-              <a:rPr lang="en-US" sz="1800" dirty="0"/>
-              <a:t>Reference materials provided by the class </a:t>
-            </a:r>
-          </a:p>
-          <a:p>
-            <a:pPr>
-              <a:lnSpc>
-                <a:spcPct val="114000"/>
-              </a:lnSpc>
-            </a:pPr>
-            <a:r>
-              <a:rPr lang="en-US" sz="1800" dirty="0"/>
-              <a:t>The almighty Internet !</a:t>
+              <a:t>Google!</a:t>
             </a:r>
           </a:p>
           <a:p>
@@ -6443,7 +6441,7 @@
             </a:pPr>
             <a:r>
               <a:rPr lang="en-US" sz="1600" dirty="0"/>
-              <a:t>Google!</a:t>
+              <a:t>Wikipedia</a:t>
             </a:r>
           </a:p>
           <a:p>
@@ -6454,17 +6452,6 @@
             </a:pPr>
             <a:r>
               <a:rPr lang="en-US" sz="1600" dirty="0"/>
-              <a:t>Wikipedia</a:t>
-            </a:r>
-          </a:p>
-          <a:p>
-            <a:pPr lvl="1">
-              <a:lnSpc>
-                <a:spcPct val="114000"/>
-              </a:lnSpc>
-            </a:pPr>
-            <a:r>
-              <a:rPr lang="en-US" sz="1600" dirty="0"/>
               <a:t>Forums</a:t>
             </a:r>
           </a:p>
@@ -6476,7 +6463,7 @@
             </a:pPr>
             <a:r>
               <a:rPr lang="en-US" sz="1400" dirty="0">
-                <a:hlinkClick r:id="rId3"/>
+                <a:hlinkClick r:id="rId2"/>
               </a:rPr>
               <a:t>http://www.edaboard.com/</a:t>
             </a:r>
@@ -6493,7 +6480,7 @@
             </a:pPr>
             <a:r>
               <a:rPr lang="en-US" sz="1400" dirty="0">
-                <a:hlinkClick r:id="rId4"/>
+                <a:hlinkClick r:id="rId3"/>
               </a:rPr>
               <a:t>http://www.eevblog.com/forum/</a:t>
             </a:r>
@@ -6507,7 +6494,7 @@
             </a:pPr>
             <a:r>
               <a:rPr lang="en-US" sz="1400" dirty="0">
-                <a:hlinkClick r:id="rId5"/>
+                <a:hlinkClick r:id="rId4"/>
               </a:rPr>
               <a:t>http://electronics.stackexchange.com/</a:t>
             </a:r>
@@ -6524,7 +6511,7 @@
             </a:pPr>
             <a:r>
               <a:rPr lang="en-US" sz="1400" dirty="0">
-                <a:hlinkClick r:id="rId6"/>
+                <a:hlinkClick r:id="rId5"/>
               </a:rPr>
               <a:t>https://forum.sparkfun.com/</a:t>
             </a:r>
@@ -6541,7 +6528,7 @@
             </a:pPr>
             <a:r>
               <a:rPr lang="en-US" sz="1400" dirty="0">
-                <a:hlinkClick r:id="rId7"/>
+                <a:hlinkClick r:id="rId6"/>
               </a:rPr>
               <a:t>https://forums.adafruit.com/</a:t>
             </a:r>
@@ -6572,7 +6559,7 @@
           <p:nvPr/>
         </p:nvPicPr>
         <p:blipFill>
-          <a:blip r:embed="rId8" cstate="print"/>
+          <a:blip r:embed="rId7" cstate="print"/>
           <a:srcRect l="10613" t="15924" r="10901" b="21433"/>
           <a:stretch>
             <a:fillRect/>
@@ -6598,7 +6585,7 @@
           <p:nvPr/>
         </p:nvPicPr>
         <p:blipFill>
-          <a:blip r:embed="rId9">
+          <a:blip r:embed="rId8">
             <a:duotone>
               <a:prstClr val="black"/>
               <a:schemeClr val="bg2">
@@ -6649,7 +6636,7 @@
           <p:nvPr/>
         </p:nvPicPr>
         <p:blipFill>
-          <a:blip r:embed="rId10">
+          <a:blip r:embed="rId9">
             <a:extLst>
               <a:ext uri="{28A0092B-C50C-407E-A947-70E740481C1C}">
                 <a14:useLocalDpi xmlns:a14="http://schemas.microsoft.com/office/drawing/2010/main" val="0"/>
@@ -6690,7 +6677,7 @@
           <p:nvPr/>
         </p:nvPicPr>
         <p:blipFill>
-          <a:blip r:embed="rId11">
+          <a:blip r:embed="rId10">
             <a:extLst>
               <a:ext uri="{28A0092B-C50C-407E-A947-70E740481C1C}">
                 <a14:useLocalDpi xmlns:a14="http://schemas.microsoft.com/office/drawing/2010/main" val="0"/>
@@ -6731,7 +6718,7 @@
           <p:nvPr/>
         </p:nvPicPr>
         <p:blipFill>
-          <a:blip r:embed="rId12">
+          <a:blip r:embed="rId11">
             <a:extLst>
               <a:ext uri="{28A0092B-C50C-407E-A947-70E740481C1C}">
                 <a14:useLocalDpi xmlns:a14="http://schemas.microsoft.com/office/drawing/2010/main" val="0"/>
@@ -6804,7 +6791,7 @@
                                         <p:tgtEl>
                                           <p:spTgt spid="3">
                                             <p:txEl>
-                                              <p:pRg st="2" end="2"/>
+                                              <p:pRg st="0" end="0"/>
                                             </p:txEl>
                                           </p:spTgt>
                                         </p:tgtEl>
@@ -6853,7 +6840,7 @@
                                         <p:tgtEl>
                                           <p:spTgt spid="3">
                                             <p:txEl>
-                                              <p:pRg st="3" end="3"/>
+                                              <p:pRg st="1" end="1"/>
                                             </p:txEl>
                                           </p:spTgt>
                                         </p:tgtEl>
@@ -6902,7 +6889,7 @@
                                         <p:tgtEl>
                                           <p:spTgt spid="3">
                                             <p:txEl>
-                                              <p:pRg st="4" end="4"/>
+                                              <p:pRg st="2" end="2"/>
                                             </p:txEl>
                                           </p:spTgt>
                                         </p:tgtEl>
@@ -6951,7 +6938,7 @@
                                         <p:tgtEl>
                                           <p:spTgt spid="3">
                                             <p:txEl>
-                                              <p:pRg st="5" end="5"/>
+                                              <p:pRg st="3" end="3"/>
                                             </p:txEl>
                                           </p:spTgt>
                                         </p:tgtEl>
@@ -7000,7 +6987,7 @@
                                         <p:tgtEl>
                                           <p:spTgt spid="3">
                                             <p:txEl>
-                                              <p:pRg st="6" end="6"/>
+                                              <p:pRg st="4" end="4"/>
                                             </p:txEl>
                                           </p:spTgt>
                                         </p:tgtEl>
@@ -7049,7 +7036,7 @@
                                         <p:tgtEl>
                                           <p:spTgt spid="3">
                                             <p:txEl>
-                                              <p:pRg st="7" end="7"/>
+                                              <p:pRg st="5" end="5"/>
                                             </p:txEl>
                                           </p:spTgt>
                                         </p:tgtEl>
@@ -7125,7 +7112,7 @@
                                         <p:tgtEl>
                                           <p:spTgt spid="3">
                                             <p:txEl>
-                                              <p:pRg st="8" end="8"/>
+                                              <p:pRg st="6" end="6"/>
                                             </p:txEl>
                                           </p:spTgt>
                                         </p:tgtEl>
@@ -7201,7 +7188,7 @@
                                         <p:tgtEl>
                                           <p:spTgt spid="3">
                                             <p:txEl>
-                                              <p:pRg st="9" end="9"/>
+                                              <p:pRg st="7" end="7"/>
                                             </p:txEl>
                                           </p:spTgt>
                                         </p:tgtEl>
@@ -7277,7 +7264,7 @@
                                         <p:tgtEl>
                                           <p:spTgt spid="3">
                                             <p:txEl>
-                                              <p:pRg st="10" end="10"/>
+                                              <p:pRg st="8" end="8"/>
                                             </p:txEl>
                                           </p:spTgt>
                                         </p:tgtEl>
@@ -7353,7 +7340,7 @@
                                         <p:tgtEl>
                                           <p:spTgt spid="3">
                                             <p:txEl>
-                                              <p:pRg st="11" end="11"/>
+                                              <p:pRg st="9" end="9"/>
                                             </p:txEl>
                                           </p:spTgt>
                                         </p:tgtEl>
@@ -7429,7 +7416,7 @@
                                         <p:tgtEl>
                                           <p:spTgt spid="3">
                                             <p:txEl>
-                                              <p:pRg st="12" end="12"/>
+                                              <p:pRg st="10" end="10"/>
                                             </p:txEl>
                                           </p:spTgt>
                                         </p:tgtEl>
@@ -7571,21 +7558,8 @@
             </a:r>
             <a:r>
               <a:rPr lang="en-US" sz="1200" b="1" dirty="0"/>
-              <a:t>10 AM – 12 PM Monday </a:t>
-            </a:r>
-            <a:r>
-              <a:rPr lang="en-US" sz="1200" dirty="0"/>
-              <a:t>or </a:t>
-            </a:r>
-            <a:r>
-              <a:rPr lang="en-US" sz="1200" b="1" dirty="0"/>
-              <a:t>by appointment in Kemper 3169</a:t>
-            </a:r>
-            <a:r>
-              <a:rPr lang="en-US" sz="1200" dirty="0"/>
-              <a:t> </a:t>
-            </a:r>
-            <a:endParaRPr lang="en-US" sz="1200" b="1" dirty="0"/>
+              <a:t>By appointment</a:t>
+            </a:r>
           </a:p>
           <a:p>
             <a:r>
@@ -7596,56 +7570,15 @@
           <a:p>
             <a:pPr lvl="1"/>
             <a:r>
-              <a:rPr lang="en-US" sz="1400" dirty="0" err="1"/>
-              <a:t>Songjie</a:t>
-            </a:r>
-            <a:r>
               <a:rPr lang="en-US" sz="1400" dirty="0"/>
-              <a:t> Bi</a:t>
+              <a:t>Li Zhang</a:t>
             </a:r>
           </a:p>
           <a:p>
             <a:pPr lvl="2"/>
             <a:r>
               <a:rPr lang="en-US" sz="1200" dirty="0"/>
-              <a:t>Email: </a:t>
-            </a:r>
-            <a:r>
-              <a:rPr lang="en-US" sz="1200" dirty="0">
-                <a:hlinkClick r:id="rId3"/>
-              </a:rPr>
-              <a:t>sbi@ucdavis.edu</a:t>
-            </a:r>
-            <a:endParaRPr lang="en-US" sz="1200" dirty="0"/>
-          </a:p>
-          <a:p>
-            <a:pPr lvl="2"/>
-            <a:r>
-              <a:rPr lang="en-US" sz="1200" dirty="0"/>
-              <a:t>Office hours: </a:t>
-            </a:r>
-            <a:r>
-              <a:rPr lang="en-US" sz="1200" b="1" dirty="0"/>
-              <a:t>TBD</a:t>
-            </a:r>
-          </a:p>
-          <a:p>
-            <a:pPr lvl="1"/>
-            <a:r>
-              <a:rPr lang="en-US" sz="1400" dirty="0"/>
-              <a:t>Hind </a:t>
-            </a:r>
-            <a:r>
-              <a:rPr lang="en-US" sz="1400" dirty="0" err="1"/>
-              <a:t>Reggad</a:t>
-            </a:r>
-            <a:endParaRPr lang="en-US" sz="1400" dirty="0"/>
-          </a:p>
-          <a:p>
-            <a:pPr lvl="2"/>
-            <a:r>
-              <a:rPr lang="en-US" sz="1200" dirty="0"/>
-              <a:t>Email: hinreggad@ucdavis.edu  </a:t>
+              <a:t>Email: zjuzhang@ucdavis.edu   </a:t>
             </a:r>
           </a:p>
           <a:p>
@@ -7684,7 +7617,7 @@
             </a:r>
             <a:r>
               <a:rPr lang="en-US" sz="1200" dirty="0">
-                <a:hlinkClick r:id="rId4"/>
+                <a:hlinkClick r:id="rId3"/>
               </a:rPr>
               <a:t>manafe@ucdavis.edu</a:t>
             </a:r>
@@ -7718,7 +7651,15 @@
             </a:r>
             <a:r>
               <a:rPr lang="en-US" sz="1400" dirty="0"/>
-              <a:t> in TBD</a:t>
+              <a:t> in </a:t>
+            </a:r>
+            <a:r>
+              <a:rPr lang="en-US" sz="1400" dirty="0" err="1"/>
+              <a:t>Bainer</a:t>
+            </a:r>
+            <a:r>
+              <a:rPr lang="en-US" sz="1400" dirty="0"/>
+              <a:t> 1060</a:t>
             </a:r>
             <a:endParaRPr lang="en-US" sz="1400" dirty="0">
               <a:solidFill>
@@ -7737,7 +7678,7 @@
           <p:nvPr/>
         </p:nvPicPr>
         <p:blipFill>
-          <a:blip r:embed="rId5">
+          <a:blip r:embed="rId4">
             <a:extLst>
               <a:ext uri="{28A0092B-C50C-407E-A947-70E740481C1C}">
                 <a14:useLocalDpi xmlns:a14="http://schemas.microsoft.com/office/drawing/2010/main" val="0"/>
@@ -7771,7 +7712,49 @@
       </p:pic>
       <p:pic>
         <p:nvPicPr>
-          <p:cNvPr id="5" name="Picture 2" descr="http://ucdart.github.io/images/songjie.jpg"/>
+          <p:cNvPr id="10" name="Picture 9">
+            <a:extLst>
+              <a:ext uri="{FF2B5EF4-FFF2-40B4-BE49-F238E27FC236}">
+                <a16:creationId xmlns:a16="http://schemas.microsoft.com/office/drawing/2014/main" id="{E1E3F4AE-E18F-4012-9A9C-E083FF548BF5}"/>
+              </a:ext>
+            </a:extLst>
+          </p:cNvPr>
+          <p:cNvPicPr>
+            <a:picLocks noChangeAspect="1"/>
+          </p:cNvPicPr>
+          <p:nvPr/>
+        </p:nvPicPr>
+        <p:blipFill>
+          <a:blip r:embed="rId5">
+            <a:extLst>
+              <a:ext uri="{28A0092B-C50C-407E-A947-70E740481C1C}">
+                <a14:useLocalDpi xmlns:a14="http://schemas.microsoft.com/office/drawing/2010/main" val="0"/>
+              </a:ext>
+            </a:extLst>
+          </a:blip>
+          <a:stretch>
+            <a:fillRect/>
+          </a:stretch>
+        </p:blipFill>
+        <p:spPr>
+          <a:xfrm>
+            <a:off x="5119582" y="2698798"/>
+            <a:ext cx="1325077" cy="1656346"/>
+          </a:xfrm>
+          <a:prstGeom prst="rect">
+            <a:avLst/>
+          </a:prstGeom>
+        </p:spPr>
+      </p:pic>
+      <p:pic>
+        <p:nvPicPr>
+          <p:cNvPr id="1026" name="Picture 2" descr="http://dart.ece.ucdavis.edu/people/images/li.jpg">
+            <a:extLst>
+              <a:ext uri="{FF2B5EF4-FFF2-40B4-BE49-F238E27FC236}">
+                <a16:creationId xmlns:a16="http://schemas.microsoft.com/office/drawing/2014/main" id="{B8C7F51A-8E74-40EB-B016-3B31C6A6C83A}"/>
+              </a:ext>
+            </a:extLst>
+          </p:cNvPr>
           <p:cNvPicPr>
             <a:picLocks noChangeAspect="1" noChangeArrowheads="1"/>
           </p:cNvPicPr>
@@ -7792,8 +7775,8 @@
         </p:blipFill>
         <p:spPr bwMode="auto">
           <a:xfrm>
-            <a:off x="4662192" y="2571750"/>
-            <a:ext cx="1371600" cy="1714500"/>
+            <a:off x="7072744" y="2698798"/>
+            <a:ext cx="1325077" cy="1656346"/>
           </a:xfrm>
           <a:prstGeom prst="rect">
             <a:avLst/>
@@ -7808,78 +7791,6 @@
               </a14:hiddenFill>
             </a:ext>
           </a:extLst>
-        </p:spPr>
-      </p:pic>
-      <p:pic>
-        <p:nvPicPr>
-          <p:cNvPr id="8" name="Picture 7">
-            <a:extLst>
-              <a:ext uri="{FF2B5EF4-FFF2-40B4-BE49-F238E27FC236}">
-                <a16:creationId xmlns:a16="http://schemas.microsoft.com/office/drawing/2014/main" id="{01843EA8-A3B4-452F-B72A-7AF856AE2AF0}"/>
-              </a:ext>
-            </a:extLst>
-          </p:cNvPr>
-          <p:cNvPicPr>
-            <a:picLocks noChangeAspect="1"/>
-          </p:cNvPicPr>
-          <p:nvPr/>
-        </p:nvPicPr>
-        <p:blipFill>
-          <a:blip r:embed="rId7">
-            <a:extLst>
-              <a:ext uri="{28A0092B-C50C-407E-A947-70E740481C1C}">
-                <a14:useLocalDpi xmlns:a14="http://schemas.microsoft.com/office/drawing/2010/main" val="0"/>
-              </a:ext>
-            </a:extLst>
-          </a:blip>
-          <a:stretch>
-            <a:fillRect/>
-          </a:stretch>
-        </p:blipFill>
-        <p:spPr>
-          <a:xfrm>
-            <a:off x="6184088" y="2629904"/>
-            <a:ext cx="1325076" cy="1656345"/>
-          </a:xfrm>
-          <a:prstGeom prst="rect">
-            <a:avLst/>
-          </a:prstGeom>
-        </p:spPr>
-      </p:pic>
-      <p:pic>
-        <p:nvPicPr>
-          <p:cNvPr id="10" name="Picture 9">
-            <a:extLst>
-              <a:ext uri="{FF2B5EF4-FFF2-40B4-BE49-F238E27FC236}">
-                <a16:creationId xmlns:a16="http://schemas.microsoft.com/office/drawing/2014/main" id="{E1E3F4AE-E18F-4012-9A9C-E083FF548BF5}"/>
-              </a:ext>
-            </a:extLst>
-          </p:cNvPr>
-          <p:cNvPicPr>
-            <a:picLocks noChangeAspect="1"/>
-          </p:cNvPicPr>
-          <p:nvPr/>
-        </p:nvPicPr>
-        <p:blipFill>
-          <a:blip r:embed="rId8">
-            <a:extLst>
-              <a:ext uri="{28A0092B-C50C-407E-A947-70E740481C1C}">
-                <a14:useLocalDpi xmlns:a14="http://schemas.microsoft.com/office/drawing/2010/main" val="0"/>
-              </a:ext>
-            </a:extLst>
-          </a:blip>
-          <a:stretch>
-            <a:fillRect/>
-          </a:stretch>
-        </p:blipFill>
-        <p:spPr>
-          <a:xfrm>
-            <a:off x="7668629" y="2629905"/>
-            <a:ext cx="1325077" cy="1656346"/>
-          </a:xfrm>
-          <a:prstGeom prst="rect">
-            <a:avLst/>
-          </a:prstGeom>
         </p:spPr>
       </p:pic>
     </p:spTree>
@@ -7959,7 +7870,7 @@
                                         <p:tgtEl>
                                           <p:spTgt spid="3">
                                             <p:txEl>
-                                              <p:pRg st="11" end="11"/>
+                                              <p:pRg st="8" end="8"/>
                                             </p:txEl>
                                           </p:spTgt>
                                         </p:tgtEl>
@@ -8083,7 +7994,7 @@
                                         <p:tgtEl>
                                           <p:spTgt spid="3">
                                             <p:txEl>
-                                              <p:pRg st="8" end="8"/>
+                                              <p:pRg st="9" end="9"/>
                                             </p:txEl>
                                           </p:spTgt>
                                         </p:tgtEl>
@@ -8114,37 +8025,6 @@
                                         <p:tgtEl>
                                           <p:spTgt spid="3">
                                             <p:txEl>
-                                              <p:pRg st="9" end="9"/>
-                                            </p:txEl>
-                                          </p:spTgt>
-                                        </p:tgtEl>
-                                        <p:attrNameLst>
-                                          <p:attrName>style.visibility</p:attrName>
-                                        </p:attrNameLst>
-                                      </p:cBhvr>
-                                      <p:to>
-                                        <p:strVal val="visible"/>
-                                      </p:to>
-                                    </p:set>
-                                  </p:childTnLst>
-                                </p:cTn>
-                              </p:par>
-                              <p:par>
-                                <p:cTn id="19" presetID="1" presetClass="entr" presetSubtype="0" fill="hold" nodeType="withEffect">
-                                  <p:stCondLst>
-                                    <p:cond delay="0"/>
-                                  </p:stCondLst>
-                                  <p:childTnLst>
-                                    <p:set>
-                                      <p:cBhvr>
-                                        <p:cTn id="20" dur="1" fill="hold">
-                                          <p:stCondLst>
-                                            <p:cond delay="0"/>
-                                          </p:stCondLst>
-                                        </p:cTn>
-                                        <p:tgtEl>
-                                          <p:spTgt spid="3">
-                                            <p:txEl>
                                               <p:pRg st="10" end="10"/>
                                             </p:txEl>
                                           </p:spTgt>
@@ -8160,8 +8040,26 @@
                                   </p:childTnLst>
                                 </p:cTn>
                               </p:par>
+                            </p:childTnLst>
+                          </p:cTn>
+                        </p:par>
+                      </p:childTnLst>
+                    </p:cTn>
+                  </p:par>
+                  <p:par>
+                    <p:cTn id="19" fill="hold">
+                      <p:stCondLst>
+                        <p:cond delay="indefinite"/>
+                      </p:stCondLst>
+                      <p:childTnLst>
+                        <p:par>
+                          <p:cTn id="20" fill="hold">
+                            <p:stCondLst>
+                              <p:cond delay="0"/>
+                            </p:stCondLst>
+                            <p:childTnLst>
                               <p:par>
-                                <p:cTn id="21" presetID="1" presetClass="entr" presetSubtype="0" fill="hold" nodeType="withEffect">
+                                <p:cTn id="21" presetID="1" presetClass="entr" presetSubtype="0" fill="hold" nodeType="clickEffect">
                                   <p:stCondLst>
                                     <p:cond delay="0"/>
                                   </p:stCondLst>
@@ -8176,7 +8074,7 @@
                                         <p:tgtEl>
                                           <p:spTgt spid="3">
                                             <p:txEl>
-                                              <p:pRg st="12" end="12"/>
+                                              <p:pRg st="11" end="11"/>
                                             </p:txEl>
                                           </p:spTgt>
                                         </p:tgtEl>
@@ -8207,87 +8105,7 @@
                                         <p:tgtEl>
                                           <p:spTgt spid="3">
                                             <p:txEl>
-                                              <p:pRg st="13" end="13"/>
-                                            </p:txEl>
-                                          </p:spTgt>
-                                        </p:tgtEl>
-                                        <p:attrNameLst>
-                                          <p:attrName>style.visibility</p:attrName>
-                                        </p:attrNameLst>
-                                      </p:cBhvr>
-                                      <p:to>
-                                        <p:strVal val="visible"/>
-                                      </p:to>
-                                    </p:set>
-                                  </p:childTnLst>
-                                </p:cTn>
-                              </p:par>
-                            </p:childTnLst>
-                          </p:cTn>
-                        </p:par>
-                      </p:childTnLst>
-                    </p:cTn>
-                  </p:par>
-                  <p:par>
-                    <p:cTn id="25" fill="hold">
-                      <p:stCondLst>
-                        <p:cond delay="indefinite"/>
-                      </p:stCondLst>
-                      <p:childTnLst>
-                        <p:par>
-                          <p:cTn id="26" fill="hold">
-                            <p:stCondLst>
-                              <p:cond delay="0"/>
-                            </p:stCondLst>
-                            <p:childTnLst>
-                              <p:par>
-                                <p:cTn id="27" presetID="1" presetClass="entr" presetSubtype="0" fill="hold" nodeType="clickEffect">
-                                  <p:stCondLst>
-                                    <p:cond delay="0"/>
-                                  </p:stCondLst>
-                                  <p:childTnLst>
-                                    <p:set>
-                                      <p:cBhvr>
-                                        <p:cTn id="28" dur="1" fill="hold">
-                                          <p:stCondLst>
-                                            <p:cond delay="0"/>
-                                          </p:stCondLst>
-                                        </p:cTn>
-                                        <p:tgtEl>
-                                          <p:spTgt spid="3">
-                                            <p:txEl>
-                                              <p:pRg st="14" end="14"/>
-                                            </p:txEl>
-                                          </p:spTgt>
-                                        </p:tgtEl>
-                                        <p:attrNameLst>
-                                          <p:attrName>style.visibility</p:attrName>
-                                        </p:attrNameLst>
-                                      </p:cBhvr>
-                                      <p:to>
-                                        <p:strVal val="visible"/>
-                                      </p:to>
-                                    </p:set>
-                                  </p:childTnLst>
-                                </p:cTn>
-                              </p:par>
-                              <p:par>
-                                <p:cTn id="29" presetID="1" presetClass="entr" presetSubtype="0" fill="hold" nodeType="withEffect">
-                                  <p:stCondLst>
-                                    <p:cond delay="0"/>
-                                  </p:stCondLst>
-                                  <p:childTnLst>
-                                    <p:set>
-                                      <p:cBhvr>
-                                        <p:cTn id="30" dur="1" fill="hold">
-                                          <p:stCondLst>
-                                            <p:cond delay="0"/>
-                                          </p:stCondLst>
-                                        </p:cTn>
-                                        <p:tgtEl>
-                                          <p:spTgt spid="3">
-                                            <p:txEl>
-                                              <p:pRg st="15" end="15"/>
+                                              <p:pRg st="12" end="12"/>
                                             </p:txEl>
                                           </p:spTgt>
                                         </p:tgtEl>
@@ -9939,56 +9757,6 @@
               <a:rPr lang="en-US" dirty="0"/>
               <a:t>Quarter 1 Lab Schedule</a:t>
             </a:r>
-          </a:p>
-        </p:txBody>
-      </p:sp>
-      <p:sp>
-        <p:nvSpPr>
-          <p:cNvPr id="3" name="Text Placeholder 2"/>
-          <p:cNvSpPr>
-            <a:spLocks noGrp="1"/>
-          </p:cNvSpPr>
-          <p:nvPr>
-            <p:ph type="body" sz="quarter" idx="10"/>
-          </p:nvPr>
-        </p:nvSpPr>
-        <p:spPr>
-          <a:xfrm>
-            <a:off x="304800" y="5567058"/>
-            <a:ext cx="8493125" cy="1019091"/>
-          </a:xfrm>
-        </p:spPr>
-        <p:txBody>
-          <a:bodyPr/>
-          <a:lstStyle/>
-          <a:p>
-            <a:r>
-              <a:rPr lang="en-US" dirty="0"/>
-              <a:t>A more detailed schedule is available at the following link and on </a:t>
-            </a:r>
-            <a:r>
-              <a:rPr lang="en-US" dirty="0" err="1"/>
-              <a:t>SmartSite</a:t>
-            </a:r>
-            <a:r>
-              <a:rPr lang="en-US" dirty="0"/>
-              <a:t>; make sure you read it carefully: </a:t>
-            </a:r>
-            <a:r>
-              <a:rPr lang="en-US" dirty="0">
-                <a:hlinkClick r:id="rId2"/>
-              </a:rPr>
-              <a:t>https://github.com/ucdart/UCD-EEC134/blob/master/support/schedule/eec134-schedule.pdf</a:t>
-            </a:r>
-            <a:r>
-              <a:rPr lang="en-US" dirty="0"/>
-              <a:t> </a:t>
-            </a:r>
-            <a:endParaRPr lang="en-US" dirty="0">
-              <a:solidFill>
-                <a:srgbClr val="FF0000"/>
-              </a:solidFill>
-            </a:endParaRPr>
           </a:p>
         </p:txBody>
       </p:sp>
@@ -12281,6 +12049,31 @@
           </a:graphicData>
         </a:graphic>
       </p:graphicFrame>
+      <p:sp>
+        <p:nvSpPr>
+          <p:cNvPr id="6" name="Text Placeholder 5">
+            <a:extLst>
+              <a:ext uri="{FF2B5EF4-FFF2-40B4-BE49-F238E27FC236}">
+                <a16:creationId xmlns:a16="http://schemas.microsoft.com/office/drawing/2014/main" id="{76F158D5-3AE0-48D7-BB0A-B5E171814B49}"/>
+              </a:ext>
+            </a:extLst>
+          </p:cNvPr>
+          <p:cNvSpPr>
+            <a:spLocks noGrp="1"/>
+          </p:cNvSpPr>
+          <p:nvPr>
+            <p:ph type="body" sz="quarter" idx="10"/>
+          </p:nvPr>
+        </p:nvSpPr>
+        <p:spPr/>
+        <p:txBody>
+          <a:bodyPr/>
+          <a:lstStyle/>
+          <a:p>
+            <a:endParaRPr lang="zh-CN" altLang="en-US"/>
+          </a:p>
+        </p:txBody>
+      </p:sp>
     </p:spTree>
     <p:extLst>
       <p:ext uri="{BB962C8B-B14F-4D97-AF65-F5344CB8AC3E}">
